--- a/Алькевич А.С/Презентация.pptx
+++ b/Алькевич А.С/Презентация.pptx
@@ -136,7 +136,7 @@
           <p:cNvPr id="2" name="Title 1">
             <a:extLst>
               <a:ext uri="{FF2B5EF4-FFF2-40B4-BE49-F238E27FC236}">
-                <a16:creationId xmlns:a16="http://schemas.microsoft.com/office/drawing/2014/main" id="{075A325B-EC82-4904-A9A2-236D01B3D7AC}"/>
+                <a16:creationId xmlns:a16="http://schemas.microsoft.com/office/drawing/2014/main" xmlns="" id="{075A325B-EC82-4904-A9A2-236D01B3D7AC}"/>
               </a:ext>
             </a:extLst>
           </p:cNvPr>
@@ -173,7 +173,7 @@
           <p:cNvPr id="3" name="Subtitle 2">
             <a:extLst>
               <a:ext uri="{FF2B5EF4-FFF2-40B4-BE49-F238E27FC236}">
-                <a16:creationId xmlns:a16="http://schemas.microsoft.com/office/drawing/2014/main" id="{A59E1933-8127-4E9F-B8CD-A242D0E1A9CB}"/>
+                <a16:creationId xmlns:a16="http://schemas.microsoft.com/office/drawing/2014/main" xmlns="" id="{A59E1933-8127-4E9F-B8CD-A242D0E1A9CB}"/>
               </a:ext>
             </a:extLst>
           </p:cNvPr>
@@ -243,7 +243,7 @@
           <p:cNvPr id="4" name="Date Placeholder 3">
             <a:extLst>
               <a:ext uri="{FF2B5EF4-FFF2-40B4-BE49-F238E27FC236}">
-                <a16:creationId xmlns:a16="http://schemas.microsoft.com/office/drawing/2014/main" id="{3500B7BE-606D-4F3C-B108-44C68BB6C70F}"/>
+                <a16:creationId xmlns:a16="http://schemas.microsoft.com/office/drawing/2014/main" xmlns="" id="{3500B7BE-606D-4F3C-B108-44C68BB6C70F}"/>
               </a:ext>
             </a:extLst>
           </p:cNvPr>
@@ -261,7 +261,8 @@
           <a:p>
             <a:fld id="{FA2E1F03-39B6-4BE1-A82C-E30542474753}" type="datetimeFigureOut">
               <a:rPr lang="en-US" smtClean="0"/>
-              <a:t>6/10/2019</a:t>
+              <a:pPr/>
+              <a:t>6/12/2019</a:t>
             </a:fld>
             <a:endParaRPr lang="en-US"/>
           </a:p>
@@ -272,7 +273,7 @@
           <p:cNvPr id="5" name="Footer Placeholder 4">
             <a:extLst>
               <a:ext uri="{FF2B5EF4-FFF2-40B4-BE49-F238E27FC236}">
-                <a16:creationId xmlns:a16="http://schemas.microsoft.com/office/drawing/2014/main" id="{C5D4B445-95D6-4B06-8E21-61D5BFF5B2F6}"/>
+                <a16:creationId xmlns:a16="http://schemas.microsoft.com/office/drawing/2014/main" xmlns="" id="{C5D4B445-95D6-4B06-8E21-61D5BFF5B2F6}"/>
               </a:ext>
             </a:extLst>
           </p:cNvPr>
@@ -297,7 +298,7 @@
           <p:cNvPr id="6" name="Slide Number Placeholder 5">
             <a:extLst>
               <a:ext uri="{FF2B5EF4-FFF2-40B4-BE49-F238E27FC236}">
-                <a16:creationId xmlns:a16="http://schemas.microsoft.com/office/drawing/2014/main" id="{50F38575-7DF0-4297-9FD3-A6723369B92D}"/>
+                <a16:creationId xmlns:a16="http://schemas.microsoft.com/office/drawing/2014/main" xmlns="" id="{50F38575-7DF0-4297-9FD3-A6723369B92D}"/>
               </a:ext>
             </a:extLst>
           </p:cNvPr>
@@ -315,6 +316,7 @@
           <a:p>
             <a:fld id="{B23EB684-FDC9-4966-92BE-BF5A330D65BF}" type="slidenum">
               <a:rPr lang="en-US" smtClean="0"/>
+              <a:pPr/>
               <a:t>‹#›</a:t>
             </a:fld>
             <a:endParaRPr lang="en-US"/>
@@ -324,7 +326,7 @@
     </p:spTree>
     <p:extLst>
       <p:ext uri="{BB962C8B-B14F-4D97-AF65-F5344CB8AC3E}">
-        <p14:creationId xmlns:p14="http://schemas.microsoft.com/office/powerpoint/2010/main" val="3779878831"/>
+        <p14:creationId xmlns:p14="http://schemas.microsoft.com/office/powerpoint/2010/main" xmlns="" val="3779878831"/>
       </p:ext>
     </p:extLst>
   </p:cSld>
@@ -356,7 +358,7 @@
           <p:cNvPr id="2" name="Title 1">
             <a:extLst>
               <a:ext uri="{FF2B5EF4-FFF2-40B4-BE49-F238E27FC236}">
-                <a16:creationId xmlns:a16="http://schemas.microsoft.com/office/drawing/2014/main" id="{DBB4BB53-F640-4B09-A8D2-2C26B5F06F21}"/>
+                <a16:creationId xmlns:a16="http://schemas.microsoft.com/office/drawing/2014/main" xmlns="" id="{DBB4BB53-F640-4B09-A8D2-2C26B5F06F21}"/>
               </a:ext>
             </a:extLst>
           </p:cNvPr>
@@ -384,7 +386,7 @@
           <p:cNvPr id="3" name="Vertical Text Placeholder 2">
             <a:extLst>
               <a:ext uri="{FF2B5EF4-FFF2-40B4-BE49-F238E27FC236}">
-                <a16:creationId xmlns:a16="http://schemas.microsoft.com/office/drawing/2014/main" id="{497674D4-4594-4E03-9FBF-49B9AE47E974}"/>
+                <a16:creationId xmlns:a16="http://schemas.microsoft.com/office/drawing/2014/main" xmlns="" id="{497674D4-4594-4E03-9FBF-49B9AE47E974}"/>
               </a:ext>
             </a:extLst>
           </p:cNvPr>
@@ -441,7 +443,7 @@
           <p:cNvPr id="4" name="Date Placeholder 3">
             <a:extLst>
               <a:ext uri="{FF2B5EF4-FFF2-40B4-BE49-F238E27FC236}">
-                <a16:creationId xmlns:a16="http://schemas.microsoft.com/office/drawing/2014/main" id="{A95BDF95-B9D3-4364-A25B-093D6E972F4C}"/>
+                <a16:creationId xmlns:a16="http://schemas.microsoft.com/office/drawing/2014/main" xmlns="" id="{A95BDF95-B9D3-4364-A25B-093D6E972F4C}"/>
               </a:ext>
             </a:extLst>
           </p:cNvPr>
@@ -459,7 +461,8 @@
           <a:p>
             <a:fld id="{FA2E1F03-39B6-4BE1-A82C-E30542474753}" type="datetimeFigureOut">
               <a:rPr lang="en-US" smtClean="0"/>
-              <a:t>6/10/2019</a:t>
+              <a:pPr/>
+              <a:t>6/12/2019</a:t>
             </a:fld>
             <a:endParaRPr lang="en-US"/>
           </a:p>
@@ -470,7 +473,7 @@
           <p:cNvPr id="5" name="Footer Placeholder 4">
             <a:extLst>
               <a:ext uri="{FF2B5EF4-FFF2-40B4-BE49-F238E27FC236}">
-                <a16:creationId xmlns:a16="http://schemas.microsoft.com/office/drawing/2014/main" id="{FA50CD65-423B-44F6-B467-E532CC2EC677}"/>
+                <a16:creationId xmlns:a16="http://schemas.microsoft.com/office/drawing/2014/main" xmlns="" id="{FA50CD65-423B-44F6-B467-E532CC2EC677}"/>
               </a:ext>
             </a:extLst>
           </p:cNvPr>
@@ -495,7 +498,7 @@
           <p:cNvPr id="6" name="Slide Number Placeholder 5">
             <a:extLst>
               <a:ext uri="{FF2B5EF4-FFF2-40B4-BE49-F238E27FC236}">
-                <a16:creationId xmlns:a16="http://schemas.microsoft.com/office/drawing/2014/main" id="{B8382766-6D75-4861-B8AE-BF79A4C54DB0}"/>
+                <a16:creationId xmlns:a16="http://schemas.microsoft.com/office/drawing/2014/main" xmlns="" id="{B8382766-6D75-4861-B8AE-BF79A4C54DB0}"/>
               </a:ext>
             </a:extLst>
           </p:cNvPr>
@@ -513,6 +516,7 @@
           <a:p>
             <a:fld id="{B23EB684-FDC9-4966-92BE-BF5A330D65BF}" type="slidenum">
               <a:rPr lang="en-US" smtClean="0"/>
+              <a:pPr/>
               <a:t>‹#›</a:t>
             </a:fld>
             <a:endParaRPr lang="en-US"/>
@@ -522,7 +526,7 @@
     </p:spTree>
     <p:extLst>
       <p:ext uri="{BB962C8B-B14F-4D97-AF65-F5344CB8AC3E}">
-        <p14:creationId xmlns:p14="http://schemas.microsoft.com/office/powerpoint/2010/main" val="823327709"/>
+        <p14:creationId xmlns:p14="http://schemas.microsoft.com/office/powerpoint/2010/main" xmlns="" val="823327709"/>
       </p:ext>
     </p:extLst>
   </p:cSld>
@@ -554,7 +558,7 @@
           <p:cNvPr id="2" name="Vertical Title 1">
             <a:extLst>
               <a:ext uri="{FF2B5EF4-FFF2-40B4-BE49-F238E27FC236}">
-                <a16:creationId xmlns:a16="http://schemas.microsoft.com/office/drawing/2014/main" id="{9B9A79F7-4200-4CF1-BE75-80032BC9DDCE}"/>
+                <a16:creationId xmlns:a16="http://schemas.microsoft.com/office/drawing/2014/main" xmlns="" id="{9B9A79F7-4200-4CF1-BE75-80032BC9DDCE}"/>
               </a:ext>
             </a:extLst>
           </p:cNvPr>
@@ -587,7 +591,7 @@
           <p:cNvPr id="3" name="Vertical Text Placeholder 2">
             <a:extLst>
               <a:ext uri="{FF2B5EF4-FFF2-40B4-BE49-F238E27FC236}">
-                <a16:creationId xmlns:a16="http://schemas.microsoft.com/office/drawing/2014/main" id="{B15DEFFF-9D7C-45D1-A0A5-43719CECA94F}"/>
+                <a16:creationId xmlns:a16="http://schemas.microsoft.com/office/drawing/2014/main" xmlns="" id="{B15DEFFF-9D7C-45D1-A0A5-43719CECA94F}"/>
               </a:ext>
             </a:extLst>
           </p:cNvPr>
@@ -649,7 +653,7 @@
           <p:cNvPr id="4" name="Date Placeholder 3">
             <a:extLst>
               <a:ext uri="{FF2B5EF4-FFF2-40B4-BE49-F238E27FC236}">
-                <a16:creationId xmlns:a16="http://schemas.microsoft.com/office/drawing/2014/main" id="{2C670662-7C96-4DA1-A035-60BAA00D12FA}"/>
+                <a16:creationId xmlns:a16="http://schemas.microsoft.com/office/drawing/2014/main" xmlns="" id="{2C670662-7C96-4DA1-A035-60BAA00D12FA}"/>
               </a:ext>
             </a:extLst>
           </p:cNvPr>
@@ -667,7 +671,8 @@
           <a:p>
             <a:fld id="{FA2E1F03-39B6-4BE1-A82C-E30542474753}" type="datetimeFigureOut">
               <a:rPr lang="en-US" smtClean="0"/>
-              <a:t>6/10/2019</a:t>
+              <a:pPr/>
+              <a:t>6/12/2019</a:t>
             </a:fld>
             <a:endParaRPr lang="en-US"/>
           </a:p>
@@ -678,7 +683,7 @@
           <p:cNvPr id="5" name="Footer Placeholder 4">
             <a:extLst>
               <a:ext uri="{FF2B5EF4-FFF2-40B4-BE49-F238E27FC236}">
-                <a16:creationId xmlns:a16="http://schemas.microsoft.com/office/drawing/2014/main" id="{99E0F936-D249-4792-8247-6CDB1E3B811E}"/>
+                <a16:creationId xmlns:a16="http://schemas.microsoft.com/office/drawing/2014/main" xmlns="" id="{99E0F936-D249-4792-8247-6CDB1E3B811E}"/>
               </a:ext>
             </a:extLst>
           </p:cNvPr>
@@ -703,7 +708,7 @@
           <p:cNvPr id="6" name="Slide Number Placeholder 5">
             <a:extLst>
               <a:ext uri="{FF2B5EF4-FFF2-40B4-BE49-F238E27FC236}">
-                <a16:creationId xmlns:a16="http://schemas.microsoft.com/office/drawing/2014/main" id="{443CC790-7FB8-491E-89D4-24CB3AEC6490}"/>
+                <a16:creationId xmlns:a16="http://schemas.microsoft.com/office/drawing/2014/main" xmlns="" id="{443CC790-7FB8-491E-89D4-24CB3AEC6490}"/>
               </a:ext>
             </a:extLst>
           </p:cNvPr>
@@ -721,6 +726,7 @@
           <a:p>
             <a:fld id="{B23EB684-FDC9-4966-92BE-BF5A330D65BF}" type="slidenum">
               <a:rPr lang="en-US" smtClean="0"/>
+              <a:pPr/>
               <a:t>‹#›</a:t>
             </a:fld>
             <a:endParaRPr lang="en-US"/>
@@ -730,7 +736,7 @@
     </p:spTree>
     <p:extLst>
       <p:ext uri="{BB962C8B-B14F-4D97-AF65-F5344CB8AC3E}">
-        <p14:creationId xmlns:p14="http://schemas.microsoft.com/office/powerpoint/2010/main" val="3030679375"/>
+        <p14:creationId xmlns:p14="http://schemas.microsoft.com/office/powerpoint/2010/main" xmlns="" val="3030679375"/>
       </p:ext>
     </p:extLst>
   </p:cSld>
@@ -762,7 +768,7 @@
           <p:cNvPr id="2" name="Title 1">
             <a:extLst>
               <a:ext uri="{FF2B5EF4-FFF2-40B4-BE49-F238E27FC236}">
-                <a16:creationId xmlns:a16="http://schemas.microsoft.com/office/drawing/2014/main" id="{60833AB4-6484-462E-A3CC-829E6ECAEFBA}"/>
+                <a16:creationId xmlns:a16="http://schemas.microsoft.com/office/drawing/2014/main" xmlns="" id="{60833AB4-6484-462E-A3CC-829E6ECAEFBA}"/>
               </a:ext>
             </a:extLst>
           </p:cNvPr>
@@ -790,7 +796,7 @@
           <p:cNvPr id="3" name="Content Placeholder 2">
             <a:extLst>
               <a:ext uri="{FF2B5EF4-FFF2-40B4-BE49-F238E27FC236}">
-                <a16:creationId xmlns:a16="http://schemas.microsoft.com/office/drawing/2014/main" id="{A2C5186C-7C10-498B-8A1D-A1A431132C11}"/>
+                <a16:creationId xmlns:a16="http://schemas.microsoft.com/office/drawing/2014/main" xmlns="" id="{A2C5186C-7C10-498B-8A1D-A1A431132C11}"/>
               </a:ext>
             </a:extLst>
           </p:cNvPr>
@@ -847,7 +853,7 @@
           <p:cNvPr id="4" name="Date Placeholder 3">
             <a:extLst>
               <a:ext uri="{FF2B5EF4-FFF2-40B4-BE49-F238E27FC236}">
-                <a16:creationId xmlns:a16="http://schemas.microsoft.com/office/drawing/2014/main" id="{E7021A96-81DC-4AD0-ACA8-04C99423CF80}"/>
+                <a16:creationId xmlns:a16="http://schemas.microsoft.com/office/drawing/2014/main" xmlns="" id="{E7021A96-81DC-4AD0-ACA8-04C99423CF80}"/>
               </a:ext>
             </a:extLst>
           </p:cNvPr>
@@ -865,7 +871,8 @@
           <a:p>
             <a:fld id="{FA2E1F03-39B6-4BE1-A82C-E30542474753}" type="datetimeFigureOut">
               <a:rPr lang="en-US" smtClean="0"/>
-              <a:t>6/10/2019</a:t>
+              <a:pPr/>
+              <a:t>6/12/2019</a:t>
             </a:fld>
             <a:endParaRPr lang="en-US"/>
           </a:p>
@@ -876,7 +883,7 @@
           <p:cNvPr id="5" name="Footer Placeholder 4">
             <a:extLst>
               <a:ext uri="{FF2B5EF4-FFF2-40B4-BE49-F238E27FC236}">
-                <a16:creationId xmlns:a16="http://schemas.microsoft.com/office/drawing/2014/main" id="{37D91247-1896-4CBF-ADAA-2B57647FB807}"/>
+                <a16:creationId xmlns:a16="http://schemas.microsoft.com/office/drawing/2014/main" xmlns="" id="{37D91247-1896-4CBF-ADAA-2B57647FB807}"/>
               </a:ext>
             </a:extLst>
           </p:cNvPr>
@@ -901,7 +908,7 @@
           <p:cNvPr id="6" name="Slide Number Placeholder 5">
             <a:extLst>
               <a:ext uri="{FF2B5EF4-FFF2-40B4-BE49-F238E27FC236}">
-                <a16:creationId xmlns:a16="http://schemas.microsoft.com/office/drawing/2014/main" id="{1E8AF0A9-88E5-483D-ABFD-DC372ADABF77}"/>
+                <a16:creationId xmlns:a16="http://schemas.microsoft.com/office/drawing/2014/main" xmlns="" id="{1E8AF0A9-88E5-483D-ABFD-DC372ADABF77}"/>
               </a:ext>
             </a:extLst>
           </p:cNvPr>
@@ -919,6 +926,7 @@
           <a:p>
             <a:fld id="{B23EB684-FDC9-4966-92BE-BF5A330D65BF}" type="slidenum">
               <a:rPr lang="en-US" smtClean="0"/>
+              <a:pPr/>
               <a:t>‹#›</a:t>
             </a:fld>
             <a:endParaRPr lang="en-US"/>
@@ -928,7 +936,7 @@
     </p:spTree>
     <p:extLst>
       <p:ext uri="{BB962C8B-B14F-4D97-AF65-F5344CB8AC3E}">
-        <p14:creationId xmlns:p14="http://schemas.microsoft.com/office/powerpoint/2010/main" val="2484586931"/>
+        <p14:creationId xmlns:p14="http://schemas.microsoft.com/office/powerpoint/2010/main" xmlns="" val="2484586931"/>
       </p:ext>
     </p:extLst>
   </p:cSld>
@@ -960,7 +968,7 @@
           <p:cNvPr id="2" name="Title 1">
             <a:extLst>
               <a:ext uri="{FF2B5EF4-FFF2-40B4-BE49-F238E27FC236}">
-                <a16:creationId xmlns:a16="http://schemas.microsoft.com/office/drawing/2014/main" id="{EB638D51-006E-494E-835E-FD3DD865574E}"/>
+                <a16:creationId xmlns:a16="http://schemas.microsoft.com/office/drawing/2014/main" xmlns="" id="{EB638D51-006E-494E-835E-FD3DD865574E}"/>
               </a:ext>
             </a:extLst>
           </p:cNvPr>
@@ -997,7 +1005,7 @@
           <p:cNvPr id="3" name="Text Placeholder 2">
             <a:extLst>
               <a:ext uri="{FF2B5EF4-FFF2-40B4-BE49-F238E27FC236}">
-                <a16:creationId xmlns:a16="http://schemas.microsoft.com/office/drawing/2014/main" id="{B0F1496E-B8AB-4111-A535-DACBE65294F0}"/>
+                <a16:creationId xmlns:a16="http://schemas.microsoft.com/office/drawing/2014/main" xmlns="" id="{B0F1496E-B8AB-4111-A535-DACBE65294F0}"/>
               </a:ext>
             </a:extLst>
           </p:cNvPr>
@@ -1122,7 +1130,7 @@
           <p:cNvPr id="4" name="Date Placeholder 3">
             <a:extLst>
               <a:ext uri="{FF2B5EF4-FFF2-40B4-BE49-F238E27FC236}">
-                <a16:creationId xmlns:a16="http://schemas.microsoft.com/office/drawing/2014/main" id="{27A93AFA-34ED-4B54-A135-051A4FD82B57}"/>
+                <a16:creationId xmlns:a16="http://schemas.microsoft.com/office/drawing/2014/main" xmlns="" id="{27A93AFA-34ED-4B54-A135-051A4FD82B57}"/>
               </a:ext>
             </a:extLst>
           </p:cNvPr>
@@ -1140,7 +1148,8 @@
           <a:p>
             <a:fld id="{FA2E1F03-39B6-4BE1-A82C-E30542474753}" type="datetimeFigureOut">
               <a:rPr lang="en-US" smtClean="0"/>
-              <a:t>6/10/2019</a:t>
+              <a:pPr/>
+              <a:t>6/12/2019</a:t>
             </a:fld>
             <a:endParaRPr lang="en-US"/>
           </a:p>
@@ -1151,7 +1160,7 @@
           <p:cNvPr id="5" name="Footer Placeholder 4">
             <a:extLst>
               <a:ext uri="{FF2B5EF4-FFF2-40B4-BE49-F238E27FC236}">
-                <a16:creationId xmlns:a16="http://schemas.microsoft.com/office/drawing/2014/main" id="{D457C026-FFAE-4809-B341-7B4577DDBF3D}"/>
+                <a16:creationId xmlns:a16="http://schemas.microsoft.com/office/drawing/2014/main" xmlns="" id="{D457C026-FFAE-4809-B341-7B4577DDBF3D}"/>
               </a:ext>
             </a:extLst>
           </p:cNvPr>
@@ -1176,7 +1185,7 @@
           <p:cNvPr id="6" name="Slide Number Placeholder 5">
             <a:extLst>
               <a:ext uri="{FF2B5EF4-FFF2-40B4-BE49-F238E27FC236}">
-                <a16:creationId xmlns:a16="http://schemas.microsoft.com/office/drawing/2014/main" id="{1C938048-903B-4343-B294-8EC5929B216B}"/>
+                <a16:creationId xmlns:a16="http://schemas.microsoft.com/office/drawing/2014/main" xmlns="" id="{1C938048-903B-4343-B294-8EC5929B216B}"/>
               </a:ext>
             </a:extLst>
           </p:cNvPr>
@@ -1194,6 +1203,7 @@
           <a:p>
             <a:fld id="{B23EB684-FDC9-4966-92BE-BF5A330D65BF}" type="slidenum">
               <a:rPr lang="en-US" smtClean="0"/>
+              <a:pPr/>
               <a:t>‹#›</a:t>
             </a:fld>
             <a:endParaRPr lang="en-US"/>
@@ -1203,7 +1213,7 @@
     </p:spTree>
     <p:extLst>
       <p:ext uri="{BB962C8B-B14F-4D97-AF65-F5344CB8AC3E}">
-        <p14:creationId xmlns:p14="http://schemas.microsoft.com/office/powerpoint/2010/main" val="670945512"/>
+        <p14:creationId xmlns:p14="http://schemas.microsoft.com/office/powerpoint/2010/main" xmlns="" val="670945512"/>
       </p:ext>
     </p:extLst>
   </p:cSld>
@@ -1235,7 +1245,7 @@
           <p:cNvPr id="2" name="Title 1">
             <a:extLst>
               <a:ext uri="{FF2B5EF4-FFF2-40B4-BE49-F238E27FC236}">
-                <a16:creationId xmlns:a16="http://schemas.microsoft.com/office/drawing/2014/main" id="{4683A521-79F1-48FD-B0B5-E27E36D784E9}"/>
+                <a16:creationId xmlns:a16="http://schemas.microsoft.com/office/drawing/2014/main" xmlns="" id="{4683A521-79F1-48FD-B0B5-E27E36D784E9}"/>
               </a:ext>
             </a:extLst>
           </p:cNvPr>
@@ -1263,7 +1273,7 @@
           <p:cNvPr id="3" name="Content Placeholder 2">
             <a:extLst>
               <a:ext uri="{FF2B5EF4-FFF2-40B4-BE49-F238E27FC236}">
-                <a16:creationId xmlns:a16="http://schemas.microsoft.com/office/drawing/2014/main" id="{FD42CBE2-652B-4628-8452-771F898459FA}"/>
+                <a16:creationId xmlns:a16="http://schemas.microsoft.com/office/drawing/2014/main" xmlns="" id="{FD42CBE2-652B-4628-8452-771F898459FA}"/>
               </a:ext>
             </a:extLst>
           </p:cNvPr>
@@ -1325,7 +1335,7 @@
           <p:cNvPr id="4" name="Content Placeholder 3">
             <a:extLst>
               <a:ext uri="{FF2B5EF4-FFF2-40B4-BE49-F238E27FC236}">
-                <a16:creationId xmlns:a16="http://schemas.microsoft.com/office/drawing/2014/main" id="{A94F0ED7-7186-4A06-821F-3EFC50389665}"/>
+                <a16:creationId xmlns:a16="http://schemas.microsoft.com/office/drawing/2014/main" xmlns="" id="{A94F0ED7-7186-4A06-821F-3EFC50389665}"/>
               </a:ext>
             </a:extLst>
           </p:cNvPr>
@@ -1387,7 +1397,7 @@
           <p:cNvPr id="5" name="Date Placeholder 4">
             <a:extLst>
               <a:ext uri="{FF2B5EF4-FFF2-40B4-BE49-F238E27FC236}">
-                <a16:creationId xmlns:a16="http://schemas.microsoft.com/office/drawing/2014/main" id="{4291441B-ADF2-4493-8215-0F97A2AB9DF0}"/>
+                <a16:creationId xmlns:a16="http://schemas.microsoft.com/office/drawing/2014/main" xmlns="" id="{4291441B-ADF2-4493-8215-0F97A2AB9DF0}"/>
               </a:ext>
             </a:extLst>
           </p:cNvPr>
@@ -1405,7 +1415,8 @@
           <a:p>
             <a:fld id="{FA2E1F03-39B6-4BE1-A82C-E30542474753}" type="datetimeFigureOut">
               <a:rPr lang="en-US" smtClean="0"/>
-              <a:t>6/10/2019</a:t>
+              <a:pPr/>
+              <a:t>6/12/2019</a:t>
             </a:fld>
             <a:endParaRPr lang="en-US"/>
           </a:p>
@@ -1416,7 +1427,7 @@
           <p:cNvPr id="6" name="Footer Placeholder 5">
             <a:extLst>
               <a:ext uri="{FF2B5EF4-FFF2-40B4-BE49-F238E27FC236}">
-                <a16:creationId xmlns:a16="http://schemas.microsoft.com/office/drawing/2014/main" id="{325CDFF8-E8D1-44C8-AEAA-6AA417A1C9E1}"/>
+                <a16:creationId xmlns:a16="http://schemas.microsoft.com/office/drawing/2014/main" xmlns="" id="{325CDFF8-E8D1-44C8-AEAA-6AA417A1C9E1}"/>
               </a:ext>
             </a:extLst>
           </p:cNvPr>
@@ -1441,7 +1452,7 @@
           <p:cNvPr id="7" name="Slide Number Placeholder 6">
             <a:extLst>
               <a:ext uri="{FF2B5EF4-FFF2-40B4-BE49-F238E27FC236}">
-                <a16:creationId xmlns:a16="http://schemas.microsoft.com/office/drawing/2014/main" id="{8A435470-1D0A-4054-957B-B4A6BCB97787}"/>
+                <a16:creationId xmlns:a16="http://schemas.microsoft.com/office/drawing/2014/main" xmlns="" id="{8A435470-1D0A-4054-957B-B4A6BCB97787}"/>
               </a:ext>
             </a:extLst>
           </p:cNvPr>
@@ -1459,6 +1470,7 @@
           <a:p>
             <a:fld id="{B23EB684-FDC9-4966-92BE-BF5A330D65BF}" type="slidenum">
               <a:rPr lang="en-US" smtClean="0"/>
+              <a:pPr/>
               <a:t>‹#›</a:t>
             </a:fld>
             <a:endParaRPr lang="en-US"/>
@@ -1468,7 +1480,7 @@
     </p:spTree>
     <p:extLst>
       <p:ext uri="{BB962C8B-B14F-4D97-AF65-F5344CB8AC3E}">
-        <p14:creationId xmlns:p14="http://schemas.microsoft.com/office/powerpoint/2010/main" val="2480360642"/>
+        <p14:creationId xmlns:p14="http://schemas.microsoft.com/office/powerpoint/2010/main" xmlns="" val="2480360642"/>
       </p:ext>
     </p:extLst>
   </p:cSld>
@@ -1500,7 +1512,7 @@
           <p:cNvPr id="2" name="Title 1">
             <a:extLst>
               <a:ext uri="{FF2B5EF4-FFF2-40B4-BE49-F238E27FC236}">
-                <a16:creationId xmlns:a16="http://schemas.microsoft.com/office/drawing/2014/main" id="{54E7C32B-2BA9-446A-9235-15F5DD839BFD}"/>
+                <a16:creationId xmlns:a16="http://schemas.microsoft.com/office/drawing/2014/main" xmlns="" id="{54E7C32B-2BA9-446A-9235-15F5DD839BFD}"/>
               </a:ext>
             </a:extLst>
           </p:cNvPr>
@@ -1533,7 +1545,7 @@
           <p:cNvPr id="3" name="Text Placeholder 2">
             <a:extLst>
               <a:ext uri="{FF2B5EF4-FFF2-40B4-BE49-F238E27FC236}">
-                <a16:creationId xmlns:a16="http://schemas.microsoft.com/office/drawing/2014/main" id="{DB3A3E22-4FA5-4454-939F-23B9F9DECC3F}"/>
+                <a16:creationId xmlns:a16="http://schemas.microsoft.com/office/drawing/2014/main" xmlns="" id="{DB3A3E22-4FA5-4454-939F-23B9F9DECC3F}"/>
               </a:ext>
             </a:extLst>
           </p:cNvPr>
@@ -1604,7 +1616,7 @@
           <p:cNvPr id="4" name="Content Placeholder 3">
             <a:extLst>
               <a:ext uri="{FF2B5EF4-FFF2-40B4-BE49-F238E27FC236}">
-                <a16:creationId xmlns:a16="http://schemas.microsoft.com/office/drawing/2014/main" id="{72DF83FC-FEFA-4AFD-A144-30F27A459D20}"/>
+                <a16:creationId xmlns:a16="http://schemas.microsoft.com/office/drawing/2014/main" xmlns="" id="{72DF83FC-FEFA-4AFD-A144-30F27A459D20}"/>
               </a:ext>
             </a:extLst>
           </p:cNvPr>
@@ -1666,7 +1678,7 @@
           <p:cNvPr id="5" name="Text Placeholder 4">
             <a:extLst>
               <a:ext uri="{FF2B5EF4-FFF2-40B4-BE49-F238E27FC236}">
-                <a16:creationId xmlns:a16="http://schemas.microsoft.com/office/drawing/2014/main" id="{0C199EDB-45B1-4A75-BA50-2AEC47282E43}"/>
+                <a16:creationId xmlns:a16="http://schemas.microsoft.com/office/drawing/2014/main" xmlns="" id="{0C199EDB-45B1-4A75-BA50-2AEC47282E43}"/>
               </a:ext>
             </a:extLst>
           </p:cNvPr>
@@ -1737,7 +1749,7 @@
           <p:cNvPr id="6" name="Content Placeholder 5">
             <a:extLst>
               <a:ext uri="{FF2B5EF4-FFF2-40B4-BE49-F238E27FC236}">
-                <a16:creationId xmlns:a16="http://schemas.microsoft.com/office/drawing/2014/main" id="{1EF008B0-860C-4487-B63E-7D8277D34C8C}"/>
+                <a16:creationId xmlns:a16="http://schemas.microsoft.com/office/drawing/2014/main" xmlns="" id="{1EF008B0-860C-4487-B63E-7D8277D34C8C}"/>
               </a:ext>
             </a:extLst>
           </p:cNvPr>
@@ -1799,7 +1811,7 @@
           <p:cNvPr id="7" name="Date Placeholder 6">
             <a:extLst>
               <a:ext uri="{FF2B5EF4-FFF2-40B4-BE49-F238E27FC236}">
-                <a16:creationId xmlns:a16="http://schemas.microsoft.com/office/drawing/2014/main" id="{306A1AD2-F252-4D88-A84E-ADD2AB6668C1}"/>
+                <a16:creationId xmlns:a16="http://schemas.microsoft.com/office/drawing/2014/main" xmlns="" id="{306A1AD2-F252-4D88-A84E-ADD2AB6668C1}"/>
               </a:ext>
             </a:extLst>
           </p:cNvPr>
@@ -1817,7 +1829,8 @@
           <a:p>
             <a:fld id="{FA2E1F03-39B6-4BE1-A82C-E30542474753}" type="datetimeFigureOut">
               <a:rPr lang="en-US" smtClean="0"/>
-              <a:t>6/10/2019</a:t>
+              <a:pPr/>
+              <a:t>6/12/2019</a:t>
             </a:fld>
             <a:endParaRPr lang="en-US"/>
           </a:p>
@@ -1828,7 +1841,7 @@
           <p:cNvPr id="8" name="Footer Placeholder 7">
             <a:extLst>
               <a:ext uri="{FF2B5EF4-FFF2-40B4-BE49-F238E27FC236}">
-                <a16:creationId xmlns:a16="http://schemas.microsoft.com/office/drawing/2014/main" id="{47CC986C-75B9-49C5-8B44-22B2507F8A8D}"/>
+                <a16:creationId xmlns:a16="http://schemas.microsoft.com/office/drawing/2014/main" xmlns="" id="{47CC986C-75B9-49C5-8B44-22B2507F8A8D}"/>
               </a:ext>
             </a:extLst>
           </p:cNvPr>
@@ -1853,7 +1866,7 @@
           <p:cNvPr id="9" name="Slide Number Placeholder 8">
             <a:extLst>
               <a:ext uri="{FF2B5EF4-FFF2-40B4-BE49-F238E27FC236}">
-                <a16:creationId xmlns:a16="http://schemas.microsoft.com/office/drawing/2014/main" id="{71948F72-1448-4800-87A6-E1243C850444}"/>
+                <a16:creationId xmlns:a16="http://schemas.microsoft.com/office/drawing/2014/main" xmlns="" id="{71948F72-1448-4800-87A6-E1243C850444}"/>
               </a:ext>
             </a:extLst>
           </p:cNvPr>
@@ -1871,6 +1884,7 @@
           <a:p>
             <a:fld id="{B23EB684-FDC9-4966-92BE-BF5A330D65BF}" type="slidenum">
               <a:rPr lang="en-US" smtClean="0"/>
+              <a:pPr/>
               <a:t>‹#›</a:t>
             </a:fld>
             <a:endParaRPr lang="en-US"/>
@@ -1880,7 +1894,7 @@
     </p:spTree>
     <p:extLst>
       <p:ext uri="{BB962C8B-B14F-4D97-AF65-F5344CB8AC3E}">
-        <p14:creationId xmlns:p14="http://schemas.microsoft.com/office/powerpoint/2010/main" val="3778224530"/>
+        <p14:creationId xmlns:p14="http://schemas.microsoft.com/office/powerpoint/2010/main" xmlns="" val="3778224530"/>
       </p:ext>
     </p:extLst>
   </p:cSld>
@@ -1912,7 +1926,7 @@
           <p:cNvPr id="2" name="Title 1">
             <a:extLst>
               <a:ext uri="{FF2B5EF4-FFF2-40B4-BE49-F238E27FC236}">
-                <a16:creationId xmlns:a16="http://schemas.microsoft.com/office/drawing/2014/main" id="{643AECB8-1964-4C98-8B43-63EA2B04792F}"/>
+                <a16:creationId xmlns:a16="http://schemas.microsoft.com/office/drawing/2014/main" xmlns="" id="{643AECB8-1964-4C98-8B43-63EA2B04792F}"/>
               </a:ext>
             </a:extLst>
           </p:cNvPr>
@@ -1940,7 +1954,7 @@
           <p:cNvPr id="3" name="Date Placeholder 2">
             <a:extLst>
               <a:ext uri="{FF2B5EF4-FFF2-40B4-BE49-F238E27FC236}">
-                <a16:creationId xmlns:a16="http://schemas.microsoft.com/office/drawing/2014/main" id="{59BABC50-6E87-4654-BC56-FEFBCA978BBB}"/>
+                <a16:creationId xmlns:a16="http://schemas.microsoft.com/office/drawing/2014/main" xmlns="" id="{59BABC50-6E87-4654-BC56-FEFBCA978BBB}"/>
               </a:ext>
             </a:extLst>
           </p:cNvPr>
@@ -1958,7 +1972,8 @@
           <a:p>
             <a:fld id="{FA2E1F03-39B6-4BE1-A82C-E30542474753}" type="datetimeFigureOut">
               <a:rPr lang="en-US" smtClean="0"/>
-              <a:t>6/10/2019</a:t>
+              <a:pPr/>
+              <a:t>6/12/2019</a:t>
             </a:fld>
             <a:endParaRPr lang="en-US"/>
           </a:p>
@@ -1969,7 +1984,7 @@
           <p:cNvPr id="4" name="Footer Placeholder 3">
             <a:extLst>
               <a:ext uri="{FF2B5EF4-FFF2-40B4-BE49-F238E27FC236}">
-                <a16:creationId xmlns:a16="http://schemas.microsoft.com/office/drawing/2014/main" id="{F734CE65-F32E-41B2-8551-A7603941745E}"/>
+                <a16:creationId xmlns:a16="http://schemas.microsoft.com/office/drawing/2014/main" xmlns="" id="{F734CE65-F32E-41B2-8551-A7603941745E}"/>
               </a:ext>
             </a:extLst>
           </p:cNvPr>
@@ -1994,7 +2009,7 @@
           <p:cNvPr id="5" name="Slide Number Placeholder 4">
             <a:extLst>
               <a:ext uri="{FF2B5EF4-FFF2-40B4-BE49-F238E27FC236}">
-                <a16:creationId xmlns:a16="http://schemas.microsoft.com/office/drawing/2014/main" id="{0EE25001-D094-47C8-A699-A6E7E48BB27B}"/>
+                <a16:creationId xmlns:a16="http://schemas.microsoft.com/office/drawing/2014/main" xmlns="" id="{0EE25001-D094-47C8-A699-A6E7E48BB27B}"/>
               </a:ext>
             </a:extLst>
           </p:cNvPr>
@@ -2012,6 +2027,7 @@
           <a:p>
             <a:fld id="{B23EB684-FDC9-4966-92BE-BF5A330D65BF}" type="slidenum">
               <a:rPr lang="en-US" smtClean="0"/>
+              <a:pPr/>
               <a:t>‹#›</a:t>
             </a:fld>
             <a:endParaRPr lang="en-US"/>
@@ -2021,7 +2037,7 @@
     </p:spTree>
     <p:extLst>
       <p:ext uri="{BB962C8B-B14F-4D97-AF65-F5344CB8AC3E}">
-        <p14:creationId xmlns:p14="http://schemas.microsoft.com/office/powerpoint/2010/main" val="2521850990"/>
+        <p14:creationId xmlns:p14="http://schemas.microsoft.com/office/powerpoint/2010/main" xmlns="" val="2521850990"/>
       </p:ext>
     </p:extLst>
   </p:cSld>
@@ -2053,7 +2069,7 @@
           <p:cNvPr id="2" name="Date Placeholder 1">
             <a:extLst>
               <a:ext uri="{FF2B5EF4-FFF2-40B4-BE49-F238E27FC236}">
-                <a16:creationId xmlns:a16="http://schemas.microsoft.com/office/drawing/2014/main" id="{213A2FEA-CF63-4270-A7AE-C5CFDCDBEA01}"/>
+                <a16:creationId xmlns:a16="http://schemas.microsoft.com/office/drawing/2014/main" xmlns="" id="{213A2FEA-CF63-4270-A7AE-C5CFDCDBEA01}"/>
               </a:ext>
             </a:extLst>
           </p:cNvPr>
@@ -2071,7 +2087,8 @@
           <a:p>
             <a:fld id="{FA2E1F03-39B6-4BE1-A82C-E30542474753}" type="datetimeFigureOut">
               <a:rPr lang="en-US" smtClean="0"/>
-              <a:t>6/10/2019</a:t>
+              <a:pPr/>
+              <a:t>6/12/2019</a:t>
             </a:fld>
             <a:endParaRPr lang="en-US"/>
           </a:p>
@@ -2082,7 +2099,7 @@
           <p:cNvPr id="3" name="Footer Placeholder 2">
             <a:extLst>
               <a:ext uri="{FF2B5EF4-FFF2-40B4-BE49-F238E27FC236}">
-                <a16:creationId xmlns:a16="http://schemas.microsoft.com/office/drawing/2014/main" id="{B68311BD-ACBC-4E90-B916-301F516F1172}"/>
+                <a16:creationId xmlns:a16="http://schemas.microsoft.com/office/drawing/2014/main" xmlns="" id="{B68311BD-ACBC-4E90-B916-301F516F1172}"/>
               </a:ext>
             </a:extLst>
           </p:cNvPr>
@@ -2107,7 +2124,7 @@
           <p:cNvPr id="4" name="Slide Number Placeholder 3">
             <a:extLst>
               <a:ext uri="{FF2B5EF4-FFF2-40B4-BE49-F238E27FC236}">
-                <a16:creationId xmlns:a16="http://schemas.microsoft.com/office/drawing/2014/main" id="{FA8A4393-1FB2-4F48-AA82-093BD14042BD}"/>
+                <a16:creationId xmlns:a16="http://schemas.microsoft.com/office/drawing/2014/main" xmlns="" id="{FA8A4393-1FB2-4F48-AA82-093BD14042BD}"/>
               </a:ext>
             </a:extLst>
           </p:cNvPr>
@@ -2125,6 +2142,7 @@
           <a:p>
             <a:fld id="{B23EB684-FDC9-4966-92BE-BF5A330D65BF}" type="slidenum">
               <a:rPr lang="en-US" smtClean="0"/>
+              <a:pPr/>
               <a:t>‹#›</a:t>
             </a:fld>
             <a:endParaRPr lang="en-US"/>
@@ -2134,7 +2152,7 @@
     </p:spTree>
     <p:extLst>
       <p:ext uri="{BB962C8B-B14F-4D97-AF65-F5344CB8AC3E}">
-        <p14:creationId xmlns:p14="http://schemas.microsoft.com/office/powerpoint/2010/main" val="4018624457"/>
+        <p14:creationId xmlns:p14="http://schemas.microsoft.com/office/powerpoint/2010/main" xmlns="" val="4018624457"/>
       </p:ext>
     </p:extLst>
   </p:cSld>
@@ -2166,7 +2184,7 @@
           <p:cNvPr id="2" name="Title 1">
             <a:extLst>
               <a:ext uri="{FF2B5EF4-FFF2-40B4-BE49-F238E27FC236}">
-                <a16:creationId xmlns:a16="http://schemas.microsoft.com/office/drawing/2014/main" id="{4539306A-0604-4946-AA7E-BAB7C9CACCA6}"/>
+                <a16:creationId xmlns:a16="http://schemas.microsoft.com/office/drawing/2014/main" xmlns="" id="{4539306A-0604-4946-AA7E-BAB7C9CACCA6}"/>
               </a:ext>
             </a:extLst>
           </p:cNvPr>
@@ -2203,7 +2221,7 @@
           <p:cNvPr id="3" name="Content Placeholder 2">
             <a:extLst>
               <a:ext uri="{FF2B5EF4-FFF2-40B4-BE49-F238E27FC236}">
-                <a16:creationId xmlns:a16="http://schemas.microsoft.com/office/drawing/2014/main" id="{2DCEE889-1F85-406E-9DB7-BEA5F9A62DBC}"/>
+                <a16:creationId xmlns:a16="http://schemas.microsoft.com/office/drawing/2014/main" xmlns="" id="{2DCEE889-1F85-406E-9DB7-BEA5F9A62DBC}"/>
               </a:ext>
             </a:extLst>
           </p:cNvPr>
@@ -2293,7 +2311,7 @@
           <p:cNvPr id="4" name="Text Placeholder 3">
             <a:extLst>
               <a:ext uri="{FF2B5EF4-FFF2-40B4-BE49-F238E27FC236}">
-                <a16:creationId xmlns:a16="http://schemas.microsoft.com/office/drawing/2014/main" id="{5AECFEAE-2ED0-4A9F-BC6D-198AB5478569}"/>
+                <a16:creationId xmlns:a16="http://schemas.microsoft.com/office/drawing/2014/main" xmlns="" id="{5AECFEAE-2ED0-4A9F-BC6D-198AB5478569}"/>
               </a:ext>
             </a:extLst>
           </p:cNvPr>
@@ -2364,7 +2382,7 @@
           <p:cNvPr id="5" name="Date Placeholder 4">
             <a:extLst>
               <a:ext uri="{FF2B5EF4-FFF2-40B4-BE49-F238E27FC236}">
-                <a16:creationId xmlns:a16="http://schemas.microsoft.com/office/drawing/2014/main" id="{8995614C-7EC6-4407-A60B-E27A7D50C056}"/>
+                <a16:creationId xmlns:a16="http://schemas.microsoft.com/office/drawing/2014/main" xmlns="" id="{8995614C-7EC6-4407-A60B-E27A7D50C056}"/>
               </a:ext>
             </a:extLst>
           </p:cNvPr>
@@ -2382,7 +2400,8 @@
           <a:p>
             <a:fld id="{FA2E1F03-39B6-4BE1-A82C-E30542474753}" type="datetimeFigureOut">
               <a:rPr lang="en-US" smtClean="0"/>
-              <a:t>6/10/2019</a:t>
+              <a:pPr/>
+              <a:t>6/12/2019</a:t>
             </a:fld>
             <a:endParaRPr lang="en-US"/>
           </a:p>
@@ -2393,7 +2412,7 @@
           <p:cNvPr id="6" name="Footer Placeholder 5">
             <a:extLst>
               <a:ext uri="{FF2B5EF4-FFF2-40B4-BE49-F238E27FC236}">
-                <a16:creationId xmlns:a16="http://schemas.microsoft.com/office/drawing/2014/main" id="{B17917EA-F1CF-46CF-AE69-8A9E4ED02CDF}"/>
+                <a16:creationId xmlns:a16="http://schemas.microsoft.com/office/drawing/2014/main" xmlns="" id="{B17917EA-F1CF-46CF-AE69-8A9E4ED02CDF}"/>
               </a:ext>
             </a:extLst>
           </p:cNvPr>
@@ -2418,7 +2437,7 @@
           <p:cNvPr id="7" name="Slide Number Placeholder 6">
             <a:extLst>
               <a:ext uri="{FF2B5EF4-FFF2-40B4-BE49-F238E27FC236}">
-                <a16:creationId xmlns:a16="http://schemas.microsoft.com/office/drawing/2014/main" id="{A20BB478-8ED6-48E1-8357-29D9CAA06492}"/>
+                <a16:creationId xmlns:a16="http://schemas.microsoft.com/office/drawing/2014/main" xmlns="" id="{A20BB478-8ED6-48E1-8357-29D9CAA06492}"/>
               </a:ext>
             </a:extLst>
           </p:cNvPr>
@@ -2436,6 +2455,7 @@
           <a:p>
             <a:fld id="{B23EB684-FDC9-4966-92BE-BF5A330D65BF}" type="slidenum">
               <a:rPr lang="en-US" smtClean="0"/>
+              <a:pPr/>
               <a:t>‹#›</a:t>
             </a:fld>
             <a:endParaRPr lang="en-US"/>
@@ -2445,7 +2465,7 @@
     </p:spTree>
     <p:extLst>
       <p:ext uri="{BB962C8B-B14F-4D97-AF65-F5344CB8AC3E}">
-        <p14:creationId xmlns:p14="http://schemas.microsoft.com/office/powerpoint/2010/main" val="2250623688"/>
+        <p14:creationId xmlns:p14="http://schemas.microsoft.com/office/powerpoint/2010/main" xmlns="" val="2250623688"/>
       </p:ext>
     </p:extLst>
   </p:cSld>
@@ -2477,7 +2497,7 @@
           <p:cNvPr id="2" name="Title 1">
             <a:extLst>
               <a:ext uri="{FF2B5EF4-FFF2-40B4-BE49-F238E27FC236}">
-                <a16:creationId xmlns:a16="http://schemas.microsoft.com/office/drawing/2014/main" id="{865AC83E-1579-4DD1-A27B-C3412ECDBEF4}"/>
+                <a16:creationId xmlns:a16="http://schemas.microsoft.com/office/drawing/2014/main" xmlns="" id="{865AC83E-1579-4DD1-A27B-C3412ECDBEF4}"/>
               </a:ext>
             </a:extLst>
           </p:cNvPr>
@@ -2514,7 +2534,7 @@
           <p:cNvPr id="3" name="Picture Placeholder 2">
             <a:extLst>
               <a:ext uri="{FF2B5EF4-FFF2-40B4-BE49-F238E27FC236}">
-                <a16:creationId xmlns:a16="http://schemas.microsoft.com/office/drawing/2014/main" id="{397B468B-3FDD-4729-AE53-3615571E39F6}"/>
+                <a16:creationId xmlns:a16="http://schemas.microsoft.com/office/drawing/2014/main" xmlns="" id="{397B468B-3FDD-4729-AE53-3615571E39F6}"/>
               </a:ext>
             </a:extLst>
           </p:cNvPr>
@@ -2581,7 +2601,7 @@
           <p:cNvPr id="4" name="Text Placeholder 3">
             <a:extLst>
               <a:ext uri="{FF2B5EF4-FFF2-40B4-BE49-F238E27FC236}">
-                <a16:creationId xmlns:a16="http://schemas.microsoft.com/office/drawing/2014/main" id="{FFE050AD-FC47-4CA6-8427-B169C1EF8D92}"/>
+                <a16:creationId xmlns:a16="http://schemas.microsoft.com/office/drawing/2014/main" xmlns="" id="{FFE050AD-FC47-4CA6-8427-B169C1EF8D92}"/>
               </a:ext>
             </a:extLst>
           </p:cNvPr>
@@ -2652,7 +2672,7 @@
           <p:cNvPr id="5" name="Date Placeholder 4">
             <a:extLst>
               <a:ext uri="{FF2B5EF4-FFF2-40B4-BE49-F238E27FC236}">
-                <a16:creationId xmlns:a16="http://schemas.microsoft.com/office/drawing/2014/main" id="{A0061284-CCF0-4A77-849F-3248412D99E8}"/>
+                <a16:creationId xmlns:a16="http://schemas.microsoft.com/office/drawing/2014/main" xmlns="" id="{A0061284-CCF0-4A77-849F-3248412D99E8}"/>
               </a:ext>
             </a:extLst>
           </p:cNvPr>
@@ -2670,7 +2690,8 @@
           <a:p>
             <a:fld id="{FA2E1F03-39B6-4BE1-A82C-E30542474753}" type="datetimeFigureOut">
               <a:rPr lang="en-US" smtClean="0"/>
-              <a:t>6/10/2019</a:t>
+              <a:pPr/>
+              <a:t>6/12/2019</a:t>
             </a:fld>
             <a:endParaRPr lang="en-US"/>
           </a:p>
@@ -2681,7 +2702,7 @@
           <p:cNvPr id="6" name="Footer Placeholder 5">
             <a:extLst>
               <a:ext uri="{FF2B5EF4-FFF2-40B4-BE49-F238E27FC236}">
-                <a16:creationId xmlns:a16="http://schemas.microsoft.com/office/drawing/2014/main" id="{BEA8BD19-8720-4385-921F-30F82A658DD4}"/>
+                <a16:creationId xmlns:a16="http://schemas.microsoft.com/office/drawing/2014/main" xmlns="" id="{BEA8BD19-8720-4385-921F-30F82A658DD4}"/>
               </a:ext>
             </a:extLst>
           </p:cNvPr>
@@ -2706,7 +2727,7 @@
           <p:cNvPr id="7" name="Slide Number Placeholder 6">
             <a:extLst>
               <a:ext uri="{FF2B5EF4-FFF2-40B4-BE49-F238E27FC236}">
-                <a16:creationId xmlns:a16="http://schemas.microsoft.com/office/drawing/2014/main" id="{20208B63-CD40-448D-89B1-DB7D82686F29}"/>
+                <a16:creationId xmlns:a16="http://schemas.microsoft.com/office/drawing/2014/main" xmlns="" id="{20208B63-CD40-448D-89B1-DB7D82686F29}"/>
               </a:ext>
             </a:extLst>
           </p:cNvPr>
@@ -2724,6 +2745,7 @@
           <a:p>
             <a:fld id="{B23EB684-FDC9-4966-92BE-BF5A330D65BF}" type="slidenum">
               <a:rPr lang="en-US" smtClean="0"/>
+              <a:pPr/>
               <a:t>‹#›</a:t>
             </a:fld>
             <a:endParaRPr lang="en-US"/>
@@ -2733,7 +2755,7 @@
     </p:spTree>
     <p:extLst>
       <p:ext uri="{BB962C8B-B14F-4D97-AF65-F5344CB8AC3E}">
-        <p14:creationId xmlns:p14="http://schemas.microsoft.com/office/powerpoint/2010/main" val="2755002205"/>
+        <p14:creationId xmlns:p14="http://schemas.microsoft.com/office/powerpoint/2010/main" xmlns="" val="2755002205"/>
       </p:ext>
     </p:extLst>
   </p:cSld>
@@ -2770,7 +2792,7 @@
           <p:cNvPr id="2" name="Title Placeholder 1">
             <a:extLst>
               <a:ext uri="{FF2B5EF4-FFF2-40B4-BE49-F238E27FC236}">
-                <a16:creationId xmlns:a16="http://schemas.microsoft.com/office/drawing/2014/main" id="{7A08FB0D-0202-40A0-AE1F-46C8F247F4C5}"/>
+                <a16:creationId xmlns:a16="http://schemas.microsoft.com/office/drawing/2014/main" xmlns="" id="{7A08FB0D-0202-40A0-AE1F-46C8F247F4C5}"/>
               </a:ext>
             </a:extLst>
           </p:cNvPr>
@@ -2808,7 +2830,7 @@
           <p:cNvPr id="3" name="Text Placeholder 2">
             <a:extLst>
               <a:ext uri="{FF2B5EF4-FFF2-40B4-BE49-F238E27FC236}">
-                <a16:creationId xmlns:a16="http://schemas.microsoft.com/office/drawing/2014/main" id="{FD9B4C5F-26D1-4781-91A2-88CFD1C55127}"/>
+                <a16:creationId xmlns:a16="http://schemas.microsoft.com/office/drawing/2014/main" xmlns="" id="{FD9B4C5F-26D1-4781-91A2-88CFD1C55127}"/>
               </a:ext>
             </a:extLst>
           </p:cNvPr>
@@ -2875,7 +2897,7 @@
           <p:cNvPr id="4" name="Date Placeholder 3">
             <a:extLst>
               <a:ext uri="{FF2B5EF4-FFF2-40B4-BE49-F238E27FC236}">
-                <a16:creationId xmlns:a16="http://schemas.microsoft.com/office/drawing/2014/main" id="{A44C2049-C12B-467C-84A8-288AB4270B9B}"/>
+                <a16:creationId xmlns:a16="http://schemas.microsoft.com/office/drawing/2014/main" xmlns="" id="{A44C2049-C12B-467C-84A8-288AB4270B9B}"/>
               </a:ext>
             </a:extLst>
           </p:cNvPr>
@@ -2911,7 +2933,8 @@
           <a:p>
             <a:fld id="{FA2E1F03-39B6-4BE1-A82C-E30542474753}" type="datetimeFigureOut">
               <a:rPr lang="en-US" smtClean="0"/>
-              <a:t>6/10/2019</a:t>
+              <a:pPr/>
+              <a:t>6/12/2019</a:t>
             </a:fld>
             <a:endParaRPr lang="en-US"/>
           </a:p>
@@ -2922,7 +2945,7 @@
           <p:cNvPr id="5" name="Footer Placeholder 4">
             <a:extLst>
               <a:ext uri="{FF2B5EF4-FFF2-40B4-BE49-F238E27FC236}">
-                <a16:creationId xmlns:a16="http://schemas.microsoft.com/office/drawing/2014/main" id="{3D6FD59A-F31A-40C3-A985-116883B59287}"/>
+                <a16:creationId xmlns:a16="http://schemas.microsoft.com/office/drawing/2014/main" xmlns="" id="{3D6FD59A-F31A-40C3-A985-116883B59287}"/>
               </a:ext>
             </a:extLst>
           </p:cNvPr>
@@ -2965,7 +2988,7 @@
           <p:cNvPr id="6" name="Slide Number Placeholder 5">
             <a:extLst>
               <a:ext uri="{FF2B5EF4-FFF2-40B4-BE49-F238E27FC236}">
-                <a16:creationId xmlns:a16="http://schemas.microsoft.com/office/drawing/2014/main" id="{DC49A92A-E67A-49DE-89BB-D1CCCEB205AD}"/>
+                <a16:creationId xmlns:a16="http://schemas.microsoft.com/office/drawing/2014/main" xmlns="" id="{DC49A92A-E67A-49DE-89BB-D1CCCEB205AD}"/>
               </a:ext>
             </a:extLst>
           </p:cNvPr>
@@ -3001,6 +3024,7 @@
           <a:p>
             <a:fld id="{B23EB684-FDC9-4966-92BE-BF5A330D65BF}" type="slidenum">
               <a:rPr lang="en-US" smtClean="0"/>
+              <a:pPr/>
               <a:t>‹#›</a:t>
             </a:fld>
             <a:endParaRPr lang="en-US"/>
@@ -3010,7 +3034,7 @@
     </p:spTree>
     <p:extLst>
       <p:ext uri="{BB962C8B-B14F-4D97-AF65-F5344CB8AC3E}">
-        <p14:creationId xmlns:p14="http://schemas.microsoft.com/office/powerpoint/2010/main" val="736588803"/>
+        <p14:creationId xmlns:p14="http://schemas.microsoft.com/office/powerpoint/2010/main" xmlns="" val="736588803"/>
       </p:ext>
     </p:extLst>
   </p:cSld>
@@ -3333,7 +3357,7 @@
           <p:cNvPr id="2" name="Title 1">
             <a:extLst>
               <a:ext uri="{FF2B5EF4-FFF2-40B4-BE49-F238E27FC236}">
-                <a16:creationId xmlns:a16="http://schemas.microsoft.com/office/drawing/2014/main" id="{18A98568-B624-4EA2-9A7C-54BC3B133D8D}"/>
+                <a16:creationId xmlns:a16="http://schemas.microsoft.com/office/drawing/2014/main" xmlns="" id="{18A98568-B624-4EA2-9A7C-54BC3B133D8D}"/>
               </a:ext>
             </a:extLst>
           </p:cNvPr>
@@ -3375,7 +3399,7 @@
           <p:cNvPr id="3" name="Subtitle 2">
             <a:extLst>
               <a:ext uri="{FF2B5EF4-FFF2-40B4-BE49-F238E27FC236}">
-                <a16:creationId xmlns:a16="http://schemas.microsoft.com/office/drawing/2014/main" id="{CDB1AD77-C7AD-447F-AD28-F5C1744A6EA3}"/>
+                <a16:creationId xmlns:a16="http://schemas.microsoft.com/office/drawing/2014/main" xmlns="" id="{CDB1AD77-C7AD-447F-AD28-F5C1744A6EA3}"/>
               </a:ext>
             </a:extLst>
           </p:cNvPr>
@@ -3445,7 +3469,7 @@
     </p:spTree>
     <p:extLst>
       <p:ext uri="{BB962C8B-B14F-4D97-AF65-F5344CB8AC3E}">
-        <p14:creationId xmlns:p14="http://schemas.microsoft.com/office/powerpoint/2010/main" val="2514872934"/>
+        <p14:creationId xmlns:p14="http://schemas.microsoft.com/office/powerpoint/2010/main" xmlns="" val="2514872934"/>
       </p:ext>
     </p:extLst>
   </p:cSld>
@@ -3477,7 +3501,7 @@
           <p:cNvPr id="2" name="Title 1">
             <a:extLst>
               <a:ext uri="{FF2B5EF4-FFF2-40B4-BE49-F238E27FC236}">
-                <a16:creationId xmlns:a16="http://schemas.microsoft.com/office/drawing/2014/main" id="{33CA263D-98BE-4BB0-8861-5CD53751CB9B}"/>
+                <a16:creationId xmlns:a16="http://schemas.microsoft.com/office/drawing/2014/main" xmlns="" id="{33CA263D-98BE-4BB0-8861-5CD53751CB9B}"/>
               </a:ext>
             </a:extLst>
           </p:cNvPr>
@@ -3494,10 +3518,16 @@
           <a:lstStyle/>
           <a:p>
             <a:r>
-              <a:rPr lang="ru-RU" dirty="0"/>
+              <a:rPr lang="ru-RU" dirty="0">
+                <a:latin typeface="Times New Roman" pitchFamily="18" charset="0"/>
+                <a:cs typeface="Times New Roman" pitchFamily="18" charset="0"/>
+              </a:rPr>
               <a:t>Объект, цель и задачи </a:t>
             </a:r>
-            <a:endParaRPr lang="en-US" dirty="0"/>
+            <a:endParaRPr lang="en-US" dirty="0">
+              <a:latin typeface="Times New Roman" pitchFamily="18" charset="0"/>
+              <a:cs typeface="Times New Roman" pitchFamily="18" charset="0"/>
+            </a:endParaRPr>
           </a:p>
         </p:txBody>
       </p:sp>
@@ -3506,7 +3536,7 @@
           <p:cNvPr id="3" name="Content Placeholder 2">
             <a:extLst>
               <a:ext uri="{FF2B5EF4-FFF2-40B4-BE49-F238E27FC236}">
-                <a16:creationId xmlns:a16="http://schemas.microsoft.com/office/drawing/2014/main" id="{D6DCF3B5-E509-4346-B823-788C5A0C636E}"/>
+                <a16:creationId xmlns:a16="http://schemas.microsoft.com/office/drawing/2014/main" xmlns="" id="{D6DCF3B5-E509-4346-B823-788C5A0C636E}"/>
               </a:ext>
             </a:extLst>
           </p:cNvPr>
@@ -3520,98 +3550,233 @@
         <p:spPr/>
         <p:txBody>
           <a:bodyPr>
-            <a:normAutofit fontScale="92500"/>
+            <a:normAutofit lnSpcReduction="10000"/>
           </a:bodyPr>
           <a:lstStyle/>
           <a:p>
             <a:r>
-              <a:rPr lang="be-BY" dirty="0"/>
+              <a:rPr lang="be-BY" dirty="0">
+                <a:latin typeface="Times New Roman" pitchFamily="18" charset="0"/>
+                <a:ea typeface="Tahoma" pitchFamily="34" charset="0"/>
+                <a:cs typeface="Times New Roman" pitchFamily="18" charset="0"/>
+              </a:rPr>
               <a:t>Объектом данного исследования являются подходы, методы распознавания </a:t>
             </a:r>
             <a:r>
-              <a:rPr lang="ru-RU" dirty="0"/>
+              <a:rPr lang="ru-RU" dirty="0">
+                <a:latin typeface="Times New Roman" pitchFamily="18" charset="0"/>
+                <a:ea typeface="Tahoma" pitchFamily="34" charset="0"/>
+                <a:cs typeface="Times New Roman" pitchFamily="18" charset="0"/>
+              </a:rPr>
               <a:t>психологического состояния человека</a:t>
             </a:r>
             <a:r>
-              <a:rPr lang="be-BY" dirty="0"/>
+              <a:rPr lang="be-BY" dirty="0">
+                <a:latin typeface="Times New Roman" pitchFamily="18" charset="0"/>
+                <a:ea typeface="Tahoma" pitchFamily="34" charset="0"/>
+                <a:cs typeface="Times New Roman" pitchFamily="18" charset="0"/>
+              </a:rPr>
               <a:t>. </a:t>
             </a:r>
-            <a:endParaRPr lang="en-US" dirty="0"/>
-          </a:p>
-          <a:p>
-            <a:r>
-              <a:rPr lang="ru-RU" dirty="0"/>
-              <a:t>Целью проекта является п</a:t>
-            </a:r>
-            <a:r>
-              <a:rPr lang="be-BY" dirty="0"/>
+            <a:endParaRPr lang="en-US" dirty="0">
+              <a:latin typeface="Times New Roman" pitchFamily="18" charset="0"/>
+              <a:ea typeface="Tahoma" pitchFamily="34" charset="0"/>
+              <a:cs typeface="Times New Roman" pitchFamily="18" charset="0"/>
+            </a:endParaRPr>
+          </a:p>
+          <a:p>
+            <a:r>
+              <a:rPr lang="ru-RU" dirty="0" smtClean="0">
+                <a:latin typeface="Times New Roman" pitchFamily="18" charset="0"/>
+                <a:ea typeface="Tahoma" pitchFamily="34" charset="0"/>
+                <a:cs typeface="Times New Roman" pitchFamily="18" charset="0"/>
+              </a:rPr>
+              <a:t>Целью проекта является </a:t>
+            </a:r>
+            <a:r>
+              <a:rPr lang="ru-RU" dirty="0" err="1" smtClean="0">
+                <a:latin typeface="Times New Roman" pitchFamily="18" charset="0"/>
+                <a:ea typeface="Tahoma" pitchFamily="34" charset="0"/>
+                <a:cs typeface="Times New Roman" pitchFamily="18" charset="0"/>
+              </a:rPr>
+              <a:t>п</a:t>
+            </a:r>
+            <a:r>
+              <a:rPr lang="be-BY" dirty="0" smtClean="0">
+                <a:latin typeface="Times New Roman" pitchFamily="18" charset="0"/>
+                <a:ea typeface="Tahoma" pitchFamily="34" charset="0"/>
+                <a:cs typeface="Times New Roman" pitchFamily="18" charset="0"/>
+              </a:rPr>
               <a:t>овышение эффективности исполнения </a:t>
             </a:r>
             <a:r>
-              <a:rPr lang="ru-RU" dirty="0"/>
-              <a:t>работы психотерапевта за счет предоставления доктору объективной информацию о певедении пациента вне офиса.</a:t>
-            </a:r>
-          </a:p>
-          <a:p>
-            <a:r>
-              <a:rPr lang="ru-RU" dirty="0"/>
-              <a:t>Задачи</a:t>
-            </a:r>
-            <a:endParaRPr lang="en-US" dirty="0"/>
-          </a:p>
-          <a:p>
-            <a:pPr marL="0" indent="0">
+              <a:rPr lang="ru-RU" dirty="0" smtClean="0">
+                <a:latin typeface="Times New Roman" pitchFamily="18" charset="0"/>
+                <a:ea typeface="Tahoma" pitchFamily="34" charset="0"/>
+                <a:cs typeface="Times New Roman" pitchFamily="18" charset="0"/>
+              </a:rPr>
+              <a:t>работы психотерапевта; </a:t>
+            </a:r>
+            <a:endParaRPr lang="be-BY" dirty="0" smtClean="0">
+              <a:latin typeface="Times New Roman" pitchFamily="18" charset="0"/>
+              <a:ea typeface="Tahoma" pitchFamily="34" charset="0"/>
+              <a:cs typeface="Times New Roman" pitchFamily="18" charset="0"/>
+            </a:endParaRPr>
+          </a:p>
+          <a:p>
+            <a:r>
+              <a:rPr lang="ru-RU" dirty="0" smtClean="0">
+                <a:latin typeface="Times New Roman" pitchFamily="18" charset="0"/>
+                <a:ea typeface="Tahoma" pitchFamily="34" charset="0"/>
+                <a:cs typeface="Times New Roman" pitchFamily="18" charset="0"/>
+              </a:rPr>
+              <a:t>Задачи: </a:t>
+            </a:r>
+            <a:endParaRPr lang="be-BY" dirty="0" smtClean="0">
+              <a:latin typeface="Times New Roman" pitchFamily="18" charset="0"/>
+              <a:ea typeface="Tahoma" pitchFamily="34" charset="0"/>
+              <a:cs typeface="Times New Roman" pitchFamily="18" charset="0"/>
+            </a:endParaRPr>
+          </a:p>
+          <a:p>
+            <a:pPr>
               <a:buNone/>
             </a:pPr>
             <a:r>
-              <a:rPr lang="en-US" dirty="0"/>
-              <a:t>	</a:t>
-            </a:r>
-            <a:r>
-              <a:rPr lang="ru-RU" dirty="0"/>
-              <a:t>– п</a:t>
-            </a:r>
-            <a:r>
-              <a:rPr lang="be-BY" dirty="0"/>
-              <a:t>овышение качества </a:t>
-            </a:r>
-            <a:r>
-              <a:rPr lang="ru-RU" dirty="0"/>
-              <a:t>определения диагноза</a:t>
-            </a:r>
-            <a:r>
-              <a:rPr lang="be-BY" dirty="0"/>
-              <a:t> за счет оперативности представления, полноты, достоверности и удобства форматов отображения информации</a:t>
-            </a:r>
-            <a:r>
-              <a:rPr lang="ru-RU" dirty="0"/>
-              <a:t>;</a:t>
-            </a:r>
-            <a:endParaRPr lang="en-US" dirty="0"/>
-          </a:p>
-          <a:p>
-            <a:pPr marL="0" indent="0">
+              <a:rPr lang="ru-RU" dirty="0" smtClean="0">
+                <a:latin typeface="Times New Roman" pitchFamily="18" charset="0"/>
+                <a:ea typeface="Tahoma" pitchFamily="34" charset="0"/>
+                <a:cs typeface="Times New Roman" pitchFamily="18" charset="0"/>
+              </a:rPr>
+              <a:t>		–</a:t>
+            </a:r>
+            <a:r>
+              <a:rPr lang="ru-RU" dirty="0" smtClean="0">
+                <a:latin typeface="Times New Roman" pitchFamily="18" charset="0"/>
+                <a:ea typeface="Tahoma" pitchFamily="34" charset="0"/>
+                <a:cs typeface="Times New Roman" pitchFamily="18" charset="0"/>
+              </a:rPr>
+              <a:t> наладить процесс непрерывного сбора информации о поведении пациента; </a:t>
+            </a:r>
+            <a:endParaRPr lang="be-BY" dirty="0" smtClean="0">
+              <a:latin typeface="Times New Roman" pitchFamily="18" charset="0"/>
+              <a:ea typeface="Tahoma" pitchFamily="34" charset="0"/>
+              <a:cs typeface="Times New Roman" pitchFamily="18" charset="0"/>
+            </a:endParaRPr>
+          </a:p>
+          <a:p>
+            <a:pPr>
               <a:buNone/>
             </a:pPr>
             <a:r>
-              <a:rPr lang="en-US" dirty="0"/>
-              <a:t>	</a:t>
-            </a:r>
-            <a:r>
-              <a:rPr lang="ru-RU" dirty="0"/>
-              <a:t>– полная информационная открытость и создание банков данных.</a:t>
-            </a:r>
-            <a:endParaRPr lang="en-US" dirty="0"/>
-          </a:p>
-          <a:p>
-            <a:endParaRPr lang="en-US" dirty="0"/>
+              <a:rPr lang="ru-RU" dirty="0" smtClean="0">
+                <a:latin typeface="Times New Roman" pitchFamily="18" charset="0"/>
+                <a:ea typeface="Tahoma" pitchFamily="34" charset="0"/>
+                <a:cs typeface="Times New Roman" pitchFamily="18" charset="0"/>
+              </a:rPr>
+              <a:t>		–</a:t>
+            </a:r>
+            <a:r>
+              <a:rPr lang="ru-RU" dirty="0" smtClean="0">
+                <a:latin typeface="Times New Roman" pitchFamily="18" charset="0"/>
+                <a:ea typeface="Tahoma" pitchFamily="34" charset="0"/>
+                <a:cs typeface="Times New Roman" pitchFamily="18" charset="0"/>
+              </a:rPr>
+              <a:t> создать банк данных с информацией о поведении пациента;</a:t>
+            </a:r>
+            <a:endParaRPr lang="be-BY" dirty="0" smtClean="0">
+              <a:latin typeface="Times New Roman" pitchFamily="18" charset="0"/>
+              <a:ea typeface="Tahoma" pitchFamily="34" charset="0"/>
+              <a:cs typeface="Times New Roman" pitchFamily="18" charset="0"/>
+            </a:endParaRPr>
+          </a:p>
+          <a:p>
+            <a:pPr>
+              <a:buNone/>
+            </a:pPr>
+            <a:r>
+              <a:rPr lang="ru-RU" dirty="0" smtClean="0">
+                <a:latin typeface="Times New Roman" pitchFamily="18" charset="0"/>
+                <a:ea typeface="Tahoma" pitchFamily="34" charset="0"/>
+                <a:cs typeface="Times New Roman" pitchFamily="18" charset="0"/>
+              </a:rPr>
+              <a:t>		–</a:t>
+            </a:r>
+            <a:r>
+              <a:rPr lang="ru-RU" dirty="0" smtClean="0">
+                <a:latin typeface="Times New Roman" pitchFamily="18" charset="0"/>
+                <a:ea typeface="Tahoma" pitchFamily="34" charset="0"/>
+                <a:cs typeface="Times New Roman" pitchFamily="18" charset="0"/>
+              </a:rPr>
+              <a:t> классифицировать </a:t>
+            </a:r>
+            <a:r>
+              <a:rPr lang="be-BY" dirty="0" smtClean="0">
+                <a:latin typeface="Times New Roman" pitchFamily="18" charset="0"/>
+                <a:ea typeface="Tahoma" pitchFamily="34" charset="0"/>
+                <a:cs typeface="Times New Roman" pitchFamily="18" charset="0"/>
+              </a:rPr>
+              <a:t>психологическо</a:t>
+            </a:r>
+            <a:r>
+              <a:rPr lang="ru-RU" dirty="0" smtClean="0">
+                <a:latin typeface="Times New Roman" pitchFamily="18" charset="0"/>
+                <a:ea typeface="Tahoma" pitchFamily="34" charset="0"/>
+                <a:cs typeface="Times New Roman" pitchFamily="18" charset="0"/>
+              </a:rPr>
+              <a:t>е</a:t>
+            </a:r>
+            <a:r>
+              <a:rPr lang="be-BY" dirty="0" smtClean="0">
+                <a:latin typeface="Times New Roman" pitchFamily="18" charset="0"/>
+                <a:ea typeface="Tahoma" pitchFamily="34" charset="0"/>
+                <a:cs typeface="Times New Roman" pitchFamily="18" charset="0"/>
+              </a:rPr>
+              <a:t> состояни</a:t>
+            </a:r>
+            <a:r>
+              <a:rPr lang="ru-RU" dirty="0" smtClean="0">
+                <a:latin typeface="Times New Roman" pitchFamily="18" charset="0"/>
+                <a:ea typeface="Tahoma" pitchFamily="34" charset="0"/>
+                <a:cs typeface="Times New Roman" pitchFamily="18" charset="0"/>
+              </a:rPr>
+              <a:t>е</a:t>
+            </a:r>
+            <a:r>
+              <a:rPr lang="be-BY" dirty="0" smtClean="0">
+                <a:latin typeface="Times New Roman" pitchFamily="18" charset="0"/>
+                <a:ea typeface="Tahoma" pitchFamily="34" charset="0"/>
+                <a:cs typeface="Times New Roman" pitchFamily="18" charset="0"/>
+              </a:rPr>
+              <a:t> пациента на основе собранной поведенческой информации</a:t>
+            </a:r>
+            <a:r>
+              <a:rPr lang="ru-RU" dirty="0" smtClean="0">
+                <a:latin typeface="Times New Roman" pitchFamily="18" charset="0"/>
+                <a:ea typeface="Tahoma" pitchFamily="34" charset="0"/>
+                <a:cs typeface="Times New Roman" pitchFamily="18" charset="0"/>
+              </a:rPr>
+              <a:t>.</a:t>
+            </a:r>
+            <a:endParaRPr lang="be-BY" dirty="0" smtClean="0">
+              <a:latin typeface="Times New Roman" pitchFamily="18" charset="0"/>
+              <a:ea typeface="Tahoma" pitchFamily="34" charset="0"/>
+              <a:cs typeface="Times New Roman" pitchFamily="18" charset="0"/>
+            </a:endParaRPr>
+          </a:p>
+          <a:p>
+            <a:endParaRPr lang="en-US" dirty="0">
+              <a:latin typeface="Times New Roman" pitchFamily="18" charset="0"/>
+              <a:ea typeface="Tahoma" pitchFamily="34" charset="0"/>
+              <a:cs typeface="Times New Roman" pitchFamily="18" charset="0"/>
+            </a:endParaRPr>
           </a:p>
         </p:txBody>
       </p:sp>
     </p:spTree>
     <p:extLst>
       <p:ext uri="{BB962C8B-B14F-4D97-AF65-F5344CB8AC3E}">
-        <p14:creationId xmlns:p14="http://schemas.microsoft.com/office/powerpoint/2010/main" val="62113808"/>
+        <p14:creationId xmlns:p14="http://schemas.microsoft.com/office/powerpoint/2010/main" xmlns="" val="62113808"/>
       </p:ext>
     </p:extLst>
   </p:cSld>
@@ -3643,7 +3808,7 @@
           <p:cNvPr id="2" name="Title 1">
             <a:extLst>
               <a:ext uri="{FF2B5EF4-FFF2-40B4-BE49-F238E27FC236}">
-                <a16:creationId xmlns:a16="http://schemas.microsoft.com/office/drawing/2014/main" id="{1944AB02-4A29-4461-B2D6-55350603B333}"/>
+                <a16:creationId xmlns:a16="http://schemas.microsoft.com/office/drawing/2014/main" xmlns="" id="{1944AB02-4A29-4461-B2D6-55350603B333}"/>
               </a:ext>
             </a:extLst>
           </p:cNvPr>
@@ -3660,10 +3825,16 @@
           <a:lstStyle/>
           <a:p>
             <a:r>
-              <a:rPr lang="ru-RU" dirty="0"/>
+              <a:rPr lang="ru-RU" dirty="0">
+                <a:latin typeface="Times New Roman" pitchFamily="18" charset="0"/>
+                <a:cs typeface="Times New Roman" pitchFamily="18" charset="0"/>
+              </a:rPr>
               <a:t>Актуальность</a:t>
             </a:r>
-            <a:endParaRPr lang="en-US" dirty="0"/>
+            <a:endParaRPr lang="en-US" dirty="0">
+              <a:latin typeface="Times New Roman" pitchFamily="18" charset="0"/>
+              <a:cs typeface="Times New Roman" pitchFamily="18" charset="0"/>
+            </a:endParaRPr>
           </a:p>
         </p:txBody>
       </p:sp>
@@ -3672,7 +3843,7 @@
           <p:cNvPr id="3" name="Content Placeholder 2">
             <a:extLst>
               <a:ext uri="{FF2B5EF4-FFF2-40B4-BE49-F238E27FC236}">
-                <a16:creationId xmlns:a16="http://schemas.microsoft.com/office/drawing/2014/main" id="{D0EE5694-38B3-40E4-93B0-84A9D04EF55C}"/>
+                <a16:creationId xmlns:a16="http://schemas.microsoft.com/office/drawing/2014/main" xmlns="" id="{D0EE5694-38B3-40E4-93B0-84A9D04EF55C}"/>
               </a:ext>
             </a:extLst>
           </p:cNvPr>
@@ -3692,17 +3863,23 @@
               <a:buNone/>
             </a:pPr>
             <a:r>
-              <a:rPr lang="ru-RU" dirty="0"/>
+              <a:rPr lang="ru-RU" dirty="0">
+                <a:latin typeface="Times New Roman" pitchFamily="18" charset="0"/>
+                <a:cs typeface="Times New Roman" pitchFamily="18" charset="0"/>
+              </a:rPr>
               <a:t>	Актуальность магистерской диссертации заключается в том, что на сегодняшний день людей с психологическими проблемами и тяжелыми расстройствами гораздо больше, чем специалистов, способных с этим справиться. </a:t>
             </a:r>
-            <a:endParaRPr lang="en-US" dirty="0"/>
+            <a:endParaRPr lang="en-US" dirty="0">
+              <a:latin typeface="Times New Roman" pitchFamily="18" charset="0"/>
+              <a:cs typeface="Times New Roman" pitchFamily="18" charset="0"/>
+            </a:endParaRPr>
           </a:p>
         </p:txBody>
       </p:sp>
     </p:spTree>
     <p:extLst>
       <p:ext uri="{BB962C8B-B14F-4D97-AF65-F5344CB8AC3E}">
-        <p14:creationId xmlns:p14="http://schemas.microsoft.com/office/powerpoint/2010/main" val="2008154732"/>
+        <p14:creationId xmlns:p14="http://schemas.microsoft.com/office/powerpoint/2010/main" xmlns="" val="2008154732"/>
       </p:ext>
     </p:extLst>
   </p:cSld>
@@ -3734,7 +3911,7 @@
           <p:cNvPr id="2" name="Title 1">
             <a:extLst>
               <a:ext uri="{FF2B5EF4-FFF2-40B4-BE49-F238E27FC236}">
-                <a16:creationId xmlns:a16="http://schemas.microsoft.com/office/drawing/2014/main" id="{D5766A50-F848-4E27-AF70-6DF2A6C663D5}"/>
+                <a16:creationId xmlns:a16="http://schemas.microsoft.com/office/drawing/2014/main" xmlns="" id="{D5766A50-F848-4E27-AF70-6DF2A6C663D5}"/>
               </a:ext>
             </a:extLst>
           </p:cNvPr>
@@ -3774,7 +3951,7 @@
           <p:cNvPr id="4" name="Content Placeholder 3" descr="architecture">
             <a:extLst>
               <a:ext uri="{FF2B5EF4-FFF2-40B4-BE49-F238E27FC236}">
-                <a16:creationId xmlns:a16="http://schemas.microsoft.com/office/drawing/2014/main" id="{7921FA0E-3CF4-439E-84BF-46D03DCEA11A}"/>
+                <a16:creationId xmlns:a16="http://schemas.microsoft.com/office/drawing/2014/main" xmlns="" id="{7921FA0E-3CF4-439E-84BF-46D03DCEA11A}"/>
               </a:ext>
             </a:extLst>
           </p:cNvPr>
@@ -3786,10 +3963,10 @@
           </p:nvPr>
         </p:nvPicPr>
         <p:blipFill>
-          <a:blip r:embed="rId2">
+          <a:blip r:embed="rId2" cstate="print">
             <a:extLst>
               <a:ext uri="{28A0092B-C50C-407E-A947-70E740481C1C}">
-                <a14:useLocalDpi xmlns:a14="http://schemas.microsoft.com/office/drawing/2010/main" val="0"/>
+                <a14:useLocalDpi xmlns:a14="http://schemas.microsoft.com/office/drawing/2010/main" xmlns="" val="0"/>
               </a:ext>
             </a:extLst>
           </a:blip>
@@ -3815,7 +3992,7 @@
     </p:spTree>
     <p:extLst>
       <p:ext uri="{BB962C8B-B14F-4D97-AF65-F5344CB8AC3E}">
-        <p14:creationId xmlns:p14="http://schemas.microsoft.com/office/powerpoint/2010/main" val="2990926755"/>
+        <p14:creationId xmlns:p14="http://schemas.microsoft.com/office/powerpoint/2010/main" xmlns="" val="2990926755"/>
       </p:ext>
     </p:extLst>
   </p:cSld>
@@ -3847,7 +4024,7 @@
           <p:cNvPr id="2" name="Title 1">
             <a:extLst>
               <a:ext uri="{FF2B5EF4-FFF2-40B4-BE49-F238E27FC236}">
-                <a16:creationId xmlns:a16="http://schemas.microsoft.com/office/drawing/2014/main" id="{270F8C7C-AE06-4BEE-8C60-834D1CD7743D}"/>
+                <a16:creationId xmlns:a16="http://schemas.microsoft.com/office/drawing/2014/main" xmlns="" id="{270F8C7C-AE06-4BEE-8C60-834D1CD7743D}"/>
               </a:ext>
             </a:extLst>
           </p:cNvPr>
@@ -3887,7 +4064,7 @@
           <p:cNvPr id="4" name="Content Placeholder 3" descr="C:\Users\alcke\Downloads\Untitled Diagram (2).png">
             <a:extLst>
               <a:ext uri="{FF2B5EF4-FFF2-40B4-BE49-F238E27FC236}">
-                <a16:creationId xmlns:a16="http://schemas.microsoft.com/office/drawing/2014/main" id="{0637A9E6-90F6-47B5-864E-BF216C8FDF9C}"/>
+                <a16:creationId xmlns:a16="http://schemas.microsoft.com/office/drawing/2014/main" xmlns="" id="{0637A9E6-90F6-47B5-864E-BF216C8FDF9C}"/>
               </a:ext>
             </a:extLst>
           </p:cNvPr>
@@ -3917,7 +4094,7 @@
           </a:ln>
           <a:extLst>
             <a:ext uri="{53640926-AAD7-44D8-BBD7-CCE9431645EC}">
-              <a14:shadowObscured xmlns:a14="http://schemas.microsoft.com/office/drawing/2010/main"/>
+              <a14:shadowObscured xmlns:a14="http://schemas.microsoft.com/office/drawing/2010/main" xmlns=""/>
             </a:ext>
           </a:extLst>
         </p:spPr>
@@ -3925,7 +4102,7 @@
     </p:spTree>
     <p:extLst>
       <p:ext uri="{BB962C8B-B14F-4D97-AF65-F5344CB8AC3E}">
-        <p14:creationId xmlns:p14="http://schemas.microsoft.com/office/powerpoint/2010/main" val="176113381"/>
+        <p14:creationId xmlns:p14="http://schemas.microsoft.com/office/powerpoint/2010/main" xmlns="" val="176113381"/>
       </p:ext>
     </p:extLst>
   </p:cSld>
@@ -3957,7 +4134,7 @@
           <p:cNvPr id="2" name="Title 1">
             <a:extLst>
               <a:ext uri="{FF2B5EF4-FFF2-40B4-BE49-F238E27FC236}">
-                <a16:creationId xmlns:a16="http://schemas.microsoft.com/office/drawing/2014/main" id="{D7F0E5B6-575C-4C5B-9CAE-BE5DADA42C56}"/>
+                <a16:creationId xmlns:a16="http://schemas.microsoft.com/office/drawing/2014/main" xmlns="" id="{D7F0E5B6-575C-4C5B-9CAE-BE5DADA42C56}"/>
               </a:ext>
             </a:extLst>
           </p:cNvPr>
@@ -3992,7 +4169,7 @@
           <p:cNvPr id="7" name="Рисунок 22">
             <a:extLst>
               <a:ext uri="{FF2B5EF4-FFF2-40B4-BE49-F238E27FC236}">
-                <a16:creationId xmlns:a16="http://schemas.microsoft.com/office/drawing/2014/main" id="{249CC67B-FC9A-40E4-AB71-5D4F93E94BB2}"/>
+                <a16:creationId xmlns:a16="http://schemas.microsoft.com/office/drawing/2014/main" xmlns="" id="{249CC67B-FC9A-40E4-AB71-5D4F93E94BB2}"/>
               </a:ext>
             </a:extLst>
           </p:cNvPr>
@@ -4030,7 +4207,7 @@
     </p:spTree>
     <p:extLst>
       <p:ext uri="{BB962C8B-B14F-4D97-AF65-F5344CB8AC3E}">
-        <p14:creationId xmlns:p14="http://schemas.microsoft.com/office/powerpoint/2010/main" val="3081234102"/>
+        <p14:creationId xmlns:p14="http://schemas.microsoft.com/office/powerpoint/2010/main" xmlns="" val="3081234102"/>
       </p:ext>
     </p:extLst>
   </p:cSld>
@@ -4062,7 +4239,7 @@
           <p:cNvPr id="2" name="Title 1">
             <a:extLst>
               <a:ext uri="{FF2B5EF4-FFF2-40B4-BE49-F238E27FC236}">
-                <a16:creationId xmlns:a16="http://schemas.microsoft.com/office/drawing/2014/main" id="{74ADB99C-018E-44EE-B1A4-69928BB22075}"/>
+                <a16:creationId xmlns:a16="http://schemas.microsoft.com/office/drawing/2014/main" xmlns="" id="{74ADB99C-018E-44EE-B1A4-69928BB22075}"/>
               </a:ext>
             </a:extLst>
           </p:cNvPr>
@@ -4102,7 +4279,7 @@
           <p:cNvPr id="5" name="Рисунок 19">
             <a:extLst>
               <a:ext uri="{FF2B5EF4-FFF2-40B4-BE49-F238E27FC236}">
-                <a16:creationId xmlns:a16="http://schemas.microsoft.com/office/drawing/2014/main" id="{1127607B-5AF7-4414-AFC4-BDF2C6EC53E0}"/>
+                <a16:creationId xmlns:a16="http://schemas.microsoft.com/office/drawing/2014/main" xmlns="" id="{1127607B-5AF7-4414-AFC4-BDF2C6EC53E0}"/>
               </a:ext>
             </a:extLst>
           </p:cNvPr>
@@ -4140,7 +4317,7 @@
     </p:spTree>
     <p:extLst>
       <p:ext uri="{BB962C8B-B14F-4D97-AF65-F5344CB8AC3E}">
-        <p14:creationId xmlns:p14="http://schemas.microsoft.com/office/powerpoint/2010/main" val="3319999586"/>
+        <p14:creationId xmlns:p14="http://schemas.microsoft.com/office/powerpoint/2010/main" xmlns="" val="3319999586"/>
       </p:ext>
     </p:extLst>
   </p:cSld>
@@ -4172,7 +4349,7 @@
           <p:cNvPr id="2" name="Title 1">
             <a:extLst>
               <a:ext uri="{FF2B5EF4-FFF2-40B4-BE49-F238E27FC236}">
-                <a16:creationId xmlns:a16="http://schemas.microsoft.com/office/drawing/2014/main" id="{275CC5C1-8622-4A7B-8184-FD735871F4DE}"/>
+                <a16:creationId xmlns:a16="http://schemas.microsoft.com/office/drawing/2014/main" xmlns="" id="{275CC5C1-8622-4A7B-8184-FD735871F4DE}"/>
               </a:ext>
             </a:extLst>
           </p:cNvPr>
@@ -4211,7 +4388,7 @@
     </p:spTree>
     <p:extLst>
       <p:ext uri="{BB962C8B-B14F-4D97-AF65-F5344CB8AC3E}">
-        <p14:creationId xmlns:p14="http://schemas.microsoft.com/office/powerpoint/2010/main" val="471387438"/>
+        <p14:creationId xmlns:p14="http://schemas.microsoft.com/office/powerpoint/2010/main" xmlns="" val="471387438"/>
       </p:ext>
     </p:extLst>
   </p:cSld>
@@ -4264,7 +4441,7 @@
     </a:clrScheme>
     <a:fontScheme name="Office">
       <a:majorFont>
-        <a:latin typeface="Calibri Light" panose="020F0302020204030204"/>
+        <a:latin typeface="Calibri Light"/>
         <a:ea typeface=""/>
         <a:cs typeface=""/>
         <a:font script="Jpan" typeface="游ゴシック Light"/>
@@ -4316,7 +4493,7 @@
         <a:font script="Tfng" typeface="Ebrima"/>
       </a:majorFont>
       <a:minorFont>
-        <a:latin typeface="Calibri" panose="020F0502020204030204"/>
+        <a:latin typeface="Calibri"/>
         <a:ea typeface=""/>
         <a:cs typeface=""/>
         <a:font script="Jpan" typeface="游ゴシック"/>
@@ -4510,7 +4687,7 @@
   <a:extraClrSchemeLst/>
   <a:extLst>
     <a:ext uri="{05A4C25C-085E-4340-85A3-A5531E510DB2}">
-      <thm15:themeFamily xmlns:thm15="http://schemas.microsoft.com/office/thememl/2012/main" name="Office Theme" id="{62F939B6-93AF-4DB8-9C6B-D6C7DFDC589F}" vid="{4A3C46E8-61CC-4603-A589-7422A47A8E4A}"/>
+      <thm15:themeFamily xmlns:thm15="http://schemas.microsoft.com/office/thememl/2012/main" xmlns="" name="Office Theme" id="{62F939B6-93AF-4DB8-9C6B-D6C7DFDC589F}" vid="{4A3C46E8-61CC-4603-A589-7422A47A8E4A}"/>
     </a:ext>
   </a:extLst>
 </a:theme>

--- a/Алькевич А.С/Презентация.pptx
+++ b/Алькевич А.С/Презентация.pptx
@@ -8,11 +8,25 @@
     <p:sldId id="256" r:id="rId2"/>
     <p:sldId id="260" r:id="rId3"/>
     <p:sldId id="259" r:id="rId4"/>
-    <p:sldId id="261" r:id="rId5"/>
-    <p:sldId id="262" r:id="rId6"/>
-    <p:sldId id="264" r:id="rId7"/>
-    <p:sldId id="263" r:id="rId8"/>
-    <p:sldId id="257" r:id="rId9"/>
+    <p:sldId id="265" r:id="rId5"/>
+    <p:sldId id="266" r:id="rId6"/>
+    <p:sldId id="267" r:id="rId7"/>
+    <p:sldId id="270" r:id="rId8"/>
+    <p:sldId id="271" r:id="rId9"/>
+    <p:sldId id="268" r:id="rId10"/>
+    <p:sldId id="272" r:id="rId11"/>
+    <p:sldId id="269" r:id="rId12"/>
+    <p:sldId id="273" r:id="rId13"/>
+    <p:sldId id="274" r:id="rId14"/>
+    <p:sldId id="275" r:id="rId15"/>
+    <p:sldId id="276" r:id="rId16"/>
+    <p:sldId id="279" r:id="rId17"/>
+    <p:sldId id="277" r:id="rId18"/>
+    <p:sldId id="278" r:id="rId19"/>
+    <p:sldId id="280" r:id="rId20"/>
+    <p:sldId id="281" r:id="rId21"/>
+    <p:sldId id="282" r:id="rId22"/>
+    <p:sldId id="257" r:id="rId23"/>
   </p:sldIdLst>
   <p:sldSz cx="12192000" cy="6858000"/>
   <p:notesSz cx="6858000" cy="9144000"/>
@@ -111,6 +125,22 @@
       </a:defRPr>
     </a:lvl9pPr>
   </p:defaultTextStyle>
+  <p:extLst>
+    <p:ext uri="{EFAFB233-063F-42B5-8137-9DF3F51BA10A}">
+      <p15:sldGuideLst xmlns:p15="http://schemas.microsoft.com/office/powerpoint/2012/main">
+        <p15:guide id="1" orient="horz" pos="2160">
+          <p15:clr>
+            <a:srgbClr val="A4A3A4"/>
+          </p15:clr>
+        </p15:guide>
+        <p15:guide id="2" pos="3840">
+          <p15:clr>
+            <a:srgbClr val="A4A3A4"/>
+          </p15:clr>
+        </p15:guide>
+      </p15:sldGuideLst>
+    </p:ext>
+  </p:extLst>
 </p:presentation>
 </file>
 
@@ -136,7 +166,7 @@
           <p:cNvPr id="2" name="Title 1">
             <a:extLst>
               <a:ext uri="{FF2B5EF4-FFF2-40B4-BE49-F238E27FC236}">
-                <a16:creationId xmlns:a16="http://schemas.microsoft.com/office/drawing/2014/main" xmlns="" id="{075A325B-EC82-4904-A9A2-236D01B3D7AC}"/>
+                <a16:creationId xmlns:a16="http://schemas.microsoft.com/office/drawing/2014/main" id="{075A325B-EC82-4904-A9A2-236D01B3D7AC}"/>
               </a:ext>
             </a:extLst>
           </p:cNvPr>
@@ -173,7 +203,7 @@
           <p:cNvPr id="3" name="Subtitle 2">
             <a:extLst>
               <a:ext uri="{FF2B5EF4-FFF2-40B4-BE49-F238E27FC236}">
-                <a16:creationId xmlns:a16="http://schemas.microsoft.com/office/drawing/2014/main" xmlns="" id="{A59E1933-8127-4E9F-B8CD-A242D0E1A9CB}"/>
+                <a16:creationId xmlns:a16="http://schemas.microsoft.com/office/drawing/2014/main" id="{A59E1933-8127-4E9F-B8CD-A242D0E1A9CB}"/>
               </a:ext>
             </a:extLst>
           </p:cNvPr>
@@ -243,7 +273,7 @@
           <p:cNvPr id="4" name="Date Placeholder 3">
             <a:extLst>
               <a:ext uri="{FF2B5EF4-FFF2-40B4-BE49-F238E27FC236}">
-                <a16:creationId xmlns:a16="http://schemas.microsoft.com/office/drawing/2014/main" xmlns="" id="{3500B7BE-606D-4F3C-B108-44C68BB6C70F}"/>
+                <a16:creationId xmlns:a16="http://schemas.microsoft.com/office/drawing/2014/main" id="{3500B7BE-606D-4F3C-B108-44C68BB6C70F}"/>
               </a:ext>
             </a:extLst>
           </p:cNvPr>
@@ -273,7 +303,7 @@
           <p:cNvPr id="5" name="Footer Placeholder 4">
             <a:extLst>
               <a:ext uri="{FF2B5EF4-FFF2-40B4-BE49-F238E27FC236}">
-                <a16:creationId xmlns:a16="http://schemas.microsoft.com/office/drawing/2014/main" xmlns="" id="{C5D4B445-95D6-4B06-8E21-61D5BFF5B2F6}"/>
+                <a16:creationId xmlns:a16="http://schemas.microsoft.com/office/drawing/2014/main" id="{C5D4B445-95D6-4B06-8E21-61D5BFF5B2F6}"/>
               </a:ext>
             </a:extLst>
           </p:cNvPr>
@@ -298,7 +328,7 @@
           <p:cNvPr id="6" name="Slide Number Placeholder 5">
             <a:extLst>
               <a:ext uri="{FF2B5EF4-FFF2-40B4-BE49-F238E27FC236}">
-                <a16:creationId xmlns:a16="http://schemas.microsoft.com/office/drawing/2014/main" xmlns="" id="{50F38575-7DF0-4297-9FD3-A6723369B92D}"/>
+                <a16:creationId xmlns:a16="http://schemas.microsoft.com/office/drawing/2014/main" id="{50F38575-7DF0-4297-9FD3-A6723369B92D}"/>
               </a:ext>
             </a:extLst>
           </p:cNvPr>
@@ -326,7 +356,7 @@
     </p:spTree>
     <p:extLst>
       <p:ext uri="{BB962C8B-B14F-4D97-AF65-F5344CB8AC3E}">
-        <p14:creationId xmlns:p14="http://schemas.microsoft.com/office/powerpoint/2010/main" xmlns="" val="3779878831"/>
+        <p14:creationId xmlns:p14="http://schemas.microsoft.com/office/powerpoint/2010/main" val="3779878831"/>
       </p:ext>
     </p:extLst>
   </p:cSld>
@@ -358,7 +388,7 @@
           <p:cNvPr id="2" name="Title 1">
             <a:extLst>
               <a:ext uri="{FF2B5EF4-FFF2-40B4-BE49-F238E27FC236}">
-                <a16:creationId xmlns:a16="http://schemas.microsoft.com/office/drawing/2014/main" xmlns="" id="{DBB4BB53-F640-4B09-A8D2-2C26B5F06F21}"/>
+                <a16:creationId xmlns:a16="http://schemas.microsoft.com/office/drawing/2014/main" id="{DBB4BB53-F640-4B09-A8D2-2C26B5F06F21}"/>
               </a:ext>
             </a:extLst>
           </p:cNvPr>
@@ -386,7 +416,7 @@
           <p:cNvPr id="3" name="Vertical Text Placeholder 2">
             <a:extLst>
               <a:ext uri="{FF2B5EF4-FFF2-40B4-BE49-F238E27FC236}">
-                <a16:creationId xmlns:a16="http://schemas.microsoft.com/office/drawing/2014/main" xmlns="" id="{497674D4-4594-4E03-9FBF-49B9AE47E974}"/>
+                <a16:creationId xmlns:a16="http://schemas.microsoft.com/office/drawing/2014/main" id="{497674D4-4594-4E03-9FBF-49B9AE47E974}"/>
               </a:ext>
             </a:extLst>
           </p:cNvPr>
@@ -443,7 +473,7 @@
           <p:cNvPr id="4" name="Date Placeholder 3">
             <a:extLst>
               <a:ext uri="{FF2B5EF4-FFF2-40B4-BE49-F238E27FC236}">
-                <a16:creationId xmlns:a16="http://schemas.microsoft.com/office/drawing/2014/main" xmlns="" id="{A95BDF95-B9D3-4364-A25B-093D6E972F4C}"/>
+                <a16:creationId xmlns:a16="http://schemas.microsoft.com/office/drawing/2014/main" id="{A95BDF95-B9D3-4364-A25B-093D6E972F4C}"/>
               </a:ext>
             </a:extLst>
           </p:cNvPr>
@@ -473,7 +503,7 @@
           <p:cNvPr id="5" name="Footer Placeholder 4">
             <a:extLst>
               <a:ext uri="{FF2B5EF4-FFF2-40B4-BE49-F238E27FC236}">
-                <a16:creationId xmlns:a16="http://schemas.microsoft.com/office/drawing/2014/main" xmlns="" id="{FA50CD65-423B-44F6-B467-E532CC2EC677}"/>
+                <a16:creationId xmlns:a16="http://schemas.microsoft.com/office/drawing/2014/main" id="{FA50CD65-423B-44F6-B467-E532CC2EC677}"/>
               </a:ext>
             </a:extLst>
           </p:cNvPr>
@@ -498,7 +528,7 @@
           <p:cNvPr id="6" name="Slide Number Placeholder 5">
             <a:extLst>
               <a:ext uri="{FF2B5EF4-FFF2-40B4-BE49-F238E27FC236}">
-                <a16:creationId xmlns:a16="http://schemas.microsoft.com/office/drawing/2014/main" xmlns="" id="{B8382766-6D75-4861-B8AE-BF79A4C54DB0}"/>
+                <a16:creationId xmlns:a16="http://schemas.microsoft.com/office/drawing/2014/main" id="{B8382766-6D75-4861-B8AE-BF79A4C54DB0}"/>
               </a:ext>
             </a:extLst>
           </p:cNvPr>
@@ -526,7 +556,7 @@
     </p:spTree>
     <p:extLst>
       <p:ext uri="{BB962C8B-B14F-4D97-AF65-F5344CB8AC3E}">
-        <p14:creationId xmlns:p14="http://schemas.microsoft.com/office/powerpoint/2010/main" xmlns="" val="823327709"/>
+        <p14:creationId xmlns:p14="http://schemas.microsoft.com/office/powerpoint/2010/main" val="823327709"/>
       </p:ext>
     </p:extLst>
   </p:cSld>
@@ -558,7 +588,7 @@
           <p:cNvPr id="2" name="Vertical Title 1">
             <a:extLst>
               <a:ext uri="{FF2B5EF4-FFF2-40B4-BE49-F238E27FC236}">
-                <a16:creationId xmlns:a16="http://schemas.microsoft.com/office/drawing/2014/main" xmlns="" id="{9B9A79F7-4200-4CF1-BE75-80032BC9DDCE}"/>
+                <a16:creationId xmlns:a16="http://schemas.microsoft.com/office/drawing/2014/main" id="{9B9A79F7-4200-4CF1-BE75-80032BC9DDCE}"/>
               </a:ext>
             </a:extLst>
           </p:cNvPr>
@@ -591,7 +621,7 @@
           <p:cNvPr id="3" name="Vertical Text Placeholder 2">
             <a:extLst>
               <a:ext uri="{FF2B5EF4-FFF2-40B4-BE49-F238E27FC236}">
-                <a16:creationId xmlns:a16="http://schemas.microsoft.com/office/drawing/2014/main" xmlns="" id="{B15DEFFF-9D7C-45D1-A0A5-43719CECA94F}"/>
+                <a16:creationId xmlns:a16="http://schemas.microsoft.com/office/drawing/2014/main" id="{B15DEFFF-9D7C-45D1-A0A5-43719CECA94F}"/>
               </a:ext>
             </a:extLst>
           </p:cNvPr>
@@ -653,7 +683,7 @@
           <p:cNvPr id="4" name="Date Placeholder 3">
             <a:extLst>
               <a:ext uri="{FF2B5EF4-FFF2-40B4-BE49-F238E27FC236}">
-                <a16:creationId xmlns:a16="http://schemas.microsoft.com/office/drawing/2014/main" xmlns="" id="{2C670662-7C96-4DA1-A035-60BAA00D12FA}"/>
+                <a16:creationId xmlns:a16="http://schemas.microsoft.com/office/drawing/2014/main" id="{2C670662-7C96-4DA1-A035-60BAA00D12FA}"/>
               </a:ext>
             </a:extLst>
           </p:cNvPr>
@@ -683,7 +713,7 @@
           <p:cNvPr id="5" name="Footer Placeholder 4">
             <a:extLst>
               <a:ext uri="{FF2B5EF4-FFF2-40B4-BE49-F238E27FC236}">
-                <a16:creationId xmlns:a16="http://schemas.microsoft.com/office/drawing/2014/main" xmlns="" id="{99E0F936-D249-4792-8247-6CDB1E3B811E}"/>
+                <a16:creationId xmlns:a16="http://schemas.microsoft.com/office/drawing/2014/main" id="{99E0F936-D249-4792-8247-6CDB1E3B811E}"/>
               </a:ext>
             </a:extLst>
           </p:cNvPr>
@@ -708,7 +738,7 @@
           <p:cNvPr id="6" name="Slide Number Placeholder 5">
             <a:extLst>
               <a:ext uri="{FF2B5EF4-FFF2-40B4-BE49-F238E27FC236}">
-                <a16:creationId xmlns:a16="http://schemas.microsoft.com/office/drawing/2014/main" xmlns="" id="{443CC790-7FB8-491E-89D4-24CB3AEC6490}"/>
+                <a16:creationId xmlns:a16="http://schemas.microsoft.com/office/drawing/2014/main" id="{443CC790-7FB8-491E-89D4-24CB3AEC6490}"/>
               </a:ext>
             </a:extLst>
           </p:cNvPr>
@@ -736,7 +766,7 @@
     </p:spTree>
     <p:extLst>
       <p:ext uri="{BB962C8B-B14F-4D97-AF65-F5344CB8AC3E}">
-        <p14:creationId xmlns:p14="http://schemas.microsoft.com/office/powerpoint/2010/main" xmlns="" val="3030679375"/>
+        <p14:creationId xmlns:p14="http://schemas.microsoft.com/office/powerpoint/2010/main" val="3030679375"/>
       </p:ext>
     </p:extLst>
   </p:cSld>
@@ -768,7 +798,7 @@
           <p:cNvPr id="2" name="Title 1">
             <a:extLst>
               <a:ext uri="{FF2B5EF4-FFF2-40B4-BE49-F238E27FC236}">
-                <a16:creationId xmlns:a16="http://schemas.microsoft.com/office/drawing/2014/main" xmlns="" id="{60833AB4-6484-462E-A3CC-829E6ECAEFBA}"/>
+                <a16:creationId xmlns:a16="http://schemas.microsoft.com/office/drawing/2014/main" id="{60833AB4-6484-462E-A3CC-829E6ECAEFBA}"/>
               </a:ext>
             </a:extLst>
           </p:cNvPr>
@@ -796,7 +826,7 @@
           <p:cNvPr id="3" name="Content Placeholder 2">
             <a:extLst>
               <a:ext uri="{FF2B5EF4-FFF2-40B4-BE49-F238E27FC236}">
-                <a16:creationId xmlns:a16="http://schemas.microsoft.com/office/drawing/2014/main" xmlns="" id="{A2C5186C-7C10-498B-8A1D-A1A431132C11}"/>
+                <a16:creationId xmlns:a16="http://schemas.microsoft.com/office/drawing/2014/main" id="{A2C5186C-7C10-498B-8A1D-A1A431132C11}"/>
               </a:ext>
             </a:extLst>
           </p:cNvPr>
@@ -853,7 +883,7 @@
           <p:cNvPr id="4" name="Date Placeholder 3">
             <a:extLst>
               <a:ext uri="{FF2B5EF4-FFF2-40B4-BE49-F238E27FC236}">
-                <a16:creationId xmlns:a16="http://schemas.microsoft.com/office/drawing/2014/main" xmlns="" id="{E7021A96-81DC-4AD0-ACA8-04C99423CF80}"/>
+                <a16:creationId xmlns:a16="http://schemas.microsoft.com/office/drawing/2014/main" id="{E7021A96-81DC-4AD0-ACA8-04C99423CF80}"/>
               </a:ext>
             </a:extLst>
           </p:cNvPr>
@@ -883,7 +913,7 @@
           <p:cNvPr id="5" name="Footer Placeholder 4">
             <a:extLst>
               <a:ext uri="{FF2B5EF4-FFF2-40B4-BE49-F238E27FC236}">
-                <a16:creationId xmlns:a16="http://schemas.microsoft.com/office/drawing/2014/main" xmlns="" id="{37D91247-1896-4CBF-ADAA-2B57647FB807}"/>
+                <a16:creationId xmlns:a16="http://schemas.microsoft.com/office/drawing/2014/main" id="{37D91247-1896-4CBF-ADAA-2B57647FB807}"/>
               </a:ext>
             </a:extLst>
           </p:cNvPr>
@@ -908,7 +938,7 @@
           <p:cNvPr id="6" name="Slide Number Placeholder 5">
             <a:extLst>
               <a:ext uri="{FF2B5EF4-FFF2-40B4-BE49-F238E27FC236}">
-                <a16:creationId xmlns:a16="http://schemas.microsoft.com/office/drawing/2014/main" xmlns="" id="{1E8AF0A9-88E5-483D-ABFD-DC372ADABF77}"/>
+                <a16:creationId xmlns:a16="http://schemas.microsoft.com/office/drawing/2014/main" id="{1E8AF0A9-88E5-483D-ABFD-DC372ADABF77}"/>
               </a:ext>
             </a:extLst>
           </p:cNvPr>
@@ -936,7 +966,7 @@
     </p:spTree>
     <p:extLst>
       <p:ext uri="{BB962C8B-B14F-4D97-AF65-F5344CB8AC3E}">
-        <p14:creationId xmlns:p14="http://schemas.microsoft.com/office/powerpoint/2010/main" xmlns="" val="2484586931"/>
+        <p14:creationId xmlns:p14="http://schemas.microsoft.com/office/powerpoint/2010/main" val="2484586931"/>
       </p:ext>
     </p:extLst>
   </p:cSld>
@@ -968,7 +998,7 @@
           <p:cNvPr id="2" name="Title 1">
             <a:extLst>
               <a:ext uri="{FF2B5EF4-FFF2-40B4-BE49-F238E27FC236}">
-                <a16:creationId xmlns:a16="http://schemas.microsoft.com/office/drawing/2014/main" xmlns="" id="{EB638D51-006E-494E-835E-FD3DD865574E}"/>
+                <a16:creationId xmlns:a16="http://schemas.microsoft.com/office/drawing/2014/main" id="{EB638D51-006E-494E-835E-FD3DD865574E}"/>
               </a:ext>
             </a:extLst>
           </p:cNvPr>
@@ -1005,7 +1035,7 @@
           <p:cNvPr id="3" name="Text Placeholder 2">
             <a:extLst>
               <a:ext uri="{FF2B5EF4-FFF2-40B4-BE49-F238E27FC236}">
-                <a16:creationId xmlns:a16="http://schemas.microsoft.com/office/drawing/2014/main" xmlns="" id="{B0F1496E-B8AB-4111-A535-DACBE65294F0}"/>
+                <a16:creationId xmlns:a16="http://schemas.microsoft.com/office/drawing/2014/main" id="{B0F1496E-B8AB-4111-A535-DACBE65294F0}"/>
               </a:ext>
             </a:extLst>
           </p:cNvPr>
@@ -1130,7 +1160,7 @@
           <p:cNvPr id="4" name="Date Placeholder 3">
             <a:extLst>
               <a:ext uri="{FF2B5EF4-FFF2-40B4-BE49-F238E27FC236}">
-                <a16:creationId xmlns:a16="http://schemas.microsoft.com/office/drawing/2014/main" xmlns="" id="{27A93AFA-34ED-4B54-A135-051A4FD82B57}"/>
+                <a16:creationId xmlns:a16="http://schemas.microsoft.com/office/drawing/2014/main" id="{27A93AFA-34ED-4B54-A135-051A4FD82B57}"/>
               </a:ext>
             </a:extLst>
           </p:cNvPr>
@@ -1160,7 +1190,7 @@
           <p:cNvPr id="5" name="Footer Placeholder 4">
             <a:extLst>
               <a:ext uri="{FF2B5EF4-FFF2-40B4-BE49-F238E27FC236}">
-                <a16:creationId xmlns:a16="http://schemas.microsoft.com/office/drawing/2014/main" xmlns="" id="{D457C026-FFAE-4809-B341-7B4577DDBF3D}"/>
+                <a16:creationId xmlns:a16="http://schemas.microsoft.com/office/drawing/2014/main" id="{D457C026-FFAE-4809-B341-7B4577DDBF3D}"/>
               </a:ext>
             </a:extLst>
           </p:cNvPr>
@@ -1185,7 +1215,7 @@
           <p:cNvPr id="6" name="Slide Number Placeholder 5">
             <a:extLst>
               <a:ext uri="{FF2B5EF4-FFF2-40B4-BE49-F238E27FC236}">
-                <a16:creationId xmlns:a16="http://schemas.microsoft.com/office/drawing/2014/main" xmlns="" id="{1C938048-903B-4343-B294-8EC5929B216B}"/>
+                <a16:creationId xmlns:a16="http://schemas.microsoft.com/office/drawing/2014/main" id="{1C938048-903B-4343-B294-8EC5929B216B}"/>
               </a:ext>
             </a:extLst>
           </p:cNvPr>
@@ -1213,7 +1243,7 @@
     </p:spTree>
     <p:extLst>
       <p:ext uri="{BB962C8B-B14F-4D97-AF65-F5344CB8AC3E}">
-        <p14:creationId xmlns:p14="http://schemas.microsoft.com/office/powerpoint/2010/main" xmlns="" val="670945512"/>
+        <p14:creationId xmlns:p14="http://schemas.microsoft.com/office/powerpoint/2010/main" val="670945512"/>
       </p:ext>
     </p:extLst>
   </p:cSld>
@@ -1245,7 +1275,7 @@
           <p:cNvPr id="2" name="Title 1">
             <a:extLst>
               <a:ext uri="{FF2B5EF4-FFF2-40B4-BE49-F238E27FC236}">
-                <a16:creationId xmlns:a16="http://schemas.microsoft.com/office/drawing/2014/main" xmlns="" id="{4683A521-79F1-48FD-B0B5-E27E36D784E9}"/>
+                <a16:creationId xmlns:a16="http://schemas.microsoft.com/office/drawing/2014/main" id="{4683A521-79F1-48FD-B0B5-E27E36D784E9}"/>
               </a:ext>
             </a:extLst>
           </p:cNvPr>
@@ -1273,7 +1303,7 @@
           <p:cNvPr id="3" name="Content Placeholder 2">
             <a:extLst>
               <a:ext uri="{FF2B5EF4-FFF2-40B4-BE49-F238E27FC236}">
-                <a16:creationId xmlns:a16="http://schemas.microsoft.com/office/drawing/2014/main" xmlns="" id="{FD42CBE2-652B-4628-8452-771F898459FA}"/>
+                <a16:creationId xmlns:a16="http://schemas.microsoft.com/office/drawing/2014/main" id="{FD42CBE2-652B-4628-8452-771F898459FA}"/>
               </a:ext>
             </a:extLst>
           </p:cNvPr>
@@ -1335,7 +1365,7 @@
           <p:cNvPr id="4" name="Content Placeholder 3">
             <a:extLst>
               <a:ext uri="{FF2B5EF4-FFF2-40B4-BE49-F238E27FC236}">
-                <a16:creationId xmlns:a16="http://schemas.microsoft.com/office/drawing/2014/main" xmlns="" id="{A94F0ED7-7186-4A06-821F-3EFC50389665}"/>
+                <a16:creationId xmlns:a16="http://schemas.microsoft.com/office/drawing/2014/main" id="{A94F0ED7-7186-4A06-821F-3EFC50389665}"/>
               </a:ext>
             </a:extLst>
           </p:cNvPr>
@@ -1397,7 +1427,7 @@
           <p:cNvPr id="5" name="Date Placeholder 4">
             <a:extLst>
               <a:ext uri="{FF2B5EF4-FFF2-40B4-BE49-F238E27FC236}">
-                <a16:creationId xmlns:a16="http://schemas.microsoft.com/office/drawing/2014/main" xmlns="" id="{4291441B-ADF2-4493-8215-0F97A2AB9DF0}"/>
+                <a16:creationId xmlns:a16="http://schemas.microsoft.com/office/drawing/2014/main" id="{4291441B-ADF2-4493-8215-0F97A2AB9DF0}"/>
               </a:ext>
             </a:extLst>
           </p:cNvPr>
@@ -1427,7 +1457,7 @@
           <p:cNvPr id="6" name="Footer Placeholder 5">
             <a:extLst>
               <a:ext uri="{FF2B5EF4-FFF2-40B4-BE49-F238E27FC236}">
-                <a16:creationId xmlns:a16="http://schemas.microsoft.com/office/drawing/2014/main" xmlns="" id="{325CDFF8-E8D1-44C8-AEAA-6AA417A1C9E1}"/>
+                <a16:creationId xmlns:a16="http://schemas.microsoft.com/office/drawing/2014/main" id="{325CDFF8-E8D1-44C8-AEAA-6AA417A1C9E1}"/>
               </a:ext>
             </a:extLst>
           </p:cNvPr>
@@ -1452,7 +1482,7 @@
           <p:cNvPr id="7" name="Slide Number Placeholder 6">
             <a:extLst>
               <a:ext uri="{FF2B5EF4-FFF2-40B4-BE49-F238E27FC236}">
-                <a16:creationId xmlns:a16="http://schemas.microsoft.com/office/drawing/2014/main" xmlns="" id="{8A435470-1D0A-4054-957B-B4A6BCB97787}"/>
+                <a16:creationId xmlns:a16="http://schemas.microsoft.com/office/drawing/2014/main" id="{8A435470-1D0A-4054-957B-B4A6BCB97787}"/>
               </a:ext>
             </a:extLst>
           </p:cNvPr>
@@ -1480,7 +1510,7 @@
     </p:spTree>
     <p:extLst>
       <p:ext uri="{BB962C8B-B14F-4D97-AF65-F5344CB8AC3E}">
-        <p14:creationId xmlns:p14="http://schemas.microsoft.com/office/powerpoint/2010/main" xmlns="" val="2480360642"/>
+        <p14:creationId xmlns:p14="http://schemas.microsoft.com/office/powerpoint/2010/main" val="2480360642"/>
       </p:ext>
     </p:extLst>
   </p:cSld>
@@ -1512,7 +1542,7 @@
           <p:cNvPr id="2" name="Title 1">
             <a:extLst>
               <a:ext uri="{FF2B5EF4-FFF2-40B4-BE49-F238E27FC236}">
-                <a16:creationId xmlns:a16="http://schemas.microsoft.com/office/drawing/2014/main" xmlns="" id="{54E7C32B-2BA9-446A-9235-15F5DD839BFD}"/>
+                <a16:creationId xmlns:a16="http://schemas.microsoft.com/office/drawing/2014/main" id="{54E7C32B-2BA9-446A-9235-15F5DD839BFD}"/>
               </a:ext>
             </a:extLst>
           </p:cNvPr>
@@ -1545,7 +1575,7 @@
           <p:cNvPr id="3" name="Text Placeholder 2">
             <a:extLst>
               <a:ext uri="{FF2B5EF4-FFF2-40B4-BE49-F238E27FC236}">
-                <a16:creationId xmlns:a16="http://schemas.microsoft.com/office/drawing/2014/main" xmlns="" id="{DB3A3E22-4FA5-4454-939F-23B9F9DECC3F}"/>
+                <a16:creationId xmlns:a16="http://schemas.microsoft.com/office/drawing/2014/main" id="{DB3A3E22-4FA5-4454-939F-23B9F9DECC3F}"/>
               </a:ext>
             </a:extLst>
           </p:cNvPr>
@@ -1616,7 +1646,7 @@
           <p:cNvPr id="4" name="Content Placeholder 3">
             <a:extLst>
               <a:ext uri="{FF2B5EF4-FFF2-40B4-BE49-F238E27FC236}">
-                <a16:creationId xmlns:a16="http://schemas.microsoft.com/office/drawing/2014/main" xmlns="" id="{72DF83FC-FEFA-4AFD-A144-30F27A459D20}"/>
+                <a16:creationId xmlns:a16="http://schemas.microsoft.com/office/drawing/2014/main" id="{72DF83FC-FEFA-4AFD-A144-30F27A459D20}"/>
               </a:ext>
             </a:extLst>
           </p:cNvPr>
@@ -1678,7 +1708,7 @@
           <p:cNvPr id="5" name="Text Placeholder 4">
             <a:extLst>
               <a:ext uri="{FF2B5EF4-FFF2-40B4-BE49-F238E27FC236}">
-                <a16:creationId xmlns:a16="http://schemas.microsoft.com/office/drawing/2014/main" xmlns="" id="{0C199EDB-45B1-4A75-BA50-2AEC47282E43}"/>
+                <a16:creationId xmlns:a16="http://schemas.microsoft.com/office/drawing/2014/main" id="{0C199EDB-45B1-4A75-BA50-2AEC47282E43}"/>
               </a:ext>
             </a:extLst>
           </p:cNvPr>
@@ -1749,7 +1779,7 @@
           <p:cNvPr id="6" name="Content Placeholder 5">
             <a:extLst>
               <a:ext uri="{FF2B5EF4-FFF2-40B4-BE49-F238E27FC236}">
-                <a16:creationId xmlns:a16="http://schemas.microsoft.com/office/drawing/2014/main" xmlns="" id="{1EF008B0-860C-4487-B63E-7D8277D34C8C}"/>
+                <a16:creationId xmlns:a16="http://schemas.microsoft.com/office/drawing/2014/main" id="{1EF008B0-860C-4487-B63E-7D8277D34C8C}"/>
               </a:ext>
             </a:extLst>
           </p:cNvPr>
@@ -1811,7 +1841,7 @@
           <p:cNvPr id="7" name="Date Placeholder 6">
             <a:extLst>
               <a:ext uri="{FF2B5EF4-FFF2-40B4-BE49-F238E27FC236}">
-                <a16:creationId xmlns:a16="http://schemas.microsoft.com/office/drawing/2014/main" xmlns="" id="{306A1AD2-F252-4D88-A84E-ADD2AB6668C1}"/>
+                <a16:creationId xmlns:a16="http://schemas.microsoft.com/office/drawing/2014/main" id="{306A1AD2-F252-4D88-A84E-ADD2AB6668C1}"/>
               </a:ext>
             </a:extLst>
           </p:cNvPr>
@@ -1841,7 +1871,7 @@
           <p:cNvPr id="8" name="Footer Placeholder 7">
             <a:extLst>
               <a:ext uri="{FF2B5EF4-FFF2-40B4-BE49-F238E27FC236}">
-                <a16:creationId xmlns:a16="http://schemas.microsoft.com/office/drawing/2014/main" xmlns="" id="{47CC986C-75B9-49C5-8B44-22B2507F8A8D}"/>
+                <a16:creationId xmlns:a16="http://schemas.microsoft.com/office/drawing/2014/main" id="{47CC986C-75B9-49C5-8B44-22B2507F8A8D}"/>
               </a:ext>
             </a:extLst>
           </p:cNvPr>
@@ -1866,7 +1896,7 @@
           <p:cNvPr id="9" name="Slide Number Placeholder 8">
             <a:extLst>
               <a:ext uri="{FF2B5EF4-FFF2-40B4-BE49-F238E27FC236}">
-                <a16:creationId xmlns:a16="http://schemas.microsoft.com/office/drawing/2014/main" xmlns="" id="{71948F72-1448-4800-87A6-E1243C850444}"/>
+                <a16:creationId xmlns:a16="http://schemas.microsoft.com/office/drawing/2014/main" id="{71948F72-1448-4800-87A6-E1243C850444}"/>
               </a:ext>
             </a:extLst>
           </p:cNvPr>
@@ -1894,7 +1924,7 @@
     </p:spTree>
     <p:extLst>
       <p:ext uri="{BB962C8B-B14F-4D97-AF65-F5344CB8AC3E}">
-        <p14:creationId xmlns:p14="http://schemas.microsoft.com/office/powerpoint/2010/main" xmlns="" val="3778224530"/>
+        <p14:creationId xmlns:p14="http://schemas.microsoft.com/office/powerpoint/2010/main" val="3778224530"/>
       </p:ext>
     </p:extLst>
   </p:cSld>
@@ -1926,7 +1956,7 @@
           <p:cNvPr id="2" name="Title 1">
             <a:extLst>
               <a:ext uri="{FF2B5EF4-FFF2-40B4-BE49-F238E27FC236}">
-                <a16:creationId xmlns:a16="http://schemas.microsoft.com/office/drawing/2014/main" xmlns="" id="{643AECB8-1964-4C98-8B43-63EA2B04792F}"/>
+                <a16:creationId xmlns:a16="http://schemas.microsoft.com/office/drawing/2014/main" id="{643AECB8-1964-4C98-8B43-63EA2B04792F}"/>
               </a:ext>
             </a:extLst>
           </p:cNvPr>
@@ -1954,7 +1984,7 @@
           <p:cNvPr id="3" name="Date Placeholder 2">
             <a:extLst>
               <a:ext uri="{FF2B5EF4-FFF2-40B4-BE49-F238E27FC236}">
-                <a16:creationId xmlns:a16="http://schemas.microsoft.com/office/drawing/2014/main" xmlns="" id="{59BABC50-6E87-4654-BC56-FEFBCA978BBB}"/>
+                <a16:creationId xmlns:a16="http://schemas.microsoft.com/office/drawing/2014/main" id="{59BABC50-6E87-4654-BC56-FEFBCA978BBB}"/>
               </a:ext>
             </a:extLst>
           </p:cNvPr>
@@ -1984,7 +2014,7 @@
           <p:cNvPr id="4" name="Footer Placeholder 3">
             <a:extLst>
               <a:ext uri="{FF2B5EF4-FFF2-40B4-BE49-F238E27FC236}">
-                <a16:creationId xmlns:a16="http://schemas.microsoft.com/office/drawing/2014/main" xmlns="" id="{F734CE65-F32E-41B2-8551-A7603941745E}"/>
+                <a16:creationId xmlns:a16="http://schemas.microsoft.com/office/drawing/2014/main" id="{F734CE65-F32E-41B2-8551-A7603941745E}"/>
               </a:ext>
             </a:extLst>
           </p:cNvPr>
@@ -2009,7 +2039,7 @@
           <p:cNvPr id="5" name="Slide Number Placeholder 4">
             <a:extLst>
               <a:ext uri="{FF2B5EF4-FFF2-40B4-BE49-F238E27FC236}">
-                <a16:creationId xmlns:a16="http://schemas.microsoft.com/office/drawing/2014/main" xmlns="" id="{0EE25001-D094-47C8-A699-A6E7E48BB27B}"/>
+                <a16:creationId xmlns:a16="http://schemas.microsoft.com/office/drawing/2014/main" id="{0EE25001-D094-47C8-A699-A6E7E48BB27B}"/>
               </a:ext>
             </a:extLst>
           </p:cNvPr>
@@ -2037,7 +2067,7 @@
     </p:spTree>
     <p:extLst>
       <p:ext uri="{BB962C8B-B14F-4D97-AF65-F5344CB8AC3E}">
-        <p14:creationId xmlns:p14="http://schemas.microsoft.com/office/powerpoint/2010/main" xmlns="" val="2521850990"/>
+        <p14:creationId xmlns:p14="http://schemas.microsoft.com/office/powerpoint/2010/main" val="2521850990"/>
       </p:ext>
     </p:extLst>
   </p:cSld>
@@ -2069,7 +2099,7 @@
           <p:cNvPr id="2" name="Date Placeholder 1">
             <a:extLst>
               <a:ext uri="{FF2B5EF4-FFF2-40B4-BE49-F238E27FC236}">
-                <a16:creationId xmlns:a16="http://schemas.microsoft.com/office/drawing/2014/main" xmlns="" id="{213A2FEA-CF63-4270-A7AE-C5CFDCDBEA01}"/>
+                <a16:creationId xmlns:a16="http://schemas.microsoft.com/office/drawing/2014/main" id="{213A2FEA-CF63-4270-A7AE-C5CFDCDBEA01}"/>
               </a:ext>
             </a:extLst>
           </p:cNvPr>
@@ -2099,7 +2129,7 @@
           <p:cNvPr id="3" name="Footer Placeholder 2">
             <a:extLst>
               <a:ext uri="{FF2B5EF4-FFF2-40B4-BE49-F238E27FC236}">
-                <a16:creationId xmlns:a16="http://schemas.microsoft.com/office/drawing/2014/main" xmlns="" id="{B68311BD-ACBC-4E90-B916-301F516F1172}"/>
+                <a16:creationId xmlns:a16="http://schemas.microsoft.com/office/drawing/2014/main" id="{B68311BD-ACBC-4E90-B916-301F516F1172}"/>
               </a:ext>
             </a:extLst>
           </p:cNvPr>
@@ -2124,7 +2154,7 @@
           <p:cNvPr id="4" name="Slide Number Placeholder 3">
             <a:extLst>
               <a:ext uri="{FF2B5EF4-FFF2-40B4-BE49-F238E27FC236}">
-                <a16:creationId xmlns:a16="http://schemas.microsoft.com/office/drawing/2014/main" xmlns="" id="{FA8A4393-1FB2-4F48-AA82-093BD14042BD}"/>
+                <a16:creationId xmlns:a16="http://schemas.microsoft.com/office/drawing/2014/main" id="{FA8A4393-1FB2-4F48-AA82-093BD14042BD}"/>
               </a:ext>
             </a:extLst>
           </p:cNvPr>
@@ -2152,7 +2182,7 @@
     </p:spTree>
     <p:extLst>
       <p:ext uri="{BB962C8B-B14F-4D97-AF65-F5344CB8AC3E}">
-        <p14:creationId xmlns:p14="http://schemas.microsoft.com/office/powerpoint/2010/main" xmlns="" val="4018624457"/>
+        <p14:creationId xmlns:p14="http://schemas.microsoft.com/office/powerpoint/2010/main" val="4018624457"/>
       </p:ext>
     </p:extLst>
   </p:cSld>
@@ -2184,7 +2214,7 @@
           <p:cNvPr id="2" name="Title 1">
             <a:extLst>
               <a:ext uri="{FF2B5EF4-FFF2-40B4-BE49-F238E27FC236}">
-                <a16:creationId xmlns:a16="http://schemas.microsoft.com/office/drawing/2014/main" xmlns="" id="{4539306A-0604-4946-AA7E-BAB7C9CACCA6}"/>
+                <a16:creationId xmlns:a16="http://schemas.microsoft.com/office/drawing/2014/main" id="{4539306A-0604-4946-AA7E-BAB7C9CACCA6}"/>
               </a:ext>
             </a:extLst>
           </p:cNvPr>
@@ -2221,7 +2251,7 @@
           <p:cNvPr id="3" name="Content Placeholder 2">
             <a:extLst>
               <a:ext uri="{FF2B5EF4-FFF2-40B4-BE49-F238E27FC236}">
-                <a16:creationId xmlns:a16="http://schemas.microsoft.com/office/drawing/2014/main" xmlns="" id="{2DCEE889-1F85-406E-9DB7-BEA5F9A62DBC}"/>
+                <a16:creationId xmlns:a16="http://schemas.microsoft.com/office/drawing/2014/main" id="{2DCEE889-1F85-406E-9DB7-BEA5F9A62DBC}"/>
               </a:ext>
             </a:extLst>
           </p:cNvPr>
@@ -2311,7 +2341,7 @@
           <p:cNvPr id="4" name="Text Placeholder 3">
             <a:extLst>
               <a:ext uri="{FF2B5EF4-FFF2-40B4-BE49-F238E27FC236}">
-                <a16:creationId xmlns:a16="http://schemas.microsoft.com/office/drawing/2014/main" xmlns="" id="{5AECFEAE-2ED0-4A9F-BC6D-198AB5478569}"/>
+                <a16:creationId xmlns:a16="http://schemas.microsoft.com/office/drawing/2014/main" id="{5AECFEAE-2ED0-4A9F-BC6D-198AB5478569}"/>
               </a:ext>
             </a:extLst>
           </p:cNvPr>
@@ -2382,7 +2412,7 @@
           <p:cNvPr id="5" name="Date Placeholder 4">
             <a:extLst>
               <a:ext uri="{FF2B5EF4-FFF2-40B4-BE49-F238E27FC236}">
-                <a16:creationId xmlns:a16="http://schemas.microsoft.com/office/drawing/2014/main" xmlns="" id="{8995614C-7EC6-4407-A60B-E27A7D50C056}"/>
+                <a16:creationId xmlns:a16="http://schemas.microsoft.com/office/drawing/2014/main" id="{8995614C-7EC6-4407-A60B-E27A7D50C056}"/>
               </a:ext>
             </a:extLst>
           </p:cNvPr>
@@ -2412,7 +2442,7 @@
           <p:cNvPr id="6" name="Footer Placeholder 5">
             <a:extLst>
               <a:ext uri="{FF2B5EF4-FFF2-40B4-BE49-F238E27FC236}">
-                <a16:creationId xmlns:a16="http://schemas.microsoft.com/office/drawing/2014/main" xmlns="" id="{B17917EA-F1CF-46CF-AE69-8A9E4ED02CDF}"/>
+                <a16:creationId xmlns:a16="http://schemas.microsoft.com/office/drawing/2014/main" id="{B17917EA-F1CF-46CF-AE69-8A9E4ED02CDF}"/>
               </a:ext>
             </a:extLst>
           </p:cNvPr>
@@ -2437,7 +2467,7 @@
           <p:cNvPr id="7" name="Slide Number Placeholder 6">
             <a:extLst>
               <a:ext uri="{FF2B5EF4-FFF2-40B4-BE49-F238E27FC236}">
-                <a16:creationId xmlns:a16="http://schemas.microsoft.com/office/drawing/2014/main" xmlns="" id="{A20BB478-8ED6-48E1-8357-29D9CAA06492}"/>
+                <a16:creationId xmlns:a16="http://schemas.microsoft.com/office/drawing/2014/main" id="{A20BB478-8ED6-48E1-8357-29D9CAA06492}"/>
               </a:ext>
             </a:extLst>
           </p:cNvPr>
@@ -2465,7 +2495,7 @@
     </p:spTree>
     <p:extLst>
       <p:ext uri="{BB962C8B-B14F-4D97-AF65-F5344CB8AC3E}">
-        <p14:creationId xmlns:p14="http://schemas.microsoft.com/office/powerpoint/2010/main" xmlns="" val="2250623688"/>
+        <p14:creationId xmlns:p14="http://schemas.microsoft.com/office/powerpoint/2010/main" val="2250623688"/>
       </p:ext>
     </p:extLst>
   </p:cSld>
@@ -2497,7 +2527,7 @@
           <p:cNvPr id="2" name="Title 1">
             <a:extLst>
               <a:ext uri="{FF2B5EF4-FFF2-40B4-BE49-F238E27FC236}">
-                <a16:creationId xmlns:a16="http://schemas.microsoft.com/office/drawing/2014/main" xmlns="" id="{865AC83E-1579-4DD1-A27B-C3412ECDBEF4}"/>
+                <a16:creationId xmlns:a16="http://schemas.microsoft.com/office/drawing/2014/main" id="{865AC83E-1579-4DD1-A27B-C3412ECDBEF4}"/>
               </a:ext>
             </a:extLst>
           </p:cNvPr>
@@ -2534,7 +2564,7 @@
           <p:cNvPr id="3" name="Picture Placeholder 2">
             <a:extLst>
               <a:ext uri="{FF2B5EF4-FFF2-40B4-BE49-F238E27FC236}">
-                <a16:creationId xmlns:a16="http://schemas.microsoft.com/office/drawing/2014/main" xmlns="" id="{397B468B-3FDD-4729-AE53-3615571E39F6}"/>
+                <a16:creationId xmlns:a16="http://schemas.microsoft.com/office/drawing/2014/main" id="{397B468B-3FDD-4729-AE53-3615571E39F6}"/>
               </a:ext>
             </a:extLst>
           </p:cNvPr>
@@ -2601,7 +2631,7 @@
           <p:cNvPr id="4" name="Text Placeholder 3">
             <a:extLst>
               <a:ext uri="{FF2B5EF4-FFF2-40B4-BE49-F238E27FC236}">
-                <a16:creationId xmlns:a16="http://schemas.microsoft.com/office/drawing/2014/main" xmlns="" id="{FFE050AD-FC47-4CA6-8427-B169C1EF8D92}"/>
+                <a16:creationId xmlns:a16="http://schemas.microsoft.com/office/drawing/2014/main" id="{FFE050AD-FC47-4CA6-8427-B169C1EF8D92}"/>
               </a:ext>
             </a:extLst>
           </p:cNvPr>
@@ -2672,7 +2702,7 @@
           <p:cNvPr id="5" name="Date Placeholder 4">
             <a:extLst>
               <a:ext uri="{FF2B5EF4-FFF2-40B4-BE49-F238E27FC236}">
-                <a16:creationId xmlns:a16="http://schemas.microsoft.com/office/drawing/2014/main" xmlns="" id="{A0061284-CCF0-4A77-849F-3248412D99E8}"/>
+                <a16:creationId xmlns:a16="http://schemas.microsoft.com/office/drawing/2014/main" id="{A0061284-CCF0-4A77-849F-3248412D99E8}"/>
               </a:ext>
             </a:extLst>
           </p:cNvPr>
@@ -2702,7 +2732,7 @@
           <p:cNvPr id="6" name="Footer Placeholder 5">
             <a:extLst>
               <a:ext uri="{FF2B5EF4-FFF2-40B4-BE49-F238E27FC236}">
-                <a16:creationId xmlns:a16="http://schemas.microsoft.com/office/drawing/2014/main" xmlns="" id="{BEA8BD19-8720-4385-921F-30F82A658DD4}"/>
+                <a16:creationId xmlns:a16="http://schemas.microsoft.com/office/drawing/2014/main" id="{BEA8BD19-8720-4385-921F-30F82A658DD4}"/>
               </a:ext>
             </a:extLst>
           </p:cNvPr>
@@ -2727,7 +2757,7 @@
           <p:cNvPr id="7" name="Slide Number Placeholder 6">
             <a:extLst>
               <a:ext uri="{FF2B5EF4-FFF2-40B4-BE49-F238E27FC236}">
-                <a16:creationId xmlns:a16="http://schemas.microsoft.com/office/drawing/2014/main" xmlns="" id="{20208B63-CD40-448D-89B1-DB7D82686F29}"/>
+                <a16:creationId xmlns:a16="http://schemas.microsoft.com/office/drawing/2014/main" id="{20208B63-CD40-448D-89B1-DB7D82686F29}"/>
               </a:ext>
             </a:extLst>
           </p:cNvPr>
@@ -2755,7 +2785,7 @@
     </p:spTree>
     <p:extLst>
       <p:ext uri="{BB962C8B-B14F-4D97-AF65-F5344CB8AC3E}">
-        <p14:creationId xmlns:p14="http://schemas.microsoft.com/office/powerpoint/2010/main" xmlns="" val="2755002205"/>
+        <p14:creationId xmlns:p14="http://schemas.microsoft.com/office/powerpoint/2010/main" val="2755002205"/>
       </p:ext>
     </p:extLst>
   </p:cSld>
@@ -2792,7 +2822,7 @@
           <p:cNvPr id="2" name="Title Placeholder 1">
             <a:extLst>
               <a:ext uri="{FF2B5EF4-FFF2-40B4-BE49-F238E27FC236}">
-                <a16:creationId xmlns:a16="http://schemas.microsoft.com/office/drawing/2014/main" xmlns="" id="{7A08FB0D-0202-40A0-AE1F-46C8F247F4C5}"/>
+                <a16:creationId xmlns:a16="http://schemas.microsoft.com/office/drawing/2014/main" id="{7A08FB0D-0202-40A0-AE1F-46C8F247F4C5}"/>
               </a:ext>
             </a:extLst>
           </p:cNvPr>
@@ -2830,7 +2860,7 @@
           <p:cNvPr id="3" name="Text Placeholder 2">
             <a:extLst>
               <a:ext uri="{FF2B5EF4-FFF2-40B4-BE49-F238E27FC236}">
-                <a16:creationId xmlns:a16="http://schemas.microsoft.com/office/drawing/2014/main" xmlns="" id="{FD9B4C5F-26D1-4781-91A2-88CFD1C55127}"/>
+                <a16:creationId xmlns:a16="http://schemas.microsoft.com/office/drawing/2014/main" id="{FD9B4C5F-26D1-4781-91A2-88CFD1C55127}"/>
               </a:ext>
             </a:extLst>
           </p:cNvPr>
@@ -2897,7 +2927,7 @@
           <p:cNvPr id="4" name="Date Placeholder 3">
             <a:extLst>
               <a:ext uri="{FF2B5EF4-FFF2-40B4-BE49-F238E27FC236}">
-                <a16:creationId xmlns:a16="http://schemas.microsoft.com/office/drawing/2014/main" xmlns="" id="{A44C2049-C12B-467C-84A8-288AB4270B9B}"/>
+                <a16:creationId xmlns:a16="http://schemas.microsoft.com/office/drawing/2014/main" id="{A44C2049-C12B-467C-84A8-288AB4270B9B}"/>
               </a:ext>
             </a:extLst>
           </p:cNvPr>
@@ -2945,7 +2975,7 @@
           <p:cNvPr id="5" name="Footer Placeholder 4">
             <a:extLst>
               <a:ext uri="{FF2B5EF4-FFF2-40B4-BE49-F238E27FC236}">
-                <a16:creationId xmlns:a16="http://schemas.microsoft.com/office/drawing/2014/main" xmlns="" id="{3D6FD59A-F31A-40C3-A985-116883B59287}"/>
+                <a16:creationId xmlns:a16="http://schemas.microsoft.com/office/drawing/2014/main" id="{3D6FD59A-F31A-40C3-A985-116883B59287}"/>
               </a:ext>
             </a:extLst>
           </p:cNvPr>
@@ -2988,7 +3018,7 @@
           <p:cNvPr id="6" name="Slide Number Placeholder 5">
             <a:extLst>
               <a:ext uri="{FF2B5EF4-FFF2-40B4-BE49-F238E27FC236}">
-                <a16:creationId xmlns:a16="http://schemas.microsoft.com/office/drawing/2014/main" xmlns="" id="{DC49A92A-E67A-49DE-89BB-D1CCCEB205AD}"/>
+                <a16:creationId xmlns:a16="http://schemas.microsoft.com/office/drawing/2014/main" id="{DC49A92A-E67A-49DE-89BB-D1CCCEB205AD}"/>
               </a:ext>
             </a:extLst>
           </p:cNvPr>
@@ -3034,7 +3064,7 @@
     </p:spTree>
     <p:extLst>
       <p:ext uri="{BB962C8B-B14F-4D97-AF65-F5344CB8AC3E}">
-        <p14:creationId xmlns:p14="http://schemas.microsoft.com/office/powerpoint/2010/main" xmlns="" val="736588803"/>
+        <p14:creationId xmlns:p14="http://schemas.microsoft.com/office/powerpoint/2010/main" val="736588803"/>
       </p:ext>
     </p:extLst>
   </p:cSld>
@@ -3357,7 +3387,7 @@
           <p:cNvPr id="2" name="Title 1">
             <a:extLst>
               <a:ext uri="{FF2B5EF4-FFF2-40B4-BE49-F238E27FC236}">
-                <a16:creationId xmlns:a16="http://schemas.microsoft.com/office/drawing/2014/main" xmlns="" id="{18A98568-B624-4EA2-9A7C-54BC3B133D8D}"/>
+                <a16:creationId xmlns:a16="http://schemas.microsoft.com/office/drawing/2014/main" id="{18A98568-B624-4EA2-9A7C-54BC3B133D8D}"/>
               </a:ext>
             </a:extLst>
           </p:cNvPr>
@@ -3399,7 +3429,7 @@
           <p:cNvPr id="3" name="Subtitle 2">
             <a:extLst>
               <a:ext uri="{FF2B5EF4-FFF2-40B4-BE49-F238E27FC236}">
-                <a16:creationId xmlns:a16="http://schemas.microsoft.com/office/drawing/2014/main" xmlns="" id="{CDB1AD77-C7AD-447F-AD28-F5C1744A6EA3}"/>
+                <a16:creationId xmlns:a16="http://schemas.microsoft.com/office/drawing/2014/main" id="{CDB1AD77-C7AD-447F-AD28-F5C1744A6EA3}"/>
               </a:ext>
             </a:extLst>
           </p:cNvPr>
@@ -3469,7 +3499,1686 @@
     </p:spTree>
     <p:extLst>
       <p:ext uri="{BB962C8B-B14F-4D97-AF65-F5344CB8AC3E}">
-        <p14:creationId xmlns:p14="http://schemas.microsoft.com/office/powerpoint/2010/main" xmlns="" val="2514872934"/>
+        <p14:creationId xmlns:p14="http://schemas.microsoft.com/office/powerpoint/2010/main" val="2514872934"/>
+      </p:ext>
+    </p:extLst>
+  </p:cSld>
+  <p:clrMapOvr>
+    <a:masterClrMapping/>
+  </p:clrMapOvr>
+</p:sld>
+</file>
+
+<file path=ppt/slides/slide10.xml><?xml version="1.0" encoding="utf-8"?>
+<p:sld xmlns:a="http://schemas.openxmlformats.org/drawingml/2006/main" xmlns:r="http://schemas.openxmlformats.org/officeDocument/2006/relationships" xmlns:p="http://schemas.openxmlformats.org/presentationml/2006/main">
+  <p:cSld>
+    <p:spTree>
+      <p:nvGrpSpPr>
+        <p:cNvPr id="1" name=""/>
+        <p:cNvGrpSpPr/>
+        <p:nvPr/>
+      </p:nvGrpSpPr>
+      <p:grpSpPr>
+        <a:xfrm>
+          <a:off x="0" y="0"/>
+          <a:ext cx="0" cy="0"/>
+          <a:chOff x="0" y="0"/>
+          <a:chExt cx="0" cy="0"/>
+        </a:xfrm>
+      </p:grpSpPr>
+      <p:sp>
+        <p:nvSpPr>
+          <p:cNvPr id="2" name="Title 1">
+            <a:extLst>
+              <a:ext uri="{FF2B5EF4-FFF2-40B4-BE49-F238E27FC236}">
+                <a16:creationId xmlns:a16="http://schemas.microsoft.com/office/drawing/2014/main" id="{24954031-3D11-4793-B876-1B396774A385}"/>
+              </a:ext>
+            </a:extLst>
+          </p:cNvPr>
+          <p:cNvSpPr>
+            <a:spLocks noGrp="1"/>
+          </p:cNvSpPr>
+          <p:nvPr>
+            <p:ph type="title"/>
+          </p:nvPr>
+        </p:nvSpPr>
+        <p:spPr>
+          <a:xfrm>
+            <a:off x="838200" y="18255"/>
+            <a:ext cx="10515600" cy="1325563"/>
+          </a:xfrm>
+        </p:spPr>
+        <p:txBody>
+          <a:bodyPr>
+            <a:noAutofit/>
+          </a:bodyPr>
+          <a:lstStyle/>
+          <a:p>
+            <a:r>
+              <a:rPr lang="ru-RU" altLang="en-US" sz="3300" dirty="0">
+                <a:latin typeface="Times New Roman" panose="02020603050405020304" pitchFamily="18" charset="0"/>
+                <a:cs typeface="Times New Roman" panose="02020603050405020304" pitchFamily="18" charset="0"/>
+              </a:rPr>
+              <a:t>Глава 3 Построение классификатора с использованием искусственных нейронных сетей</a:t>
+            </a:r>
+            <a:br>
+              <a:rPr lang="en-US" altLang="en-US" sz="3300" dirty="0">
+                <a:latin typeface="Times New Roman" panose="02020603050405020304" pitchFamily="18" charset="0"/>
+                <a:cs typeface="Times New Roman" panose="02020603050405020304" pitchFamily="18" charset="0"/>
+              </a:rPr>
+            </a:br>
+            <a:r>
+              <a:rPr lang="en-US" altLang="en-US" sz="3300" dirty="0">
+                <a:latin typeface="Times New Roman" panose="02020603050405020304" pitchFamily="18" charset="0"/>
+                <a:cs typeface="Times New Roman" panose="02020603050405020304" pitchFamily="18" charset="0"/>
+              </a:rPr>
+              <a:t>3.2 </a:t>
+            </a:r>
+            <a:r>
+              <a:rPr lang="ru-RU" altLang="en-US" sz="3300" dirty="0">
+                <a:latin typeface="Times New Roman" panose="02020603050405020304" pitchFamily="18" charset="0"/>
+                <a:cs typeface="Times New Roman" panose="02020603050405020304" pitchFamily="18" charset="0"/>
+              </a:rPr>
+              <a:t>Алгоритм построения классификатора</a:t>
+            </a:r>
+            <a:endParaRPr lang="en-US" sz="3300" dirty="0"/>
+          </a:p>
+        </p:txBody>
+      </p:sp>
+      <p:pic>
+        <p:nvPicPr>
+          <p:cNvPr id="4" name="Content Placeholder 3">
+            <a:extLst>
+              <a:ext uri="{FF2B5EF4-FFF2-40B4-BE49-F238E27FC236}">
+                <a16:creationId xmlns:a16="http://schemas.microsoft.com/office/drawing/2014/main" id="{79AC2D8D-9635-4651-9B6E-C46AD04829A7}"/>
+              </a:ext>
+            </a:extLst>
+          </p:cNvPr>
+          <p:cNvPicPr>
+            <a:picLocks noGrp="1"/>
+          </p:cNvPicPr>
+          <p:nvPr>
+            <p:ph idx="1"/>
+          </p:nvPr>
+        </p:nvPicPr>
+        <p:blipFill>
+          <a:blip r:embed="rId2" cstate="print">
+            <a:extLst>
+              <a:ext uri="{28A0092B-C50C-407E-A947-70E740481C1C}">
+                <a14:useLocalDpi xmlns:a14="http://schemas.microsoft.com/office/drawing/2010/main" val="0"/>
+              </a:ext>
+            </a:extLst>
+          </a:blip>
+          <a:srcRect/>
+          <a:stretch>
+            <a:fillRect/>
+          </a:stretch>
+        </p:blipFill>
+        <p:spPr bwMode="auto">
+          <a:xfrm>
+            <a:off x="4929024" y="1390206"/>
+            <a:ext cx="2646235" cy="5273614"/>
+          </a:xfrm>
+          <a:prstGeom prst="rect">
+            <a:avLst/>
+          </a:prstGeom>
+          <a:noFill/>
+          <a:ln>
+            <a:noFill/>
+          </a:ln>
+        </p:spPr>
+      </p:pic>
+    </p:spTree>
+    <p:extLst>
+      <p:ext uri="{BB962C8B-B14F-4D97-AF65-F5344CB8AC3E}">
+        <p14:creationId xmlns:p14="http://schemas.microsoft.com/office/powerpoint/2010/main" val="3122053099"/>
+      </p:ext>
+    </p:extLst>
+  </p:cSld>
+  <p:clrMapOvr>
+    <a:masterClrMapping/>
+  </p:clrMapOvr>
+</p:sld>
+</file>
+
+<file path=ppt/slides/slide11.xml><?xml version="1.0" encoding="utf-8"?>
+<p:sld xmlns:a="http://schemas.openxmlformats.org/drawingml/2006/main" xmlns:r="http://schemas.openxmlformats.org/officeDocument/2006/relationships" xmlns:p="http://schemas.openxmlformats.org/presentationml/2006/main">
+  <p:cSld>
+    <p:spTree>
+      <p:nvGrpSpPr>
+        <p:cNvPr id="1" name=""/>
+        <p:cNvGrpSpPr/>
+        <p:nvPr/>
+      </p:nvGrpSpPr>
+      <p:grpSpPr>
+        <a:xfrm>
+          <a:off x="0" y="0"/>
+          <a:ext cx="0" cy="0"/>
+          <a:chOff x="0" y="0"/>
+          <a:chExt cx="0" cy="0"/>
+        </a:xfrm>
+      </p:grpSpPr>
+      <p:sp>
+        <p:nvSpPr>
+          <p:cNvPr id="2" name="Title 1">
+            <a:extLst>
+              <a:ext uri="{FF2B5EF4-FFF2-40B4-BE49-F238E27FC236}">
+                <a16:creationId xmlns:a16="http://schemas.microsoft.com/office/drawing/2014/main" id="{C13E784F-290D-4B4E-A869-6AA5DE69A538}"/>
+              </a:ext>
+            </a:extLst>
+          </p:cNvPr>
+          <p:cNvSpPr>
+            <a:spLocks noGrp="1"/>
+          </p:cNvSpPr>
+          <p:nvPr>
+            <p:ph type="title"/>
+          </p:nvPr>
+        </p:nvSpPr>
+        <p:spPr>
+          <a:xfrm>
+            <a:off x="838200" y="0"/>
+            <a:ext cx="10515600" cy="1325563"/>
+          </a:xfrm>
+        </p:spPr>
+        <p:txBody>
+          <a:bodyPr>
+            <a:normAutofit/>
+          </a:bodyPr>
+          <a:lstStyle/>
+          <a:p>
+            <a:r>
+              <a:rPr lang="ru-RU" sz="3300" dirty="0">
+                <a:latin typeface="Times New Roman" panose="02020603050405020304" pitchFamily="18" charset="0"/>
+                <a:cs typeface="Times New Roman" panose="02020603050405020304" pitchFamily="18" charset="0"/>
+              </a:rPr>
+              <a:t>Глава 4 Создание программного средства</a:t>
+            </a:r>
+            <a:br>
+              <a:rPr lang="en-US" sz="3300" dirty="0">
+                <a:latin typeface="Times New Roman" panose="02020603050405020304" pitchFamily="18" charset="0"/>
+                <a:cs typeface="Times New Roman" panose="02020603050405020304" pitchFamily="18" charset="0"/>
+              </a:rPr>
+            </a:br>
+            <a:r>
+              <a:rPr lang="ru-RU" sz="3300" dirty="0">
+                <a:latin typeface="Times New Roman" panose="02020603050405020304" pitchFamily="18" charset="0"/>
+                <a:cs typeface="Times New Roman" panose="02020603050405020304" pitchFamily="18" charset="0"/>
+              </a:rPr>
+              <a:t>4.1 Реализация частей системы</a:t>
+            </a:r>
+            <a:r>
+              <a:rPr lang="en-US" sz="3300" dirty="0">
+                <a:latin typeface="Times New Roman" panose="02020603050405020304" pitchFamily="18" charset="0"/>
+                <a:cs typeface="Times New Roman" panose="02020603050405020304" pitchFamily="18" charset="0"/>
+              </a:rPr>
+              <a:t> – </a:t>
+            </a:r>
+            <a:r>
+              <a:rPr lang="ru-RU" sz="3300" dirty="0">
+                <a:latin typeface="Times New Roman" panose="02020603050405020304" pitchFamily="18" charset="0"/>
+                <a:cs typeface="Times New Roman" panose="02020603050405020304" pitchFamily="18" charset="0"/>
+              </a:rPr>
+              <a:t>мобильное приложение</a:t>
+            </a:r>
+            <a:endParaRPr lang="en-US" sz="3300" dirty="0">
+              <a:latin typeface="Times New Roman" panose="02020603050405020304" pitchFamily="18" charset="0"/>
+              <a:cs typeface="Times New Roman" panose="02020603050405020304" pitchFamily="18" charset="0"/>
+            </a:endParaRPr>
+          </a:p>
+        </p:txBody>
+      </p:sp>
+      <p:sp>
+        <p:nvSpPr>
+          <p:cNvPr id="3" name="Content Placeholder 2">
+            <a:extLst>
+              <a:ext uri="{FF2B5EF4-FFF2-40B4-BE49-F238E27FC236}">
+                <a16:creationId xmlns:a16="http://schemas.microsoft.com/office/drawing/2014/main" id="{F688F72E-1EE0-4CE9-9602-7AE82FA1A39D}"/>
+              </a:ext>
+            </a:extLst>
+          </p:cNvPr>
+          <p:cNvSpPr>
+            <a:spLocks noGrp="1"/>
+          </p:cNvSpPr>
+          <p:nvPr>
+            <p:ph idx="1"/>
+          </p:nvPr>
+        </p:nvSpPr>
+        <p:spPr/>
+        <p:txBody>
+          <a:bodyPr>
+            <a:normAutofit/>
+          </a:bodyPr>
+          <a:lstStyle/>
+          <a:p>
+            <a:pPr marL="0" indent="0" algn="just">
+              <a:buNone/>
+            </a:pPr>
+            <a:r>
+              <a:rPr lang="en-US" dirty="0">
+                <a:latin typeface="Times New Roman" panose="02020603050405020304" pitchFamily="18" charset="0"/>
+                <a:cs typeface="Times New Roman" panose="02020603050405020304" pitchFamily="18" charset="0"/>
+              </a:rPr>
+              <a:t>	</a:t>
+            </a:r>
+            <a:r>
+              <a:rPr lang="be-BY" dirty="0">
+                <a:latin typeface="Times New Roman" panose="02020603050405020304" pitchFamily="18" charset="0"/>
+                <a:cs typeface="Times New Roman" panose="02020603050405020304" pitchFamily="18" charset="0"/>
+              </a:rPr>
+              <a:t>Основной задачей мобильного приложения является сбор поведенческой информации пациента, такой как история звонков, сообщений и перемещений. Данная часть системы не нуждается в наличие графического интерфейса и должна работать в фоне. Поэтому было принято решение создать Android службу (сервис).</a:t>
+            </a:r>
+            <a:endParaRPr lang="en-US" dirty="0">
+              <a:latin typeface="Times New Roman" panose="02020603050405020304" pitchFamily="18" charset="0"/>
+              <a:cs typeface="Times New Roman" panose="02020603050405020304" pitchFamily="18" charset="0"/>
+            </a:endParaRPr>
+          </a:p>
+          <a:p>
+            <a:pPr marL="0" indent="0" algn="just">
+              <a:buNone/>
+            </a:pPr>
+            <a:r>
+              <a:rPr lang="en-US" dirty="0">
+                <a:latin typeface="Times New Roman" panose="02020603050405020304" pitchFamily="18" charset="0"/>
+                <a:cs typeface="Times New Roman" panose="02020603050405020304" pitchFamily="18" charset="0"/>
+              </a:rPr>
+              <a:t>	</a:t>
+            </a:r>
+            <a:r>
+              <a:rPr lang="ru-RU" dirty="0">
+                <a:latin typeface="Times New Roman" panose="02020603050405020304" pitchFamily="18" charset="0"/>
+                <a:cs typeface="Times New Roman" panose="02020603050405020304" pitchFamily="18" charset="0"/>
+              </a:rPr>
+              <a:t>Для доступа к истории звонков и сообщений был использован поставщик контента Android.</a:t>
+            </a:r>
+            <a:endParaRPr lang="en-US" dirty="0">
+              <a:latin typeface="Times New Roman" panose="02020603050405020304" pitchFamily="18" charset="0"/>
+              <a:cs typeface="Times New Roman" panose="02020603050405020304" pitchFamily="18" charset="0"/>
+            </a:endParaRPr>
+          </a:p>
+          <a:p>
+            <a:pPr marL="0" indent="0" algn="just">
+              <a:buNone/>
+            </a:pPr>
+            <a:r>
+              <a:rPr lang="en-US" dirty="0">
+                <a:latin typeface="Times New Roman" panose="02020603050405020304" pitchFamily="18" charset="0"/>
+                <a:cs typeface="Times New Roman" panose="02020603050405020304" pitchFamily="18" charset="0"/>
+              </a:rPr>
+              <a:t>	</a:t>
+            </a:r>
+            <a:r>
+              <a:rPr lang="ru-RU" dirty="0">
+                <a:latin typeface="Times New Roman" panose="02020603050405020304" pitchFamily="18" charset="0"/>
+                <a:cs typeface="Times New Roman" panose="02020603050405020304" pitchFamily="18" charset="0"/>
+              </a:rPr>
+              <a:t>Смартфоны и планшеты на базе Android постоянно фиксируют местоположение пользователя и хранят эти данные</a:t>
+            </a:r>
+            <a:r>
+              <a:rPr lang="en-US" dirty="0">
+                <a:latin typeface="Times New Roman" panose="02020603050405020304" pitchFamily="18" charset="0"/>
+                <a:cs typeface="Times New Roman" panose="02020603050405020304" pitchFamily="18" charset="0"/>
+              </a:rPr>
+              <a:t>.</a:t>
+            </a:r>
+            <a:endParaRPr lang="en-US" dirty="0"/>
+          </a:p>
+        </p:txBody>
+      </p:sp>
+    </p:spTree>
+    <p:extLst>
+      <p:ext uri="{BB962C8B-B14F-4D97-AF65-F5344CB8AC3E}">
+        <p14:creationId xmlns:p14="http://schemas.microsoft.com/office/powerpoint/2010/main" val="836772511"/>
+      </p:ext>
+    </p:extLst>
+  </p:cSld>
+  <p:clrMapOvr>
+    <a:masterClrMapping/>
+  </p:clrMapOvr>
+</p:sld>
+</file>
+
+<file path=ppt/slides/slide12.xml><?xml version="1.0" encoding="utf-8"?>
+<p:sld xmlns:a="http://schemas.openxmlformats.org/drawingml/2006/main" xmlns:r="http://schemas.openxmlformats.org/officeDocument/2006/relationships" xmlns:p="http://schemas.openxmlformats.org/presentationml/2006/main">
+  <p:cSld>
+    <p:spTree>
+      <p:nvGrpSpPr>
+        <p:cNvPr id="1" name=""/>
+        <p:cNvGrpSpPr/>
+        <p:nvPr/>
+      </p:nvGrpSpPr>
+      <p:grpSpPr>
+        <a:xfrm>
+          <a:off x="0" y="0"/>
+          <a:ext cx="0" cy="0"/>
+          <a:chOff x="0" y="0"/>
+          <a:chExt cx="0" cy="0"/>
+        </a:xfrm>
+      </p:grpSpPr>
+      <p:sp>
+        <p:nvSpPr>
+          <p:cNvPr id="2" name="Title 1">
+            <a:extLst>
+              <a:ext uri="{FF2B5EF4-FFF2-40B4-BE49-F238E27FC236}">
+                <a16:creationId xmlns:a16="http://schemas.microsoft.com/office/drawing/2014/main" id="{B359B1F9-6EBC-4834-8372-A41522EDCC6E}"/>
+              </a:ext>
+            </a:extLst>
+          </p:cNvPr>
+          <p:cNvSpPr>
+            <a:spLocks noGrp="1"/>
+          </p:cNvSpPr>
+          <p:nvPr>
+            <p:ph type="title"/>
+          </p:nvPr>
+        </p:nvSpPr>
+        <p:spPr>
+          <a:xfrm>
+            <a:off x="838200" y="18255"/>
+            <a:ext cx="10515600" cy="1325563"/>
+          </a:xfrm>
+        </p:spPr>
+        <p:txBody>
+          <a:bodyPr>
+            <a:normAutofit/>
+          </a:bodyPr>
+          <a:lstStyle/>
+          <a:p>
+            <a:r>
+              <a:rPr lang="ru-RU" sz="3300" dirty="0">
+                <a:latin typeface="Times New Roman" panose="02020603050405020304" pitchFamily="18" charset="0"/>
+                <a:cs typeface="Times New Roman" panose="02020603050405020304" pitchFamily="18" charset="0"/>
+              </a:rPr>
+              <a:t>Глава 4 Создание программного средства</a:t>
+            </a:r>
+            <a:br>
+              <a:rPr lang="en-US" sz="3300" dirty="0">
+                <a:latin typeface="Times New Roman" panose="02020603050405020304" pitchFamily="18" charset="0"/>
+                <a:cs typeface="Times New Roman" panose="02020603050405020304" pitchFamily="18" charset="0"/>
+              </a:rPr>
+            </a:br>
+            <a:r>
+              <a:rPr lang="ru-RU" sz="3300" dirty="0">
+                <a:latin typeface="Times New Roman" panose="02020603050405020304" pitchFamily="18" charset="0"/>
+                <a:cs typeface="Times New Roman" panose="02020603050405020304" pitchFamily="18" charset="0"/>
+              </a:rPr>
+              <a:t>4.1 Реализация частей системы</a:t>
+            </a:r>
+            <a:r>
+              <a:rPr lang="en-US" sz="3300" dirty="0">
+                <a:latin typeface="Times New Roman" panose="02020603050405020304" pitchFamily="18" charset="0"/>
+                <a:cs typeface="Times New Roman" panose="02020603050405020304" pitchFamily="18" charset="0"/>
+              </a:rPr>
+              <a:t> – </a:t>
+            </a:r>
+            <a:r>
+              <a:rPr lang="ru-RU" sz="3300" dirty="0">
+                <a:latin typeface="Times New Roman" panose="02020603050405020304" pitchFamily="18" charset="0"/>
+                <a:cs typeface="Times New Roman" panose="02020603050405020304" pitchFamily="18" charset="0"/>
+              </a:rPr>
+              <a:t>сервер</a:t>
+            </a:r>
+            <a:endParaRPr lang="en-US" sz="3300" dirty="0"/>
+          </a:p>
+        </p:txBody>
+      </p:sp>
+      <p:sp>
+        <p:nvSpPr>
+          <p:cNvPr id="3" name="Content Placeholder 2">
+            <a:extLst>
+              <a:ext uri="{FF2B5EF4-FFF2-40B4-BE49-F238E27FC236}">
+                <a16:creationId xmlns:a16="http://schemas.microsoft.com/office/drawing/2014/main" id="{00A857F2-FBEA-4DD2-AC28-BEC3EE81AD69}"/>
+              </a:ext>
+            </a:extLst>
+          </p:cNvPr>
+          <p:cNvSpPr>
+            <a:spLocks noGrp="1"/>
+          </p:cNvSpPr>
+          <p:nvPr>
+            <p:ph idx="1"/>
+          </p:nvPr>
+        </p:nvSpPr>
+        <p:spPr/>
+        <p:txBody>
+          <a:bodyPr/>
+          <a:lstStyle/>
+          <a:p>
+            <a:pPr marL="0" indent="0" algn="just">
+              <a:buNone/>
+            </a:pPr>
+            <a:r>
+              <a:rPr lang="en-US" dirty="0"/>
+              <a:t>	</a:t>
+            </a:r>
+            <a:r>
+              <a:rPr lang="ru-RU" dirty="0">
+                <a:latin typeface="Times New Roman" panose="02020603050405020304" pitchFamily="18" charset="0"/>
+                <a:cs typeface="Times New Roman" panose="02020603050405020304" pitchFamily="18" charset="0"/>
+              </a:rPr>
+              <a:t>Основной задачей сервера является получение и предоставление данных о пациенте. Б</a:t>
+            </a:r>
+            <a:r>
+              <a:rPr lang="be-BY" dirty="0">
+                <a:latin typeface="Times New Roman" panose="02020603050405020304" pitchFamily="18" charset="0"/>
+                <a:cs typeface="Times New Roman" panose="02020603050405020304" pitchFamily="18" charset="0"/>
+              </a:rPr>
+              <a:t>ыл разработан с использованием технологии </a:t>
+            </a:r>
+            <a:r>
+              <a:rPr lang="en-US" dirty="0">
+                <a:latin typeface="Times New Roman" panose="02020603050405020304" pitchFamily="18" charset="0"/>
+                <a:cs typeface="Times New Roman" panose="02020603050405020304" pitchFamily="18" charset="0"/>
+              </a:rPr>
+              <a:t>ASP</a:t>
+            </a:r>
+            <a:r>
+              <a:rPr lang="be-BY" dirty="0">
+                <a:latin typeface="Times New Roman" panose="02020603050405020304" pitchFamily="18" charset="0"/>
+                <a:cs typeface="Times New Roman" panose="02020603050405020304" pitchFamily="18" charset="0"/>
+              </a:rPr>
+              <a:t>.</a:t>
+            </a:r>
+            <a:r>
+              <a:rPr lang="en-US" dirty="0">
+                <a:latin typeface="Times New Roman" panose="02020603050405020304" pitchFamily="18" charset="0"/>
+                <a:cs typeface="Times New Roman" panose="02020603050405020304" pitchFamily="18" charset="0"/>
+              </a:rPr>
+              <a:t>NET Web API</a:t>
+            </a:r>
+            <a:r>
+              <a:rPr lang="be-BY" dirty="0">
+                <a:latin typeface="Times New Roman" panose="02020603050405020304" pitchFamily="18" charset="0"/>
+                <a:cs typeface="Times New Roman" panose="02020603050405020304" pitchFamily="18" charset="0"/>
+              </a:rPr>
+              <a:t> 2.0, доступ к ресурсам котор</a:t>
+            </a:r>
+            <a:r>
+              <a:rPr lang="ru-RU" dirty="0">
+                <a:latin typeface="Times New Roman" panose="02020603050405020304" pitchFamily="18" charset="0"/>
+                <a:cs typeface="Times New Roman" panose="02020603050405020304" pitchFamily="18" charset="0"/>
+              </a:rPr>
+              <a:t>ого </a:t>
+            </a:r>
+            <a:r>
+              <a:rPr lang="be-BY" dirty="0">
+                <a:latin typeface="Times New Roman" panose="02020603050405020304" pitchFamily="18" charset="0"/>
+                <a:cs typeface="Times New Roman" panose="02020603050405020304" pitchFamily="18" charset="0"/>
+              </a:rPr>
+              <a:t>предоставляется через </a:t>
+            </a:r>
+            <a:r>
+              <a:rPr lang="en-US" dirty="0">
+                <a:latin typeface="Times New Roman" panose="02020603050405020304" pitchFamily="18" charset="0"/>
+                <a:cs typeface="Times New Roman" panose="02020603050405020304" pitchFamily="18" charset="0"/>
+              </a:rPr>
+              <a:t>HTTP</a:t>
+            </a:r>
+            <a:r>
+              <a:rPr lang="be-BY" dirty="0">
+                <a:latin typeface="Times New Roman" panose="02020603050405020304" pitchFamily="18" charset="0"/>
+                <a:cs typeface="Times New Roman" panose="02020603050405020304" pitchFamily="18" charset="0"/>
+              </a:rPr>
+              <a:t> запросы. </a:t>
+            </a:r>
+            <a:r>
+              <a:rPr lang="ru-RU" dirty="0">
+                <a:latin typeface="Times New Roman" panose="02020603050405020304" pitchFamily="18" charset="0"/>
+                <a:cs typeface="Times New Roman" panose="02020603050405020304" pitchFamily="18" charset="0"/>
+              </a:rPr>
+              <a:t>Получает всю поведенческую информацию пациента от мобильного приложения и сохраняет её в базу данных.</a:t>
+            </a:r>
+            <a:endParaRPr lang="en-US" dirty="0">
+              <a:latin typeface="Times New Roman" panose="02020603050405020304" pitchFamily="18" charset="0"/>
+              <a:cs typeface="Times New Roman" panose="02020603050405020304" pitchFamily="18" charset="0"/>
+            </a:endParaRPr>
+          </a:p>
+        </p:txBody>
+      </p:sp>
+    </p:spTree>
+    <p:extLst>
+      <p:ext uri="{BB962C8B-B14F-4D97-AF65-F5344CB8AC3E}">
+        <p14:creationId xmlns:p14="http://schemas.microsoft.com/office/powerpoint/2010/main" val="162237773"/>
+      </p:ext>
+    </p:extLst>
+  </p:cSld>
+  <p:clrMapOvr>
+    <a:masterClrMapping/>
+  </p:clrMapOvr>
+</p:sld>
+</file>
+
+<file path=ppt/slides/slide13.xml><?xml version="1.0" encoding="utf-8"?>
+<p:sld xmlns:a="http://schemas.openxmlformats.org/drawingml/2006/main" xmlns:r="http://schemas.openxmlformats.org/officeDocument/2006/relationships" xmlns:p="http://schemas.openxmlformats.org/presentationml/2006/main">
+  <p:cSld>
+    <p:spTree>
+      <p:nvGrpSpPr>
+        <p:cNvPr id="1" name=""/>
+        <p:cNvGrpSpPr/>
+        <p:nvPr/>
+      </p:nvGrpSpPr>
+      <p:grpSpPr>
+        <a:xfrm>
+          <a:off x="0" y="0"/>
+          <a:ext cx="0" cy="0"/>
+          <a:chOff x="0" y="0"/>
+          <a:chExt cx="0" cy="0"/>
+        </a:xfrm>
+      </p:grpSpPr>
+      <p:sp>
+        <p:nvSpPr>
+          <p:cNvPr id="2" name="Title 1">
+            <a:extLst>
+              <a:ext uri="{FF2B5EF4-FFF2-40B4-BE49-F238E27FC236}">
+                <a16:creationId xmlns:a16="http://schemas.microsoft.com/office/drawing/2014/main" id="{2C0F4CC8-13B3-478B-BDA1-E9E22D3EE906}"/>
+              </a:ext>
+            </a:extLst>
+          </p:cNvPr>
+          <p:cNvSpPr>
+            <a:spLocks noGrp="1"/>
+          </p:cNvSpPr>
+          <p:nvPr>
+            <p:ph type="title"/>
+          </p:nvPr>
+        </p:nvSpPr>
+        <p:spPr>
+          <a:xfrm>
+            <a:off x="838200" y="18255"/>
+            <a:ext cx="10515600" cy="1325563"/>
+          </a:xfrm>
+        </p:spPr>
+        <p:txBody>
+          <a:bodyPr>
+            <a:normAutofit/>
+          </a:bodyPr>
+          <a:lstStyle/>
+          <a:p>
+            <a:r>
+              <a:rPr lang="ru-RU" sz="3300" dirty="0">
+                <a:latin typeface="Times New Roman" panose="02020603050405020304" pitchFamily="18" charset="0"/>
+                <a:cs typeface="Times New Roman" panose="02020603050405020304" pitchFamily="18" charset="0"/>
+              </a:rPr>
+              <a:t>Глава 4 Создание программного средства</a:t>
+            </a:r>
+            <a:br>
+              <a:rPr lang="en-US" sz="3300" dirty="0">
+                <a:latin typeface="Times New Roman" panose="02020603050405020304" pitchFamily="18" charset="0"/>
+                <a:cs typeface="Times New Roman" panose="02020603050405020304" pitchFamily="18" charset="0"/>
+              </a:rPr>
+            </a:br>
+            <a:r>
+              <a:rPr lang="ru-RU" sz="3300" dirty="0">
+                <a:latin typeface="Times New Roman" panose="02020603050405020304" pitchFamily="18" charset="0"/>
+                <a:cs typeface="Times New Roman" panose="02020603050405020304" pitchFamily="18" charset="0"/>
+              </a:rPr>
+              <a:t>4.1 Реализация частей системы</a:t>
+            </a:r>
+            <a:r>
+              <a:rPr lang="en-US" sz="3300" dirty="0">
+                <a:latin typeface="Times New Roman" panose="02020603050405020304" pitchFamily="18" charset="0"/>
+                <a:cs typeface="Times New Roman" panose="02020603050405020304" pitchFamily="18" charset="0"/>
+              </a:rPr>
+              <a:t> – </a:t>
+            </a:r>
+            <a:r>
+              <a:rPr lang="ru-RU" sz="3300" dirty="0">
+                <a:latin typeface="Times New Roman" panose="02020603050405020304" pitchFamily="18" charset="0"/>
+                <a:cs typeface="Times New Roman" panose="02020603050405020304" pitchFamily="18" charset="0"/>
+              </a:rPr>
+              <a:t>вычислительный сервис</a:t>
+            </a:r>
+            <a:endParaRPr lang="en-US" sz="3300" dirty="0"/>
+          </a:p>
+        </p:txBody>
+      </p:sp>
+      <p:sp>
+        <p:nvSpPr>
+          <p:cNvPr id="3" name="Content Placeholder 2">
+            <a:extLst>
+              <a:ext uri="{FF2B5EF4-FFF2-40B4-BE49-F238E27FC236}">
+                <a16:creationId xmlns:a16="http://schemas.microsoft.com/office/drawing/2014/main" id="{CA675FB7-FCAB-4D1B-A4A8-3F585CEE5967}"/>
+              </a:ext>
+            </a:extLst>
+          </p:cNvPr>
+          <p:cNvSpPr>
+            <a:spLocks noGrp="1"/>
+          </p:cNvSpPr>
+          <p:nvPr>
+            <p:ph idx="1"/>
+          </p:nvPr>
+        </p:nvSpPr>
+        <p:spPr/>
+        <p:txBody>
+          <a:bodyPr/>
+          <a:lstStyle/>
+          <a:p>
+            <a:pPr marL="0" indent="0" algn="just">
+              <a:buNone/>
+            </a:pPr>
+            <a:r>
+              <a:rPr lang="ru-RU" dirty="0"/>
+              <a:t>	</a:t>
+            </a:r>
+            <a:r>
+              <a:rPr lang="ru-RU" dirty="0">
+                <a:latin typeface="Times New Roman" panose="02020603050405020304" pitchFamily="18" charset="0"/>
+                <a:cs typeface="Times New Roman" panose="02020603050405020304" pitchFamily="18" charset="0"/>
+              </a:rPr>
+              <a:t>Сервис автоматически запускается каждые двадцать четыре часа. При запуске производится проверка данных пациента на наличие новой информации, и выполняется пересчет психологического состояния.</a:t>
+            </a:r>
+            <a:endParaRPr lang="en-US" dirty="0">
+              <a:latin typeface="Times New Roman" panose="02020603050405020304" pitchFamily="18" charset="0"/>
+              <a:cs typeface="Times New Roman" panose="02020603050405020304" pitchFamily="18" charset="0"/>
+            </a:endParaRPr>
+          </a:p>
+        </p:txBody>
+      </p:sp>
+    </p:spTree>
+    <p:extLst>
+      <p:ext uri="{BB962C8B-B14F-4D97-AF65-F5344CB8AC3E}">
+        <p14:creationId xmlns:p14="http://schemas.microsoft.com/office/powerpoint/2010/main" val="2250061185"/>
+      </p:ext>
+    </p:extLst>
+  </p:cSld>
+  <p:clrMapOvr>
+    <a:masterClrMapping/>
+  </p:clrMapOvr>
+</p:sld>
+</file>
+
+<file path=ppt/slides/slide14.xml><?xml version="1.0" encoding="utf-8"?>
+<p:sld xmlns:a="http://schemas.openxmlformats.org/drawingml/2006/main" xmlns:r="http://schemas.openxmlformats.org/officeDocument/2006/relationships" xmlns:p="http://schemas.openxmlformats.org/presentationml/2006/main">
+  <p:cSld>
+    <p:spTree>
+      <p:nvGrpSpPr>
+        <p:cNvPr id="1" name=""/>
+        <p:cNvGrpSpPr/>
+        <p:nvPr/>
+      </p:nvGrpSpPr>
+      <p:grpSpPr>
+        <a:xfrm>
+          <a:off x="0" y="0"/>
+          <a:ext cx="0" cy="0"/>
+          <a:chOff x="0" y="0"/>
+          <a:chExt cx="0" cy="0"/>
+        </a:xfrm>
+      </p:grpSpPr>
+      <p:sp>
+        <p:nvSpPr>
+          <p:cNvPr id="2" name="Title 1">
+            <a:extLst>
+              <a:ext uri="{FF2B5EF4-FFF2-40B4-BE49-F238E27FC236}">
+                <a16:creationId xmlns:a16="http://schemas.microsoft.com/office/drawing/2014/main" id="{EC46A109-4E49-48D1-A6AE-8613B9559675}"/>
+              </a:ext>
+            </a:extLst>
+          </p:cNvPr>
+          <p:cNvSpPr>
+            <a:spLocks noGrp="1"/>
+          </p:cNvSpPr>
+          <p:nvPr>
+            <p:ph type="title"/>
+          </p:nvPr>
+        </p:nvSpPr>
+        <p:spPr>
+          <a:xfrm>
+            <a:off x="838200" y="0"/>
+            <a:ext cx="10515600" cy="1325563"/>
+          </a:xfrm>
+        </p:spPr>
+        <p:txBody>
+          <a:bodyPr>
+            <a:normAutofit/>
+          </a:bodyPr>
+          <a:lstStyle/>
+          <a:p>
+            <a:r>
+              <a:rPr lang="ru-RU" sz="3300" dirty="0">
+                <a:latin typeface="Times New Roman" panose="02020603050405020304" pitchFamily="18" charset="0"/>
+                <a:cs typeface="Times New Roman" panose="02020603050405020304" pitchFamily="18" charset="0"/>
+              </a:rPr>
+              <a:t>Глава 4 Создание программного средства</a:t>
+            </a:r>
+            <a:br>
+              <a:rPr lang="en-US" sz="3300" dirty="0">
+                <a:latin typeface="Times New Roman" panose="02020603050405020304" pitchFamily="18" charset="0"/>
+                <a:cs typeface="Times New Roman" panose="02020603050405020304" pitchFamily="18" charset="0"/>
+              </a:rPr>
+            </a:br>
+            <a:r>
+              <a:rPr lang="ru-RU" sz="3300" dirty="0">
+                <a:latin typeface="Times New Roman" panose="02020603050405020304" pitchFamily="18" charset="0"/>
+                <a:cs typeface="Times New Roman" panose="02020603050405020304" pitchFamily="18" charset="0"/>
+              </a:rPr>
+              <a:t>4.1 Реализация частей системы</a:t>
+            </a:r>
+            <a:r>
+              <a:rPr lang="en-US" sz="3300" dirty="0">
+                <a:latin typeface="Times New Roman" panose="02020603050405020304" pitchFamily="18" charset="0"/>
+                <a:cs typeface="Times New Roman" panose="02020603050405020304" pitchFamily="18" charset="0"/>
+              </a:rPr>
+              <a:t> – </a:t>
+            </a:r>
+            <a:r>
+              <a:rPr lang="ru-RU" sz="3300" dirty="0">
+                <a:latin typeface="Times New Roman" panose="02020603050405020304" pitchFamily="18" charset="0"/>
+                <a:cs typeface="Times New Roman" panose="02020603050405020304" pitchFamily="18" charset="0"/>
+              </a:rPr>
+              <a:t>веб-приложение</a:t>
+            </a:r>
+            <a:endParaRPr lang="en-US" sz="3300" dirty="0"/>
+          </a:p>
+        </p:txBody>
+      </p:sp>
+      <p:sp>
+        <p:nvSpPr>
+          <p:cNvPr id="3" name="Content Placeholder 2">
+            <a:extLst>
+              <a:ext uri="{FF2B5EF4-FFF2-40B4-BE49-F238E27FC236}">
+                <a16:creationId xmlns:a16="http://schemas.microsoft.com/office/drawing/2014/main" id="{43FF460F-432A-45C6-92F4-2E853AF6926F}"/>
+              </a:ext>
+            </a:extLst>
+          </p:cNvPr>
+          <p:cNvSpPr>
+            <a:spLocks noGrp="1"/>
+          </p:cNvSpPr>
+          <p:nvPr>
+            <p:ph idx="1"/>
+          </p:nvPr>
+        </p:nvSpPr>
+        <p:spPr/>
+        <p:txBody>
+          <a:bodyPr/>
+          <a:lstStyle/>
+          <a:p>
+            <a:pPr marL="0" indent="0" algn="just">
+              <a:buNone/>
+            </a:pPr>
+            <a:r>
+              <a:rPr lang="ru-RU" dirty="0"/>
+              <a:t>	</a:t>
+            </a:r>
+            <a:r>
+              <a:rPr lang="ru-RU" dirty="0">
+                <a:latin typeface="Times New Roman" panose="02020603050405020304" pitchFamily="18" charset="0"/>
+                <a:cs typeface="Times New Roman" panose="02020603050405020304" pitchFamily="18" charset="0"/>
+              </a:rPr>
+              <a:t>Веб-приложение позволяет врачу получить доступ к поведенческой информации конкретного пациента, а также увидеть предсказанное системой его психологическое состояние. П</a:t>
+            </a:r>
+            <a:r>
+              <a:rPr lang="be-BY" dirty="0">
+                <a:latin typeface="Times New Roman" panose="02020603050405020304" pitchFamily="18" charset="0"/>
+                <a:cs typeface="Times New Roman" panose="02020603050405020304" pitchFamily="18" charset="0"/>
+              </a:rPr>
+              <a:t>риложение было написано с использованием технологий </a:t>
+            </a:r>
+            <a:r>
+              <a:rPr lang="en-US" dirty="0">
+                <a:latin typeface="Times New Roman" panose="02020603050405020304" pitchFamily="18" charset="0"/>
+                <a:cs typeface="Times New Roman" panose="02020603050405020304" pitchFamily="18" charset="0"/>
+              </a:rPr>
+              <a:t>ReactJS</a:t>
+            </a:r>
+            <a:r>
+              <a:rPr lang="be-BY" dirty="0">
+                <a:latin typeface="Times New Roman" panose="02020603050405020304" pitchFamily="18" charset="0"/>
+                <a:cs typeface="Times New Roman" panose="02020603050405020304" pitchFamily="18" charset="0"/>
+              </a:rPr>
+              <a:t>, </a:t>
+            </a:r>
+            <a:r>
+              <a:rPr lang="en-US" dirty="0">
+                <a:latin typeface="Times New Roman" panose="02020603050405020304" pitchFamily="18" charset="0"/>
+                <a:cs typeface="Times New Roman" panose="02020603050405020304" pitchFamily="18" charset="0"/>
+              </a:rPr>
+              <a:t>HTML</a:t>
+            </a:r>
+            <a:r>
+              <a:rPr lang="be-BY" dirty="0">
+                <a:latin typeface="Times New Roman" panose="02020603050405020304" pitchFamily="18" charset="0"/>
+                <a:cs typeface="Times New Roman" panose="02020603050405020304" pitchFamily="18" charset="0"/>
+              </a:rPr>
+              <a:t> 5.0 и </a:t>
+            </a:r>
+            <a:r>
+              <a:rPr lang="en-US" dirty="0">
+                <a:latin typeface="Times New Roman" panose="02020603050405020304" pitchFamily="18" charset="0"/>
+                <a:cs typeface="Times New Roman" panose="02020603050405020304" pitchFamily="18" charset="0"/>
+              </a:rPr>
+              <a:t>CSS</a:t>
+            </a:r>
+            <a:r>
+              <a:rPr lang="be-BY" dirty="0">
+                <a:latin typeface="Times New Roman" panose="02020603050405020304" pitchFamily="18" charset="0"/>
+                <a:cs typeface="Times New Roman" panose="02020603050405020304" pitchFamily="18" charset="0"/>
+              </a:rPr>
+              <a:t> 3.0.</a:t>
+            </a:r>
+            <a:endParaRPr lang="en-US" dirty="0">
+              <a:latin typeface="Times New Roman" panose="02020603050405020304" pitchFamily="18" charset="0"/>
+              <a:cs typeface="Times New Roman" panose="02020603050405020304" pitchFamily="18" charset="0"/>
+            </a:endParaRPr>
+          </a:p>
+          <a:p>
+            <a:endParaRPr lang="en-US" dirty="0"/>
+          </a:p>
+        </p:txBody>
+      </p:sp>
+    </p:spTree>
+    <p:extLst>
+      <p:ext uri="{BB962C8B-B14F-4D97-AF65-F5344CB8AC3E}">
+        <p14:creationId xmlns:p14="http://schemas.microsoft.com/office/powerpoint/2010/main" val="961746148"/>
+      </p:ext>
+    </p:extLst>
+  </p:cSld>
+  <p:clrMapOvr>
+    <a:masterClrMapping/>
+  </p:clrMapOvr>
+</p:sld>
+</file>
+
+<file path=ppt/slides/slide15.xml><?xml version="1.0" encoding="utf-8"?>
+<p:sld xmlns:a="http://schemas.openxmlformats.org/drawingml/2006/main" xmlns:r="http://schemas.openxmlformats.org/officeDocument/2006/relationships" xmlns:p="http://schemas.openxmlformats.org/presentationml/2006/main">
+  <p:cSld>
+    <p:spTree>
+      <p:nvGrpSpPr>
+        <p:cNvPr id="1" name=""/>
+        <p:cNvGrpSpPr/>
+        <p:nvPr/>
+      </p:nvGrpSpPr>
+      <p:grpSpPr>
+        <a:xfrm>
+          <a:off x="0" y="0"/>
+          <a:ext cx="0" cy="0"/>
+          <a:chOff x="0" y="0"/>
+          <a:chExt cx="0" cy="0"/>
+        </a:xfrm>
+      </p:grpSpPr>
+      <p:sp>
+        <p:nvSpPr>
+          <p:cNvPr id="2" name="Title 1">
+            <a:extLst>
+              <a:ext uri="{FF2B5EF4-FFF2-40B4-BE49-F238E27FC236}">
+                <a16:creationId xmlns:a16="http://schemas.microsoft.com/office/drawing/2014/main" id="{820DAB02-F6D3-4B4A-A9E0-E81BF7C9BCD3}"/>
+              </a:ext>
+            </a:extLst>
+          </p:cNvPr>
+          <p:cNvSpPr>
+            <a:spLocks noGrp="1"/>
+          </p:cNvSpPr>
+          <p:nvPr>
+            <p:ph type="title"/>
+          </p:nvPr>
+        </p:nvSpPr>
+        <p:spPr>
+          <a:xfrm>
+            <a:off x="838200" y="0"/>
+            <a:ext cx="10515600" cy="1325563"/>
+          </a:xfrm>
+        </p:spPr>
+        <p:txBody>
+          <a:bodyPr>
+            <a:normAutofit/>
+          </a:bodyPr>
+          <a:lstStyle/>
+          <a:p>
+            <a:r>
+              <a:rPr lang="ru-RU" sz="3300" dirty="0">
+                <a:latin typeface="Times New Roman" panose="02020603050405020304" pitchFamily="18" charset="0"/>
+                <a:cs typeface="Times New Roman" panose="02020603050405020304" pitchFamily="18" charset="0"/>
+              </a:rPr>
+              <a:t>Глава 4 Создание программного средства</a:t>
+            </a:r>
+            <a:br>
+              <a:rPr lang="en-US" sz="3300" dirty="0">
+                <a:latin typeface="Times New Roman" panose="02020603050405020304" pitchFamily="18" charset="0"/>
+                <a:cs typeface="Times New Roman" panose="02020603050405020304" pitchFamily="18" charset="0"/>
+              </a:rPr>
+            </a:br>
+            <a:r>
+              <a:rPr lang="ru-RU" sz="3300" dirty="0">
+                <a:latin typeface="Times New Roman" panose="02020603050405020304" pitchFamily="18" charset="0"/>
+                <a:cs typeface="Times New Roman" panose="02020603050405020304" pitchFamily="18" charset="0"/>
+              </a:rPr>
+              <a:t>4.1 Реализация частей системы</a:t>
+            </a:r>
+            <a:r>
+              <a:rPr lang="en-US" sz="3300" dirty="0">
+                <a:latin typeface="Times New Roman" panose="02020603050405020304" pitchFamily="18" charset="0"/>
+                <a:cs typeface="Times New Roman" panose="02020603050405020304" pitchFamily="18" charset="0"/>
+              </a:rPr>
+              <a:t> – </a:t>
+            </a:r>
+            <a:r>
+              <a:rPr lang="ru-RU" sz="3300" dirty="0">
+                <a:latin typeface="Times New Roman" panose="02020603050405020304" pitchFamily="18" charset="0"/>
+                <a:cs typeface="Times New Roman" panose="02020603050405020304" pitchFamily="18" charset="0"/>
+              </a:rPr>
+              <a:t>веб-приложение</a:t>
+            </a:r>
+            <a:endParaRPr lang="en-US" sz="3300" dirty="0"/>
+          </a:p>
+        </p:txBody>
+      </p:sp>
+      <p:pic>
+        <p:nvPicPr>
+          <p:cNvPr id="4" name="Рисунок 4">
+            <a:extLst>
+              <a:ext uri="{FF2B5EF4-FFF2-40B4-BE49-F238E27FC236}">
+                <a16:creationId xmlns:a16="http://schemas.microsoft.com/office/drawing/2014/main" id="{490E3DCE-2C7A-4CF9-9FB0-B8995D412F47}"/>
+              </a:ext>
+            </a:extLst>
+          </p:cNvPr>
+          <p:cNvPicPr/>
+          <p:nvPr/>
+        </p:nvPicPr>
+        <p:blipFill>
+          <a:blip r:embed="rId2" cstate="print"/>
+          <a:srcRect/>
+          <a:stretch>
+            <a:fillRect/>
+          </a:stretch>
+        </p:blipFill>
+        <p:spPr bwMode="auto">
+          <a:xfrm>
+            <a:off x="838200" y="1737251"/>
+            <a:ext cx="9848866" cy="4738963"/>
+          </a:xfrm>
+          <a:prstGeom prst="rect">
+            <a:avLst/>
+          </a:prstGeom>
+          <a:noFill/>
+          <a:ln w="9525">
+            <a:noFill/>
+            <a:miter lim="800000"/>
+            <a:headEnd/>
+            <a:tailEnd/>
+          </a:ln>
+        </p:spPr>
+      </p:pic>
+    </p:spTree>
+    <p:extLst>
+      <p:ext uri="{BB962C8B-B14F-4D97-AF65-F5344CB8AC3E}">
+        <p14:creationId xmlns:p14="http://schemas.microsoft.com/office/powerpoint/2010/main" val="213204147"/>
+      </p:ext>
+    </p:extLst>
+  </p:cSld>
+  <p:clrMapOvr>
+    <a:masterClrMapping/>
+  </p:clrMapOvr>
+</p:sld>
+</file>
+
+<file path=ppt/slides/slide16.xml><?xml version="1.0" encoding="utf-8"?>
+<p:sld xmlns:a="http://schemas.openxmlformats.org/drawingml/2006/main" xmlns:r="http://schemas.openxmlformats.org/officeDocument/2006/relationships" xmlns:p="http://schemas.openxmlformats.org/presentationml/2006/main">
+  <p:cSld>
+    <p:spTree>
+      <p:nvGrpSpPr>
+        <p:cNvPr id="1" name=""/>
+        <p:cNvGrpSpPr/>
+        <p:nvPr/>
+      </p:nvGrpSpPr>
+      <p:grpSpPr>
+        <a:xfrm>
+          <a:off x="0" y="0"/>
+          <a:ext cx="0" cy="0"/>
+          <a:chOff x="0" y="0"/>
+          <a:chExt cx="0" cy="0"/>
+        </a:xfrm>
+      </p:grpSpPr>
+      <p:sp>
+        <p:nvSpPr>
+          <p:cNvPr id="2" name="Title 1">
+            <a:extLst>
+              <a:ext uri="{FF2B5EF4-FFF2-40B4-BE49-F238E27FC236}">
+                <a16:creationId xmlns:a16="http://schemas.microsoft.com/office/drawing/2014/main" id="{F0121BC1-B416-4404-AC97-5BC528989099}"/>
+              </a:ext>
+            </a:extLst>
+          </p:cNvPr>
+          <p:cNvSpPr>
+            <a:spLocks noGrp="1"/>
+          </p:cNvSpPr>
+          <p:nvPr>
+            <p:ph type="title"/>
+          </p:nvPr>
+        </p:nvSpPr>
+        <p:spPr>
+          <a:xfrm>
+            <a:off x="838200" y="0"/>
+            <a:ext cx="10515600" cy="1325563"/>
+          </a:xfrm>
+        </p:spPr>
+        <p:txBody>
+          <a:bodyPr>
+            <a:normAutofit/>
+          </a:bodyPr>
+          <a:lstStyle/>
+          <a:p>
+            <a:r>
+              <a:rPr lang="ru-RU" sz="3300" dirty="0">
+                <a:latin typeface="Times New Roman" panose="02020603050405020304" pitchFamily="18" charset="0"/>
+                <a:cs typeface="Times New Roman" panose="02020603050405020304" pitchFamily="18" charset="0"/>
+              </a:rPr>
+              <a:t>Глава 4 Создание программного средства</a:t>
+            </a:r>
+            <a:br>
+              <a:rPr lang="en-US" sz="3300" dirty="0">
+                <a:latin typeface="Times New Roman" panose="02020603050405020304" pitchFamily="18" charset="0"/>
+                <a:cs typeface="Times New Roman" panose="02020603050405020304" pitchFamily="18" charset="0"/>
+              </a:rPr>
+            </a:br>
+            <a:r>
+              <a:rPr lang="ru-RU" sz="3300" dirty="0">
+                <a:latin typeface="Times New Roman" panose="02020603050405020304" pitchFamily="18" charset="0"/>
+                <a:cs typeface="Times New Roman" panose="02020603050405020304" pitchFamily="18" charset="0"/>
+              </a:rPr>
+              <a:t>4.1 Реализация частей системы</a:t>
+            </a:r>
+            <a:r>
+              <a:rPr lang="en-US" sz="3300" dirty="0">
+                <a:latin typeface="Times New Roman" panose="02020603050405020304" pitchFamily="18" charset="0"/>
+                <a:cs typeface="Times New Roman" panose="02020603050405020304" pitchFamily="18" charset="0"/>
+              </a:rPr>
+              <a:t> – </a:t>
+            </a:r>
+            <a:r>
+              <a:rPr lang="ru-RU" sz="3300" dirty="0">
+                <a:latin typeface="Times New Roman" panose="02020603050405020304" pitchFamily="18" charset="0"/>
+                <a:cs typeface="Times New Roman" panose="02020603050405020304" pitchFamily="18" charset="0"/>
+              </a:rPr>
+              <a:t>веб-приложение</a:t>
+            </a:r>
+            <a:endParaRPr lang="en-US" sz="3300" dirty="0"/>
+          </a:p>
+        </p:txBody>
+      </p:sp>
+      <p:pic>
+        <p:nvPicPr>
+          <p:cNvPr id="4" name="Рисунок 12">
+            <a:extLst>
+              <a:ext uri="{FF2B5EF4-FFF2-40B4-BE49-F238E27FC236}">
+                <a16:creationId xmlns:a16="http://schemas.microsoft.com/office/drawing/2014/main" id="{F00BECE7-2863-47A6-AFDE-20C44D861B45}"/>
+              </a:ext>
+            </a:extLst>
+          </p:cNvPr>
+          <p:cNvPicPr/>
+          <p:nvPr/>
+        </p:nvPicPr>
+        <p:blipFill>
+          <a:blip r:embed="rId2" cstate="print"/>
+          <a:srcRect/>
+          <a:stretch>
+            <a:fillRect/>
+          </a:stretch>
+        </p:blipFill>
+        <p:spPr bwMode="auto">
+          <a:xfrm>
+            <a:off x="838199" y="1721718"/>
+            <a:ext cx="9794091" cy="4697936"/>
+          </a:xfrm>
+          <a:prstGeom prst="rect">
+            <a:avLst/>
+          </a:prstGeom>
+          <a:noFill/>
+          <a:ln w="9525">
+            <a:noFill/>
+            <a:miter lim="800000"/>
+            <a:headEnd/>
+            <a:tailEnd/>
+          </a:ln>
+        </p:spPr>
+      </p:pic>
+    </p:spTree>
+    <p:extLst>
+      <p:ext uri="{BB962C8B-B14F-4D97-AF65-F5344CB8AC3E}">
+        <p14:creationId xmlns:p14="http://schemas.microsoft.com/office/powerpoint/2010/main" val="3155974167"/>
+      </p:ext>
+    </p:extLst>
+  </p:cSld>
+  <p:clrMapOvr>
+    <a:masterClrMapping/>
+  </p:clrMapOvr>
+</p:sld>
+</file>
+
+<file path=ppt/slides/slide17.xml><?xml version="1.0" encoding="utf-8"?>
+<p:sld xmlns:a="http://schemas.openxmlformats.org/drawingml/2006/main" xmlns:r="http://schemas.openxmlformats.org/officeDocument/2006/relationships" xmlns:p="http://schemas.openxmlformats.org/presentationml/2006/main">
+  <p:cSld>
+    <p:spTree>
+      <p:nvGrpSpPr>
+        <p:cNvPr id="1" name=""/>
+        <p:cNvGrpSpPr/>
+        <p:nvPr/>
+      </p:nvGrpSpPr>
+      <p:grpSpPr>
+        <a:xfrm>
+          <a:off x="0" y="0"/>
+          <a:ext cx="0" cy="0"/>
+          <a:chOff x="0" y="0"/>
+          <a:chExt cx="0" cy="0"/>
+        </a:xfrm>
+      </p:grpSpPr>
+      <p:sp>
+        <p:nvSpPr>
+          <p:cNvPr id="2" name="Title 1">
+            <a:extLst>
+              <a:ext uri="{FF2B5EF4-FFF2-40B4-BE49-F238E27FC236}">
+                <a16:creationId xmlns:a16="http://schemas.microsoft.com/office/drawing/2014/main" id="{08A8256D-9D0B-4BD1-BB9E-02B87BA13CDF}"/>
+              </a:ext>
+            </a:extLst>
+          </p:cNvPr>
+          <p:cNvSpPr>
+            <a:spLocks noGrp="1"/>
+          </p:cNvSpPr>
+          <p:nvPr>
+            <p:ph type="title"/>
+          </p:nvPr>
+        </p:nvSpPr>
+        <p:spPr>
+          <a:xfrm>
+            <a:off x="838200" y="18255"/>
+            <a:ext cx="10515600" cy="1325563"/>
+          </a:xfrm>
+        </p:spPr>
+        <p:txBody>
+          <a:bodyPr>
+            <a:normAutofit/>
+          </a:bodyPr>
+          <a:lstStyle/>
+          <a:p>
+            <a:r>
+              <a:rPr lang="ru-RU" sz="3300" dirty="0">
+                <a:latin typeface="Times New Roman" panose="02020603050405020304" pitchFamily="18" charset="0"/>
+                <a:cs typeface="Times New Roman" panose="02020603050405020304" pitchFamily="18" charset="0"/>
+              </a:rPr>
+              <a:t>Глава 4 Создание программного средства</a:t>
+            </a:r>
+            <a:br>
+              <a:rPr lang="en-US" sz="3300" dirty="0">
+                <a:latin typeface="Times New Roman" panose="02020603050405020304" pitchFamily="18" charset="0"/>
+                <a:cs typeface="Times New Roman" panose="02020603050405020304" pitchFamily="18" charset="0"/>
+              </a:rPr>
+            </a:br>
+            <a:r>
+              <a:rPr lang="ru-RU" sz="3300" dirty="0">
+                <a:latin typeface="Times New Roman" panose="02020603050405020304" pitchFamily="18" charset="0"/>
+                <a:cs typeface="Times New Roman" panose="02020603050405020304" pitchFamily="18" charset="0"/>
+              </a:rPr>
+              <a:t>4.1 Реализация частей системы</a:t>
+            </a:r>
+            <a:r>
+              <a:rPr lang="en-US" sz="3300" dirty="0">
+                <a:latin typeface="Times New Roman" panose="02020603050405020304" pitchFamily="18" charset="0"/>
+                <a:cs typeface="Times New Roman" panose="02020603050405020304" pitchFamily="18" charset="0"/>
+              </a:rPr>
+              <a:t> – </a:t>
+            </a:r>
+            <a:r>
+              <a:rPr lang="ru-RU" sz="3300" dirty="0">
+                <a:latin typeface="Times New Roman" panose="02020603050405020304" pitchFamily="18" charset="0"/>
+                <a:cs typeface="Times New Roman" panose="02020603050405020304" pitchFamily="18" charset="0"/>
+              </a:rPr>
+              <a:t>веб-приложение</a:t>
+            </a:r>
+            <a:endParaRPr lang="en-US" sz="3300" dirty="0"/>
+          </a:p>
+        </p:txBody>
+      </p:sp>
+      <p:pic>
+        <p:nvPicPr>
+          <p:cNvPr id="4" name="Рисунок 19">
+            <a:extLst>
+              <a:ext uri="{FF2B5EF4-FFF2-40B4-BE49-F238E27FC236}">
+                <a16:creationId xmlns:a16="http://schemas.microsoft.com/office/drawing/2014/main" id="{A129B997-B29D-46DF-8152-1A175757B41C}"/>
+              </a:ext>
+            </a:extLst>
+          </p:cNvPr>
+          <p:cNvPicPr>
+            <a:picLocks noGrp="1"/>
+          </p:cNvPicPr>
+          <p:nvPr>
+            <p:ph idx="1"/>
+          </p:nvPr>
+        </p:nvPicPr>
+        <p:blipFill>
+          <a:blip r:embed="rId2" cstate="print"/>
+          <a:srcRect/>
+          <a:stretch>
+            <a:fillRect/>
+          </a:stretch>
+        </p:blipFill>
+        <p:spPr bwMode="auto">
+          <a:xfrm>
+            <a:off x="838199" y="1752978"/>
+            <a:ext cx="9842369" cy="4723235"/>
+          </a:xfrm>
+          <a:prstGeom prst="rect">
+            <a:avLst/>
+          </a:prstGeom>
+          <a:noFill/>
+          <a:ln w="9525">
+            <a:noFill/>
+            <a:miter lim="800000"/>
+            <a:headEnd/>
+            <a:tailEnd/>
+          </a:ln>
+        </p:spPr>
+      </p:pic>
+    </p:spTree>
+    <p:extLst>
+      <p:ext uri="{BB962C8B-B14F-4D97-AF65-F5344CB8AC3E}">
+        <p14:creationId xmlns:p14="http://schemas.microsoft.com/office/powerpoint/2010/main" val="812667890"/>
+      </p:ext>
+    </p:extLst>
+  </p:cSld>
+  <p:clrMapOvr>
+    <a:masterClrMapping/>
+  </p:clrMapOvr>
+</p:sld>
+</file>
+
+<file path=ppt/slides/slide18.xml><?xml version="1.0" encoding="utf-8"?>
+<p:sld xmlns:a="http://schemas.openxmlformats.org/drawingml/2006/main" xmlns:r="http://schemas.openxmlformats.org/officeDocument/2006/relationships" xmlns:p="http://schemas.openxmlformats.org/presentationml/2006/main">
+  <p:cSld>
+    <p:spTree>
+      <p:nvGrpSpPr>
+        <p:cNvPr id="1" name=""/>
+        <p:cNvGrpSpPr/>
+        <p:nvPr/>
+      </p:nvGrpSpPr>
+      <p:grpSpPr>
+        <a:xfrm>
+          <a:off x="0" y="0"/>
+          <a:ext cx="0" cy="0"/>
+          <a:chOff x="0" y="0"/>
+          <a:chExt cx="0" cy="0"/>
+        </a:xfrm>
+      </p:grpSpPr>
+      <p:sp>
+        <p:nvSpPr>
+          <p:cNvPr id="2" name="Title 1">
+            <a:extLst>
+              <a:ext uri="{FF2B5EF4-FFF2-40B4-BE49-F238E27FC236}">
+                <a16:creationId xmlns:a16="http://schemas.microsoft.com/office/drawing/2014/main" id="{AA2DB29F-6795-415C-A17D-3687056375D3}"/>
+              </a:ext>
+            </a:extLst>
+          </p:cNvPr>
+          <p:cNvSpPr>
+            <a:spLocks noGrp="1"/>
+          </p:cNvSpPr>
+          <p:nvPr>
+            <p:ph type="title"/>
+          </p:nvPr>
+        </p:nvSpPr>
+        <p:spPr>
+          <a:xfrm>
+            <a:off x="838200" y="0"/>
+            <a:ext cx="10515600" cy="1325563"/>
+          </a:xfrm>
+        </p:spPr>
+        <p:txBody>
+          <a:bodyPr>
+            <a:normAutofit/>
+          </a:bodyPr>
+          <a:lstStyle/>
+          <a:p>
+            <a:r>
+              <a:rPr lang="ru-RU" sz="3300" dirty="0">
+                <a:latin typeface="Times New Roman" panose="02020603050405020304" pitchFamily="18" charset="0"/>
+                <a:cs typeface="Times New Roman" panose="02020603050405020304" pitchFamily="18" charset="0"/>
+              </a:rPr>
+              <a:t>Глава 4 Создание программного средства</a:t>
+            </a:r>
+            <a:br>
+              <a:rPr lang="en-US" sz="3300" dirty="0">
+                <a:latin typeface="Times New Roman" panose="02020603050405020304" pitchFamily="18" charset="0"/>
+                <a:cs typeface="Times New Roman" panose="02020603050405020304" pitchFamily="18" charset="0"/>
+              </a:rPr>
+            </a:br>
+            <a:r>
+              <a:rPr lang="ru-RU" sz="3300" dirty="0">
+                <a:latin typeface="Times New Roman" panose="02020603050405020304" pitchFamily="18" charset="0"/>
+                <a:cs typeface="Times New Roman" panose="02020603050405020304" pitchFamily="18" charset="0"/>
+              </a:rPr>
+              <a:t>4.</a:t>
+            </a:r>
+            <a:r>
+              <a:rPr lang="en-US" sz="3300" dirty="0">
+                <a:latin typeface="Times New Roman" panose="02020603050405020304" pitchFamily="18" charset="0"/>
+                <a:cs typeface="Times New Roman" panose="02020603050405020304" pitchFamily="18" charset="0"/>
+              </a:rPr>
+              <a:t>2</a:t>
+            </a:r>
+            <a:r>
+              <a:rPr lang="ru-RU" sz="3300" dirty="0">
+                <a:latin typeface="Times New Roman" panose="02020603050405020304" pitchFamily="18" charset="0"/>
+                <a:cs typeface="Times New Roman" panose="02020603050405020304" pitchFamily="18" charset="0"/>
+              </a:rPr>
+              <a:t> </a:t>
+            </a:r>
+            <a:r>
+              <a:rPr lang="ru-RU" sz="3600" dirty="0">
+                <a:latin typeface="Times New Roman" panose="02020603050405020304" pitchFamily="18" charset="0"/>
+                <a:cs typeface="Times New Roman" panose="02020603050405020304" pitchFamily="18" charset="0"/>
+              </a:rPr>
+              <a:t>Реализация классификатора</a:t>
+            </a:r>
+            <a:r>
+              <a:rPr lang="en-US" sz="3600" dirty="0">
+                <a:latin typeface="Times New Roman" panose="02020603050405020304" pitchFamily="18" charset="0"/>
+                <a:cs typeface="Times New Roman" panose="02020603050405020304" pitchFamily="18" charset="0"/>
+              </a:rPr>
+              <a:t> </a:t>
+            </a:r>
+            <a:r>
+              <a:rPr lang="en-US" sz="3300" dirty="0">
+                <a:latin typeface="Times New Roman" panose="02020603050405020304" pitchFamily="18" charset="0"/>
+                <a:cs typeface="Times New Roman" panose="02020603050405020304" pitchFamily="18" charset="0"/>
+              </a:rPr>
+              <a:t>– </a:t>
+            </a:r>
+            <a:r>
+              <a:rPr lang="ru-RU" sz="3300" dirty="0">
+                <a:latin typeface="Times New Roman" panose="02020603050405020304" pitchFamily="18" charset="0"/>
+                <a:cs typeface="Times New Roman" panose="02020603050405020304" pitchFamily="18" charset="0"/>
+              </a:rPr>
+              <a:t>обучение</a:t>
+            </a:r>
+            <a:endParaRPr lang="en-US" sz="3300" dirty="0"/>
+          </a:p>
+        </p:txBody>
+      </p:sp>
+      <p:pic>
+        <p:nvPicPr>
+          <p:cNvPr id="4" name="Content Placeholder 3">
+            <a:extLst>
+              <a:ext uri="{FF2B5EF4-FFF2-40B4-BE49-F238E27FC236}">
+                <a16:creationId xmlns:a16="http://schemas.microsoft.com/office/drawing/2014/main" id="{E8523159-57F0-4826-8C07-5E8551F64F94}"/>
+              </a:ext>
+            </a:extLst>
+          </p:cNvPr>
+          <p:cNvPicPr>
+            <a:picLocks noGrp="1"/>
+          </p:cNvPicPr>
+          <p:nvPr>
+            <p:ph idx="1"/>
+          </p:nvPr>
+        </p:nvPicPr>
+        <p:blipFill>
+          <a:blip r:embed="rId2" cstate="print">
+            <a:extLst>
+              <a:ext uri="{28A0092B-C50C-407E-A947-70E740481C1C}">
+                <a14:useLocalDpi xmlns:a14="http://schemas.microsoft.com/office/drawing/2010/main" val="0"/>
+              </a:ext>
+            </a:extLst>
+          </a:blip>
+          <a:srcRect/>
+          <a:stretch>
+            <a:fillRect/>
+          </a:stretch>
+        </p:blipFill>
+        <p:spPr bwMode="auto">
+          <a:xfrm>
+            <a:off x="4411124" y="1325563"/>
+            <a:ext cx="3369751" cy="5284596"/>
+          </a:xfrm>
+          <a:prstGeom prst="rect">
+            <a:avLst/>
+          </a:prstGeom>
+          <a:noFill/>
+          <a:ln>
+            <a:noFill/>
+          </a:ln>
+        </p:spPr>
+      </p:pic>
+    </p:spTree>
+    <p:extLst>
+      <p:ext uri="{BB962C8B-B14F-4D97-AF65-F5344CB8AC3E}">
+        <p14:creationId xmlns:p14="http://schemas.microsoft.com/office/powerpoint/2010/main" val="1186308243"/>
+      </p:ext>
+    </p:extLst>
+  </p:cSld>
+  <p:clrMapOvr>
+    <a:masterClrMapping/>
+  </p:clrMapOvr>
+</p:sld>
+</file>
+
+<file path=ppt/slides/slide19.xml><?xml version="1.0" encoding="utf-8"?>
+<p:sld xmlns:a="http://schemas.openxmlformats.org/drawingml/2006/main" xmlns:r="http://schemas.openxmlformats.org/officeDocument/2006/relationships" xmlns:p="http://schemas.openxmlformats.org/presentationml/2006/main">
+  <p:cSld>
+    <p:spTree>
+      <p:nvGrpSpPr>
+        <p:cNvPr id="1" name=""/>
+        <p:cNvGrpSpPr/>
+        <p:nvPr/>
+      </p:nvGrpSpPr>
+      <p:grpSpPr>
+        <a:xfrm>
+          <a:off x="0" y="0"/>
+          <a:ext cx="0" cy="0"/>
+          <a:chOff x="0" y="0"/>
+          <a:chExt cx="0" cy="0"/>
+        </a:xfrm>
+      </p:grpSpPr>
+      <p:sp>
+        <p:nvSpPr>
+          <p:cNvPr id="2" name="Title 1">
+            <a:extLst>
+              <a:ext uri="{FF2B5EF4-FFF2-40B4-BE49-F238E27FC236}">
+                <a16:creationId xmlns:a16="http://schemas.microsoft.com/office/drawing/2014/main" id="{E3412165-897C-43AD-A579-8305EABB350A}"/>
+              </a:ext>
+            </a:extLst>
+          </p:cNvPr>
+          <p:cNvSpPr>
+            <a:spLocks noGrp="1"/>
+          </p:cNvSpPr>
+          <p:nvPr>
+            <p:ph type="title"/>
+          </p:nvPr>
+        </p:nvSpPr>
+        <p:spPr/>
+        <p:txBody>
+          <a:bodyPr>
+            <a:normAutofit fontScale="90000"/>
+          </a:bodyPr>
+          <a:lstStyle/>
+          <a:p>
+            <a:r>
+              <a:rPr lang="ru-RU" dirty="0">
+                <a:latin typeface="Times New Roman" panose="02020603050405020304" pitchFamily="18" charset="0"/>
+                <a:cs typeface="Times New Roman" panose="02020603050405020304" pitchFamily="18" charset="0"/>
+              </a:rPr>
+              <a:t>Глава 4 Создание программного средства</a:t>
+            </a:r>
+            <a:br>
+              <a:rPr lang="en-US" dirty="0">
+                <a:latin typeface="Times New Roman" panose="02020603050405020304" pitchFamily="18" charset="0"/>
+                <a:cs typeface="Times New Roman" panose="02020603050405020304" pitchFamily="18" charset="0"/>
+              </a:rPr>
+            </a:br>
+            <a:r>
+              <a:rPr lang="ru-RU" dirty="0">
+                <a:latin typeface="Times New Roman" panose="02020603050405020304" pitchFamily="18" charset="0"/>
+                <a:cs typeface="Times New Roman" panose="02020603050405020304" pitchFamily="18" charset="0"/>
+              </a:rPr>
+              <a:t>4.</a:t>
+            </a:r>
+            <a:r>
+              <a:rPr lang="en-US" dirty="0">
+                <a:latin typeface="Times New Roman" panose="02020603050405020304" pitchFamily="18" charset="0"/>
+                <a:cs typeface="Times New Roman" panose="02020603050405020304" pitchFamily="18" charset="0"/>
+              </a:rPr>
+              <a:t>2</a:t>
+            </a:r>
+            <a:r>
+              <a:rPr lang="ru-RU" dirty="0">
+                <a:latin typeface="Times New Roman" panose="02020603050405020304" pitchFamily="18" charset="0"/>
+                <a:cs typeface="Times New Roman" panose="02020603050405020304" pitchFamily="18" charset="0"/>
+              </a:rPr>
+              <a:t> Реализация классификатора</a:t>
+            </a:r>
+            <a:r>
+              <a:rPr lang="en-US" dirty="0">
+                <a:latin typeface="Times New Roman" panose="02020603050405020304" pitchFamily="18" charset="0"/>
+                <a:cs typeface="Times New Roman" panose="02020603050405020304" pitchFamily="18" charset="0"/>
+              </a:rPr>
+              <a:t> – </a:t>
+            </a:r>
+            <a:r>
+              <a:rPr lang="ru-RU" dirty="0">
+                <a:latin typeface="Times New Roman" panose="02020603050405020304" pitchFamily="18" charset="0"/>
+                <a:cs typeface="Times New Roman" panose="02020603050405020304" pitchFamily="18" charset="0"/>
+              </a:rPr>
+              <a:t>настройки</a:t>
+            </a:r>
+            <a:endParaRPr lang="en-US" dirty="0"/>
+          </a:p>
+        </p:txBody>
+      </p:sp>
+      <p:sp>
+        <p:nvSpPr>
+          <p:cNvPr id="3" name="Content Placeholder 2">
+            <a:extLst>
+              <a:ext uri="{FF2B5EF4-FFF2-40B4-BE49-F238E27FC236}">
+                <a16:creationId xmlns:a16="http://schemas.microsoft.com/office/drawing/2014/main" id="{B67B2131-9B58-43A0-8542-0C81ACBC7031}"/>
+              </a:ext>
+            </a:extLst>
+          </p:cNvPr>
+          <p:cNvSpPr>
+            <a:spLocks noGrp="1"/>
+          </p:cNvSpPr>
+          <p:nvPr>
+            <p:ph idx="1"/>
+          </p:nvPr>
+        </p:nvSpPr>
+        <p:spPr/>
+        <p:txBody>
+          <a:bodyPr>
+            <a:normAutofit/>
+          </a:bodyPr>
+          <a:lstStyle/>
+          <a:p>
+            <a:pPr marL="0" indent="0">
+              <a:buNone/>
+            </a:pPr>
+            <a:r>
+              <a:rPr lang="en-US" dirty="0">
+                <a:latin typeface="Times New Roman" panose="02020603050405020304" pitchFamily="18" charset="0"/>
+                <a:cs typeface="Times New Roman" panose="02020603050405020304" pitchFamily="18" charset="0"/>
+              </a:rPr>
+              <a:t>– </a:t>
+            </a:r>
+            <a:r>
+              <a:rPr lang="ru-RU" dirty="0">
+                <a:latin typeface="Times New Roman" panose="02020603050405020304" pitchFamily="18" charset="0"/>
+                <a:cs typeface="Times New Roman" panose="02020603050405020304" pitchFamily="18" charset="0"/>
+              </a:rPr>
+              <a:t>Количество эпох.</a:t>
+            </a:r>
+          </a:p>
+          <a:p>
+            <a:pPr marL="0" indent="0">
+              <a:buNone/>
+            </a:pPr>
+            <a:r>
+              <a:rPr lang="en-US" dirty="0">
+                <a:latin typeface="Times New Roman" panose="02020603050405020304" pitchFamily="18" charset="0"/>
+                <a:cs typeface="Times New Roman" panose="02020603050405020304" pitchFamily="18" charset="0"/>
+              </a:rPr>
+              <a:t>– </a:t>
+            </a:r>
+            <a:r>
+              <a:rPr lang="ru-RU" dirty="0">
+                <a:latin typeface="Times New Roman" panose="02020603050405020304" pitchFamily="18" charset="0"/>
+                <a:cs typeface="Times New Roman" panose="02020603050405020304" pitchFamily="18" charset="0"/>
+              </a:rPr>
+              <a:t>Коэффициент скорости обучения.</a:t>
+            </a:r>
+            <a:endParaRPr lang="en-US" dirty="0">
+              <a:latin typeface="Times New Roman" panose="02020603050405020304" pitchFamily="18" charset="0"/>
+              <a:cs typeface="Times New Roman" panose="02020603050405020304" pitchFamily="18" charset="0"/>
+            </a:endParaRPr>
+          </a:p>
+          <a:p>
+            <a:pPr marL="0" indent="0">
+              <a:buNone/>
+            </a:pPr>
+            <a:r>
+              <a:rPr lang="en-US" dirty="0">
+                <a:latin typeface="Times New Roman" panose="02020603050405020304" pitchFamily="18" charset="0"/>
+                <a:cs typeface="Times New Roman" panose="02020603050405020304" pitchFamily="18" charset="0"/>
+              </a:rPr>
+              <a:t>– </a:t>
+            </a:r>
+            <a:r>
+              <a:rPr lang="ru-RU" dirty="0">
+                <a:latin typeface="Times New Roman" panose="02020603050405020304" pitchFamily="18" charset="0"/>
+                <a:cs typeface="Times New Roman" panose="02020603050405020304" pitchFamily="18" charset="0"/>
+              </a:rPr>
+              <a:t>К</a:t>
+            </a:r>
+            <a:r>
+              <a:rPr lang="be-BY" dirty="0">
+                <a:latin typeface="Times New Roman" panose="02020603050405020304" pitchFamily="18" charset="0"/>
+                <a:cs typeface="Times New Roman" panose="02020603050405020304" pitchFamily="18" charset="0"/>
+              </a:rPr>
+              <a:t>оэффициент инерции</a:t>
+            </a:r>
+            <a:r>
+              <a:rPr lang="ru-RU" dirty="0">
+                <a:latin typeface="Times New Roman" panose="02020603050405020304" pitchFamily="18" charset="0"/>
+                <a:cs typeface="Times New Roman" panose="02020603050405020304" pitchFamily="18" charset="0"/>
+              </a:rPr>
+              <a:t>. О</a:t>
+            </a:r>
+            <a:r>
+              <a:rPr lang="be-BY" dirty="0">
+                <a:latin typeface="Times New Roman" panose="02020603050405020304" pitchFamily="18" charset="0"/>
+                <a:cs typeface="Times New Roman" panose="02020603050405020304" pitchFamily="18" charset="0"/>
+              </a:rPr>
+              <a:t>пределяет меру влияния предыдущих подстроек на текущую</a:t>
+            </a:r>
+            <a:r>
+              <a:rPr lang="ru-RU" dirty="0">
+                <a:latin typeface="Times New Roman" panose="02020603050405020304" pitchFamily="18" charset="0"/>
+                <a:cs typeface="Times New Roman" panose="02020603050405020304" pitchFamily="18" charset="0"/>
+              </a:rPr>
+              <a:t>.</a:t>
+            </a:r>
+            <a:endParaRPr lang="en-US" dirty="0">
+              <a:latin typeface="Times New Roman" panose="02020603050405020304" pitchFamily="18" charset="0"/>
+              <a:cs typeface="Times New Roman" panose="02020603050405020304" pitchFamily="18" charset="0"/>
+            </a:endParaRPr>
+          </a:p>
+          <a:p>
+            <a:pPr marL="0" indent="0">
+              <a:buNone/>
+            </a:pPr>
+            <a:r>
+              <a:rPr lang="en-US" dirty="0">
+                <a:latin typeface="Times New Roman" panose="02020603050405020304" pitchFamily="18" charset="0"/>
+                <a:cs typeface="Times New Roman" panose="02020603050405020304" pitchFamily="18" charset="0"/>
+              </a:rPr>
+              <a:t>– </a:t>
+            </a:r>
+            <a:r>
+              <a:rPr lang="ru-RU" dirty="0">
+                <a:latin typeface="Times New Roman" panose="02020603050405020304" pitchFamily="18" charset="0"/>
+                <a:cs typeface="Times New Roman" panose="02020603050405020304" pitchFamily="18" charset="0"/>
+              </a:rPr>
+              <a:t>Коэффициент стимуляции. Определяет меру влияния предыдущего значения весового коэффициента при расчете нового.</a:t>
+            </a:r>
+            <a:endParaRPr lang="en-US" dirty="0">
+              <a:latin typeface="Times New Roman" panose="02020603050405020304" pitchFamily="18" charset="0"/>
+              <a:cs typeface="Times New Roman" panose="02020603050405020304" pitchFamily="18" charset="0"/>
+            </a:endParaRPr>
+          </a:p>
+          <a:p>
+            <a:endParaRPr lang="en-US" dirty="0"/>
+          </a:p>
+        </p:txBody>
+      </p:sp>
+    </p:spTree>
+    <p:extLst>
+      <p:ext uri="{BB962C8B-B14F-4D97-AF65-F5344CB8AC3E}">
+        <p14:creationId xmlns:p14="http://schemas.microsoft.com/office/powerpoint/2010/main" val="3487105090"/>
       </p:ext>
     </p:extLst>
   </p:cSld>
@@ -3501,7 +5210,7 @@
           <p:cNvPr id="2" name="Title 1">
             <a:extLst>
               <a:ext uri="{FF2B5EF4-FFF2-40B4-BE49-F238E27FC236}">
-                <a16:creationId xmlns:a16="http://schemas.microsoft.com/office/drawing/2014/main" xmlns="" id="{33CA263D-98BE-4BB0-8861-5CD53751CB9B}"/>
+                <a16:creationId xmlns:a16="http://schemas.microsoft.com/office/drawing/2014/main" id="{33CA263D-98BE-4BB0-8861-5CD53751CB9B}"/>
               </a:ext>
             </a:extLst>
           </p:cNvPr>
@@ -3512,7 +5221,12 @@
             <p:ph type="title"/>
           </p:nvPr>
         </p:nvSpPr>
-        <p:spPr/>
+        <p:spPr>
+          <a:xfrm>
+            <a:off x="838200" y="18255"/>
+            <a:ext cx="10515600" cy="1325563"/>
+          </a:xfrm>
+        </p:spPr>
         <p:txBody>
           <a:bodyPr/>
           <a:lstStyle/>
@@ -3536,7 +5250,7 @@
           <p:cNvPr id="3" name="Content Placeholder 2">
             <a:extLst>
               <a:ext uri="{FF2B5EF4-FFF2-40B4-BE49-F238E27FC236}">
-                <a16:creationId xmlns:a16="http://schemas.microsoft.com/office/drawing/2014/main" xmlns="" id="{D6DCF3B5-E509-4346-B823-788C5A0C636E}"/>
+                <a16:creationId xmlns:a16="http://schemas.microsoft.com/office/drawing/2014/main" id="{D6DCF3B5-E509-4346-B823-788C5A0C636E}"/>
               </a:ext>
             </a:extLst>
           </p:cNvPr>
@@ -3586,7 +5300,7 @@
           </a:p>
           <a:p>
             <a:r>
-              <a:rPr lang="ru-RU" dirty="0" smtClean="0">
+              <a:rPr lang="ru-RU" dirty="0">
                 <a:latin typeface="Times New Roman" pitchFamily="18" charset="0"/>
                 <a:ea typeface="Tahoma" pitchFamily="34" charset="0"/>
                 <a:cs typeface="Times New Roman" pitchFamily="18" charset="0"/>
@@ -3594,7 +5308,7 @@
               <a:t>Целью проекта является </a:t>
             </a:r>
             <a:r>
-              <a:rPr lang="ru-RU" dirty="0" err="1" smtClean="0">
+              <a:rPr lang="ru-RU" dirty="0" err="1">
                 <a:latin typeface="Times New Roman" pitchFamily="18" charset="0"/>
                 <a:ea typeface="Tahoma" pitchFamily="34" charset="0"/>
                 <a:cs typeface="Times New Roman" pitchFamily="18" charset="0"/>
@@ -3602,7 +5316,7 @@
               <a:t>п</a:t>
             </a:r>
             <a:r>
-              <a:rPr lang="be-BY" dirty="0" smtClean="0">
+              <a:rPr lang="be-BY" dirty="0">
                 <a:latin typeface="Times New Roman" pitchFamily="18" charset="0"/>
                 <a:ea typeface="Tahoma" pitchFamily="34" charset="0"/>
                 <a:cs typeface="Times New Roman" pitchFamily="18" charset="0"/>
@@ -3610,14 +5324,14 @@
               <a:t>овышение эффективности исполнения </a:t>
             </a:r>
             <a:r>
-              <a:rPr lang="ru-RU" dirty="0" smtClean="0">
+              <a:rPr lang="ru-RU" dirty="0">
                 <a:latin typeface="Times New Roman" pitchFamily="18" charset="0"/>
                 <a:ea typeface="Tahoma" pitchFamily="34" charset="0"/>
                 <a:cs typeface="Times New Roman" pitchFamily="18" charset="0"/>
               </a:rPr>
               <a:t>работы психотерапевта; </a:t>
             </a:r>
-            <a:endParaRPr lang="be-BY" dirty="0" smtClean="0">
+            <a:endParaRPr lang="be-BY" dirty="0">
               <a:latin typeface="Times New Roman" pitchFamily="18" charset="0"/>
               <a:ea typeface="Tahoma" pitchFamily="34" charset="0"/>
               <a:cs typeface="Times New Roman" pitchFamily="18" charset="0"/>
@@ -3625,14 +5339,14 @@
           </a:p>
           <a:p>
             <a:r>
-              <a:rPr lang="ru-RU" dirty="0" smtClean="0">
+              <a:rPr lang="ru-RU" dirty="0">
                 <a:latin typeface="Times New Roman" pitchFamily="18" charset="0"/>
                 <a:ea typeface="Tahoma" pitchFamily="34" charset="0"/>
                 <a:cs typeface="Times New Roman" pitchFamily="18" charset="0"/>
               </a:rPr>
               <a:t>Задачи: </a:t>
             </a:r>
-            <a:endParaRPr lang="be-BY" dirty="0" smtClean="0">
+            <a:endParaRPr lang="be-BY" dirty="0">
               <a:latin typeface="Times New Roman" pitchFamily="18" charset="0"/>
               <a:ea typeface="Tahoma" pitchFamily="34" charset="0"/>
               <a:cs typeface="Times New Roman" pitchFamily="18" charset="0"/>
@@ -3643,22 +5357,14 @@
               <a:buNone/>
             </a:pPr>
             <a:r>
-              <a:rPr lang="ru-RU" dirty="0" smtClean="0">
+              <a:rPr lang="ru-RU" dirty="0">
                 <a:latin typeface="Times New Roman" pitchFamily="18" charset="0"/>
                 <a:ea typeface="Tahoma" pitchFamily="34" charset="0"/>
                 <a:cs typeface="Times New Roman" pitchFamily="18" charset="0"/>
               </a:rPr>
-              <a:t>		–</a:t>
-            </a:r>
-            <a:r>
-              <a:rPr lang="ru-RU" dirty="0" smtClean="0">
-                <a:latin typeface="Times New Roman" pitchFamily="18" charset="0"/>
-                <a:ea typeface="Tahoma" pitchFamily="34" charset="0"/>
-                <a:cs typeface="Times New Roman" pitchFamily="18" charset="0"/>
-              </a:rPr>
-              <a:t> наладить процесс непрерывного сбора информации о поведении пациента; </a:t>
-            </a:r>
-            <a:endParaRPr lang="be-BY" dirty="0" smtClean="0">
+              <a:t>		– наладить процесс непрерывного сбора информации о поведении пациента; </a:t>
+            </a:r>
+            <a:endParaRPr lang="be-BY" dirty="0">
               <a:latin typeface="Times New Roman" pitchFamily="18" charset="0"/>
               <a:ea typeface="Tahoma" pitchFamily="34" charset="0"/>
               <a:cs typeface="Times New Roman" pitchFamily="18" charset="0"/>
@@ -3669,22 +5375,14 @@
               <a:buNone/>
             </a:pPr>
             <a:r>
-              <a:rPr lang="ru-RU" dirty="0" smtClean="0">
+              <a:rPr lang="ru-RU" dirty="0">
                 <a:latin typeface="Times New Roman" pitchFamily="18" charset="0"/>
                 <a:ea typeface="Tahoma" pitchFamily="34" charset="0"/>
                 <a:cs typeface="Times New Roman" pitchFamily="18" charset="0"/>
               </a:rPr>
-              <a:t>		–</a:t>
-            </a:r>
-            <a:r>
-              <a:rPr lang="ru-RU" dirty="0" smtClean="0">
-                <a:latin typeface="Times New Roman" pitchFamily="18" charset="0"/>
-                <a:ea typeface="Tahoma" pitchFamily="34" charset="0"/>
-                <a:cs typeface="Times New Roman" pitchFamily="18" charset="0"/>
-              </a:rPr>
-              <a:t> создать банк данных с информацией о поведении пациента;</a:t>
-            </a:r>
-            <a:endParaRPr lang="be-BY" dirty="0" smtClean="0">
+              <a:t>		– создать банк данных с информацией о поведении пациента;</a:t>
+            </a:r>
+            <a:endParaRPr lang="be-BY" dirty="0">
               <a:latin typeface="Times New Roman" pitchFamily="18" charset="0"/>
               <a:ea typeface="Tahoma" pitchFamily="34" charset="0"/>
               <a:cs typeface="Times New Roman" pitchFamily="18" charset="0"/>
@@ -3695,70 +5393,62 @@
               <a:buNone/>
             </a:pPr>
             <a:r>
-              <a:rPr lang="ru-RU" dirty="0" smtClean="0">
+              <a:rPr lang="ru-RU" dirty="0">
                 <a:latin typeface="Times New Roman" pitchFamily="18" charset="0"/>
                 <a:ea typeface="Tahoma" pitchFamily="34" charset="0"/>
                 <a:cs typeface="Times New Roman" pitchFamily="18" charset="0"/>
               </a:rPr>
-              <a:t>		–</a:t>
-            </a:r>
-            <a:r>
-              <a:rPr lang="ru-RU" dirty="0" smtClean="0">
+              <a:t>		– классифицировать </a:t>
+            </a:r>
+            <a:r>
+              <a:rPr lang="be-BY" dirty="0">
                 <a:latin typeface="Times New Roman" pitchFamily="18" charset="0"/>
                 <a:ea typeface="Tahoma" pitchFamily="34" charset="0"/>
                 <a:cs typeface="Times New Roman" pitchFamily="18" charset="0"/>
               </a:rPr>
-              <a:t> классифицировать </a:t>
-            </a:r>
-            <a:r>
-              <a:rPr lang="be-BY" dirty="0" smtClean="0">
+              <a:t>психологическо</a:t>
+            </a:r>
+            <a:r>
+              <a:rPr lang="ru-RU" dirty="0">
                 <a:latin typeface="Times New Roman" pitchFamily="18" charset="0"/>
                 <a:ea typeface="Tahoma" pitchFamily="34" charset="0"/>
                 <a:cs typeface="Times New Roman" pitchFamily="18" charset="0"/>
               </a:rPr>
-              <a:t>психологическо</a:t>
-            </a:r>
-            <a:r>
-              <a:rPr lang="ru-RU" dirty="0" smtClean="0">
+              <a:t>е</a:t>
+            </a:r>
+            <a:r>
+              <a:rPr lang="be-BY" dirty="0">
                 <a:latin typeface="Times New Roman" pitchFamily="18" charset="0"/>
                 <a:ea typeface="Tahoma" pitchFamily="34" charset="0"/>
                 <a:cs typeface="Times New Roman" pitchFamily="18" charset="0"/>
               </a:rPr>
-              <a:t>е</a:t>
-            </a:r>
-            <a:r>
-              <a:rPr lang="be-BY" dirty="0" smtClean="0">
+              <a:t> состояни</a:t>
+            </a:r>
+            <a:r>
+              <a:rPr lang="ru-RU" dirty="0">
                 <a:latin typeface="Times New Roman" pitchFamily="18" charset="0"/>
                 <a:ea typeface="Tahoma" pitchFamily="34" charset="0"/>
                 <a:cs typeface="Times New Roman" pitchFamily="18" charset="0"/>
               </a:rPr>
-              <a:t> состояни</a:t>
-            </a:r>
-            <a:r>
-              <a:rPr lang="ru-RU" dirty="0" smtClean="0">
+              <a:t>е</a:t>
+            </a:r>
+            <a:r>
+              <a:rPr lang="be-BY" dirty="0">
                 <a:latin typeface="Times New Roman" pitchFamily="18" charset="0"/>
                 <a:ea typeface="Tahoma" pitchFamily="34" charset="0"/>
                 <a:cs typeface="Times New Roman" pitchFamily="18" charset="0"/>
               </a:rPr>
-              <a:t>е</a:t>
-            </a:r>
-            <a:r>
-              <a:rPr lang="be-BY" dirty="0" smtClean="0">
+              <a:t> пациента на основе собранной поведенческой информации</a:t>
+            </a:r>
+            <a:r>
+              <a:rPr lang="ru-RU" dirty="0">
                 <a:latin typeface="Times New Roman" pitchFamily="18" charset="0"/>
                 <a:ea typeface="Tahoma" pitchFamily="34" charset="0"/>
                 <a:cs typeface="Times New Roman" pitchFamily="18" charset="0"/>
               </a:rPr>
-              <a:t> пациента на основе собранной поведенческой информации</a:t>
-            </a:r>
-            <a:r>
-              <a:rPr lang="ru-RU" dirty="0" smtClean="0">
-                <a:latin typeface="Times New Roman" pitchFamily="18" charset="0"/>
-                <a:ea typeface="Tahoma" pitchFamily="34" charset="0"/>
-                <a:cs typeface="Times New Roman" pitchFamily="18" charset="0"/>
-              </a:rPr>
               <a:t>.</a:t>
             </a:r>
-            <a:endParaRPr lang="be-BY" dirty="0" smtClean="0">
+            <a:endParaRPr lang="be-BY" dirty="0">
               <a:latin typeface="Times New Roman" pitchFamily="18" charset="0"/>
               <a:ea typeface="Tahoma" pitchFamily="34" charset="0"/>
               <a:cs typeface="Times New Roman" pitchFamily="18" charset="0"/>
@@ -3776,7 +5466,597 @@
     </p:spTree>
     <p:extLst>
       <p:ext uri="{BB962C8B-B14F-4D97-AF65-F5344CB8AC3E}">
-        <p14:creationId xmlns:p14="http://schemas.microsoft.com/office/powerpoint/2010/main" xmlns="" val="62113808"/>
+        <p14:creationId xmlns:p14="http://schemas.microsoft.com/office/powerpoint/2010/main" val="62113808"/>
+      </p:ext>
+    </p:extLst>
+  </p:cSld>
+  <p:clrMapOvr>
+    <a:masterClrMapping/>
+  </p:clrMapOvr>
+</p:sld>
+</file>
+
+<file path=ppt/slides/slide20.xml><?xml version="1.0" encoding="utf-8"?>
+<p:sld xmlns:a="http://schemas.openxmlformats.org/drawingml/2006/main" xmlns:r="http://schemas.openxmlformats.org/officeDocument/2006/relationships" xmlns:p="http://schemas.openxmlformats.org/presentationml/2006/main">
+  <p:cSld>
+    <p:spTree>
+      <p:nvGrpSpPr>
+        <p:cNvPr id="1" name=""/>
+        <p:cNvGrpSpPr/>
+        <p:nvPr/>
+      </p:nvGrpSpPr>
+      <p:grpSpPr>
+        <a:xfrm>
+          <a:off x="0" y="0"/>
+          <a:ext cx="0" cy="0"/>
+          <a:chOff x="0" y="0"/>
+          <a:chExt cx="0" cy="0"/>
+        </a:xfrm>
+      </p:grpSpPr>
+      <p:sp>
+        <p:nvSpPr>
+          <p:cNvPr id="2" name="Title 1">
+            <a:extLst>
+              <a:ext uri="{FF2B5EF4-FFF2-40B4-BE49-F238E27FC236}">
+                <a16:creationId xmlns:a16="http://schemas.microsoft.com/office/drawing/2014/main" id="{F2DEFDA4-C14F-4B2E-B2DB-486F7B995C8F}"/>
+              </a:ext>
+            </a:extLst>
+          </p:cNvPr>
+          <p:cNvSpPr>
+            <a:spLocks noGrp="1"/>
+          </p:cNvSpPr>
+          <p:nvPr>
+            <p:ph type="title"/>
+          </p:nvPr>
+        </p:nvSpPr>
+        <p:spPr/>
+        <p:txBody>
+          <a:bodyPr>
+            <a:normAutofit/>
+          </a:bodyPr>
+          <a:lstStyle/>
+          <a:p>
+            <a:r>
+              <a:rPr lang="ru-RU" dirty="0">
+                <a:latin typeface="Times New Roman" panose="02020603050405020304" pitchFamily="18" charset="0"/>
+                <a:cs typeface="Times New Roman" panose="02020603050405020304" pitchFamily="18" charset="0"/>
+              </a:rPr>
+              <a:t>Глава 4 Создание программного средства</a:t>
+            </a:r>
+            <a:br>
+              <a:rPr lang="en-US" dirty="0">
+                <a:latin typeface="Times New Roman" panose="02020603050405020304" pitchFamily="18" charset="0"/>
+                <a:cs typeface="Times New Roman" panose="02020603050405020304" pitchFamily="18" charset="0"/>
+              </a:rPr>
+            </a:br>
+            <a:r>
+              <a:rPr lang="ru-RU" dirty="0">
+                <a:latin typeface="Times New Roman" panose="02020603050405020304" pitchFamily="18" charset="0"/>
+                <a:cs typeface="Times New Roman" panose="02020603050405020304" pitchFamily="18" charset="0"/>
+              </a:rPr>
+              <a:t>4.</a:t>
+            </a:r>
+            <a:r>
+              <a:rPr lang="en-US" dirty="0">
+                <a:latin typeface="Times New Roman" panose="02020603050405020304" pitchFamily="18" charset="0"/>
+                <a:cs typeface="Times New Roman" panose="02020603050405020304" pitchFamily="18" charset="0"/>
+              </a:rPr>
+              <a:t>2</a:t>
+            </a:r>
+            <a:r>
+              <a:rPr lang="ru-RU" dirty="0">
+                <a:latin typeface="Times New Roman" panose="02020603050405020304" pitchFamily="18" charset="0"/>
+                <a:cs typeface="Times New Roman" panose="02020603050405020304" pitchFamily="18" charset="0"/>
+              </a:rPr>
+              <a:t> Реализация классификатора</a:t>
+            </a:r>
+            <a:r>
+              <a:rPr lang="en-US" dirty="0">
+                <a:latin typeface="Times New Roman" panose="02020603050405020304" pitchFamily="18" charset="0"/>
+                <a:cs typeface="Times New Roman" panose="02020603050405020304" pitchFamily="18" charset="0"/>
+              </a:rPr>
+              <a:t> – </a:t>
+            </a:r>
+            <a:r>
+              <a:rPr lang="ru-RU" dirty="0">
+                <a:latin typeface="Times New Roman" panose="02020603050405020304" pitchFamily="18" charset="0"/>
+                <a:cs typeface="Times New Roman" panose="02020603050405020304" pitchFamily="18" charset="0"/>
+              </a:rPr>
+              <a:t>обучение</a:t>
+            </a:r>
+            <a:endParaRPr lang="en-US" dirty="0"/>
+          </a:p>
+        </p:txBody>
+      </p:sp>
+      <p:pic>
+        <p:nvPicPr>
+          <p:cNvPr id="4" name="Рисунок 22">
+            <a:extLst>
+              <a:ext uri="{FF2B5EF4-FFF2-40B4-BE49-F238E27FC236}">
+                <a16:creationId xmlns:a16="http://schemas.microsoft.com/office/drawing/2014/main" id="{F016CACA-8EC6-48EE-8070-0A2AD9DF8194}"/>
+              </a:ext>
+            </a:extLst>
+          </p:cNvPr>
+          <p:cNvPicPr>
+            <a:picLocks noGrp="1"/>
+          </p:cNvPicPr>
+          <p:nvPr>
+            <p:ph idx="1"/>
+          </p:nvPr>
+        </p:nvPicPr>
+        <p:blipFill>
+          <a:blip r:embed="rId2" cstate="print"/>
+          <a:srcRect/>
+          <a:stretch>
+            <a:fillRect/>
+          </a:stretch>
+        </p:blipFill>
+        <p:spPr bwMode="auto">
+          <a:xfrm>
+            <a:off x="1500173" y="2466866"/>
+            <a:ext cx="9040653" cy="4026009"/>
+          </a:xfrm>
+          <a:prstGeom prst="rect">
+            <a:avLst/>
+          </a:prstGeom>
+          <a:noFill/>
+          <a:ln w="9525">
+            <a:noFill/>
+            <a:miter lim="800000"/>
+            <a:headEnd/>
+            <a:tailEnd/>
+          </a:ln>
+        </p:spPr>
+      </p:pic>
+      <p:sp>
+        <p:nvSpPr>
+          <p:cNvPr id="5" name="Rectangle 4">
+            <a:extLst>
+              <a:ext uri="{FF2B5EF4-FFF2-40B4-BE49-F238E27FC236}">
+                <a16:creationId xmlns:a16="http://schemas.microsoft.com/office/drawing/2014/main" id="{7B32A535-A193-49F4-819E-A2F50D754503}"/>
+              </a:ext>
+            </a:extLst>
+          </p:cNvPr>
+          <p:cNvSpPr/>
+          <p:nvPr/>
+        </p:nvSpPr>
+        <p:spPr>
+          <a:xfrm>
+            <a:off x="838200" y="1697425"/>
+            <a:ext cx="10444992" cy="769441"/>
+          </a:xfrm>
+          <a:prstGeom prst="rect">
+            <a:avLst/>
+          </a:prstGeom>
+        </p:spPr>
+        <p:txBody>
+          <a:bodyPr wrap="square">
+            <a:spAutoFit/>
+          </a:bodyPr>
+          <a:lstStyle/>
+          <a:p>
+            <a:r>
+              <a:rPr lang="ru-RU" sz="2200" dirty="0">
+                <a:latin typeface="Times New Roman" panose="02020603050405020304" pitchFamily="18" charset="0"/>
+                <a:ea typeface="Calibri" panose="020F0502020204030204" pitchFamily="34" charset="0"/>
+              </a:rPr>
+              <a:t>В качестве обучающей выборки было взято 322 пациента: 150 с психологическими отклонениями, остальные 172 ­– без.</a:t>
+            </a:r>
+            <a:endParaRPr lang="en-US" sz="2200" dirty="0"/>
+          </a:p>
+        </p:txBody>
+      </p:sp>
+    </p:spTree>
+    <p:extLst>
+      <p:ext uri="{BB962C8B-B14F-4D97-AF65-F5344CB8AC3E}">
+        <p14:creationId xmlns:p14="http://schemas.microsoft.com/office/powerpoint/2010/main" val="1878175912"/>
+      </p:ext>
+    </p:extLst>
+  </p:cSld>
+  <p:clrMapOvr>
+    <a:masterClrMapping/>
+  </p:clrMapOvr>
+</p:sld>
+</file>
+
+<file path=ppt/slides/slide21.xml><?xml version="1.0" encoding="utf-8"?>
+<p:sld xmlns:a="http://schemas.openxmlformats.org/drawingml/2006/main" xmlns:r="http://schemas.openxmlformats.org/officeDocument/2006/relationships" xmlns:p="http://schemas.openxmlformats.org/presentationml/2006/main">
+  <p:cSld>
+    <p:spTree>
+      <p:nvGrpSpPr>
+        <p:cNvPr id="1" name=""/>
+        <p:cNvGrpSpPr/>
+        <p:nvPr/>
+      </p:nvGrpSpPr>
+      <p:grpSpPr>
+        <a:xfrm>
+          <a:off x="0" y="0"/>
+          <a:ext cx="0" cy="0"/>
+          <a:chOff x="0" y="0"/>
+          <a:chExt cx="0" cy="0"/>
+        </a:xfrm>
+      </p:grpSpPr>
+      <p:sp>
+        <p:nvSpPr>
+          <p:cNvPr id="2" name="Title 1">
+            <a:extLst>
+              <a:ext uri="{FF2B5EF4-FFF2-40B4-BE49-F238E27FC236}">
+                <a16:creationId xmlns:a16="http://schemas.microsoft.com/office/drawing/2014/main" id="{A4A7C30C-E969-44B0-9B15-DB7A8BBF3799}"/>
+              </a:ext>
+            </a:extLst>
+          </p:cNvPr>
+          <p:cNvSpPr>
+            <a:spLocks noGrp="1"/>
+          </p:cNvSpPr>
+          <p:nvPr>
+            <p:ph type="title"/>
+          </p:nvPr>
+        </p:nvSpPr>
+        <p:spPr/>
+        <p:txBody>
+          <a:bodyPr/>
+          <a:lstStyle/>
+          <a:p>
+            <a:r>
+              <a:rPr lang="ru-RU" dirty="0">
+                <a:latin typeface="Times New Roman" panose="02020603050405020304" pitchFamily="18" charset="0"/>
+                <a:cs typeface="Times New Roman" panose="02020603050405020304" pitchFamily="18" charset="0"/>
+              </a:rPr>
+              <a:t>Глава 4 Создание программного средства</a:t>
+            </a:r>
+            <a:br>
+              <a:rPr lang="en-US" dirty="0">
+                <a:latin typeface="Times New Roman" panose="02020603050405020304" pitchFamily="18" charset="0"/>
+                <a:cs typeface="Times New Roman" panose="02020603050405020304" pitchFamily="18" charset="0"/>
+              </a:rPr>
+            </a:br>
+            <a:r>
+              <a:rPr lang="ru-RU" dirty="0">
+                <a:latin typeface="Times New Roman" panose="02020603050405020304" pitchFamily="18" charset="0"/>
+                <a:cs typeface="Times New Roman" panose="02020603050405020304" pitchFamily="18" charset="0"/>
+              </a:rPr>
+              <a:t>4.</a:t>
+            </a:r>
+            <a:r>
+              <a:rPr lang="en-US" dirty="0">
+                <a:latin typeface="Times New Roman" panose="02020603050405020304" pitchFamily="18" charset="0"/>
+                <a:cs typeface="Times New Roman" panose="02020603050405020304" pitchFamily="18" charset="0"/>
+              </a:rPr>
+              <a:t>3</a:t>
+            </a:r>
+            <a:r>
+              <a:rPr lang="ru-RU" dirty="0">
+                <a:latin typeface="Times New Roman" panose="02020603050405020304" pitchFamily="18" charset="0"/>
+                <a:cs typeface="Times New Roman" panose="02020603050405020304" pitchFamily="18" charset="0"/>
+              </a:rPr>
+              <a:t> Результаты тестирования</a:t>
+            </a:r>
+            <a:endParaRPr lang="en-US" dirty="0"/>
+          </a:p>
+        </p:txBody>
+      </p:sp>
+      <mc:AlternateContent xmlns:mc="http://schemas.openxmlformats.org/markup-compatibility/2006">
+        <mc:Choice xmlns:a14="http://schemas.microsoft.com/office/drawing/2010/main" Requires="a14">
+          <p:sp>
+            <p:nvSpPr>
+              <p:cNvPr id="3" name="Content Placeholder 2">
+                <a:extLst>
+                  <a:ext uri="{FF2B5EF4-FFF2-40B4-BE49-F238E27FC236}">
+                    <a16:creationId xmlns:a16="http://schemas.microsoft.com/office/drawing/2014/main" id="{CB651CB3-CFE6-4169-B406-75E73FAA9938}"/>
+                  </a:ext>
+                </a:extLst>
+              </p:cNvPr>
+              <p:cNvSpPr>
+                <a:spLocks noGrp="1"/>
+              </p:cNvSpPr>
+              <p:nvPr>
+                <p:ph idx="1"/>
+              </p:nvPr>
+            </p:nvSpPr>
+            <p:spPr>
+              <a:xfrm>
+                <a:off x="838200" y="1825625"/>
+                <a:ext cx="10515600" cy="3878889"/>
+              </a:xfrm>
+            </p:spPr>
+            <p:txBody>
+              <a:bodyPr/>
+              <a:lstStyle/>
+              <a:p>
+                <a:pPr marL="0" indent="0">
+                  <a:buNone/>
+                </a:pPr>
+                <a:r>
+                  <a:rPr lang="ru-RU" dirty="0">
+                    <a:latin typeface="Times New Roman" panose="02020603050405020304" pitchFamily="18" charset="0"/>
+                    <a:cs typeface="Times New Roman" panose="02020603050405020304" pitchFamily="18" charset="0"/>
+                  </a:rPr>
+                  <a:t>Численная оценка качества алгоритма</a:t>
+                </a:r>
+              </a:p>
+              <a:p>
+                <a:pPr marL="0" indent="0">
+                  <a:buNone/>
+                </a:pPr>
+                <a:endParaRPr lang="ru-RU" dirty="0">
+                  <a:latin typeface="Times New Roman" panose="02020603050405020304" pitchFamily="18" charset="0"/>
+                  <a:cs typeface="Times New Roman" panose="02020603050405020304" pitchFamily="18" charset="0"/>
+                </a:endParaRPr>
+              </a:p>
+              <a:p>
+                <a:pPr marL="0" indent="0">
+                  <a:buNone/>
+                </a:pPr>
+                <a14:m>
+                  <m:oMathPara xmlns:m="http://schemas.openxmlformats.org/officeDocument/2006/math">
+                    <m:oMathParaPr>
+                      <m:jc m:val="centerGroup"/>
+                    </m:oMathParaPr>
+                    <m:oMath xmlns:m="http://schemas.openxmlformats.org/officeDocument/2006/math">
+                      <m:r>
+                        <a:rPr lang="en-US" b="0" i="1" smtClean="0">
+                          <a:latin typeface="Cambria Math" panose="02040503050406030204" pitchFamily="18" charset="0"/>
+                          <a:cs typeface="Times New Roman" panose="02020603050405020304" pitchFamily="18" charset="0"/>
+                        </a:rPr>
+                        <m:t>𝐴𝑐𝑐𝑢𝑟𝑎𝑐𝑦</m:t>
+                      </m:r>
+                      <m:r>
+                        <a:rPr lang="en-US" i="1" smtClean="0">
+                          <a:latin typeface="Cambria Math" panose="02040503050406030204" pitchFamily="18" charset="0"/>
+                          <a:cs typeface="Times New Roman" panose="02020603050405020304" pitchFamily="18" charset="0"/>
+                        </a:rPr>
+                        <m:t>=</m:t>
+                      </m:r>
+                      <m:f>
+                        <m:fPr>
+                          <m:ctrlPr>
+                            <a:rPr lang="en-US" i="1" smtClean="0">
+                              <a:latin typeface="Cambria Math" panose="02040503050406030204" pitchFamily="18" charset="0"/>
+                              <a:cs typeface="Times New Roman" panose="02020603050405020304" pitchFamily="18" charset="0"/>
+                            </a:rPr>
+                          </m:ctrlPr>
+                        </m:fPr>
+                        <m:num>
+                          <m:r>
+                            <a:rPr lang="en-US" b="0" i="1" smtClean="0">
+                              <a:latin typeface="Cambria Math" panose="02040503050406030204" pitchFamily="18" charset="0"/>
+                              <a:cs typeface="Times New Roman" panose="02020603050405020304" pitchFamily="18" charset="0"/>
+                            </a:rPr>
+                            <m:t>𝑃</m:t>
+                          </m:r>
+                        </m:num>
+                        <m:den>
+                          <m:r>
+                            <a:rPr lang="en-US" b="0" i="1" smtClean="0">
+                              <a:latin typeface="Cambria Math" panose="02040503050406030204" pitchFamily="18" charset="0"/>
+                              <a:cs typeface="Times New Roman" panose="02020603050405020304" pitchFamily="18" charset="0"/>
+                            </a:rPr>
+                            <m:t>𝑁</m:t>
+                          </m:r>
+                        </m:den>
+                      </m:f>
+                      <m:r>
+                        <a:rPr lang="en-US" b="0" i="1" smtClean="0">
+                          <a:latin typeface="Cambria Math" panose="02040503050406030204" pitchFamily="18" charset="0"/>
+                          <a:cs typeface="Times New Roman" panose="02020603050405020304" pitchFamily="18" charset="0"/>
+                        </a:rPr>
+                        <m:t>=</m:t>
+                      </m:r>
+                      <m:f>
+                        <m:fPr>
+                          <m:ctrlPr>
+                            <a:rPr lang="en-US" i="1">
+                              <a:latin typeface="Cambria Math" panose="02040503050406030204" pitchFamily="18" charset="0"/>
+                              <a:cs typeface="Times New Roman" panose="02020603050405020304" pitchFamily="18" charset="0"/>
+                            </a:rPr>
+                          </m:ctrlPr>
+                        </m:fPr>
+                        <m:num>
+                          <m:r>
+                            <a:rPr lang="en-US" b="0" i="1" smtClean="0">
+                              <a:latin typeface="Cambria Math" panose="02040503050406030204" pitchFamily="18" charset="0"/>
+                              <a:cs typeface="Times New Roman" panose="02020603050405020304" pitchFamily="18" charset="0"/>
+                            </a:rPr>
+                            <m:t>132</m:t>
+                          </m:r>
+                        </m:num>
+                        <m:den>
+                          <m:r>
+                            <a:rPr lang="en-US" b="0" i="1" smtClean="0">
+                              <a:latin typeface="Cambria Math" panose="02040503050406030204" pitchFamily="18" charset="0"/>
+                              <a:cs typeface="Times New Roman" panose="02020603050405020304" pitchFamily="18" charset="0"/>
+                            </a:rPr>
+                            <m:t>151</m:t>
+                          </m:r>
+                        </m:den>
+                      </m:f>
+                      <m:r>
+                        <a:rPr lang="en-US" b="0" i="1" smtClean="0">
+                          <a:latin typeface="Cambria Math" panose="02040503050406030204" pitchFamily="18" charset="0"/>
+                          <a:cs typeface="Times New Roman" panose="02020603050405020304" pitchFamily="18" charset="0"/>
+                        </a:rPr>
+                        <m:t>=87% </m:t>
+                      </m:r>
+                    </m:oMath>
+                  </m:oMathPara>
+                </a14:m>
+                <a:endParaRPr lang="ru-RU" dirty="0">
+                  <a:latin typeface="Times New Roman" panose="02020603050405020304" pitchFamily="18" charset="0"/>
+                  <a:cs typeface="Times New Roman" panose="02020603050405020304" pitchFamily="18" charset="0"/>
+                </a:endParaRPr>
+              </a:p>
+              <a:p>
+                <a:pPr marL="0" indent="0">
+                  <a:buNone/>
+                </a:pPr>
+                <a:endParaRPr lang="ru-RU" dirty="0">
+                  <a:latin typeface="Times New Roman" panose="02020603050405020304" pitchFamily="18" charset="0"/>
+                  <a:cs typeface="Times New Roman" panose="02020603050405020304" pitchFamily="18" charset="0"/>
+                </a:endParaRPr>
+              </a:p>
+              <a:p>
+                <a:pPr marL="0" indent="0">
+                  <a:buNone/>
+                </a:pPr>
+                <a:r>
+                  <a:rPr lang="ru-RU" dirty="0">
+                    <a:latin typeface="Times New Roman" panose="02020603050405020304" pitchFamily="18" charset="0"/>
+                    <a:cs typeface="Times New Roman" panose="02020603050405020304" pitchFamily="18" charset="0"/>
+                  </a:rPr>
+                  <a:t>где P – количество пациентов по которым классификатор принял правильное решение</a:t>
+                </a:r>
+                <a:r>
+                  <a:rPr lang="en-US" dirty="0">
+                    <a:latin typeface="Times New Roman" panose="02020603050405020304" pitchFamily="18" charset="0"/>
+                    <a:cs typeface="Times New Roman" panose="02020603050405020304" pitchFamily="18" charset="0"/>
+                  </a:rPr>
+                  <a:t>;</a:t>
+                </a:r>
+              </a:p>
+              <a:p>
+                <a:pPr marL="0" indent="0">
+                  <a:buNone/>
+                </a:pPr>
+                <a:r>
+                  <a:rPr lang="ru-RU" dirty="0">
+                    <a:latin typeface="Times New Roman" panose="02020603050405020304" pitchFamily="18" charset="0"/>
+                    <a:cs typeface="Times New Roman" panose="02020603050405020304" pitchFamily="18" charset="0"/>
+                  </a:rPr>
+                  <a:t>      N – размер выборки.</a:t>
+                </a:r>
+                <a:endParaRPr lang="en-US" dirty="0"/>
+              </a:p>
+              <a:p>
+                <a:pPr marL="0" indent="0">
+                  <a:buNone/>
+                </a:pPr>
+                <a:endParaRPr lang="en-US" dirty="0">
+                  <a:latin typeface="Times New Roman" panose="02020603050405020304" pitchFamily="18" charset="0"/>
+                  <a:cs typeface="Times New Roman" panose="02020603050405020304" pitchFamily="18" charset="0"/>
+                </a:endParaRPr>
+              </a:p>
+            </p:txBody>
+          </p:sp>
+        </mc:Choice>
+        <mc:Fallback>
+          <p:sp>
+            <p:nvSpPr>
+              <p:cNvPr id="3" name="Content Placeholder 2">
+                <a:extLst>
+                  <a:ext uri="{FF2B5EF4-FFF2-40B4-BE49-F238E27FC236}">
+                    <a16:creationId xmlns:a16="http://schemas.microsoft.com/office/drawing/2014/main" id="{CB651CB3-CFE6-4169-B406-75E73FAA9938}"/>
+                  </a:ext>
+                </a:extLst>
+              </p:cNvPr>
+              <p:cNvSpPr>
+                <a:spLocks noGrp="1" noRot="1" noChangeAspect="1" noMove="1" noResize="1" noEditPoints="1" noAdjustHandles="1" noChangeArrowheads="1" noChangeShapeType="1" noTextEdit="1"/>
+              </p:cNvSpPr>
+              <p:nvPr>
+                <p:ph idx="1"/>
+              </p:nvPr>
+            </p:nvSpPr>
+            <p:spPr>
+              <a:xfrm>
+                <a:off x="838200" y="1825625"/>
+                <a:ext cx="10515600" cy="3878889"/>
+              </a:xfrm>
+              <a:blipFill>
+                <a:blip r:embed="rId2"/>
+                <a:stretch>
+                  <a:fillRect l="-1217" t="-2669"/>
+                </a:stretch>
+              </a:blipFill>
+            </p:spPr>
+            <p:txBody>
+              <a:bodyPr/>
+              <a:lstStyle/>
+              <a:p>
+                <a:r>
+                  <a:rPr lang="en-US">
+                    <a:noFill/>
+                  </a:rPr>
+                  <a:t> </a:t>
+                </a:r>
+              </a:p>
+            </p:txBody>
+          </p:sp>
+        </mc:Fallback>
+      </mc:AlternateContent>
+    </p:spTree>
+    <p:extLst>
+      <p:ext uri="{BB962C8B-B14F-4D97-AF65-F5344CB8AC3E}">
+        <p14:creationId xmlns:p14="http://schemas.microsoft.com/office/powerpoint/2010/main" val="360547887"/>
+      </p:ext>
+    </p:extLst>
+  </p:cSld>
+  <p:clrMapOvr>
+    <a:masterClrMapping/>
+  </p:clrMapOvr>
+</p:sld>
+</file>
+
+<file path=ppt/slides/slide22.xml><?xml version="1.0" encoding="utf-8"?>
+<p:sld xmlns:a="http://schemas.openxmlformats.org/drawingml/2006/main" xmlns:r="http://schemas.openxmlformats.org/officeDocument/2006/relationships" xmlns:p="http://schemas.openxmlformats.org/presentationml/2006/main">
+  <p:cSld>
+    <p:spTree>
+      <p:nvGrpSpPr>
+        <p:cNvPr id="1" name=""/>
+        <p:cNvGrpSpPr/>
+        <p:nvPr/>
+      </p:nvGrpSpPr>
+      <p:grpSpPr>
+        <a:xfrm>
+          <a:off x="0" y="0"/>
+          <a:ext cx="0" cy="0"/>
+          <a:chOff x="0" y="0"/>
+          <a:chExt cx="0" cy="0"/>
+        </a:xfrm>
+      </p:grpSpPr>
+      <p:sp>
+        <p:nvSpPr>
+          <p:cNvPr id="2" name="Title 1">
+            <a:extLst>
+              <a:ext uri="{FF2B5EF4-FFF2-40B4-BE49-F238E27FC236}">
+                <a16:creationId xmlns:a16="http://schemas.microsoft.com/office/drawing/2014/main" id="{275CC5C1-8622-4A7B-8184-FD735871F4DE}"/>
+              </a:ext>
+            </a:extLst>
+          </p:cNvPr>
+          <p:cNvSpPr>
+            <a:spLocks noGrp="1"/>
+          </p:cNvSpPr>
+          <p:nvPr>
+            <p:ph type="title"/>
+          </p:nvPr>
+        </p:nvSpPr>
+        <p:spPr>
+          <a:xfrm>
+            <a:off x="838200" y="365125"/>
+            <a:ext cx="10515600" cy="6035675"/>
+          </a:xfrm>
+        </p:spPr>
+        <p:txBody>
+          <a:bodyPr/>
+          <a:lstStyle/>
+          <a:p>
+            <a:pPr algn="ctr"/>
+            <a:r>
+              <a:rPr lang="ru-RU" dirty="0">
+                <a:latin typeface="Times New Roman" panose="02020603050405020304" pitchFamily="18" charset="0"/>
+                <a:cs typeface="Times New Roman" panose="02020603050405020304" pitchFamily="18" charset="0"/>
+              </a:rPr>
+              <a:t>Спасибо за внимание</a:t>
+            </a:r>
+            <a:endParaRPr lang="en-US" dirty="0">
+              <a:latin typeface="Times New Roman" panose="02020603050405020304" pitchFamily="18" charset="0"/>
+              <a:cs typeface="Times New Roman" panose="02020603050405020304" pitchFamily="18" charset="0"/>
+            </a:endParaRPr>
+          </a:p>
+        </p:txBody>
+      </p:sp>
+    </p:spTree>
+    <p:extLst>
+      <p:ext uri="{BB962C8B-B14F-4D97-AF65-F5344CB8AC3E}">
+        <p14:creationId xmlns:p14="http://schemas.microsoft.com/office/powerpoint/2010/main" val="471387438"/>
       </p:ext>
     </p:extLst>
   </p:cSld>
@@ -3808,7 +6088,7 @@
           <p:cNvPr id="2" name="Title 1">
             <a:extLst>
               <a:ext uri="{FF2B5EF4-FFF2-40B4-BE49-F238E27FC236}">
-                <a16:creationId xmlns:a16="http://schemas.microsoft.com/office/drawing/2014/main" xmlns="" id="{1944AB02-4A29-4461-B2D6-55350603B333}"/>
+                <a16:creationId xmlns:a16="http://schemas.microsoft.com/office/drawing/2014/main" id="{1944AB02-4A29-4461-B2D6-55350603B333}"/>
               </a:ext>
             </a:extLst>
           </p:cNvPr>
@@ -3819,7 +6099,12 @@
             <p:ph type="title"/>
           </p:nvPr>
         </p:nvSpPr>
-        <p:spPr/>
+        <p:spPr>
+          <a:xfrm>
+            <a:off x="838200" y="0"/>
+            <a:ext cx="10515600" cy="1325563"/>
+          </a:xfrm>
+        </p:spPr>
         <p:txBody>
           <a:bodyPr/>
           <a:lstStyle/>
@@ -3843,7 +6128,7 @@
           <p:cNvPr id="3" name="Content Placeholder 2">
             <a:extLst>
               <a:ext uri="{FF2B5EF4-FFF2-40B4-BE49-F238E27FC236}">
-                <a16:creationId xmlns:a16="http://schemas.microsoft.com/office/drawing/2014/main" xmlns="" id="{D0EE5694-38B3-40E4-93B0-84A9D04EF55C}"/>
+                <a16:creationId xmlns:a16="http://schemas.microsoft.com/office/drawing/2014/main" id="{D0EE5694-38B3-40E4-93B0-84A9D04EF55C}"/>
               </a:ext>
             </a:extLst>
           </p:cNvPr>
@@ -3879,7 +6164,7 @@
     </p:spTree>
     <p:extLst>
       <p:ext uri="{BB962C8B-B14F-4D97-AF65-F5344CB8AC3E}">
-        <p14:creationId xmlns:p14="http://schemas.microsoft.com/office/powerpoint/2010/main" xmlns="" val="2008154732"/>
+        <p14:creationId xmlns:p14="http://schemas.microsoft.com/office/powerpoint/2010/main" val="2008154732"/>
       </p:ext>
     </p:extLst>
   </p:cSld>
@@ -3908,77 +6193,24 @@
       </p:grpSpPr>
       <p:sp>
         <p:nvSpPr>
-          <p:cNvPr id="2" name="Title 1">
-            <a:extLst>
-              <a:ext uri="{FF2B5EF4-FFF2-40B4-BE49-F238E27FC236}">
-                <a16:creationId xmlns:a16="http://schemas.microsoft.com/office/drawing/2014/main" xmlns="" id="{D5766A50-F848-4E27-AF70-6DF2A6C663D5}"/>
-              </a:ext>
-            </a:extLst>
-          </p:cNvPr>
-          <p:cNvSpPr>
-            <a:spLocks noGrp="1"/>
-          </p:cNvSpPr>
-          <p:nvPr>
-            <p:ph type="title"/>
-          </p:nvPr>
-        </p:nvSpPr>
-        <p:spPr>
-          <a:xfrm>
-            <a:off x="838199" y="0"/>
-            <a:ext cx="10515600" cy="1325563"/>
-          </a:xfrm>
-        </p:spPr>
-        <p:txBody>
-          <a:bodyPr/>
-          <a:lstStyle/>
-          <a:p>
-            <a:r>
-              <a:rPr lang="ru-RU" dirty="0">
-                <a:latin typeface="Times New Roman" panose="02020603050405020304" pitchFamily="18" charset="0"/>
-                <a:cs typeface="Times New Roman" panose="02020603050405020304" pitchFamily="18" charset="0"/>
-              </a:rPr>
-              <a:t>Архитектура</a:t>
-            </a:r>
-            <a:endParaRPr lang="en-US" dirty="0">
-              <a:latin typeface="Times New Roman" panose="02020603050405020304" pitchFamily="18" charset="0"/>
-              <a:cs typeface="Times New Roman" panose="02020603050405020304" pitchFamily="18" charset="0"/>
-            </a:endParaRPr>
-          </a:p>
-        </p:txBody>
-      </p:sp>
-      <p:pic>
-        <p:nvPicPr>
-          <p:cNvPr id="4" name="Content Placeholder 3" descr="architecture">
-            <a:extLst>
-              <a:ext uri="{FF2B5EF4-FFF2-40B4-BE49-F238E27FC236}">
-                <a16:creationId xmlns:a16="http://schemas.microsoft.com/office/drawing/2014/main" xmlns="" id="{7921FA0E-3CF4-439E-84BF-46D03DCEA11A}"/>
-              </a:ext>
-            </a:extLst>
-          </p:cNvPr>
-          <p:cNvPicPr>
-            <a:picLocks noGrp="1"/>
-          </p:cNvPicPr>
+          <p:cNvPr id="8" name="Rectangle 5">
+            <a:extLst>
+              <a:ext uri="{FF2B5EF4-FFF2-40B4-BE49-F238E27FC236}">
+                <a16:creationId xmlns:a16="http://schemas.microsoft.com/office/drawing/2014/main" id="{6DA16DC7-CACC-4A15-9C8F-EC168DD92390}"/>
+              </a:ext>
+            </a:extLst>
+          </p:cNvPr>
+          <p:cNvSpPr>
+            <a:spLocks noGrp="1" noChangeArrowheads="1"/>
+          </p:cNvSpPr>
           <p:nvPr>
             <p:ph idx="1"/>
           </p:nvPr>
-        </p:nvPicPr>
-        <p:blipFill>
-          <a:blip r:embed="rId2" cstate="print">
-            <a:extLst>
-              <a:ext uri="{28A0092B-C50C-407E-A947-70E740481C1C}">
-                <a14:useLocalDpi xmlns:a14="http://schemas.microsoft.com/office/drawing/2010/main" xmlns="" val="0"/>
-              </a:ext>
-            </a:extLst>
-          </a:blip>
-          <a:srcRect/>
-          <a:stretch>
-            <a:fillRect/>
-          </a:stretch>
-        </p:blipFill>
+        </p:nvSpPr>
         <p:spPr bwMode="auto">
           <a:xfrm>
-            <a:off x="2130938" y="587464"/>
-            <a:ext cx="7930123" cy="5905411"/>
+            <a:off x="838200" y="952501"/>
+            <a:ext cx="9971897" cy="5786199"/>
           </a:xfrm>
           <a:prstGeom prst="rect">
             <a:avLst/>
@@ -3987,12 +6219,924 @@
           <a:ln>
             <a:noFill/>
           </a:ln>
+          <a:effectLst/>
+          <a:extLst>
+            <a:ext uri="{909E8E84-426E-40DD-AFC4-6F175D3DCCD1}">
+              <a14:hiddenFill xmlns:a14="http://schemas.microsoft.com/office/drawing/2010/main">
+                <a:solidFill>
+                  <a:schemeClr val="accent1"/>
+                </a:solidFill>
+              </a14:hiddenFill>
+            </a:ext>
+            <a:ext uri="{91240B29-F687-4F45-9708-019B960494DF}">
+              <a14:hiddenLine xmlns:a14="http://schemas.microsoft.com/office/drawing/2010/main" w="9525">
+                <a:solidFill>
+                  <a:schemeClr val="tx1"/>
+                </a:solidFill>
+                <a:miter lim="800000"/>
+                <a:headEnd/>
+                <a:tailEnd/>
+              </a14:hiddenLine>
+            </a:ext>
+            <a:ext uri="{AF507438-7753-43E0-B8FC-AC1667EBCBE1}">
+              <a14:hiddenEffects xmlns:a14="http://schemas.microsoft.com/office/drawing/2010/main">
+                <a:effectLst>
+                  <a:outerShdw dist="35921" dir="2700000" algn="ctr" rotWithShape="0">
+                    <a:schemeClr val="bg2"/>
+                  </a:outerShdw>
+                </a:effectLst>
+              </a14:hiddenEffects>
+            </a:ext>
+          </a:extLst>
         </p:spPr>
-      </p:pic>
+        <p:txBody>
+          <a:bodyPr vert="horz" wrap="none" lIns="91440" tIns="45720" rIns="91440" bIns="45720" numCol="1" anchor="ctr" anchorCtr="0" compatLnSpc="1">
+            <a:prstTxWarp prst="textNoShape">
+              <a:avLst/>
+            </a:prstTxWarp>
+            <a:spAutoFit/>
+          </a:bodyPr>
+          <a:lstStyle>
+            <a:lvl1pPr eaLnBrk="0" fontAlgn="base" hangingPunct="0">
+              <a:spcBef>
+                <a:spcPct val="0"/>
+              </a:spcBef>
+              <a:spcAft>
+                <a:spcPct val="0"/>
+              </a:spcAft>
+              <a:tabLst>
+                <a:tab pos="6113463" algn="r"/>
+              </a:tabLst>
+              <a:defRPr>
+                <a:solidFill>
+                  <a:schemeClr val="tx1"/>
+                </a:solidFill>
+                <a:latin typeface="Arial" panose="020B0604020202020204" pitchFamily="34" charset="0"/>
+              </a:defRPr>
+            </a:lvl1pPr>
+            <a:lvl2pPr eaLnBrk="0" fontAlgn="base" hangingPunct="0">
+              <a:spcBef>
+                <a:spcPct val="0"/>
+              </a:spcBef>
+              <a:spcAft>
+                <a:spcPct val="0"/>
+              </a:spcAft>
+              <a:tabLst>
+                <a:tab pos="6113463" algn="r"/>
+              </a:tabLst>
+              <a:defRPr>
+                <a:solidFill>
+                  <a:schemeClr val="tx1"/>
+                </a:solidFill>
+                <a:latin typeface="Arial" panose="020B0604020202020204" pitchFamily="34" charset="0"/>
+              </a:defRPr>
+            </a:lvl2pPr>
+            <a:lvl3pPr eaLnBrk="0" fontAlgn="base" hangingPunct="0">
+              <a:spcBef>
+                <a:spcPct val="0"/>
+              </a:spcBef>
+              <a:spcAft>
+                <a:spcPct val="0"/>
+              </a:spcAft>
+              <a:tabLst>
+                <a:tab pos="6113463" algn="r"/>
+              </a:tabLst>
+              <a:defRPr>
+                <a:solidFill>
+                  <a:schemeClr val="tx1"/>
+                </a:solidFill>
+                <a:latin typeface="Arial" panose="020B0604020202020204" pitchFamily="34" charset="0"/>
+              </a:defRPr>
+            </a:lvl3pPr>
+            <a:lvl4pPr eaLnBrk="0" fontAlgn="base" hangingPunct="0">
+              <a:spcBef>
+                <a:spcPct val="0"/>
+              </a:spcBef>
+              <a:spcAft>
+                <a:spcPct val="0"/>
+              </a:spcAft>
+              <a:tabLst>
+                <a:tab pos="6113463" algn="r"/>
+              </a:tabLst>
+              <a:defRPr>
+                <a:solidFill>
+                  <a:schemeClr val="tx1"/>
+                </a:solidFill>
+                <a:latin typeface="Arial" panose="020B0604020202020204" pitchFamily="34" charset="0"/>
+              </a:defRPr>
+            </a:lvl4pPr>
+            <a:lvl5pPr eaLnBrk="0" fontAlgn="base" hangingPunct="0">
+              <a:spcBef>
+                <a:spcPct val="0"/>
+              </a:spcBef>
+              <a:spcAft>
+                <a:spcPct val="0"/>
+              </a:spcAft>
+              <a:tabLst>
+                <a:tab pos="6113463" algn="r"/>
+              </a:tabLst>
+              <a:defRPr>
+                <a:solidFill>
+                  <a:schemeClr val="tx1"/>
+                </a:solidFill>
+                <a:latin typeface="Arial" panose="020B0604020202020204" pitchFamily="34" charset="0"/>
+              </a:defRPr>
+            </a:lvl5pPr>
+            <a:lvl6pPr eaLnBrk="0" fontAlgn="base" hangingPunct="0">
+              <a:spcBef>
+                <a:spcPct val="0"/>
+              </a:spcBef>
+              <a:spcAft>
+                <a:spcPct val="0"/>
+              </a:spcAft>
+              <a:tabLst>
+                <a:tab pos="6113463" algn="r"/>
+              </a:tabLst>
+              <a:defRPr>
+                <a:solidFill>
+                  <a:schemeClr val="tx1"/>
+                </a:solidFill>
+                <a:latin typeface="Arial" panose="020B0604020202020204" pitchFamily="34" charset="0"/>
+              </a:defRPr>
+            </a:lvl6pPr>
+            <a:lvl7pPr eaLnBrk="0" fontAlgn="base" hangingPunct="0">
+              <a:spcBef>
+                <a:spcPct val="0"/>
+              </a:spcBef>
+              <a:spcAft>
+                <a:spcPct val="0"/>
+              </a:spcAft>
+              <a:tabLst>
+                <a:tab pos="6113463" algn="r"/>
+              </a:tabLst>
+              <a:defRPr>
+                <a:solidFill>
+                  <a:schemeClr val="tx1"/>
+                </a:solidFill>
+                <a:latin typeface="Arial" panose="020B0604020202020204" pitchFamily="34" charset="0"/>
+              </a:defRPr>
+            </a:lvl7pPr>
+            <a:lvl8pPr eaLnBrk="0" fontAlgn="base" hangingPunct="0">
+              <a:spcBef>
+                <a:spcPct val="0"/>
+              </a:spcBef>
+              <a:spcAft>
+                <a:spcPct val="0"/>
+              </a:spcAft>
+              <a:tabLst>
+                <a:tab pos="6113463" algn="r"/>
+              </a:tabLst>
+              <a:defRPr>
+                <a:solidFill>
+                  <a:schemeClr val="tx1"/>
+                </a:solidFill>
+                <a:latin typeface="Arial" panose="020B0604020202020204" pitchFamily="34" charset="0"/>
+              </a:defRPr>
+            </a:lvl8pPr>
+            <a:lvl9pPr eaLnBrk="0" fontAlgn="base" hangingPunct="0">
+              <a:spcBef>
+                <a:spcPct val="0"/>
+              </a:spcBef>
+              <a:spcAft>
+                <a:spcPct val="0"/>
+              </a:spcAft>
+              <a:tabLst>
+                <a:tab pos="6113463" algn="r"/>
+              </a:tabLst>
+              <a:defRPr>
+                <a:solidFill>
+                  <a:schemeClr val="tx1"/>
+                </a:solidFill>
+                <a:latin typeface="Arial" panose="020B0604020202020204" pitchFamily="34" charset="0"/>
+              </a:defRPr>
+            </a:lvl9pPr>
+          </a:lstStyle>
+          <a:p>
+            <a:pPr marL="0" marR="0" lvl="0" indent="0" algn="l" defTabSz="914400" rtl="0" eaLnBrk="0" fontAlgn="base" latinLnBrk="0" hangingPunct="0">
+              <a:lnSpc>
+                <a:spcPct val="100000"/>
+              </a:lnSpc>
+              <a:spcBef>
+                <a:spcPct val="0"/>
+              </a:spcBef>
+              <a:spcAft>
+                <a:spcPct val="0"/>
+              </a:spcAft>
+              <a:buClrTx/>
+              <a:buSzTx/>
+              <a:buFontTx/>
+              <a:buNone/>
+              <a:tabLst>
+                <a:tab pos="6113463" algn="r"/>
+              </a:tabLst>
+            </a:pPr>
+            <a:r>
+              <a:rPr lang="ru-RU" altLang="en-US" sz="2000" dirty="0">
+                <a:latin typeface="Times New Roman" panose="02020603050405020304" pitchFamily="18" charset="0"/>
+                <a:ea typeface="+mj-ea"/>
+                <a:cs typeface="Times New Roman" panose="02020603050405020304" pitchFamily="18" charset="0"/>
+              </a:rPr>
+              <a:t>Глава 1 Анализ методов и способов распознавания психологического состояния человека</a:t>
+            </a:r>
+            <a:endParaRPr lang="en-US" altLang="en-US" sz="2000" dirty="0">
+              <a:latin typeface="Times New Roman" panose="02020603050405020304" pitchFamily="18" charset="0"/>
+              <a:ea typeface="+mj-ea"/>
+              <a:cs typeface="Times New Roman" panose="02020603050405020304" pitchFamily="18" charset="0"/>
+            </a:endParaRPr>
+          </a:p>
+          <a:p>
+            <a:pPr marL="0" marR="0" lvl="0" indent="0" algn="l" defTabSz="914400" rtl="0" eaLnBrk="0" fontAlgn="base" latinLnBrk="0" hangingPunct="0">
+              <a:lnSpc>
+                <a:spcPct val="100000"/>
+              </a:lnSpc>
+              <a:spcBef>
+                <a:spcPct val="0"/>
+              </a:spcBef>
+              <a:spcAft>
+                <a:spcPct val="0"/>
+              </a:spcAft>
+              <a:buClrTx/>
+              <a:buSzTx/>
+              <a:buFontTx/>
+              <a:buNone/>
+              <a:tabLst>
+                <a:tab pos="6113463" algn="r"/>
+              </a:tabLst>
+            </a:pPr>
+            <a:r>
+              <a:rPr lang="ru-RU" altLang="en-US" sz="2000" dirty="0">
+                <a:latin typeface="Times New Roman" panose="02020603050405020304" pitchFamily="18" charset="0"/>
+                <a:ea typeface="+mj-ea"/>
+                <a:cs typeface="Times New Roman" panose="02020603050405020304" pitchFamily="18" charset="0"/>
+              </a:rPr>
+              <a:t>     1.1 Цифровая психотерапия</a:t>
+            </a:r>
+            <a:endParaRPr lang="en-US" altLang="en-US" sz="2000" dirty="0">
+              <a:latin typeface="Times New Roman" panose="02020603050405020304" pitchFamily="18" charset="0"/>
+              <a:ea typeface="+mj-ea"/>
+              <a:cs typeface="Times New Roman" panose="02020603050405020304" pitchFamily="18" charset="0"/>
+            </a:endParaRPr>
+          </a:p>
+          <a:p>
+            <a:pPr marL="0" marR="0" lvl="0" indent="0" algn="l" defTabSz="914400" rtl="0" eaLnBrk="0" fontAlgn="base" latinLnBrk="0" hangingPunct="0">
+              <a:lnSpc>
+                <a:spcPct val="100000"/>
+              </a:lnSpc>
+              <a:spcBef>
+                <a:spcPct val="0"/>
+              </a:spcBef>
+              <a:spcAft>
+                <a:spcPct val="0"/>
+              </a:spcAft>
+              <a:buClrTx/>
+              <a:buSzTx/>
+              <a:buFontTx/>
+              <a:buNone/>
+              <a:tabLst>
+                <a:tab pos="6113463" algn="r"/>
+              </a:tabLst>
+            </a:pPr>
+            <a:r>
+              <a:rPr lang="ru-RU" altLang="en-US" sz="2000" dirty="0">
+                <a:latin typeface="Times New Roman" panose="02020603050405020304" pitchFamily="18" charset="0"/>
+                <a:ea typeface="+mj-ea"/>
+                <a:cs typeface="Times New Roman" panose="02020603050405020304" pitchFamily="18" charset="0"/>
+              </a:rPr>
+              <a:t>     1.2 Источники поведенческих данных</a:t>
+            </a:r>
+            <a:endParaRPr lang="en-US" altLang="en-US" sz="2000" dirty="0">
+              <a:latin typeface="Times New Roman" panose="02020603050405020304" pitchFamily="18" charset="0"/>
+              <a:ea typeface="+mj-ea"/>
+              <a:cs typeface="Times New Roman" panose="02020603050405020304" pitchFamily="18" charset="0"/>
+            </a:endParaRPr>
+          </a:p>
+          <a:p>
+            <a:pPr marL="0" marR="0" lvl="0" indent="0" algn="l" defTabSz="914400" rtl="0" eaLnBrk="0" fontAlgn="base" latinLnBrk="0" hangingPunct="0">
+              <a:lnSpc>
+                <a:spcPct val="100000"/>
+              </a:lnSpc>
+              <a:spcBef>
+                <a:spcPct val="0"/>
+              </a:spcBef>
+              <a:spcAft>
+                <a:spcPct val="0"/>
+              </a:spcAft>
+              <a:buClrTx/>
+              <a:buSzTx/>
+              <a:buFontTx/>
+              <a:buNone/>
+              <a:tabLst>
+                <a:tab pos="6113463" algn="r"/>
+              </a:tabLst>
+            </a:pPr>
+            <a:r>
+              <a:rPr lang="ru-RU" altLang="en-US" sz="2000" dirty="0">
+                <a:latin typeface="Times New Roman" panose="02020603050405020304" pitchFamily="18" charset="0"/>
+                <a:ea typeface="+mj-ea"/>
+                <a:cs typeface="Times New Roman" panose="02020603050405020304" pitchFamily="18" charset="0"/>
+              </a:rPr>
+              <a:t>     1.3 Существующие решения</a:t>
+            </a:r>
+            <a:endParaRPr lang="en-US" altLang="en-US" sz="2000" dirty="0">
+              <a:latin typeface="Times New Roman" panose="02020603050405020304" pitchFamily="18" charset="0"/>
+              <a:ea typeface="+mj-ea"/>
+              <a:cs typeface="Times New Roman" panose="02020603050405020304" pitchFamily="18" charset="0"/>
+            </a:endParaRPr>
+          </a:p>
+          <a:p>
+            <a:pPr marL="0" marR="0" lvl="0" indent="0" algn="l" defTabSz="914400" rtl="0" eaLnBrk="0" fontAlgn="base" latinLnBrk="0" hangingPunct="0">
+              <a:lnSpc>
+                <a:spcPct val="100000"/>
+              </a:lnSpc>
+              <a:spcBef>
+                <a:spcPct val="0"/>
+              </a:spcBef>
+              <a:spcAft>
+                <a:spcPct val="0"/>
+              </a:spcAft>
+              <a:buClrTx/>
+              <a:buSzTx/>
+              <a:buFontTx/>
+              <a:buNone/>
+              <a:tabLst>
+                <a:tab pos="6113463" algn="r"/>
+              </a:tabLst>
+            </a:pPr>
+            <a:r>
+              <a:rPr lang="ru-RU" altLang="en-US" sz="2000" dirty="0">
+                <a:latin typeface="Times New Roman" panose="02020603050405020304" pitchFamily="18" charset="0"/>
+                <a:ea typeface="+mj-ea"/>
+                <a:cs typeface="Times New Roman" panose="02020603050405020304" pitchFamily="18" charset="0"/>
+              </a:rPr>
+              <a:t>     1.4 Постановка задач на исследование</a:t>
+            </a:r>
+            <a:endParaRPr lang="en-US" altLang="en-US" sz="2000" dirty="0">
+              <a:latin typeface="Times New Roman" panose="02020603050405020304" pitchFamily="18" charset="0"/>
+              <a:ea typeface="+mj-ea"/>
+              <a:cs typeface="Times New Roman" panose="02020603050405020304" pitchFamily="18" charset="0"/>
+            </a:endParaRPr>
+          </a:p>
+          <a:p>
+            <a:pPr marL="0" marR="0" lvl="0" indent="0" algn="l" defTabSz="914400" rtl="0" eaLnBrk="0" fontAlgn="base" latinLnBrk="0" hangingPunct="0">
+              <a:lnSpc>
+                <a:spcPct val="100000"/>
+              </a:lnSpc>
+              <a:spcBef>
+                <a:spcPct val="0"/>
+              </a:spcBef>
+              <a:spcAft>
+                <a:spcPct val="0"/>
+              </a:spcAft>
+              <a:buClrTx/>
+              <a:buSzTx/>
+              <a:buFontTx/>
+              <a:buNone/>
+              <a:tabLst>
+                <a:tab pos="6113463" algn="r"/>
+              </a:tabLst>
+            </a:pPr>
+            <a:r>
+              <a:rPr lang="ru-RU" altLang="en-US" sz="2000" dirty="0">
+                <a:latin typeface="Times New Roman" panose="02020603050405020304" pitchFamily="18" charset="0"/>
+                <a:ea typeface="+mj-ea"/>
+                <a:cs typeface="Times New Roman" panose="02020603050405020304" pitchFamily="18" charset="0"/>
+              </a:rPr>
+              <a:t>Глава 2 Проектирование программного средства</a:t>
+            </a:r>
+            <a:endParaRPr lang="en-US" altLang="en-US" sz="2000" dirty="0">
+              <a:latin typeface="Times New Roman" panose="02020603050405020304" pitchFamily="18" charset="0"/>
+              <a:ea typeface="+mj-ea"/>
+              <a:cs typeface="Times New Roman" panose="02020603050405020304" pitchFamily="18" charset="0"/>
+            </a:endParaRPr>
+          </a:p>
+          <a:p>
+            <a:pPr marL="0" marR="0" lvl="0" indent="0" algn="l" defTabSz="914400" rtl="0" eaLnBrk="0" fontAlgn="base" latinLnBrk="0" hangingPunct="0">
+              <a:lnSpc>
+                <a:spcPct val="100000"/>
+              </a:lnSpc>
+              <a:spcBef>
+                <a:spcPct val="0"/>
+              </a:spcBef>
+              <a:spcAft>
+                <a:spcPct val="0"/>
+              </a:spcAft>
+              <a:buClrTx/>
+              <a:buSzTx/>
+              <a:buFontTx/>
+              <a:buNone/>
+              <a:tabLst>
+                <a:tab pos="6113463" algn="r"/>
+              </a:tabLst>
+            </a:pPr>
+            <a:r>
+              <a:rPr lang="ru-RU" altLang="en-US" sz="2000" dirty="0">
+                <a:latin typeface="Times New Roman" panose="02020603050405020304" pitchFamily="18" charset="0"/>
+                <a:ea typeface="+mj-ea"/>
+                <a:cs typeface="Times New Roman" panose="02020603050405020304" pitchFamily="18" charset="0"/>
+              </a:rPr>
+              <a:t>     </a:t>
+            </a:r>
+            <a:r>
+              <a:rPr lang="en-US" altLang="en-US" sz="2000" dirty="0">
+                <a:latin typeface="Times New Roman" panose="02020603050405020304" pitchFamily="18" charset="0"/>
+                <a:ea typeface="+mj-ea"/>
+                <a:cs typeface="Times New Roman" panose="02020603050405020304" pitchFamily="18" charset="0"/>
+              </a:rPr>
+              <a:t>2</a:t>
+            </a:r>
+            <a:r>
+              <a:rPr lang="ru-RU" altLang="en-US" sz="2000" dirty="0">
+                <a:latin typeface="Times New Roman" panose="02020603050405020304" pitchFamily="18" charset="0"/>
+                <a:ea typeface="+mj-ea"/>
+                <a:cs typeface="Times New Roman" panose="02020603050405020304" pitchFamily="18" charset="0"/>
+              </a:rPr>
+              <a:t>.1 Архитектура системы</a:t>
+            </a:r>
+            <a:endParaRPr lang="en-US" altLang="en-US" sz="2000" dirty="0">
+              <a:latin typeface="Times New Roman" panose="02020603050405020304" pitchFamily="18" charset="0"/>
+              <a:ea typeface="+mj-ea"/>
+              <a:cs typeface="Times New Roman" panose="02020603050405020304" pitchFamily="18" charset="0"/>
+            </a:endParaRPr>
+          </a:p>
+          <a:p>
+            <a:pPr marL="0" marR="0" lvl="0" indent="0" algn="l" defTabSz="914400" rtl="0" eaLnBrk="0" fontAlgn="base" latinLnBrk="0" hangingPunct="0">
+              <a:lnSpc>
+                <a:spcPct val="100000"/>
+              </a:lnSpc>
+              <a:spcBef>
+                <a:spcPct val="0"/>
+              </a:spcBef>
+              <a:spcAft>
+                <a:spcPct val="0"/>
+              </a:spcAft>
+              <a:buClrTx/>
+              <a:buSzTx/>
+              <a:buFontTx/>
+              <a:buNone/>
+              <a:tabLst>
+                <a:tab pos="6113463" algn="r"/>
+              </a:tabLst>
+            </a:pPr>
+            <a:r>
+              <a:rPr lang="ru-RU" altLang="en-US" sz="2000" dirty="0">
+                <a:latin typeface="Times New Roman" panose="02020603050405020304" pitchFamily="18" charset="0"/>
+                <a:ea typeface="+mj-ea"/>
+                <a:cs typeface="Times New Roman" panose="02020603050405020304" pitchFamily="18" charset="0"/>
+              </a:rPr>
+              <a:t>     </a:t>
+            </a:r>
+            <a:r>
+              <a:rPr lang="en-US" altLang="en-US" sz="2000" dirty="0">
+                <a:latin typeface="Times New Roman" panose="02020603050405020304" pitchFamily="18" charset="0"/>
+                <a:ea typeface="+mj-ea"/>
+                <a:cs typeface="Times New Roman" panose="02020603050405020304" pitchFamily="18" charset="0"/>
+              </a:rPr>
+              <a:t>2</a:t>
+            </a:r>
+            <a:r>
+              <a:rPr lang="ru-RU" altLang="en-US" sz="2000" dirty="0">
+                <a:latin typeface="Times New Roman" panose="02020603050405020304" pitchFamily="18" charset="0"/>
+                <a:ea typeface="+mj-ea"/>
+                <a:cs typeface="Times New Roman" panose="02020603050405020304" pitchFamily="18" charset="0"/>
+              </a:rPr>
+              <a:t>.2 Проектирование базы данных</a:t>
+            </a:r>
+            <a:endParaRPr lang="en-US" altLang="en-US" sz="2000" dirty="0">
+              <a:latin typeface="Times New Roman" panose="02020603050405020304" pitchFamily="18" charset="0"/>
+              <a:ea typeface="+mj-ea"/>
+              <a:cs typeface="Times New Roman" panose="02020603050405020304" pitchFamily="18" charset="0"/>
+            </a:endParaRPr>
+          </a:p>
+          <a:p>
+            <a:pPr marL="0" marR="0" lvl="0" indent="0" algn="l" defTabSz="914400" rtl="0" eaLnBrk="0" fontAlgn="base" latinLnBrk="0" hangingPunct="0">
+              <a:lnSpc>
+                <a:spcPct val="100000"/>
+              </a:lnSpc>
+              <a:spcBef>
+                <a:spcPct val="0"/>
+              </a:spcBef>
+              <a:spcAft>
+                <a:spcPct val="0"/>
+              </a:spcAft>
+              <a:buClrTx/>
+              <a:buSzTx/>
+              <a:buFontTx/>
+              <a:buNone/>
+              <a:tabLst>
+                <a:tab pos="6113463" algn="r"/>
+              </a:tabLst>
+            </a:pPr>
+            <a:r>
+              <a:rPr lang="ru-RU" altLang="en-US" sz="2000" dirty="0">
+                <a:latin typeface="Times New Roman" panose="02020603050405020304" pitchFamily="18" charset="0"/>
+                <a:ea typeface="+mj-ea"/>
+                <a:cs typeface="Times New Roman" panose="02020603050405020304" pitchFamily="18" charset="0"/>
+              </a:rPr>
+              <a:t>     </a:t>
+            </a:r>
+            <a:r>
+              <a:rPr lang="en-US" altLang="en-US" sz="2000" dirty="0">
+                <a:latin typeface="Times New Roman" panose="02020603050405020304" pitchFamily="18" charset="0"/>
+                <a:ea typeface="+mj-ea"/>
+                <a:cs typeface="Times New Roman" panose="02020603050405020304" pitchFamily="18" charset="0"/>
+              </a:rPr>
+              <a:t>2</a:t>
+            </a:r>
+            <a:r>
+              <a:rPr lang="ru-RU" altLang="en-US" sz="2000" dirty="0">
+                <a:latin typeface="Times New Roman" panose="02020603050405020304" pitchFamily="18" charset="0"/>
+                <a:ea typeface="+mj-ea"/>
+                <a:cs typeface="Times New Roman" panose="02020603050405020304" pitchFamily="18" charset="0"/>
+              </a:rPr>
+              <a:t>.3 Сбор поведенческой информации</a:t>
+            </a:r>
+            <a:endParaRPr lang="en-US" altLang="en-US" sz="2000" dirty="0">
+              <a:latin typeface="Times New Roman" panose="02020603050405020304" pitchFamily="18" charset="0"/>
+              <a:ea typeface="+mj-ea"/>
+              <a:cs typeface="Times New Roman" panose="02020603050405020304" pitchFamily="18" charset="0"/>
+            </a:endParaRPr>
+          </a:p>
+          <a:p>
+            <a:pPr marL="0" marR="0" lvl="0" indent="0" algn="l" defTabSz="914400" rtl="0" eaLnBrk="0" fontAlgn="base" latinLnBrk="0" hangingPunct="0">
+              <a:lnSpc>
+                <a:spcPct val="100000"/>
+              </a:lnSpc>
+              <a:spcBef>
+                <a:spcPct val="0"/>
+              </a:spcBef>
+              <a:spcAft>
+                <a:spcPct val="0"/>
+              </a:spcAft>
+              <a:buClrTx/>
+              <a:buSzTx/>
+              <a:buFontTx/>
+              <a:buNone/>
+              <a:tabLst>
+                <a:tab pos="6113463" algn="r"/>
+              </a:tabLst>
+            </a:pPr>
+            <a:r>
+              <a:rPr lang="ru-RU" altLang="en-US" sz="2000" dirty="0">
+                <a:latin typeface="Times New Roman" panose="02020603050405020304" pitchFamily="18" charset="0"/>
+                <a:ea typeface="+mj-ea"/>
+                <a:cs typeface="Times New Roman" panose="02020603050405020304" pitchFamily="18" charset="0"/>
+              </a:rPr>
+              <a:t>     </a:t>
+            </a:r>
+            <a:r>
+              <a:rPr lang="en-US" altLang="en-US" sz="2000" dirty="0">
+                <a:latin typeface="Times New Roman" panose="02020603050405020304" pitchFamily="18" charset="0"/>
+                <a:ea typeface="+mj-ea"/>
+                <a:cs typeface="Times New Roman" panose="02020603050405020304" pitchFamily="18" charset="0"/>
+              </a:rPr>
+              <a:t>2</a:t>
+            </a:r>
+            <a:r>
+              <a:rPr lang="ru-RU" altLang="en-US" sz="2000" dirty="0">
+                <a:latin typeface="Times New Roman" panose="02020603050405020304" pitchFamily="18" charset="0"/>
+                <a:ea typeface="+mj-ea"/>
+                <a:cs typeface="Times New Roman" panose="02020603050405020304" pitchFamily="18" charset="0"/>
+              </a:rPr>
+              <a:t>.4 Выводы</a:t>
+            </a:r>
+            <a:endParaRPr lang="en-US" altLang="en-US" sz="2000" dirty="0">
+              <a:latin typeface="Times New Roman" panose="02020603050405020304" pitchFamily="18" charset="0"/>
+              <a:ea typeface="+mj-ea"/>
+              <a:cs typeface="Times New Roman" panose="02020603050405020304" pitchFamily="18" charset="0"/>
+            </a:endParaRPr>
+          </a:p>
+          <a:p>
+            <a:pPr marL="0" marR="0" lvl="0" indent="0" algn="l" defTabSz="914400" rtl="0" eaLnBrk="0" fontAlgn="base" latinLnBrk="0" hangingPunct="0">
+              <a:lnSpc>
+                <a:spcPct val="100000"/>
+              </a:lnSpc>
+              <a:spcBef>
+                <a:spcPct val="0"/>
+              </a:spcBef>
+              <a:spcAft>
+                <a:spcPct val="0"/>
+              </a:spcAft>
+              <a:buClrTx/>
+              <a:buSzTx/>
+              <a:buFontTx/>
+              <a:buNone/>
+              <a:tabLst>
+                <a:tab pos="6113463" algn="r"/>
+              </a:tabLst>
+            </a:pPr>
+            <a:r>
+              <a:rPr lang="ru-RU" altLang="en-US" sz="2000" dirty="0">
+                <a:latin typeface="Times New Roman" panose="02020603050405020304" pitchFamily="18" charset="0"/>
+                <a:ea typeface="+mj-ea"/>
+                <a:cs typeface="Times New Roman" panose="02020603050405020304" pitchFamily="18" charset="0"/>
+              </a:rPr>
+              <a:t>Глава 3 Построение классификатора с использованием искусственных нейронных сетей</a:t>
+            </a:r>
+            <a:endParaRPr lang="en-US" altLang="en-US" sz="2000" dirty="0">
+              <a:latin typeface="Times New Roman" panose="02020603050405020304" pitchFamily="18" charset="0"/>
+              <a:ea typeface="+mj-ea"/>
+              <a:cs typeface="Times New Roman" panose="02020603050405020304" pitchFamily="18" charset="0"/>
+            </a:endParaRPr>
+          </a:p>
+          <a:p>
+            <a:pPr marL="0" marR="0" lvl="0" indent="0" algn="l" defTabSz="914400" rtl="0" eaLnBrk="0" fontAlgn="base" latinLnBrk="0" hangingPunct="0">
+              <a:lnSpc>
+                <a:spcPct val="100000"/>
+              </a:lnSpc>
+              <a:spcBef>
+                <a:spcPct val="0"/>
+              </a:spcBef>
+              <a:spcAft>
+                <a:spcPct val="0"/>
+              </a:spcAft>
+              <a:buClrTx/>
+              <a:buSzTx/>
+              <a:buFontTx/>
+              <a:buNone/>
+              <a:tabLst>
+                <a:tab pos="6113463" algn="r"/>
+              </a:tabLst>
+            </a:pPr>
+            <a:r>
+              <a:rPr lang="ru-RU" altLang="en-US" sz="2000" dirty="0">
+                <a:latin typeface="Times New Roman" panose="02020603050405020304" pitchFamily="18" charset="0"/>
+                <a:ea typeface="+mj-ea"/>
+                <a:cs typeface="Times New Roman" panose="02020603050405020304" pitchFamily="18" charset="0"/>
+              </a:rPr>
+              <a:t>     </a:t>
+            </a:r>
+            <a:r>
+              <a:rPr lang="en-US" altLang="en-US" sz="2000" dirty="0">
+                <a:latin typeface="Times New Roman" panose="02020603050405020304" pitchFamily="18" charset="0"/>
+                <a:ea typeface="+mj-ea"/>
+                <a:cs typeface="Times New Roman" panose="02020603050405020304" pitchFamily="18" charset="0"/>
+              </a:rPr>
+              <a:t>3</a:t>
+            </a:r>
+            <a:r>
+              <a:rPr lang="ru-RU" altLang="en-US" sz="2000" dirty="0">
+                <a:latin typeface="Times New Roman" panose="02020603050405020304" pitchFamily="18" charset="0"/>
+                <a:ea typeface="+mj-ea"/>
+                <a:cs typeface="Times New Roman" panose="02020603050405020304" pitchFamily="18" charset="0"/>
+              </a:rPr>
+              <a:t>.1 Нейронные сети</a:t>
+            </a:r>
+            <a:endParaRPr lang="en-US" altLang="en-US" sz="2000" dirty="0">
+              <a:latin typeface="Times New Roman" panose="02020603050405020304" pitchFamily="18" charset="0"/>
+              <a:ea typeface="+mj-ea"/>
+              <a:cs typeface="Times New Roman" panose="02020603050405020304" pitchFamily="18" charset="0"/>
+            </a:endParaRPr>
+          </a:p>
+          <a:p>
+            <a:pPr marL="0" marR="0" lvl="0" indent="0" algn="l" defTabSz="914400" rtl="0" eaLnBrk="0" fontAlgn="base" latinLnBrk="0" hangingPunct="0">
+              <a:lnSpc>
+                <a:spcPct val="100000"/>
+              </a:lnSpc>
+              <a:spcBef>
+                <a:spcPct val="0"/>
+              </a:spcBef>
+              <a:spcAft>
+                <a:spcPct val="0"/>
+              </a:spcAft>
+              <a:buClrTx/>
+              <a:buSzTx/>
+              <a:buFontTx/>
+              <a:buNone/>
+              <a:tabLst>
+                <a:tab pos="6113463" algn="r"/>
+              </a:tabLst>
+            </a:pPr>
+            <a:r>
+              <a:rPr lang="ru-RU" altLang="en-US" sz="2000" dirty="0">
+                <a:latin typeface="Times New Roman" panose="02020603050405020304" pitchFamily="18" charset="0"/>
+                <a:ea typeface="+mj-ea"/>
+                <a:cs typeface="Times New Roman" panose="02020603050405020304" pitchFamily="18" charset="0"/>
+              </a:rPr>
+              <a:t>     </a:t>
+            </a:r>
+            <a:r>
+              <a:rPr lang="en-US" altLang="en-US" sz="2000" dirty="0">
+                <a:latin typeface="Times New Roman" panose="02020603050405020304" pitchFamily="18" charset="0"/>
+                <a:ea typeface="+mj-ea"/>
+                <a:cs typeface="Times New Roman" panose="02020603050405020304" pitchFamily="18" charset="0"/>
+              </a:rPr>
+              <a:t>3</a:t>
+            </a:r>
+            <a:r>
+              <a:rPr lang="ru-RU" altLang="en-US" sz="2000" dirty="0">
+                <a:latin typeface="Times New Roman" panose="02020603050405020304" pitchFamily="18" charset="0"/>
+                <a:ea typeface="+mj-ea"/>
+                <a:cs typeface="Times New Roman" panose="02020603050405020304" pitchFamily="18" charset="0"/>
+              </a:rPr>
+              <a:t>.2 Алгоритм построения классификатора</a:t>
+            </a:r>
+            <a:endParaRPr lang="en-US" altLang="en-US" sz="2000" dirty="0">
+              <a:latin typeface="Times New Roman" panose="02020603050405020304" pitchFamily="18" charset="0"/>
+              <a:ea typeface="+mj-ea"/>
+              <a:cs typeface="Times New Roman" panose="02020603050405020304" pitchFamily="18" charset="0"/>
+            </a:endParaRPr>
+          </a:p>
+          <a:p>
+            <a:pPr marL="0" marR="0" lvl="0" indent="0" algn="l" defTabSz="914400" rtl="0" eaLnBrk="0" fontAlgn="base" latinLnBrk="0" hangingPunct="0">
+              <a:lnSpc>
+                <a:spcPct val="100000"/>
+              </a:lnSpc>
+              <a:spcBef>
+                <a:spcPct val="0"/>
+              </a:spcBef>
+              <a:spcAft>
+                <a:spcPct val="0"/>
+              </a:spcAft>
+              <a:buClrTx/>
+              <a:buSzTx/>
+              <a:buFontTx/>
+              <a:buNone/>
+              <a:tabLst>
+                <a:tab pos="6113463" algn="r"/>
+              </a:tabLst>
+            </a:pPr>
+            <a:r>
+              <a:rPr lang="ru-RU" altLang="en-US" sz="2000" dirty="0">
+                <a:latin typeface="Times New Roman" panose="02020603050405020304" pitchFamily="18" charset="0"/>
+                <a:ea typeface="+mj-ea"/>
+                <a:cs typeface="Times New Roman" panose="02020603050405020304" pitchFamily="18" charset="0"/>
+              </a:rPr>
+              <a:t>     </a:t>
+            </a:r>
+            <a:r>
+              <a:rPr lang="en-US" altLang="en-US" sz="2000" dirty="0">
+                <a:latin typeface="Times New Roman" panose="02020603050405020304" pitchFamily="18" charset="0"/>
+                <a:ea typeface="+mj-ea"/>
+                <a:cs typeface="Times New Roman" panose="02020603050405020304" pitchFamily="18" charset="0"/>
+              </a:rPr>
+              <a:t>3</a:t>
+            </a:r>
+            <a:r>
+              <a:rPr lang="ru-RU" altLang="en-US" sz="2000" dirty="0">
+                <a:latin typeface="Times New Roman" panose="02020603050405020304" pitchFamily="18" charset="0"/>
+                <a:ea typeface="+mj-ea"/>
+                <a:cs typeface="Times New Roman" panose="02020603050405020304" pitchFamily="18" charset="0"/>
+              </a:rPr>
+              <a:t>.3 Выводы</a:t>
+            </a:r>
+          </a:p>
+          <a:p>
+            <a:pPr marL="0" indent="0">
+              <a:buNone/>
+            </a:pPr>
+            <a:r>
+              <a:rPr lang="ru-RU" sz="2000" dirty="0">
+                <a:latin typeface="Times New Roman" panose="02020603050405020304" pitchFamily="18" charset="0"/>
+                <a:ea typeface="+mj-ea"/>
+                <a:cs typeface="Times New Roman" panose="02020603050405020304" pitchFamily="18" charset="0"/>
+              </a:rPr>
+              <a:t>Глава 4 Создание программного средства</a:t>
+            </a:r>
+            <a:endParaRPr lang="en-US" sz="2000" dirty="0">
+              <a:latin typeface="Times New Roman" panose="02020603050405020304" pitchFamily="18" charset="0"/>
+              <a:ea typeface="+mj-ea"/>
+              <a:cs typeface="Times New Roman" panose="02020603050405020304" pitchFamily="18" charset="0"/>
+            </a:endParaRPr>
+          </a:p>
+          <a:p>
+            <a:pPr marL="0" indent="0">
+              <a:buNone/>
+            </a:pPr>
+            <a:r>
+              <a:rPr lang="ru-RU" sz="2000" dirty="0">
+                <a:latin typeface="Times New Roman" panose="02020603050405020304" pitchFamily="18" charset="0"/>
+                <a:ea typeface="+mj-ea"/>
+                <a:cs typeface="Times New Roman" panose="02020603050405020304" pitchFamily="18" charset="0"/>
+              </a:rPr>
+              <a:t>     4.1 Реализация частей системы</a:t>
+            </a:r>
+            <a:endParaRPr lang="en-US" sz="2000" dirty="0">
+              <a:latin typeface="Times New Roman" panose="02020603050405020304" pitchFamily="18" charset="0"/>
+              <a:ea typeface="+mj-ea"/>
+              <a:cs typeface="Times New Roman" panose="02020603050405020304" pitchFamily="18" charset="0"/>
+            </a:endParaRPr>
+          </a:p>
+          <a:p>
+            <a:pPr marL="0" indent="0">
+              <a:buNone/>
+            </a:pPr>
+            <a:r>
+              <a:rPr lang="ru-RU" sz="2000" dirty="0">
+                <a:latin typeface="Times New Roman" panose="02020603050405020304" pitchFamily="18" charset="0"/>
+                <a:ea typeface="+mj-ea"/>
+                <a:cs typeface="Times New Roman" panose="02020603050405020304" pitchFamily="18" charset="0"/>
+              </a:rPr>
+              <a:t>     4.2 Реализация классификатора</a:t>
+            </a:r>
+            <a:endParaRPr lang="en-US" sz="2000" dirty="0">
+              <a:latin typeface="Times New Roman" panose="02020603050405020304" pitchFamily="18" charset="0"/>
+              <a:ea typeface="+mj-ea"/>
+              <a:cs typeface="Times New Roman" panose="02020603050405020304" pitchFamily="18" charset="0"/>
+            </a:endParaRPr>
+          </a:p>
+          <a:p>
+            <a:pPr marL="0" indent="0">
+              <a:buNone/>
+            </a:pPr>
+            <a:r>
+              <a:rPr lang="ru-RU" sz="2000" dirty="0">
+                <a:latin typeface="Times New Roman" panose="02020603050405020304" pitchFamily="18" charset="0"/>
+                <a:ea typeface="+mj-ea"/>
+                <a:cs typeface="Times New Roman" panose="02020603050405020304" pitchFamily="18" charset="0"/>
+              </a:rPr>
+              <a:t>     4.3 Резултаты тестирования программного средства</a:t>
+            </a:r>
+            <a:endParaRPr lang="en-US" sz="2000" dirty="0">
+              <a:latin typeface="Times New Roman" panose="02020603050405020304" pitchFamily="18" charset="0"/>
+              <a:ea typeface="+mj-ea"/>
+              <a:cs typeface="Times New Roman" panose="02020603050405020304" pitchFamily="18" charset="0"/>
+            </a:endParaRPr>
+          </a:p>
+          <a:p>
+            <a:pPr marL="0" indent="0">
+              <a:buNone/>
+            </a:pPr>
+            <a:r>
+              <a:rPr lang="ru-RU" sz="2000" dirty="0">
+                <a:latin typeface="Times New Roman" panose="02020603050405020304" pitchFamily="18" charset="0"/>
+                <a:ea typeface="+mj-ea"/>
+                <a:cs typeface="Times New Roman" panose="02020603050405020304" pitchFamily="18" charset="0"/>
+              </a:rPr>
+              <a:t>     4.4 Выводы</a:t>
+            </a:r>
+            <a:endParaRPr lang="en-US" altLang="en-US" sz="2000" dirty="0">
+              <a:latin typeface="Times New Roman" panose="02020603050405020304" pitchFamily="18" charset="0"/>
+              <a:ea typeface="+mj-ea"/>
+              <a:cs typeface="Times New Roman" panose="02020603050405020304" pitchFamily="18" charset="0"/>
+            </a:endParaRPr>
+          </a:p>
+        </p:txBody>
+      </p:sp>
+      <p:sp>
+        <p:nvSpPr>
+          <p:cNvPr id="9" name="Title 1">
+            <a:extLst>
+              <a:ext uri="{FF2B5EF4-FFF2-40B4-BE49-F238E27FC236}">
+                <a16:creationId xmlns:a16="http://schemas.microsoft.com/office/drawing/2014/main" id="{DBE1A415-9471-48AC-BA18-CD5DEECFB167}"/>
+              </a:ext>
+            </a:extLst>
+          </p:cNvPr>
+          <p:cNvSpPr txBox="1">
+            <a:spLocks/>
+          </p:cNvSpPr>
+          <p:nvPr/>
+        </p:nvSpPr>
+        <p:spPr>
+          <a:xfrm>
+            <a:off x="838200" y="0"/>
+            <a:ext cx="10515600" cy="1325563"/>
+          </a:xfrm>
+          <a:prstGeom prst="rect">
+            <a:avLst/>
+          </a:prstGeom>
+        </p:spPr>
+        <p:txBody>
+          <a:bodyPr vert="horz" lIns="91440" tIns="45720" rIns="91440" bIns="45720" rtlCol="0" anchor="ctr">
+            <a:normAutofit/>
+          </a:bodyPr>
+          <a:lstStyle>
+            <a:lvl1pPr algn="l" defTabSz="914400" rtl="0" eaLnBrk="1" latinLnBrk="0" hangingPunct="1">
+              <a:lnSpc>
+                <a:spcPct val="90000"/>
+              </a:lnSpc>
+              <a:spcBef>
+                <a:spcPct val="0"/>
+              </a:spcBef>
+              <a:buNone/>
+              <a:defRPr sz="4400" kern="1200">
+                <a:solidFill>
+                  <a:schemeClr val="tx1"/>
+                </a:solidFill>
+                <a:latin typeface="+mj-lt"/>
+                <a:ea typeface="+mj-ea"/>
+                <a:cs typeface="+mj-cs"/>
+              </a:defRPr>
+            </a:lvl1pPr>
+          </a:lstStyle>
+          <a:p>
+            <a:r>
+              <a:rPr lang="ru-RU" dirty="0">
+                <a:latin typeface="Times New Roman" panose="02020603050405020304" pitchFamily="18" charset="0"/>
+                <a:cs typeface="Times New Roman" panose="02020603050405020304" pitchFamily="18" charset="0"/>
+              </a:rPr>
+              <a:t>Структура диссертации</a:t>
+            </a:r>
+            <a:endParaRPr lang="en-US" dirty="0">
+              <a:latin typeface="Times New Roman" pitchFamily="18" charset="0"/>
+              <a:cs typeface="Times New Roman" pitchFamily="18" charset="0"/>
+            </a:endParaRPr>
+          </a:p>
+        </p:txBody>
+      </p:sp>
     </p:spTree>
     <p:extLst>
       <p:ext uri="{BB962C8B-B14F-4D97-AF65-F5344CB8AC3E}">
-        <p14:creationId xmlns:p14="http://schemas.microsoft.com/office/powerpoint/2010/main" xmlns="" val="2990926755"/>
+        <p14:creationId xmlns:p14="http://schemas.microsoft.com/office/powerpoint/2010/main" val="2029391329"/>
       </p:ext>
     </p:extLst>
   </p:cSld>
@@ -4024,7 +7168,7 @@
           <p:cNvPr id="2" name="Title 1">
             <a:extLst>
               <a:ext uri="{FF2B5EF4-FFF2-40B4-BE49-F238E27FC236}">
-                <a16:creationId xmlns:a16="http://schemas.microsoft.com/office/drawing/2014/main" xmlns="" id="{270F8C7C-AE06-4BEE-8C60-834D1CD7743D}"/>
+                <a16:creationId xmlns:a16="http://schemas.microsoft.com/office/drawing/2014/main" id="{534B1CD9-66E5-4889-BA69-710F235A85BF}"/>
               </a:ext>
             </a:extLst>
           </p:cNvPr>
@@ -4037,72 +7181,256 @@
         </p:nvSpPr>
         <p:spPr>
           <a:xfrm>
-            <a:off x="838199" y="0"/>
+            <a:off x="838200" y="0"/>
             <a:ext cx="10515600" cy="1325563"/>
           </a:xfrm>
         </p:spPr>
         <p:txBody>
-          <a:bodyPr/>
+          <a:bodyPr>
+            <a:normAutofit/>
+          </a:bodyPr>
           <a:lstStyle/>
           <a:p>
             <a:r>
+              <a:rPr lang="ru-RU" altLang="en-US" sz="3300" dirty="0">
+                <a:latin typeface="Times New Roman" panose="02020603050405020304" pitchFamily="18" charset="0"/>
+                <a:cs typeface="Times New Roman" panose="02020603050405020304" pitchFamily="18" charset="0"/>
+              </a:rPr>
+              <a:t>Глава 1 Анализ методов и способов распознавания психологического состояния человека</a:t>
+            </a:r>
+            <a:endParaRPr lang="en-US" dirty="0"/>
+          </a:p>
+        </p:txBody>
+      </p:sp>
+      <p:sp>
+        <p:nvSpPr>
+          <p:cNvPr id="3" name="Content Placeholder 2">
+            <a:extLst>
+              <a:ext uri="{FF2B5EF4-FFF2-40B4-BE49-F238E27FC236}">
+                <a16:creationId xmlns:a16="http://schemas.microsoft.com/office/drawing/2014/main" id="{5B9BDF27-F8E2-42AC-9F7E-58946299BC42}"/>
+              </a:ext>
+            </a:extLst>
+          </p:cNvPr>
+          <p:cNvSpPr>
+            <a:spLocks noGrp="1"/>
+          </p:cNvSpPr>
+          <p:nvPr>
+            <p:ph idx="1"/>
+          </p:nvPr>
+        </p:nvSpPr>
+        <p:spPr/>
+        <p:txBody>
+          <a:bodyPr>
+            <a:normAutofit lnSpcReduction="10000"/>
+          </a:bodyPr>
+          <a:lstStyle/>
+          <a:p>
+            <a:pPr marL="0" indent="0" fontAlgn="base">
+              <a:buNone/>
+            </a:pPr>
+            <a:r>
               <a:rPr lang="ru-RU" dirty="0">
                 <a:latin typeface="Times New Roman" panose="02020603050405020304" pitchFamily="18" charset="0"/>
                 <a:cs typeface="Times New Roman" panose="02020603050405020304" pitchFamily="18" charset="0"/>
               </a:rPr>
-              <a:t>Сбор поведенческой информации</a:t>
+              <a:t>Основные функциональные возможности программного обеспечения:</a:t>
             </a:r>
             <a:endParaRPr lang="en-US" dirty="0">
               <a:latin typeface="Times New Roman" panose="02020603050405020304" pitchFamily="18" charset="0"/>
               <a:cs typeface="Times New Roman" panose="02020603050405020304" pitchFamily="18" charset="0"/>
             </a:endParaRPr>
           </a:p>
-        </p:txBody>
-      </p:sp>
-      <p:pic>
-        <p:nvPicPr>
-          <p:cNvPr id="4" name="Content Placeholder 3" descr="C:\Users\alcke\Downloads\Untitled Diagram (2).png">
-            <a:extLst>
-              <a:ext uri="{FF2B5EF4-FFF2-40B4-BE49-F238E27FC236}">
-                <a16:creationId xmlns:a16="http://schemas.microsoft.com/office/drawing/2014/main" xmlns="" id="{0637A9E6-90F6-47B5-864E-BF216C8FDF9C}"/>
-              </a:ext>
-            </a:extLst>
-          </p:cNvPr>
-          <p:cNvPicPr>
-            <a:picLocks noGrp="1"/>
-          </p:cNvPicPr>
-          <p:nvPr>
-            <p:ph idx="1"/>
-          </p:nvPr>
-        </p:nvPicPr>
-        <p:blipFill rotWithShape="1">
-          <a:blip r:embed="rId2" cstate="print"/>
-          <a:srcRect l="469" t="2551"/>
-          <a:stretch/>
-        </p:blipFill>
-        <p:spPr bwMode="auto">
-          <a:xfrm>
-            <a:off x="1885180" y="1192696"/>
-            <a:ext cx="8421639" cy="5050528"/>
-          </a:xfrm>
-          <a:prstGeom prst="rect">
-            <a:avLst/>
-          </a:prstGeom>
-          <a:noFill/>
-          <a:ln>
-            <a:noFill/>
-          </a:ln>
-          <a:extLst>
-            <a:ext uri="{53640926-AAD7-44D8-BBD7-CCE9431645EC}">
-              <a14:shadowObscured xmlns:a14="http://schemas.microsoft.com/office/drawing/2010/main" xmlns=""/>
-            </a:ext>
-          </a:extLst>
-        </p:spPr>
-      </p:pic>
+          <a:p>
+            <a:pPr marL="0" indent="0">
+              <a:buNone/>
+            </a:pPr>
+            <a:r>
+              <a:rPr lang="ru-RU" dirty="0">
+                <a:latin typeface="Times New Roman" panose="02020603050405020304" pitchFamily="18" charset="0"/>
+                <a:cs typeface="Times New Roman" panose="02020603050405020304" pitchFamily="18" charset="0"/>
+              </a:rPr>
+              <a:t>– с</a:t>
+            </a:r>
+            <a:r>
+              <a:rPr lang="be-BY" dirty="0">
+                <a:latin typeface="Times New Roman" panose="02020603050405020304" pitchFamily="18" charset="0"/>
+                <a:cs typeface="Times New Roman" panose="02020603050405020304" pitchFamily="18" charset="0"/>
+              </a:rPr>
+              <a:t>оздание нового </a:t>
+            </a:r>
+            <a:r>
+              <a:rPr lang="ru-RU" dirty="0">
+                <a:latin typeface="Times New Roman" panose="02020603050405020304" pitchFamily="18" charset="0"/>
+                <a:cs typeface="Times New Roman" panose="02020603050405020304" pitchFamily="18" charset="0"/>
+              </a:rPr>
+              <a:t>пациента;</a:t>
+            </a:r>
+            <a:endParaRPr lang="en-US" dirty="0">
+              <a:latin typeface="Times New Roman" panose="02020603050405020304" pitchFamily="18" charset="0"/>
+              <a:cs typeface="Times New Roman" panose="02020603050405020304" pitchFamily="18" charset="0"/>
+            </a:endParaRPr>
+          </a:p>
+          <a:p>
+            <a:pPr marL="0" indent="0">
+              <a:buNone/>
+            </a:pPr>
+            <a:r>
+              <a:rPr lang="ru-RU" dirty="0">
+                <a:latin typeface="Times New Roman" panose="02020603050405020304" pitchFamily="18" charset="0"/>
+                <a:cs typeface="Times New Roman" panose="02020603050405020304" pitchFamily="18" charset="0"/>
+              </a:rPr>
+              <a:t>– с</a:t>
+            </a:r>
+            <a:r>
+              <a:rPr lang="be-BY" dirty="0">
+                <a:latin typeface="Times New Roman" panose="02020603050405020304" pitchFamily="18" charset="0"/>
+                <a:cs typeface="Times New Roman" panose="02020603050405020304" pitchFamily="18" charset="0"/>
+              </a:rPr>
+              <a:t>оздание нового </a:t>
+            </a:r>
+            <a:r>
+              <a:rPr lang="ru-RU" dirty="0">
+                <a:latin typeface="Times New Roman" panose="02020603050405020304" pitchFamily="18" charset="0"/>
+                <a:cs typeface="Times New Roman" panose="02020603050405020304" pitchFamily="18" charset="0"/>
+              </a:rPr>
+              <a:t>доктора;</a:t>
+            </a:r>
+            <a:endParaRPr lang="en-US" dirty="0">
+              <a:latin typeface="Times New Roman" panose="02020603050405020304" pitchFamily="18" charset="0"/>
+              <a:cs typeface="Times New Roman" panose="02020603050405020304" pitchFamily="18" charset="0"/>
+            </a:endParaRPr>
+          </a:p>
+          <a:p>
+            <a:pPr marL="0" indent="0">
+              <a:buNone/>
+            </a:pPr>
+            <a:r>
+              <a:rPr lang="ru-RU" dirty="0">
+                <a:latin typeface="Times New Roman" panose="02020603050405020304" pitchFamily="18" charset="0"/>
+                <a:cs typeface="Times New Roman" panose="02020603050405020304" pitchFamily="18" charset="0"/>
+              </a:rPr>
+              <a:t>– в</a:t>
+            </a:r>
+            <a:r>
+              <a:rPr lang="be-BY" dirty="0">
+                <a:latin typeface="Times New Roman" panose="02020603050405020304" pitchFamily="18" charset="0"/>
+                <a:cs typeface="Times New Roman" panose="02020603050405020304" pitchFamily="18" charset="0"/>
+              </a:rPr>
+              <a:t>озможность отслеживать </a:t>
+            </a:r>
+            <a:r>
+              <a:rPr lang="ru-RU" dirty="0">
+                <a:latin typeface="Times New Roman" panose="02020603050405020304" pitchFamily="18" charset="0"/>
+                <a:cs typeface="Times New Roman" panose="02020603050405020304" pitchFamily="18" charset="0"/>
+              </a:rPr>
+              <a:t>звонки пациента;</a:t>
+            </a:r>
+            <a:endParaRPr lang="en-US" dirty="0">
+              <a:latin typeface="Times New Roman" panose="02020603050405020304" pitchFamily="18" charset="0"/>
+              <a:cs typeface="Times New Roman" panose="02020603050405020304" pitchFamily="18" charset="0"/>
+            </a:endParaRPr>
+          </a:p>
+          <a:p>
+            <a:pPr marL="0" indent="0">
+              <a:buNone/>
+            </a:pPr>
+            <a:r>
+              <a:rPr lang="ru-RU" dirty="0">
+                <a:latin typeface="Times New Roman" panose="02020603050405020304" pitchFamily="18" charset="0"/>
+                <a:cs typeface="Times New Roman" panose="02020603050405020304" pitchFamily="18" charset="0"/>
+              </a:rPr>
+              <a:t>– в</a:t>
+            </a:r>
+            <a:r>
+              <a:rPr lang="be-BY" dirty="0">
+                <a:latin typeface="Times New Roman" panose="02020603050405020304" pitchFamily="18" charset="0"/>
+                <a:cs typeface="Times New Roman" panose="02020603050405020304" pitchFamily="18" charset="0"/>
+              </a:rPr>
+              <a:t>озможность отслеживать </a:t>
+            </a:r>
+            <a:r>
+              <a:rPr lang="ru-RU" dirty="0">
+                <a:latin typeface="Times New Roman" panose="02020603050405020304" pitchFamily="18" charset="0"/>
+                <a:cs typeface="Times New Roman" panose="02020603050405020304" pitchFamily="18" charset="0"/>
+              </a:rPr>
+              <a:t>сообщения пациента;</a:t>
+            </a:r>
+            <a:endParaRPr lang="en-US" dirty="0">
+              <a:latin typeface="Times New Roman" panose="02020603050405020304" pitchFamily="18" charset="0"/>
+              <a:cs typeface="Times New Roman" panose="02020603050405020304" pitchFamily="18" charset="0"/>
+            </a:endParaRPr>
+          </a:p>
+          <a:p>
+            <a:pPr marL="0" indent="0">
+              <a:buNone/>
+            </a:pPr>
+            <a:r>
+              <a:rPr lang="ru-RU" dirty="0">
+                <a:latin typeface="Times New Roman" panose="02020603050405020304" pitchFamily="18" charset="0"/>
+                <a:cs typeface="Times New Roman" panose="02020603050405020304" pitchFamily="18" charset="0"/>
+              </a:rPr>
+              <a:t>– в</a:t>
+            </a:r>
+            <a:r>
+              <a:rPr lang="be-BY" dirty="0">
+                <a:latin typeface="Times New Roman" panose="02020603050405020304" pitchFamily="18" charset="0"/>
+                <a:cs typeface="Times New Roman" panose="02020603050405020304" pitchFamily="18" charset="0"/>
+              </a:rPr>
+              <a:t>озможность отслеживать </a:t>
+            </a:r>
+            <a:r>
+              <a:rPr lang="ru-RU" dirty="0">
+                <a:latin typeface="Times New Roman" panose="02020603050405020304" pitchFamily="18" charset="0"/>
+                <a:cs typeface="Times New Roman" panose="02020603050405020304" pitchFamily="18" charset="0"/>
+              </a:rPr>
+              <a:t>перемещения пациента;</a:t>
+            </a:r>
+            <a:endParaRPr lang="en-US" dirty="0">
+              <a:latin typeface="Times New Roman" panose="02020603050405020304" pitchFamily="18" charset="0"/>
+              <a:cs typeface="Times New Roman" panose="02020603050405020304" pitchFamily="18" charset="0"/>
+            </a:endParaRPr>
+          </a:p>
+          <a:p>
+            <a:pPr marL="0" indent="0">
+              <a:buNone/>
+            </a:pPr>
+            <a:r>
+              <a:rPr lang="ru-RU" dirty="0">
+                <a:latin typeface="Times New Roman" panose="02020603050405020304" pitchFamily="18" charset="0"/>
+                <a:cs typeface="Times New Roman" panose="02020603050405020304" pitchFamily="18" charset="0"/>
+              </a:rPr>
+              <a:t>– предоставление детальной информации о пациенте;</a:t>
+            </a:r>
+            <a:endParaRPr lang="en-US" dirty="0">
+              <a:latin typeface="Times New Roman" panose="02020603050405020304" pitchFamily="18" charset="0"/>
+              <a:cs typeface="Times New Roman" panose="02020603050405020304" pitchFamily="18" charset="0"/>
+            </a:endParaRPr>
+          </a:p>
+          <a:p>
+            <a:pPr marL="0" indent="0">
+              <a:buNone/>
+            </a:pPr>
+            <a:r>
+              <a:rPr lang="ru-RU" dirty="0">
+                <a:latin typeface="Times New Roman" panose="02020603050405020304" pitchFamily="18" charset="0"/>
+                <a:cs typeface="Times New Roman" panose="02020603050405020304" pitchFamily="18" charset="0"/>
+              </a:rPr>
+              <a:t>– определение возможного психологического состояния пациента.</a:t>
+            </a:r>
+            <a:endParaRPr lang="en-US" dirty="0">
+              <a:latin typeface="Times New Roman" panose="02020603050405020304" pitchFamily="18" charset="0"/>
+              <a:cs typeface="Times New Roman" panose="02020603050405020304" pitchFamily="18" charset="0"/>
+            </a:endParaRPr>
+          </a:p>
+          <a:p>
+            <a:endParaRPr lang="en-US" dirty="0"/>
+          </a:p>
+        </p:txBody>
+      </p:sp>
     </p:spTree>
     <p:extLst>
       <p:ext uri="{BB962C8B-B14F-4D97-AF65-F5344CB8AC3E}">
-        <p14:creationId xmlns:p14="http://schemas.microsoft.com/office/powerpoint/2010/main" xmlns="" val="176113381"/>
+        <p14:creationId xmlns:p14="http://schemas.microsoft.com/office/powerpoint/2010/main" val="1964810411"/>
       </p:ext>
     </p:extLst>
   </p:cSld>
@@ -4134,7 +7462,7 @@
           <p:cNvPr id="2" name="Title 1">
             <a:extLst>
               <a:ext uri="{FF2B5EF4-FFF2-40B4-BE49-F238E27FC236}">
-                <a16:creationId xmlns:a16="http://schemas.microsoft.com/office/drawing/2014/main" xmlns="" id="{D7F0E5B6-575C-4C5B-9CAE-BE5DADA42C56}"/>
+                <a16:creationId xmlns:a16="http://schemas.microsoft.com/office/drawing/2014/main" id="{BEDA222C-6E14-48F9-AEE3-51B9CDB34044}"/>
               </a:ext>
             </a:extLst>
           </p:cNvPr>
@@ -4145,31 +7473,55 @@
             <p:ph type="title"/>
           </p:nvPr>
         </p:nvSpPr>
-        <p:spPr/>
-        <p:txBody>
-          <a:bodyPr/>
+        <p:spPr>
+          <a:xfrm>
+            <a:off x="838200" y="0"/>
+            <a:ext cx="10515600" cy="1325563"/>
+          </a:xfrm>
+        </p:spPr>
+        <p:txBody>
+          <a:bodyPr>
+            <a:normAutofit/>
+          </a:bodyPr>
           <a:lstStyle/>
           <a:p>
             <a:r>
-              <a:rPr lang="ru-RU" dirty="0">
-                <a:latin typeface="Times New Roman" panose="02020603050405020304" pitchFamily="18" charset="0"/>
-                <a:cs typeface="Times New Roman" panose="02020603050405020304" pitchFamily="18" charset="0"/>
-              </a:rPr>
-              <a:t>График обучения сети</a:t>
-            </a:r>
-            <a:endParaRPr lang="en-US" dirty="0">
-              <a:latin typeface="Times New Roman" panose="02020603050405020304" pitchFamily="18" charset="0"/>
-              <a:cs typeface="Times New Roman" panose="02020603050405020304" pitchFamily="18" charset="0"/>
-            </a:endParaRPr>
+              <a:rPr lang="ru-RU" altLang="en-US" sz="3300" dirty="0">
+                <a:latin typeface="Times New Roman" panose="02020603050405020304" pitchFamily="18" charset="0"/>
+                <a:cs typeface="Times New Roman" panose="02020603050405020304" pitchFamily="18" charset="0"/>
+              </a:rPr>
+              <a:t>Глава 2 Проектирование программного средства</a:t>
+            </a:r>
+            <a:br>
+              <a:rPr lang="en-US" altLang="en-US" sz="3300" dirty="0">
+                <a:latin typeface="Times New Roman" panose="02020603050405020304" pitchFamily="18" charset="0"/>
+                <a:cs typeface="Times New Roman" panose="02020603050405020304" pitchFamily="18" charset="0"/>
+              </a:rPr>
+            </a:br>
+            <a:r>
+              <a:rPr lang="en-US" altLang="en-US" sz="3300" dirty="0">
+                <a:latin typeface="Times New Roman" panose="02020603050405020304" pitchFamily="18" charset="0"/>
+                <a:cs typeface="Times New Roman" panose="02020603050405020304" pitchFamily="18" charset="0"/>
+              </a:rPr>
+              <a:t>2</a:t>
+            </a:r>
+            <a:r>
+              <a:rPr lang="ru-RU" altLang="en-US" sz="3300" dirty="0">
+                <a:latin typeface="Times New Roman" panose="02020603050405020304" pitchFamily="18" charset="0"/>
+                <a:cs typeface="Times New Roman" panose="02020603050405020304" pitchFamily="18" charset="0"/>
+              </a:rPr>
+              <a:t>.1 Архитектура системы</a:t>
+            </a:r>
+            <a:endParaRPr lang="en-US" sz="3300" dirty="0"/>
           </a:p>
         </p:txBody>
       </p:sp>
       <p:pic>
         <p:nvPicPr>
-          <p:cNvPr id="7" name="Рисунок 22">
-            <a:extLst>
-              <a:ext uri="{FF2B5EF4-FFF2-40B4-BE49-F238E27FC236}">
-                <a16:creationId xmlns:a16="http://schemas.microsoft.com/office/drawing/2014/main" xmlns="" id="{249CC67B-FC9A-40E4-AB71-5D4F93E94BB2}"/>
+          <p:cNvPr id="4" name="Content Placeholder 3" descr="architecture">
+            <a:extLst>
+              <a:ext uri="{FF2B5EF4-FFF2-40B4-BE49-F238E27FC236}">
+                <a16:creationId xmlns:a16="http://schemas.microsoft.com/office/drawing/2014/main" id="{C7C92FC6-247D-4052-B167-A17F87001F97}"/>
               </a:ext>
             </a:extLst>
           </p:cNvPr>
@@ -4181,7 +7533,13 @@
           </p:nvPr>
         </p:nvPicPr>
         <p:blipFill>
-          <a:blip r:embed="rId2" cstate="print"/>
+          <a:blip r:embed="rId2" cstate="print">
+            <a:extLst>
+              <a:ext uri="{28A0092B-C50C-407E-A947-70E740481C1C}">
+                <a14:useLocalDpi xmlns:a14="http://schemas.microsoft.com/office/drawing/2010/main" val="0"/>
+              </a:ext>
+            </a:extLst>
+          </a:blip>
           <a:srcRect/>
           <a:stretch>
             <a:fillRect/>
@@ -4189,25 +7547,22 @@
         </p:blipFill>
         <p:spPr bwMode="auto">
           <a:xfrm>
-            <a:off x="1132035" y="1950098"/>
-            <a:ext cx="9927929" cy="4421133"/>
+            <a:off x="2095500" y="1009229"/>
+            <a:ext cx="7456487" cy="5552703"/>
           </a:xfrm>
           <a:prstGeom prst="rect">
             <a:avLst/>
           </a:prstGeom>
           <a:noFill/>
-          <a:ln w="9525">
+          <a:ln>
             <a:noFill/>
-            <a:miter lim="800000"/>
-            <a:headEnd/>
-            <a:tailEnd/>
           </a:ln>
         </p:spPr>
       </p:pic>
     </p:spTree>
     <p:extLst>
       <p:ext uri="{BB962C8B-B14F-4D97-AF65-F5344CB8AC3E}">
-        <p14:creationId xmlns:p14="http://schemas.microsoft.com/office/powerpoint/2010/main" xmlns="" val="3081234102"/>
+        <p14:creationId xmlns:p14="http://schemas.microsoft.com/office/powerpoint/2010/main" val="3379339960"/>
       </p:ext>
     </p:extLst>
   </p:cSld>
@@ -4239,7 +7594,7 @@
           <p:cNvPr id="2" name="Title 1">
             <a:extLst>
               <a:ext uri="{FF2B5EF4-FFF2-40B4-BE49-F238E27FC236}">
-                <a16:creationId xmlns:a16="http://schemas.microsoft.com/office/drawing/2014/main" xmlns="" id="{74ADB99C-018E-44EE-B1A4-69928BB22075}"/>
+                <a16:creationId xmlns:a16="http://schemas.microsoft.com/office/drawing/2014/main" id="{E22AA640-D0F6-48DC-81C7-334461331090}"/>
               </a:ext>
             </a:extLst>
           </p:cNvPr>
@@ -4257,38 +7612,53 @@
           </a:xfrm>
         </p:spPr>
         <p:txBody>
-          <a:bodyPr/>
+          <a:bodyPr>
+            <a:normAutofit/>
+          </a:bodyPr>
           <a:lstStyle/>
           <a:p>
             <a:r>
-              <a:rPr lang="ru-RU" dirty="0">
-                <a:latin typeface="Times New Roman" panose="02020603050405020304" pitchFamily="18" charset="0"/>
-                <a:cs typeface="Times New Roman" panose="02020603050405020304" pitchFamily="18" charset="0"/>
-              </a:rPr>
-              <a:t>История передвежений </a:t>
-            </a:r>
-            <a:endParaRPr lang="en-US" dirty="0">
-              <a:latin typeface="Times New Roman" panose="02020603050405020304" pitchFamily="18" charset="0"/>
-              <a:cs typeface="Times New Roman" panose="02020603050405020304" pitchFamily="18" charset="0"/>
-            </a:endParaRPr>
+              <a:rPr lang="ru-RU" altLang="en-US" sz="3300" dirty="0">
+                <a:latin typeface="Times New Roman" panose="02020603050405020304" pitchFamily="18" charset="0"/>
+                <a:cs typeface="Times New Roman" panose="02020603050405020304" pitchFamily="18" charset="0"/>
+              </a:rPr>
+              <a:t>Глава 2 Проектирование программного средства</a:t>
+            </a:r>
+            <a:br>
+              <a:rPr lang="en-US" altLang="en-US" sz="3300" dirty="0">
+                <a:latin typeface="Times New Roman" panose="02020603050405020304" pitchFamily="18" charset="0"/>
+                <a:cs typeface="Times New Roman" panose="02020603050405020304" pitchFamily="18" charset="0"/>
+              </a:rPr>
+            </a:br>
+            <a:r>
+              <a:rPr lang="en-US" altLang="en-US" sz="3300" dirty="0">
+                <a:latin typeface="Times New Roman" panose="02020603050405020304" pitchFamily="18" charset="0"/>
+                <a:cs typeface="Times New Roman" panose="02020603050405020304" pitchFamily="18" charset="0"/>
+              </a:rPr>
+              <a:t>2</a:t>
+            </a:r>
+            <a:r>
+              <a:rPr lang="ru-RU" altLang="en-US" sz="3300" dirty="0">
+                <a:latin typeface="Times New Roman" panose="02020603050405020304" pitchFamily="18" charset="0"/>
+                <a:cs typeface="Times New Roman" panose="02020603050405020304" pitchFamily="18" charset="0"/>
+              </a:rPr>
+              <a:t>.2 Проектирование базы данных</a:t>
+            </a:r>
+            <a:endParaRPr lang="en-US" sz="3300" dirty="0"/>
           </a:p>
         </p:txBody>
       </p:sp>
       <p:pic>
         <p:nvPicPr>
-          <p:cNvPr id="5" name="Рисунок 19">
-            <a:extLst>
-              <a:ext uri="{FF2B5EF4-FFF2-40B4-BE49-F238E27FC236}">
-                <a16:creationId xmlns:a16="http://schemas.microsoft.com/office/drawing/2014/main" xmlns="" id="{1127607B-5AF7-4414-AFC4-BDF2C6EC53E0}"/>
-              </a:ext>
-            </a:extLst>
-          </p:cNvPr>
-          <p:cNvPicPr>
-            <a:picLocks noGrp="1"/>
-          </p:cNvPicPr>
-          <p:nvPr>
-            <p:ph idx="1"/>
-          </p:nvPr>
+          <p:cNvPr id="4" name="Рисунок 29">
+            <a:extLst>
+              <a:ext uri="{FF2B5EF4-FFF2-40B4-BE49-F238E27FC236}">
+                <a16:creationId xmlns:a16="http://schemas.microsoft.com/office/drawing/2014/main" id="{8BFC3C22-A586-4F1B-93D5-575C37273781}"/>
+              </a:ext>
+            </a:extLst>
+          </p:cNvPr>
+          <p:cNvPicPr/>
+          <p:nvPr/>
         </p:nvPicPr>
         <p:blipFill>
           <a:blip r:embed="rId2" cstate="print"/>
@@ -4299,8 +7669,8 @@
         </p:blipFill>
         <p:spPr bwMode="auto">
           <a:xfrm>
-            <a:off x="591490" y="1205950"/>
-            <a:ext cx="10762310" cy="5169798"/>
+            <a:off x="2393576" y="1325563"/>
+            <a:ext cx="6669462" cy="5317284"/>
           </a:xfrm>
           <a:prstGeom prst="rect">
             <a:avLst/>
@@ -4317,7 +7687,7 @@
     </p:spTree>
     <p:extLst>
       <p:ext uri="{BB962C8B-B14F-4D97-AF65-F5344CB8AC3E}">
-        <p14:creationId xmlns:p14="http://schemas.microsoft.com/office/powerpoint/2010/main" xmlns="" val="3319999586"/>
+        <p14:creationId xmlns:p14="http://schemas.microsoft.com/office/powerpoint/2010/main" val="1109601878"/>
       </p:ext>
     </p:extLst>
   </p:cSld>
@@ -4349,7 +7719,7 @@
           <p:cNvPr id="2" name="Title 1">
             <a:extLst>
               <a:ext uri="{FF2B5EF4-FFF2-40B4-BE49-F238E27FC236}">
-                <a16:creationId xmlns:a16="http://schemas.microsoft.com/office/drawing/2014/main" xmlns="" id="{275CC5C1-8622-4A7B-8184-FD735871F4DE}"/>
+                <a16:creationId xmlns:a16="http://schemas.microsoft.com/office/drawing/2014/main" id="{414DA537-7923-41BA-B511-319B2C78A152}"/>
               </a:ext>
             </a:extLst>
           </p:cNvPr>
@@ -4362,33 +7732,237 @@
         </p:nvSpPr>
         <p:spPr>
           <a:xfrm>
-            <a:off x="838200" y="365125"/>
-            <a:ext cx="10515600" cy="6035675"/>
+            <a:off x="838200" y="18255"/>
+            <a:ext cx="10515600" cy="1325563"/>
           </a:xfrm>
         </p:spPr>
         <p:txBody>
-          <a:bodyPr/>
+          <a:bodyPr>
+            <a:normAutofit/>
+          </a:bodyPr>
           <a:lstStyle/>
           <a:p>
-            <a:pPr algn="ctr"/>
-            <a:r>
-              <a:rPr lang="ru-RU" dirty="0">
-                <a:latin typeface="Times New Roman" panose="02020603050405020304" pitchFamily="18" charset="0"/>
-                <a:cs typeface="Times New Roman" panose="02020603050405020304" pitchFamily="18" charset="0"/>
-              </a:rPr>
-              <a:t>Спасибо за внимание</a:t>
-            </a:r>
-            <a:endParaRPr lang="en-US" dirty="0">
-              <a:latin typeface="Times New Roman" panose="02020603050405020304" pitchFamily="18" charset="0"/>
-              <a:cs typeface="Times New Roman" panose="02020603050405020304" pitchFamily="18" charset="0"/>
-            </a:endParaRPr>
-          </a:p>
-        </p:txBody>
-      </p:sp>
+            <a:r>
+              <a:rPr lang="ru-RU" altLang="en-US" sz="3300" dirty="0">
+                <a:latin typeface="Times New Roman" panose="02020603050405020304" pitchFamily="18" charset="0"/>
+                <a:cs typeface="Times New Roman" panose="02020603050405020304" pitchFamily="18" charset="0"/>
+              </a:rPr>
+              <a:t>Глава 2 Проектирование программного средства</a:t>
+            </a:r>
+            <a:br>
+              <a:rPr lang="en-US" altLang="en-US" sz="3300" dirty="0">
+                <a:latin typeface="Times New Roman" panose="02020603050405020304" pitchFamily="18" charset="0"/>
+                <a:cs typeface="Times New Roman" panose="02020603050405020304" pitchFamily="18" charset="0"/>
+              </a:rPr>
+            </a:br>
+            <a:r>
+              <a:rPr lang="en-US" altLang="en-US" sz="3300" dirty="0">
+                <a:latin typeface="Times New Roman" panose="02020603050405020304" pitchFamily="18" charset="0"/>
+                <a:cs typeface="Times New Roman" panose="02020603050405020304" pitchFamily="18" charset="0"/>
+              </a:rPr>
+              <a:t>2</a:t>
+            </a:r>
+            <a:r>
+              <a:rPr lang="ru-RU" altLang="en-US" sz="3300" dirty="0">
+                <a:latin typeface="Times New Roman" panose="02020603050405020304" pitchFamily="18" charset="0"/>
+                <a:cs typeface="Times New Roman" panose="02020603050405020304" pitchFamily="18" charset="0"/>
+              </a:rPr>
+              <a:t>.</a:t>
+            </a:r>
+            <a:r>
+              <a:rPr lang="en-US" altLang="en-US" sz="3300" dirty="0">
+                <a:latin typeface="Times New Roman" panose="02020603050405020304" pitchFamily="18" charset="0"/>
+                <a:cs typeface="Times New Roman" panose="02020603050405020304" pitchFamily="18" charset="0"/>
+              </a:rPr>
+              <a:t>3</a:t>
+            </a:r>
+            <a:r>
+              <a:rPr lang="ru-RU" altLang="en-US" sz="3300" dirty="0">
+                <a:latin typeface="Times New Roman" panose="02020603050405020304" pitchFamily="18" charset="0"/>
+                <a:cs typeface="Times New Roman" panose="02020603050405020304" pitchFamily="18" charset="0"/>
+              </a:rPr>
+              <a:t> </a:t>
+            </a:r>
+            <a:r>
+              <a:rPr lang="ru-RU" altLang="en-US" sz="3600" dirty="0">
+                <a:latin typeface="Times New Roman" panose="02020603050405020304" pitchFamily="18" charset="0"/>
+                <a:cs typeface="Times New Roman" panose="02020603050405020304" pitchFamily="18" charset="0"/>
+              </a:rPr>
+              <a:t>Сбор поведенческой информации</a:t>
+            </a:r>
+            <a:endParaRPr lang="en-US" sz="3300" dirty="0"/>
+          </a:p>
+        </p:txBody>
+      </p:sp>
+      <p:pic>
+        <p:nvPicPr>
+          <p:cNvPr id="4" name="Picture 3" descr="C:\Users\alcke\Downloads\Untitled Diagram (2).png">
+            <a:extLst>
+              <a:ext uri="{FF2B5EF4-FFF2-40B4-BE49-F238E27FC236}">
+                <a16:creationId xmlns:a16="http://schemas.microsoft.com/office/drawing/2014/main" id="{1287A200-7E12-4E3B-AA1E-BBAA0C2D9CF6}"/>
+              </a:ext>
+            </a:extLst>
+          </p:cNvPr>
+          <p:cNvPicPr/>
+          <p:nvPr/>
+        </p:nvPicPr>
+        <p:blipFill rotWithShape="1">
+          <a:blip r:embed="rId2" cstate="print"/>
+          <a:srcRect l="469" t="2551"/>
+          <a:stretch/>
+        </p:blipFill>
+        <p:spPr bwMode="auto">
+          <a:xfrm>
+            <a:off x="1861666" y="1343818"/>
+            <a:ext cx="8468668" cy="5078718"/>
+          </a:xfrm>
+          <a:prstGeom prst="rect">
+            <a:avLst/>
+          </a:prstGeom>
+          <a:noFill/>
+          <a:ln>
+            <a:noFill/>
+          </a:ln>
+          <a:extLst>
+            <a:ext uri="{53640926-AAD7-44D8-BBD7-CCE9431645EC}">
+              <a14:shadowObscured xmlns:a14="http://schemas.microsoft.com/office/drawing/2010/main"/>
+            </a:ext>
+          </a:extLst>
+        </p:spPr>
+      </p:pic>
     </p:spTree>
     <p:extLst>
       <p:ext uri="{BB962C8B-B14F-4D97-AF65-F5344CB8AC3E}">
-        <p14:creationId xmlns:p14="http://schemas.microsoft.com/office/powerpoint/2010/main" xmlns="" val="471387438"/>
+        <p14:creationId xmlns:p14="http://schemas.microsoft.com/office/powerpoint/2010/main" val="2244663785"/>
+      </p:ext>
+    </p:extLst>
+  </p:cSld>
+  <p:clrMapOvr>
+    <a:masterClrMapping/>
+  </p:clrMapOvr>
+</p:sld>
+</file>
+
+<file path=ppt/slides/slide9.xml><?xml version="1.0" encoding="utf-8"?>
+<p:sld xmlns:a="http://schemas.openxmlformats.org/drawingml/2006/main" xmlns:r="http://schemas.openxmlformats.org/officeDocument/2006/relationships" xmlns:p="http://schemas.openxmlformats.org/presentationml/2006/main">
+  <p:cSld>
+    <p:spTree>
+      <p:nvGrpSpPr>
+        <p:cNvPr id="1" name=""/>
+        <p:cNvGrpSpPr/>
+        <p:nvPr/>
+      </p:nvGrpSpPr>
+      <p:grpSpPr>
+        <a:xfrm>
+          <a:off x="0" y="0"/>
+          <a:ext cx="0" cy="0"/>
+          <a:chOff x="0" y="0"/>
+          <a:chExt cx="0" cy="0"/>
+        </a:xfrm>
+      </p:grpSpPr>
+      <p:sp>
+        <p:nvSpPr>
+          <p:cNvPr id="2" name="Title 1">
+            <a:extLst>
+              <a:ext uri="{FF2B5EF4-FFF2-40B4-BE49-F238E27FC236}">
+                <a16:creationId xmlns:a16="http://schemas.microsoft.com/office/drawing/2014/main" id="{5A5443DF-7CBE-4218-A178-FD3AE3D8A6C5}"/>
+              </a:ext>
+            </a:extLst>
+          </p:cNvPr>
+          <p:cNvSpPr>
+            <a:spLocks noGrp="1"/>
+          </p:cNvSpPr>
+          <p:nvPr>
+            <p:ph type="title"/>
+          </p:nvPr>
+        </p:nvSpPr>
+        <p:spPr>
+          <a:xfrm>
+            <a:off x="838200" y="18255"/>
+            <a:ext cx="10515600" cy="1325563"/>
+          </a:xfrm>
+        </p:spPr>
+        <p:txBody>
+          <a:bodyPr>
+            <a:noAutofit/>
+          </a:bodyPr>
+          <a:lstStyle/>
+          <a:p>
+            <a:r>
+              <a:rPr lang="ru-RU" altLang="en-US" sz="3300" dirty="0">
+                <a:latin typeface="Times New Roman" panose="02020603050405020304" pitchFamily="18" charset="0"/>
+                <a:cs typeface="Times New Roman" panose="02020603050405020304" pitchFamily="18" charset="0"/>
+              </a:rPr>
+              <a:t>Глава 3 Построение классификатора с использованием искусственных нейронных сетей</a:t>
+            </a:r>
+            <a:br>
+              <a:rPr lang="en-US" altLang="en-US" sz="3300" dirty="0">
+                <a:latin typeface="Times New Roman" panose="02020603050405020304" pitchFamily="18" charset="0"/>
+                <a:cs typeface="Times New Roman" panose="02020603050405020304" pitchFamily="18" charset="0"/>
+              </a:rPr>
+            </a:br>
+            <a:r>
+              <a:rPr lang="en-US" altLang="en-US" sz="3300" dirty="0">
+                <a:latin typeface="Times New Roman" panose="02020603050405020304" pitchFamily="18" charset="0"/>
+                <a:cs typeface="Times New Roman" panose="02020603050405020304" pitchFamily="18" charset="0"/>
+              </a:rPr>
+              <a:t>3.1 </a:t>
+            </a:r>
+            <a:r>
+              <a:rPr lang="ru-RU" altLang="en-US" sz="3300" dirty="0">
+                <a:latin typeface="Times New Roman" panose="02020603050405020304" pitchFamily="18" charset="0"/>
+                <a:cs typeface="Times New Roman" panose="02020603050405020304" pitchFamily="18" charset="0"/>
+              </a:rPr>
+              <a:t>Нейронные сети</a:t>
+            </a:r>
+            <a:endParaRPr lang="en-US" sz="3300" dirty="0"/>
+          </a:p>
+        </p:txBody>
+      </p:sp>
+      <p:pic>
+        <p:nvPicPr>
+          <p:cNvPr id="4" name="Рисунок 37" descr="rec">
+            <a:extLst>
+              <a:ext uri="{FF2B5EF4-FFF2-40B4-BE49-F238E27FC236}">
+                <a16:creationId xmlns:a16="http://schemas.microsoft.com/office/drawing/2014/main" id="{12E96A14-2305-45ED-9F76-2E5B4DF630B6}"/>
+              </a:ext>
+            </a:extLst>
+          </p:cNvPr>
+          <p:cNvPicPr>
+            <a:picLocks noGrp="1"/>
+          </p:cNvPicPr>
+          <p:nvPr>
+            <p:ph idx="1"/>
+          </p:nvPr>
+        </p:nvPicPr>
+        <p:blipFill>
+          <a:blip r:embed="rId2" cstate="print"/>
+          <a:srcRect/>
+          <a:stretch>
+            <a:fillRect/>
+          </a:stretch>
+        </p:blipFill>
+        <p:spPr bwMode="auto">
+          <a:xfrm>
+            <a:off x="3501421" y="1343818"/>
+            <a:ext cx="4998465" cy="5290390"/>
+          </a:xfrm>
+          <a:prstGeom prst="rect">
+            <a:avLst/>
+          </a:prstGeom>
+          <a:noFill/>
+          <a:ln w="9525">
+            <a:noFill/>
+            <a:miter lim="800000"/>
+            <a:headEnd/>
+            <a:tailEnd/>
+          </a:ln>
+        </p:spPr>
+      </p:pic>
+    </p:spTree>
+    <p:extLst>
+      <p:ext uri="{BB962C8B-B14F-4D97-AF65-F5344CB8AC3E}">
+        <p14:creationId xmlns:p14="http://schemas.microsoft.com/office/powerpoint/2010/main" val="3090996631"/>
       </p:ext>
     </p:extLst>
   </p:cSld>
@@ -4687,7 +8261,7 @@
   <a:extraClrSchemeLst/>
   <a:extLst>
     <a:ext uri="{05A4C25C-085E-4340-85A3-A5531E510DB2}">
-      <thm15:themeFamily xmlns:thm15="http://schemas.microsoft.com/office/thememl/2012/main" xmlns="" name="Office Theme" id="{62F939B6-93AF-4DB8-9C6B-D6C7DFDC589F}" vid="{4A3C46E8-61CC-4603-A589-7422A47A8E4A}"/>
+      <thm15:themeFamily xmlns:thm15="http://schemas.microsoft.com/office/thememl/2012/main" name="Office Theme" id="{62F939B6-93AF-4DB8-9C6B-D6C7DFDC589F}" vid="{4A3C46E8-61CC-4603-A589-7422A47A8E4A}"/>
     </a:ext>
   </a:extLst>
 </a:theme>

--- a/Алькевич А.С/Презентация.pptx
+++ b/Алькевич А.С/Презентация.pptx
@@ -7,26 +7,22 @@
   <p:sldIdLst>
     <p:sldId id="256" r:id="rId2"/>
     <p:sldId id="260" r:id="rId3"/>
-    <p:sldId id="259" r:id="rId4"/>
-    <p:sldId id="265" r:id="rId5"/>
-    <p:sldId id="266" r:id="rId6"/>
-    <p:sldId id="267" r:id="rId7"/>
-    <p:sldId id="270" r:id="rId8"/>
-    <p:sldId id="271" r:id="rId9"/>
-    <p:sldId id="268" r:id="rId10"/>
-    <p:sldId id="272" r:id="rId11"/>
-    <p:sldId id="269" r:id="rId12"/>
-    <p:sldId id="273" r:id="rId13"/>
-    <p:sldId id="274" r:id="rId14"/>
-    <p:sldId id="275" r:id="rId15"/>
-    <p:sldId id="276" r:id="rId16"/>
-    <p:sldId id="279" r:id="rId17"/>
-    <p:sldId id="277" r:id="rId18"/>
-    <p:sldId id="278" r:id="rId19"/>
-    <p:sldId id="280" r:id="rId20"/>
-    <p:sldId id="281" r:id="rId21"/>
-    <p:sldId id="282" r:id="rId22"/>
-    <p:sldId id="257" r:id="rId23"/>
+    <p:sldId id="284" r:id="rId4"/>
+    <p:sldId id="283" r:id="rId5"/>
+    <p:sldId id="289" r:id="rId6"/>
+    <p:sldId id="285" r:id="rId7"/>
+    <p:sldId id="287" r:id="rId8"/>
+    <p:sldId id="286" r:id="rId9"/>
+    <p:sldId id="292" r:id="rId10"/>
+    <p:sldId id="288" r:id="rId11"/>
+    <p:sldId id="290" r:id="rId12"/>
+    <p:sldId id="291" r:id="rId13"/>
+    <p:sldId id="269" r:id="rId14"/>
+    <p:sldId id="273" r:id="rId15"/>
+    <p:sldId id="274" r:id="rId16"/>
+    <p:sldId id="275" r:id="rId17"/>
+    <p:sldId id="280" r:id="rId18"/>
+    <p:sldId id="257" r:id="rId19"/>
   </p:sldIdLst>
   <p:sldSz cx="12192000" cy="6858000"/>
   <p:notesSz cx="6858000" cy="9144000"/>
@@ -127,7 +123,7 @@
   </p:defaultTextStyle>
   <p:extLst>
     <p:ext uri="{EFAFB233-063F-42B5-8137-9DF3F51BA10A}">
-      <p15:sldGuideLst xmlns:p15="http://schemas.microsoft.com/office/powerpoint/2012/main">
+      <p15:sldGuideLst xmlns:p15="http://schemas.microsoft.com/office/powerpoint/2012/main" xmlns="">
         <p15:guide id="1" orient="horz" pos="2160">
           <p15:clr>
             <a:srgbClr val="A4A3A4"/>
@@ -166,7 +162,7 @@
           <p:cNvPr id="2" name="Title 1">
             <a:extLst>
               <a:ext uri="{FF2B5EF4-FFF2-40B4-BE49-F238E27FC236}">
-                <a16:creationId xmlns:a16="http://schemas.microsoft.com/office/drawing/2014/main" id="{075A325B-EC82-4904-A9A2-236D01B3D7AC}"/>
+                <a16:creationId xmlns:a16="http://schemas.microsoft.com/office/drawing/2014/main" xmlns="" id="{075A325B-EC82-4904-A9A2-236D01B3D7AC}"/>
               </a:ext>
             </a:extLst>
           </p:cNvPr>
@@ -203,7 +199,7 @@
           <p:cNvPr id="3" name="Subtitle 2">
             <a:extLst>
               <a:ext uri="{FF2B5EF4-FFF2-40B4-BE49-F238E27FC236}">
-                <a16:creationId xmlns:a16="http://schemas.microsoft.com/office/drawing/2014/main" id="{A59E1933-8127-4E9F-B8CD-A242D0E1A9CB}"/>
+                <a16:creationId xmlns:a16="http://schemas.microsoft.com/office/drawing/2014/main" xmlns="" id="{A59E1933-8127-4E9F-B8CD-A242D0E1A9CB}"/>
               </a:ext>
             </a:extLst>
           </p:cNvPr>
@@ -273,7 +269,7 @@
           <p:cNvPr id="4" name="Date Placeholder 3">
             <a:extLst>
               <a:ext uri="{FF2B5EF4-FFF2-40B4-BE49-F238E27FC236}">
-                <a16:creationId xmlns:a16="http://schemas.microsoft.com/office/drawing/2014/main" id="{3500B7BE-606D-4F3C-B108-44C68BB6C70F}"/>
+                <a16:creationId xmlns:a16="http://schemas.microsoft.com/office/drawing/2014/main" xmlns="" id="{3500B7BE-606D-4F3C-B108-44C68BB6C70F}"/>
               </a:ext>
             </a:extLst>
           </p:cNvPr>
@@ -292,7 +288,7 @@
             <a:fld id="{FA2E1F03-39B6-4BE1-A82C-E30542474753}" type="datetimeFigureOut">
               <a:rPr lang="en-US" smtClean="0"/>
               <a:pPr/>
-              <a:t>6/12/2019</a:t>
+              <a:t>6/17/2019</a:t>
             </a:fld>
             <a:endParaRPr lang="en-US"/>
           </a:p>
@@ -303,7 +299,7 @@
           <p:cNvPr id="5" name="Footer Placeholder 4">
             <a:extLst>
               <a:ext uri="{FF2B5EF4-FFF2-40B4-BE49-F238E27FC236}">
-                <a16:creationId xmlns:a16="http://schemas.microsoft.com/office/drawing/2014/main" id="{C5D4B445-95D6-4B06-8E21-61D5BFF5B2F6}"/>
+                <a16:creationId xmlns:a16="http://schemas.microsoft.com/office/drawing/2014/main" xmlns="" id="{C5D4B445-95D6-4B06-8E21-61D5BFF5B2F6}"/>
               </a:ext>
             </a:extLst>
           </p:cNvPr>
@@ -328,7 +324,7 @@
           <p:cNvPr id="6" name="Slide Number Placeholder 5">
             <a:extLst>
               <a:ext uri="{FF2B5EF4-FFF2-40B4-BE49-F238E27FC236}">
-                <a16:creationId xmlns:a16="http://schemas.microsoft.com/office/drawing/2014/main" id="{50F38575-7DF0-4297-9FD3-A6723369B92D}"/>
+                <a16:creationId xmlns:a16="http://schemas.microsoft.com/office/drawing/2014/main" xmlns="" id="{50F38575-7DF0-4297-9FD3-A6723369B92D}"/>
               </a:ext>
             </a:extLst>
           </p:cNvPr>
@@ -356,7 +352,7 @@
     </p:spTree>
     <p:extLst>
       <p:ext uri="{BB962C8B-B14F-4D97-AF65-F5344CB8AC3E}">
-        <p14:creationId xmlns:p14="http://schemas.microsoft.com/office/powerpoint/2010/main" val="3779878831"/>
+        <p14:creationId xmlns:p14="http://schemas.microsoft.com/office/powerpoint/2010/main" xmlns="" val="3779878831"/>
       </p:ext>
     </p:extLst>
   </p:cSld>
@@ -388,7 +384,7 @@
           <p:cNvPr id="2" name="Title 1">
             <a:extLst>
               <a:ext uri="{FF2B5EF4-FFF2-40B4-BE49-F238E27FC236}">
-                <a16:creationId xmlns:a16="http://schemas.microsoft.com/office/drawing/2014/main" id="{DBB4BB53-F640-4B09-A8D2-2C26B5F06F21}"/>
+                <a16:creationId xmlns:a16="http://schemas.microsoft.com/office/drawing/2014/main" xmlns="" id="{DBB4BB53-F640-4B09-A8D2-2C26B5F06F21}"/>
               </a:ext>
             </a:extLst>
           </p:cNvPr>
@@ -416,7 +412,7 @@
           <p:cNvPr id="3" name="Vertical Text Placeholder 2">
             <a:extLst>
               <a:ext uri="{FF2B5EF4-FFF2-40B4-BE49-F238E27FC236}">
-                <a16:creationId xmlns:a16="http://schemas.microsoft.com/office/drawing/2014/main" id="{497674D4-4594-4E03-9FBF-49B9AE47E974}"/>
+                <a16:creationId xmlns:a16="http://schemas.microsoft.com/office/drawing/2014/main" xmlns="" id="{497674D4-4594-4E03-9FBF-49B9AE47E974}"/>
               </a:ext>
             </a:extLst>
           </p:cNvPr>
@@ -473,7 +469,7 @@
           <p:cNvPr id="4" name="Date Placeholder 3">
             <a:extLst>
               <a:ext uri="{FF2B5EF4-FFF2-40B4-BE49-F238E27FC236}">
-                <a16:creationId xmlns:a16="http://schemas.microsoft.com/office/drawing/2014/main" id="{A95BDF95-B9D3-4364-A25B-093D6E972F4C}"/>
+                <a16:creationId xmlns:a16="http://schemas.microsoft.com/office/drawing/2014/main" xmlns="" id="{A95BDF95-B9D3-4364-A25B-093D6E972F4C}"/>
               </a:ext>
             </a:extLst>
           </p:cNvPr>
@@ -492,7 +488,7 @@
             <a:fld id="{FA2E1F03-39B6-4BE1-A82C-E30542474753}" type="datetimeFigureOut">
               <a:rPr lang="en-US" smtClean="0"/>
               <a:pPr/>
-              <a:t>6/12/2019</a:t>
+              <a:t>6/17/2019</a:t>
             </a:fld>
             <a:endParaRPr lang="en-US"/>
           </a:p>
@@ -503,7 +499,7 @@
           <p:cNvPr id="5" name="Footer Placeholder 4">
             <a:extLst>
               <a:ext uri="{FF2B5EF4-FFF2-40B4-BE49-F238E27FC236}">
-                <a16:creationId xmlns:a16="http://schemas.microsoft.com/office/drawing/2014/main" id="{FA50CD65-423B-44F6-B467-E532CC2EC677}"/>
+                <a16:creationId xmlns:a16="http://schemas.microsoft.com/office/drawing/2014/main" xmlns="" id="{FA50CD65-423B-44F6-B467-E532CC2EC677}"/>
               </a:ext>
             </a:extLst>
           </p:cNvPr>
@@ -528,7 +524,7 @@
           <p:cNvPr id="6" name="Slide Number Placeholder 5">
             <a:extLst>
               <a:ext uri="{FF2B5EF4-FFF2-40B4-BE49-F238E27FC236}">
-                <a16:creationId xmlns:a16="http://schemas.microsoft.com/office/drawing/2014/main" id="{B8382766-6D75-4861-B8AE-BF79A4C54DB0}"/>
+                <a16:creationId xmlns:a16="http://schemas.microsoft.com/office/drawing/2014/main" xmlns="" id="{B8382766-6D75-4861-B8AE-BF79A4C54DB0}"/>
               </a:ext>
             </a:extLst>
           </p:cNvPr>
@@ -556,7 +552,7 @@
     </p:spTree>
     <p:extLst>
       <p:ext uri="{BB962C8B-B14F-4D97-AF65-F5344CB8AC3E}">
-        <p14:creationId xmlns:p14="http://schemas.microsoft.com/office/powerpoint/2010/main" val="823327709"/>
+        <p14:creationId xmlns:p14="http://schemas.microsoft.com/office/powerpoint/2010/main" xmlns="" val="823327709"/>
       </p:ext>
     </p:extLst>
   </p:cSld>
@@ -588,7 +584,7 @@
           <p:cNvPr id="2" name="Vertical Title 1">
             <a:extLst>
               <a:ext uri="{FF2B5EF4-FFF2-40B4-BE49-F238E27FC236}">
-                <a16:creationId xmlns:a16="http://schemas.microsoft.com/office/drawing/2014/main" id="{9B9A79F7-4200-4CF1-BE75-80032BC9DDCE}"/>
+                <a16:creationId xmlns:a16="http://schemas.microsoft.com/office/drawing/2014/main" xmlns="" id="{9B9A79F7-4200-4CF1-BE75-80032BC9DDCE}"/>
               </a:ext>
             </a:extLst>
           </p:cNvPr>
@@ -621,7 +617,7 @@
           <p:cNvPr id="3" name="Vertical Text Placeholder 2">
             <a:extLst>
               <a:ext uri="{FF2B5EF4-FFF2-40B4-BE49-F238E27FC236}">
-                <a16:creationId xmlns:a16="http://schemas.microsoft.com/office/drawing/2014/main" id="{B15DEFFF-9D7C-45D1-A0A5-43719CECA94F}"/>
+                <a16:creationId xmlns:a16="http://schemas.microsoft.com/office/drawing/2014/main" xmlns="" id="{B15DEFFF-9D7C-45D1-A0A5-43719CECA94F}"/>
               </a:ext>
             </a:extLst>
           </p:cNvPr>
@@ -683,7 +679,7 @@
           <p:cNvPr id="4" name="Date Placeholder 3">
             <a:extLst>
               <a:ext uri="{FF2B5EF4-FFF2-40B4-BE49-F238E27FC236}">
-                <a16:creationId xmlns:a16="http://schemas.microsoft.com/office/drawing/2014/main" id="{2C670662-7C96-4DA1-A035-60BAA00D12FA}"/>
+                <a16:creationId xmlns:a16="http://schemas.microsoft.com/office/drawing/2014/main" xmlns="" id="{2C670662-7C96-4DA1-A035-60BAA00D12FA}"/>
               </a:ext>
             </a:extLst>
           </p:cNvPr>
@@ -702,7 +698,7 @@
             <a:fld id="{FA2E1F03-39B6-4BE1-A82C-E30542474753}" type="datetimeFigureOut">
               <a:rPr lang="en-US" smtClean="0"/>
               <a:pPr/>
-              <a:t>6/12/2019</a:t>
+              <a:t>6/17/2019</a:t>
             </a:fld>
             <a:endParaRPr lang="en-US"/>
           </a:p>
@@ -713,7 +709,7 @@
           <p:cNvPr id="5" name="Footer Placeholder 4">
             <a:extLst>
               <a:ext uri="{FF2B5EF4-FFF2-40B4-BE49-F238E27FC236}">
-                <a16:creationId xmlns:a16="http://schemas.microsoft.com/office/drawing/2014/main" id="{99E0F936-D249-4792-8247-6CDB1E3B811E}"/>
+                <a16:creationId xmlns:a16="http://schemas.microsoft.com/office/drawing/2014/main" xmlns="" id="{99E0F936-D249-4792-8247-6CDB1E3B811E}"/>
               </a:ext>
             </a:extLst>
           </p:cNvPr>
@@ -738,7 +734,7 @@
           <p:cNvPr id="6" name="Slide Number Placeholder 5">
             <a:extLst>
               <a:ext uri="{FF2B5EF4-FFF2-40B4-BE49-F238E27FC236}">
-                <a16:creationId xmlns:a16="http://schemas.microsoft.com/office/drawing/2014/main" id="{443CC790-7FB8-491E-89D4-24CB3AEC6490}"/>
+                <a16:creationId xmlns:a16="http://schemas.microsoft.com/office/drawing/2014/main" xmlns="" id="{443CC790-7FB8-491E-89D4-24CB3AEC6490}"/>
               </a:ext>
             </a:extLst>
           </p:cNvPr>
@@ -766,7 +762,7 @@
     </p:spTree>
     <p:extLst>
       <p:ext uri="{BB962C8B-B14F-4D97-AF65-F5344CB8AC3E}">
-        <p14:creationId xmlns:p14="http://schemas.microsoft.com/office/powerpoint/2010/main" val="3030679375"/>
+        <p14:creationId xmlns:p14="http://schemas.microsoft.com/office/powerpoint/2010/main" xmlns="" val="3030679375"/>
       </p:ext>
     </p:extLst>
   </p:cSld>
@@ -798,7 +794,7 @@
           <p:cNvPr id="2" name="Title 1">
             <a:extLst>
               <a:ext uri="{FF2B5EF4-FFF2-40B4-BE49-F238E27FC236}">
-                <a16:creationId xmlns:a16="http://schemas.microsoft.com/office/drawing/2014/main" id="{60833AB4-6484-462E-A3CC-829E6ECAEFBA}"/>
+                <a16:creationId xmlns:a16="http://schemas.microsoft.com/office/drawing/2014/main" xmlns="" id="{60833AB4-6484-462E-A3CC-829E6ECAEFBA}"/>
               </a:ext>
             </a:extLst>
           </p:cNvPr>
@@ -826,7 +822,7 @@
           <p:cNvPr id="3" name="Content Placeholder 2">
             <a:extLst>
               <a:ext uri="{FF2B5EF4-FFF2-40B4-BE49-F238E27FC236}">
-                <a16:creationId xmlns:a16="http://schemas.microsoft.com/office/drawing/2014/main" id="{A2C5186C-7C10-498B-8A1D-A1A431132C11}"/>
+                <a16:creationId xmlns:a16="http://schemas.microsoft.com/office/drawing/2014/main" xmlns="" id="{A2C5186C-7C10-498B-8A1D-A1A431132C11}"/>
               </a:ext>
             </a:extLst>
           </p:cNvPr>
@@ -883,7 +879,7 @@
           <p:cNvPr id="4" name="Date Placeholder 3">
             <a:extLst>
               <a:ext uri="{FF2B5EF4-FFF2-40B4-BE49-F238E27FC236}">
-                <a16:creationId xmlns:a16="http://schemas.microsoft.com/office/drawing/2014/main" id="{E7021A96-81DC-4AD0-ACA8-04C99423CF80}"/>
+                <a16:creationId xmlns:a16="http://schemas.microsoft.com/office/drawing/2014/main" xmlns="" id="{E7021A96-81DC-4AD0-ACA8-04C99423CF80}"/>
               </a:ext>
             </a:extLst>
           </p:cNvPr>
@@ -902,7 +898,7 @@
             <a:fld id="{FA2E1F03-39B6-4BE1-A82C-E30542474753}" type="datetimeFigureOut">
               <a:rPr lang="en-US" smtClean="0"/>
               <a:pPr/>
-              <a:t>6/12/2019</a:t>
+              <a:t>6/17/2019</a:t>
             </a:fld>
             <a:endParaRPr lang="en-US"/>
           </a:p>
@@ -913,7 +909,7 @@
           <p:cNvPr id="5" name="Footer Placeholder 4">
             <a:extLst>
               <a:ext uri="{FF2B5EF4-FFF2-40B4-BE49-F238E27FC236}">
-                <a16:creationId xmlns:a16="http://schemas.microsoft.com/office/drawing/2014/main" id="{37D91247-1896-4CBF-ADAA-2B57647FB807}"/>
+                <a16:creationId xmlns:a16="http://schemas.microsoft.com/office/drawing/2014/main" xmlns="" id="{37D91247-1896-4CBF-ADAA-2B57647FB807}"/>
               </a:ext>
             </a:extLst>
           </p:cNvPr>
@@ -938,7 +934,7 @@
           <p:cNvPr id="6" name="Slide Number Placeholder 5">
             <a:extLst>
               <a:ext uri="{FF2B5EF4-FFF2-40B4-BE49-F238E27FC236}">
-                <a16:creationId xmlns:a16="http://schemas.microsoft.com/office/drawing/2014/main" id="{1E8AF0A9-88E5-483D-ABFD-DC372ADABF77}"/>
+                <a16:creationId xmlns:a16="http://schemas.microsoft.com/office/drawing/2014/main" xmlns="" id="{1E8AF0A9-88E5-483D-ABFD-DC372ADABF77}"/>
               </a:ext>
             </a:extLst>
           </p:cNvPr>
@@ -966,7 +962,7 @@
     </p:spTree>
     <p:extLst>
       <p:ext uri="{BB962C8B-B14F-4D97-AF65-F5344CB8AC3E}">
-        <p14:creationId xmlns:p14="http://schemas.microsoft.com/office/powerpoint/2010/main" val="2484586931"/>
+        <p14:creationId xmlns:p14="http://schemas.microsoft.com/office/powerpoint/2010/main" xmlns="" val="2484586931"/>
       </p:ext>
     </p:extLst>
   </p:cSld>
@@ -998,7 +994,7 @@
           <p:cNvPr id="2" name="Title 1">
             <a:extLst>
               <a:ext uri="{FF2B5EF4-FFF2-40B4-BE49-F238E27FC236}">
-                <a16:creationId xmlns:a16="http://schemas.microsoft.com/office/drawing/2014/main" id="{EB638D51-006E-494E-835E-FD3DD865574E}"/>
+                <a16:creationId xmlns:a16="http://schemas.microsoft.com/office/drawing/2014/main" xmlns="" id="{EB638D51-006E-494E-835E-FD3DD865574E}"/>
               </a:ext>
             </a:extLst>
           </p:cNvPr>
@@ -1035,7 +1031,7 @@
           <p:cNvPr id="3" name="Text Placeholder 2">
             <a:extLst>
               <a:ext uri="{FF2B5EF4-FFF2-40B4-BE49-F238E27FC236}">
-                <a16:creationId xmlns:a16="http://schemas.microsoft.com/office/drawing/2014/main" id="{B0F1496E-B8AB-4111-A535-DACBE65294F0}"/>
+                <a16:creationId xmlns:a16="http://schemas.microsoft.com/office/drawing/2014/main" xmlns="" id="{B0F1496E-B8AB-4111-A535-DACBE65294F0}"/>
               </a:ext>
             </a:extLst>
           </p:cNvPr>
@@ -1160,7 +1156,7 @@
           <p:cNvPr id="4" name="Date Placeholder 3">
             <a:extLst>
               <a:ext uri="{FF2B5EF4-FFF2-40B4-BE49-F238E27FC236}">
-                <a16:creationId xmlns:a16="http://schemas.microsoft.com/office/drawing/2014/main" id="{27A93AFA-34ED-4B54-A135-051A4FD82B57}"/>
+                <a16:creationId xmlns:a16="http://schemas.microsoft.com/office/drawing/2014/main" xmlns="" id="{27A93AFA-34ED-4B54-A135-051A4FD82B57}"/>
               </a:ext>
             </a:extLst>
           </p:cNvPr>
@@ -1179,7 +1175,7 @@
             <a:fld id="{FA2E1F03-39B6-4BE1-A82C-E30542474753}" type="datetimeFigureOut">
               <a:rPr lang="en-US" smtClean="0"/>
               <a:pPr/>
-              <a:t>6/12/2019</a:t>
+              <a:t>6/17/2019</a:t>
             </a:fld>
             <a:endParaRPr lang="en-US"/>
           </a:p>
@@ -1190,7 +1186,7 @@
           <p:cNvPr id="5" name="Footer Placeholder 4">
             <a:extLst>
               <a:ext uri="{FF2B5EF4-FFF2-40B4-BE49-F238E27FC236}">
-                <a16:creationId xmlns:a16="http://schemas.microsoft.com/office/drawing/2014/main" id="{D457C026-FFAE-4809-B341-7B4577DDBF3D}"/>
+                <a16:creationId xmlns:a16="http://schemas.microsoft.com/office/drawing/2014/main" xmlns="" id="{D457C026-FFAE-4809-B341-7B4577DDBF3D}"/>
               </a:ext>
             </a:extLst>
           </p:cNvPr>
@@ -1215,7 +1211,7 @@
           <p:cNvPr id="6" name="Slide Number Placeholder 5">
             <a:extLst>
               <a:ext uri="{FF2B5EF4-FFF2-40B4-BE49-F238E27FC236}">
-                <a16:creationId xmlns:a16="http://schemas.microsoft.com/office/drawing/2014/main" id="{1C938048-903B-4343-B294-8EC5929B216B}"/>
+                <a16:creationId xmlns:a16="http://schemas.microsoft.com/office/drawing/2014/main" xmlns="" id="{1C938048-903B-4343-B294-8EC5929B216B}"/>
               </a:ext>
             </a:extLst>
           </p:cNvPr>
@@ -1243,7 +1239,7 @@
     </p:spTree>
     <p:extLst>
       <p:ext uri="{BB962C8B-B14F-4D97-AF65-F5344CB8AC3E}">
-        <p14:creationId xmlns:p14="http://schemas.microsoft.com/office/powerpoint/2010/main" val="670945512"/>
+        <p14:creationId xmlns:p14="http://schemas.microsoft.com/office/powerpoint/2010/main" xmlns="" val="670945512"/>
       </p:ext>
     </p:extLst>
   </p:cSld>
@@ -1275,7 +1271,7 @@
           <p:cNvPr id="2" name="Title 1">
             <a:extLst>
               <a:ext uri="{FF2B5EF4-FFF2-40B4-BE49-F238E27FC236}">
-                <a16:creationId xmlns:a16="http://schemas.microsoft.com/office/drawing/2014/main" id="{4683A521-79F1-48FD-B0B5-E27E36D784E9}"/>
+                <a16:creationId xmlns:a16="http://schemas.microsoft.com/office/drawing/2014/main" xmlns="" id="{4683A521-79F1-48FD-B0B5-E27E36D784E9}"/>
               </a:ext>
             </a:extLst>
           </p:cNvPr>
@@ -1303,7 +1299,7 @@
           <p:cNvPr id="3" name="Content Placeholder 2">
             <a:extLst>
               <a:ext uri="{FF2B5EF4-FFF2-40B4-BE49-F238E27FC236}">
-                <a16:creationId xmlns:a16="http://schemas.microsoft.com/office/drawing/2014/main" id="{FD42CBE2-652B-4628-8452-771F898459FA}"/>
+                <a16:creationId xmlns:a16="http://schemas.microsoft.com/office/drawing/2014/main" xmlns="" id="{FD42CBE2-652B-4628-8452-771F898459FA}"/>
               </a:ext>
             </a:extLst>
           </p:cNvPr>
@@ -1365,7 +1361,7 @@
           <p:cNvPr id="4" name="Content Placeholder 3">
             <a:extLst>
               <a:ext uri="{FF2B5EF4-FFF2-40B4-BE49-F238E27FC236}">
-                <a16:creationId xmlns:a16="http://schemas.microsoft.com/office/drawing/2014/main" id="{A94F0ED7-7186-4A06-821F-3EFC50389665}"/>
+                <a16:creationId xmlns:a16="http://schemas.microsoft.com/office/drawing/2014/main" xmlns="" id="{A94F0ED7-7186-4A06-821F-3EFC50389665}"/>
               </a:ext>
             </a:extLst>
           </p:cNvPr>
@@ -1427,7 +1423,7 @@
           <p:cNvPr id="5" name="Date Placeholder 4">
             <a:extLst>
               <a:ext uri="{FF2B5EF4-FFF2-40B4-BE49-F238E27FC236}">
-                <a16:creationId xmlns:a16="http://schemas.microsoft.com/office/drawing/2014/main" id="{4291441B-ADF2-4493-8215-0F97A2AB9DF0}"/>
+                <a16:creationId xmlns:a16="http://schemas.microsoft.com/office/drawing/2014/main" xmlns="" id="{4291441B-ADF2-4493-8215-0F97A2AB9DF0}"/>
               </a:ext>
             </a:extLst>
           </p:cNvPr>
@@ -1446,7 +1442,7 @@
             <a:fld id="{FA2E1F03-39B6-4BE1-A82C-E30542474753}" type="datetimeFigureOut">
               <a:rPr lang="en-US" smtClean="0"/>
               <a:pPr/>
-              <a:t>6/12/2019</a:t>
+              <a:t>6/17/2019</a:t>
             </a:fld>
             <a:endParaRPr lang="en-US"/>
           </a:p>
@@ -1457,7 +1453,7 @@
           <p:cNvPr id="6" name="Footer Placeholder 5">
             <a:extLst>
               <a:ext uri="{FF2B5EF4-FFF2-40B4-BE49-F238E27FC236}">
-                <a16:creationId xmlns:a16="http://schemas.microsoft.com/office/drawing/2014/main" id="{325CDFF8-E8D1-44C8-AEAA-6AA417A1C9E1}"/>
+                <a16:creationId xmlns:a16="http://schemas.microsoft.com/office/drawing/2014/main" xmlns="" id="{325CDFF8-E8D1-44C8-AEAA-6AA417A1C9E1}"/>
               </a:ext>
             </a:extLst>
           </p:cNvPr>
@@ -1482,7 +1478,7 @@
           <p:cNvPr id="7" name="Slide Number Placeholder 6">
             <a:extLst>
               <a:ext uri="{FF2B5EF4-FFF2-40B4-BE49-F238E27FC236}">
-                <a16:creationId xmlns:a16="http://schemas.microsoft.com/office/drawing/2014/main" id="{8A435470-1D0A-4054-957B-B4A6BCB97787}"/>
+                <a16:creationId xmlns:a16="http://schemas.microsoft.com/office/drawing/2014/main" xmlns="" id="{8A435470-1D0A-4054-957B-B4A6BCB97787}"/>
               </a:ext>
             </a:extLst>
           </p:cNvPr>
@@ -1510,7 +1506,7 @@
     </p:spTree>
     <p:extLst>
       <p:ext uri="{BB962C8B-B14F-4D97-AF65-F5344CB8AC3E}">
-        <p14:creationId xmlns:p14="http://schemas.microsoft.com/office/powerpoint/2010/main" val="2480360642"/>
+        <p14:creationId xmlns:p14="http://schemas.microsoft.com/office/powerpoint/2010/main" xmlns="" val="2480360642"/>
       </p:ext>
     </p:extLst>
   </p:cSld>
@@ -1542,7 +1538,7 @@
           <p:cNvPr id="2" name="Title 1">
             <a:extLst>
               <a:ext uri="{FF2B5EF4-FFF2-40B4-BE49-F238E27FC236}">
-                <a16:creationId xmlns:a16="http://schemas.microsoft.com/office/drawing/2014/main" id="{54E7C32B-2BA9-446A-9235-15F5DD839BFD}"/>
+                <a16:creationId xmlns:a16="http://schemas.microsoft.com/office/drawing/2014/main" xmlns="" id="{54E7C32B-2BA9-446A-9235-15F5DD839BFD}"/>
               </a:ext>
             </a:extLst>
           </p:cNvPr>
@@ -1575,7 +1571,7 @@
           <p:cNvPr id="3" name="Text Placeholder 2">
             <a:extLst>
               <a:ext uri="{FF2B5EF4-FFF2-40B4-BE49-F238E27FC236}">
-                <a16:creationId xmlns:a16="http://schemas.microsoft.com/office/drawing/2014/main" id="{DB3A3E22-4FA5-4454-939F-23B9F9DECC3F}"/>
+                <a16:creationId xmlns:a16="http://schemas.microsoft.com/office/drawing/2014/main" xmlns="" id="{DB3A3E22-4FA5-4454-939F-23B9F9DECC3F}"/>
               </a:ext>
             </a:extLst>
           </p:cNvPr>
@@ -1646,7 +1642,7 @@
           <p:cNvPr id="4" name="Content Placeholder 3">
             <a:extLst>
               <a:ext uri="{FF2B5EF4-FFF2-40B4-BE49-F238E27FC236}">
-                <a16:creationId xmlns:a16="http://schemas.microsoft.com/office/drawing/2014/main" id="{72DF83FC-FEFA-4AFD-A144-30F27A459D20}"/>
+                <a16:creationId xmlns:a16="http://schemas.microsoft.com/office/drawing/2014/main" xmlns="" id="{72DF83FC-FEFA-4AFD-A144-30F27A459D20}"/>
               </a:ext>
             </a:extLst>
           </p:cNvPr>
@@ -1708,7 +1704,7 @@
           <p:cNvPr id="5" name="Text Placeholder 4">
             <a:extLst>
               <a:ext uri="{FF2B5EF4-FFF2-40B4-BE49-F238E27FC236}">
-                <a16:creationId xmlns:a16="http://schemas.microsoft.com/office/drawing/2014/main" id="{0C199EDB-45B1-4A75-BA50-2AEC47282E43}"/>
+                <a16:creationId xmlns:a16="http://schemas.microsoft.com/office/drawing/2014/main" xmlns="" id="{0C199EDB-45B1-4A75-BA50-2AEC47282E43}"/>
               </a:ext>
             </a:extLst>
           </p:cNvPr>
@@ -1779,7 +1775,7 @@
           <p:cNvPr id="6" name="Content Placeholder 5">
             <a:extLst>
               <a:ext uri="{FF2B5EF4-FFF2-40B4-BE49-F238E27FC236}">
-                <a16:creationId xmlns:a16="http://schemas.microsoft.com/office/drawing/2014/main" id="{1EF008B0-860C-4487-B63E-7D8277D34C8C}"/>
+                <a16:creationId xmlns:a16="http://schemas.microsoft.com/office/drawing/2014/main" xmlns="" id="{1EF008B0-860C-4487-B63E-7D8277D34C8C}"/>
               </a:ext>
             </a:extLst>
           </p:cNvPr>
@@ -1841,7 +1837,7 @@
           <p:cNvPr id="7" name="Date Placeholder 6">
             <a:extLst>
               <a:ext uri="{FF2B5EF4-FFF2-40B4-BE49-F238E27FC236}">
-                <a16:creationId xmlns:a16="http://schemas.microsoft.com/office/drawing/2014/main" id="{306A1AD2-F252-4D88-A84E-ADD2AB6668C1}"/>
+                <a16:creationId xmlns:a16="http://schemas.microsoft.com/office/drawing/2014/main" xmlns="" id="{306A1AD2-F252-4D88-A84E-ADD2AB6668C1}"/>
               </a:ext>
             </a:extLst>
           </p:cNvPr>
@@ -1860,7 +1856,7 @@
             <a:fld id="{FA2E1F03-39B6-4BE1-A82C-E30542474753}" type="datetimeFigureOut">
               <a:rPr lang="en-US" smtClean="0"/>
               <a:pPr/>
-              <a:t>6/12/2019</a:t>
+              <a:t>6/17/2019</a:t>
             </a:fld>
             <a:endParaRPr lang="en-US"/>
           </a:p>
@@ -1871,7 +1867,7 @@
           <p:cNvPr id="8" name="Footer Placeholder 7">
             <a:extLst>
               <a:ext uri="{FF2B5EF4-FFF2-40B4-BE49-F238E27FC236}">
-                <a16:creationId xmlns:a16="http://schemas.microsoft.com/office/drawing/2014/main" id="{47CC986C-75B9-49C5-8B44-22B2507F8A8D}"/>
+                <a16:creationId xmlns:a16="http://schemas.microsoft.com/office/drawing/2014/main" xmlns="" id="{47CC986C-75B9-49C5-8B44-22B2507F8A8D}"/>
               </a:ext>
             </a:extLst>
           </p:cNvPr>
@@ -1896,7 +1892,7 @@
           <p:cNvPr id="9" name="Slide Number Placeholder 8">
             <a:extLst>
               <a:ext uri="{FF2B5EF4-FFF2-40B4-BE49-F238E27FC236}">
-                <a16:creationId xmlns:a16="http://schemas.microsoft.com/office/drawing/2014/main" id="{71948F72-1448-4800-87A6-E1243C850444}"/>
+                <a16:creationId xmlns:a16="http://schemas.microsoft.com/office/drawing/2014/main" xmlns="" id="{71948F72-1448-4800-87A6-E1243C850444}"/>
               </a:ext>
             </a:extLst>
           </p:cNvPr>
@@ -1924,7 +1920,7 @@
     </p:spTree>
     <p:extLst>
       <p:ext uri="{BB962C8B-B14F-4D97-AF65-F5344CB8AC3E}">
-        <p14:creationId xmlns:p14="http://schemas.microsoft.com/office/powerpoint/2010/main" val="3778224530"/>
+        <p14:creationId xmlns:p14="http://schemas.microsoft.com/office/powerpoint/2010/main" xmlns="" val="3778224530"/>
       </p:ext>
     </p:extLst>
   </p:cSld>
@@ -1956,7 +1952,7 @@
           <p:cNvPr id="2" name="Title 1">
             <a:extLst>
               <a:ext uri="{FF2B5EF4-FFF2-40B4-BE49-F238E27FC236}">
-                <a16:creationId xmlns:a16="http://schemas.microsoft.com/office/drawing/2014/main" id="{643AECB8-1964-4C98-8B43-63EA2B04792F}"/>
+                <a16:creationId xmlns:a16="http://schemas.microsoft.com/office/drawing/2014/main" xmlns="" id="{643AECB8-1964-4C98-8B43-63EA2B04792F}"/>
               </a:ext>
             </a:extLst>
           </p:cNvPr>
@@ -1984,7 +1980,7 @@
           <p:cNvPr id="3" name="Date Placeholder 2">
             <a:extLst>
               <a:ext uri="{FF2B5EF4-FFF2-40B4-BE49-F238E27FC236}">
-                <a16:creationId xmlns:a16="http://schemas.microsoft.com/office/drawing/2014/main" id="{59BABC50-6E87-4654-BC56-FEFBCA978BBB}"/>
+                <a16:creationId xmlns:a16="http://schemas.microsoft.com/office/drawing/2014/main" xmlns="" id="{59BABC50-6E87-4654-BC56-FEFBCA978BBB}"/>
               </a:ext>
             </a:extLst>
           </p:cNvPr>
@@ -2003,7 +1999,7 @@
             <a:fld id="{FA2E1F03-39B6-4BE1-A82C-E30542474753}" type="datetimeFigureOut">
               <a:rPr lang="en-US" smtClean="0"/>
               <a:pPr/>
-              <a:t>6/12/2019</a:t>
+              <a:t>6/17/2019</a:t>
             </a:fld>
             <a:endParaRPr lang="en-US"/>
           </a:p>
@@ -2014,7 +2010,7 @@
           <p:cNvPr id="4" name="Footer Placeholder 3">
             <a:extLst>
               <a:ext uri="{FF2B5EF4-FFF2-40B4-BE49-F238E27FC236}">
-                <a16:creationId xmlns:a16="http://schemas.microsoft.com/office/drawing/2014/main" id="{F734CE65-F32E-41B2-8551-A7603941745E}"/>
+                <a16:creationId xmlns:a16="http://schemas.microsoft.com/office/drawing/2014/main" xmlns="" id="{F734CE65-F32E-41B2-8551-A7603941745E}"/>
               </a:ext>
             </a:extLst>
           </p:cNvPr>
@@ -2039,7 +2035,7 @@
           <p:cNvPr id="5" name="Slide Number Placeholder 4">
             <a:extLst>
               <a:ext uri="{FF2B5EF4-FFF2-40B4-BE49-F238E27FC236}">
-                <a16:creationId xmlns:a16="http://schemas.microsoft.com/office/drawing/2014/main" id="{0EE25001-D094-47C8-A699-A6E7E48BB27B}"/>
+                <a16:creationId xmlns:a16="http://schemas.microsoft.com/office/drawing/2014/main" xmlns="" id="{0EE25001-D094-47C8-A699-A6E7E48BB27B}"/>
               </a:ext>
             </a:extLst>
           </p:cNvPr>
@@ -2067,7 +2063,7 @@
     </p:spTree>
     <p:extLst>
       <p:ext uri="{BB962C8B-B14F-4D97-AF65-F5344CB8AC3E}">
-        <p14:creationId xmlns:p14="http://schemas.microsoft.com/office/powerpoint/2010/main" val="2521850990"/>
+        <p14:creationId xmlns:p14="http://schemas.microsoft.com/office/powerpoint/2010/main" xmlns="" val="2521850990"/>
       </p:ext>
     </p:extLst>
   </p:cSld>
@@ -2099,7 +2095,7 @@
           <p:cNvPr id="2" name="Date Placeholder 1">
             <a:extLst>
               <a:ext uri="{FF2B5EF4-FFF2-40B4-BE49-F238E27FC236}">
-                <a16:creationId xmlns:a16="http://schemas.microsoft.com/office/drawing/2014/main" id="{213A2FEA-CF63-4270-A7AE-C5CFDCDBEA01}"/>
+                <a16:creationId xmlns:a16="http://schemas.microsoft.com/office/drawing/2014/main" xmlns="" id="{213A2FEA-CF63-4270-A7AE-C5CFDCDBEA01}"/>
               </a:ext>
             </a:extLst>
           </p:cNvPr>
@@ -2118,7 +2114,7 @@
             <a:fld id="{FA2E1F03-39B6-4BE1-A82C-E30542474753}" type="datetimeFigureOut">
               <a:rPr lang="en-US" smtClean="0"/>
               <a:pPr/>
-              <a:t>6/12/2019</a:t>
+              <a:t>6/17/2019</a:t>
             </a:fld>
             <a:endParaRPr lang="en-US"/>
           </a:p>
@@ -2129,7 +2125,7 @@
           <p:cNvPr id="3" name="Footer Placeholder 2">
             <a:extLst>
               <a:ext uri="{FF2B5EF4-FFF2-40B4-BE49-F238E27FC236}">
-                <a16:creationId xmlns:a16="http://schemas.microsoft.com/office/drawing/2014/main" id="{B68311BD-ACBC-4E90-B916-301F516F1172}"/>
+                <a16:creationId xmlns:a16="http://schemas.microsoft.com/office/drawing/2014/main" xmlns="" id="{B68311BD-ACBC-4E90-B916-301F516F1172}"/>
               </a:ext>
             </a:extLst>
           </p:cNvPr>
@@ -2154,7 +2150,7 @@
           <p:cNvPr id="4" name="Slide Number Placeholder 3">
             <a:extLst>
               <a:ext uri="{FF2B5EF4-FFF2-40B4-BE49-F238E27FC236}">
-                <a16:creationId xmlns:a16="http://schemas.microsoft.com/office/drawing/2014/main" id="{FA8A4393-1FB2-4F48-AA82-093BD14042BD}"/>
+                <a16:creationId xmlns:a16="http://schemas.microsoft.com/office/drawing/2014/main" xmlns="" id="{FA8A4393-1FB2-4F48-AA82-093BD14042BD}"/>
               </a:ext>
             </a:extLst>
           </p:cNvPr>
@@ -2182,7 +2178,7 @@
     </p:spTree>
     <p:extLst>
       <p:ext uri="{BB962C8B-B14F-4D97-AF65-F5344CB8AC3E}">
-        <p14:creationId xmlns:p14="http://schemas.microsoft.com/office/powerpoint/2010/main" val="4018624457"/>
+        <p14:creationId xmlns:p14="http://schemas.microsoft.com/office/powerpoint/2010/main" xmlns="" val="4018624457"/>
       </p:ext>
     </p:extLst>
   </p:cSld>
@@ -2214,7 +2210,7 @@
           <p:cNvPr id="2" name="Title 1">
             <a:extLst>
               <a:ext uri="{FF2B5EF4-FFF2-40B4-BE49-F238E27FC236}">
-                <a16:creationId xmlns:a16="http://schemas.microsoft.com/office/drawing/2014/main" id="{4539306A-0604-4946-AA7E-BAB7C9CACCA6}"/>
+                <a16:creationId xmlns:a16="http://schemas.microsoft.com/office/drawing/2014/main" xmlns="" id="{4539306A-0604-4946-AA7E-BAB7C9CACCA6}"/>
               </a:ext>
             </a:extLst>
           </p:cNvPr>
@@ -2251,7 +2247,7 @@
           <p:cNvPr id="3" name="Content Placeholder 2">
             <a:extLst>
               <a:ext uri="{FF2B5EF4-FFF2-40B4-BE49-F238E27FC236}">
-                <a16:creationId xmlns:a16="http://schemas.microsoft.com/office/drawing/2014/main" id="{2DCEE889-1F85-406E-9DB7-BEA5F9A62DBC}"/>
+                <a16:creationId xmlns:a16="http://schemas.microsoft.com/office/drawing/2014/main" xmlns="" id="{2DCEE889-1F85-406E-9DB7-BEA5F9A62DBC}"/>
               </a:ext>
             </a:extLst>
           </p:cNvPr>
@@ -2341,7 +2337,7 @@
           <p:cNvPr id="4" name="Text Placeholder 3">
             <a:extLst>
               <a:ext uri="{FF2B5EF4-FFF2-40B4-BE49-F238E27FC236}">
-                <a16:creationId xmlns:a16="http://schemas.microsoft.com/office/drawing/2014/main" id="{5AECFEAE-2ED0-4A9F-BC6D-198AB5478569}"/>
+                <a16:creationId xmlns:a16="http://schemas.microsoft.com/office/drawing/2014/main" xmlns="" id="{5AECFEAE-2ED0-4A9F-BC6D-198AB5478569}"/>
               </a:ext>
             </a:extLst>
           </p:cNvPr>
@@ -2412,7 +2408,7 @@
           <p:cNvPr id="5" name="Date Placeholder 4">
             <a:extLst>
               <a:ext uri="{FF2B5EF4-FFF2-40B4-BE49-F238E27FC236}">
-                <a16:creationId xmlns:a16="http://schemas.microsoft.com/office/drawing/2014/main" id="{8995614C-7EC6-4407-A60B-E27A7D50C056}"/>
+                <a16:creationId xmlns:a16="http://schemas.microsoft.com/office/drawing/2014/main" xmlns="" id="{8995614C-7EC6-4407-A60B-E27A7D50C056}"/>
               </a:ext>
             </a:extLst>
           </p:cNvPr>
@@ -2431,7 +2427,7 @@
             <a:fld id="{FA2E1F03-39B6-4BE1-A82C-E30542474753}" type="datetimeFigureOut">
               <a:rPr lang="en-US" smtClean="0"/>
               <a:pPr/>
-              <a:t>6/12/2019</a:t>
+              <a:t>6/17/2019</a:t>
             </a:fld>
             <a:endParaRPr lang="en-US"/>
           </a:p>
@@ -2442,7 +2438,7 @@
           <p:cNvPr id="6" name="Footer Placeholder 5">
             <a:extLst>
               <a:ext uri="{FF2B5EF4-FFF2-40B4-BE49-F238E27FC236}">
-                <a16:creationId xmlns:a16="http://schemas.microsoft.com/office/drawing/2014/main" id="{B17917EA-F1CF-46CF-AE69-8A9E4ED02CDF}"/>
+                <a16:creationId xmlns:a16="http://schemas.microsoft.com/office/drawing/2014/main" xmlns="" id="{B17917EA-F1CF-46CF-AE69-8A9E4ED02CDF}"/>
               </a:ext>
             </a:extLst>
           </p:cNvPr>
@@ -2467,7 +2463,7 @@
           <p:cNvPr id="7" name="Slide Number Placeholder 6">
             <a:extLst>
               <a:ext uri="{FF2B5EF4-FFF2-40B4-BE49-F238E27FC236}">
-                <a16:creationId xmlns:a16="http://schemas.microsoft.com/office/drawing/2014/main" id="{A20BB478-8ED6-48E1-8357-29D9CAA06492}"/>
+                <a16:creationId xmlns:a16="http://schemas.microsoft.com/office/drawing/2014/main" xmlns="" id="{A20BB478-8ED6-48E1-8357-29D9CAA06492}"/>
               </a:ext>
             </a:extLst>
           </p:cNvPr>
@@ -2495,7 +2491,7 @@
     </p:spTree>
     <p:extLst>
       <p:ext uri="{BB962C8B-B14F-4D97-AF65-F5344CB8AC3E}">
-        <p14:creationId xmlns:p14="http://schemas.microsoft.com/office/powerpoint/2010/main" val="2250623688"/>
+        <p14:creationId xmlns:p14="http://schemas.microsoft.com/office/powerpoint/2010/main" xmlns="" val="2250623688"/>
       </p:ext>
     </p:extLst>
   </p:cSld>
@@ -2527,7 +2523,7 @@
           <p:cNvPr id="2" name="Title 1">
             <a:extLst>
               <a:ext uri="{FF2B5EF4-FFF2-40B4-BE49-F238E27FC236}">
-                <a16:creationId xmlns:a16="http://schemas.microsoft.com/office/drawing/2014/main" id="{865AC83E-1579-4DD1-A27B-C3412ECDBEF4}"/>
+                <a16:creationId xmlns:a16="http://schemas.microsoft.com/office/drawing/2014/main" xmlns="" id="{865AC83E-1579-4DD1-A27B-C3412ECDBEF4}"/>
               </a:ext>
             </a:extLst>
           </p:cNvPr>
@@ -2564,7 +2560,7 @@
           <p:cNvPr id="3" name="Picture Placeholder 2">
             <a:extLst>
               <a:ext uri="{FF2B5EF4-FFF2-40B4-BE49-F238E27FC236}">
-                <a16:creationId xmlns:a16="http://schemas.microsoft.com/office/drawing/2014/main" id="{397B468B-3FDD-4729-AE53-3615571E39F6}"/>
+                <a16:creationId xmlns:a16="http://schemas.microsoft.com/office/drawing/2014/main" xmlns="" id="{397B468B-3FDD-4729-AE53-3615571E39F6}"/>
               </a:ext>
             </a:extLst>
           </p:cNvPr>
@@ -2631,7 +2627,7 @@
           <p:cNvPr id="4" name="Text Placeholder 3">
             <a:extLst>
               <a:ext uri="{FF2B5EF4-FFF2-40B4-BE49-F238E27FC236}">
-                <a16:creationId xmlns:a16="http://schemas.microsoft.com/office/drawing/2014/main" id="{FFE050AD-FC47-4CA6-8427-B169C1EF8D92}"/>
+                <a16:creationId xmlns:a16="http://schemas.microsoft.com/office/drawing/2014/main" xmlns="" id="{FFE050AD-FC47-4CA6-8427-B169C1EF8D92}"/>
               </a:ext>
             </a:extLst>
           </p:cNvPr>
@@ -2702,7 +2698,7 @@
           <p:cNvPr id="5" name="Date Placeholder 4">
             <a:extLst>
               <a:ext uri="{FF2B5EF4-FFF2-40B4-BE49-F238E27FC236}">
-                <a16:creationId xmlns:a16="http://schemas.microsoft.com/office/drawing/2014/main" id="{A0061284-CCF0-4A77-849F-3248412D99E8}"/>
+                <a16:creationId xmlns:a16="http://schemas.microsoft.com/office/drawing/2014/main" xmlns="" id="{A0061284-CCF0-4A77-849F-3248412D99E8}"/>
               </a:ext>
             </a:extLst>
           </p:cNvPr>
@@ -2721,7 +2717,7 @@
             <a:fld id="{FA2E1F03-39B6-4BE1-A82C-E30542474753}" type="datetimeFigureOut">
               <a:rPr lang="en-US" smtClean="0"/>
               <a:pPr/>
-              <a:t>6/12/2019</a:t>
+              <a:t>6/17/2019</a:t>
             </a:fld>
             <a:endParaRPr lang="en-US"/>
           </a:p>
@@ -2732,7 +2728,7 @@
           <p:cNvPr id="6" name="Footer Placeholder 5">
             <a:extLst>
               <a:ext uri="{FF2B5EF4-FFF2-40B4-BE49-F238E27FC236}">
-                <a16:creationId xmlns:a16="http://schemas.microsoft.com/office/drawing/2014/main" id="{BEA8BD19-8720-4385-921F-30F82A658DD4}"/>
+                <a16:creationId xmlns:a16="http://schemas.microsoft.com/office/drawing/2014/main" xmlns="" id="{BEA8BD19-8720-4385-921F-30F82A658DD4}"/>
               </a:ext>
             </a:extLst>
           </p:cNvPr>
@@ -2757,7 +2753,7 @@
           <p:cNvPr id="7" name="Slide Number Placeholder 6">
             <a:extLst>
               <a:ext uri="{FF2B5EF4-FFF2-40B4-BE49-F238E27FC236}">
-                <a16:creationId xmlns:a16="http://schemas.microsoft.com/office/drawing/2014/main" id="{20208B63-CD40-448D-89B1-DB7D82686F29}"/>
+                <a16:creationId xmlns:a16="http://schemas.microsoft.com/office/drawing/2014/main" xmlns="" id="{20208B63-CD40-448D-89B1-DB7D82686F29}"/>
               </a:ext>
             </a:extLst>
           </p:cNvPr>
@@ -2785,7 +2781,7 @@
     </p:spTree>
     <p:extLst>
       <p:ext uri="{BB962C8B-B14F-4D97-AF65-F5344CB8AC3E}">
-        <p14:creationId xmlns:p14="http://schemas.microsoft.com/office/powerpoint/2010/main" val="2755002205"/>
+        <p14:creationId xmlns:p14="http://schemas.microsoft.com/office/powerpoint/2010/main" xmlns="" val="2755002205"/>
       </p:ext>
     </p:extLst>
   </p:cSld>
@@ -2822,7 +2818,7 @@
           <p:cNvPr id="2" name="Title Placeholder 1">
             <a:extLst>
               <a:ext uri="{FF2B5EF4-FFF2-40B4-BE49-F238E27FC236}">
-                <a16:creationId xmlns:a16="http://schemas.microsoft.com/office/drawing/2014/main" id="{7A08FB0D-0202-40A0-AE1F-46C8F247F4C5}"/>
+                <a16:creationId xmlns:a16="http://schemas.microsoft.com/office/drawing/2014/main" xmlns="" id="{7A08FB0D-0202-40A0-AE1F-46C8F247F4C5}"/>
               </a:ext>
             </a:extLst>
           </p:cNvPr>
@@ -2860,7 +2856,7 @@
           <p:cNvPr id="3" name="Text Placeholder 2">
             <a:extLst>
               <a:ext uri="{FF2B5EF4-FFF2-40B4-BE49-F238E27FC236}">
-                <a16:creationId xmlns:a16="http://schemas.microsoft.com/office/drawing/2014/main" id="{FD9B4C5F-26D1-4781-91A2-88CFD1C55127}"/>
+                <a16:creationId xmlns:a16="http://schemas.microsoft.com/office/drawing/2014/main" xmlns="" id="{FD9B4C5F-26D1-4781-91A2-88CFD1C55127}"/>
               </a:ext>
             </a:extLst>
           </p:cNvPr>
@@ -2927,7 +2923,7 @@
           <p:cNvPr id="4" name="Date Placeholder 3">
             <a:extLst>
               <a:ext uri="{FF2B5EF4-FFF2-40B4-BE49-F238E27FC236}">
-                <a16:creationId xmlns:a16="http://schemas.microsoft.com/office/drawing/2014/main" id="{A44C2049-C12B-467C-84A8-288AB4270B9B}"/>
+                <a16:creationId xmlns:a16="http://schemas.microsoft.com/office/drawing/2014/main" xmlns="" id="{A44C2049-C12B-467C-84A8-288AB4270B9B}"/>
               </a:ext>
             </a:extLst>
           </p:cNvPr>
@@ -2964,7 +2960,7 @@
             <a:fld id="{FA2E1F03-39B6-4BE1-A82C-E30542474753}" type="datetimeFigureOut">
               <a:rPr lang="en-US" smtClean="0"/>
               <a:pPr/>
-              <a:t>6/12/2019</a:t>
+              <a:t>6/17/2019</a:t>
             </a:fld>
             <a:endParaRPr lang="en-US"/>
           </a:p>
@@ -2975,7 +2971,7 @@
           <p:cNvPr id="5" name="Footer Placeholder 4">
             <a:extLst>
               <a:ext uri="{FF2B5EF4-FFF2-40B4-BE49-F238E27FC236}">
-                <a16:creationId xmlns:a16="http://schemas.microsoft.com/office/drawing/2014/main" id="{3D6FD59A-F31A-40C3-A985-116883B59287}"/>
+                <a16:creationId xmlns:a16="http://schemas.microsoft.com/office/drawing/2014/main" xmlns="" id="{3D6FD59A-F31A-40C3-A985-116883B59287}"/>
               </a:ext>
             </a:extLst>
           </p:cNvPr>
@@ -3018,7 +3014,7 @@
           <p:cNvPr id="6" name="Slide Number Placeholder 5">
             <a:extLst>
               <a:ext uri="{FF2B5EF4-FFF2-40B4-BE49-F238E27FC236}">
-                <a16:creationId xmlns:a16="http://schemas.microsoft.com/office/drawing/2014/main" id="{DC49A92A-E67A-49DE-89BB-D1CCCEB205AD}"/>
+                <a16:creationId xmlns:a16="http://schemas.microsoft.com/office/drawing/2014/main" xmlns="" id="{DC49A92A-E67A-49DE-89BB-D1CCCEB205AD}"/>
               </a:ext>
             </a:extLst>
           </p:cNvPr>
@@ -3064,7 +3060,7 @@
     </p:spTree>
     <p:extLst>
       <p:ext uri="{BB962C8B-B14F-4D97-AF65-F5344CB8AC3E}">
-        <p14:creationId xmlns:p14="http://schemas.microsoft.com/office/powerpoint/2010/main" val="736588803"/>
+        <p14:creationId xmlns:p14="http://schemas.microsoft.com/office/powerpoint/2010/main" xmlns="" val="736588803"/>
       </p:ext>
     </p:extLst>
   </p:cSld>
@@ -3387,7 +3383,7 @@
           <p:cNvPr id="2" name="Title 1">
             <a:extLst>
               <a:ext uri="{FF2B5EF4-FFF2-40B4-BE49-F238E27FC236}">
-                <a16:creationId xmlns:a16="http://schemas.microsoft.com/office/drawing/2014/main" id="{18A98568-B624-4EA2-9A7C-54BC3B133D8D}"/>
+                <a16:creationId xmlns:a16="http://schemas.microsoft.com/office/drawing/2014/main" xmlns="" id="{18A98568-B624-4EA2-9A7C-54BC3B133D8D}"/>
               </a:ext>
             </a:extLst>
           </p:cNvPr>
@@ -3412,14 +3408,12 @@
           <a:p>
             <a:r>
               <a:rPr lang="ru-RU" dirty="0">
-                <a:latin typeface="Times New Roman" panose="02020603050405020304" pitchFamily="18" charset="0"/>
-                <a:cs typeface="Times New Roman" panose="02020603050405020304" pitchFamily="18" charset="0"/>
+                <a:cs typeface="Times New Roman" pitchFamily="18" charset="0"/>
               </a:rPr>
               <a:t>Автоматизированная система определения психологического состояния человека</a:t>
             </a:r>
             <a:endParaRPr lang="en-US" dirty="0">
-              <a:latin typeface="Times New Roman" panose="02020603050405020304" pitchFamily="18" charset="0"/>
-              <a:cs typeface="Times New Roman" panose="02020603050405020304" pitchFamily="18" charset="0"/>
+              <a:cs typeface="Times New Roman" pitchFamily="18" charset="0"/>
             </a:endParaRPr>
           </a:p>
         </p:txBody>
@@ -3429,7 +3423,7 @@
           <p:cNvPr id="3" name="Subtitle 2">
             <a:extLst>
               <a:ext uri="{FF2B5EF4-FFF2-40B4-BE49-F238E27FC236}">
-                <a16:creationId xmlns:a16="http://schemas.microsoft.com/office/drawing/2014/main" id="{CDB1AD77-C7AD-447F-AD28-F5C1744A6EA3}"/>
+                <a16:creationId xmlns:a16="http://schemas.microsoft.com/office/drawing/2014/main" xmlns="" id="{CDB1AD77-C7AD-447F-AD28-F5C1744A6EA3}"/>
               </a:ext>
             </a:extLst>
           </p:cNvPr>
@@ -3452,54 +3446,201 @@
           <a:p>
             <a:pPr algn="r"/>
             <a:r>
-              <a:rPr lang="ru-RU" dirty="0">
-                <a:latin typeface="Times New Roman" panose="02020603050405020304" pitchFamily="18" charset="0"/>
+              <a:rPr lang="ru-RU" b="1" dirty="0" smtClean="0">
+                <a:latin typeface="+mj-lt"/>
+                <a:cs typeface="Times New Roman" panose="02020603050405020304" pitchFamily="18" charset="0"/>
+              </a:rPr>
+              <a:t>Магистрант</a:t>
+            </a:r>
+            <a:r>
+              <a:rPr lang="en-US" b="1" dirty="0" smtClean="0">
+                <a:latin typeface="+mj-lt"/>
+                <a:cs typeface="Times New Roman" panose="02020603050405020304" pitchFamily="18" charset="0"/>
+              </a:rPr>
+              <a:t>:</a:t>
+            </a:r>
+            <a:r>
+              <a:rPr lang="ru-RU" dirty="0" smtClean="0">
+                <a:latin typeface="+mj-lt"/>
+                <a:cs typeface="Times New Roman" panose="02020603050405020304" pitchFamily="18" charset="0"/>
+              </a:rPr>
+              <a:t> </a:t>
+            </a:r>
+            <a:r>
+              <a:rPr lang="ru-RU" dirty="0" err="1" smtClean="0">
+                <a:latin typeface="+mj-lt"/>
                 <a:cs typeface="Times New Roman" panose="02020603050405020304" pitchFamily="18" charset="0"/>
               </a:rPr>
               <a:t>Алькевич</a:t>
             </a:r>
             <a:r>
-              <a:rPr lang="en-US" dirty="0">
-                <a:latin typeface="Times New Roman" panose="02020603050405020304" pitchFamily="18" charset="0"/>
+              <a:rPr lang="en-US" dirty="0" smtClean="0">
+                <a:latin typeface="+mj-lt"/>
                 <a:cs typeface="Times New Roman" panose="02020603050405020304" pitchFamily="18" charset="0"/>
               </a:rPr>
               <a:t> </a:t>
             </a:r>
             <a:r>
-              <a:rPr lang="ru-RU" dirty="0">
-                <a:latin typeface="Times New Roman" panose="02020603050405020304" pitchFamily="18" charset="0"/>
+              <a:rPr lang="ru-RU" dirty="0" smtClean="0">
+                <a:latin typeface="+mj-lt"/>
                 <a:cs typeface="Times New Roman" panose="02020603050405020304" pitchFamily="18" charset="0"/>
               </a:rPr>
               <a:t>А</a:t>
             </a:r>
             <a:r>
-              <a:rPr lang="en-US" dirty="0">
-                <a:latin typeface="Times New Roman" panose="02020603050405020304" pitchFamily="18" charset="0"/>
-                <a:cs typeface="Times New Roman" panose="02020603050405020304" pitchFamily="18" charset="0"/>
-              </a:rPr>
-              <a:t>.</a:t>
-            </a:r>
-            <a:r>
-              <a:rPr lang="ru-RU" dirty="0">
-                <a:latin typeface="Times New Roman" panose="02020603050405020304" pitchFamily="18" charset="0"/>
+              <a:rPr lang="ru-RU" dirty="0" smtClean="0">
+                <a:latin typeface="+mj-lt"/>
+                <a:cs typeface="Times New Roman" panose="02020603050405020304" pitchFamily="18" charset="0"/>
+              </a:rPr>
+              <a:t>лександр</a:t>
+            </a:r>
+            <a:r>
+              <a:rPr lang="ru-RU" dirty="0" smtClean="0">
+                <a:latin typeface="+mj-lt"/>
                 <a:cs typeface="Times New Roman" panose="02020603050405020304" pitchFamily="18" charset="0"/>
               </a:rPr>
               <a:t> С</a:t>
             </a:r>
             <a:r>
-              <a:rPr lang="en-US" dirty="0">
-                <a:latin typeface="Times New Roman" panose="02020603050405020304" pitchFamily="18" charset="0"/>
-                <a:cs typeface="Times New Roman" panose="02020603050405020304" pitchFamily="18" charset="0"/>
-              </a:rPr>
-              <a:t>.</a:t>
-            </a:r>
+              <a:rPr lang="ru-RU" dirty="0" smtClean="0">
+                <a:latin typeface="+mj-lt"/>
+                <a:cs typeface="Times New Roman" panose="02020603050405020304" pitchFamily="18" charset="0"/>
+              </a:rPr>
+              <a:t>вятославович</a:t>
+            </a:r>
+            <a:endParaRPr lang="en-US" b="1" dirty="0" smtClean="0">
+              <a:latin typeface="+mj-lt"/>
+              <a:cs typeface="Times New Roman" panose="02020603050405020304" pitchFamily="18" charset="0"/>
+            </a:endParaRPr>
+          </a:p>
+          <a:p>
+            <a:pPr algn="r"/>
+            <a:r>
+              <a:rPr lang="ru-RU" b="1" dirty="0" smtClean="0">
+                <a:latin typeface="+mj-lt"/>
+                <a:cs typeface="Times New Roman" panose="02020603050405020304" pitchFamily="18" charset="0"/>
+              </a:rPr>
+              <a:t>Научный </a:t>
+            </a:r>
+            <a:r>
+              <a:rPr lang="ru-RU" b="1" dirty="0" err="1" smtClean="0">
+                <a:latin typeface="+mj-lt"/>
+                <a:cs typeface="Times New Roman" panose="02020603050405020304" pitchFamily="18" charset="0"/>
+              </a:rPr>
+              <a:t>руковоитель</a:t>
+            </a:r>
+            <a:r>
+              <a:rPr lang="en-US" b="1" dirty="0" smtClean="0">
+                <a:latin typeface="+mj-lt"/>
+                <a:cs typeface="Times New Roman" panose="02020603050405020304" pitchFamily="18" charset="0"/>
+              </a:rPr>
+              <a:t>:</a:t>
+            </a:r>
+            <a:r>
+              <a:rPr lang="en-US" dirty="0" smtClean="0">
+                <a:latin typeface="+mj-lt"/>
+                <a:cs typeface="Times New Roman" panose="02020603050405020304" pitchFamily="18" charset="0"/>
+              </a:rPr>
+              <a:t> </a:t>
+            </a:r>
+            <a:r>
+              <a:rPr lang="ru-RU" dirty="0" smtClean="0">
+                <a:latin typeface="+mj-lt"/>
+                <a:cs typeface="Times New Roman" panose="02020603050405020304" pitchFamily="18" charset="0"/>
+              </a:rPr>
+              <a:t>Казак Тамара Владимировна</a:t>
+            </a:r>
+            <a:endParaRPr lang="en-US" dirty="0">
+              <a:latin typeface="+mj-lt"/>
+              <a:cs typeface="Times New Roman" panose="02020603050405020304" pitchFamily="18" charset="0"/>
+            </a:endParaRPr>
+          </a:p>
+        </p:txBody>
+      </p:sp>
+      <p:sp>
+        <p:nvSpPr>
+          <p:cNvPr id="5" name="Subtitle 2">
+            <a:extLst>
+              <a:ext uri="{FF2B5EF4-FFF2-40B4-BE49-F238E27FC236}">
+                <a16:creationId xmlns:a16="http://schemas.microsoft.com/office/drawing/2014/main" xmlns="" id="{CDB1AD77-C7AD-447F-AD28-F5C1744A6EA3}"/>
+              </a:ext>
+            </a:extLst>
+          </p:cNvPr>
+          <p:cNvSpPr txBox="1">
+            <a:spLocks/>
+          </p:cNvSpPr>
+          <p:nvPr/>
+        </p:nvSpPr>
+        <p:spPr>
+          <a:xfrm>
+            <a:off x="0" y="6191793"/>
+            <a:ext cx="12192000" cy="548640"/>
+          </a:xfrm>
+          <a:prstGeom prst="rect">
+            <a:avLst/>
+          </a:prstGeom>
+        </p:spPr>
+        <p:txBody>
+          <a:bodyPr vert="horz" lIns="91440" tIns="45720" rIns="91440" bIns="45720" rtlCol="0" anchor="b">
+            <a:normAutofit/>
+          </a:bodyPr>
+          <a:lstStyle/>
+          <a:p>
+            <a:pPr marL="0" marR="0" lvl="0" indent="0" algn="ctr" defTabSz="914400" rtl="0" eaLnBrk="1" fontAlgn="auto" latinLnBrk="0" hangingPunct="1">
+              <a:lnSpc>
+                <a:spcPct val="90000"/>
+              </a:lnSpc>
+              <a:spcBef>
+                <a:spcPts val="1000"/>
+              </a:spcBef>
+              <a:spcAft>
+                <a:spcPts val="0"/>
+              </a:spcAft>
+              <a:buClrTx/>
+              <a:buSzTx/>
+              <a:buFont typeface="Arial" panose="020B0604020202020204" pitchFamily="34" charset="0"/>
+              <a:buNone/>
+              <a:tabLst/>
+              <a:defRPr/>
+            </a:pPr>
+            <a:r>
+              <a:rPr kumimoji="0" lang="ru-RU" sz="2400" i="0" u="none" strike="noStrike" kern="1200" cap="none" spc="0" normalizeH="0" baseline="0" noProof="0" dirty="0" smtClean="0">
+                <a:ln>
+                  <a:noFill/>
+                </a:ln>
+                <a:solidFill>
+                  <a:schemeClr val="tx1"/>
+                </a:solidFill>
+                <a:effectLst/>
+                <a:uLnTx/>
+                <a:uFillTx/>
+                <a:latin typeface="+mj-lt"/>
+                <a:ea typeface="+mn-ea"/>
+                <a:cs typeface="Times New Roman" panose="02020603050405020304" pitchFamily="18" charset="0"/>
+              </a:rPr>
+              <a:t>Минск 2019</a:t>
+            </a:r>
+            <a:endParaRPr kumimoji="0" lang="en-US" sz="2400" i="0" u="none" strike="noStrike" kern="1200" cap="none" spc="0" normalizeH="0" baseline="0" noProof="0" dirty="0">
+              <a:ln>
+                <a:noFill/>
+              </a:ln>
+              <a:solidFill>
+                <a:schemeClr val="tx1"/>
+              </a:solidFill>
+              <a:effectLst/>
+              <a:uLnTx/>
+              <a:uFillTx/>
+              <a:latin typeface="+mj-lt"/>
+              <a:ea typeface="+mn-ea"/>
+              <a:cs typeface="Times New Roman" panose="02020603050405020304" pitchFamily="18" charset="0"/>
+            </a:endParaRPr>
           </a:p>
         </p:txBody>
       </p:sp>
     </p:spTree>
     <p:extLst>
       <p:ext uri="{BB962C8B-B14F-4D97-AF65-F5344CB8AC3E}">
-        <p14:creationId xmlns:p14="http://schemas.microsoft.com/office/powerpoint/2010/main" val="2514872934"/>
+        <p14:creationId xmlns:p14="http://schemas.microsoft.com/office/powerpoint/2010/main" xmlns="" val="2514872934"/>
       </p:ext>
     </p:extLst>
   </p:cSld>
@@ -3528,13 +3669,7 @@
       </p:grpSpPr>
       <p:sp>
         <p:nvSpPr>
-          <p:cNvPr id="2" name="Title 1">
-            <a:extLst>
-              <a:ext uri="{FF2B5EF4-FFF2-40B4-BE49-F238E27FC236}">
-                <a16:creationId xmlns:a16="http://schemas.microsoft.com/office/drawing/2014/main" id="{24954031-3D11-4793-B876-1B396774A385}"/>
-              </a:ext>
-            </a:extLst>
-          </p:cNvPr>
+          <p:cNvPr id="2" name="Заголовок 1"/>
           <p:cNvSpPr>
             <a:spLocks noGrp="1"/>
           </p:cNvSpPr>
@@ -3542,98 +3677,143 @@
             <p:ph type="title"/>
           </p:nvPr>
         </p:nvSpPr>
-        <p:spPr>
-          <a:xfrm>
-            <a:off x="838200" y="18255"/>
-            <a:ext cx="10515600" cy="1325563"/>
-          </a:xfrm>
-        </p:spPr>
+        <p:spPr/>
+        <p:txBody>
+          <a:bodyPr/>
+          <a:lstStyle/>
+          <a:p>
+            <a:r>
+              <a:rPr lang="ru-RU" dirty="0" smtClean="0"/>
+              <a:t>РЕЗУЛЬТАТЫ НАУЧНО-ИССЛЕДОВАТЕЛЬСКОЙ РАБОТЫ</a:t>
+            </a:r>
+            <a:endParaRPr lang="be-BY" dirty="0"/>
+          </a:p>
+        </p:txBody>
+      </p:sp>
+      <p:sp>
+        <p:nvSpPr>
+          <p:cNvPr id="3" name="Содержимое 2"/>
+          <p:cNvSpPr>
+            <a:spLocks noGrp="1"/>
+          </p:cNvSpPr>
+          <p:nvPr>
+            <p:ph idx="1"/>
+          </p:nvPr>
+        </p:nvSpPr>
+        <p:spPr/>
         <p:txBody>
           <a:bodyPr>
-            <a:noAutofit/>
+            <a:normAutofit lnSpcReduction="10000"/>
           </a:bodyPr>
           <a:lstStyle/>
           <a:p>
-            <a:r>
-              <a:rPr lang="ru-RU" altLang="en-US" sz="3300" dirty="0">
-                <a:latin typeface="Times New Roman" panose="02020603050405020304" pitchFamily="18" charset="0"/>
-                <a:cs typeface="Times New Roman" panose="02020603050405020304" pitchFamily="18" charset="0"/>
-              </a:rPr>
-              <a:t>Глава 3 Построение классификатора с использованием искусственных нейронных сетей</a:t>
-            </a:r>
-            <a:br>
-              <a:rPr lang="en-US" altLang="en-US" sz="3300" dirty="0">
-                <a:latin typeface="Times New Roman" panose="02020603050405020304" pitchFamily="18" charset="0"/>
-                <a:cs typeface="Times New Roman" panose="02020603050405020304" pitchFamily="18" charset="0"/>
-              </a:rPr>
-            </a:br>
-            <a:r>
-              <a:rPr lang="en-US" altLang="en-US" sz="3300" dirty="0">
-                <a:latin typeface="Times New Roman" panose="02020603050405020304" pitchFamily="18" charset="0"/>
-                <a:cs typeface="Times New Roman" panose="02020603050405020304" pitchFamily="18" charset="0"/>
-              </a:rPr>
-              <a:t>3.2 </a:t>
-            </a:r>
-            <a:r>
-              <a:rPr lang="ru-RU" altLang="en-US" sz="3300" dirty="0">
-                <a:latin typeface="Times New Roman" panose="02020603050405020304" pitchFamily="18" charset="0"/>
-                <a:cs typeface="Times New Roman" panose="02020603050405020304" pitchFamily="18" charset="0"/>
-              </a:rPr>
-              <a:t>Алгоритм построения классификатора</a:t>
-            </a:r>
-            <a:endParaRPr lang="en-US" sz="3300" dirty="0"/>
-          </a:p>
-        </p:txBody>
-      </p:sp>
-      <p:pic>
-        <p:nvPicPr>
-          <p:cNvPr id="4" name="Content Placeholder 3">
-            <a:extLst>
-              <a:ext uri="{FF2B5EF4-FFF2-40B4-BE49-F238E27FC236}">
-                <a16:creationId xmlns:a16="http://schemas.microsoft.com/office/drawing/2014/main" id="{79AC2D8D-9635-4651-9B6E-C46AD04829A7}"/>
-              </a:ext>
-            </a:extLst>
-          </p:cNvPr>
-          <p:cNvPicPr>
-            <a:picLocks noGrp="1"/>
-          </p:cNvPicPr>
-          <p:nvPr>
-            <p:ph idx="1"/>
-          </p:nvPr>
-        </p:nvPicPr>
-        <p:blipFill>
-          <a:blip r:embed="rId2" cstate="print">
-            <a:extLst>
-              <a:ext uri="{28A0092B-C50C-407E-A947-70E740481C1C}">
-                <a14:useLocalDpi xmlns:a14="http://schemas.microsoft.com/office/drawing/2010/main" val="0"/>
-              </a:ext>
-            </a:extLst>
-          </a:blip>
-          <a:srcRect/>
-          <a:stretch>
-            <a:fillRect/>
-          </a:stretch>
-        </p:blipFill>
-        <p:spPr bwMode="auto">
-          <a:xfrm>
-            <a:off x="4929024" y="1390206"/>
-            <a:ext cx="2646235" cy="5273614"/>
-          </a:xfrm>
-          <a:prstGeom prst="rect">
-            <a:avLst/>
-          </a:prstGeom>
-          <a:noFill/>
-          <a:ln>
-            <a:noFill/>
-          </a:ln>
-        </p:spPr>
-      </p:pic>
+            <a:pPr marL="514350" indent="-514350">
+              <a:buFont typeface="+mj-lt"/>
+              <a:buAutoNum type="arabicPeriod"/>
+            </a:pPr>
+            <a:endParaRPr lang="ru-RU" dirty="0" smtClean="0"/>
+          </a:p>
+          <a:p>
+            <a:pPr marL="514350" indent="-514350">
+              <a:buFont typeface="+mj-lt"/>
+              <a:buAutoNum type="arabicPeriod"/>
+            </a:pPr>
+            <a:r>
+              <a:rPr lang="ru-RU" dirty="0" smtClean="0"/>
+              <a:t>Исследована сфера цифровой психотерапии. </a:t>
+            </a:r>
+            <a:r>
+              <a:rPr lang="ru-RU" dirty="0" smtClean="0"/>
+              <a:t>Выявлены </a:t>
+            </a:r>
+            <a:r>
+              <a:rPr lang="ru-RU" dirty="0" smtClean="0"/>
+              <a:t>используемые источники поведенческой информации человека</a:t>
+            </a:r>
+          </a:p>
+          <a:p>
+            <a:pPr marL="514350" indent="-514350">
+              <a:buAutoNum type="arabicPeriod"/>
+            </a:pPr>
+            <a:r>
+              <a:rPr lang="be-BY" dirty="0" smtClean="0"/>
+              <a:t>Определены наиболее </a:t>
+            </a:r>
+            <a:r>
+              <a:rPr lang="be-BY" dirty="0" smtClean="0"/>
+              <a:t>эффективные системы и точные методы </a:t>
+            </a:r>
+            <a:r>
+              <a:rPr lang="ru-RU" dirty="0" smtClean="0"/>
+              <a:t>классификации</a:t>
+            </a:r>
+          </a:p>
+          <a:p>
+            <a:pPr marL="514350" indent="-514350">
+              <a:buAutoNum type="arabicPeriod" startAt="5"/>
+            </a:pPr>
+            <a:r>
+              <a:rPr lang="ru-RU" dirty="0" smtClean="0"/>
+              <a:t>Р</a:t>
+            </a:r>
+            <a:r>
+              <a:rPr lang="be-BY" dirty="0" smtClean="0"/>
+              <a:t>азработана</a:t>
+            </a:r>
+            <a:r>
+              <a:rPr lang="ru-RU" dirty="0" smtClean="0"/>
+              <a:t> с</a:t>
+            </a:r>
+            <a:r>
+              <a:rPr lang="be-BY" dirty="0" smtClean="0"/>
+              <a:t>истема, которая предоставляет возможность</a:t>
+            </a:r>
+            <a:r>
+              <a:rPr lang="ru-RU" dirty="0" smtClean="0"/>
+              <a:t> в режиме реального времени</a:t>
+            </a:r>
+            <a:r>
+              <a:rPr lang="be-BY" dirty="0" smtClean="0"/>
+              <a:t> отслеживать </a:t>
+            </a:r>
+            <a:r>
+              <a:rPr lang="ru-RU" dirty="0" smtClean="0"/>
+              <a:t>поведение человека</a:t>
+            </a:r>
+            <a:r>
+              <a:rPr lang="be-BY" dirty="0" smtClean="0"/>
+              <a:t> через интернет, </a:t>
+            </a:r>
+            <a:r>
+              <a:rPr lang="ru-RU" dirty="0" smtClean="0"/>
+              <a:t>делать предположения о его психологическом состоянии</a:t>
+            </a:r>
+            <a:r>
+              <a:rPr lang="be-BY" dirty="0" smtClean="0"/>
+              <a:t>.</a:t>
+            </a:r>
+          </a:p>
+          <a:p>
+            <a:pPr marL="514350" indent="-514350">
+              <a:buAutoNum type="arabicPeriod" startAt="5"/>
+            </a:pPr>
+            <a:r>
+              <a:rPr lang="ru-RU" dirty="0" smtClean="0"/>
+              <a:t>Проведено тестирование </a:t>
+            </a:r>
+            <a:r>
+              <a:rPr lang="ru-RU" dirty="0" smtClean="0"/>
+              <a:t>классификатора.</a:t>
+            </a:r>
+            <a:r>
+              <a:rPr lang="be-BY" dirty="0" smtClean="0"/>
+              <a:t> </a:t>
+            </a:r>
+            <a:endParaRPr lang="en-US" dirty="0" smtClean="0"/>
+          </a:p>
+        </p:txBody>
+      </p:sp>
     </p:spTree>
-    <p:extLst>
-      <p:ext uri="{BB962C8B-B14F-4D97-AF65-F5344CB8AC3E}">
-        <p14:creationId xmlns:p14="http://schemas.microsoft.com/office/powerpoint/2010/main" val="3122053099"/>
-      </p:ext>
-    </p:extLst>
   </p:cSld>
   <p:clrMapOvr>
     <a:masterClrMapping/>
@@ -3660,13 +3840,7 @@
       </p:grpSpPr>
       <p:sp>
         <p:nvSpPr>
-          <p:cNvPr id="2" name="Title 1">
-            <a:extLst>
-              <a:ext uri="{FF2B5EF4-FFF2-40B4-BE49-F238E27FC236}">
-                <a16:creationId xmlns:a16="http://schemas.microsoft.com/office/drawing/2014/main" id="{C13E784F-290D-4B4E-A869-6AA5DE69A538}"/>
-              </a:ext>
-            </a:extLst>
-          </p:cNvPr>
+          <p:cNvPr id="2" name="Заголовок 1"/>
           <p:cNvSpPr>
             <a:spLocks noGrp="1"/>
           </p:cNvSpPr>
@@ -3674,12 +3848,30 @@
             <p:ph type="title"/>
           </p:nvPr>
         </p:nvSpPr>
-        <p:spPr>
-          <a:xfrm>
-            <a:off x="838200" y="0"/>
-            <a:ext cx="10515600" cy="1325563"/>
-          </a:xfrm>
-        </p:spPr>
+        <p:spPr/>
+        <p:txBody>
+          <a:bodyPr/>
+          <a:lstStyle/>
+          <a:p>
+            <a:r>
+              <a:rPr lang="ru-RU" dirty="0" smtClean="0"/>
+              <a:t>ВЫВОДЫ</a:t>
+            </a:r>
+            <a:endParaRPr lang="be-BY" dirty="0"/>
+          </a:p>
+        </p:txBody>
+      </p:sp>
+      <p:sp>
+        <p:nvSpPr>
+          <p:cNvPr id="3" name="Содержимое 2"/>
+          <p:cNvSpPr>
+            <a:spLocks noGrp="1"/>
+          </p:cNvSpPr>
+          <p:nvPr>
+            <p:ph idx="1"/>
+          </p:nvPr>
+        </p:nvSpPr>
+        <p:spPr/>
         <p:txBody>
           <a:bodyPr>
             <a:normAutofit/>
@@ -3687,149 +3879,43 @@
           <a:lstStyle/>
           <a:p>
             <a:r>
-              <a:rPr lang="ru-RU" sz="3300" dirty="0">
-                <a:latin typeface="Times New Roman" panose="02020603050405020304" pitchFamily="18" charset="0"/>
-                <a:cs typeface="Times New Roman" panose="02020603050405020304" pitchFamily="18" charset="0"/>
-              </a:rPr>
-              <a:t>Глава 4 Создание программного средства</a:t>
-            </a:r>
-            <a:br>
-              <a:rPr lang="en-US" sz="3300" dirty="0">
-                <a:latin typeface="Times New Roman" panose="02020603050405020304" pitchFamily="18" charset="0"/>
-                <a:cs typeface="Times New Roman" panose="02020603050405020304" pitchFamily="18" charset="0"/>
-              </a:rPr>
-            </a:br>
-            <a:r>
-              <a:rPr lang="ru-RU" sz="3300" dirty="0">
-                <a:latin typeface="Times New Roman" panose="02020603050405020304" pitchFamily="18" charset="0"/>
-                <a:cs typeface="Times New Roman" panose="02020603050405020304" pitchFamily="18" charset="0"/>
-              </a:rPr>
-              <a:t>4.1 Реализация частей системы</a:t>
-            </a:r>
-            <a:r>
-              <a:rPr lang="en-US" sz="3300" dirty="0">
-                <a:latin typeface="Times New Roman" panose="02020603050405020304" pitchFamily="18" charset="0"/>
-                <a:cs typeface="Times New Roman" panose="02020603050405020304" pitchFamily="18" charset="0"/>
-              </a:rPr>
-              <a:t> – </a:t>
-            </a:r>
-            <a:r>
-              <a:rPr lang="ru-RU" sz="3300" dirty="0">
-                <a:latin typeface="Times New Roman" panose="02020603050405020304" pitchFamily="18" charset="0"/>
-                <a:cs typeface="Times New Roman" panose="02020603050405020304" pitchFamily="18" charset="0"/>
-              </a:rPr>
-              <a:t>мобильное приложение</a:t>
-            </a:r>
-            <a:endParaRPr lang="en-US" sz="3300" dirty="0">
-              <a:latin typeface="Times New Roman" panose="02020603050405020304" pitchFamily="18" charset="0"/>
-              <a:cs typeface="Times New Roman" panose="02020603050405020304" pitchFamily="18" charset="0"/>
-            </a:endParaRPr>
-          </a:p>
-        </p:txBody>
-      </p:sp>
-      <p:sp>
-        <p:nvSpPr>
-          <p:cNvPr id="3" name="Content Placeholder 2">
-            <a:extLst>
-              <a:ext uri="{FF2B5EF4-FFF2-40B4-BE49-F238E27FC236}">
-                <a16:creationId xmlns:a16="http://schemas.microsoft.com/office/drawing/2014/main" id="{F688F72E-1EE0-4CE9-9602-7AE82FA1A39D}"/>
-              </a:ext>
-            </a:extLst>
-          </p:cNvPr>
-          <p:cNvSpPr>
-            <a:spLocks noGrp="1"/>
-          </p:cNvSpPr>
-          <p:nvPr>
-            <p:ph idx="1"/>
-          </p:nvPr>
-        </p:nvSpPr>
-        <p:spPr/>
-        <p:txBody>
-          <a:bodyPr>
-            <a:normAutofit/>
-          </a:bodyPr>
-          <a:lstStyle/>
-          <a:p>
-            <a:pPr marL="0" indent="0" algn="just">
-              <a:buNone/>
-            </a:pPr>
-            <a:r>
-              <a:rPr lang="en-US" dirty="0">
-                <a:latin typeface="Times New Roman" panose="02020603050405020304" pitchFamily="18" charset="0"/>
-                <a:cs typeface="Times New Roman" panose="02020603050405020304" pitchFamily="18" charset="0"/>
-              </a:rPr>
-              <a:t>	</a:t>
-            </a:r>
-            <a:r>
-              <a:rPr lang="be-BY" dirty="0">
-                <a:latin typeface="Times New Roman" panose="02020603050405020304" pitchFamily="18" charset="0"/>
-                <a:cs typeface="Times New Roman" panose="02020603050405020304" pitchFamily="18" charset="0"/>
-              </a:rPr>
-              <a:t>Основной задачей мобильного приложения является сбор поведенческой информации пациента, такой как история звонков, сообщений и перемещений. Данная часть системы не нуждается в наличие графического интерфейса и должна работать в фоне. Поэтому было принято решение создать Android службу (сервис).</a:t>
-            </a:r>
-            <a:endParaRPr lang="en-US" dirty="0">
-              <a:latin typeface="Times New Roman" panose="02020603050405020304" pitchFamily="18" charset="0"/>
-              <a:cs typeface="Times New Roman" panose="02020603050405020304" pitchFamily="18" charset="0"/>
-            </a:endParaRPr>
-          </a:p>
-          <a:p>
-            <a:pPr marL="0" indent="0" algn="just">
-              <a:buNone/>
-            </a:pPr>
-            <a:r>
-              <a:rPr lang="en-US" dirty="0">
-                <a:latin typeface="Times New Roman" panose="02020603050405020304" pitchFamily="18" charset="0"/>
-                <a:cs typeface="Times New Roman" panose="02020603050405020304" pitchFamily="18" charset="0"/>
-              </a:rPr>
-              <a:t>	</a:t>
-            </a:r>
-            <a:r>
-              <a:rPr lang="ru-RU" dirty="0">
-                <a:latin typeface="Times New Roman" panose="02020603050405020304" pitchFamily="18" charset="0"/>
-                <a:cs typeface="Times New Roman" panose="02020603050405020304" pitchFamily="18" charset="0"/>
-              </a:rPr>
-              <a:t>Для доступа к истории звонков и сообщений был использован поставщик контента Android.</a:t>
-            </a:r>
-            <a:endParaRPr lang="en-US" dirty="0">
-              <a:latin typeface="Times New Roman" panose="02020603050405020304" pitchFamily="18" charset="0"/>
-              <a:cs typeface="Times New Roman" panose="02020603050405020304" pitchFamily="18" charset="0"/>
-            </a:endParaRPr>
-          </a:p>
-          <a:p>
-            <a:pPr marL="0" indent="0" algn="just">
-              <a:buNone/>
-            </a:pPr>
-            <a:r>
-              <a:rPr lang="en-US" dirty="0">
-                <a:latin typeface="Times New Roman" panose="02020603050405020304" pitchFamily="18" charset="0"/>
-                <a:cs typeface="Times New Roman" panose="02020603050405020304" pitchFamily="18" charset="0"/>
-              </a:rPr>
-              <a:t>	</a:t>
-            </a:r>
-            <a:r>
-              <a:rPr lang="ru-RU" dirty="0">
-                <a:latin typeface="Times New Roman" panose="02020603050405020304" pitchFamily="18" charset="0"/>
-                <a:cs typeface="Times New Roman" panose="02020603050405020304" pitchFamily="18" charset="0"/>
-              </a:rPr>
-              <a:t>Смартфоны и планшеты на базе Android постоянно фиксируют местоположение пользователя и хранят эти данные</a:t>
-            </a:r>
-            <a:r>
-              <a:rPr lang="en-US" dirty="0">
-                <a:latin typeface="Times New Roman" panose="02020603050405020304" pitchFamily="18" charset="0"/>
-                <a:cs typeface="Times New Roman" panose="02020603050405020304" pitchFamily="18" charset="0"/>
-              </a:rPr>
-              <a:t>.</a:t>
-            </a:r>
-            <a:endParaRPr lang="en-US" dirty="0"/>
+              <a:rPr lang="ru-RU" dirty="0" smtClean="0"/>
+              <a:t>Разработанная система может предоставить врачу объективную информацию о поведении человека и сократить время на осмотр симптомов</a:t>
+            </a:r>
+          </a:p>
+          <a:p>
+            <a:r>
+              <a:rPr lang="ru-RU" dirty="0" smtClean="0"/>
+              <a:t>По итогам тестирования </a:t>
+            </a:r>
+            <a:r>
+              <a:rPr lang="ru-RU" dirty="0" smtClean="0"/>
+              <a:t>классификатора </a:t>
+            </a:r>
+            <a:r>
+              <a:rPr lang="ru-RU" dirty="0" smtClean="0"/>
+              <a:t>было показано, что </a:t>
+            </a:r>
+            <a:r>
+              <a:rPr lang="ru-RU" dirty="0" smtClean="0"/>
+              <a:t>он может </a:t>
+            </a:r>
+            <a:r>
+              <a:rPr lang="ru-RU" dirty="0" smtClean="0"/>
+              <a:t>с высокой точностью </a:t>
+            </a:r>
+            <a:r>
+              <a:rPr lang="ru-RU" dirty="0" smtClean="0"/>
+              <a:t>делать предположения о психологическом состоянии человека</a:t>
+            </a:r>
+            <a:endParaRPr lang="ru-RU" dirty="0" smtClean="0"/>
+          </a:p>
+          <a:p>
+            <a:endParaRPr lang="en-US" dirty="0" smtClean="0"/>
           </a:p>
         </p:txBody>
       </p:sp>
     </p:spTree>
-    <p:extLst>
-      <p:ext uri="{BB962C8B-B14F-4D97-AF65-F5344CB8AC3E}">
-        <p14:creationId xmlns:p14="http://schemas.microsoft.com/office/powerpoint/2010/main" val="836772511"/>
-      </p:ext>
-    </p:extLst>
   </p:cSld>
   <p:clrMapOvr>
     <a:masterClrMapping/>
@@ -3856,188 +3942,79 @@
       </p:grpSpPr>
       <p:sp>
         <p:nvSpPr>
-          <p:cNvPr id="2" name="Title 1">
-            <a:extLst>
-              <a:ext uri="{FF2B5EF4-FFF2-40B4-BE49-F238E27FC236}">
-                <a16:creationId xmlns:a16="http://schemas.microsoft.com/office/drawing/2014/main" id="{B359B1F9-6EBC-4834-8372-A41522EDCC6E}"/>
-              </a:ext>
-            </a:extLst>
-          </p:cNvPr>
-          <p:cNvSpPr>
-            <a:spLocks noGrp="1"/>
-          </p:cNvSpPr>
-          <p:nvPr>
-            <p:ph type="title"/>
-          </p:nvPr>
+          <p:cNvPr id="5" name="Title 3"/>
+          <p:cNvSpPr txBox="1">
+            <a:spLocks/>
+          </p:cNvSpPr>
+          <p:nvPr/>
         </p:nvSpPr>
         <p:spPr>
           <a:xfrm>
-            <a:off x="838200" y="18255"/>
-            <a:ext cx="10515600" cy="1325563"/>
+            <a:off x="0" y="1122363"/>
+            <a:ext cx="12192000" cy="3253694"/>
           </a:xfrm>
+          <a:prstGeom prst="rect">
+            <a:avLst/>
+          </a:prstGeom>
         </p:spPr>
         <p:txBody>
-          <a:bodyPr>
+          <a:bodyPr vert="horz" lIns="91440" tIns="45720" rIns="91440" bIns="45720" rtlCol="0" anchor="ctr">
             <a:normAutofit/>
           </a:bodyPr>
           <a:lstStyle/>
           <a:p>
-            <a:r>
-              <a:rPr lang="ru-RU" sz="3300" dirty="0">
-                <a:latin typeface="Times New Roman" panose="02020603050405020304" pitchFamily="18" charset="0"/>
-                <a:cs typeface="Times New Roman" panose="02020603050405020304" pitchFamily="18" charset="0"/>
-              </a:rPr>
-              <a:t>Глава 4 Создание программного средства</a:t>
-            </a:r>
-            <a:br>
-              <a:rPr lang="en-US" sz="3300" dirty="0">
-                <a:latin typeface="Times New Roman" panose="02020603050405020304" pitchFamily="18" charset="0"/>
-                <a:cs typeface="Times New Roman" panose="02020603050405020304" pitchFamily="18" charset="0"/>
-              </a:rPr>
-            </a:br>
-            <a:r>
-              <a:rPr lang="ru-RU" sz="3300" dirty="0">
-                <a:latin typeface="Times New Roman" panose="02020603050405020304" pitchFamily="18" charset="0"/>
-                <a:cs typeface="Times New Roman" panose="02020603050405020304" pitchFamily="18" charset="0"/>
-              </a:rPr>
-              <a:t>4.1 Реализация частей системы</a:t>
-            </a:r>
-            <a:r>
-              <a:rPr lang="en-US" sz="3300" dirty="0">
-                <a:latin typeface="Times New Roman" panose="02020603050405020304" pitchFamily="18" charset="0"/>
-                <a:cs typeface="Times New Roman" panose="02020603050405020304" pitchFamily="18" charset="0"/>
-              </a:rPr>
-              <a:t> – </a:t>
-            </a:r>
-            <a:r>
-              <a:rPr lang="ru-RU" sz="3300" dirty="0">
-                <a:latin typeface="Times New Roman" panose="02020603050405020304" pitchFamily="18" charset="0"/>
-                <a:cs typeface="Times New Roman" panose="02020603050405020304" pitchFamily="18" charset="0"/>
-              </a:rPr>
-              <a:t>сервер</a:t>
-            </a:r>
-            <a:endParaRPr lang="en-US" sz="3300" dirty="0"/>
-          </a:p>
-        </p:txBody>
-      </p:sp>
-      <p:sp>
-        <p:nvSpPr>
-          <p:cNvPr id="3" name="Content Placeholder 2">
-            <a:extLst>
-              <a:ext uri="{FF2B5EF4-FFF2-40B4-BE49-F238E27FC236}">
-                <a16:creationId xmlns:a16="http://schemas.microsoft.com/office/drawing/2014/main" id="{00A857F2-FBEA-4DD2-AC28-BEC3EE81AD69}"/>
-              </a:ext>
-            </a:extLst>
-          </p:cNvPr>
-          <p:cNvSpPr>
-            <a:spLocks noGrp="1"/>
-          </p:cNvSpPr>
-          <p:nvPr>
-            <p:ph idx="1"/>
-          </p:nvPr>
-        </p:nvSpPr>
-        <p:spPr/>
-        <p:txBody>
-          <a:bodyPr/>
-          <a:lstStyle/>
-          <a:p>
-            <a:pPr marL="0" indent="0" algn="just">
-              <a:buNone/>
+            <a:pPr marL="0" marR="0" lvl="0" indent="0" algn="ctr" defTabSz="914400" rtl="0" eaLnBrk="1" fontAlgn="auto" latinLnBrk="0" hangingPunct="1">
+              <a:lnSpc>
+                <a:spcPct val="90000"/>
+              </a:lnSpc>
+              <a:spcBef>
+                <a:spcPct val="0"/>
+              </a:spcBef>
+              <a:spcAft>
+                <a:spcPts val="0"/>
+              </a:spcAft>
+              <a:buClrTx/>
+              <a:buSzTx/>
+              <a:buFontTx/>
+              <a:buNone/>
+              <a:tabLst/>
+              <a:defRPr/>
             </a:pPr>
             <a:r>
-              <a:rPr lang="en-US" dirty="0"/>
-              <a:t>	</a:t>
-            </a:r>
-            <a:r>
-              <a:rPr lang="ru-RU" dirty="0">
-                <a:latin typeface="Times New Roman" panose="02020603050405020304" pitchFamily="18" charset="0"/>
-                <a:cs typeface="Times New Roman" panose="02020603050405020304" pitchFamily="18" charset="0"/>
-              </a:rPr>
-              <a:t>Основной задачей сервера является получение и предоставление данных о пациенте. Б</a:t>
-            </a:r>
-            <a:r>
-              <a:rPr lang="be-BY" dirty="0">
-                <a:latin typeface="Times New Roman" panose="02020603050405020304" pitchFamily="18" charset="0"/>
-                <a:cs typeface="Times New Roman" panose="02020603050405020304" pitchFamily="18" charset="0"/>
-              </a:rPr>
-              <a:t>ыл разработан с использованием технологии </a:t>
-            </a:r>
-            <a:r>
-              <a:rPr lang="en-US" dirty="0">
-                <a:latin typeface="Times New Roman" panose="02020603050405020304" pitchFamily="18" charset="0"/>
-                <a:cs typeface="Times New Roman" panose="02020603050405020304" pitchFamily="18" charset="0"/>
-              </a:rPr>
-              <a:t>ASP</a:t>
-            </a:r>
-            <a:r>
-              <a:rPr lang="be-BY" dirty="0">
-                <a:latin typeface="Times New Roman" panose="02020603050405020304" pitchFamily="18" charset="0"/>
-                <a:cs typeface="Times New Roman" panose="02020603050405020304" pitchFamily="18" charset="0"/>
-              </a:rPr>
-              <a:t>.</a:t>
-            </a:r>
-            <a:r>
-              <a:rPr lang="en-US" dirty="0">
-                <a:latin typeface="Times New Roman" panose="02020603050405020304" pitchFamily="18" charset="0"/>
-                <a:cs typeface="Times New Roman" panose="02020603050405020304" pitchFamily="18" charset="0"/>
-              </a:rPr>
-              <a:t>NET Web API</a:t>
-            </a:r>
-            <a:r>
-              <a:rPr lang="be-BY" dirty="0">
-                <a:latin typeface="Times New Roman" panose="02020603050405020304" pitchFamily="18" charset="0"/>
-                <a:cs typeface="Times New Roman" panose="02020603050405020304" pitchFamily="18" charset="0"/>
-              </a:rPr>
-              <a:t> 2.0, доступ к ресурсам котор</a:t>
-            </a:r>
-            <a:r>
-              <a:rPr lang="ru-RU" dirty="0">
-                <a:latin typeface="Times New Roman" panose="02020603050405020304" pitchFamily="18" charset="0"/>
-                <a:cs typeface="Times New Roman" panose="02020603050405020304" pitchFamily="18" charset="0"/>
-              </a:rPr>
-              <a:t>ого </a:t>
-            </a:r>
-            <a:r>
-              <a:rPr lang="be-BY" dirty="0">
-                <a:latin typeface="Times New Roman" panose="02020603050405020304" pitchFamily="18" charset="0"/>
-                <a:cs typeface="Times New Roman" panose="02020603050405020304" pitchFamily="18" charset="0"/>
-              </a:rPr>
-              <a:t>предоставляется через </a:t>
-            </a:r>
-            <a:r>
-              <a:rPr lang="en-US" dirty="0">
-                <a:latin typeface="Times New Roman" panose="02020603050405020304" pitchFamily="18" charset="0"/>
-                <a:cs typeface="Times New Roman" panose="02020603050405020304" pitchFamily="18" charset="0"/>
-              </a:rPr>
-              <a:t>HTTP</a:t>
-            </a:r>
-            <a:r>
-              <a:rPr lang="be-BY" dirty="0">
-                <a:latin typeface="Times New Roman" panose="02020603050405020304" pitchFamily="18" charset="0"/>
-                <a:cs typeface="Times New Roman" panose="02020603050405020304" pitchFamily="18" charset="0"/>
-              </a:rPr>
-              <a:t> запросы. </a:t>
-            </a:r>
-            <a:r>
-              <a:rPr lang="ru-RU" dirty="0">
-                <a:latin typeface="Times New Roman" panose="02020603050405020304" pitchFamily="18" charset="0"/>
-                <a:cs typeface="Times New Roman" panose="02020603050405020304" pitchFamily="18" charset="0"/>
-              </a:rPr>
-              <a:t>Получает всю поведенческую информацию пациента от мобильного приложения и сохраняет её в базу данных.</a:t>
-            </a:r>
-            <a:endParaRPr lang="en-US" dirty="0">
-              <a:latin typeface="Times New Roman" panose="02020603050405020304" pitchFamily="18" charset="0"/>
-              <a:cs typeface="Times New Roman" panose="02020603050405020304" pitchFamily="18" charset="0"/>
+              <a:rPr kumimoji="0" lang="ru-RU" sz="4400" b="0" i="0" u="none" strike="noStrike" kern="1200" cap="none" spc="0" normalizeH="0" baseline="0" noProof="0" smtClean="0">
+                <a:ln>
+                  <a:noFill/>
+                </a:ln>
+                <a:solidFill>
+                  <a:schemeClr val="tx1"/>
+                </a:solidFill>
+                <a:effectLst/>
+                <a:uLnTx/>
+                <a:uFillTx/>
+                <a:latin typeface="+mj-lt"/>
+                <a:ea typeface="+mj-ea"/>
+                <a:cs typeface="+mj-cs"/>
+              </a:rPr>
+              <a:t>СПАСИБО ЗА ВНИМАНИЕ!</a:t>
+            </a:r>
+            <a:endParaRPr kumimoji="0" lang="en-US" sz="4400" b="0" i="0" u="none" strike="noStrike" kern="1200" cap="none" spc="0" normalizeH="0" baseline="0" noProof="0" dirty="0">
+              <a:ln>
+                <a:noFill/>
+              </a:ln>
+              <a:solidFill>
+                <a:schemeClr val="tx1"/>
+              </a:solidFill>
+              <a:effectLst/>
+              <a:uLnTx/>
+              <a:uFillTx/>
+              <a:latin typeface="+mj-lt"/>
+              <a:ea typeface="+mj-ea"/>
+              <a:cs typeface="+mj-cs"/>
             </a:endParaRPr>
           </a:p>
         </p:txBody>
       </p:sp>
     </p:spTree>
-    <p:extLst>
-      <p:ext uri="{BB962C8B-B14F-4D97-AF65-F5344CB8AC3E}">
-        <p14:creationId xmlns:p14="http://schemas.microsoft.com/office/powerpoint/2010/main" val="162237773"/>
-      </p:ext>
-    </p:extLst>
   </p:cSld>
   <p:clrMapOvr>
     <a:masterClrMapping/>
@@ -4067,7 +4044,7 @@
           <p:cNvPr id="2" name="Title 1">
             <a:extLst>
               <a:ext uri="{FF2B5EF4-FFF2-40B4-BE49-F238E27FC236}">
-                <a16:creationId xmlns:a16="http://schemas.microsoft.com/office/drawing/2014/main" id="{2C0F4CC8-13B3-478B-BDA1-E9E22D3EE906}"/>
+                <a16:creationId xmlns:a16="http://schemas.microsoft.com/office/drawing/2014/main" xmlns="" id="{C13E784F-290D-4B4E-A869-6AA5DE69A538}"/>
               </a:ext>
             </a:extLst>
           </p:cNvPr>
@@ -4080,7 +4057,7 @@
         </p:nvSpPr>
         <p:spPr>
           <a:xfrm>
-            <a:off x="838200" y="18255"/>
+            <a:off x="838200" y="0"/>
             <a:ext cx="10515600" cy="1325563"/>
           </a:xfrm>
         </p:spPr>
@@ -4097,6 +4074,13 @@
               </a:rPr>
               <a:t>Глава 4 Создание программного средства</a:t>
             </a:r>
+            <a:r>
+              <a:rPr lang="en-US" sz="3300" dirty="0">
+                <a:latin typeface="Times New Roman" panose="02020603050405020304" pitchFamily="18" charset="0"/>
+                <a:cs typeface="Times New Roman" panose="02020603050405020304" pitchFamily="18" charset="0"/>
+              </a:rPr>
+              <a:t/>
+            </a:r>
             <a:br>
               <a:rPr lang="en-US" sz="3300" dirty="0">
                 <a:latin typeface="Times New Roman" panose="02020603050405020304" pitchFamily="18" charset="0"/>
@@ -4122,9 +4106,12 @@
                 <a:latin typeface="Times New Roman" panose="02020603050405020304" pitchFamily="18" charset="0"/>
                 <a:cs typeface="Times New Roman" panose="02020603050405020304" pitchFamily="18" charset="0"/>
               </a:rPr>
-              <a:t>вычислительный сервис</a:t>
-            </a:r>
-            <a:endParaRPr lang="en-US" sz="3300" dirty="0"/>
+              <a:t>мобильное приложение</a:t>
+            </a:r>
+            <a:endParaRPr lang="en-US" sz="3300" dirty="0">
+              <a:latin typeface="Times New Roman" panose="02020603050405020304" pitchFamily="18" charset="0"/>
+              <a:cs typeface="Times New Roman" panose="02020603050405020304" pitchFamily="18" charset="0"/>
+            </a:endParaRPr>
           </a:p>
         </p:txBody>
       </p:sp>
@@ -4133,7 +4120,7 @@
           <p:cNvPr id="3" name="Content Placeholder 2">
             <a:extLst>
               <a:ext uri="{FF2B5EF4-FFF2-40B4-BE49-F238E27FC236}">
-                <a16:creationId xmlns:a16="http://schemas.microsoft.com/office/drawing/2014/main" id="{CA675FB7-FCAB-4D1B-A4A8-3F585CEE5967}"/>
+                <a16:creationId xmlns:a16="http://schemas.microsoft.com/office/drawing/2014/main" xmlns="" id="{F688F72E-1EE0-4CE9-9602-7AE82FA1A39D}"/>
               </a:ext>
             </a:extLst>
           </p:cNvPr>
@@ -4146,34 +4133,89 @@
         </p:nvSpPr>
         <p:spPr/>
         <p:txBody>
-          <a:bodyPr/>
+          <a:bodyPr>
+            <a:normAutofit/>
+          </a:bodyPr>
           <a:lstStyle/>
           <a:p>
             <a:pPr marL="0" indent="0" algn="just">
               <a:buNone/>
             </a:pPr>
             <a:r>
-              <a:rPr lang="ru-RU" dirty="0"/>
+              <a:rPr lang="en-US" dirty="0">
+                <a:latin typeface="Times New Roman" panose="02020603050405020304" pitchFamily="18" charset="0"/>
+                <a:cs typeface="Times New Roman" panose="02020603050405020304" pitchFamily="18" charset="0"/>
+              </a:rPr>
               <a:t>	</a:t>
             </a:r>
             <a:r>
-              <a:rPr lang="ru-RU" dirty="0">
-                <a:latin typeface="Times New Roman" panose="02020603050405020304" pitchFamily="18" charset="0"/>
-                <a:cs typeface="Times New Roman" panose="02020603050405020304" pitchFamily="18" charset="0"/>
-              </a:rPr>
-              <a:t>Сервис автоматически запускается каждые двадцать четыре часа. При запуске производится проверка данных пациента на наличие новой информации, и выполняется пересчет психологического состояния.</a:t>
+              <a:rPr lang="be-BY" dirty="0">
+                <a:latin typeface="Times New Roman" panose="02020603050405020304" pitchFamily="18" charset="0"/>
+                <a:cs typeface="Times New Roman" panose="02020603050405020304" pitchFamily="18" charset="0"/>
+              </a:rPr>
+              <a:t>Основной задачей мобильного приложения является сбор поведенческой информации пациента, такой как история звонков, сообщений и перемещений. Данная часть системы не нуждается в наличие графического интерфейса и должна работать в фоне. Поэтому было принято решение создать Android службу (сервис).</a:t>
             </a:r>
             <a:endParaRPr lang="en-US" dirty="0">
               <a:latin typeface="Times New Roman" panose="02020603050405020304" pitchFamily="18" charset="0"/>
               <a:cs typeface="Times New Roman" panose="02020603050405020304" pitchFamily="18" charset="0"/>
             </a:endParaRPr>
           </a:p>
+          <a:p>
+            <a:pPr marL="0" indent="0" algn="just">
+              <a:buNone/>
+            </a:pPr>
+            <a:r>
+              <a:rPr lang="en-US" dirty="0">
+                <a:latin typeface="Times New Roman" panose="02020603050405020304" pitchFamily="18" charset="0"/>
+                <a:cs typeface="Times New Roman" panose="02020603050405020304" pitchFamily="18" charset="0"/>
+              </a:rPr>
+              <a:t>	</a:t>
+            </a:r>
+            <a:r>
+              <a:rPr lang="ru-RU" dirty="0">
+                <a:latin typeface="Times New Roman" panose="02020603050405020304" pitchFamily="18" charset="0"/>
+                <a:cs typeface="Times New Roman" panose="02020603050405020304" pitchFamily="18" charset="0"/>
+              </a:rPr>
+              <a:t>Для доступа к истории звонков и сообщений был использован поставщик контента Android.</a:t>
+            </a:r>
+            <a:endParaRPr lang="en-US" dirty="0">
+              <a:latin typeface="Times New Roman" panose="02020603050405020304" pitchFamily="18" charset="0"/>
+              <a:cs typeface="Times New Roman" panose="02020603050405020304" pitchFamily="18" charset="0"/>
+            </a:endParaRPr>
+          </a:p>
+          <a:p>
+            <a:pPr marL="0" indent="0" algn="just">
+              <a:buNone/>
+            </a:pPr>
+            <a:r>
+              <a:rPr lang="en-US" dirty="0">
+                <a:latin typeface="Times New Roman" panose="02020603050405020304" pitchFamily="18" charset="0"/>
+                <a:cs typeface="Times New Roman" panose="02020603050405020304" pitchFamily="18" charset="0"/>
+              </a:rPr>
+              <a:t>	</a:t>
+            </a:r>
+            <a:r>
+              <a:rPr lang="ru-RU" dirty="0">
+                <a:latin typeface="Times New Roman" panose="02020603050405020304" pitchFamily="18" charset="0"/>
+                <a:cs typeface="Times New Roman" panose="02020603050405020304" pitchFamily="18" charset="0"/>
+              </a:rPr>
+              <a:t>Смартфоны и планшеты на базе Android постоянно фиксируют местоположение пользователя и хранят эти данные</a:t>
+            </a:r>
+            <a:r>
+              <a:rPr lang="en-US" dirty="0">
+                <a:latin typeface="Times New Roman" panose="02020603050405020304" pitchFamily="18" charset="0"/>
+                <a:cs typeface="Times New Roman" panose="02020603050405020304" pitchFamily="18" charset="0"/>
+              </a:rPr>
+              <a:t>.</a:t>
+            </a:r>
+            <a:endParaRPr lang="en-US" dirty="0"/>
+          </a:p>
         </p:txBody>
       </p:sp>
     </p:spTree>
     <p:extLst>
       <p:ext uri="{BB962C8B-B14F-4D97-AF65-F5344CB8AC3E}">
-        <p14:creationId xmlns:p14="http://schemas.microsoft.com/office/powerpoint/2010/main" val="2250061185"/>
+        <p14:creationId xmlns:p14="http://schemas.microsoft.com/office/powerpoint/2010/main" xmlns="" val="836772511"/>
       </p:ext>
     </p:extLst>
   </p:cSld>
@@ -4205,7 +4247,7 @@
           <p:cNvPr id="2" name="Title 1">
             <a:extLst>
               <a:ext uri="{FF2B5EF4-FFF2-40B4-BE49-F238E27FC236}">
-                <a16:creationId xmlns:a16="http://schemas.microsoft.com/office/drawing/2014/main" id="{EC46A109-4E49-48D1-A6AE-8613B9559675}"/>
+                <a16:creationId xmlns:a16="http://schemas.microsoft.com/office/drawing/2014/main" xmlns="" id="{B359B1F9-6EBC-4834-8372-A41522EDCC6E}"/>
               </a:ext>
             </a:extLst>
           </p:cNvPr>
@@ -4218,7 +4260,7 @@
         </p:nvSpPr>
         <p:spPr>
           <a:xfrm>
-            <a:off x="838200" y="0"/>
+            <a:off x="838200" y="18255"/>
             <a:ext cx="10515600" cy="1325563"/>
           </a:xfrm>
         </p:spPr>
@@ -4235,6 +4277,13 @@
               </a:rPr>
               <a:t>Глава 4 Создание программного средства</a:t>
             </a:r>
+            <a:r>
+              <a:rPr lang="en-US" sz="3300" dirty="0">
+                <a:latin typeface="Times New Roman" panose="02020603050405020304" pitchFamily="18" charset="0"/>
+                <a:cs typeface="Times New Roman" panose="02020603050405020304" pitchFamily="18" charset="0"/>
+              </a:rPr>
+              <a:t/>
+            </a:r>
             <a:br>
               <a:rPr lang="en-US" sz="3300" dirty="0">
                 <a:latin typeface="Times New Roman" panose="02020603050405020304" pitchFamily="18" charset="0"/>
@@ -4260,7 +4309,7 @@
                 <a:latin typeface="Times New Roman" panose="02020603050405020304" pitchFamily="18" charset="0"/>
                 <a:cs typeface="Times New Roman" panose="02020603050405020304" pitchFamily="18" charset="0"/>
               </a:rPr>
-              <a:t>веб-приложение</a:t>
+              <a:t>сервер</a:t>
             </a:r>
             <a:endParaRPr lang="en-US" sz="3300" dirty="0"/>
           </a:p>
@@ -4271,7 +4320,7 @@
           <p:cNvPr id="3" name="Content Placeholder 2">
             <a:extLst>
               <a:ext uri="{FF2B5EF4-FFF2-40B4-BE49-F238E27FC236}">
-                <a16:creationId xmlns:a16="http://schemas.microsoft.com/office/drawing/2014/main" id="{43FF460F-432A-45C6-92F4-2E853AF6926F}"/>
+                <a16:creationId xmlns:a16="http://schemas.microsoft.com/office/drawing/2014/main" xmlns="" id="{00A857F2-FBEA-4DD2-AC28-BEC3EE81AD69}"/>
               </a:ext>
             </a:extLst>
           </p:cNvPr>
@@ -4291,7 +4340,7 @@
               <a:buNone/>
             </a:pPr>
             <a:r>
-              <a:rPr lang="ru-RU" dirty="0"/>
+              <a:rPr lang="en-US" dirty="0"/>
               <a:t>	</a:t>
             </a:r>
             <a:r>
@@ -4299,71 +4348,89 @@
                 <a:latin typeface="Times New Roman" panose="02020603050405020304" pitchFamily="18" charset="0"/>
                 <a:cs typeface="Times New Roman" panose="02020603050405020304" pitchFamily="18" charset="0"/>
               </a:rPr>
-              <a:t>Веб-приложение позволяет врачу получить доступ к поведенческой информации конкретного пациента, а также увидеть предсказанное системой его психологическое состояние. П</a:t>
+              <a:t>Основной задачей сервера является получение и предоставление данных о пациенте. Б</a:t>
             </a:r>
             <a:r>
               <a:rPr lang="be-BY" dirty="0">
                 <a:latin typeface="Times New Roman" panose="02020603050405020304" pitchFamily="18" charset="0"/>
                 <a:cs typeface="Times New Roman" panose="02020603050405020304" pitchFamily="18" charset="0"/>
               </a:rPr>
-              <a:t>риложение было написано с использованием технологий </a:t>
+              <a:t>ыл разработан с использованием технологии </a:t>
             </a:r>
             <a:r>
               <a:rPr lang="en-US" dirty="0">
                 <a:latin typeface="Times New Roman" panose="02020603050405020304" pitchFamily="18" charset="0"/>
                 <a:cs typeface="Times New Roman" panose="02020603050405020304" pitchFamily="18" charset="0"/>
               </a:rPr>
-              <a:t>ReactJS</a:t>
+              <a:t>ASP</a:t>
             </a:r>
             <a:r>
               <a:rPr lang="be-BY" dirty="0">
                 <a:latin typeface="Times New Roman" panose="02020603050405020304" pitchFamily="18" charset="0"/>
                 <a:cs typeface="Times New Roman" panose="02020603050405020304" pitchFamily="18" charset="0"/>
               </a:rPr>
-              <a:t>, </a:t>
+              <a:t>.</a:t>
             </a:r>
             <a:r>
               <a:rPr lang="en-US" dirty="0">
                 <a:latin typeface="Times New Roman" panose="02020603050405020304" pitchFamily="18" charset="0"/>
                 <a:cs typeface="Times New Roman" panose="02020603050405020304" pitchFamily="18" charset="0"/>
               </a:rPr>
-              <a:t>HTML</a:t>
+              <a:t>NET Web API</a:t>
             </a:r>
             <a:r>
               <a:rPr lang="be-BY" dirty="0">
                 <a:latin typeface="Times New Roman" panose="02020603050405020304" pitchFamily="18" charset="0"/>
                 <a:cs typeface="Times New Roman" panose="02020603050405020304" pitchFamily="18" charset="0"/>
               </a:rPr>
-              <a:t> 5.0 и </a:t>
+              <a:t> 2.0, доступ к ресурсам котор</a:t>
+            </a:r>
+            <a:r>
+              <a:rPr lang="ru-RU" dirty="0">
+                <a:latin typeface="Times New Roman" panose="02020603050405020304" pitchFamily="18" charset="0"/>
+                <a:cs typeface="Times New Roman" panose="02020603050405020304" pitchFamily="18" charset="0"/>
+              </a:rPr>
+              <a:t>ого </a:t>
+            </a:r>
+            <a:r>
+              <a:rPr lang="be-BY" dirty="0">
+                <a:latin typeface="Times New Roman" panose="02020603050405020304" pitchFamily="18" charset="0"/>
+                <a:cs typeface="Times New Roman" panose="02020603050405020304" pitchFamily="18" charset="0"/>
+              </a:rPr>
+              <a:t>предоставляется через </a:t>
             </a:r>
             <a:r>
               <a:rPr lang="en-US" dirty="0">
                 <a:latin typeface="Times New Roman" panose="02020603050405020304" pitchFamily="18" charset="0"/>
                 <a:cs typeface="Times New Roman" panose="02020603050405020304" pitchFamily="18" charset="0"/>
               </a:rPr>
-              <a:t>CSS</a:t>
+              <a:t>HTTP</a:t>
             </a:r>
             <a:r>
               <a:rPr lang="be-BY" dirty="0">
                 <a:latin typeface="Times New Roman" panose="02020603050405020304" pitchFamily="18" charset="0"/>
                 <a:cs typeface="Times New Roman" panose="02020603050405020304" pitchFamily="18" charset="0"/>
               </a:rPr>
-              <a:t> 3.0.</a:t>
+              <a:t> запросы. </a:t>
+            </a:r>
+            <a:r>
+              <a:rPr lang="ru-RU" dirty="0">
+                <a:latin typeface="Times New Roman" panose="02020603050405020304" pitchFamily="18" charset="0"/>
+                <a:cs typeface="Times New Roman" panose="02020603050405020304" pitchFamily="18" charset="0"/>
+              </a:rPr>
+              <a:t>Получает всю поведенческую информацию пациента от мобильного приложения и сохраняет её в базу данных.</a:t>
             </a:r>
             <a:endParaRPr lang="en-US" dirty="0">
               <a:latin typeface="Times New Roman" panose="02020603050405020304" pitchFamily="18" charset="0"/>
               <a:cs typeface="Times New Roman" panose="02020603050405020304" pitchFamily="18" charset="0"/>
             </a:endParaRPr>
           </a:p>
-          <a:p>
-            <a:endParaRPr lang="en-US" dirty="0"/>
-          </a:p>
         </p:txBody>
       </p:sp>
     </p:spTree>
     <p:extLst>
       <p:ext uri="{BB962C8B-B14F-4D97-AF65-F5344CB8AC3E}">
-        <p14:creationId xmlns:p14="http://schemas.microsoft.com/office/powerpoint/2010/main" val="961746148"/>
+        <p14:creationId xmlns:p14="http://schemas.microsoft.com/office/powerpoint/2010/main" xmlns="" val="162237773"/>
       </p:ext>
     </p:extLst>
   </p:cSld>
@@ -4395,7 +4462,7 @@
           <p:cNvPr id="2" name="Title 1">
             <a:extLst>
               <a:ext uri="{FF2B5EF4-FFF2-40B4-BE49-F238E27FC236}">
-                <a16:creationId xmlns:a16="http://schemas.microsoft.com/office/drawing/2014/main" id="{820DAB02-F6D3-4B4A-A9E0-E81BF7C9BCD3}"/>
+                <a16:creationId xmlns:a16="http://schemas.microsoft.com/office/drawing/2014/main" xmlns="" id="{2C0F4CC8-13B3-478B-BDA1-E9E22D3EE906}"/>
               </a:ext>
             </a:extLst>
           </p:cNvPr>
@@ -4408,7 +4475,7 @@
         </p:nvSpPr>
         <p:spPr>
           <a:xfrm>
-            <a:off x="838200" y="0"/>
+            <a:off x="838200" y="18255"/>
             <a:ext cx="10515600" cy="1325563"/>
           </a:xfrm>
         </p:spPr>
@@ -4425,6 +4492,13 @@
               </a:rPr>
               <a:t>Глава 4 Создание программного средства</a:t>
             </a:r>
+            <a:r>
+              <a:rPr lang="en-US" sz="3300" dirty="0">
+                <a:latin typeface="Times New Roman" panose="02020603050405020304" pitchFamily="18" charset="0"/>
+                <a:cs typeface="Times New Roman" panose="02020603050405020304" pitchFamily="18" charset="0"/>
+              </a:rPr>
+              <a:t/>
+            </a:r>
             <a:br>
               <a:rPr lang="en-US" sz="3300" dirty="0">
                 <a:latin typeface="Times New Roman" panose="02020603050405020304" pitchFamily="18" charset="0"/>
@@ -4450,52 +4524,58 @@
                 <a:latin typeface="Times New Roman" panose="02020603050405020304" pitchFamily="18" charset="0"/>
                 <a:cs typeface="Times New Roman" panose="02020603050405020304" pitchFamily="18" charset="0"/>
               </a:rPr>
-              <a:t>веб-приложение</a:t>
+              <a:t>вычислительный сервис</a:t>
             </a:r>
             <a:endParaRPr lang="en-US" sz="3300" dirty="0"/>
           </a:p>
         </p:txBody>
       </p:sp>
-      <p:pic>
-        <p:nvPicPr>
-          <p:cNvPr id="4" name="Рисунок 4">
-            <a:extLst>
-              <a:ext uri="{FF2B5EF4-FFF2-40B4-BE49-F238E27FC236}">
-                <a16:creationId xmlns:a16="http://schemas.microsoft.com/office/drawing/2014/main" id="{490E3DCE-2C7A-4CF9-9FB0-B8995D412F47}"/>
-              </a:ext>
-            </a:extLst>
-          </p:cNvPr>
-          <p:cNvPicPr/>
-          <p:nvPr/>
-        </p:nvPicPr>
-        <p:blipFill>
-          <a:blip r:embed="rId2" cstate="print"/>
-          <a:srcRect/>
-          <a:stretch>
-            <a:fillRect/>
-          </a:stretch>
-        </p:blipFill>
-        <p:spPr bwMode="auto">
-          <a:xfrm>
-            <a:off x="838200" y="1737251"/>
-            <a:ext cx="9848866" cy="4738963"/>
-          </a:xfrm>
-          <a:prstGeom prst="rect">
-            <a:avLst/>
-          </a:prstGeom>
-          <a:noFill/>
-          <a:ln w="9525">
-            <a:noFill/>
-            <a:miter lim="800000"/>
-            <a:headEnd/>
-            <a:tailEnd/>
-          </a:ln>
-        </p:spPr>
-      </p:pic>
+      <p:sp>
+        <p:nvSpPr>
+          <p:cNvPr id="3" name="Content Placeholder 2">
+            <a:extLst>
+              <a:ext uri="{FF2B5EF4-FFF2-40B4-BE49-F238E27FC236}">
+                <a16:creationId xmlns:a16="http://schemas.microsoft.com/office/drawing/2014/main" xmlns="" id="{CA675FB7-FCAB-4D1B-A4A8-3F585CEE5967}"/>
+              </a:ext>
+            </a:extLst>
+          </p:cNvPr>
+          <p:cNvSpPr>
+            <a:spLocks noGrp="1"/>
+          </p:cNvSpPr>
+          <p:nvPr>
+            <p:ph idx="1"/>
+          </p:nvPr>
+        </p:nvSpPr>
+        <p:spPr/>
+        <p:txBody>
+          <a:bodyPr/>
+          <a:lstStyle/>
+          <a:p>
+            <a:pPr marL="0" indent="0" algn="just">
+              <a:buNone/>
+            </a:pPr>
+            <a:r>
+              <a:rPr lang="ru-RU" dirty="0"/>
+              <a:t>	</a:t>
+            </a:r>
+            <a:r>
+              <a:rPr lang="ru-RU" dirty="0">
+                <a:latin typeface="Times New Roman" panose="02020603050405020304" pitchFamily="18" charset="0"/>
+                <a:cs typeface="Times New Roman" panose="02020603050405020304" pitchFamily="18" charset="0"/>
+              </a:rPr>
+              <a:t>Сервис автоматически запускается каждые двадцать четыре часа. При запуске производится проверка данных пациента на наличие новой информации, и выполняется пересчет психологического состояния.</a:t>
+            </a:r>
+            <a:endParaRPr lang="en-US" dirty="0">
+              <a:latin typeface="Times New Roman" panose="02020603050405020304" pitchFamily="18" charset="0"/>
+              <a:cs typeface="Times New Roman" panose="02020603050405020304" pitchFamily="18" charset="0"/>
+            </a:endParaRPr>
+          </a:p>
+        </p:txBody>
+      </p:sp>
     </p:spTree>
     <p:extLst>
       <p:ext uri="{BB962C8B-B14F-4D97-AF65-F5344CB8AC3E}">
-        <p14:creationId xmlns:p14="http://schemas.microsoft.com/office/powerpoint/2010/main" val="213204147"/>
+        <p14:creationId xmlns:p14="http://schemas.microsoft.com/office/powerpoint/2010/main" xmlns="" val="2250061185"/>
       </p:ext>
     </p:extLst>
   </p:cSld>
@@ -4527,7 +4607,7 @@
           <p:cNvPr id="2" name="Title 1">
             <a:extLst>
               <a:ext uri="{FF2B5EF4-FFF2-40B4-BE49-F238E27FC236}">
-                <a16:creationId xmlns:a16="http://schemas.microsoft.com/office/drawing/2014/main" id="{F0121BC1-B416-4404-AC97-5BC528989099}"/>
+                <a16:creationId xmlns:a16="http://schemas.microsoft.com/office/drawing/2014/main" xmlns="" id="{EC46A109-4E49-48D1-A6AE-8613B9559675}"/>
               </a:ext>
             </a:extLst>
           </p:cNvPr>
@@ -4557,6 +4637,13 @@
               </a:rPr>
               <a:t>Глава 4 Создание программного средства</a:t>
             </a:r>
+            <a:r>
+              <a:rPr lang="en-US" sz="3300" dirty="0">
+                <a:latin typeface="Times New Roman" panose="02020603050405020304" pitchFamily="18" charset="0"/>
+                <a:cs typeface="Times New Roman" panose="02020603050405020304" pitchFamily="18" charset="0"/>
+              </a:rPr>
+              <a:t/>
+            </a:r>
             <a:br>
               <a:rPr lang="en-US" sz="3300" dirty="0">
                 <a:latin typeface="Times New Roman" panose="02020603050405020304" pitchFamily="18" charset="0"/>
@@ -4588,46 +4675,104 @@
           </a:p>
         </p:txBody>
       </p:sp>
-      <p:pic>
-        <p:nvPicPr>
-          <p:cNvPr id="4" name="Рисунок 12">
-            <a:extLst>
-              <a:ext uri="{FF2B5EF4-FFF2-40B4-BE49-F238E27FC236}">
-                <a16:creationId xmlns:a16="http://schemas.microsoft.com/office/drawing/2014/main" id="{F00BECE7-2863-47A6-AFDE-20C44D861B45}"/>
-              </a:ext>
-            </a:extLst>
-          </p:cNvPr>
-          <p:cNvPicPr/>
-          <p:nvPr/>
-        </p:nvPicPr>
-        <p:blipFill>
-          <a:blip r:embed="rId2" cstate="print"/>
-          <a:srcRect/>
-          <a:stretch>
-            <a:fillRect/>
-          </a:stretch>
-        </p:blipFill>
-        <p:spPr bwMode="auto">
-          <a:xfrm>
-            <a:off x="838199" y="1721718"/>
-            <a:ext cx="9794091" cy="4697936"/>
-          </a:xfrm>
-          <a:prstGeom prst="rect">
-            <a:avLst/>
-          </a:prstGeom>
-          <a:noFill/>
-          <a:ln w="9525">
-            <a:noFill/>
-            <a:miter lim="800000"/>
-            <a:headEnd/>
-            <a:tailEnd/>
-          </a:ln>
-        </p:spPr>
-      </p:pic>
+      <p:sp>
+        <p:nvSpPr>
+          <p:cNvPr id="3" name="Content Placeholder 2">
+            <a:extLst>
+              <a:ext uri="{FF2B5EF4-FFF2-40B4-BE49-F238E27FC236}">
+                <a16:creationId xmlns:a16="http://schemas.microsoft.com/office/drawing/2014/main" xmlns="" id="{43FF460F-432A-45C6-92F4-2E853AF6926F}"/>
+              </a:ext>
+            </a:extLst>
+          </p:cNvPr>
+          <p:cNvSpPr>
+            <a:spLocks noGrp="1"/>
+          </p:cNvSpPr>
+          <p:nvPr>
+            <p:ph idx="1"/>
+          </p:nvPr>
+        </p:nvSpPr>
+        <p:spPr/>
+        <p:txBody>
+          <a:bodyPr/>
+          <a:lstStyle/>
+          <a:p>
+            <a:pPr marL="0" indent="0" algn="just">
+              <a:buNone/>
+            </a:pPr>
+            <a:r>
+              <a:rPr lang="ru-RU" dirty="0"/>
+              <a:t>	</a:t>
+            </a:r>
+            <a:r>
+              <a:rPr lang="ru-RU" dirty="0">
+                <a:latin typeface="Times New Roman" panose="02020603050405020304" pitchFamily="18" charset="0"/>
+                <a:cs typeface="Times New Roman" panose="02020603050405020304" pitchFamily="18" charset="0"/>
+              </a:rPr>
+              <a:t>Веб-приложение позволяет врачу получить доступ к поведенческой информации конкретного пациента, а также увидеть предсказанное системой его психологическое состояние. П</a:t>
+            </a:r>
+            <a:r>
+              <a:rPr lang="be-BY" dirty="0">
+                <a:latin typeface="Times New Roman" panose="02020603050405020304" pitchFamily="18" charset="0"/>
+                <a:cs typeface="Times New Roman" panose="02020603050405020304" pitchFamily="18" charset="0"/>
+              </a:rPr>
+              <a:t>риложение было написано с использованием технологий </a:t>
+            </a:r>
+            <a:r>
+              <a:rPr lang="en-US" dirty="0">
+                <a:latin typeface="Times New Roman" panose="02020603050405020304" pitchFamily="18" charset="0"/>
+                <a:cs typeface="Times New Roman" panose="02020603050405020304" pitchFamily="18" charset="0"/>
+              </a:rPr>
+              <a:t>ReactJS</a:t>
+            </a:r>
+            <a:r>
+              <a:rPr lang="be-BY" dirty="0">
+                <a:latin typeface="Times New Roman" panose="02020603050405020304" pitchFamily="18" charset="0"/>
+                <a:cs typeface="Times New Roman" panose="02020603050405020304" pitchFamily="18" charset="0"/>
+              </a:rPr>
+              <a:t>, </a:t>
+            </a:r>
+            <a:r>
+              <a:rPr lang="en-US" dirty="0">
+                <a:latin typeface="Times New Roman" panose="02020603050405020304" pitchFamily="18" charset="0"/>
+                <a:cs typeface="Times New Roman" panose="02020603050405020304" pitchFamily="18" charset="0"/>
+              </a:rPr>
+              <a:t>HTML</a:t>
+            </a:r>
+            <a:r>
+              <a:rPr lang="be-BY" dirty="0">
+                <a:latin typeface="Times New Roman" panose="02020603050405020304" pitchFamily="18" charset="0"/>
+                <a:cs typeface="Times New Roman" panose="02020603050405020304" pitchFamily="18" charset="0"/>
+              </a:rPr>
+              <a:t> 5.0 и </a:t>
+            </a:r>
+            <a:r>
+              <a:rPr lang="en-US" dirty="0">
+                <a:latin typeface="Times New Roman" panose="02020603050405020304" pitchFamily="18" charset="0"/>
+                <a:cs typeface="Times New Roman" panose="02020603050405020304" pitchFamily="18" charset="0"/>
+              </a:rPr>
+              <a:t>CSS</a:t>
+            </a:r>
+            <a:r>
+              <a:rPr lang="be-BY" dirty="0">
+                <a:latin typeface="Times New Roman" panose="02020603050405020304" pitchFamily="18" charset="0"/>
+                <a:cs typeface="Times New Roman" panose="02020603050405020304" pitchFamily="18" charset="0"/>
+              </a:rPr>
+              <a:t> 3.0.</a:t>
+            </a:r>
+            <a:endParaRPr lang="en-US" dirty="0">
+              <a:latin typeface="Times New Roman" panose="02020603050405020304" pitchFamily="18" charset="0"/>
+              <a:cs typeface="Times New Roman" panose="02020603050405020304" pitchFamily="18" charset="0"/>
+            </a:endParaRPr>
+          </a:p>
+          <a:p>
+            <a:endParaRPr lang="en-US" dirty="0"/>
+          </a:p>
+        </p:txBody>
+      </p:sp>
     </p:spTree>
     <p:extLst>
       <p:ext uri="{BB962C8B-B14F-4D97-AF65-F5344CB8AC3E}">
-        <p14:creationId xmlns:p14="http://schemas.microsoft.com/office/powerpoint/2010/main" val="3155974167"/>
+        <p14:creationId xmlns:p14="http://schemas.microsoft.com/office/powerpoint/2010/main" xmlns="" val="961746148"/>
       </p:ext>
     </p:extLst>
   </p:cSld>
@@ -4659,7 +4804,7 @@
           <p:cNvPr id="2" name="Title 1">
             <a:extLst>
               <a:ext uri="{FF2B5EF4-FFF2-40B4-BE49-F238E27FC236}">
-                <a16:creationId xmlns:a16="http://schemas.microsoft.com/office/drawing/2014/main" id="{08A8256D-9D0B-4BD1-BB9E-02B87BA13CDF}"/>
+                <a16:creationId xmlns:a16="http://schemas.microsoft.com/office/drawing/2014/main" xmlns="" id="{E3412165-897C-43AD-A579-8305EABB350A}"/>
               </a:ext>
             </a:extLst>
           </p:cNvPr>
@@ -4670,100 +4815,219 @@
             <p:ph type="title"/>
           </p:nvPr>
         </p:nvSpPr>
-        <p:spPr>
-          <a:xfrm>
-            <a:off x="838200" y="18255"/>
-            <a:ext cx="10515600" cy="1325563"/>
-          </a:xfrm>
-        </p:spPr>
+        <p:spPr/>
+        <p:txBody>
+          <a:bodyPr>
+            <a:normAutofit fontScale="90000"/>
+          </a:bodyPr>
+          <a:lstStyle/>
+          <a:p>
+            <a:r>
+              <a:rPr lang="ru-RU" dirty="0">
+                <a:latin typeface="Times New Roman" panose="02020603050405020304" pitchFamily="18" charset="0"/>
+                <a:cs typeface="Times New Roman" panose="02020603050405020304" pitchFamily="18" charset="0"/>
+              </a:rPr>
+              <a:t>Глава 4 Создание программного средства</a:t>
+            </a:r>
+            <a:r>
+              <a:rPr lang="en-US" dirty="0">
+                <a:latin typeface="Times New Roman" panose="02020603050405020304" pitchFamily="18" charset="0"/>
+                <a:cs typeface="Times New Roman" panose="02020603050405020304" pitchFamily="18" charset="0"/>
+              </a:rPr>
+              <a:t/>
+            </a:r>
+            <a:br>
+              <a:rPr lang="en-US" dirty="0">
+                <a:latin typeface="Times New Roman" panose="02020603050405020304" pitchFamily="18" charset="0"/>
+                <a:cs typeface="Times New Roman" panose="02020603050405020304" pitchFamily="18" charset="0"/>
+              </a:rPr>
+            </a:br>
+            <a:r>
+              <a:rPr lang="ru-RU" dirty="0">
+                <a:latin typeface="Times New Roman" panose="02020603050405020304" pitchFamily="18" charset="0"/>
+                <a:cs typeface="Times New Roman" panose="02020603050405020304" pitchFamily="18" charset="0"/>
+              </a:rPr>
+              <a:t>4.</a:t>
+            </a:r>
+            <a:r>
+              <a:rPr lang="en-US" dirty="0">
+                <a:latin typeface="Times New Roman" panose="02020603050405020304" pitchFamily="18" charset="0"/>
+                <a:cs typeface="Times New Roman" panose="02020603050405020304" pitchFamily="18" charset="0"/>
+              </a:rPr>
+              <a:t>2</a:t>
+            </a:r>
+            <a:r>
+              <a:rPr lang="ru-RU" dirty="0">
+                <a:latin typeface="Times New Roman" panose="02020603050405020304" pitchFamily="18" charset="0"/>
+                <a:cs typeface="Times New Roman" panose="02020603050405020304" pitchFamily="18" charset="0"/>
+              </a:rPr>
+              <a:t> Реализация классификатора</a:t>
+            </a:r>
+            <a:r>
+              <a:rPr lang="en-US" dirty="0">
+                <a:latin typeface="Times New Roman" panose="02020603050405020304" pitchFamily="18" charset="0"/>
+                <a:cs typeface="Times New Roman" panose="02020603050405020304" pitchFamily="18" charset="0"/>
+              </a:rPr>
+              <a:t> – </a:t>
+            </a:r>
+            <a:r>
+              <a:rPr lang="ru-RU" dirty="0">
+                <a:latin typeface="Times New Roman" panose="02020603050405020304" pitchFamily="18" charset="0"/>
+                <a:cs typeface="Times New Roman" panose="02020603050405020304" pitchFamily="18" charset="0"/>
+              </a:rPr>
+              <a:t>настройки</a:t>
+            </a:r>
+            <a:endParaRPr lang="en-US" dirty="0"/>
+          </a:p>
+        </p:txBody>
+      </p:sp>
+      <p:sp>
+        <p:nvSpPr>
+          <p:cNvPr id="3" name="Content Placeholder 2">
+            <a:extLst>
+              <a:ext uri="{FF2B5EF4-FFF2-40B4-BE49-F238E27FC236}">
+                <a16:creationId xmlns:a16="http://schemas.microsoft.com/office/drawing/2014/main" xmlns="" id="{B67B2131-9B58-43A0-8542-0C81ACBC7031}"/>
+              </a:ext>
+            </a:extLst>
+          </p:cNvPr>
+          <p:cNvSpPr>
+            <a:spLocks noGrp="1"/>
+          </p:cNvSpPr>
+          <p:nvPr>
+            <p:ph idx="1"/>
+          </p:nvPr>
+        </p:nvSpPr>
+        <p:spPr/>
         <p:txBody>
           <a:bodyPr>
             <a:normAutofit/>
           </a:bodyPr>
           <a:lstStyle/>
           <a:p>
-            <a:r>
-              <a:rPr lang="ru-RU" sz="3300" dirty="0">
-                <a:latin typeface="Times New Roman" panose="02020603050405020304" pitchFamily="18" charset="0"/>
-                <a:cs typeface="Times New Roman" panose="02020603050405020304" pitchFamily="18" charset="0"/>
-              </a:rPr>
-              <a:t>Глава 4 Создание программного средства</a:t>
-            </a:r>
-            <a:br>
-              <a:rPr lang="en-US" sz="3300" dirty="0">
-                <a:latin typeface="Times New Roman" panose="02020603050405020304" pitchFamily="18" charset="0"/>
-                <a:cs typeface="Times New Roman" panose="02020603050405020304" pitchFamily="18" charset="0"/>
-              </a:rPr>
-            </a:br>
-            <a:r>
-              <a:rPr lang="ru-RU" sz="3300" dirty="0">
-                <a:latin typeface="Times New Roman" panose="02020603050405020304" pitchFamily="18" charset="0"/>
-                <a:cs typeface="Times New Roman" panose="02020603050405020304" pitchFamily="18" charset="0"/>
-              </a:rPr>
-              <a:t>4.1 Реализация частей системы</a:t>
-            </a:r>
-            <a:r>
-              <a:rPr lang="en-US" sz="3300" dirty="0">
-                <a:latin typeface="Times New Roman" panose="02020603050405020304" pitchFamily="18" charset="0"/>
-                <a:cs typeface="Times New Roman" panose="02020603050405020304" pitchFamily="18" charset="0"/>
-              </a:rPr>
-              <a:t> – </a:t>
-            </a:r>
-            <a:r>
-              <a:rPr lang="ru-RU" sz="3300" dirty="0">
-                <a:latin typeface="Times New Roman" panose="02020603050405020304" pitchFamily="18" charset="0"/>
-                <a:cs typeface="Times New Roman" panose="02020603050405020304" pitchFamily="18" charset="0"/>
-              </a:rPr>
-              <a:t>веб-приложение</a:t>
-            </a:r>
-            <a:endParaRPr lang="en-US" sz="3300" dirty="0"/>
-          </a:p>
-        </p:txBody>
-      </p:sp>
-      <p:pic>
-        <p:nvPicPr>
-          <p:cNvPr id="4" name="Рисунок 19">
-            <a:extLst>
-              <a:ext uri="{FF2B5EF4-FFF2-40B4-BE49-F238E27FC236}">
-                <a16:creationId xmlns:a16="http://schemas.microsoft.com/office/drawing/2014/main" id="{A129B997-B29D-46DF-8152-1A175757B41C}"/>
-              </a:ext>
-            </a:extLst>
-          </p:cNvPr>
-          <p:cNvPicPr>
-            <a:picLocks noGrp="1"/>
-          </p:cNvPicPr>
-          <p:nvPr>
-            <p:ph idx="1"/>
-          </p:nvPr>
-        </p:nvPicPr>
-        <p:blipFill>
-          <a:blip r:embed="rId2" cstate="print"/>
-          <a:srcRect/>
-          <a:stretch>
-            <a:fillRect/>
-          </a:stretch>
-        </p:blipFill>
-        <p:spPr bwMode="auto">
-          <a:xfrm>
-            <a:off x="838199" y="1752978"/>
-            <a:ext cx="9842369" cy="4723235"/>
-          </a:xfrm>
-          <a:prstGeom prst="rect">
-            <a:avLst/>
-          </a:prstGeom>
-          <a:noFill/>
-          <a:ln w="9525">
-            <a:noFill/>
-            <a:miter lim="800000"/>
-            <a:headEnd/>
-            <a:tailEnd/>
-          </a:ln>
-        </p:spPr>
-      </p:pic>
+            <a:pPr marL="0" indent="0">
+              <a:buNone/>
+            </a:pPr>
+            <a:r>
+              <a:rPr lang="en-US" dirty="0">
+                <a:latin typeface="Times New Roman" panose="02020603050405020304" pitchFamily="18" charset="0"/>
+                <a:cs typeface="Times New Roman" panose="02020603050405020304" pitchFamily="18" charset="0"/>
+              </a:rPr>
+              <a:t>– </a:t>
+            </a:r>
+            <a:r>
+              <a:rPr lang="ru-RU" dirty="0">
+                <a:latin typeface="Times New Roman" panose="02020603050405020304" pitchFamily="18" charset="0"/>
+                <a:cs typeface="Times New Roman" panose="02020603050405020304" pitchFamily="18" charset="0"/>
+              </a:rPr>
+              <a:t>Количество эпох.</a:t>
+            </a:r>
+          </a:p>
+          <a:p>
+            <a:pPr marL="0" indent="0">
+              <a:buNone/>
+            </a:pPr>
+            <a:r>
+              <a:rPr lang="en-US" dirty="0">
+                <a:latin typeface="Times New Roman" panose="02020603050405020304" pitchFamily="18" charset="0"/>
+                <a:cs typeface="Times New Roman" panose="02020603050405020304" pitchFamily="18" charset="0"/>
+              </a:rPr>
+              <a:t>– </a:t>
+            </a:r>
+            <a:r>
+              <a:rPr lang="ru-RU" dirty="0">
+                <a:latin typeface="Times New Roman" panose="02020603050405020304" pitchFamily="18" charset="0"/>
+                <a:cs typeface="Times New Roman" panose="02020603050405020304" pitchFamily="18" charset="0"/>
+              </a:rPr>
+              <a:t>Коэффициент скорости обучения.</a:t>
+            </a:r>
+            <a:endParaRPr lang="en-US" dirty="0">
+              <a:latin typeface="Times New Roman" panose="02020603050405020304" pitchFamily="18" charset="0"/>
+              <a:cs typeface="Times New Roman" panose="02020603050405020304" pitchFamily="18" charset="0"/>
+            </a:endParaRPr>
+          </a:p>
+          <a:p>
+            <a:pPr marL="0" indent="0">
+              <a:buNone/>
+            </a:pPr>
+            <a:r>
+              <a:rPr lang="en-US" dirty="0">
+                <a:latin typeface="Times New Roman" panose="02020603050405020304" pitchFamily="18" charset="0"/>
+                <a:cs typeface="Times New Roman" panose="02020603050405020304" pitchFamily="18" charset="0"/>
+              </a:rPr>
+              <a:t>– </a:t>
+            </a:r>
+            <a:r>
+              <a:rPr lang="ru-RU" dirty="0">
+                <a:latin typeface="Times New Roman" panose="02020603050405020304" pitchFamily="18" charset="0"/>
+                <a:cs typeface="Times New Roman" panose="02020603050405020304" pitchFamily="18" charset="0"/>
+              </a:rPr>
+              <a:t>К</a:t>
+            </a:r>
+            <a:r>
+              <a:rPr lang="be-BY" dirty="0">
+                <a:latin typeface="Times New Roman" panose="02020603050405020304" pitchFamily="18" charset="0"/>
+                <a:cs typeface="Times New Roman" panose="02020603050405020304" pitchFamily="18" charset="0"/>
+              </a:rPr>
+              <a:t>оэффициент инерции</a:t>
+            </a:r>
+            <a:r>
+              <a:rPr lang="ru-RU" dirty="0">
+                <a:latin typeface="Times New Roman" panose="02020603050405020304" pitchFamily="18" charset="0"/>
+                <a:cs typeface="Times New Roman" panose="02020603050405020304" pitchFamily="18" charset="0"/>
+              </a:rPr>
+              <a:t>. О</a:t>
+            </a:r>
+            <a:r>
+              <a:rPr lang="be-BY" dirty="0">
+                <a:latin typeface="Times New Roman" panose="02020603050405020304" pitchFamily="18" charset="0"/>
+                <a:cs typeface="Times New Roman" panose="02020603050405020304" pitchFamily="18" charset="0"/>
+              </a:rPr>
+              <a:t>пределяет меру влияния предыдущих подстроек на текущую</a:t>
+            </a:r>
+            <a:r>
+              <a:rPr lang="ru-RU" dirty="0">
+                <a:latin typeface="Times New Roman" panose="02020603050405020304" pitchFamily="18" charset="0"/>
+                <a:cs typeface="Times New Roman" panose="02020603050405020304" pitchFamily="18" charset="0"/>
+              </a:rPr>
+              <a:t>.</a:t>
+            </a:r>
+            <a:endParaRPr lang="en-US" dirty="0">
+              <a:latin typeface="Times New Roman" panose="02020603050405020304" pitchFamily="18" charset="0"/>
+              <a:cs typeface="Times New Roman" panose="02020603050405020304" pitchFamily="18" charset="0"/>
+            </a:endParaRPr>
+          </a:p>
+          <a:p>
+            <a:pPr marL="0" indent="0">
+              <a:buNone/>
+            </a:pPr>
+            <a:r>
+              <a:rPr lang="en-US" dirty="0">
+                <a:latin typeface="Times New Roman" panose="02020603050405020304" pitchFamily="18" charset="0"/>
+                <a:cs typeface="Times New Roman" panose="02020603050405020304" pitchFamily="18" charset="0"/>
+              </a:rPr>
+              <a:t>– </a:t>
+            </a:r>
+            <a:r>
+              <a:rPr lang="ru-RU" dirty="0">
+                <a:latin typeface="Times New Roman" panose="02020603050405020304" pitchFamily="18" charset="0"/>
+                <a:cs typeface="Times New Roman" panose="02020603050405020304" pitchFamily="18" charset="0"/>
+              </a:rPr>
+              <a:t>Коэффициент стимуляции. Определяет меру влияния предыдущего значения весового коэффициента при расчете нового.</a:t>
+            </a:r>
+            <a:endParaRPr lang="en-US" dirty="0">
+              <a:latin typeface="Times New Roman" panose="02020603050405020304" pitchFamily="18" charset="0"/>
+              <a:cs typeface="Times New Roman" panose="02020603050405020304" pitchFamily="18" charset="0"/>
+            </a:endParaRPr>
+          </a:p>
+          <a:p>
+            <a:endParaRPr lang="en-US" dirty="0"/>
+          </a:p>
+        </p:txBody>
+      </p:sp>
     </p:spTree>
     <p:extLst>
       <p:ext uri="{BB962C8B-B14F-4D97-AF65-F5344CB8AC3E}">
-        <p14:creationId xmlns:p14="http://schemas.microsoft.com/office/powerpoint/2010/main" val="812667890"/>
+        <p14:creationId xmlns:p14="http://schemas.microsoft.com/office/powerpoint/2010/main" xmlns="" val="3487105090"/>
       </p:ext>
     </p:extLst>
   </p:cSld>
@@ -4795,7 +5059,7 @@
           <p:cNvPr id="2" name="Title 1">
             <a:extLst>
               <a:ext uri="{FF2B5EF4-FFF2-40B4-BE49-F238E27FC236}">
-                <a16:creationId xmlns:a16="http://schemas.microsoft.com/office/drawing/2014/main" id="{AA2DB29F-6795-415C-A17D-3687056375D3}"/>
+                <a16:creationId xmlns:a16="http://schemas.microsoft.com/office/drawing/2014/main" xmlns="" id="{275CC5C1-8622-4A7B-8184-FD735871F4DE}"/>
               </a:ext>
             </a:extLst>
           </p:cNvPr>
@@ -4808,377 +5072,33 @@
         </p:nvSpPr>
         <p:spPr>
           <a:xfrm>
-            <a:off x="838200" y="0"/>
-            <a:ext cx="10515600" cy="1325563"/>
+            <a:off x="838200" y="365125"/>
+            <a:ext cx="10515600" cy="6035675"/>
           </a:xfrm>
         </p:spPr>
         <p:txBody>
-          <a:bodyPr>
-            <a:normAutofit/>
-          </a:bodyPr>
-          <a:lstStyle/>
-          <a:p>
-            <a:r>
-              <a:rPr lang="ru-RU" sz="3300" dirty="0">
-                <a:latin typeface="Times New Roman" panose="02020603050405020304" pitchFamily="18" charset="0"/>
-                <a:cs typeface="Times New Roman" panose="02020603050405020304" pitchFamily="18" charset="0"/>
-              </a:rPr>
-              <a:t>Глава 4 Создание программного средства</a:t>
-            </a:r>
-            <a:br>
-              <a:rPr lang="en-US" sz="3300" dirty="0">
-                <a:latin typeface="Times New Roman" panose="02020603050405020304" pitchFamily="18" charset="0"/>
-                <a:cs typeface="Times New Roman" panose="02020603050405020304" pitchFamily="18" charset="0"/>
-              </a:rPr>
-            </a:br>
-            <a:r>
-              <a:rPr lang="ru-RU" sz="3300" dirty="0">
-                <a:latin typeface="Times New Roman" panose="02020603050405020304" pitchFamily="18" charset="0"/>
-                <a:cs typeface="Times New Roman" panose="02020603050405020304" pitchFamily="18" charset="0"/>
-              </a:rPr>
-              <a:t>4.</a:t>
-            </a:r>
-            <a:r>
-              <a:rPr lang="en-US" sz="3300" dirty="0">
-                <a:latin typeface="Times New Roman" panose="02020603050405020304" pitchFamily="18" charset="0"/>
-                <a:cs typeface="Times New Roman" panose="02020603050405020304" pitchFamily="18" charset="0"/>
-              </a:rPr>
-              <a:t>2</a:t>
-            </a:r>
-            <a:r>
-              <a:rPr lang="ru-RU" sz="3300" dirty="0">
-                <a:latin typeface="Times New Roman" panose="02020603050405020304" pitchFamily="18" charset="0"/>
-                <a:cs typeface="Times New Roman" panose="02020603050405020304" pitchFamily="18" charset="0"/>
-              </a:rPr>
-              <a:t> </a:t>
-            </a:r>
-            <a:r>
-              <a:rPr lang="ru-RU" sz="3600" dirty="0">
-                <a:latin typeface="Times New Roman" panose="02020603050405020304" pitchFamily="18" charset="0"/>
-                <a:cs typeface="Times New Roman" panose="02020603050405020304" pitchFamily="18" charset="0"/>
-              </a:rPr>
-              <a:t>Реализация классификатора</a:t>
-            </a:r>
-            <a:r>
-              <a:rPr lang="en-US" sz="3600" dirty="0">
-                <a:latin typeface="Times New Roman" panose="02020603050405020304" pitchFamily="18" charset="0"/>
-                <a:cs typeface="Times New Roman" panose="02020603050405020304" pitchFamily="18" charset="0"/>
-              </a:rPr>
-              <a:t> </a:t>
-            </a:r>
-            <a:r>
-              <a:rPr lang="en-US" sz="3300" dirty="0">
-                <a:latin typeface="Times New Roman" panose="02020603050405020304" pitchFamily="18" charset="0"/>
-                <a:cs typeface="Times New Roman" panose="02020603050405020304" pitchFamily="18" charset="0"/>
-              </a:rPr>
-              <a:t>– </a:t>
-            </a:r>
-            <a:r>
-              <a:rPr lang="ru-RU" sz="3300" dirty="0">
-                <a:latin typeface="Times New Roman" panose="02020603050405020304" pitchFamily="18" charset="0"/>
-                <a:cs typeface="Times New Roman" panose="02020603050405020304" pitchFamily="18" charset="0"/>
-              </a:rPr>
-              <a:t>обучение</a:t>
-            </a:r>
-            <a:endParaRPr lang="en-US" sz="3300" dirty="0"/>
-          </a:p>
-        </p:txBody>
-      </p:sp>
-      <p:pic>
-        <p:nvPicPr>
-          <p:cNvPr id="4" name="Content Placeholder 3">
-            <a:extLst>
-              <a:ext uri="{FF2B5EF4-FFF2-40B4-BE49-F238E27FC236}">
-                <a16:creationId xmlns:a16="http://schemas.microsoft.com/office/drawing/2014/main" id="{E8523159-57F0-4826-8C07-5E8551F64F94}"/>
-              </a:ext>
-            </a:extLst>
-          </p:cNvPr>
-          <p:cNvPicPr>
-            <a:picLocks noGrp="1"/>
-          </p:cNvPicPr>
-          <p:nvPr>
-            <p:ph idx="1"/>
-          </p:nvPr>
-        </p:nvPicPr>
-        <p:blipFill>
-          <a:blip r:embed="rId2" cstate="print">
-            <a:extLst>
-              <a:ext uri="{28A0092B-C50C-407E-A947-70E740481C1C}">
-                <a14:useLocalDpi xmlns:a14="http://schemas.microsoft.com/office/drawing/2010/main" val="0"/>
-              </a:ext>
-            </a:extLst>
-          </a:blip>
-          <a:srcRect/>
-          <a:stretch>
-            <a:fillRect/>
-          </a:stretch>
-        </p:blipFill>
-        <p:spPr bwMode="auto">
-          <a:xfrm>
-            <a:off x="4411124" y="1325563"/>
-            <a:ext cx="3369751" cy="5284596"/>
-          </a:xfrm>
-          <a:prstGeom prst="rect">
-            <a:avLst/>
-          </a:prstGeom>
-          <a:noFill/>
-          <a:ln>
-            <a:noFill/>
-          </a:ln>
-        </p:spPr>
-      </p:pic>
-    </p:spTree>
-    <p:extLst>
-      <p:ext uri="{BB962C8B-B14F-4D97-AF65-F5344CB8AC3E}">
-        <p14:creationId xmlns:p14="http://schemas.microsoft.com/office/powerpoint/2010/main" val="1186308243"/>
-      </p:ext>
-    </p:extLst>
-  </p:cSld>
-  <p:clrMapOvr>
-    <a:masterClrMapping/>
-  </p:clrMapOvr>
-</p:sld>
-</file>
-
-<file path=ppt/slides/slide19.xml><?xml version="1.0" encoding="utf-8"?>
-<p:sld xmlns:a="http://schemas.openxmlformats.org/drawingml/2006/main" xmlns:r="http://schemas.openxmlformats.org/officeDocument/2006/relationships" xmlns:p="http://schemas.openxmlformats.org/presentationml/2006/main">
-  <p:cSld>
-    <p:spTree>
-      <p:nvGrpSpPr>
-        <p:cNvPr id="1" name=""/>
-        <p:cNvGrpSpPr/>
-        <p:nvPr/>
-      </p:nvGrpSpPr>
-      <p:grpSpPr>
-        <a:xfrm>
-          <a:off x="0" y="0"/>
-          <a:ext cx="0" cy="0"/>
-          <a:chOff x="0" y="0"/>
-          <a:chExt cx="0" cy="0"/>
-        </a:xfrm>
-      </p:grpSpPr>
-      <p:sp>
-        <p:nvSpPr>
-          <p:cNvPr id="2" name="Title 1">
-            <a:extLst>
-              <a:ext uri="{FF2B5EF4-FFF2-40B4-BE49-F238E27FC236}">
-                <a16:creationId xmlns:a16="http://schemas.microsoft.com/office/drawing/2014/main" id="{E3412165-897C-43AD-A579-8305EABB350A}"/>
-              </a:ext>
-            </a:extLst>
-          </p:cNvPr>
-          <p:cNvSpPr>
-            <a:spLocks noGrp="1"/>
-          </p:cNvSpPr>
-          <p:nvPr>
-            <p:ph type="title"/>
-          </p:nvPr>
-        </p:nvSpPr>
-        <p:spPr/>
-        <p:txBody>
-          <a:bodyPr>
-            <a:normAutofit fontScale="90000"/>
-          </a:bodyPr>
-          <a:lstStyle/>
-          <a:p>
+          <a:bodyPr/>
+          <a:lstStyle/>
+          <a:p>
+            <a:pPr algn="ctr"/>
             <a:r>
               <a:rPr lang="ru-RU" dirty="0">
                 <a:latin typeface="Times New Roman" panose="02020603050405020304" pitchFamily="18" charset="0"/>
                 <a:cs typeface="Times New Roman" panose="02020603050405020304" pitchFamily="18" charset="0"/>
               </a:rPr>
-              <a:t>Глава 4 Создание программного средства</a:t>
-            </a:r>
-            <a:br>
-              <a:rPr lang="en-US" dirty="0">
-                <a:latin typeface="Times New Roman" panose="02020603050405020304" pitchFamily="18" charset="0"/>
-                <a:cs typeface="Times New Roman" panose="02020603050405020304" pitchFamily="18" charset="0"/>
-              </a:rPr>
-            </a:br>
-            <a:r>
-              <a:rPr lang="ru-RU" dirty="0">
-                <a:latin typeface="Times New Roman" panose="02020603050405020304" pitchFamily="18" charset="0"/>
-                <a:cs typeface="Times New Roman" panose="02020603050405020304" pitchFamily="18" charset="0"/>
-              </a:rPr>
-              <a:t>4.</a:t>
-            </a:r>
-            <a:r>
-              <a:rPr lang="en-US" dirty="0">
-                <a:latin typeface="Times New Roman" panose="02020603050405020304" pitchFamily="18" charset="0"/>
-                <a:cs typeface="Times New Roman" panose="02020603050405020304" pitchFamily="18" charset="0"/>
-              </a:rPr>
-              <a:t>2</a:t>
-            </a:r>
-            <a:r>
-              <a:rPr lang="ru-RU" dirty="0">
-                <a:latin typeface="Times New Roman" panose="02020603050405020304" pitchFamily="18" charset="0"/>
-                <a:cs typeface="Times New Roman" panose="02020603050405020304" pitchFamily="18" charset="0"/>
-              </a:rPr>
-              <a:t> Реализация классификатора</a:t>
-            </a:r>
-            <a:r>
-              <a:rPr lang="en-US" dirty="0">
-                <a:latin typeface="Times New Roman" panose="02020603050405020304" pitchFamily="18" charset="0"/>
-                <a:cs typeface="Times New Roman" panose="02020603050405020304" pitchFamily="18" charset="0"/>
-              </a:rPr>
-              <a:t> – </a:t>
-            </a:r>
-            <a:r>
-              <a:rPr lang="ru-RU" dirty="0">
-                <a:latin typeface="Times New Roman" panose="02020603050405020304" pitchFamily="18" charset="0"/>
-                <a:cs typeface="Times New Roman" panose="02020603050405020304" pitchFamily="18" charset="0"/>
-              </a:rPr>
-              <a:t>настройки</a:t>
-            </a:r>
-            <a:endParaRPr lang="en-US" dirty="0"/>
-          </a:p>
-        </p:txBody>
-      </p:sp>
-      <p:sp>
-        <p:nvSpPr>
-          <p:cNvPr id="3" name="Content Placeholder 2">
-            <a:extLst>
-              <a:ext uri="{FF2B5EF4-FFF2-40B4-BE49-F238E27FC236}">
-                <a16:creationId xmlns:a16="http://schemas.microsoft.com/office/drawing/2014/main" id="{B67B2131-9B58-43A0-8542-0C81ACBC7031}"/>
-              </a:ext>
-            </a:extLst>
-          </p:cNvPr>
-          <p:cNvSpPr>
-            <a:spLocks noGrp="1"/>
-          </p:cNvSpPr>
-          <p:nvPr>
-            <p:ph idx="1"/>
-          </p:nvPr>
-        </p:nvSpPr>
-        <p:spPr/>
-        <p:txBody>
-          <a:bodyPr>
-            <a:normAutofit/>
-          </a:bodyPr>
-          <a:lstStyle/>
-          <a:p>
-            <a:pPr marL="0" indent="0">
-              <a:buNone/>
-            </a:pPr>
-            <a:r>
-              <a:rPr lang="en-US" dirty="0">
-                <a:latin typeface="Times New Roman" panose="02020603050405020304" pitchFamily="18" charset="0"/>
-                <a:cs typeface="Times New Roman" panose="02020603050405020304" pitchFamily="18" charset="0"/>
-              </a:rPr>
-              <a:t>– </a:t>
-            </a:r>
-            <a:r>
-              <a:rPr lang="ru-RU" dirty="0">
-                <a:latin typeface="Times New Roman" panose="02020603050405020304" pitchFamily="18" charset="0"/>
-                <a:cs typeface="Times New Roman" panose="02020603050405020304" pitchFamily="18" charset="0"/>
-              </a:rPr>
-              <a:t>Количество эпох.</a:t>
-            </a:r>
-          </a:p>
-          <a:p>
-            <a:pPr marL="0" indent="0">
-              <a:buNone/>
-            </a:pPr>
-            <a:r>
-              <a:rPr lang="en-US" dirty="0">
-                <a:latin typeface="Times New Roman" panose="02020603050405020304" pitchFamily="18" charset="0"/>
-                <a:cs typeface="Times New Roman" panose="02020603050405020304" pitchFamily="18" charset="0"/>
-              </a:rPr>
-              <a:t>– </a:t>
-            </a:r>
-            <a:r>
-              <a:rPr lang="ru-RU" dirty="0">
-                <a:latin typeface="Times New Roman" panose="02020603050405020304" pitchFamily="18" charset="0"/>
-                <a:cs typeface="Times New Roman" panose="02020603050405020304" pitchFamily="18" charset="0"/>
-              </a:rPr>
-              <a:t>Коэффициент скорости обучения.</a:t>
+              <a:t>Спасибо за внимание</a:t>
             </a:r>
             <a:endParaRPr lang="en-US" dirty="0">
               <a:latin typeface="Times New Roman" panose="02020603050405020304" pitchFamily="18" charset="0"/>
               <a:cs typeface="Times New Roman" panose="02020603050405020304" pitchFamily="18" charset="0"/>
             </a:endParaRPr>
           </a:p>
-          <a:p>
-            <a:pPr marL="0" indent="0">
-              <a:buNone/>
-            </a:pPr>
-            <a:r>
-              <a:rPr lang="en-US" dirty="0">
-                <a:latin typeface="Times New Roman" panose="02020603050405020304" pitchFamily="18" charset="0"/>
-                <a:cs typeface="Times New Roman" panose="02020603050405020304" pitchFamily="18" charset="0"/>
-              </a:rPr>
-              <a:t>– </a:t>
-            </a:r>
-            <a:r>
-              <a:rPr lang="ru-RU" dirty="0">
-                <a:latin typeface="Times New Roman" panose="02020603050405020304" pitchFamily="18" charset="0"/>
-                <a:cs typeface="Times New Roman" panose="02020603050405020304" pitchFamily="18" charset="0"/>
-              </a:rPr>
-              <a:t>К</a:t>
-            </a:r>
-            <a:r>
-              <a:rPr lang="be-BY" dirty="0">
-                <a:latin typeface="Times New Roman" panose="02020603050405020304" pitchFamily="18" charset="0"/>
-                <a:cs typeface="Times New Roman" panose="02020603050405020304" pitchFamily="18" charset="0"/>
-              </a:rPr>
-              <a:t>оэффициент инерции</a:t>
-            </a:r>
-            <a:r>
-              <a:rPr lang="ru-RU" dirty="0">
-                <a:latin typeface="Times New Roman" panose="02020603050405020304" pitchFamily="18" charset="0"/>
-                <a:cs typeface="Times New Roman" panose="02020603050405020304" pitchFamily="18" charset="0"/>
-              </a:rPr>
-              <a:t>. О</a:t>
-            </a:r>
-            <a:r>
-              <a:rPr lang="be-BY" dirty="0">
-                <a:latin typeface="Times New Roman" panose="02020603050405020304" pitchFamily="18" charset="0"/>
-                <a:cs typeface="Times New Roman" panose="02020603050405020304" pitchFamily="18" charset="0"/>
-              </a:rPr>
-              <a:t>пределяет меру влияния предыдущих подстроек на текущую</a:t>
-            </a:r>
-            <a:r>
-              <a:rPr lang="ru-RU" dirty="0">
-                <a:latin typeface="Times New Roman" panose="02020603050405020304" pitchFamily="18" charset="0"/>
-                <a:cs typeface="Times New Roman" panose="02020603050405020304" pitchFamily="18" charset="0"/>
-              </a:rPr>
-              <a:t>.</a:t>
-            </a:r>
-            <a:endParaRPr lang="en-US" dirty="0">
-              <a:latin typeface="Times New Roman" panose="02020603050405020304" pitchFamily="18" charset="0"/>
-              <a:cs typeface="Times New Roman" panose="02020603050405020304" pitchFamily="18" charset="0"/>
-            </a:endParaRPr>
-          </a:p>
-          <a:p>
-            <a:pPr marL="0" indent="0">
-              <a:buNone/>
-            </a:pPr>
-            <a:r>
-              <a:rPr lang="en-US" dirty="0">
-                <a:latin typeface="Times New Roman" panose="02020603050405020304" pitchFamily="18" charset="0"/>
-                <a:cs typeface="Times New Roman" panose="02020603050405020304" pitchFamily="18" charset="0"/>
-              </a:rPr>
-              <a:t>– </a:t>
-            </a:r>
-            <a:r>
-              <a:rPr lang="ru-RU" dirty="0">
-                <a:latin typeface="Times New Roman" panose="02020603050405020304" pitchFamily="18" charset="0"/>
-                <a:cs typeface="Times New Roman" panose="02020603050405020304" pitchFamily="18" charset="0"/>
-              </a:rPr>
-              <a:t>Коэффициент стимуляции. Определяет меру влияния предыдущего значения весового коэффициента при расчете нового.</a:t>
-            </a:r>
-            <a:endParaRPr lang="en-US" dirty="0">
-              <a:latin typeface="Times New Roman" panose="02020603050405020304" pitchFamily="18" charset="0"/>
-              <a:cs typeface="Times New Roman" panose="02020603050405020304" pitchFamily="18" charset="0"/>
-            </a:endParaRPr>
-          </a:p>
-          <a:p>
-            <a:endParaRPr lang="en-US" dirty="0"/>
-          </a:p>
         </p:txBody>
       </p:sp>
     </p:spTree>
     <p:extLst>
       <p:ext uri="{BB962C8B-B14F-4D97-AF65-F5344CB8AC3E}">
-        <p14:creationId xmlns:p14="http://schemas.microsoft.com/office/powerpoint/2010/main" val="3487105090"/>
+        <p14:creationId xmlns:p14="http://schemas.microsoft.com/office/powerpoint/2010/main" xmlns="" val="471387438"/>
       </p:ext>
     </p:extLst>
   </p:cSld>
@@ -5207,147 +5127,251 @@
       </p:grpSpPr>
       <p:sp>
         <p:nvSpPr>
-          <p:cNvPr id="2" name="Title 1">
-            <a:extLst>
-              <a:ext uri="{FF2B5EF4-FFF2-40B4-BE49-F238E27FC236}">
-                <a16:creationId xmlns:a16="http://schemas.microsoft.com/office/drawing/2014/main" id="{33CA263D-98BE-4BB0-8861-5CD53751CB9B}"/>
-              </a:ext>
-            </a:extLst>
-          </p:cNvPr>
-          <p:cNvSpPr>
-            <a:spLocks noGrp="1"/>
-          </p:cNvSpPr>
-          <p:nvPr>
-            <p:ph type="title"/>
+          <p:cNvPr id="3" name="Content Placeholder 2">
+            <a:extLst>
+              <a:ext uri="{FF2B5EF4-FFF2-40B4-BE49-F238E27FC236}">
+                <a16:creationId xmlns:a16="http://schemas.microsoft.com/office/drawing/2014/main" xmlns="" id="{D6DCF3B5-E509-4346-B823-788C5A0C636E}"/>
+              </a:ext>
+            </a:extLst>
+          </p:cNvPr>
+          <p:cNvSpPr>
+            <a:spLocks noGrp="1"/>
+          </p:cNvSpPr>
+          <p:nvPr>
+            <p:ph idx="1"/>
           </p:nvPr>
         </p:nvSpPr>
         <p:spPr>
           <a:xfrm>
-            <a:off x="838200" y="18255"/>
-            <a:ext cx="10515600" cy="1325563"/>
+            <a:off x="838200" y="875211"/>
+            <a:ext cx="10515600" cy="5301752"/>
           </a:xfrm>
         </p:spPr>
         <p:txBody>
-          <a:bodyPr/>
-          <a:lstStyle/>
-          <a:p>
-            <a:r>
-              <a:rPr lang="ru-RU" dirty="0">
-                <a:latin typeface="Times New Roman" pitchFamily="18" charset="0"/>
-                <a:cs typeface="Times New Roman" pitchFamily="18" charset="0"/>
-              </a:rPr>
-              <a:t>Объект, цель и задачи </a:t>
-            </a:r>
-            <a:endParaRPr lang="en-US" dirty="0">
-              <a:latin typeface="Times New Roman" pitchFamily="18" charset="0"/>
-              <a:cs typeface="Times New Roman" pitchFamily="18" charset="0"/>
-            </a:endParaRPr>
-          </a:p>
-        </p:txBody>
-      </p:sp>
-      <p:sp>
-        <p:nvSpPr>
-          <p:cNvPr id="3" name="Content Placeholder 2">
-            <a:extLst>
-              <a:ext uri="{FF2B5EF4-FFF2-40B4-BE49-F238E27FC236}">
-                <a16:creationId xmlns:a16="http://schemas.microsoft.com/office/drawing/2014/main" id="{D6DCF3B5-E509-4346-B823-788C5A0C636E}"/>
-              </a:ext>
-            </a:extLst>
-          </p:cNvPr>
-          <p:cNvSpPr>
-            <a:spLocks noGrp="1"/>
-          </p:cNvSpPr>
-          <p:nvPr>
-            <p:ph idx="1"/>
-          </p:nvPr>
-        </p:nvSpPr>
-        <p:spPr/>
-        <p:txBody>
           <a:bodyPr>
-            <a:normAutofit lnSpcReduction="10000"/>
+            <a:noAutofit/>
           </a:bodyPr>
           <a:lstStyle/>
           <a:p>
             <a:r>
-              <a:rPr lang="be-BY" dirty="0">
-                <a:latin typeface="Times New Roman" pitchFamily="18" charset="0"/>
+              <a:rPr lang="ru-RU" sz="3400" u="sng" dirty="0" smtClean="0">
+                <a:latin typeface="+mj-lt"/>
                 <a:ea typeface="Tahoma" pitchFamily="34" charset="0"/>
                 <a:cs typeface="Times New Roman" pitchFamily="18" charset="0"/>
               </a:rPr>
-              <a:t>Объектом данного исследования являются подходы, методы распознавания </a:t>
-            </a:r>
-            <a:r>
-              <a:rPr lang="ru-RU" dirty="0">
-                <a:latin typeface="Times New Roman" pitchFamily="18" charset="0"/>
+              <a:t>Цель</a:t>
+            </a:r>
+            <a:r>
+              <a:rPr lang="ru-RU" sz="3400" dirty="0" smtClean="0">
+                <a:latin typeface="+mj-lt"/>
                 <a:ea typeface="Tahoma" pitchFamily="34" charset="0"/>
                 <a:cs typeface="Times New Roman" pitchFamily="18" charset="0"/>
               </a:rPr>
-              <a:t>психологического состояния человека</a:t>
-            </a:r>
-            <a:r>
-              <a:rPr lang="be-BY" dirty="0">
-                <a:latin typeface="Times New Roman" pitchFamily="18" charset="0"/>
+              <a:t> </a:t>
+            </a:r>
+            <a:r>
+              <a:rPr lang="ru-RU" sz="3400" dirty="0" smtClean="0">
+                <a:latin typeface="+mj-lt"/>
                 <a:ea typeface="Tahoma" pitchFamily="34" charset="0"/>
                 <a:cs typeface="Times New Roman" pitchFamily="18" charset="0"/>
               </a:rPr>
-              <a:t>. </a:t>
-            </a:r>
-            <a:endParaRPr lang="en-US" dirty="0">
-              <a:latin typeface="Times New Roman" pitchFamily="18" charset="0"/>
+              <a:t>–</a:t>
+            </a:r>
+            <a:r>
+              <a:rPr lang="ru-RU" sz="3400" dirty="0" smtClean="0">
+                <a:latin typeface="+mj-lt"/>
+                <a:ea typeface="Tahoma" pitchFamily="34" charset="0"/>
+                <a:cs typeface="Times New Roman" pitchFamily="18" charset="0"/>
+              </a:rPr>
+              <a:t> </a:t>
+            </a:r>
+            <a:r>
+              <a:rPr lang="ru-RU" sz="3400" dirty="0" err="1" smtClean="0">
+                <a:latin typeface="+mj-lt"/>
+                <a:ea typeface="Tahoma" pitchFamily="34" charset="0"/>
+                <a:cs typeface="Times New Roman" pitchFamily="18" charset="0"/>
+              </a:rPr>
+              <a:t>п</a:t>
+            </a:r>
+            <a:r>
+              <a:rPr lang="be-BY" sz="3400" dirty="0" smtClean="0">
+                <a:latin typeface="+mj-lt"/>
+                <a:ea typeface="Tahoma" pitchFamily="34" charset="0"/>
+                <a:cs typeface="Times New Roman" pitchFamily="18" charset="0"/>
+              </a:rPr>
+              <a:t>овышение эффективности исполнения </a:t>
+            </a:r>
+            <a:r>
+              <a:rPr lang="ru-RU" sz="3400" dirty="0" smtClean="0">
+                <a:latin typeface="+mj-lt"/>
+                <a:ea typeface="Tahoma" pitchFamily="34" charset="0"/>
+                <a:cs typeface="Times New Roman" pitchFamily="18" charset="0"/>
+              </a:rPr>
+              <a:t>работы психотерапевта;</a:t>
+            </a:r>
+            <a:endParaRPr lang="be-BY" sz="3400" dirty="0" smtClean="0">
+              <a:latin typeface="+mj-lt"/>
               <a:ea typeface="Tahoma" pitchFamily="34" charset="0"/>
               <a:cs typeface="Times New Roman" pitchFamily="18" charset="0"/>
             </a:endParaRPr>
           </a:p>
           <a:p>
             <a:r>
-              <a:rPr lang="ru-RU" dirty="0">
-                <a:latin typeface="Times New Roman" pitchFamily="18" charset="0"/>
+              <a:rPr lang="be-BY" sz="3400" u="sng" dirty="0" smtClean="0">
+                <a:latin typeface="+mj-lt"/>
                 <a:ea typeface="Tahoma" pitchFamily="34" charset="0"/>
                 <a:cs typeface="Times New Roman" pitchFamily="18" charset="0"/>
               </a:rPr>
-              <a:t>Целью проекта является </a:t>
-            </a:r>
-            <a:r>
-              <a:rPr lang="ru-RU" dirty="0" err="1">
-                <a:latin typeface="Times New Roman" pitchFamily="18" charset="0"/>
+              <a:t>Объект исследования</a:t>
+            </a:r>
+            <a:r>
+              <a:rPr lang="be-BY" sz="3400" dirty="0" smtClean="0">
+                <a:latin typeface="+mj-lt"/>
                 <a:ea typeface="Tahoma" pitchFamily="34" charset="0"/>
                 <a:cs typeface="Times New Roman" pitchFamily="18" charset="0"/>
               </a:rPr>
-              <a:t>п</a:t>
-            </a:r>
-            <a:r>
-              <a:rPr lang="be-BY" dirty="0">
-                <a:latin typeface="Times New Roman" pitchFamily="18" charset="0"/>
+              <a:t> </a:t>
+            </a:r>
+            <a:r>
+              <a:rPr lang="ru-RU" sz="3400" dirty="0" smtClean="0">
+                <a:latin typeface="+mj-lt"/>
                 <a:ea typeface="Tahoma" pitchFamily="34" charset="0"/>
                 <a:cs typeface="Times New Roman" pitchFamily="18" charset="0"/>
               </a:rPr>
-              <a:t>овышение эффективности исполнения </a:t>
-            </a:r>
-            <a:r>
-              <a:rPr lang="ru-RU" dirty="0">
-                <a:latin typeface="Times New Roman" pitchFamily="18" charset="0"/>
+              <a:t>– </a:t>
+            </a:r>
+            <a:r>
+              <a:rPr lang="be-BY" sz="3400" dirty="0" smtClean="0">
+                <a:latin typeface="+mj-lt"/>
                 <a:ea typeface="Tahoma" pitchFamily="34" charset="0"/>
                 <a:cs typeface="Times New Roman" pitchFamily="18" charset="0"/>
               </a:rPr>
-              <a:t>работы психотерапевта; </a:t>
-            </a:r>
-            <a:endParaRPr lang="be-BY" dirty="0">
-              <a:latin typeface="Times New Roman" pitchFamily="18" charset="0"/>
+              <a:t>подходы</a:t>
+            </a:r>
+            <a:r>
+              <a:rPr lang="be-BY" sz="3400" dirty="0">
+                <a:latin typeface="+mj-lt"/>
+                <a:ea typeface="Tahoma" pitchFamily="34" charset="0"/>
+                <a:cs typeface="Times New Roman" pitchFamily="18" charset="0"/>
+              </a:rPr>
+              <a:t> </a:t>
+            </a:r>
+            <a:r>
+              <a:rPr lang="be-BY" sz="3400" dirty="0" smtClean="0">
+                <a:latin typeface="+mj-lt"/>
+                <a:ea typeface="Tahoma" pitchFamily="34" charset="0"/>
+                <a:cs typeface="Times New Roman" pitchFamily="18" charset="0"/>
+              </a:rPr>
+              <a:t>и</a:t>
+            </a:r>
+            <a:r>
+              <a:rPr lang="be-BY" sz="3400" dirty="0" smtClean="0">
+                <a:latin typeface="+mj-lt"/>
+                <a:ea typeface="Tahoma" pitchFamily="34" charset="0"/>
+                <a:cs typeface="Times New Roman" pitchFamily="18" charset="0"/>
+              </a:rPr>
+              <a:t> </a:t>
+            </a:r>
+            <a:r>
+              <a:rPr lang="be-BY" sz="3400" dirty="0">
+                <a:latin typeface="+mj-lt"/>
+                <a:ea typeface="Tahoma" pitchFamily="34" charset="0"/>
+                <a:cs typeface="Times New Roman" pitchFamily="18" charset="0"/>
+              </a:rPr>
+              <a:t>методы распознавания </a:t>
+            </a:r>
+            <a:r>
+              <a:rPr lang="ru-RU" sz="3400" dirty="0">
+                <a:latin typeface="+mj-lt"/>
+                <a:ea typeface="Tahoma" pitchFamily="34" charset="0"/>
+                <a:cs typeface="Times New Roman" pitchFamily="18" charset="0"/>
+              </a:rPr>
+              <a:t>психологического состояния человека</a:t>
+            </a:r>
+            <a:r>
+              <a:rPr lang="be-BY" sz="3400" dirty="0">
+                <a:latin typeface="+mj-lt"/>
+                <a:ea typeface="Tahoma" pitchFamily="34" charset="0"/>
+                <a:cs typeface="Times New Roman" pitchFamily="18" charset="0"/>
+              </a:rPr>
+              <a:t>. </a:t>
+            </a:r>
+            <a:r>
+              <a:rPr lang="ru-RU" sz="3400" dirty="0" smtClean="0">
+                <a:latin typeface="+mj-lt"/>
+                <a:ea typeface="Tahoma" pitchFamily="34" charset="0"/>
+                <a:cs typeface="Times New Roman" pitchFamily="18" charset="0"/>
+              </a:rPr>
+              <a:t> </a:t>
+            </a:r>
+            <a:endParaRPr lang="be-BY" sz="3400" dirty="0" smtClean="0">
+              <a:latin typeface="+mj-lt"/>
               <a:ea typeface="Tahoma" pitchFamily="34" charset="0"/>
               <a:cs typeface="Times New Roman" pitchFamily="18" charset="0"/>
             </a:endParaRPr>
           </a:p>
           <a:p>
             <a:r>
-              <a:rPr lang="ru-RU" dirty="0">
-                <a:latin typeface="Times New Roman" pitchFamily="18" charset="0"/>
+              <a:rPr lang="be-BY" sz="3400" u="sng" dirty="0" smtClean="0">
+                <a:latin typeface="+mj-lt"/>
+                <a:cs typeface="Times New Roman" pitchFamily="18" charset="0"/>
+              </a:rPr>
+              <a:t>Предмет исследования</a:t>
+            </a:r>
+            <a:r>
+              <a:rPr lang="ru-RU" sz="3400" dirty="0" smtClean="0">
+                <a:latin typeface="+mj-lt"/>
                 <a:ea typeface="Tahoma" pitchFamily="34" charset="0"/>
                 <a:cs typeface="Times New Roman" pitchFamily="18" charset="0"/>
               </a:rPr>
-              <a:t>Задачи: </a:t>
-            </a:r>
-            <a:endParaRPr lang="be-BY" dirty="0">
-              <a:latin typeface="Times New Roman" pitchFamily="18" charset="0"/>
+              <a:t> –</a:t>
+            </a:r>
+            <a:r>
+              <a:rPr lang="be-BY" sz="3400" dirty="0" smtClean="0">
+                <a:latin typeface="+mj-lt"/>
+                <a:cs typeface="Times New Roman" pitchFamily="18" charset="0"/>
+              </a:rPr>
+              <a:t> информационные </a:t>
+            </a:r>
+            <a:r>
+              <a:rPr lang="be-BY" sz="3400" dirty="0" smtClean="0">
+                <a:latin typeface="+mj-lt"/>
+                <a:cs typeface="Times New Roman" pitchFamily="18" charset="0"/>
+              </a:rPr>
+              <a:t>модели искусственных нейронных сетей, а также реализация и описание алгоритма </a:t>
+            </a:r>
+            <a:r>
+              <a:rPr lang="ru-RU" sz="3400" dirty="0" smtClean="0">
+                <a:latin typeface="+mj-lt"/>
+                <a:cs typeface="Times New Roman" pitchFamily="18" charset="0"/>
+              </a:rPr>
+              <a:t>классификации психологического состояния человека на основе поведенческой </a:t>
+            </a:r>
+            <a:r>
+              <a:rPr lang="ru-RU" sz="3400" dirty="0" smtClean="0">
+                <a:latin typeface="+mj-lt"/>
+                <a:cs typeface="Times New Roman" pitchFamily="18" charset="0"/>
+              </a:rPr>
+              <a:t>информации </a:t>
+            </a:r>
+            <a:r>
+              <a:rPr lang="ru-RU" sz="3400" dirty="0" smtClean="0">
+                <a:latin typeface="+mj-lt"/>
+                <a:cs typeface="Times New Roman" pitchFamily="18" charset="0"/>
+              </a:rPr>
+              <a:t>собранной с мобильного телефона пациента</a:t>
+            </a:r>
+            <a:r>
+              <a:rPr lang="be-BY" sz="3400" dirty="0" smtClean="0">
+                <a:latin typeface="+mj-lt"/>
+                <a:cs typeface="Times New Roman" pitchFamily="18" charset="0"/>
+              </a:rPr>
+              <a:t>.</a:t>
+            </a:r>
+          </a:p>
+          <a:p>
+            <a:endParaRPr lang="be-BY" sz="3600" dirty="0" smtClean="0">
+              <a:latin typeface="+mj-lt"/>
               <a:ea typeface="Tahoma" pitchFamily="34" charset="0"/>
               <a:cs typeface="Times New Roman" pitchFamily="18" charset="0"/>
             </a:endParaRPr>
@@ -5357,706 +5381,25 @@
               <a:buNone/>
             </a:pPr>
             <a:r>
-              <a:rPr lang="ru-RU" dirty="0">
-                <a:latin typeface="Times New Roman" pitchFamily="18" charset="0"/>
+              <a:rPr lang="ru-RU" sz="3600" dirty="0">
+                <a:latin typeface="+mj-lt"/>
                 <a:ea typeface="Tahoma" pitchFamily="34" charset="0"/>
                 <a:cs typeface="Times New Roman" pitchFamily="18" charset="0"/>
               </a:rPr>
-              <a:t>		– наладить процесс непрерывного сбора информации о поведении пациента; </a:t>
-            </a:r>
-            <a:endParaRPr lang="be-BY" dirty="0">
-              <a:latin typeface="Times New Roman" pitchFamily="18" charset="0"/>
+              <a:t>		</a:t>
+            </a:r>
+            <a:endParaRPr lang="en-US" sz="3600" dirty="0">
+              <a:latin typeface="+mj-lt"/>
               <a:ea typeface="Tahoma" pitchFamily="34" charset="0"/>
               <a:cs typeface="Times New Roman" pitchFamily="18" charset="0"/>
             </a:endParaRPr>
           </a:p>
-          <a:p>
-            <a:pPr>
-              <a:buNone/>
-            </a:pPr>
-            <a:r>
-              <a:rPr lang="ru-RU" dirty="0">
-                <a:latin typeface="Times New Roman" pitchFamily="18" charset="0"/>
-                <a:ea typeface="Tahoma" pitchFamily="34" charset="0"/>
-                <a:cs typeface="Times New Roman" pitchFamily="18" charset="0"/>
-              </a:rPr>
-              <a:t>		– создать банк данных с информацией о поведении пациента;</a:t>
-            </a:r>
-            <a:endParaRPr lang="be-BY" dirty="0">
-              <a:latin typeface="Times New Roman" pitchFamily="18" charset="0"/>
-              <a:ea typeface="Tahoma" pitchFamily="34" charset="0"/>
-              <a:cs typeface="Times New Roman" pitchFamily="18" charset="0"/>
-            </a:endParaRPr>
-          </a:p>
-          <a:p>
-            <a:pPr>
-              <a:buNone/>
-            </a:pPr>
-            <a:r>
-              <a:rPr lang="ru-RU" dirty="0">
-                <a:latin typeface="Times New Roman" pitchFamily="18" charset="0"/>
-                <a:ea typeface="Tahoma" pitchFamily="34" charset="0"/>
-                <a:cs typeface="Times New Roman" pitchFamily="18" charset="0"/>
-              </a:rPr>
-              <a:t>		– классифицировать </a:t>
-            </a:r>
-            <a:r>
-              <a:rPr lang="be-BY" dirty="0">
-                <a:latin typeface="Times New Roman" pitchFamily="18" charset="0"/>
-                <a:ea typeface="Tahoma" pitchFamily="34" charset="0"/>
-                <a:cs typeface="Times New Roman" pitchFamily="18" charset="0"/>
-              </a:rPr>
-              <a:t>психологическо</a:t>
-            </a:r>
-            <a:r>
-              <a:rPr lang="ru-RU" dirty="0">
-                <a:latin typeface="Times New Roman" pitchFamily="18" charset="0"/>
-                <a:ea typeface="Tahoma" pitchFamily="34" charset="0"/>
-                <a:cs typeface="Times New Roman" pitchFamily="18" charset="0"/>
-              </a:rPr>
-              <a:t>е</a:t>
-            </a:r>
-            <a:r>
-              <a:rPr lang="be-BY" dirty="0">
-                <a:latin typeface="Times New Roman" pitchFamily="18" charset="0"/>
-                <a:ea typeface="Tahoma" pitchFamily="34" charset="0"/>
-                <a:cs typeface="Times New Roman" pitchFamily="18" charset="0"/>
-              </a:rPr>
-              <a:t> состояни</a:t>
-            </a:r>
-            <a:r>
-              <a:rPr lang="ru-RU" dirty="0">
-                <a:latin typeface="Times New Roman" pitchFamily="18" charset="0"/>
-                <a:ea typeface="Tahoma" pitchFamily="34" charset="0"/>
-                <a:cs typeface="Times New Roman" pitchFamily="18" charset="0"/>
-              </a:rPr>
-              <a:t>е</a:t>
-            </a:r>
-            <a:r>
-              <a:rPr lang="be-BY" dirty="0">
-                <a:latin typeface="Times New Roman" pitchFamily="18" charset="0"/>
-                <a:ea typeface="Tahoma" pitchFamily="34" charset="0"/>
-                <a:cs typeface="Times New Roman" pitchFamily="18" charset="0"/>
-              </a:rPr>
-              <a:t> пациента на основе собранной поведенческой информации</a:t>
-            </a:r>
-            <a:r>
-              <a:rPr lang="ru-RU" dirty="0">
-                <a:latin typeface="Times New Roman" pitchFamily="18" charset="0"/>
-                <a:ea typeface="Tahoma" pitchFamily="34" charset="0"/>
-                <a:cs typeface="Times New Roman" pitchFamily="18" charset="0"/>
-              </a:rPr>
-              <a:t>.</a:t>
-            </a:r>
-            <a:endParaRPr lang="be-BY" dirty="0">
-              <a:latin typeface="Times New Roman" pitchFamily="18" charset="0"/>
-              <a:ea typeface="Tahoma" pitchFamily="34" charset="0"/>
-              <a:cs typeface="Times New Roman" pitchFamily="18" charset="0"/>
-            </a:endParaRPr>
-          </a:p>
-          <a:p>
-            <a:endParaRPr lang="en-US" dirty="0">
-              <a:latin typeface="Times New Roman" pitchFamily="18" charset="0"/>
-              <a:ea typeface="Tahoma" pitchFamily="34" charset="0"/>
-              <a:cs typeface="Times New Roman" pitchFamily="18" charset="0"/>
-            </a:endParaRPr>
-          </a:p>
         </p:txBody>
       </p:sp>
     </p:spTree>
     <p:extLst>
       <p:ext uri="{BB962C8B-B14F-4D97-AF65-F5344CB8AC3E}">
-        <p14:creationId xmlns:p14="http://schemas.microsoft.com/office/powerpoint/2010/main" val="62113808"/>
-      </p:ext>
-    </p:extLst>
-  </p:cSld>
-  <p:clrMapOvr>
-    <a:masterClrMapping/>
-  </p:clrMapOvr>
-</p:sld>
-</file>
-
-<file path=ppt/slides/slide20.xml><?xml version="1.0" encoding="utf-8"?>
-<p:sld xmlns:a="http://schemas.openxmlformats.org/drawingml/2006/main" xmlns:r="http://schemas.openxmlformats.org/officeDocument/2006/relationships" xmlns:p="http://schemas.openxmlformats.org/presentationml/2006/main">
-  <p:cSld>
-    <p:spTree>
-      <p:nvGrpSpPr>
-        <p:cNvPr id="1" name=""/>
-        <p:cNvGrpSpPr/>
-        <p:nvPr/>
-      </p:nvGrpSpPr>
-      <p:grpSpPr>
-        <a:xfrm>
-          <a:off x="0" y="0"/>
-          <a:ext cx="0" cy="0"/>
-          <a:chOff x="0" y="0"/>
-          <a:chExt cx="0" cy="0"/>
-        </a:xfrm>
-      </p:grpSpPr>
-      <p:sp>
-        <p:nvSpPr>
-          <p:cNvPr id="2" name="Title 1">
-            <a:extLst>
-              <a:ext uri="{FF2B5EF4-FFF2-40B4-BE49-F238E27FC236}">
-                <a16:creationId xmlns:a16="http://schemas.microsoft.com/office/drawing/2014/main" id="{F2DEFDA4-C14F-4B2E-B2DB-486F7B995C8F}"/>
-              </a:ext>
-            </a:extLst>
-          </p:cNvPr>
-          <p:cNvSpPr>
-            <a:spLocks noGrp="1"/>
-          </p:cNvSpPr>
-          <p:nvPr>
-            <p:ph type="title"/>
-          </p:nvPr>
-        </p:nvSpPr>
-        <p:spPr/>
-        <p:txBody>
-          <a:bodyPr>
-            <a:normAutofit/>
-          </a:bodyPr>
-          <a:lstStyle/>
-          <a:p>
-            <a:r>
-              <a:rPr lang="ru-RU" dirty="0">
-                <a:latin typeface="Times New Roman" panose="02020603050405020304" pitchFamily="18" charset="0"/>
-                <a:cs typeface="Times New Roman" panose="02020603050405020304" pitchFamily="18" charset="0"/>
-              </a:rPr>
-              <a:t>Глава 4 Создание программного средства</a:t>
-            </a:r>
-            <a:br>
-              <a:rPr lang="en-US" dirty="0">
-                <a:latin typeface="Times New Roman" panose="02020603050405020304" pitchFamily="18" charset="0"/>
-                <a:cs typeface="Times New Roman" panose="02020603050405020304" pitchFamily="18" charset="0"/>
-              </a:rPr>
-            </a:br>
-            <a:r>
-              <a:rPr lang="ru-RU" dirty="0">
-                <a:latin typeface="Times New Roman" panose="02020603050405020304" pitchFamily="18" charset="0"/>
-                <a:cs typeface="Times New Roman" panose="02020603050405020304" pitchFamily="18" charset="0"/>
-              </a:rPr>
-              <a:t>4.</a:t>
-            </a:r>
-            <a:r>
-              <a:rPr lang="en-US" dirty="0">
-                <a:latin typeface="Times New Roman" panose="02020603050405020304" pitchFamily="18" charset="0"/>
-                <a:cs typeface="Times New Roman" panose="02020603050405020304" pitchFamily="18" charset="0"/>
-              </a:rPr>
-              <a:t>2</a:t>
-            </a:r>
-            <a:r>
-              <a:rPr lang="ru-RU" dirty="0">
-                <a:latin typeface="Times New Roman" panose="02020603050405020304" pitchFamily="18" charset="0"/>
-                <a:cs typeface="Times New Roman" panose="02020603050405020304" pitchFamily="18" charset="0"/>
-              </a:rPr>
-              <a:t> Реализация классификатора</a:t>
-            </a:r>
-            <a:r>
-              <a:rPr lang="en-US" dirty="0">
-                <a:latin typeface="Times New Roman" panose="02020603050405020304" pitchFamily="18" charset="0"/>
-                <a:cs typeface="Times New Roman" panose="02020603050405020304" pitchFamily="18" charset="0"/>
-              </a:rPr>
-              <a:t> – </a:t>
-            </a:r>
-            <a:r>
-              <a:rPr lang="ru-RU" dirty="0">
-                <a:latin typeface="Times New Roman" panose="02020603050405020304" pitchFamily="18" charset="0"/>
-                <a:cs typeface="Times New Roman" panose="02020603050405020304" pitchFamily="18" charset="0"/>
-              </a:rPr>
-              <a:t>обучение</a:t>
-            </a:r>
-            <a:endParaRPr lang="en-US" dirty="0"/>
-          </a:p>
-        </p:txBody>
-      </p:sp>
-      <p:pic>
-        <p:nvPicPr>
-          <p:cNvPr id="4" name="Рисунок 22">
-            <a:extLst>
-              <a:ext uri="{FF2B5EF4-FFF2-40B4-BE49-F238E27FC236}">
-                <a16:creationId xmlns:a16="http://schemas.microsoft.com/office/drawing/2014/main" id="{F016CACA-8EC6-48EE-8070-0A2AD9DF8194}"/>
-              </a:ext>
-            </a:extLst>
-          </p:cNvPr>
-          <p:cNvPicPr>
-            <a:picLocks noGrp="1"/>
-          </p:cNvPicPr>
-          <p:nvPr>
-            <p:ph idx="1"/>
-          </p:nvPr>
-        </p:nvPicPr>
-        <p:blipFill>
-          <a:blip r:embed="rId2" cstate="print"/>
-          <a:srcRect/>
-          <a:stretch>
-            <a:fillRect/>
-          </a:stretch>
-        </p:blipFill>
-        <p:spPr bwMode="auto">
-          <a:xfrm>
-            <a:off x="1500173" y="2466866"/>
-            <a:ext cx="9040653" cy="4026009"/>
-          </a:xfrm>
-          <a:prstGeom prst="rect">
-            <a:avLst/>
-          </a:prstGeom>
-          <a:noFill/>
-          <a:ln w="9525">
-            <a:noFill/>
-            <a:miter lim="800000"/>
-            <a:headEnd/>
-            <a:tailEnd/>
-          </a:ln>
-        </p:spPr>
-      </p:pic>
-      <p:sp>
-        <p:nvSpPr>
-          <p:cNvPr id="5" name="Rectangle 4">
-            <a:extLst>
-              <a:ext uri="{FF2B5EF4-FFF2-40B4-BE49-F238E27FC236}">
-                <a16:creationId xmlns:a16="http://schemas.microsoft.com/office/drawing/2014/main" id="{7B32A535-A193-49F4-819E-A2F50D754503}"/>
-              </a:ext>
-            </a:extLst>
-          </p:cNvPr>
-          <p:cNvSpPr/>
-          <p:nvPr/>
-        </p:nvSpPr>
-        <p:spPr>
-          <a:xfrm>
-            <a:off x="838200" y="1697425"/>
-            <a:ext cx="10444992" cy="769441"/>
-          </a:xfrm>
-          <a:prstGeom prst="rect">
-            <a:avLst/>
-          </a:prstGeom>
-        </p:spPr>
-        <p:txBody>
-          <a:bodyPr wrap="square">
-            <a:spAutoFit/>
-          </a:bodyPr>
-          <a:lstStyle/>
-          <a:p>
-            <a:r>
-              <a:rPr lang="ru-RU" sz="2200" dirty="0">
-                <a:latin typeface="Times New Roman" panose="02020603050405020304" pitchFamily="18" charset="0"/>
-                <a:ea typeface="Calibri" panose="020F0502020204030204" pitchFamily="34" charset="0"/>
-              </a:rPr>
-              <a:t>В качестве обучающей выборки было взято 322 пациента: 150 с психологическими отклонениями, остальные 172 ­– без.</a:t>
-            </a:r>
-            <a:endParaRPr lang="en-US" sz="2200" dirty="0"/>
-          </a:p>
-        </p:txBody>
-      </p:sp>
-    </p:spTree>
-    <p:extLst>
-      <p:ext uri="{BB962C8B-B14F-4D97-AF65-F5344CB8AC3E}">
-        <p14:creationId xmlns:p14="http://schemas.microsoft.com/office/powerpoint/2010/main" val="1878175912"/>
-      </p:ext>
-    </p:extLst>
-  </p:cSld>
-  <p:clrMapOvr>
-    <a:masterClrMapping/>
-  </p:clrMapOvr>
-</p:sld>
-</file>
-
-<file path=ppt/slides/slide21.xml><?xml version="1.0" encoding="utf-8"?>
-<p:sld xmlns:a="http://schemas.openxmlformats.org/drawingml/2006/main" xmlns:r="http://schemas.openxmlformats.org/officeDocument/2006/relationships" xmlns:p="http://schemas.openxmlformats.org/presentationml/2006/main">
-  <p:cSld>
-    <p:spTree>
-      <p:nvGrpSpPr>
-        <p:cNvPr id="1" name=""/>
-        <p:cNvGrpSpPr/>
-        <p:nvPr/>
-      </p:nvGrpSpPr>
-      <p:grpSpPr>
-        <a:xfrm>
-          <a:off x="0" y="0"/>
-          <a:ext cx="0" cy="0"/>
-          <a:chOff x="0" y="0"/>
-          <a:chExt cx="0" cy="0"/>
-        </a:xfrm>
-      </p:grpSpPr>
-      <p:sp>
-        <p:nvSpPr>
-          <p:cNvPr id="2" name="Title 1">
-            <a:extLst>
-              <a:ext uri="{FF2B5EF4-FFF2-40B4-BE49-F238E27FC236}">
-                <a16:creationId xmlns:a16="http://schemas.microsoft.com/office/drawing/2014/main" id="{A4A7C30C-E969-44B0-9B15-DB7A8BBF3799}"/>
-              </a:ext>
-            </a:extLst>
-          </p:cNvPr>
-          <p:cNvSpPr>
-            <a:spLocks noGrp="1"/>
-          </p:cNvSpPr>
-          <p:nvPr>
-            <p:ph type="title"/>
-          </p:nvPr>
-        </p:nvSpPr>
-        <p:spPr/>
-        <p:txBody>
-          <a:bodyPr/>
-          <a:lstStyle/>
-          <a:p>
-            <a:r>
-              <a:rPr lang="ru-RU" dirty="0">
-                <a:latin typeface="Times New Roman" panose="02020603050405020304" pitchFamily="18" charset="0"/>
-                <a:cs typeface="Times New Roman" panose="02020603050405020304" pitchFamily="18" charset="0"/>
-              </a:rPr>
-              <a:t>Глава 4 Создание программного средства</a:t>
-            </a:r>
-            <a:br>
-              <a:rPr lang="en-US" dirty="0">
-                <a:latin typeface="Times New Roman" panose="02020603050405020304" pitchFamily="18" charset="0"/>
-                <a:cs typeface="Times New Roman" panose="02020603050405020304" pitchFamily="18" charset="0"/>
-              </a:rPr>
-            </a:br>
-            <a:r>
-              <a:rPr lang="ru-RU" dirty="0">
-                <a:latin typeface="Times New Roman" panose="02020603050405020304" pitchFamily="18" charset="0"/>
-                <a:cs typeface="Times New Roman" panose="02020603050405020304" pitchFamily="18" charset="0"/>
-              </a:rPr>
-              <a:t>4.</a:t>
-            </a:r>
-            <a:r>
-              <a:rPr lang="en-US" dirty="0">
-                <a:latin typeface="Times New Roman" panose="02020603050405020304" pitchFamily="18" charset="0"/>
-                <a:cs typeface="Times New Roman" panose="02020603050405020304" pitchFamily="18" charset="0"/>
-              </a:rPr>
-              <a:t>3</a:t>
-            </a:r>
-            <a:r>
-              <a:rPr lang="ru-RU" dirty="0">
-                <a:latin typeface="Times New Roman" panose="02020603050405020304" pitchFamily="18" charset="0"/>
-                <a:cs typeface="Times New Roman" panose="02020603050405020304" pitchFamily="18" charset="0"/>
-              </a:rPr>
-              <a:t> Результаты тестирования</a:t>
-            </a:r>
-            <a:endParaRPr lang="en-US" dirty="0"/>
-          </a:p>
-        </p:txBody>
-      </p:sp>
-      <mc:AlternateContent xmlns:mc="http://schemas.openxmlformats.org/markup-compatibility/2006">
-        <mc:Choice xmlns:a14="http://schemas.microsoft.com/office/drawing/2010/main" Requires="a14">
-          <p:sp>
-            <p:nvSpPr>
-              <p:cNvPr id="3" name="Content Placeholder 2">
-                <a:extLst>
-                  <a:ext uri="{FF2B5EF4-FFF2-40B4-BE49-F238E27FC236}">
-                    <a16:creationId xmlns:a16="http://schemas.microsoft.com/office/drawing/2014/main" id="{CB651CB3-CFE6-4169-B406-75E73FAA9938}"/>
-                  </a:ext>
-                </a:extLst>
-              </p:cNvPr>
-              <p:cNvSpPr>
-                <a:spLocks noGrp="1"/>
-              </p:cNvSpPr>
-              <p:nvPr>
-                <p:ph idx="1"/>
-              </p:nvPr>
-            </p:nvSpPr>
-            <p:spPr>
-              <a:xfrm>
-                <a:off x="838200" y="1825625"/>
-                <a:ext cx="10515600" cy="3878889"/>
-              </a:xfrm>
-            </p:spPr>
-            <p:txBody>
-              <a:bodyPr/>
-              <a:lstStyle/>
-              <a:p>
-                <a:pPr marL="0" indent="0">
-                  <a:buNone/>
-                </a:pPr>
-                <a:r>
-                  <a:rPr lang="ru-RU" dirty="0">
-                    <a:latin typeface="Times New Roman" panose="02020603050405020304" pitchFamily="18" charset="0"/>
-                    <a:cs typeface="Times New Roman" panose="02020603050405020304" pitchFamily="18" charset="0"/>
-                  </a:rPr>
-                  <a:t>Численная оценка качества алгоритма</a:t>
-                </a:r>
-              </a:p>
-              <a:p>
-                <a:pPr marL="0" indent="0">
-                  <a:buNone/>
-                </a:pPr>
-                <a:endParaRPr lang="ru-RU" dirty="0">
-                  <a:latin typeface="Times New Roman" panose="02020603050405020304" pitchFamily="18" charset="0"/>
-                  <a:cs typeface="Times New Roman" panose="02020603050405020304" pitchFamily="18" charset="0"/>
-                </a:endParaRPr>
-              </a:p>
-              <a:p>
-                <a:pPr marL="0" indent="0">
-                  <a:buNone/>
-                </a:pPr>
-                <a14:m>
-                  <m:oMathPara xmlns:m="http://schemas.openxmlformats.org/officeDocument/2006/math">
-                    <m:oMathParaPr>
-                      <m:jc m:val="centerGroup"/>
-                    </m:oMathParaPr>
-                    <m:oMath xmlns:m="http://schemas.openxmlformats.org/officeDocument/2006/math">
-                      <m:r>
-                        <a:rPr lang="en-US" b="0" i="1" smtClean="0">
-                          <a:latin typeface="Cambria Math" panose="02040503050406030204" pitchFamily="18" charset="0"/>
-                          <a:cs typeface="Times New Roman" panose="02020603050405020304" pitchFamily="18" charset="0"/>
-                        </a:rPr>
-                        <m:t>𝐴𝑐𝑐𝑢𝑟𝑎𝑐𝑦</m:t>
-                      </m:r>
-                      <m:r>
-                        <a:rPr lang="en-US" i="1" smtClean="0">
-                          <a:latin typeface="Cambria Math" panose="02040503050406030204" pitchFamily="18" charset="0"/>
-                          <a:cs typeface="Times New Roman" panose="02020603050405020304" pitchFamily="18" charset="0"/>
-                        </a:rPr>
-                        <m:t>=</m:t>
-                      </m:r>
-                      <m:f>
-                        <m:fPr>
-                          <m:ctrlPr>
-                            <a:rPr lang="en-US" i="1" smtClean="0">
-                              <a:latin typeface="Cambria Math" panose="02040503050406030204" pitchFamily="18" charset="0"/>
-                              <a:cs typeface="Times New Roman" panose="02020603050405020304" pitchFamily="18" charset="0"/>
-                            </a:rPr>
-                          </m:ctrlPr>
-                        </m:fPr>
-                        <m:num>
-                          <m:r>
-                            <a:rPr lang="en-US" b="0" i="1" smtClean="0">
-                              <a:latin typeface="Cambria Math" panose="02040503050406030204" pitchFamily="18" charset="0"/>
-                              <a:cs typeface="Times New Roman" panose="02020603050405020304" pitchFamily="18" charset="0"/>
-                            </a:rPr>
-                            <m:t>𝑃</m:t>
-                          </m:r>
-                        </m:num>
-                        <m:den>
-                          <m:r>
-                            <a:rPr lang="en-US" b="0" i="1" smtClean="0">
-                              <a:latin typeface="Cambria Math" panose="02040503050406030204" pitchFamily="18" charset="0"/>
-                              <a:cs typeface="Times New Roman" panose="02020603050405020304" pitchFamily="18" charset="0"/>
-                            </a:rPr>
-                            <m:t>𝑁</m:t>
-                          </m:r>
-                        </m:den>
-                      </m:f>
-                      <m:r>
-                        <a:rPr lang="en-US" b="0" i="1" smtClean="0">
-                          <a:latin typeface="Cambria Math" panose="02040503050406030204" pitchFamily="18" charset="0"/>
-                          <a:cs typeface="Times New Roman" panose="02020603050405020304" pitchFamily="18" charset="0"/>
-                        </a:rPr>
-                        <m:t>=</m:t>
-                      </m:r>
-                      <m:f>
-                        <m:fPr>
-                          <m:ctrlPr>
-                            <a:rPr lang="en-US" i="1">
-                              <a:latin typeface="Cambria Math" panose="02040503050406030204" pitchFamily="18" charset="0"/>
-                              <a:cs typeface="Times New Roman" panose="02020603050405020304" pitchFamily="18" charset="0"/>
-                            </a:rPr>
-                          </m:ctrlPr>
-                        </m:fPr>
-                        <m:num>
-                          <m:r>
-                            <a:rPr lang="en-US" b="0" i="1" smtClean="0">
-                              <a:latin typeface="Cambria Math" panose="02040503050406030204" pitchFamily="18" charset="0"/>
-                              <a:cs typeface="Times New Roman" panose="02020603050405020304" pitchFamily="18" charset="0"/>
-                            </a:rPr>
-                            <m:t>132</m:t>
-                          </m:r>
-                        </m:num>
-                        <m:den>
-                          <m:r>
-                            <a:rPr lang="en-US" b="0" i="1" smtClean="0">
-                              <a:latin typeface="Cambria Math" panose="02040503050406030204" pitchFamily="18" charset="0"/>
-                              <a:cs typeface="Times New Roman" panose="02020603050405020304" pitchFamily="18" charset="0"/>
-                            </a:rPr>
-                            <m:t>151</m:t>
-                          </m:r>
-                        </m:den>
-                      </m:f>
-                      <m:r>
-                        <a:rPr lang="en-US" b="0" i="1" smtClean="0">
-                          <a:latin typeface="Cambria Math" panose="02040503050406030204" pitchFamily="18" charset="0"/>
-                          <a:cs typeface="Times New Roman" panose="02020603050405020304" pitchFamily="18" charset="0"/>
-                        </a:rPr>
-                        <m:t>=87% </m:t>
-                      </m:r>
-                    </m:oMath>
-                  </m:oMathPara>
-                </a14:m>
-                <a:endParaRPr lang="ru-RU" dirty="0">
-                  <a:latin typeface="Times New Roman" panose="02020603050405020304" pitchFamily="18" charset="0"/>
-                  <a:cs typeface="Times New Roman" panose="02020603050405020304" pitchFamily="18" charset="0"/>
-                </a:endParaRPr>
-              </a:p>
-              <a:p>
-                <a:pPr marL="0" indent="0">
-                  <a:buNone/>
-                </a:pPr>
-                <a:endParaRPr lang="ru-RU" dirty="0">
-                  <a:latin typeface="Times New Roman" panose="02020603050405020304" pitchFamily="18" charset="0"/>
-                  <a:cs typeface="Times New Roman" panose="02020603050405020304" pitchFamily="18" charset="0"/>
-                </a:endParaRPr>
-              </a:p>
-              <a:p>
-                <a:pPr marL="0" indent="0">
-                  <a:buNone/>
-                </a:pPr>
-                <a:r>
-                  <a:rPr lang="ru-RU" dirty="0">
-                    <a:latin typeface="Times New Roman" panose="02020603050405020304" pitchFamily="18" charset="0"/>
-                    <a:cs typeface="Times New Roman" panose="02020603050405020304" pitchFamily="18" charset="0"/>
-                  </a:rPr>
-                  <a:t>где P – количество пациентов по которым классификатор принял правильное решение</a:t>
-                </a:r>
-                <a:r>
-                  <a:rPr lang="en-US" dirty="0">
-                    <a:latin typeface="Times New Roman" panose="02020603050405020304" pitchFamily="18" charset="0"/>
-                    <a:cs typeface="Times New Roman" panose="02020603050405020304" pitchFamily="18" charset="0"/>
-                  </a:rPr>
-                  <a:t>;</a:t>
-                </a:r>
-              </a:p>
-              <a:p>
-                <a:pPr marL="0" indent="0">
-                  <a:buNone/>
-                </a:pPr>
-                <a:r>
-                  <a:rPr lang="ru-RU" dirty="0">
-                    <a:latin typeface="Times New Roman" panose="02020603050405020304" pitchFamily="18" charset="0"/>
-                    <a:cs typeface="Times New Roman" panose="02020603050405020304" pitchFamily="18" charset="0"/>
-                  </a:rPr>
-                  <a:t>      N – размер выборки.</a:t>
-                </a:r>
-                <a:endParaRPr lang="en-US" dirty="0"/>
-              </a:p>
-              <a:p>
-                <a:pPr marL="0" indent="0">
-                  <a:buNone/>
-                </a:pPr>
-                <a:endParaRPr lang="en-US" dirty="0">
-                  <a:latin typeface="Times New Roman" panose="02020603050405020304" pitchFamily="18" charset="0"/>
-                  <a:cs typeface="Times New Roman" panose="02020603050405020304" pitchFamily="18" charset="0"/>
-                </a:endParaRPr>
-              </a:p>
-            </p:txBody>
-          </p:sp>
-        </mc:Choice>
-        <mc:Fallback>
-          <p:sp>
-            <p:nvSpPr>
-              <p:cNvPr id="3" name="Content Placeholder 2">
-                <a:extLst>
-                  <a:ext uri="{FF2B5EF4-FFF2-40B4-BE49-F238E27FC236}">
-                    <a16:creationId xmlns:a16="http://schemas.microsoft.com/office/drawing/2014/main" id="{CB651CB3-CFE6-4169-B406-75E73FAA9938}"/>
-                  </a:ext>
-                </a:extLst>
-              </p:cNvPr>
-              <p:cNvSpPr>
-                <a:spLocks noGrp="1" noRot="1" noChangeAspect="1" noMove="1" noResize="1" noEditPoints="1" noAdjustHandles="1" noChangeArrowheads="1" noChangeShapeType="1" noTextEdit="1"/>
-              </p:cNvSpPr>
-              <p:nvPr>
-                <p:ph idx="1"/>
-              </p:nvPr>
-            </p:nvSpPr>
-            <p:spPr>
-              <a:xfrm>
-                <a:off x="838200" y="1825625"/>
-                <a:ext cx="10515600" cy="3878889"/>
-              </a:xfrm>
-              <a:blipFill>
-                <a:blip r:embed="rId2"/>
-                <a:stretch>
-                  <a:fillRect l="-1217" t="-2669"/>
-                </a:stretch>
-              </a:blipFill>
-            </p:spPr>
-            <p:txBody>
-              <a:bodyPr/>
-              <a:lstStyle/>
-              <a:p>
-                <a:r>
-                  <a:rPr lang="en-US">
-                    <a:noFill/>
-                  </a:rPr>
-                  <a:t> </a:t>
-                </a:r>
-              </a:p>
-            </p:txBody>
-          </p:sp>
-        </mc:Fallback>
-      </mc:AlternateContent>
-    </p:spTree>
-    <p:extLst>
-      <p:ext uri="{BB962C8B-B14F-4D97-AF65-F5344CB8AC3E}">
-        <p14:creationId xmlns:p14="http://schemas.microsoft.com/office/powerpoint/2010/main" val="360547887"/>
-      </p:ext>
-    </p:extLst>
-  </p:cSld>
-  <p:clrMapOvr>
-    <a:masterClrMapping/>
-  </p:clrMapOvr>
-</p:sld>
-</file>
-
-<file path=ppt/slides/slide22.xml><?xml version="1.0" encoding="utf-8"?>
-<p:sld xmlns:a="http://schemas.openxmlformats.org/drawingml/2006/main" xmlns:r="http://schemas.openxmlformats.org/officeDocument/2006/relationships" xmlns:p="http://schemas.openxmlformats.org/presentationml/2006/main">
-  <p:cSld>
-    <p:spTree>
-      <p:nvGrpSpPr>
-        <p:cNvPr id="1" name=""/>
-        <p:cNvGrpSpPr/>
-        <p:nvPr/>
-      </p:nvGrpSpPr>
-      <p:grpSpPr>
-        <a:xfrm>
-          <a:off x="0" y="0"/>
-          <a:ext cx="0" cy="0"/>
-          <a:chOff x="0" y="0"/>
-          <a:chExt cx="0" cy="0"/>
-        </a:xfrm>
-      </p:grpSpPr>
-      <p:sp>
-        <p:nvSpPr>
-          <p:cNvPr id="2" name="Title 1">
-            <a:extLst>
-              <a:ext uri="{FF2B5EF4-FFF2-40B4-BE49-F238E27FC236}">
-                <a16:creationId xmlns:a16="http://schemas.microsoft.com/office/drawing/2014/main" id="{275CC5C1-8622-4A7B-8184-FD735871F4DE}"/>
-              </a:ext>
-            </a:extLst>
-          </p:cNvPr>
-          <p:cNvSpPr>
-            <a:spLocks noGrp="1"/>
-          </p:cNvSpPr>
-          <p:nvPr>
-            <p:ph type="title"/>
-          </p:nvPr>
-        </p:nvSpPr>
-        <p:spPr>
-          <a:xfrm>
-            <a:off x="838200" y="365125"/>
-            <a:ext cx="10515600" cy="6035675"/>
-          </a:xfrm>
-        </p:spPr>
-        <p:txBody>
-          <a:bodyPr/>
-          <a:lstStyle/>
-          <a:p>
-            <a:pPr algn="ctr"/>
-            <a:r>
-              <a:rPr lang="ru-RU" dirty="0">
-                <a:latin typeface="Times New Roman" panose="02020603050405020304" pitchFamily="18" charset="0"/>
-                <a:cs typeface="Times New Roman" panose="02020603050405020304" pitchFamily="18" charset="0"/>
-              </a:rPr>
-              <a:t>Спасибо за внимание</a:t>
-            </a:r>
-            <a:endParaRPr lang="en-US" dirty="0">
-              <a:latin typeface="Times New Roman" panose="02020603050405020304" pitchFamily="18" charset="0"/>
-              <a:cs typeface="Times New Roman" panose="02020603050405020304" pitchFamily="18" charset="0"/>
-            </a:endParaRPr>
-          </a:p>
-        </p:txBody>
-      </p:sp>
-    </p:spTree>
-    <p:extLst>
-      <p:ext uri="{BB962C8B-B14F-4D97-AF65-F5344CB8AC3E}">
-        <p14:creationId xmlns:p14="http://schemas.microsoft.com/office/powerpoint/2010/main" val="471387438"/>
+        <p14:creationId xmlns:p14="http://schemas.microsoft.com/office/powerpoint/2010/main" xmlns="" val="62113808"/>
       </p:ext>
     </p:extLst>
   </p:cSld>
@@ -6085,13 +5428,7 @@
       </p:grpSpPr>
       <p:sp>
         <p:nvSpPr>
-          <p:cNvPr id="2" name="Title 1">
-            <a:extLst>
-              <a:ext uri="{FF2B5EF4-FFF2-40B4-BE49-F238E27FC236}">
-                <a16:creationId xmlns:a16="http://schemas.microsoft.com/office/drawing/2014/main" id="{1944AB02-4A29-4461-B2D6-55350603B333}"/>
-              </a:ext>
-            </a:extLst>
-          </p:cNvPr>
+          <p:cNvPr id="2" name="Заголовок 1"/>
           <p:cNvSpPr>
             <a:spLocks noGrp="1"/>
           </p:cNvSpPr>
@@ -6099,74 +5436,209 @@
             <p:ph type="title"/>
           </p:nvPr>
         </p:nvSpPr>
-        <p:spPr>
-          <a:xfrm>
-            <a:off x="838200" y="0"/>
-            <a:ext cx="10515600" cy="1325563"/>
-          </a:xfrm>
-        </p:spPr>
+        <p:spPr/>
         <p:txBody>
           <a:bodyPr/>
           <a:lstStyle/>
           <a:p>
             <a:r>
-              <a:rPr lang="ru-RU" dirty="0">
-                <a:latin typeface="Times New Roman" pitchFamily="18" charset="0"/>
+              <a:rPr lang="ru-RU" dirty="0" smtClean="0"/>
+              <a:t>ЗАДАЧИ ИССЛЕДОВАНИЯ</a:t>
+            </a:r>
+            <a:endParaRPr lang="be-BY" dirty="0"/>
+          </a:p>
+        </p:txBody>
+      </p:sp>
+      <p:sp>
+        <p:nvSpPr>
+          <p:cNvPr id="3" name="Содержимое 2"/>
+          <p:cNvSpPr>
+            <a:spLocks noGrp="1"/>
+          </p:cNvSpPr>
+          <p:nvPr>
+            <p:ph idx="1"/>
+          </p:nvPr>
+        </p:nvSpPr>
+        <p:spPr/>
+        <p:txBody>
+          <a:bodyPr>
+            <a:normAutofit/>
+          </a:bodyPr>
+          <a:lstStyle/>
+          <a:p>
+            <a:pPr lvl="0">
+              <a:buNone/>
+            </a:pPr>
+            <a:r>
+              <a:rPr lang="ru-RU" dirty="0" smtClean="0">
+                <a:latin typeface="+mj-lt"/>
+                <a:ea typeface="Tahoma" pitchFamily="34" charset="0"/>
                 <a:cs typeface="Times New Roman" pitchFamily="18" charset="0"/>
               </a:rPr>
-              <a:t>Актуальность</a:t>
-            </a:r>
-            <a:endParaRPr lang="en-US" dirty="0">
-              <a:latin typeface="Times New Roman" pitchFamily="18" charset="0"/>
+              <a:t>1. </a:t>
+            </a:r>
+            <a:r>
+              <a:rPr lang="ru-RU" dirty="0" smtClean="0">
+                <a:latin typeface="+mj-lt"/>
+              </a:rPr>
+              <a:t>Выполнить аналитический обзор современных </a:t>
+            </a:r>
+            <a:r>
+              <a:rPr lang="ru-RU" dirty="0" smtClean="0">
+                <a:latin typeface="+mj-lt"/>
+              </a:rPr>
+              <a:t>методов </a:t>
+            </a:r>
+            <a:r>
+              <a:rPr lang="ru-RU" dirty="0" smtClean="0">
+                <a:latin typeface="+mj-lt"/>
+              </a:rPr>
+              <a:t>автоматического </a:t>
+            </a:r>
+            <a:r>
+              <a:rPr lang="ru-RU" dirty="0" smtClean="0">
+                <a:latin typeface="+mj-lt"/>
+              </a:rPr>
+              <a:t>определения психологического состояния человека.</a:t>
+            </a:r>
+            <a:endParaRPr lang="ru-RU" dirty="0" smtClean="0">
+              <a:latin typeface="+mj-lt"/>
+              <a:ea typeface="Tahoma" pitchFamily="34" charset="0"/>
               <a:cs typeface="Times New Roman" pitchFamily="18" charset="0"/>
             </a:endParaRPr>
           </a:p>
-        </p:txBody>
-      </p:sp>
-      <p:sp>
-        <p:nvSpPr>
-          <p:cNvPr id="3" name="Content Placeholder 2">
-            <a:extLst>
-              <a:ext uri="{FF2B5EF4-FFF2-40B4-BE49-F238E27FC236}">
-                <a16:creationId xmlns:a16="http://schemas.microsoft.com/office/drawing/2014/main" id="{D0EE5694-38B3-40E4-93B0-84A9D04EF55C}"/>
-              </a:ext>
-            </a:extLst>
-          </p:cNvPr>
-          <p:cNvSpPr>
-            <a:spLocks noGrp="1"/>
-          </p:cNvSpPr>
-          <p:nvPr>
-            <p:ph idx="1"/>
-          </p:nvPr>
-        </p:nvSpPr>
-        <p:spPr/>
-        <p:txBody>
-          <a:bodyPr/>
-          <a:lstStyle/>
-          <a:p>
-            <a:pPr marL="0" indent="0">
+          <a:p>
+            <a:pPr>
               <a:buNone/>
             </a:pPr>
             <a:r>
-              <a:rPr lang="ru-RU" dirty="0">
-                <a:latin typeface="Times New Roman" pitchFamily="18" charset="0"/>
+              <a:rPr lang="ru-RU" dirty="0" smtClean="0">
+                <a:latin typeface="+mj-lt"/>
+                <a:ea typeface="Tahoma" pitchFamily="34" charset="0"/>
                 <a:cs typeface="Times New Roman" pitchFamily="18" charset="0"/>
               </a:rPr>
-              <a:t>	Актуальность магистерской диссертации заключается в том, что на сегодняшний день людей с психологическими проблемами и тяжелыми расстройствами гораздо больше, чем специалистов, способных с этим справиться. </a:t>
-            </a:r>
-            <a:endParaRPr lang="en-US" dirty="0">
-              <a:latin typeface="Times New Roman" pitchFamily="18" charset="0"/>
+              <a:t>2</a:t>
+            </a:r>
+            <a:r>
+              <a:rPr lang="en-US" dirty="0" smtClean="0">
+                <a:latin typeface="+mj-lt"/>
+                <a:ea typeface="Tahoma" pitchFamily="34" charset="0"/>
+                <a:cs typeface="Times New Roman" pitchFamily="18" charset="0"/>
+              </a:rPr>
+              <a:t>. </a:t>
+            </a:r>
+            <a:r>
+              <a:rPr lang="ru-RU" dirty="0" smtClean="0">
+                <a:latin typeface="+mj-lt"/>
+                <a:ea typeface="Tahoma" pitchFamily="34" charset="0"/>
+                <a:cs typeface="Times New Roman" pitchFamily="18" charset="0"/>
+              </a:rPr>
+              <a:t>Определить источники поведенческой информации человека и наладить </a:t>
+            </a:r>
+            <a:r>
+              <a:rPr lang="ru-RU" dirty="0" smtClean="0">
+                <a:latin typeface="+mj-lt"/>
+                <a:ea typeface="Tahoma" pitchFamily="34" charset="0"/>
+                <a:cs typeface="Times New Roman" pitchFamily="18" charset="0"/>
+              </a:rPr>
+              <a:t>процесс </a:t>
+            </a:r>
+            <a:r>
+              <a:rPr lang="ru-RU" dirty="0" smtClean="0">
+                <a:latin typeface="+mj-lt"/>
+                <a:ea typeface="Tahoma" pitchFamily="34" charset="0"/>
+                <a:cs typeface="Times New Roman" pitchFamily="18" charset="0"/>
+              </a:rPr>
+              <a:t>их непрерывного сбора. </a:t>
+            </a:r>
+            <a:endParaRPr lang="be-BY" dirty="0" smtClean="0">
+              <a:latin typeface="+mj-lt"/>
+              <a:ea typeface="Tahoma" pitchFamily="34" charset="0"/>
               <a:cs typeface="Times New Roman" pitchFamily="18" charset="0"/>
             </a:endParaRPr>
           </a:p>
+          <a:p>
+            <a:pPr>
+              <a:buNone/>
+            </a:pPr>
+            <a:r>
+              <a:rPr lang="ru-RU" dirty="0" smtClean="0">
+                <a:latin typeface="+mj-lt"/>
+                <a:ea typeface="Tahoma" pitchFamily="34" charset="0"/>
+                <a:cs typeface="Times New Roman" pitchFamily="18" charset="0"/>
+              </a:rPr>
+              <a:t>3</a:t>
+            </a:r>
+            <a:r>
+              <a:rPr lang="ru-RU" dirty="0" smtClean="0">
+                <a:latin typeface="+mj-lt"/>
+                <a:ea typeface="Tahoma" pitchFamily="34" charset="0"/>
+                <a:cs typeface="Times New Roman" pitchFamily="18" charset="0"/>
+              </a:rPr>
+              <a:t>. Классифицировать </a:t>
+            </a:r>
+            <a:r>
+              <a:rPr lang="be-BY" dirty="0" smtClean="0">
+                <a:latin typeface="+mj-lt"/>
+                <a:ea typeface="Tahoma" pitchFamily="34" charset="0"/>
+                <a:cs typeface="Times New Roman" pitchFamily="18" charset="0"/>
+              </a:rPr>
+              <a:t>психологическо</a:t>
+            </a:r>
+            <a:r>
+              <a:rPr lang="ru-RU" dirty="0" smtClean="0">
+                <a:latin typeface="+mj-lt"/>
+                <a:ea typeface="Tahoma" pitchFamily="34" charset="0"/>
+                <a:cs typeface="Times New Roman" pitchFamily="18" charset="0"/>
+              </a:rPr>
+              <a:t>е</a:t>
+            </a:r>
+            <a:r>
+              <a:rPr lang="be-BY" dirty="0" smtClean="0">
+                <a:latin typeface="+mj-lt"/>
+                <a:ea typeface="Tahoma" pitchFamily="34" charset="0"/>
+                <a:cs typeface="Times New Roman" pitchFamily="18" charset="0"/>
+              </a:rPr>
+              <a:t> состояни</a:t>
+            </a:r>
+            <a:r>
+              <a:rPr lang="ru-RU" dirty="0" smtClean="0">
+                <a:latin typeface="+mj-lt"/>
+                <a:ea typeface="Tahoma" pitchFamily="34" charset="0"/>
+                <a:cs typeface="Times New Roman" pitchFamily="18" charset="0"/>
+              </a:rPr>
+              <a:t>е</a:t>
+            </a:r>
+            <a:r>
+              <a:rPr lang="be-BY" dirty="0" smtClean="0">
+                <a:latin typeface="+mj-lt"/>
+                <a:ea typeface="Tahoma" pitchFamily="34" charset="0"/>
+                <a:cs typeface="Times New Roman" pitchFamily="18" charset="0"/>
+              </a:rPr>
+              <a:t> пациента на основе собранной поведенческой информации</a:t>
+            </a:r>
+            <a:r>
+              <a:rPr lang="ru-RU" dirty="0" smtClean="0">
+                <a:latin typeface="+mj-lt"/>
+                <a:ea typeface="Tahoma" pitchFamily="34" charset="0"/>
+                <a:cs typeface="Times New Roman" pitchFamily="18" charset="0"/>
+              </a:rPr>
+              <a:t>.</a:t>
+            </a:r>
+            <a:endParaRPr lang="be-BY" dirty="0" smtClean="0">
+              <a:latin typeface="+mj-lt"/>
+              <a:ea typeface="Tahoma" pitchFamily="34" charset="0"/>
+              <a:cs typeface="Times New Roman" pitchFamily="18" charset="0"/>
+            </a:endParaRPr>
+          </a:p>
+          <a:p>
+            <a:endParaRPr lang="be-BY" dirty="0">
+              <a:latin typeface="+mj-lt"/>
+            </a:endParaRPr>
+          </a:p>
         </p:txBody>
       </p:sp>
     </p:spTree>
-    <p:extLst>
-      <p:ext uri="{BB962C8B-B14F-4D97-AF65-F5344CB8AC3E}">
-        <p14:creationId xmlns:p14="http://schemas.microsoft.com/office/powerpoint/2010/main" val="2008154732"/>
-      </p:ext>
-    </p:extLst>
   </p:cSld>
   <p:clrMapOvr>
     <a:masterClrMapping/>
@@ -6193,952 +5665,86 @@
       </p:grpSpPr>
       <p:sp>
         <p:nvSpPr>
-          <p:cNvPr id="8" name="Rectangle 5">
-            <a:extLst>
-              <a:ext uri="{FF2B5EF4-FFF2-40B4-BE49-F238E27FC236}">
-                <a16:creationId xmlns:a16="http://schemas.microsoft.com/office/drawing/2014/main" id="{6DA16DC7-CACC-4A15-9C8F-EC168DD92390}"/>
-              </a:ext>
-            </a:extLst>
-          </p:cNvPr>
-          <p:cNvSpPr>
-            <a:spLocks noGrp="1" noChangeArrowheads="1"/>
+          <p:cNvPr id="2" name="Заголовок 1"/>
+          <p:cNvSpPr>
+            <a:spLocks noGrp="1"/>
+          </p:cNvSpPr>
+          <p:nvPr>
+            <p:ph type="title"/>
+          </p:nvPr>
+        </p:nvSpPr>
+        <p:spPr/>
+        <p:txBody>
+          <a:bodyPr/>
+          <a:lstStyle/>
+          <a:p>
+            <a:r>
+              <a:rPr lang="ru-RU" dirty="0" smtClean="0">
+                <a:cs typeface="Times New Roman" pitchFamily="18" charset="0"/>
+              </a:rPr>
+              <a:t>Актуальность</a:t>
+            </a:r>
+            <a:endParaRPr lang="be-BY" dirty="0"/>
+          </a:p>
+        </p:txBody>
+      </p:sp>
+      <p:sp>
+        <p:nvSpPr>
+          <p:cNvPr id="3" name="Содержимое 2"/>
+          <p:cNvSpPr>
+            <a:spLocks noGrp="1"/>
           </p:cNvSpPr>
           <p:nvPr>
             <p:ph idx="1"/>
           </p:nvPr>
         </p:nvSpPr>
-        <p:spPr bwMode="auto">
-          <a:xfrm>
-            <a:off x="838200" y="952501"/>
-            <a:ext cx="9971897" cy="5786199"/>
-          </a:xfrm>
-          <a:prstGeom prst="rect">
-            <a:avLst/>
-          </a:prstGeom>
-          <a:noFill/>
-          <a:ln>
-            <a:noFill/>
-          </a:ln>
-          <a:effectLst/>
-          <a:extLst>
-            <a:ext uri="{909E8E84-426E-40DD-AFC4-6F175D3DCCD1}">
-              <a14:hiddenFill xmlns:a14="http://schemas.microsoft.com/office/drawing/2010/main">
-                <a:solidFill>
-                  <a:schemeClr val="accent1"/>
-                </a:solidFill>
-              </a14:hiddenFill>
-            </a:ext>
-            <a:ext uri="{91240B29-F687-4F45-9708-019B960494DF}">
-              <a14:hiddenLine xmlns:a14="http://schemas.microsoft.com/office/drawing/2010/main" w="9525">
-                <a:solidFill>
-                  <a:schemeClr val="tx1"/>
-                </a:solidFill>
-                <a:miter lim="800000"/>
-                <a:headEnd/>
-                <a:tailEnd/>
-              </a14:hiddenLine>
-            </a:ext>
-            <a:ext uri="{AF507438-7753-43E0-B8FC-AC1667EBCBE1}">
-              <a14:hiddenEffects xmlns:a14="http://schemas.microsoft.com/office/drawing/2010/main">
-                <a:effectLst>
-                  <a:outerShdw dist="35921" dir="2700000" algn="ctr" rotWithShape="0">
-                    <a:schemeClr val="bg2"/>
-                  </a:outerShdw>
-                </a:effectLst>
-              </a14:hiddenEffects>
-            </a:ext>
-          </a:extLst>
-        </p:spPr>
-        <p:txBody>
-          <a:bodyPr vert="horz" wrap="none" lIns="91440" tIns="45720" rIns="91440" bIns="45720" numCol="1" anchor="ctr" anchorCtr="0" compatLnSpc="1">
-            <a:prstTxWarp prst="textNoShape">
-              <a:avLst/>
-            </a:prstTxWarp>
-            <a:spAutoFit/>
-          </a:bodyPr>
-          <a:lstStyle>
-            <a:lvl1pPr eaLnBrk="0" fontAlgn="base" hangingPunct="0">
-              <a:spcBef>
-                <a:spcPct val="0"/>
-              </a:spcBef>
-              <a:spcAft>
-                <a:spcPct val="0"/>
-              </a:spcAft>
-              <a:tabLst>
-                <a:tab pos="6113463" algn="r"/>
-              </a:tabLst>
-              <a:defRPr>
-                <a:solidFill>
-                  <a:schemeClr val="tx1"/>
-                </a:solidFill>
-                <a:latin typeface="Arial" panose="020B0604020202020204" pitchFamily="34" charset="0"/>
-              </a:defRPr>
-            </a:lvl1pPr>
-            <a:lvl2pPr eaLnBrk="0" fontAlgn="base" hangingPunct="0">
-              <a:spcBef>
-                <a:spcPct val="0"/>
-              </a:spcBef>
-              <a:spcAft>
-                <a:spcPct val="0"/>
-              </a:spcAft>
-              <a:tabLst>
-                <a:tab pos="6113463" algn="r"/>
-              </a:tabLst>
-              <a:defRPr>
-                <a:solidFill>
-                  <a:schemeClr val="tx1"/>
-                </a:solidFill>
-                <a:latin typeface="Arial" panose="020B0604020202020204" pitchFamily="34" charset="0"/>
-              </a:defRPr>
-            </a:lvl2pPr>
-            <a:lvl3pPr eaLnBrk="0" fontAlgn="base" hangingPunct="0">
-              <a:spcBef>
-                <a:spcPct val="0"/>
-              </a:spcBef>
-              <a:spcAft>
-                <a:spcPct val="0"/>
-              </a:spcAft>
-              <a:tabLst>
-                <a:tab pos="6113463" algn="r"/>
-              </a:tabLst>
-              <a:defRPr>
-                <a:solidFill>
-                  <a:schemeClr val="tx1"/>
-                </a:solidFill>
-                <a:latin typeface="Arial" panose="020B0604020202020204" pitchFamily="34" charset="0"/>
-              </a:defRPr>
-            </a:lvl3pPr>
-            <a:lvl4pPr eaLnBrk="0" fontAlgn="base" hangingPunct="0">
-              <a:spcBef>
-                <a:spcPct val="0"/>
-              </a:spcBef>
-              <a:spcAft>
-                <a:spcPct val="0"/>
-              </a:spcAft>
-              <a:tabLst>
-                <a:tab pos="6113463" algn="r"/>
-              </a:tabLst>
-              <a:defRPr>
-                <a:solidFill>
-                  <a:schemeClr val="tx1"/>
-                </a:solidFill>
-                <a:latin typeface="Arial" panose="020B0604020202020204" pitchFamily="34" charset="0"/>
-              </a:defRPr>
-            </a:lvl4pPr>
-            <a:lvl5pPr eaLnBrk="0" fontAlgn="base" hangingPunct="0">
-              <a:spcBef>
-                <a:spcPct val="0"/>
-              </a:spcBef>
-              <a:spcAft>
-                <a:spcPct val="0"/>
-              </a:spcAft>
-              <a:tabLst>
-                <a:tab pos="6113463" algn="r"/>
-              </a:tabLst>
-              <a:defRPr>
-                <a:solidFill>
-                  <a:schemeClr val="tx1"/>
-                </a:solidFill>
-                <a:latin typeface="Arial" panose="020B0604020202020204" pitchFamily="34" charset="0"/>
-              </a:defRPr>
-            </a:lvl5pPr>
-            <a:lvl6pPr eaLnBrk="0" fontAlgn="base" hangingPunct="0">
-              <a:spcBef>
-                <a:spcPct val="0"/>
-              </a:spcBef>
-              <a:spcAft>
-                <a:spcPct val="0"/>
-              </a:spcAft>
-              <a:tabLst>
-                <a:tab pos="6113463" algn="r"/>
-              </a:tabLst>
-              <a:defRPr>
-                <a:solidFill>
-                  <a:schemeClr val="tx1"/>
-                </a:solidFill>
-                <a:latin typeface="Arial" panose="020B0604020202020204" pitchFamily="34" charset="0"/>
-              </a:defRPr>
-            </a:lvl6pPr>
-            <a:lvl7pPr eaLnBrk="0" fontAlgn="base" hangingPunct="0">
-              <a:spcBef>
-                <a:spcPct val="0"/>
-              </a:spcBef>
-              <a:spcAft>
-                <a:spcPct val="0"/>
-              </a:spcAft>
-              <a:tabLst>
-                <a:tab pos="6113463" algn="r"/>
-              </a:tabLst>
-              <a:defRPr>
-                <a:solidFill>
-                  <a:schemeClr val="tx1"/>
-                </a:solidFill>
-                <a:latin typeface="Arial" panose="020B0604020202020204" pitchFamily="34" charset="0"/>
-              </a:defRPr>
-            </a:lvl7pPr>
-            <a:lvl8pPr eaLnBrk="0" fontAlgn="base" hangingPunct="0">
-              <a:spcBef>
-                <a:spcPct val="0"/>
-              </a:spcBef>
-              <a:spcAft>
-                <a:spcPct val="0"/>
-              </a:spcAft>
-              <a:tabLst>
-                <a:tab pos="6113463" algn="r"/>
-              </a:tabLst>
-              <a:defRPr>
-                <a:solidFill>
-                  <a:schemeClr val="tx1"/>
-                </a:solidFill>
-                <a:latin typeface="Arial" panose="020B0604020202020204" pitchFamily="34" charset="0"/>
-              </a:defRPr>
-            </a:lvl8pPr>
-            <a:lvl9pPr eaLnBrk="0" fontAlgn="base" hangingPunct="0">
-              <a:spcBef>
-                <a:spcPct val="0"/>
-              </a:spcBef>
-              <a:spcAft>
-                <a:spcPct val="0"/>
-              </a:spcAft>
-              <a:tabLst>
-                <a:tab pos="6113463" algn="r"/>
-              </a:tabLst>
-              <a:defRPr>
-                <a:solidFill>
-                  <a:schemeClr val="tx1"/>
-                </a:solidFill>
-                <a:latin typeface="Arial" panose="020B0604020202020204" pitchFamily="34" charset="0"/>
-              </a:defRPr>
-            </a:lvl9pPr>
-          </a:lstStyle>
-          <a:p>
-            <a:pPr marL="0" marR="0" lvl="0" indent="0" algn="l" defTabSz="914400" rtl="0" eaLnBrk="0" fontAlgn="base" latinLnBrk="0" hangingPunct="0">
-              <a:lnSpc>
-                <a:spcPct val="100000"/>
-              </a:lnSpc>
-              <a:spcBef>
-                <a:spcPct val="0"/>
-              </a:spcBef>
-              <a:spcAft>
-                <a:spcPct val="0"/>
-              </a:spcAft>
-              <a:buClrTx/>
-              <a:buSzTx/>
-              <a:buFontTx/>
-              <a:buNone/>
-              <a:tabLst>
-                <a:tab pos="6113463" algn="r"/>
-              </a:tabLst>
-            </a:pPr>
-            <a:r>
-              <a:rPr lang="ru-RU" altLang="en-US" sz="2000" dirty="0">
-                <a:latin typeface="Times New Roman" panose="02020603050405020304" pitchFamily="18" charset="0"/>
-                <a:ea typeface="+mj-ea"/>
-                <a:cs typeface="Times New Roman" panose="02020603050405020304" pitchFamily="18" charset="0"/>
-              </a:rPr>
-              <a:t>Глава 1 Анализ методов и способов распознавания психологического состояния человека</a:t>
-            </a:r>
-            <a:endParaRPr lang="en-US" altLang="en-US" sz="2000" dirty="0">
-              <a:latin typeface="Times New Roman" panose="02020603050405020304" pitchFamily="18" charset="0"/>
-              <a:ea typeface="+mj-ea"/>
-              <a:cs typeface="Times New Roman" panose="02020603050405020304" pitchFamily="18" charset="0"/>
-            </a:endParaRPr>
-          </a:p>
-          <a:p>
-            <a:pPr marL="0" marR="0" lvl="0" indent="0" algn="l" defTabSz="914400" rtl="0" eaLnBrk="0" fontAlgn="base" latinLnBrk="0" hangingPunct="0">
-              <a:lnSpc>
-                <a:spcPct val="100000"/>
-              </a:lnSpc>
-              <a:spcBef>
-                <a:spcPct val="0"/>
-              </a:spcBef>
-              <a:spcAft>
-                <a:spcPct val="0"/>
-              </a:spcAft>
-              <a:buClrTx/>
-              <a:buSzTx/>
-              <a:buFontTx/>
-              <a:buNone/>
-              <a:tabLst>
-                <a:tab pos="6113463" algn="r"/>
-              </a:tabLst>
-            </a:pPr>
-            <a:r>
-              <a:rPr lang="ru-RU" altLang="en-US" sz="2000" dirty="0">
-                <a:latin typeface="Times New Roman" panose="02020603050405020304" pitchFamily="18" charset="0"/>
-                <a:ea typeface="+mj-ea"/>
-                <a:cs typeface="Times New Roman" panose="02020603050405020304" pitchFamily="18" charset="0"/>
-              </a:rPr>
-              <a:t>     1.1 Цифровая психотерапия</a:t>
-            </a:r>
-            <a:endParaRPr lang="en-US" altLang="en-US" sz="2000" dirty="0">
-              <a:latin typeface="Times New Roman" panose="02020603050405020304" pitchFamily="18" charset="0"/>
-              <a:ea typeface="+mj-ea"/>
-              <a:cs typeface="Times New Roman" panose="02020603050405020304" pitchFamily="18" charset="0"/>
-            </a:endParaRPr>
-          </a:p>
-          <a:p>
-            <a:pPr marL="0" marR="0" lvl="0" indent="0" algn="l" defTabSz="914400" rtl="0" eaLnBrk="0" fontAlgn="base" latinLnBrk="0" hangingPunct="0">
-              <a:lnSpc>
-                <a:spcPct val="100000"/>
-              </a:lnSpc>
-              <a:spcBef>
-                <a:spcPct val="0"/>
-              </a:spcBef>
-              <a:spcAft>
-                <a:spcPct val="0"/>
-              </a:spcAft>
-              <a:buClrTx/>
-              <a:buSzTx/>
-              <a:buFontTx/>
-              <a:buNone/>
-              <a:tabLst>
-                <a:tab pos="6113463" algn="r"/>
-              </a:tabLst>
-            </a:pPr>
-            <a:r>
-              <a:rPr lang="ru-RU" altLang="en-US" sz="2000" dirty="0">
-                <a:latin typeface="Times New Roman" panose="02020603050405020304" pitchFamily="18" charset="0"/>
-                <a:ea typeface="+mj-ea"/>
-                <a:cs typeface="Times New Roman" panose="02020603050405020304" pitchFamily="18" charset="0"/>
-              </a:rPr>
-              <a:t>     1.2 Источники поведенческих данных</a:t>
-            </a:r>
-            <a:endParaRPr lang="en-US" altLang="en-US" sz="2000" dirty="0">
-              <a:latin typeface="Times New Roman" panose="02020603050405020304" pitchFamily="18" charset="0"/>
-              <a:ea typeface="+mj-ea"/>
-              <a:cs typeface="Times New Roman" panose="02020603050405020304" pitchFamily="18" charset="0"/>
-            </a:endParaRPr>
-          </a:p>
-          <a:p>
-            <a:pPr marL="0" marR="0" lvl="0" indent="0" algn="l" defTabSz="914400" rtl="0" eaLnBrk="0" fontAlgn="base" latinLnBrk="0" hangingPunct="0">
-              <a:lnSpc>
-                <a:spcPct val="100000"/>
-              </a:lnSpc>
-              <a:spcBef>
-                <a:spcPct val="0"/>
-              </a:spcBef>
-              <a:spcAft>
-                <a:spcPct val="0"/>
-              </a:spcAft>
-              <a:buClrTx/>
-              <a:buSzTx/>
-              <a:buFontTx/>
-              <a:buNone/>
-              <a:tabLst>
-                <a:tab pos="6113463" algn="r"/>
-              </a:tabLst>
-            </a:pPr>
-            <a:r>
-              <a:rPr lang="ru-RU" altLang="en-US" sz="2000" dirty="0">
-                <a:latin typeface="Times New Roman" panose="02020603050405020304" pitchFamily="18" charset="0"/>
-                <a:ea typeface="+mj-ea"/>
-                <a:cs typeface="Times New Roman" panose="02020603050405020304" pitchFamily="18" charset="0"/>
-              </a:rPr>
-              <a:t>     1.3 Существующие решения</a:t>
-            </a:r>
-            <a:endParaRPr lang="en-US" altLang="en-US" sz="2000" dirty="0">
-              <a:latin typeface="Times New Roman" panose="02020603050405020304" pitchFamily="18" charset="0"/>
-              <a:ea typeface="+mj-ea"/>
-              <a:cs typeface="Times New Roman" panose="02020603050405020304" pitchFamily="18" charset="0"/>
-            </a:endParaRPr>
-          </a:p>
-          <a:p>
-            <a:pPr marL="0" marR="0" lvl="0" indent="0" algn="l" defTabSz="914400" rtl="0" eaLnBrk="0" fontAlgn="base" latinLnBrk="0" hangingPunct="0">
-              <a:lnSpc>
-                <a:spcPct val="100000"/>
-              </a:lnSpc>
-              <a:spcBef>
-                <a:spcPct val="0"/>
-              </a:spcBef>
-              <a:spcAft>
-                <a:spcPct val="0"/>
-              </a:spcAft>
-              <a:buClrTx/>
-              <a:buSzTx/>
-              <a:buFontTx/>
-              <a:buNone/>
-              <a:tabLst>
-                <a:tab pos="6113463" algn="r"/>
-              </a:tabLst>
-            </a:pPr>
-            <a:r>
-              <a:rPr lang="ru-RU" altLang="en-US" sz="2000" dirty="0">
-                <a:latin typeface="Times New Roman" panose="02020603050405020304" pitchFamily="18" charset="0"/>
-                <a:ea typeface="+mj-ea"/>
-                <a:cs typeface="Times New Roman" panose="02020603050405020304" pitchFamily="18" charset="0"/>
-              </a:rPr>
-              <a:t>     1.4 Постановка задач на исследование</a:t>
-            </a:r>
-            <a:endParaRPr lang="en-US" altLang="en-US" sz="2000" dirty="0">
-              <a:latin typeface="Times New Roman" panose="02020603050405020304" pitchFamily="18" charset="0"/>
-              <a:ea typeface="+mj-ea"/>
-              <a:cs typeface="Times New Roman" panose="02020603050405020304" pitchFamily="18" charset="0"/>
-            </a:endParaRPr>
-          </a:p>
-          <a:p>
-            <a:pPr marL="0" marR="0" lvl="0" indent="0" algn="l" defTabSz="914400" rtl="0" eaLnBrk="0" fontAlgn="base" latinLnBrk="0" hangingPunct="0">
-              <a:lnSpc>
-                <a:spcPct val="100000"/>
-              </a:lnSpc>
-              <a:spcBef>
-                <a:spcPct val="0"/>
-              </a:spcBef>
-              <a:spcAft>
-                <a:spcPct val="0"/>
-              </a:spcAft>
-              <a:buClrTx/>
-              <a:buSzTx/>
-              <a:buFontTx/>
-              <a:buNone/>
-              <a:tabLst>
-                <a:tab pos="6113463" algn="r"/>
-              </a:tabLst>
-            </a:pPr>
-            <a:r>
-              <a:rPr lang="ru-RU" altLang="en-US" sz="2000" dirty="0">
-                <a:latin typeface="Times New Roman" panose="02020603050405020304" pitchFamily="18" charset="0"/>
-                <a:ea typeface="+mj-ea"/>
-                <a:cs typeface="Times New Roman" panose="02020603050405020304" pitchFamily="18" charset="0"/>
-              </a:rPr>
-              <a:t>Глава 2 Проектирование программного средства</a:t>
-            </a:r>
-            <a:endParaRPr lang="en-US" altLang="en-US" sz="2000" dirty="0">
-              <a:latin typeface="Times New Roman" panose="02020603050405020304" pitchFamily="18" charset="0"/>
-              <a:ea typeface="+mj-ea"/>
-              <a:cs typeface="Times New Roman" panose="02020603050405020304" pitchFamily="18" charset="0"/>
-            </a:endParaRPr>
-          </a:p>
-          <a:p>
-            <a:pPr marL="0" marR="0" lvl="0" indent="0" algn="l" defTabSz="914400" rtl="0" eaLnBrk="0" fontAlgn="base" latinLnBrk="0" hangingPunct="0">
-              <a:lnSpc>
-                <a:spcPct val="100000"/>
-              </a:lnSpc>
-              <a:spcBef>
-                <a:spcPct val="0"/>
-              </a:spcBef>
-              <a:spcAft>
-                <a:spcPct val="0"/>
-              </a:spcAft>
-              <a:buClrTx/>
-              <a:buSzTx/>
-              <a:buFontTx/>
-              <a:buNone/>
-              <a:tabLst>
-                <a:tab pos="6113463" algn="r"/>
-              </a:tabLst>
-            </a:pPr>
-            <a:r>
-              <a:rPr lang="ru-RU" altLang="en-US" sz="2000" dirty="0">
-                <a:latin typeface="Times New Roman" panose="02020603050405020304" pitchFamily="18" charset="0"/>
-                <a:ea typeface="+mj-ea"/>
-                <a:cs typeface="Times New Roman" panose="02020603050405020304" pitchFamily="18" charset="0"/>
-              </a:rPr>
-              <a:t>     </a:t>
-            </a:r>
-            <a:r>
-              <a:rPr lang="en-US" altLang="en-US" sz="2000" dirty="0">
-                <a:latin typeface="Times New Roman" panose="02020603050405020304" pitchFamily="18" charset="0"/>
-                <a:ea typeface="+mj-ea"/>
-                <a:cs typeface="Times New Roman" panose="02020603050405020304" pitchFamily="18" charset="0"/>
-              </a:rPr>
-              <a:t>2</a:t>
-            </a:r>
-            <a:r>
-              <a:rPr lang="ru-RU" altLang="en-US" sz="2000" dirty="0">
-                <a:latin typeface="Times New Roman" panose="02020603050405020304" pitchFamily="18" charset="0"/>
-                <a:ea typeface="+mj-ea"/>
-                <a:cs typeface="Times New Roman" panose="02020603050405020304" pitchFamily="18" charset="0"/>
-              </a:rPr>
-              <a:t>.1 Архитектура системы</a:t>
-            </a:r>
-            <a:endParaRPr lang="en-US" altLang="en-US" sz="2000" dirty="0">
-              <a:latin typeface="Times New Roman" panose="02020603050405020304" pitchFamily="18" charset="0"/>
-              <a:ea typeface="+mj-ea"/>
-              <a:cs typeface="Times New Roman" panose="02020603050405020304" pitchFamily="18" charset="0"/>
-            </a:endParaRPr>
-          </a:p>
-          <a:p>
-            <a:pPr marL="0" marR="0" lvl="0" indent="0" algn="l" defTabSz="914400" rtl="0" eaLnBrk="0" fontAlgn="base" latinLnBrk="0" hangingPunct="0">
-              <a:lnSpc>
-                <a:spcPct val="100000"/>
-              </a:lnSpc>
-              <a:spcBef>
-                <a:spcPct val="0"/>
-              </a:spcBef>
-              <a:spcAft>
-                <a:spcPct val="0"/>
-              </a:spcAft>
-              <a:buClrTx/>
-              <a:buSzTx/>
-              <a:buFontTx/>
-              <a:buNone/>
-              <a:tabLst>
-                <a:tab pos="6113463" algn="r"/>
-              </a:tabLst>
-            </a:pPr>
-            <a:r>
-              <a:rPr lang="ru-RU" altLang="en-US" sz="2000" dirty="0">
-                <a:latin typeface="Times New Roman" panose="02020603050405020304" pitchFamily="18" charset="0"/>
-                <a:ea typeface="+mj-ea"/>
-                <a:cs typeface="Times New Roman" panose="02020603050405020304" pitchFamily="18" charset="0"/>
-              </a:rPr>
-              <a:t>     </a:t>
-            </a:r>
-            <a:r>
-              <a:rPr lang="en-US" altLang="en-US" sz="2000" dirty="0">
-                <a:latin typeface="Times New Roman" panose="02020603050405020304" pitchFamily="18" charset="0"/>
-                <a:ea typeface="+mj-ea"/>
-                <a:cs typeface="Times New Roman" panose="02020603050405020304" pitchFamily="18" charset="0"/>
-              </a:rPr>
-              <a:t>2</a:t>
-            </a:r>
-            <a:r>
-              <a:rPr lang="ru-RU" altLang="en-US" sz="2000" dirty="0">
-                <a:latin typeface="Times New Roman" panose="02020603050405020304" pitchFamily="18" charset="0"/>
-                <a:ea typeface="+mj-ea"/>
-                <a:cs typeface="Times New Roman" panose="02020603050405020304" pitchFamily="18" charset="0"/>
-              </a:rPr>
-              <a:t>.2 Проектирование базы данных</a:t>
-            </a:r>
-            <a:endParaRPr lang="en-US" altLang="en-US" sz="2000" dirty="0">
-              <a:latin typeface="Times New Roman" panose="02020603050405020304" pitchFamily="18" charset="0"/>
-              <a:ea typeface="+mj-ea"/>
-              <a:cs typeface="Times New Roman" panose="02020603050405020304" pitchFamily="18" charset="0"/>
-            </a:endParaRPr>
-          </a:p>
-          <a:p>
-            <a:pPr marL="0" marR="0" lvl="0" indent="0" algn="l" defTabSz="914400" rtl="0" eaLnBrk="0" fontAlgn="base" latinLnBrk="0" hangingPunct="0">
-              <a:lnSpc>
-                <a:spcPct val="100000"/>
-              </a:lnSpc>
-              <a:spcBef>
-                <a:spcPct val="0"/>
-              </a:spcBef>
-              <a:spcAft>
-                <a:spcPct val="0"/>
-              </a:spcAft>
-              <a:buClrTx/>
-              <a:buSzTx/>
-              <a:buFontTx/>
-              <a:buNone/>
-              <a:tabLst>
-                <a:tab pos="6113463" algn="r"/>
-              </a:tabLst>
-            </a:pPr>
-            <a:r>
-              <a:rPr lang="ru-RU" altLang="en-US" sz="2000" dirty="0">
-                <a:latin typeface="Times New Roman" panose="02020603050405020304" pitchFamily="18" charset="0"/>
-                <a:ea typeface="+mj-ea"/>
-                <a:cs typeface="Times New Roman" panose="02020603050405020304" pitchFamily="18" charset="0"/>
-              </a:rPr>
-              <a:t>     </a:t>
-            </a:r>
-            <a:r>
-              <a:rPr lang="en-US" altLang="en-US" sz="2000" dirty="0">
-                <a:latin typeface="Times New Roman" panose="02020603050405020304" pitchFamily="18" charset="0"/>
-                <a:ea typeface="+mj-ea"/>
-                <a:cs typeface="Times New Roman" panose="02020603050405020304" pitchFamily="18" charset="0"/>
-              </a:rPr>
-              <a:t>2</a:t>
-            </a:r>
-            <a:r>
-              <a:rPr lang="ru-RU" altLang="en-US" sz="2000" dirty="0">
-                <a:latin typeface="Times New Roman" panose="02020603050405020304" pitchFamily="18" charset="0"/>
-                <a:ea typeface="+mj-ea"/>
-                <a:cs typeface="Times New Roman" panose="02020603050405020304" pitchFamily="18" charset="0"/>
-              </a:rPr>
-              <a:t>.3 Сбор поведенческой информации</a:t>
-            </a:r>
-            <a:endParaRPr lang="en-US" altLang="en-US" sz="2000" dirty="0">
-              <a:latin typeface="Times New Roman" panose="02020603050405020304" pitchFamily="18" charset="0"/>
-              <a:ea typeface="+mj-ea"/>
-              <a:cs typeface="Times New Roman" panose="02020603050405020304" pitchFamily="18" charset="0"/>
-            </a:endParaRPr>
-          </a:p>
-          <a:p>
-            <a:pPr marL="0" marR="0" lvl="0" indent="0" algn="l" defTabSz="914400" rtl="0" eaLnBrk="0" fontAlgn="base" latinLnBrk="0" hangingPunct="0">
-              <a:lnSpc>
-                <a:spcPct val="100000"/>
-              </a:lnSpc>
-              <a:spcBef>
-                <a:spcPct val="0"/>
-              </a:spcBef>
-              <a:spcAft>
-                <a:spcPct val="0"/>
-              </a:spcAft>
-              <a:buClrTx/>
-              <a:buSzTx/>
-              <a:buFontTx/>
-              <a:buNone/>
-              <a:tabLst>
-                <a:tab pos="6113463" algn="r"/>
-              </a:tabLst>
-            </a:pPr>
-            <a:r>
-              <a:rPr lang="ru-RU" altLang="en-US" sz="2000" dirty="0">
-                <a:latin typeface="Times New Roman" panose="02020603050405020304" pitchFamily="18" charset="0"/>
-                <a:ea typeface="+mj-ea"/>
-                <a:cs typeface="Times New Roman" panose="02020603050405020304" pitchFamily="18" charset="0"/>
-              </a:rPr>
-              <a:t>     </a:t>
-            </a:r>
-            <a:r>
-              <a:rPr lang="en-US" altLang="en-US" sz="2000" dirty="0">
-                <a:latin typeface="Times New Roman" panose="02020603050405020304" pitchFamily="18" charset="0"/>
-                <a:ea typeface="+mj-ea"/>
-                <a:cs typeface="Times New Roman" panose="02020603050405020304" pitchFamily="18" charset="0"/>
-              </a:rPr>
-              <a:t>2</a:t>
-            </a:r>
-            <a:r>
-              <a:rPr lang="ru-RU" altLang="en-US" sz="2000" dirty="0">
-                <a:latin typeface="Times New Roman" panose="02020603050405020304" pitchFamily="18" charset="0"/>
-                <a:ea typeface="+mj-ea"/>
-                <a:cs typeface="Times New Roman" panose="02020603050405020304" pitchFamily="18" charset="0"/>
-              </a:rPr>
-              <a:t>.4 Выводы</a:t>
-            </a:r>
-            <a:endParaRPr lang="en-US" altLang="en-US" sz="2000" dirty="0">
-              <a:latin typeface="Times New Roman" panose="02020603050405020304" pitchFamily="18" charset="0"/>
-              <a:ea typeface="+mj-ea"/>
-              <a:cs typeface="Times New Roman" panose="02020603050405020304" pitchFamily="18" charset="0"/>
-            </a:endParaRPr>
-          </a:p>
-          <a:p>
-            <a:pPr marL="0" marR="0" lvl="0" indent="0" algn="l" defTabSz="914400" rtl="0" eaLnBrk="0" fontAlgn="base" latinLnBrk="0" hangingPunct="0">
-              <a:lnSpc>
-                <a:spcPct val="100000"/>
-              </a:lnSpc>
-              <a:spcBef>
-                <a:spcPct val="0"/>
-              </a:spcBef>
-              <a:spcAft>
-                <a:spcPct val="0"/>
-              </a:spcAft>
-              <a:buClrTx/>
-              <a:buSzTx/>
-              <a:buFontTx/>
-              <a:buNone/>
-              <a:tabLst>
-                <a:tab pos="6113463" algn="r"/>
-              </a:tabLst>
-            </a:pPr>
-            <a:r>
-              <a:rPr lang="ru-RU" altLang="en-US" sz="2000" dirty="0">
-                <a:latin typeface="Times New Roman" panose="02020603050405020304" pitchFamily="18" charset="0"/>
-                <a:ea typeface="+mj-ea"/>
-                <a:cs typeface="Times New Roman" panose="02020603050405020304" pitchFamily="18" charset="0"/>
-              </a:rPr>
-              <a:t>Глава 3 Построение классификатора с использованием искусственных нейронных сетей</a:t>
-            </a:r>
-            <a:endParaRPr lang="en-US" altLang="en-US" sz="2000" dirty="0">
-              <a:latin typeface="Times New Roman" panose="02020603050405020304" pitchFamily="18" charset="0"/>
-              <a:ea typeface="+mj-ea"/>
-              <a:cs typeface="Times New Roman" panose="02020603050405020304" pitchFamily="18" charset="0"/>
-            </a:endParaRPr>
-          </a:p>
-          <a:p>
-            <a:pPr marL="0" marR="0" lvl="0" indent="0" algn="l" defTabSz="914400" rtl="0" eaLnBrk="0" fontAlgn="base" latinLnBrk="0" hangingPunct="0">
-              <a:lnSpc>
-                <a:spcPct val="100000"/>
-              </a:lnSpc>
-              <a:spcBef>
-                <a:spcPct val="0"/>
-              </a:spcBef>
-              <a:spcAft>
-                <a:spcPct val="0"/>
-              </a:spcAft>
-              <a:buClrTx/>
-              <a:buSzTx/>
-              <a:buFontTx/>
-              <a:buNone/>
-              <a:tabLst>
-                <a:tab pos="6113463" algn="r"/>
-              </a:tabLst>
-            </a:pPr>
-            <a:r>
-              <a:rPr lang="ru-RU" altLang="en-US" sz="2000" dirty="0">
-                <a:latin typeface="Times New Roman" panose="02020603050405020304" pitchFamily="18" charset="0"/>
-                <a:ea typeface="+mj-ea"/>
-                <a:cs typeface="Times New Roman" panose="02020603050405020304" pitchFamily="18" charset="0"/>
-              </a:rPr>
-              <a:t>     </a:t>
-            </a:r>
-            <a:r>
-              <a:rPr lang="en-US" altLang="en-US" sz="2000" dirty="0">
-                <a:latin typeface="Times New Roman" panose="02020603050405020304" pitchFamily="18" charset="0"/>
-                <a:ea typeface="+mj-ea"/>
-                <a:cs typeface="Times New Roman" panose="02020603050405020304" pitchFamily="18" charset="0"/>
-              </a:rPr>
-              <a:t>3</a:t>
-            </a:r>
-            <a:r>
-              <a:rPr lang="ru-RU" altLang="en-US" sz="2000" dirty="0">
-                <a:latin typeface="Times New Roman" panose="02020603050405020304" pitchFamily="18" charset="0"/>
-                <a:ea typeface="+mj-ea"/>
-                <a:cs typeface="Times New Roman" panose="02020603050405020304" pitchFamily="18" charset="0"/>
-              </a:rPr>
-              <a:t>.1 Нейронные сети</a:t>
-            </a:r>
-            <a:endParaRPr lang="en-US" altLang="en-US" sz="2000" dirty="0">
-              <a:latin typeface="Times New Roman" panose="02020603050405020304" pitchFamily="18" charset="0"/>
-              <a:ea typeface="+mj-ea"/>
-              <a:cs typeface="Times New Roman" panose="02020603050405020304" pitchFamily="18" charset="0"/>
-            </a:endParaRPr>
-          </a:p>
-          <a:p>
-            <a:pPr marL="0" marR="0" lvl="0" indent="0" algn="l" defTabSz="914400" rtl="0" eaLnBrk="0" fontAlgn="base" latinLnBrk="0" hangingPunct="0">
-              <a:lnSpc>
-                <a:spcPct val="100000"/>
-              </a:lnSpc>
-              <a:spcBef>
-                <a:spcPct val="0"/>
-              </a:spcBef>
-              <a:spcAft>
-                <a:spcPct val="0"/>
-              </a:spcAft>
-              <a:buClrTx/>
-              <a:buSzTx/>
-              <a:buFontTx/>
-              <a:buNone/>
-              <a:tabLst>
-                <a:tab pos="6113463" algn="r"/>
-              </a:tabLst>
-            </a:pPr>
-            <a:r>
-              <a:rPr lang="ru-RU" altLang="en-US" sz="2000" dirty="0">
-                <a:latin typeface="Times New Roman" panose="02020603050405020304" pitchFamily="18" charset="0"/>
-                <a:ea typeface="+mj-ea"/>
-                <a:cs typeface="Times New Roman" panose="02020603050405020304" pitchFamily="18" charset="0"/>
-              </a:rPr>
-              <a:t>     </a:t>
-            </a:r>
-            <a:r>
-              <a:rPr lang="en-US" altLang="en-US" sz="2000" dirty="0">
-                <a:latin typeface="Times New Roman" panose="02020603050405020304" pitchFamily="18" charset="0"/>
-                <a:ea typeface="+mj-ea"/>
-                <a:cs typeface="Times New Roman" panose="02020603050405020304" pitchFamily="18" charset="0"/>
-              </a:rPr>
-              <a:t>3</a:t>
-            </a:r>
-            <a:r>
-              <a:rPr lang="ru-RU" altLang="en-US" sz="2000" dirty="0">
-                <a:latin typeface="Times New Roman" panose="02020603050405020304" pitchFamily="18" charset="0"/>
-                <a:ea typeface="+mj-ea"/>
-                <a:cs typeface="Times New Roman" panose="02020603050405020304" pitchFamily="18" charset="0"/>
-              </a:rPr>
-              <a:t>.2 Алгоритм построения классификатора</a:t>
-            </a:r>
-            <a:endParaRPr lang="en-US" altLang="en-US" sz="2000" dirty="0">
-              <a:latin typeface="Times New Roman" panose="02020603050405020304" pitchFamily="18" charset="0"/>
-              <a:ea typeface="+mj-ea"/>
-              <a:cs typeface="Times New Roman" panose="02020603050405020304" pitchFamily="18" charset="0"/>
-            </a:endParaRPr>
-          </a:p>
-          <a:p>
-            <a:pPr marL="0" marR="0" lvl="0" indent="0" algn="l" defTabSz="914400" rtl="0" eaLnBrk="0" fontAlgn="base" latinLnBrk="0" hangingPunct="0">
-              <a:lnSpc>
-                <a:spcPct val="100000"/>
-              </a:lnSpc>
-              <a:spcBef>
-                <a:spcPct val="0"/>
-              </a:spcBef>
-              <a:spcAft>
-                <a:spcPct val="0"/>
-              </a:spcAft>
-              <a:buClrTx/>
-              <a:buSzTx/>
-              <a:buFontTx/>
-              <a:buNone/>
-              <a:tabLst>
-                <a:tab pos="6113463" algn="r"/>
-              </a:tabLst>
-            </a:pPr>
-            <a:r>
-              <a:rPr lang="ru-RU" altLang="en-US" sz="2000" dirty="0">
-                <a:latin typeface="Times New Roman" panose="02020603050405020304" pitchFamily="18" charset="0"/>
-                <a:ea typeface="+mj-ea"/>
-                <a:cs typeface="Times New Roman" panose="02020603050405020304" pitchFamily="18" charset="0"/>
-              </a:rPr>
-              <a:t>     </a:t>
-            </a:r>
-            <a:r>
-              <a:rPr lang="en-US" altLang="en-US" sz="2000" dirty="0">
-                <a:latin typeface="Times New Roman" panose="02020603050405020304" pitchFamily="18" charset="0"/>
-                <a:ea typeface="+mj-ea"/>
-                <a:cs typeface="Times New Roman" panose="02020603050405020304" pitchFamily="18" charset="0"/>
-              </a:rPr>
-              <a:t>3</a:t>
-            </a:r>
-            <a:r>
-              <a:rPr lang="ru-RU" altLang="en-US" sz="2000" dirty="0">
-                <a:latin typeface="Times New Roman" panose="02020603050405020304" pitchFamily="18" charset="0"/>
-                <a:ea typeface="+mj-ea"/>
-                <a:cs typeface="Times New Roman" panose="02020603050405020304" pitchFamily="18" charset="0"/>
-              </a:rPr>
-              <a:t>.3 Выводы</a:t>
-            </a:r>
-          </a:p>
-          <a:p>
-            <a:pPr marL="0" indent="0">
-              <a:buNone/>
-            </a:pPr>
-            <a:r>
-              <a:rPr lang="ru-RU" sz="2000" dirty="0">
-                <a:latin typeface="Times New Roman" panose="02020603050405020304" pitchFamily="18" charset="0"/>
-                <a:ea typeface="+mj-ea"/>
-                <a:cs typeface="Times New Roman" panose="02020603050405020304" pitchFamily="18" charset="0"/>
-              </a:rPr>
-              <a:t>Глава 4 Создание программного средства</a:t>
-            </a:r>
-            <a:endParaRPr lang="en-US" sz="2000" dirty="0">
-              <a:latin typeface="Times New Roman" panose="02020603050405020304" pitchFamily="18" charset="0"/>
-              <a:ea typeface="+mj-ea"/>
-              <a:cs typeface="Times New Roman" panose="02020603050405020304" pitchFamily="18" charset="0"/>
-            </a:endParaRPr>
-          </a:p>
-          <a:p>
-            <a:pPr marL="0" indent="0">
-              <a:buNone/>
-            </a:pPr>
-            <a:r>
-              <a:rPr lang="ru-RU" sz="2000" dirty="0">
-                <a:latin typeface="Times New Roman" panose="02020603050405020304" pitchFamily="18" charset="0"/>
-                <a:ea typeface="+mj-ea"/>
-                <a:cs typeface="Times New Roman" panose="02020603050405020304" pitchFamily="18" charset="0"/>
-              </a:rPr>
-              <a:t>     4.1 Реализация частей системы</a:t>
-            </a:r>
-            <a:endParaRPr lang="en-US" sz="2000" dirty="0">
-              <a:latin typeface="Times New Roman" panose="02020603050405020304" pitchFamily="18" charset="0"/>
-              <a:ea typeface="+mj-ea"/>
-              <a:cs typeface="Times New Roman" panose="02020603050405020304" pitchFamily="18" charset="0"/>
-            </a:endParaRPr>
-          </a:p>
-          <a:p>
-            <a:pPr marL="0" indent="0">
-              <a:buNone/>
-            </a:pPr>
-            <a:r>
-              <a:rPr lang="ru-RU" sz="2000" dirty="0">
-                <a:latin typeface="Times New Roman" panose="02020603050405020304" pitchFamily="18" charset="0"/>
-                <a:ea typeface="+mj-ea"/>
-                <a:cs typeface="Times New Roman" panose="02020603050405020304" pitchFamily="18" charset="0"/>
-              </a:rPr>
-              <a:t>     4.2 Реализация классификатора</a:t>
-            </a:r>
-            <a:endParaRPr lang="en-US" sz="2000" dirty="0">
-              <a:latin typeface="Times New Roman" panose="02020603050405020304" pitchFamily="18" charset="0"/>
-              <a:ea typeface="+mj-ea"/>
-              <a:cs typeface="Times New Roman" panose="02020603050405020304" pitchFamily="18" charset="0"/>
-            </a:endParaRPr>
-          </a:p>
-          <a:p>
-            <a:pPr marL="0" indent="0">
-              <a:buNone/>
-            </a:pPr>
-            <a:r>
-              <a:rPr lang="ru-RU" sz="2000" dirty="0">
-                <a:latin typeface="Times New Roman" panose="02020603050405020304" pitchFamily="18" charset="0"/>
-                <a:ea typeface="+mj-ea"/>
-                <a:cs typeface="Times New Roman" panose="02020603050405020304" pitchFamily="18" charset="0"/>
-              </a:rPr>
-              <a:t>     4.3 Резултаты тестирования программного средства</a:t>
-            </a:r>
-            <a:endParaRPr lang="en-US" sz="2000" dirty="0">
-              <a:latin typeface="Times New Roman" panose="02020603050405020304" pitchFamily="18" charset="0"/>
-              <a:ea typeface="+mj-ea"/>
-              <a:cs typeface="Times New Roman" panose="02020603050405020304" pitchFamily="18" charset="0"/>
-            </a:endParaRPr>
-          </a:p>
-          <a:p>
-            <a:pPr marL="0" indent="0">
-              <a:buNone/>
-            </a:pPr>
-            <a:r>
-              <a:rPr lang="ru-RU" sz="2000" dirty="0">
-                <a:latin typeface="Times New Roman" panose="02020603050405020304" pitchFamily="18" charset="0"/>
-                <a:ea typeface="+mj-ea"/>
-                <a:cs typeface="Times New Roman" panose="02020603050405020304" pitchFamily="18" charset="0"/>
-              </a:rPr>
-              <a:t>     4.4 Выводы</a:t>
-            </a:r>
-            <a:endParaRPr lang="en-US" altLang="en-US" sz="2000" dirty="0">
-              <a:latin typeface="Times New Roman" panose="02020603050405020304" pitchFamily="18" charset="0"/>
-              <a:ea typeface="+mj-ea"/>
-              <a:cs typeface="Times New Roman" panose="02020603050405020304" pitchFamily="18" charset="0"/>
-            </a:endParaRPr>
-          </a:p>
-        </p:txBody>
-      </p:sp>
-      <p:sp>
-        <p:nvSpPr>
-          <p:cNvPr id="9" name="Title 1">
-            <a:extLst>
-              <a:ext uri="{FF2B5EF4-FFF2-40B4-BE49-F238E27FC236}">
-                <a16:creationId xmlns:a16="http://schemas.microsoft.com/office/drawing/2014/main" id="{DBE1A415-9471-48AC-BA18-CD5DEECFB167}"/>
-              </a:ext>
-            </a:extLst>
-          </p:cNvPr>
-          <p:cNvSpPr txBox="1">
-            <a:spLocks/>
-          </p:cNvSpPr>
-          <p:nvPr/>
-        </p:nvSpPr>
-        <p:spPr>
-          <a:xfrm>
-            <a:off x="838200" y="0"/>
-            <a:ext cx="10515600" cy="1325563"/>
-          </a:xfrm>
-          <a:prstGeom prst="rect">
-            <a:avLst/>
-          </a:prstGeom>
-        </p:spPr>
-        <p:txBody>
-          <a:bodyPr vert="horz" lIns="91440" tIns="45720" rIns="91440" bIns="45720" rtlCol="0" anchor="ctr">
+        <p:spPr/>
+        <p:txBody>
+          <a:bodyPr>
             <a:normAutofit/>
           </a:bodyPr>
-          <a:lstStyle>
-            <a:lvl1pPr algn="l" defTabSz="914400" rtl="0" eaLnBrk="1" latinLnBrk="0" hangingPunct="1">
-              <a:lnSpc>
-                <a:spcPct val="90000"/>
-              </a:lnSpc>
-              <a:spcBef>
-                <a:spcPct val="0"/>
-              </a:spcBef>
-              <a:buNone/>
-              <a:defRPr sz="4400" kern="1200">
-                <a:solidFill>
-                  <a:schemeClr val="tx1"/>
-                </a:solidFill>
-                <a:latin typeface="+mj-lt"/>
-                <a:ea typeface="+mj-ea"/>
-                <a:cs typeface="+mj-cs"/>
-              </a:defRPr>
-            </a:lvl1pPr>
-          </a:lstStyle>
-          <a:p>
-            <a:r>
-              <a:rPr lang="ru-RU" dirty="0">
-                <a:latin typeface="Times New Roman" panose="02020603050405020304" pitchFamily="18" charset="0"/>
-                <a:cs typeface="Times New Roman" panose="02020603050405020304" pitchFamily="18" charset="0"/>
-              </a:rPr>
-              <a:t>Структура диссертации</a:t>
-            </a:r>
-            <a:endParaRPr lang="en-US" dirty="0">
-              <a:latin typeface="Times New Roman" pitchFamily="18" charset="0"/>
+          <a:lstStyle/>
+          <a:p>
+            <a:pPr>
+              <a:buNone/>
+            </a:pPr>
+            <a:r>
+              <a:rPr lang="en-US" sz="4000" dirty="0" smtClean="0">
+                <a:cs typeface="Times New Roman" pitchFamily="18" charset="0"/>
+              </a:rPr>
+              <a:t>		</a:t>
+            </a:r>
+            <a:r>
+              <a:rPr lang="ru-RU" sz="4000" dirty="0" smtClean="0">
+                <a:cs typeface="Times New Roman" pitchFamily="18" charset="0"/>
+              </a:rPr>
+              <a:t>Обусловлена тем, </a:t>
+            </a:r>
+            <a:r>
+              <a:rPr lang="ru-RU" sz="4000" dirty="0" smtClean="0">
+                <a:cs typeface="Times New Roman" pitchFamily="18" charset="0"/>
+              </a:rPr>
+              <a:t>что на сегодняшний день людей с психологическими проблемами </a:t>
+            </a:r>
+            <a:r>
+              <a:rPr lang="ru-RU" sz="4000" dirty="0" smtClean="0">
+                <a:cs typeface="Times New Roman" pitchFamily="18" charset="0"/>
+              </a:rPr>
+              <a:t>гораздо </a:t>
+            </a:r>
+            <a:r>
+              <a:rPr lang="ru-RU" sz="4000" dirty="0" smtClean="0">
+                <a:cs typeface="Times New Roman" pitchFamily="18" charset="0"/>
+              </a:rPr>
+              <a:t>больше, чем специалистов, способных с этим справиться. </a:t>
+            </a:r>
+            <a:endParaRPr lang="en-US" sz="4000" dirty="0" smtClean="0">
               <a:cs typeface="Times New Roman" pitchFamily="18" charset="0"/>
             </a:endParaRPr>
           </a:p>
         </p:txBody>
       </p:sp>
     </p:spTree>
-    <p:extLst>
-      <p:ext uri="{BB962C8B-B14F-4D97-AF65-F5344CB8AC3E}">
-        <p14:creationId xmlns:p14="http://schemas.microsoft.com/office/powerpoint/2010/main" val="2029391329"/>
-      </p:ext>
-    </p:extLst>
   </p:cSld>
   <p:clrMapOvr>
     <a:masterClrMapping/>
@@ -7165,13 +5771,7 @@
       </p:grpSpPr>
       <p:sp>
         <p:nvSpPr>
-          <p:cNvPr id="2" name="Title 1">
-            <a:extLst>
-              <a:ext uri="{FF2B5EF4-FFF2-40B4-BE49-F238E27FC236}">
-                <a16:creationId xmlns:a16="http://schemas.microsoft.com/office/drawing/2014/main" id="{534B1CD9-66E5-4889-BA69-710F235A85BF}"/>
-              </a:ext>
-            </a:extLst>
-          </p:cNvPr>
+          <p:cNvPr id="2" name="Заголовок 1"/>
           <p:cNvSpPr>
             <a:spLocks noGrp="1"/>
           </p:cNvSpPr>
@@ -7179,38 +5779,22 @@
             <p:ph type="title"/>
           </p:nvPr>
         </p:nvSpPr>
-        <p:spPr>
-          <a:xfrm>
-            <a:off x="838200" y="0"/>
-            <a:ext cx="10515600" cy="1325563"/>
-          </a:xfrm>
-        </p:spPr>
-        <p:txBody>
-          <a:bodyPr>
-            <a:normAutofit/>
-          </a:bodyPr>
-          <a:lstStyle/>
-          <a:p>
-            <a:r>
-              <a:rPr lang="ru-RU" altLang="en-US" sz="3300" dirty="0">
-                <a:latin typeface="Times New Roman" panose="02020603050405020304" pitchFamily="18" charset="0"/>
-                <a:cs typeface="Times New Roman" panose="02020603050405020304" pitchFamily="18" charset="0"/>
-              </a:rPr>
-              <a:t>Глава 1 Анализ методов и способов распознавания психологического состояния человека</a:t>
-            </a:r>
-            <a:endParaRPr lang="en-US" dirty="0"/>
-          </a:p>
-        </p:txBody>
-      </p:sp>
-      <p:sp>
-        <p:nvSpPr>
-          <p:cNvPr id="3" name="Content Placeholder 2">
-            <a:extLst>
-              <a:ext uri="{FF2B5EF4-FFF2-40B4-BE49-F238E27FC236}">
-                <a16:creationId xmlns:a16="http://schemas.microsoft.com/office/drawing/2014/main" id="{5B9BDF27-F8E2-42AC-9F7E-58946299BC42}"/>
-              </a:ext>
-            </a:extLst>
-          </p:cNvPr>
+        <p:spPr/>
+        <p:txBody>
+          <a:bodyPr/>
+          <a:lstStyle/>
+          <a:p>
+            <a:r>
+              <a:rPr lang="ru-RU" dirty="0" smtClean="0"/>
+              <a:t>ОСОБЕННОСТИ</a:t>
+            </a:r>
+            <a:endParaRPr lang="be-BY" dirty="0"/>
+          </a:p>
+        </p:txBody>
+      </p:sp>
+      <p:sp>
+        <p:nvSpPr>
+          <p:cNvPr id="3" name="Содержимое 2"/>
           <p:cNvSpPr>
             <a:spLocks noGrp="1"/>
           </p:cNvSpPr>
@@ -7220,219 +5804,59 @@
         </p:nvSpPr>
         <p:spPr/>
         <p:txBody>
-          <a:bodyPr>
-            <a:normAutofit lnSpcReduction="10000"/>
-          </a:bodyPr>
-          <a:lstStyle/>
-          <a:p>
-            <a:pPr marL="0" indent="0" fontAlgn="base">
-              <a:buNone/>
-            </a:pPr>
-            <a:r>
-              <a:rPr lang="ru-RU" dirty="0">
-                <a:latin typeface="Times New Roman" panose="02020603050405020304" pitchFamily="18" charset="0"/>
-                <a:cs typeface="Times New Roman" panose="02020603050405020304" pitchFamily="18" charset="0"/>
-              </a:rPr>
-              <a:t>Основные функциональные возможности программного обеспечения:</a:t>
-            </a:r>
-            <a:endParaRPr lang="en-US" dirty="0">
-              <a:latin typeface="Times New Roman" panose="02020603050405020304" pitchFamily="18" charset="0"/>
-              <a:cs typeface="Times New Roman" panose="02020603050405020304" pitchFamily="18" charset="0"/>
-            </a:endParaRPr>
-          </a:p>
-          <a:p>
-            <a:pPr marL="0" indent="0">
-              <a:buNone/>
-            </a:pPr>
-            <a:r>
-              <a:rPr lang="ru-RU" dirty="0">
-                <a:latin typeface="Times New Roman" panose="02020603050405020304" pitchFamily="18" charset="0"/>
-                <a:cs typeface="Times New Roman" panose="02020603050405020304" pitchFamily="18" charset="0"/>
-              </a:rPr>
-              <a:t>– с</a:t>
-            </a:r>
-            <a:r>
-              <a:rPr lang="be-BY" dirty="0">
-                <a:latin typeface="Times New Roman" panose="02020603050405020304" pitchFamily="18" charset="0"/>
-                <a:cs typeface="Times New Roman" panose="02020603050405020304" pitchFamily="18" charset="0"/>
-              </a:rPr>
-              <a:t>оздание нового </a:t>
-            </a:r>
-            <a:r>
-              <a:rPr lang="ru-RU" dirty="0">
-                <a:latin typeface="Times New Roman" panose="02020603050405020304" pitchFamily="18" charset="0"/>
-                <a:cs typeface="Times New Roman" panose="02020603050405020304" pitchFamily="18" charset="0"/>
-              </a:rPr>
-              <a:t>пациента;</a:t>
-            </a:r>
-            <a:endParaRPr lang="en-US" dirty="0">
-              <a:latin typeface="Times New Roman" panose="02020603050405020304" pitchFamily="18" charset="0"/>
-              <a:cs typeface="Times New Roman" panose="02020603050405020304" pitchFamily="18" charset="0"/>
-            </a:endParaRPr>
-          </a:p>
-          <a:p>
-            <a:pPr marL="0" indent="0">
-              <a:buNone/>
-            </a:pPr>
-            <a:r>
-              <a:rPr lang="ru-RU" dirty="0">
-                <a:latin typeface="Times New Roman" panose="02020603050405020304" pitchFamily="18" charset="0"/>
-                <a:cs typeface="Times New Roman" panose="02020603050405020304" pitchFamily="18" charset="0"/>
-              </a:rPr>
-              <a:t>– с</a:t>
-            </a:r>
-            <a:r>
-              <a:rPr lang="be-BY" dirty="0">
-                <a:latin typeface="Times New Roman" panose="02020603050405020304" pitchFamily="18" charset="0"/>
-                <a:cs typeface="Times New Roman" panose="02020603050405020304" pitchFamily="18" charset="0"/>
-              </a:rPr>
-              <a:t>оздание нового </a:t>
-            </a:r>
-            <a:r>
-              <a:rPr lang="ru-RU" dirty="0">
-                <a:latin typeface="Times New Roman" panose="02020603050405020304" pitchFamily="18" charset="0"/>
-                <a:cs typeface="Times New Roman" panose="02020603050405020304" pitchFamily="18" charset="0"/>
-              </a:rPr>
-              <a:t>доктора;</a:t>
-            </a:r>
-            <a:endParaRPr lang="en-US" dirty="0">
-              <a:latin typeface="Times New Roman" panose="02020603050405020304" pitchFamily="18" charset="0"/>
-              <a:cs typeface="Times New Roman" panose="02020603050405020304" pitchFamily="18" charset="0"/>
-            </a:endParaRPr>
-          </a:p>
-          <a:p>
-            <a:pPr marL="0" indent="0">
-              <a:buNone/>
-            </a:pPr>
-            <a:r>
-              <a:rPr lang="ru-RU" dirty="0">
-                <a:latin typeface="Times New Roman" panose="02020603050405020304" pitchFamily="18" charset="0"/>
-                <a:cs typeface="Times New Roman" panose="02020603050405020304" pitchFamily="18" charset="0"/>
-              </a:rPr>
-              <a:t>– в</a:t>
-            </a:r>
-            <a:r>
-              <a:rPr lang="be-BY" dirty="0">
-                <a:latin typeface="Times New Roman" panose="02020603050405020304" pitchFamily="18" charset="0"/>
-                <a:cs typeface="Times New Roman" panose="02020603050405020304" pitchFamily="18" charset="0"/>
-              </a:rPr>
-              <a:t>озможность отслеживать </a:t>
-            </a:r>
-            <a:r>
-              <a:rPr lang="ru-RU" dirty="0">
-                <a:latin typeface="Times New Roman" panose="02020603050405020304" pitchFamily="18" charset="0"/>
-                <a:cs typeface="Times New Roman" panose="02020603050405020304" pitchFamily="18" charset="0"/>
-              </a:rPr>
-              <a:t>звонки пациента;</a:t>
-            </a:r>
-            <a:endParaRPr lang="en-US" dirty="0">
-              <a:latin typeface="Times New Roman" panose="02020603050405020304" pitchFamily="18" charset="0"/>
-              <a:cs typeface="Times New Roman" panose="02020603050405020304" pitchFamily="18" charset="0"/>
-            </a:endParaRPr>
-          </a:p>
-          <a:p>
-            <a:pPr marL="0" indent="0">
-              <a:buNone/>
-            </a:pPr>
-            <a:r>
-              <a:rPr lang="ru-RU" dirty="0">
-                <a:latin typeface="Times New Roman" panose="02020603050405020304" pitchFamily="18" charset="0"/>
-                <a:cs typeface="Times New Roman" panose="02020603050405020304" pitchFamily="18" charset="0"/>
-              </a:rPr>
-              <a:t>– в</a:t>
-            </a:r>
-            <a:r>
-              <a:rPr lang="be-BY" dirty="0">
-                <a:latin typeface="Times New Roman" panose="02020603050405020304" pitchFamily="18" charset="0"/>
-                <a:cs typeface="Times New Roman" panose="02020603050405020304" pitchFamily="18" charset="0"/>
-              </a:rPr>
-              <a:t>озможность отслеживать </a:t>
-            </a:r>
-            <a:r>
-              <a:rPr lang="ru-RU" dirty="0">
-                <a:latin typeface="Times New Roman" panose="02020603050405020304" pitchFamily="18" charset="0"/>
-                <a:cs typeface="Times New Roman" panose="02020603050405020304" pitchFamily="18" charset="0"/>
-              </a:rPr>
-              <a:t>сообщения пациента;</a:t>
-            </a:r>
-            <a:endParaRPr lang="en-US" dirty="0">
-              <a:latin typeface="Times New Roman" panose="02020603050405020304" pitchFamily="18" charset="0"/>
-              <a:cs typeface="Times New Roman" panose="02020603050405020304" pitchFamily="18" charset="0"/>
-            </a:endParaRPr>
-          </a:p>
-          <a:p>
-            <a:pPr marL="0" indent="0">
-              <a:buNone/>
-            </a:pPr>
-            <a:r>
-              <a:rPr lang="ru-RU" dirty="0">
-                <a:latin typeface="Times New Roman" panose="02020603050405020304" pitchFamily="18" charset="0"/>
-                <a:cs typeface="Times New Roman" panose="02020603050405020304" pitchFamily="18" charset="0"/>
-              </a:rPr>
-              <a:t>– в</a:t>
-            </a:r>
-            <a:r>
-              <a:rPr lang="be-BY" dirty="0">
-                <a:latin typeface="Times New Roman" panose="02020603050405020304" pitchFamily="18" charset="0"/>
-                <a:cs typeface="Times New Roman" panose="02020603050405020304" pitchFamily="18" charset="0"/>
-              </a:rPr>
-              <a:t>озможность отслеживать </a:t>
-            </a:r>
-            <a:r>
-              <a:rPr lang="ru-RU" dirty="0">
-                <a:latin typeface="Times New Roman" panose="02020603050405020304" pitchFamily="18" charset="0"/>
-                <a:cs typeface="Times New Roman" panose="02020603050405020304" pitchFamily="18" charset="0"/>
-              </a:rPr>
-              <a:t>перемещения пациента;</a:t>
-            </a:r>
-            <a:endParaRPr lang="en-US" dirty="0">
-              <a:latin typeface="Times New Roman" panose="02020603050405020304" pitchFamily="18" charset="0"/>
-              <a:cs typeface="Times New Roman" panose="02020603050405020304" pitchFamily="18" charset="0"/>
-            </a:endParaRPr>
-          </a:p>
-          <a:p>
-            <a:pPr marL="0" indent="0">
-              <a:buNone/>
-            </a:pPr>
-            <a:r>
-              <a:rPr lang="ru-RU" dirty="0">
-                <a:latin typeface="Times New Roman" panose="02020603050405020304" pitchFamily="18" charset="0"/>
-                <a:cs typeface="Times New Roman" panose="02020603050405020304" pitchFamily="18" charset="0"/>
-              </a:rPr>
-              <a:t>– предоставление детальной информации о пациенте;</a:t>
-            </a:r>
-            <a:endParaRPr lang="en-US" dirty="0">
-              <a:latin typeface="Times New Roman" panose="02020603050405020304" pitchFamily="18" charset="0"/>
-              <a:cs typeface="Times New Roman" panose="02020603050405020304" pitchFamily="18" charset="0"/>
-            </a:endParaRPr>
-          </a:p>
-          <a:p>
-            <a:pPr marL="0" indent="0">
-              <a:buNone/>
-            </a:pPr>
-            <a:r>
-              <a:rPr lang="ru-RU" dirty="0">
-                <a:latin typeface="Times New Roman" panose="02020603050405020304" pitchFamily="18" charset="0"/>
-                <a:cs typeface="Times New Roman" panose="02020603050405020304" pitchFamily="18" charset="0"/>
-              </a:rPr>
-              <a:t>– определение возможного психологического состояния пациента.</a:t>
-            </a:r>
-            <a:endParaRPr lang="en-US" dirty="0">
-              <a:latin typeface="Times New Roman" panose="02020603050405020304" pitchFamily="18" charset="0"/>
-              <a:cs typeface="Times New Roman" panose="02020603050405020304" pitchFamily="18" charset="0"/>
-            </a:endParaRPr>
-          </a:p>
-          <a:p>
-            <a:endParaRPr lang="en-US" dirty="0"/>
+          <a:bodyPr/>
+          <a:lstStyle/>
+          <a:p>
+            <a:r>
+              <a:rPr lang="ru-RU" dirty="0" smtClean="0"/>
+              <a:t>Конфигурационный модуль позволяет гибко настроить среду для тестирования</a:t>
+            </a:r>
+          </a:p>
+          <a:p>
+            <a:r>
+              <a:rPr lang="ru-RU" dirty="0" smtClean="0"/>
+              <a:t>Библиотеки для удобного взаимодействия программиста с окном браузера</a:t>
+            </a:r>
+          </a:p>
+          <a:p>
+            <a:r>
+              <a:rPr lang="en-US" b="1" dirty="0" smtClean="0"/>
+              <a:t>Check API </a:t>
+            </a:r>
+            <a:r>
+              <a:rPr lang="en-US" dirty="0" smtClean="0"/>
+              <a:t>– </a:t>
+            </a:r>
+            <a:r>
+              <a:rPr lang="ru-RU" dirty="0" smtClean="0"/>
+              <a:t>программный интерфейс, повышающий удобство совершения проверок</a:t>
+            </a:r>
+          </a:p>
+          <a:p>
+            <a:r>
+              <a:rPr lang="ru-RU" dirty="0" smtClean="0"/>
+              <a:t>Нацеленность на возможность написания </a:t>
+            </a:r>
+            <a:r>
+              <a:rPr lang="ru-RU" dirty="0" err="1" smtClean="0"/>
+              <a:t>удобночитаемого</a:t>
+            </a:r>
+            <a:r>
+              <a:rPr lang="ru-RU" dirty="0" smtClean="0"/>
+              <a:t> </a:t>
+            </a:r>
+            <a:r>
+              <a:rPr lang="ru-RU" dirty="0" smtClean="0"/>
+              <a:t>кода</a:t>
+            </a:r>
+            <a:endParaRPr lang="be-BY" dirty="0" smtClean="0"/>
+          </a:p>
+          <a:p>
+            <a:endParaRPr lang="ru-RU" dirty="0" smtClean="0"/>
           </a:p>
         </p:txBody>
       </p:sp>
     </p:spTree>
-    <p:extLst>
-      <p:ext uri="{BB962C8B-B14F-4D97-AF65-F5344CB8AC3E}">
-        <p14:creationId xmlns:p14="http://schemas.microsoft.com/office/powerpoint/2010/main" val="1964810411"/>
-      </p:ext>
-    </p:extLst>
   </p:cSld>
   <p:clrMapOvr>
     <a:masterClrMapping/>
@@ -7459,13 +5883,7 @@
       </p:grpSpPr>
       <p:sp>
         <p:nvSpPr>
-          <p:cNvPr id="2" name="Title 1">
-            <a:extLst>
-              <a:ext uri="{FF2B5EF4-FFF2-40B4-BE49-F238E27FC236}">
-                <a16:creationId xmlns:a16="http://schemas.microsoft.com/office/drawing/2014/main" id="{BEDA222C-6E14-48F9-AEE3-51B9CDB34044}"/>
-              </a:ext>
-            </a:extLst>
-          </p:cNvPr>
+          <p:cNvPr id="2" name="Заголовок 1"/>
           <p:cNvSpPr>
             <a:spLocks noGrp="1"/>
           </p:cNvSpPr>
@@ -7473,46 +5891,18 @@
             <p:ph type="title"/>
           </p:nvPr>
         </p:nvSpPr>
-        <p:spPr>
-          <a:xfrm>
-            <a:off x="838200" y="0"/>
-            <a:ext cx="10515600" cy="1325563"/>
-          </a:xfrm>
-        </p:spPr>
-        <p:txBody>
-          <a:bodyPr>
-            <a:normAutofit/>
-          </a:bodyPr>
-          <a:lstStyle/>
-          <a:p>
-            <a:r>
-              <a:rPr lang="ru-RU" altLang="en-US" sz="3300" dirty="0">
-                <a:latin typeface="Times New Roman" panose="02020603050405020304" pitchFamily="18" charset="0"/>
-                <a:cs typeface="Times New Roman" panose="02020603050405020304" pitchFamily="18" charset="0"/>
-              </a:rPr>
-              <a:t>Глава 2 Проектирование программного средства</a:t>
-            </a:r>
-            <a:br>
-              <a:rPr lang="en-US" altLang="en-US" sz="3300" dirty="0">
-                <a:latin typeface="Times New Roman" panose="02020603050405020304" pitchFamily="18" charset="0"/>
-                <a:cs typeface="Times New Roman" panose="02020603050405020304" pitchFamily="18" charset="0"/>
-              </a:rPr>
-            </a:br>
-            <a:r>
-              <a:rPr lang="en-US" altLang="en-US" sz="3300" dirty="0">
-                <a:latin typeface="Times New Roman" panose="02020603050405020304" pitchFamily="18" charset="0"/>
-                <a:cs typeface="Times New Roman" panose="02020603050405020304" pitchFamily="18" charset="0"/>
-              </a:rPr>
-              <a:t>2</a:t>
-            </a:r>
-            <a:r>
-              <a:rPr lang="ru-RU" altLang="en-US" sz="3300" dirty="0">
-                <a:latin typeface="Times New Roman" panose="02020603050405020304" pitchFamily="18" charset="0"/>
-                <a:cs typeface="Times New Roman" panose="02020603050405020304" pitchFamily="18" charset="0"/>
-              </a:rPr>
-              <a:t>.1 Архитектура системы</a:t>
-            </a:r>
-            <a:endParaRPr lang="en-US" sz="3300" dirty="0"/>
+        <p:spPr/>
+        <p:txBody>
+          <a:bodyPr/>
+          <a:lstStyle/>
+          <a:p>
+            <a:r>
+              <a:rPr lang="ru-RU" dirty="0" smtClean="0">
+                <a:cs typeface="Times New Roman" pitchFamily="18" charset="0"/>
+              </a:rPr>
+              <a:t>Архитектура</a:t>
+            </a:r>
+            <a:endParaRPr lang="be-BY" dirty="0"/>
           </a:p>
         </p:txBody>
       </p:sp>
@@ -7521,7 +5911,7 @@
           <p:cNvPr id="4" name="Content Placeholder 3" descr="architecture">
             <a:extLst>
               <a:ext uri="{FF2B5EF4-FFF2-40B4-BE49-F238E27FC236}">
-                <a16:creationId xmlns:a16="http://schemas.microsoft.com/office/drawing/2014/main" id="{C7C92FC6-247D-4052-B167-A17F87001F97}"/>
+                <a16:creationId xmlns:a16="http://schemas.microsoft.com/office/drawing/2014/main" xmlns="" id="{C7C92FC6-247D-4052-B167-A17F87001F97}"/>
               </a:ext>
             </a:extLst>
           </p:cNvPr>
@@ -7536,7 +5926,7 @@
           <a:blip r:embed="rId2" cstate="print">
             <a:extLst>
               <a:ext uri="{28A0092B-C50C-407E-A947-70E740481C1C}">
-                <a14:useLocalDpi xmlns:a14="http://schemas.microsoft.com/office/drawing/2010/main" val="0"/>
+                <a14:useLocalDpi xmlns:a14="http://schemas.microsoft.com/office/drawing/2010/main" xmlns="" val="0"/>
               </a:ext>
             </a:extLst>
           </a:blip>
@@ -7547,8 +5937,8 @@
         </p:blipFill>
         <p:spPr bwMode="auto">
           <a:xfrm>
-            <a:off x="2095500" y="1009229"/>
-            <a:ext cx="7456487" cy="5552703"/>
+            <a:off x="1866764" y="940525"/>
+            <a:ext cx="7423517" cy="5528151"/>
           </a:xfrm>
           <a:prstGeom prst="rect">
             <a:avLst/>
@@ -7560,11 +5950,6 @@
         </p:spPr>
       </p:pic>
     </p:spTree>
-    <p:extLst>
-      <p:ext uri="{BB962C8B-B14F-4D97-AF65-F5344CB8AC3E}">
-        <p14:creationId xmlns:p14="http://schemas.microsoft.com/office/powerpoint/2010/main" val="3379339960"/>
-      </p:ext>
-    </p:extLst>
   </p:cSld>
   <p:clrMapOvr>
     <a:masterClrMapping/>
@@ -7591,13 +5976,7 @@
       </p:grpSpPr>
       <p:sp>
         <p:nvSpPr>
-          <p:cNvPr id="2" name="Title 1">
-            <a:extLst>
-              <a:ext uri="{FF2B5EF4-FFF2-40B4-BE49-F238E27FC236}">
-                <a16:creationId xmlns:a16="http://schemas.microsoft.com/office/drawing/2014/main" id="{E22AA640-D0F6-48DC-81C7-334461331090}"/>
-              </a:ext>
-            </a:extLst>
-          </p:cNvPr>
+          <p:cNvPr id="2" name="Заголовок 1"/>
           <p:cNvSpPr>
             <a:spLocks noGrp="1"/>
           </p:cNvSpPr>
@@ -7605,91 +5984,70 @@
             <p:ph type="title"/>
           </p:nvPr>
         </p:nvSpPr>
-        <p:spPr>
-          <a:xfrm>
-            <a:off x="838200" y="0"/>
-            <a:ext cx="10515600" cy="1325563"/>
-          </a:xfrm>
-        </p:spPr>
-        <p:txBody>
-          <a:bodyPr>
-            <a:normAutofit/>
-          </a:bodyPr>
-          <a:lstStyle/>
-          <a:p>
-            <a:r>
-              <a:rPr lang="ru-RU" altLang="en-US" sz="3300" dirty="0">
-                <a:latin typeface="Times New Roman" panose="02020603050405020304" pitchFamily="18" charset="0"/>
-                <a:cs typeface="Times New Roman" panose="02020603050405020304" pitchFamily="18" charset="0"/>
-              </a:rPr>
-              <a:t>Глава 2 Проектирование программного средства</a:t>
-            </a:r>
-            <a:br>
-              <a:rPr lang="en-US" altLang="en-US" sz="3300" dirty="0">
-                <a:latin typeface="Times New Roman" panose="02020603050405020304" pitchFamily="18" charset="0"/>
-                <a:cs typeface="Times New Roman" panose="02020603050405020304" pitchFamily="18" charset="0"/>
-              </a:rPr>
-            </a:br>
-            <a:r>
-              <a:rPr lang="en-US" altLang="en-US" sz="3300" dirty="0">
-                <a:latin typeface="Times New Roman" panose="02020603050405020304" pitchFamily="18" charset="0"/>
-                <a:cs typeface="Times New Roman" panose="02020603050405020304" pitchFamily="18" charset="0"/>
-              </a:rPr>
-              <a:t>2</a:t>
-            </a:r>
-            <a:r>
-              <a:rPr lang="ru-RU" altLang="en-US" sz="3300" dirty="0">
-                <a:latin typeface="Times New Roman" panose="02020603050405020304" pitchFamily="18" charset="0"/>
-                <a:cs typeface="Times New Roman" panose="02020603050405020304" pitchFamily="18" charset="0"/>
-              </a:rPr>
-              <a:t>.2 Проектирование базы данных</a:t>
-            </a:r>
-            <a:endParaRPr lang="en-US" sz="3300" dirty="0"/>
+        <p:spPr/>
+        <p:txBody>
+          <a:bodyPr/>
+          <a:lstStyle/>
+          <a:p>
+            <a:r>
+              <a:rPr lang="ru-RU" dirty="0" smtClean="0">
+                <a:ea typeface="Tahoma" pitchFamily="34" charset="0"/>
+                <a:cs typeface="Times New Roman" pitchFamily="18" charset="0"/>
+              </a:rPr>
+              <a:t>Источники </a:t>
+            </a:r>
+            <a:r>
+              <a:rPr lang="ru-RU" dirty="0" smtClean="0">
+                <a:ea typeface="Tahoma" pitchFamily="34" charset="0"/>
+                <a:cs typeface="Times New Roman" pitchFamily="18" charset="0"/>
+              </a:rPr>
+              <a:t>поведенческой информации</a:t>
+            </a:r>
+            <a:endParaRPr lang="be-BY" dirty="0"/>
           </a:p>
         </p:txBody>
       </p:sp>
       <p:pic>
         <p:nvPicPr>
-          <p:cNvPr id="4" name="Рисунок 29">
-            <a:extLst>
-              <a:ext uri="{FF2B5EF4-FFF2-40B4-BE49-F238E27FC236}">
-                <a16:creationId xmlns:a16="http://schemas.microsoft.com/office/drawing/2014/main" id="{8BFC3C22-A586-4F1B-93D5-575C37273781}"/>
-              </a:ext>
-            </a:extLst>
-          </p:cNvPr>
-          <p:cNvPicPr/>
-          <p:nvPr/>
+          <p:cNvPr id="4" name="Picture 3" descr="C:\Users\alcke\Downloads\Untitled Diagram (2).png">
+            <a:extLst>
+              <a:ext uri="{FF2B5EF4-FFF2-40B4-BE49-F238E27FC236}">
+                <a16:creationId xmlns:a16="http://schemas.microsoft.com/office/drawing/2014/main" xmlns="" id="{1287A200-7E12-4E3B-AA1E-BBAA0C2D9CF6}"/>
+              </a:ext>
+            </a:extLst>
+          </p:cNvPr>
+          <p:cNvPicPr>
+            <a:picLocks noGrp="1"/>
+          </p:cNvPicPr>
+          <p:nvPr>
+            <p:ph idx="1"/>
+          </p:nvPr>
         </p:nvPicPr>
-        <p:blipFill>
+        <p:blipFill rotWithShape="1">
           <a:blip r:embed="rId2" cstate="print"/>
-          <a:srcRect/>
-          <a:stretch>
-            <a:fillRect/>
-          </a:stretch>
+          <a:srcRect l="469" t="2551"/>
+          <a:stretch/>
         </p:blipFill>
         <p:spPr bwMode="auto">
           <a:xfrm>
-            <a:off x="2393576" y="1325563"/>
-            <a:ext cx="6669462" cy="5317284"/>
+            <a:off x="2468122" y="1825625"/>
+            <a:ext cx="7255756" cy="4351338"/>
           </a:xfrm>
           <a:prstGeom prst="rect">
             <a:avLst/>
           </a:prstGeom>
           <a:noFill/>
-          <a:ln w="9525">
+          <a:ln>
             <a:noFill/>
-            <a:miter lim="800000"/>
-            <a:headEnd/>
-            <a:tailEnd/>
           </a:ln>
+          <a:extLst>
+            <a:ext uri="{53640926-AAD7-44D8-BBD7-CCE9431645EC}">
+              <a14:shadowObscured xmlns:a14="http://schemas.microsoft.com/office/drawing/2010/main" xmlns=""/>
+            </a:ext>
+          </a:extLst>
         </p:spPr>
       </p:pic>
     </p:spTree>
-    <p:extLst>
-      <p:ext uri="{BB962C8B-B14F-4D97-AF65-F5344CB8AC3E}">
-        <p14:creationId xmlns:p14="http://schemas.microsoft.com/office/powerpoint/2010/main" val="1109601878"/>
-      </p:ext>
-    </p:extLst>
   </p:cSld>
   <p:clrMapOvr>
     <a:masterClrMapping/>
@@ -7716,13 +6074,7 @@
       </p:grpSpPr>
       <p:sp>
         <p:nvSpPr>
-          <p:cNvPr id="2" name="Title 1">
-            <a:extLst>
-              <a:ext uri="{FF2B5EF4-FFF2-40B4-BE49-F238E27FC236}">
-                <a16:creationId xmlns:a16="http://schemas.microsoft.com/office/drawing/2014/main" id="{414DA537-7923-41BA-B511-319B2C78A152}"/>
-              </a:ext>
-            </a:extLst>
-          </p:cNvPr>
+          <p:cNvPr id="2" name="Заголовок 1"/>
           <p:cNvSpPr>
             <a:spLocks noGrp="1"/>
           </p:cNvSpPr>
@@ -7730,112 +6082,63 @@
             <p:ph type="title"/>
           </p:nvPr>
         </p:nvSpPr>
-        <p:spPr>
-          <a:xfrm>
-            <a:off x="838200" y="18255"/>
-            <a:ext cx="10515600" cy="1325563"/>
-          </a:xfrm>
-        </p:spPr>
-        <p:txBody>
-          <a:bodyPr>
-            <a:normAutofit/>
-          </a:bodyPr>
-          <a:lstStyle/>
-          <a:p>
-            <a:r>
-              <a:rPr lang="ru-RU" altLang="en-US" sz="3300" dirty="0">
-                <a:latin typeface="Times New Roman" panose="02020603050405020304" pitchFamily="18" charset="0"/>
-                <a:cs typeface="Times New Roman" panose="02020603050405020304" pitchFamily="18" charset="0"/>
-              </a:rPr>
-              <a:t>Глава 2 Проектирование программного средства</a:t>
-            </a:r>
-            <a:br>
-              <a:rPr lang="en-US" altLang="en-US" sz="3300" dirty="0">
-                <a:latin typeface="Times New Roman" panose="02020603050405020304" pitchFamily="18" charset="0"/>
-                <a:cs typeface="Times New Roman" panose="02020603050405020304" pitchFamily="18" charset="0"/>
-              </a:rPr>
-            </a:br>
-            <a:r>
-              <a:rPr lang="en-US" altLang="en-US" sz="3300" dirty="0">
-                <a:latin typeface="Times New Roman" panose="02020603050405020304" pitchFamily="18" charset="0"/>
-                <a:cs typeface="Times New Roman" panose="02020603050405020304" pitchFamily="18" charset="0"/>
-              </a:rPr>
-              <a:t>2</a:t>
-            </a:r>
-            <a:r>
-              <a:rPr lang="ru-RU" altLang="en-US" sz="3300" dirty="0">
-                <a:latin typeface="Times New Roman" panose="02020603050405020304" pitchFamily="18" charset="0"/>
-                <a:cs typeface="Times New Roman" panose="02020603050405020304" pitchFamily="18" charset="0"/>
-              </a:rPr>
-              <a:t>.</a:t>
-            </a:r>
-            <a:r>
-              <a:rPr lang="en-US" altLang="en-US" sz="3300" dirty="0">
-                <a:latin typeface="Times New Roman" panose="02020603050405020304" pitchFamily="18" charset="0"/>
-                <a:cs typeface="Times New Roman" panose="02020603050405020304" pitchFamily="18" charset="0"/>
-              </a:rPr>
-              <a:t>3</a:t>
-            </a:r>
-            <a:r>
-              <a:rPr lang="ru-RU" altLang="en-US" sz="3300" dirty="0">
-                <a:latin typeface="Times New Roman" panose="02020603050405020304" pitchFamily="18" charset="0"/>
-                <a:cs typeface="Times New Roman" panose="02020603050405020304" pitchFamily="18" charset="0"/>
-              </a:rPr>
-              <a:t> </a:t>
-            </a:r>
-            <a:r>
-              <a:rPr lang="ru-RU" altLang="en-US" sz="3600" dirty="0">
-                <a:latin typeface="Times New Roman" panose="02020603050405020304" pitchFamily="18" charset="0"/>
-                <a:cs typeface="Times New Roman" panose="02020603050405020304" pitchFamily="18" charset="0"/>
-              </a:rPr>
-              <a:t>Сбор поведенческой информации</a:t>
-            </a:r>
-            <a:endParaRPr lang="en-US" sz="3300" dirty="0"/>
+        <p:spPr/>
+        <p:txBody>
+          <a:bodyPr/>
+          <a:lstStyle/>
+          <a:p>
+            <a:r>
+              <a:rPr lang="ru-RU" dirty="0" smtClean="0">
+                <a:ea typeface="Tahoma" pitchFamily="34" charset="0"/>
+                <a:cs typeface="Times New Roman" pitchFamily="18" charset="0"/>
+              </a:rPr>
+              <a:t>Модель нейронной сети</a:t>
+            </a:r>
+            <a:endParaRPr lang="be-BY" dirty="0"/>
           </a:p>
         </p:txBody>
       </p:sp>
       <p:pic>
         <p:nvPicPr>
-          <p:cNvPr id="4" name="Picture 3" descr="C:\Users\alcke\Downloads\Untitled Diagram (2).png">
-            <a:extLst>
-              <a:ext uri="{FF2B5EF4-FFF2-40B4-BE49-F238E27FC236}">
-                <a16:creationId xmlns:a16="http://schemas.microsoft.com/office/drawing/2014/main" id="{1287A200-7E12-4E3B-AA1E-BBAA0C2D9CF6}"/>
-              </a:ext>
-            </a:extLst>
-          </p:cNvPr>
-          <p:cNvPicPr/>
-          <p:nvPr/>
+          <p:cNvPr id="4" name="Рисунок 37" descr="rec">
+            <a:extLst>
+              <a:ext uri="{FF2B5EF4-FFF2-40B4-BE49-F238E27FC236}">
+                <a16:creationId xmlns:a16="http://schemas.microsoft.com/office/drawing/2014/main" xmlns="" id="{12E96A14-2305-45ED-9F76-2E5B4DF630B6}"/>
+              </a:ext>
+            </a:extLst>
+          </p:cNvPr>
+          <p:cNvPicPr>
+            <a:picLocks noGrp="1"/>
+          </p:cNvPicPr>
+          <p:nvPr>
+            <p:ph idx="1"/>
+          </p:nvPr>
         </p:nvPicPr>
-        <p:blipFill rotWithShape="1">
+        <p:blipFill>
           <a:blip r:embed="rId2" cstate="print"/>
-          <a:srcRect l="469" t="2551"/>
-          <a:stretch/>
+          <a:srcRect/>
+          <a:stretch>
+            <a:fillRect/>
+          </a:stretch>
         </p:blipFill>
         <p:spPr bwMode="auto">
           <a:xfrm>
-            <a:off x="1861666" y="1343818"/>
-            <a:ext cx="8468668" cy="5078718"/>
+            <a:off x="3464047" y="1542091"/>
+            <a:ext cx="4726365" cy="5002399"/>
           </a:xfrm>
           <a:prstGeom prst="rect">
             <a:avLst/>
           </a:prstGeom>
           <a:noFill/>
-          <a:ln>
+          <a:ln w="9525">
             <a:noFill/>
+            <a:miter lim="800000"/>
+            <a:headEnd/>
+            <a:tailEnd/>
           </a:ln>
-          <a:extLst>
-            <a:ext uri="{53640926-AAD7-44D8-BBD7-CCE9431645EC}">
-              <a14:shadowObscured xmlns:a14="http://schemas.microsoft.com/office/drawing/2010/main"/>
-            </a:ext>
-          </a:extLst>
         </p:spPr>
       </p:pic>
     </p:spTree>
-    <p:extLst>
-      <p:ext uri="{BB962C8B-B14F-4D97-AF65-F5344CB8AC3E}">
-        <p14:creationId xmlns:p14="http://schemas.microsoft.com/office/powerpoint/2010/main" val="2244663785"/>
-      </p:ext>
-    </p:extLst>
   </p:cSld>
   <p:clrMapOvr>
     <a:masterClrMapping/>
@@ -7862,109 +6165,71 @@
       </p:grpSpPr>
       <p:sp>
         <p:nvSpPr>
-          <p:cNvPr id="2" name="Title 1">
-            <a:extLst>
-              <a:ext uri="{FF2B5EF4-FFF2-40B4-BE49-F238E27FC236}">
-                <a16:creationId xmlns:a16="http://schemas.microsoft.com/office/drawing/2014/main" id="{5A5443DF-7CBE-4218-A178-FD3AE3D8A6C5}"/>
-              </a:ext>
-            </a:extLst>
-          </p:cNvPr>
+          <p:cNvPr id="2" name="Заголовок 1"/>
           <p:cNvSpPr>
             <a:spLocks noGrp="1"/>
           </p:cNvSpPr>
           <p:nvPr>
             <p:ph type="title"/>
+          </p:nvPr>
+        </p:nvSpPr>
+        <p:spPr/>
+        <p:txBody>
+          <a:bodyPr/>
+          <a:lstStyle/>
+          <a:p>
+            <a:r>
+              <a:rPr lang="ru-RU" dirty="0" smtClean="0"/>
+              <a:t>РЕЗУЛЬТАТЫ ТЕСТИРОВАНИЯ</a:t>
+            </a:r>
+            <a:endParaRPr lang="be-BY" dirty="0"/>
+          </a:p>
+        </p:txBody>
+      </p:sp>
+      <p:sp>
+        <p:nvSpPr>
+          <p:cNvPr id="9" name="Content Placeholder 2">
+            <a:extLst>
+              <a:ext uri="{FF2B5EF4-FFF2-40B4-BE49-F238E27FC236}">
+                <a16:creationId xmlns:a16="http://schemas.microsoft.com/office/drawing/2014/main" xmlns:mc="http://schemas.openxmlformats.org/markup-compatibility/2006" xmlns="" id="{CB651CB3-CFE6-4169-B406-75E73FAA9938}"/>
+              </a:ext>
+            </a:extLst>
+          </p:cNvPr>
+          <p:cNvSpPr>
+            <a:spLocks noGrp="1" noRot="1" noChangeAspect="1" noMove="1" noResize="1" noEditPoints="1" noAdjustHandles="1" noChangeArrowheads="1" noChangeShapeType="1" noTextEdit="1"/>
+          </p:cNvSpPr>
+          <p:nvPr>
+            <p:ph idx="1"/>
           </p:nvPr>
         </p:nvSpPr>
         <p:spPr>
           <a:xfrm>
-            <a:off x="838200" y="18255"/>
-            <a:ext cx="10515600" cy="1325563"/>
+            <a:off x="838200" y="1825625"/>
+            <a:ext cx="10515600" cy="3878889"/>
           </a:xfrm>
+          <a:blipFill>
+            <a:blip r:embed="rId2" cstate="print"/>
+            <a:stretch>
+              <a:fillRect l="-1217" t="-2669"/>
+            </a:stretch>
+          </a:blipFill>
         </p:spPr>
         <p:txBody>
-          <a:bodyPr>
-            <a:noAutofit/>
-          </a:bodyPr>
-          <a:lstStyle/>
-          <a:p>
-            <a:r>
-              <a:rPr lang="ru-RU" altLang="en-US" sz="3300" dirty="0">
-                <a:latin typeface="Times New Roman" panose="02020603050405020304" pitchFamily="18" charset="0"/>
-                <a:cs typeface="Times New Roman" panose="02020603050405020304" pitchFamily="18" charset="0"/>
-              </a:rPr>
-              <a:t>Глава 3 Построение классификатора с использованием искусственных нейронных сетей</a:t>
-            </a:r>
-            <a:br>
-              <a:rPr lang="en-US" altLang="en-US" sz="3300" dirty="0">
-                <a:latin typeface="Times New Roman" panose="02020603050405020304" pitchFamily="18" charset="0"/>
-                <a:cs typeface="Times New Roman" panose="02020603050405020304" pitchFamily="18" charset="0"/>
-              </a:rPr>
-            </a:br>
-            <a:r>
-              <a:rPr lang="en-US" altLang="en-US" sz="3300" dirty="0">
-                <a:latin typeface="Times New Roman" panose="02020603050405020304" pitchFamily="18" charset="0"/>
-                <a:cs typeface="Times New Roman" panose="02020603050405020304" pitchFamily="18" charset="0"/>
-              </a:rPr>
-              <a:t>3.1 </a:t>
-            </a:r>
-            <a:r>
-              <a:rPr lang="ru-RU" altLang="en-US" sz="3300" dirty="0">
-                <a:latin typeface="Times New Roman" panose="02020603050405020304" pitchFamily="18" charset="0"/>
-                <a:cs typeface="Times New Roman" panose="02020603050405020304" pitchFamily="18" charset="0"/>
-              </a:rPr>
-              <a:t>Нейронные сети</a:t>
-            </a:r>
-            <a:endParaRPr lang="en-US" sz="3300" dirty="0"/>
-          </a:p>
-        </p:txBody>
-      </p:sp>
-      <p:pic>
-        <p:nvPicPr>
-          <p:cNvPr id="4" name="Рисунок 37" descr="rec">
-            <a:extLst>
-              <a:ext uri="{FF2B5EF4-FFF2-40B4-BE49-F238E27FC236}">
-                <a16:creationId xmlns:a16="http://schemas.microsoft.com/office/drawing/2014/main" id="{12E96A14-2305-45ED-9F76-2E5B4DF630B6}"/>
-              </a:ext>
-            </a:extLst>
-          </p:cNvPr>
-          <p:cNvPicPr>
-            <a:picLocks noGrp="1"/>
-          </p:cNvPicPr>
-          <p:nvPr>
-            <p:ph idx="1"/>
-          </p:nvPr>
-        </p:nvPicPr>
-        <p:blipFill>
-          <a:blip r:embed="rId2" cstate="print"/>
-          <a:srcRect/>
-          <a:stretch>
-            <a:fillRect/>
-          </a:stretch>
-        </p:blipFill>
-        <p:spPr bwMode="auto">
-          <a:xfrm>
-            <a:off x="3501421" y="1343818"/>
-            <a:ext cx="4998465" cy="5290390"/>
-          </a:xfrm>
-          <a:prstGeom prst="rect">
-            <a:avLst/>
-          </a:prstGeom>
-          <a:noFill/>
-          <a:ln w="9525">
-            <a:noFill/>
-            <a:miter lim="800000"/>
-            <a:headEnd/>
-            <a:tailEnd/>
-          </a:ln>
-        </p:spPr>
-      </p:pic>
+          <a:bodyPr/>
+          <a:lstStyle/>
+          <a:p>
+            <a:r>
+              <a:rPr lang="en-US" dirty="0">
+                <a:noFill/>
+                <a:latin typeface="Times New Roman" pitchFamily="18" charset="0"/>
+                <a:cs typeface="Times New Roman" pitchFamily="18" charset="0"/>
+              </a:rPr>
+              <a:t> </a:t>
+            </a:r>
+          </a:p>
+        </p:txBody>
+      </p:sp>
     </p:spTree>
-    <p:extLst>
-      <p:ext uri="{BB962C8B-B14F-4D97-AF65-F5344CB8AC3E}">
-        <p14:creationId xmlns:p14="http://schemas.microsoft.com/office/powerpoint/2010/main" val="3090996631"/>
-      </p:ext>
-    </p:extLst>
   </p:cSld>
   <p:clrMapOvr>
     <a:masterClrMapping/>
@@ -8261,7 +6526,7 @@
   <a:extraClrSchemeLst/>
   <a:extLst>
     <a:ext uri="{05A4C25C-085E-4340-85A3-A5531E510DB2}">
-      <thm15:themeFamily xmlns:thm15="http://schemas.microsoft.com/office/thememl/2012/main" name="Office Theme" id="{62F939B6-93AF-4DB8-9C6B-D6C7DFDC589F}" vid="{4A3C46E8-61CC-4603-A589-7422A47A8E4A}"/>
+      <thm15:themeFamily xmlns:thm15="http://schemas.microsoft.com/office/thememl/2012/main" xmlns="" name="Office Theme" id="{62F939B6-93AF-4DB8-9C6B-D6C7DFDC589F}" vid="{4A3C46E8-61CC-4603-A589-7422A47A8E4A}"/>
     </a:ext>
   </a:extLst>
 </a:theme>

--- a/Алькевич А.С/Презентация.pptx
+++ b/Алькевич А.С/Презентация.pptx
@@ -17,12 +17,6 @@
     <p:sldId id="288" r:id="rId11"/>
     <p:sldId id="290" r:id="rId12"/>
     <p:sldId id="291" r:id="rId13"/>
-    <p:sldId id="269" r:id="rId14"/>
-    <p:sldId id="273" r:id="rId15"/>
-    <p:sldId id="274" r:id="rId16"/>
-    <p:sldId id="275" r:id="rId17"/>
-    <p:sldId id="280" r:id="rId18"/>
-    <p:sldId id="257" r:id="rId19"/>
   </p:sldIdLst>
   <p:sldSz cx="12192000" cy="6858000"/>
   <p:notesSz cx="6858000" cy="9144000"/>
@@ -123,7 +117,7 @@
   </p:defaultTextStyle>
   <p:extLst>
     <p:ext uri="{EFAFB233-063F-42B5-8137-9DF3F51BA10A}">
-      <p15:sldGuideLst xmlns:p15="http://schemas.microsoft.com/office/powerpoint/2012/main" xmlns="">
+      <p15:sldGuideLst xmlns:p15="http://schemas.microsoft.com/office/powerpoint/2012/main">
         <p15:guide id="1" orient="horz" pos="2160">
           <p15:clr>
             <a:srgbClr val="A4A3A4"/>
@@ -162,7 +156,7 @@
           <p:cNvPr id="2" name="Title 1">
             <a:extLst>
               <a:ext uri="{FF2B5EF4-FFF2-40B4-BE49-F238E27FC236}">
-                <a16:creationId xmlns:a16="http://schemas.microsoft.com/office/drawing/2014/main" xmlns="" id="{075A325B-EC82-4904-A9A2-236D01B3D7AC}"/>
+                <a16:creationId xmlns:a16="http://schemas.microsoft.com/office/drawing/2014/main" id="{075A325B-EC82-4904-A9A2-236D01B3D7AC}"/>
               </a:ext>
             </a:extLst>
           </p:cNvPr>
@@ -199,7 +193,7 @@
           <p:cNvPr id="3" name="Subtitle 2">
             <a:extLst>
               <a:ext uri="{FF2B5EF4-FFF2-40B4-BE49-F238E27FC236}">
-                <a16:creationId xmlns:a16="http://schemas.microsoft.com/office/drawing/2014/main" xmlns="" id="{A59E1933-8127-4E9F-B8CD-A242D0E1A9CB}"/>
+                <a16:creationId xmlns:a16="http://schemas.microsoft.com/office/drawing/2014/main" id="{A59E1933-8127-4E9F-B8CD-A242D0E1A9CB}"/>
               </a:ext>
             </a:extLst>
           </p:cNvPr>
@@ -269,7 +263,7 @@
           <p:cNvPr id="4" name="Date Placeholder 3">
             <a:extLst>
               <a:ext uri="{FF2B5EF4-FFF2-40B4-BE49-F238E27FC236}">
-                <a16:creationId xmlns:a16="http://schemas.microsoft.com/office/drawing/2014/main" xmlns="" id="{3500B7BE-606D-4F3C-B108-44C68BB6C70F}"/>
+                <a16:creationId xmlns:a16="http://schemas.microsoft.com/office/drawing/2014/main" id="{3500B7BE-606D-4F3C-B108-44C68BB6C70F}"/>
               </a:ext>
             </a:extLst>
           </p:cNvPr>
@@ -299,7 +293,7 @@
           <p:cNvPr id="5" name="Footer Placeholder 4">
             <a:extLst>
               <a:ext uri="{FF2B5EF4-FFF2-40B4-BE49-F238E27FC236}">
-                <a16:creationId xmlns:a16="http://schemas.microsoft.com/office/drawing/2014/main" xmlns="" id="{C5D4B445-95D6-4B06-8E21-61D5BFF5B2F6}"/>
+                <a16:creationId xmlns:a16="http://schemas.microsoft.com/office/drawing/2014/main" id="{C5D4B445-95D6-4B06-8E21-61D5BFF5B2F6}"/>
               </a:ext>
             </a:extLst>
           </p:cNvPr>
@@ -324,7 +318,7 @@
           <p:cNvPr id="6" name="Slide Number Placeholder 5">
             <a:extLst>
               <a:ext uri="{FF2B5EF4-FFF2-40B4-BE49-F238E27FC236}">
-                <a16:creationId xmlns:a16="http://schemas.microsoft.com/office/drawing/2014/main" xmlns="" id="{50F38575-7DF0-4297-9FD3-A6723369B92D}"/>
+                <a16:creationId xmlns:a16="http://schemas.microsoft.com/office/drawing/2014/main" id="{50F38575-7DF0-4297-9FD3-A6723369B92D}"/>
               </a:ext>
             </a:extLst>
           </p:cNvPr>
@@ -352,7 +346,7 @@
     </p:spTree>
     <p:extLst>
       <p:ext uri="{BB962C8B-B14F-4D97-AF65-F5344CB8AC3E}">
-        <p14:creationId xmlns:p14="http://schemas.microsoft.com/office/powerpoint/2010/main" xmlns="" val="3779878831"/>
+        <p14:creationId xmlns:p14="http://schemas.microsoft.com/office/powerpoint/2010/main" val="3779878831"/>
       </p:ext>
     </p:extLst>
   </p:cSld>
@@ -384,7 +378,7 @@
           <p:cNvPr id="2" name="Title 1">
             <a:extLst>
               <a:ext uri="{FF2B5EF4-FFF2-40B4-BE49-F238E27FC236}">
-                <a16:creationId xmlns:a16="http://schemas.microsoft.com/office/drawing/2014/main" xmlns="" id="{DBB4BB53-F640-4B09-A8D2-2C26B5F06F21}"/>
+                <a16:creationId xmlns:a16="http://schemas.microsoft.com/office/drawing/2014/main" id="{DBB4BB53-F640-4B09-A8D2-2C26B5F06F21}"/>
               </a:ext>
             </a:extLst>
           </p:cNvPr>
@@ -412,7 +406,7 @@
           <p:cNvPr id="3" name="Vertical Text Placeholder 2">
             <a:extLst>
               <a:ext uri="{FF2B5EF4-FFF2-40B4-BE49-F238E27FC236}">
-                <a16:creationId xmlns:a16="http://schemas.microsoft.com/office/drawing/2014/main" xmlns="" id="{497674D4-4594-4E03-9FBF-49B9AE47E974}"/>
+                <a16:creationId xmlns:a16="http://schemas.microsoft.com/office/drawing/2014/main" id="{497674D4-4594-4E03-9FBF-49B9AE47E974}"/>
               </a:ext>
             </a:extLst>
           </p:cNvPr>
@@ -469,7 +463,7 @@
           <p:cNvPr id="4" name="Date Placeholder 3">
             <a:extLst>
               <a:ext uri="{FF2B5EF4-FFF2-40B4-BE49-F238E27FC236}">
-                <a16:creationId xmlns:a16="http://schemas.microsoft.com/office/drawing/2014/main" xmlns="" id="{A95BDF95-B9D3-4364-A25B-093D6E972F4C}"/>
+                <a16:creationId xmlns:a16="http://schemas.microsoft.com/office/drawing/2014/main" id="{A95BDF95-B9D3-4364-A25B-093D6E972F4C}"/>
               </a:ext>
             </a:extLst>
           </p:cNvPr>
@@ -499,7 +493,7 @@
           <p:cNvPr id="5" name="Footer Placeholder 4">
             <a:extLst>
               <a:ext uri="{FF2B5EF4-FFF2-40B4-BE49-F238E27FC236}">
-                <a16:creationId xmlns:a16="http://schemas.microsoft.com/office/drawing/2014/main" xmlns="" id="{FA50CD65-423B-44F6-B467-E532CC2EC677}"/>
+                <a16:creationId xmlns:a16="http://schemas.microsoft.com/office/drawing/2014/main" id="{FA50CD65-423B-44F6-B467-E532CC2EC677}"/>
               </a:ext>
             </a:extLst>
           </p:cNvPr>
@@ -524,7 +518,7 @@
           <p:cNvPr id="6" name="Slide Number Placeholder 5">
             <a:extLst>
               <a:ext uri="{FF2B5EF4-FFF2-40B4-BE49-F238E27FC236}">
-                <a16:creationId xmlns:a16="http://schemas.microsoft.com/office/drawing/2014/main" xmlns="" id="{B8382766-6D75-4861-B8AE-BF79A4C54DB0}"/>
+                <a16:creationId xmlns:a16="http://schemas.microsoft.com/office/drawing/2014/main" id="{B8382766-6D75-4861-B8AE-BF79A4C54DB0}"/>
               </a:ext>
             </a:extLst>
           </p:cNvPr>
@@ -552,7 +546,7 @@
     </p:spTree>
     <p:extLst>
       <p:ext uri="{BB962C8B-B14F-4D97-AF65-F5344CB8AC3E}">
-        <p14:creationId xmlns:p14="http://schemas.microsoft.com/office/powerpoint/2010/main" xmlns="" val="823327709"/>
+        <p14:creationId xmlns:p14="http://schemas.microsoft.com/office/powerpoint/2010/main" val="823327709"/>
       </p:ext>
     </p:extLst>
   </p:cSld>
@@ -584,7 +578,7 @@
           <p:cNvPr id="2" name="Vertical Title 1">
             <a:extLst>
               <a:ext uri="{FF2B5EF4-FFF2-40B4-BE49-F238E27FC236}">
-                <a16:creationId xmlns:a16="http://schemas.microsoft.com/office/drawing/2014/main" xmlns="" id="{9B9A79F7-4200-4CF1-BE75-80032BC9DDCE}"/>
+                <a16:creationId xmlns:a16="http://schemas.microsoft.com/office/drawing/2014/main" id="{9B9A79F7-4200-4CF1-BE75-80032BC9DDCE}"/>
               </a:ext>
             </a:extLst>
           </p:cNvPr>
@@ -617,7 +611,7 @@
           <p:cNvPr id="3" name="Vertical Text Placeholder 2">
             <a:extLst>
               <a:ext uri="{FF2B5EF4-FFF2-40B4-BE49-F238E27FC236}">
-                <a16:creationId xmlns:a16="http://schemas.microsoft.com/office/drawing/2014/main" xmlns="" id="{B15DEFFF-9D7C-45D1-A0A5-43719CECA94F}"/>
+                <a16:creationId xmlns:a16="http://schemas.microsoft.com/office/drawing/2014/main" id="{B15DEFFF-9D7C-45D1-A0A5-43719CECA94F}"/>
               </a:ext>
             </a:extLst>
           </p:cNvPr>
@@ -679,7 +673,7 @@
           <p:cNvPr id="4" name="Date Placeholder 3">
             <a:extLst>
               <a:ext uri="{FF2B5EF4-FFF2-40B4-BE49-F238E27FC236}">
-                <a16:creationId xmlns:a16="http://schemas.microsoft.com/office/drawing/2014/main" xmlns="" id="{2C670662-7C96-4DA1-A035-60BAA00D12FA}"/>
+                <a16:creationId xmlns:a16="http://schemas.microsoft.com/office/drawing/2014/main" id="{2C670662-7C96-4DA1-A035-60BAA00D12FA}"/>
               </a:ext>
             </a:extLst>
           </p:cNvPr>
@@ -709,7 +703,7 @@
           <p:cNvPr id="5" name="Footer Placeholder 4">
             <a:extLst>
               <a:ext uri="{FF2B5EF4-FFF2-40B4-BE49-F238E27FC236}">
-                <a16:creationId xmlns:a16="http://schemas.microsoft.com/office/drawing/2014/main" xmlns="" id="{99E0F936-D249-4792-8247-6CDB1E3B811E}"/>
+                <a16:creationId xmlns:a16="http://schemas.microsoft.com/office/drawing/2014/main" id="{99E0F936-D249-4792-8247-6CDB1E3B811E}"/>
               </a:ext>
             </a:extLst>
           </p:cNvPr>
@@ -734,7 +728,7 @@
           <p:cNvPr id="6" name="Slide Number Placeholder 5">
             <a:extLst>
               <a:ext uri="{FF2B5EF4-FFF2-40B4-BE49-F238E27FC236}">
-                <a16:creationId xmlns:a16="http://schemas.microsoft.com/office/drawing/2014/main" xmlns="" id="{443CC790-7FB8-491E-89D4-24CB3AEC6490}"/>
+                <a16:creationId xmlns:a16="http://schemas.microsoft.com/office/drawing/2014/main" id="{443CC790-7FB8-491E-89D4-24CB3AEC6490}"/>
               </a:ext>
             </a:extLst>
           </p:cNvPr>
@@ -762,7 +756,7 @@
     </p:spTree>
     <p:extLst>
       <p:ext uri="{BB962C8B-B14F-4D97-AF65-F5344CB8AC3E}">
-        <p14:creationId xmlns:p14="http://schemas.microsoft.com/office/powerpoint/2010/main" xmlns="" val="3030679375"/>
+        <p14:creationId xmlns:p14="http://schemas.microsoft.com/office/powerpoint/2010/main" val="3030679375"/>
       </p:ext>
     </p:extLst>
   </p:cSld>
@@ -794,7 +788,7 @@
           <p:cNvPr id="2" name="Title 1">
             <a:extLst>
               <a:ext uri="{FF2B5EF4-FFF2-40B4-BE49-F238E27FC236}">
-                <a16:creationId xmlns:a16="http://schemas.microsoft.com/office/drawing/2014/main" xmlns="" id="{60833AB4-6484-462E-A3CC-829E6ECAEFBA}"/>
+                <a16:creationId xmlns:a16="http://schemas.microsoft.com/office/drawing/2014/main" id="{60833AB4-6484-462E-A3CC-829E6ECAEFBA}"/>
               </a:ext>
             </a:extLst>
           </p:cNvPr>
@@ -822,7 +816,7 @@
           <p:cNvPr id="3" name="Content Placeholder 2">
             <a:extLst>
               <a:ext uri="{FF2B5EF4-FFF2-40B4-BE49-F238E27FC236}">
-                <a16:creationId xmlns:a16="http://schemas.microsoft.com/office/drawing/2014/main" xmlns="" id="{A2C5186C-7C10-498B-8A1D-A1A431132C11}"/>
+                <a16:creationId xmlns:a16="http://schemas.microsoft.com/office/drawing/2014/main" id="{A2C5186C-7C10-498B-8A1D-A1A431132C11}"/>
               </a:ext>
             </a:extLst>
           </p:cNvPr>
@@ -879,7 +873,7 @@
           <p:cNvPr id="4" name="Date Placeholder 3">
             <a:extLst>
               <a:ext uri="{FF2B5EF4-FFF2-40B4-BE49-F238E27FC236}">
-                <a16:creationId xmlns:a16="http://schemas.microsoft.com/office/drawing/2014/main" xmlns="" id="{E7021A96-81DC-4AD0-ACA8-04C99423CF80}"/>
+                <a16:creationId xmlns:a16="http://schemas.microsoft.com/office/drawing/2014/main" id="{E7021A96-81DC-4AD0-ACA8-04C99423CF80}"/>
               </a:ext>
             </a:extLst>
           </p:cNvPr>
@@ -909,7 +903,7 @@
           <p:cNvPr id="5" name="Footer Placeholder 4">
             <a:extLst>
               <a:ext uri="{FF2B5EF4-FFF2-40B4-BE49-F238E27FC236}">
-                <a16:creationId xmlns:a16="http://schemas.microsoft.com/office/drawing/2014/main" xmlns="" id="{37D91247-1896-4CBF-ADAA-2B57647FB807}"/>
+                <a16:creationId xmlns:a16="http://schemas.microsoft.com/office/drawing/2014/main" id="{37D91247-1896-4CBF-ADAA-2B57647FB807}"/>
               </a:ext>
             </a:extLst>
           </p:cNvPr>
@@ -934,7 +928,7 @@
           <p:cNvPr id="6" name="Slide Number Placeholder 5">
             <a:extLst>
               <a:ext uri="{FF2B5EF4-FFF2-40B4-BE49-F238E27FC236}">
-                <a16:creationId xmlns:a16="http://schemas.microsoft.com/office/drawing/2014/main" xmlns="" id="{1E8AF0A9-88E5-483D-ABFD-DC372ADABF77}"/>
+                <a16:creationId xmlns:a16="http://schemas.microsoft.com/office/drawing/2014/main" id="{1E8AF0A9-88E5-483D-ABFD-DC372ADABF77}"/>
               </a:ext>
             </a:extLst>
           </p:cNvPr>
@@ -962,7 +956,7 @@
     </p:spTree>
     <p:extLst>
       <p:ext uri="{BB962C8B-B14F-4D97-AF65-F5344CB8AC3E}">
-        <p14:creationId xmlns:p14="http://schemas.microsoft.com/office/powerpoint/2010/main" xmlns="" val="2484586931"/>
+        <p14:creationId xmlns:p14="http://schemas.microsoft.com/office/powerpoint/2010/main" val="2484586931"/>
       </p:ext>
     </p:extLst>
   </p:cSld>
@@ -994,7 +988,7 @@
           <p:cNvPr id="2" name="Title 1">
             <a:extLst>
               <a:ext uri="{FF2B5EF4-FFF2-40B4-BE49-F238E27FC236}">
-                <a16:creationId xmlns:a16="http://schemas.microsoft.com/office/drawing/2014/main" xmlns="" id="{EB638D51-006E-494E-835E-FD3DD865574E}"/>
+                <a16:creationId xmlns:a16="http://schemas.microsoft.com/office/drawing/2014/main" id="{EB638D51-006E-494E-835E-FD3DD865574E}"/>
               </a:ext>
             </a:extLst>
           </p:cNvPr>
@@ -1031,7 +1025,7 @@
           <p:cNvPr id="3" name="Text Placeholder 2">
             <a:extLst>
               <a:ext uri="{FF2B5EF4-FFF2-40B4-BE49-F238E27FC236}">
-                <a16:creationId xmlns:a16="http://schemas.microsoft.com/office/drawing/2014/main" xmlns="" id="{B0F1496E-B8AB-4111-A535-DACBE65294F0}"/>
+                <a16:creationId xmlns:a16="http://schemas.microsoft.com/office/drawing/2014/main" id="{B0F1496E-B8AB-4111-A535-DACBE65294F0}"/>
               </a:ext>
             </a:extLst>
           </p:cNvPr>
@@ -1156,7 +1150,7 @@
           <p:cNvPr id="4" name="Date Placeholder 3">
             <a:extLst>
               <a:ext uri="{FF2B5EF4-FFF2-40B4-BE49-F238E27FC236}">
-                <a16:creationId xmlns:a16="http://schemas.microsoft.com/office/drawing/2014/main" xmlns="" id="{27A93AFA-34ED-4B54-A135-051A4FD82B57}"/>
+                <a16:creationId xmlns:a16="http://schemas.microsoft.com/office/drawing/2014/main" id="{27A93AFA-34ED-4B54-A135-051A4FD82B57}"/>
               </a:ext>
             </a:extLst>
           </p:cNvPr>
@@ -1186,7 +1180,7 @@
           <p:cNvPr id="5" name="Footer Placeholder 4">
             <a:extLst>
               <a:ext uri="{FF2B5EF4-FFF2-40B4-BE49-F238E27FC236}">
-                <a16:creationId xmlns:a16="http://schemas.microsoft.com/office/drawing/2014/main" xmlns="" id="{D457C026-FFAE-4809-B341-7B4577DDBF3D}"/>
+                <a16:creationId xmlns:a16="http://schemas.microsoft.com/office/drawing/2014/main" id="{D457C026-FFAE-4809-B341-7B4577DDBF3D}"/>
               </a:ext>
             </a:extLst>
           </p:cNvPr>
@@ -1211,7 +1205,7 @@
           <p:cNvPr id="6" name="Slide Number Placeholder 5">
             <a:extLst>
               <a:ext uri="{FF2B5EF4-FFF2-40B4-BE49-F238E27FC236}">
-                <a16:creationId xmlns:a16="http://schemas.microsoft.com/office/drawing/2014/main" xmlns="" id="{1C938048-903B-4343-B294-8EC5929B216B}"/>
+                <a16:creationId xmlns:a16="http://schemas.microsoft.com/office/drawing/2014/main" id="{1C938048-903B-4343-B294-8EC5929B216B}"/>
               </a:ext>
             </a:extLst>
           </p:cNvPr>
@@ -1239,7 +1233,7 @@
     </p:spTree>
     <p:extLst>
       <p:ext uri="{BB962C8B-B14F-4D97-AF65-F5344CB8AC3E}">
-        <p14:creationId xmlns:p14="http://schemas.microsoft.com/office/powerpoint/2010/main" xmlns="" val="670945512"/>
+        <p14:creationId xmlns:p14="http://schemas.microsoft.com/office/powerpoint/2010/main" val="670945512"/>
       </p:ext>
     </p:extLst>
   </p:cSld>
@@ -1271,7 +1265,7 @@
           <p:cNvPr id="2" name="Title 1">
             <a:extLst>
               <a:ext uri="{FF2B5EF4-FFF2-40B4-BE49-F238E27FC236}">
-                <a16:creationId xmlns:a16="http://schemas.microsoft.com/office/drawing/2014/main" xmlns="" id="{4683A521-79F1-48FD-B0B5-E27E36D784E9}"/>
+                <a16:creationId xmlns:a16="http://schemas.microsoft.com/office/drawing/2014/main" id="{4683A521-79F1-48FD-B0B5-E27E36D784E9}"/>
               </a:ext>
             </a:extLst>
           </p:cNvPr>
@@ -1299,7 +1293,7 @@
           <p:cNvPr id="3" name="Content Placeholder 2">
             <a:extLst>
               <a:ext uri="{FF2B5EF4-FFF2-40B4-BE49-F238E27FC236}">
-                <a16:creationId xmlns:a16="http://schemas.microsoft.com/office/drawing/2014/main" xmlns="" id="{FD42CBE2-652B-4628-8452-771F898459FA}"/>
+                <a16:creationId xmlns:a16="http://schemas.microsoft.com/office/drawing/2014/main" id="{FD42CBE2-652B-4628-8452-771F898459FA}"/>
               </a:ext>
             </a:extLst>
           </p:cNvPr>
@@ -1361,7 +1355,7 @@
           <p:cNvPr id="4" name="Content Placeholder 3">
             <a:extLst>
               <a:ext uri="{FF2B5EF4-FFF2-40B4-BE49-F238E27FC236}">
-                <a16:creationId xmlns:a16="http://schemas.microsoft.com/office/drawing/2014/main" xmlns="" id="{A94F0ED7-7186-4A06-821F-3EFC50389665}"/>
+                <a16:creationId xmlns:a16="http://schemas.microsoft.com/office/drawing/2014/main" id="{A94F0ED7-7186-4A06-821F-3EFC50389665}"/>
               </a:ext>
             </a:extLst>
           </p:cNvPr>
@@ -1423,7 +1417,7 @@
           <p:cNvPr id="5" name="Date Placeholder 4">
             <a:extLst>
               <a:ext uri="{FF2B5EF4-FFF2-40B4-BE49-F238E27FC236}">
-                <a16:creationId xmlns:a16="http://schemas.microsoft.com/office/drawing/2014/main" xmlns="" id="{4291441B-ADF2-4493-8215-0F97A2AB9DF0}"/>
+                <a16:creationId xmlns:a16="http://schemas.microsoft.com/office/drawing/2014/main" id="{4291441B-ADF2-4493-8215-0F97A2AB9DF0}"/>
               </a:ext>
             </a:extLst>
           </p:cNvPr>
@@ -1453,7 +1447,7 @@
           <p:cNvPr id="6" name="Footer Placeholder 5">
             <a:extLst>
               <a:ext uri="{FF2B5EF4-FFF2-40B4-BE49-F238E27FC236}">
-                <a16:creationId xmlns:a16="http://schemas.microsoft.com/office/drawing/2014/main" xmlns="" id="{325CDFF8-E8D1-44C8-AEAA-6AA417A1C9E1}"/>
+                <a16:creationId xmlns:a16="http://schemas.microsoft.com/office/drawing/2014/main" id="{325CDFF8-E8D1-44C8-AEAA-6AA417A1C9E1}"/>
               </a:ext>
             </a:extLst>
           </p:cNvPr>
@@ -1478,7 +1472,7 @@
           <p:cNvPr id="7" name="Slide Number Placeholder 6">
             <a:extLst>
               <a:ext uri="{FF2B5EF4-FFF2-40B4-BE49-F238E27FC236}">
-                <a16:creationId xmlns:a16="http://schemas.microsoft.com/office/drawing/2014/main" xmlns="" id="{8A435470-1D0A-4054-957B-B4A6BCB97787}"/>
+                <a16:creationId xmlns:a16="http://schemas.microsoft.com/office/drawing/2014/main" id="{8A435470-1D0A-4054-957B-B4A6BCB97787}"/>
               </a:ext>
             </a:extLst>
           </p:cNvPr>
@@ -1506,7 +1500,7 @@
     </p:spTree>
     <p:extLst>
       <p:ext uri="{BB962C8B-B14F-4D97-AF65-F5344CB8AC3E}">
-        <p14:creationId xmlns:p14="http://schemas.microsoft.com/office/powerpoint/2010/main" xmlns="" val="2480360642"/>
+        <p14:creationId xmlns:p14="http://schemas.microsoft.com/office/powerpoint/2010/main" val="2480360642"/>
       </p:ext>
     </p:extLst>
   </p:cSld>
@@ -1538,7 +1532,7 @@
           <p:cNvPr id="2" name="Title 1">
             <a:extLst>
               <a:ext uri="{FF2B5EF4-FFF2-40B4-BE49-F238E27FC236}">
-                <a16:creationId xmlns:a16="http://schemas.microsoft.com/office/drawing/2014/main" xmlns="" id="{54E7C32B-2BA9-446A-9235-15F5DD839BFD}"/>
+                <a16:creationId xmlns:a16="http://schemas.microsoft.com/office/drawing/2014/main" id="{54E7C32B-2BA9-446A-9235-15F5DD839BFD}"/>
               </a:ext>
             </a:extLst>
           </p:cNvPr>
@@ -1571,7 +1565,7 @@
           <p:cNvPr id="3" name="Text Placeholder 2">
             <a:extLst>
               <a:ext uri="{FF2B5EF4-FFF2-40B4-BE49-F238E27FC236}">
-                <a16:creationId xmlns:a16="http://schemas.microsoft.com/office/drawing/2014/main" xmlns="" id="{DB3A3E22-4FA5-4454-939F-23B9F9DECC3F}"/>
+                <a16:creationId xmlns:a16="http://schemas.microsoft.com/office/drawing/2014/main" id="{DB3A3E22-4FA5-4454-939F-23B9F9DECC3F}"/>
               </a:ext>
             </a:extLst>
           </p:cNvPr>
@@ -1642,7 +1636,7 @@
           <p:cNvPr id="4" name="Content Placeholder 3">
             <a:extLst>
               <a:ext uri="{FF2B5EF4-FFF2-40B4-BE49-F238E27FC236}">
-                <a16:creationId xmlns:a16="http://schemas.microsoft.com/office/drawing/2014/main" xmlns="" id="{72DF83FC-FEFA-4AFD-A144-30F27A459D20}"/>
+                <a16:creationId xmlns:a16="http://schemas.microsoft.com/office/drawing/2014/main" id="{72DF83FC-FEFA-4AFD-A144-30F27A459D20}"/>
               </a:ext>
             </a:extLst>
           </p:cNvPr>
@@ -1704,7 +1698,7 @@
           <p:cNvPr id="5" name="Text Placeholder 4">
             <a:extLst>
               <a:ext uri="{FF2B5EF4-FFF2-40B4-BE49-F238E27FC236}">
-                <a16:creationId xmlns:a16="http://schemas.microsoft.com/office/drawing/2014/main" xmlns="" id="{0C199EDB-45B1-4A75-BA50-2AEC47282E43}"/>
+                <a16:creationId xmlns:a16="http://schemas.microsoft.com/office/drawing/2014/main" id="{0C199EDB-45B1-4A75-BA50-2AEC47282E43}"/>
               </a:ext>
             </a:extLst>
           </p:cNvPr>
@@ -1775,7 +1769,7 @@
           <p:cNvPr id="6" name="Content Placeholder 5">
             <a:extLst>
               <a:ext uri="{FF2B5EF4-FFF2-40B4-BE49-F238E27FC236}">
-                <a16:creationId xmlns:a16="http://schemas.microsoft.com/office/drawing/2014/main" xmlns="" id="{1EF008B0-860C-4487-B63E-7D8277D34C8C}"/>
+                <a16:creationId xmlns:a16="http://schemas.microsoft.com/office/drawing/2014/main" id="{1EF008B0-860C-4487-B63E-7D8277D34C8C}"/>
               </a:ext>
             </a:extLst>
           </p:cNvPr>
@@ -1837,7 +1831,7 @@
           <p:cNvPr id="7" name="Date Placeholder 6">
             <a:extLst>
               <a:ext uri="{FF2B5EF4-FFF2-40B4-BE49-F238E27FC236}">
-                <a16:creationId xmlns:a16="http://schemas.microsoft.com/office/drawing/2014/main" xmlns="" id="{306A1AD2-F252-4D88-A84E-ADD2AB6668C1}"/>
+                <a16:creationId xmlns:a16="http://schemas.microsoft.com/office/drawing/2014/main" id="{306A1AD2-F252-4D88-A84E-ADD2AB6668C1}"/>
               </a:ext>
             </a:extLst>
           </p:cNvPr>
@@ -1867,7 +1861,7 @@
           <p:cNvPr id="8" name="Footer Placeholder 7">
             <a:extLst>
               <a:ext uri="{FF2B5EF4-FFF2-40B4-BE49-F238E27FC236}">
-                <a16:creationId xmlns:a16="http://schemas.microsoft.com/office/drawing/2014/main" xmlns="" id="{47CC986C-75B9-49C5-8B44-22B2507F8A8D}"/>
+                <a16:creationId xmlns:a16="http://schemas.microsoft.com/office/drawing/2014/main" id="{47CC986C-75B9-49C5-8B44-22B2507F8A8D}"/>
               </a:ext>
             </a:extLst>
           </p:cNvPr>
@@ -1892,7 +1886,7 @@
           <p:cNvPr id="9" name="Slide Number Placeholder 8">
             <a:extLst>
               <a:ext uri="{FF2B5EF4-FFF2-40B4-BE49-F238E27FC236}">
-                <a16:creationId xmlns:a16="http://schemas.microsoft.com/office/drawing/2014/main" xmlns="" id="{71948F72-1448-4800-87A6-E1243C850444}"/>
+                <a16:creationId xmlns:a16="http://schemas.microsoft.com/office/drawing/2014/main" id="{71948F72-1448-4800-87A6-E1243C850444}"/>
               </a:ext>
             </a:extLst>
           </p:cNvPr>
@@ -1920,7 +1914,7 @@
     </p:spTree>
     <p:extLst>
       <p:ext uri="{BB962C8B-B14F-4D97-AF65-F5344CB8AC3E}">
-        <p14:creationId xmlns:p14="http://schemas.microsoft.com/office/powerpoint/2010/main" xmlns="" val="3778224530"/>
+        <p14:creationId xmlns:p14="http://schemas.microsoft.com/office/powerpoint/2010/main" val="3778224530"/>
       </p:ext>
     </p:extLst>
   </p:cSld>
@@ -1952,7 +1946,7 @@
           <p:cNvPr id="2" name="Title 1">
             <a:extLst>
               <a:ext uri="{FF2B5EF4-FFF2-40B4-BE49-F238E27FC236}">
-                <a16:creationId xmlns:a16="http://schemas.microsoft.com/office/drawing/2014/main" xmlns="" id="{643AECB8-1964-4C98-8B43-63EA2B04792F}"/>
+                <a16:creationId xmlns:a16="http://schemas.microsoft.com/office/drawing/2014/main" id="{643AECB8-1964-4C98-8B43-63EA2B04792F}"/>
               </a:ext>
             </a:extLst>
           </p:cNvPr>
@@ -1980,7 +1974,7 @@
           <p:cNvPr id="3" name="Date Placeholder 2">
             <a:extLst>
               <a:ext uri="{FF2B5EF4-FFF2-40B4-BE49-F238E27FC236}">
-                <a16:creationId xmlns:a16="http://schemas.microsoft.com/office/drawing/2014/main" xmlns="" id="{59BABC50-6E87-4654-BC56-FEFBCA978BBB}"/>
+                <a16:creationId xmlns:a16="http://schemas.microsoft.com/office/drawing/2014/main" id="{59BABC50-6E87-4654-BC56-FEFBCA978BBB}"/>
               </a:ext>
             </a:extLst>
           </p:cNvPr>
@@ -2010,7 +2004,7 @@
           <p:cNvPr id="4" name="Footer Placeholder 3">
             <a:extLst>
               <a:ext uri="{FF2B5EF4-FFF2-40B4-BE49-F238E27FC236}">
-                <a16:creationId xmlns:a16="http://schemas.microsoft.com/office/drawing/2014/main" xmlns="" id="{F734CE65-F32E-41B2-8551-A7603941745E}"/>
+                <a16:creationId xmlns:a16="http://schemas.microsoft.com/office/drawing/2014/main" id="{F734CE65-F32E-41B2-8551-A7603941745E}"/>
               </a:ext>
             </a:extLst>
           </p:cNvPr>
@@ -2035,7 +2029,7 @@
           <p:cNvPr id="5" name="Slide Number Placeholder 4">
             <a:extLst>
               <a:ext uri="{FF2B5EF4-FFF2-40B4-BE49-F238E27FC236}">
-                <a16:creationId xmlns:a16="http://schemas.microsoft.com/office/drawing/2014/main" xmlns="" id="{0EE25001-D094-47C8-A699-A6E7E48BB27B}"/>
+                <a16:creationId xmlns:a16="http://schemas.microsoft.com/office/drawing/2014/main" id="{0EE25001-D094-47C8-A699-A6E7E48BB27B}"/>
               </a:ext>
             </a:extLst>
           </p:cNvPr>
@@ -2063,7 +2057,7 @@
     </p:spTree>
     <p:extLst>
       <p:ext uri="{BB962C8B-B14F-4D97-AF65-F5344CB8AC3E}">
-        <p14:creationId xmlns:p14="http://schemas.microsoft.com/office/powerpoint/2010/main" xmlns="" val="2521850990"/>
+        <p14:creationId xmlns:p14="http://schemas.microsoft.com/office/powerpoint/2010/main" val="2521850990"/>
       </p:ext>
     </p:extLst>
   </p:cSld>
@@ -2095,7 +2089,7 @@
           <p:cNvPr id="2" name="Date Placeholder 1">
             <a:extLst>
               <a:ext uri="{FF2B5EF4-FFF2-40B4-BE49-F238E27FC236}">
-                <a16:creationId xmlns:a16="http://schemas.microsoft.com/office/drawing/2014/main" xmlns="" id="{213A2FEA-CF63-4270-A7AE-C5CFDCDBEA01}"/>
+                <a16:creationId xmlns:a16="http://schemas.microsoft.com/office/drawing/2014/main" id="{213A2FEA-CF63-4270-A7AE-C5CFDCDBEA01}"/>
               </a:ext>
             </a:extLst>
           </p:cNvPr>
@@ -2125,7 +2119,7 @@
           <p:cNvPr id="3" name="Footer Placeholder 2">
             <a:extLst>
               <a:ext uri="{FF2B5EF4-FFF2-40B4-BE49-F238E27FC236}">
-                <a16:creationId xmlns:a16="http://schemas.microsoft.com/office/drawing/2014/main" xmlns="" id="{B68311BD-ACBC-4E90-B916-301F516F1172}"/>
+                <a16:creationId xmlns:a16="http://schemas.microsoft.com/office/drawing/2014/main" id="{B68311BD-ACBC-4E90-B916-301F516F1172}"/>
               </a:ext>
             </a:extLst>
           </p:cNvPr>
@@ -2150,7 +2144,7 @@
           <p:cNvPr id="4" name="Slide Number Placeholder 3">
             <a:extLst>
               <a:ext uri="{FF2B5EF4-FFF2-40B4-BE49-F238E27FC236}">
-                <a16:creationId xmlns:a16="http://schemas.microsoft.com/office/drawing/2014/main" xmlns="" id="{FA8A4393-1FB2-4F48-AA82-093BD14042BD}"/>
+                <a16:creationId xmlns:a16="http://schemas.microsoft.com/office/drawing/2014/main" id="{FA8A4393-1FB2-4F48-AA82-093BD14042BD}"/>
               </a:ext>
             </a:extLst>
           </p:cNvPr>
@@ -2178,7 +2172,7 @@
     </p:spTree>
     <p:extLst>
       <p:ext uri="{BB962C8B-B14F-4D97-AF65-F5344CB8AC3E}">
-        <p14:creationId xmlns:p14="http://schemas.microsoft.com/office/powerpoint/2010/main" xmlns="" val="4018624457"/>
+        <p14:creationId xmlns:p14="http://schemas.microsoft.com/office/powerpoint/2010/main" val="4018624457"/>
       </p:ext>
     </p:extLst>
   </p:cSld>
@@ -2210,7 +2204,7 @@
           <p:cNvPr id="2" name="Title 1">
             <a:extLst>
               <a:ext uri="{FF2B5EF4-FFF2-40B4-BE49-F238E27FC236}">
-                <a16:creationId xmlns:a16="http://schemas.microsoft.com/office/drawing/2014/main" xmlns="" id="{4539306A-0604-4946-AA7E-BAB7C9CACCA6}"/>
+                <a16:creationId xmlns:a16="http://schemas.microsoft.com/office/drawing/2014/main" id="{4539306A-0604-4946-AA7E-BAB7C9CACCA6}"/>
               </a:ext>
             </a:extLst>
           </p:cNvPr>
@@ -2247,7 +2241,7 @@
           <p:cNvPr id="3" name="Content Placeholder 2">
             <a:extLst>
               <a:ext uri="{FF2B5EF4-FFF2-40B4-BE49-F238E27FC236}">
-                <a16:creationId xmlns:a16="http://schemas.microsoft.com/office/drawing/2014/main" xmlns="" id="{2DCEE889-1F85-406E-9DB7-BEA5F9A62DBC}"/>
+                <a16:creationId xmlns:a16="http://schemas.microsoft.com/office/drawing/2014/main" id="{2DCEE889-1F85-406E-9DB7-BEA5F9A62DBC}"/>
               </a:ext>
             </a:extLst>
           </p:cNvPr>
@@ -2337,7 +2331,7 @@
           <p:cNvPr id="4" name="Text Placeholder 3">
             <a:extLst>
               <a:ext uri="{FF2B5EF4-FFF2-40B4-BE49-F238E27FC236}">
-                <a16:creationId xmlns:a16="http://schemas.microsoft.com/office/drawing/2014/main" xmlns="" id="{5AECFEAE-2ED0-4A9F-BC6D-198AB5478569}"/>
+                <a16:creationId xmlns:a16="http://schemas.microsoft.com/office/drawing/2014/main" id="{5AECFEAE-2ED0-4A9F-BC6D-198AB5478569}"/>
               </a:ext>
             </a:extLst>
           </p:cNvPr>
@@ -2408,7 +2402,7 @@
           <p:cNvPr id="5" name="Date Placeholder 4">
             <a:extLst>
               <a:ext uri="{FF2B5EF4-FFF2-40B4-BE49-F238E27FC236}">
-                <a16:creationId xmlns:a16="http://schemas.microsoft.com/office/drawing/2014/main" xmlns="" id="{8995614C-7EC6-4407-A60B-E27A7D50C056}"/>
+                <a16:creationId xmlns:a16="http://schemas.microsoft.com/office/drawing/2014/main" id="{8995614C-7EC6-4407-A60B-E27A7D50C056}"/>
               </a:ext>
             </a:extLst>
           </p:cNvPr>
@@ -2438,7 +2432,7 @@
           <p:cNvPr id="6" name="Footer Placeholder 5">
             <a:extLst>
               <a:ext uri="{FF2B5EF4-FFF2-40B4-BE49-F238E27FC236}">
-                <a16:creationId xmlns:a16="http://schemas.microsoft.com/office/drawing/2014/main" xmlns="" id="{B17917EA-F1CF-46CF-AE69-8A9E4ED02CDF}"/>
+                <a16:creationId xmlns:a16="http://schemas.microsoft.com/office/drawing/2014/main" id="{B17917EA-F1CF-46CF-AE69-8A9E4ED02CDF}"/>
               </a:ext>
             </a:extLst>
           </p:cNvPr>
@@ -2463,7 +2457,7 @@
           <p:cNvPr id="7" name="Slide Number Placeholder 6">
             <a:extLst>
               <a:ext uri="{FF2B5EF4-FFF2-40B4-BE49-F238E27FC236}">
-                <a16:creationId xmlns:a16="http://schemas.microsoft.com/office/drawing/2014/main" xmlns="" id="{A20BB478-8ED6-48E1-8357-29D9CAA06492}"/>
+                <a16:creationId xmlns:a16="http://schemas.microsoft.com/office/drawing/2014/main" id="{A20BB478-8ED6-48E1-8357-29D9CAA06492}"/>
               </a:ext>
             </a:extLst>
           </p:cNvPr>
@@ -2491,7 +2485,7 @@
     </p:spTree>
     <p:extLst>
       <p:ext uri="{BB962C8B-B14F-4D97-AF65-F5344CB8AC3E}">
-        <p14:creationId xmlns:p14="http://schemas.microsoft.com/office/powerpoint/2010/main" xmlns="" val="2250623688"/>
+        <p14:creationId xmlns:p14="http://schemas.microsoft.com/office/powerpoint/2010/main" val="2250623688"/>
       </p:ext>
     </p:extLst>
   </p:cSld>
@@ -2523,7 +2517,7 @@
           <p:cNvPr id="2" name="Title 1">
             <a:extLst>
               <a:ext uri="{FF2B5EF4-FFF2-40B4-BE49-F238E27FC236}">
-                <a16:creationId xmlns:a16="http://schemas.microsoft.com/office/drawing/2014/main" xmlns="" id="{865AC83E-1579-4DD1-A27B-C3412ECDBEF4}"/>
+                <a16:creationId xmlns:a16="http://schemas.microsoft.com/office/drawing/2014/main" id="{865AC83E-1579-4DD1-A27B-C3412ECDBEF4}"/>
               </a:ext>
             </a:extLst>
           </p:cNvPr>
@@ -2560,7 +2554,7 @@
           <p:cNvPr id="3" name="Picture Placeholder 2">
             <a:extLst>
               <a:ext uri="{FF2B5EF4-FFF2-40B4-BE49-F238E27FC236}">
-                <a16:creationId xmlns:a16="http://schemas.microsoft.com/office/drawing/2014/main" xmlns="" id="{397B468B-3FDD-4729-AE53-3615571E39F6}"/>
+                <a16:creationId xmlns:a16="http://schemas.microsoft.com/office/drawing/2014/main" id="{397B468B-3FDD-4729-AE53-3615571E39F6}"/>
               </a:ext>
             </a:extLst>
           </p:cNvPr>
@@ -2627,7 +2621,7 @@
           <p:cNvPr id="4" name="Text Placeholder 3">
             <a:extLst>
               <a:ext uri="{FF2B5EF4-FFF2-40B4-BE49-F238E27FC236}">
-                <a16:creationId xmlns:a16="http://schemas.microsoft.com/office/drawing/2014/main" xmlns="" id="{FFE050AD-FC47-4CA6-8427-B169C1EF8D92}"/>
+                <a16:creationId xmlns:a16="http://schemas.microsoft.com/office/drawing/2014/main" id="{FFE050AD-FC47-4CA6-8427-B169C1EF8D92}"/>
               </a:ext>
             </a:extLst>
           </p:cNvPr>
@@ -2698,7 +2692,7 @@
           <p:cNvPr id="5" name="Date Placeholder 4">
             <a:extLst>
               <a:ext uri="{FF2B5EF4-FFF2-40B4-BE49-F238E27FC236}">
-                <a16:creationId xmlns:a16="http://schemas.microsoft.com/office/drawing/2014/main" xmlns="" id="{A0061284-CCF0-4A77-849F-3248412D99E8}"/>
+                <a16:creationId xmlns:a16="http://schemas.microsoft.com/office/drawing/2014/main" id="{A0061284-CCF0-4A77-849F-3248412D99E8}"/>
               </a:ext>
             </a:extLst>
           </p:cNvPr>
@@ -2728,7 +2722,7 @@
           <p:cNvPr id="6" name="Footer Placeholder 5">
             <a:extLst>
               <a:ext uri="{FF2B5EF4-FFF2-40B4-BE49-F238E27FC236}">
-                <a16:creationId xmlns:a16="http://schemas.microsoft.com/office/drawing/2014/main" xmlns="" id="{BEA8BD19-8720-4385-921F-30F82A658DD4}"/>
+                <a16:creationId xmlns:a16="http://schemas.microsoft.com/office/drawing/2014/main" id="{BEA8BD19-8720-4385-921F-30F82A658DD4}"/>
               </a:ext>
             </a:extLst>
           </p:cNvPr>
@@ -2753,7 +2747,7 @@
           <p:cNvPr id="7" name="Slide Number Placeholder 6">
             <a:extLst>
               <a:ext uri="{FF2B5EF4-FFF2-40B4-BE49-F238E27FC236}">
-                <a16:creationId xmlns:a16="http://schemas.microsoft.com/office/drawing/2014/main" xmlns="" id="{20208B63-CD40-448D-89B1-DB7D82686F29}"/>
+                <a16:creationId xmlns:a16="http://schemas.microsoft.com/office/drawing/2014/main" id="{20208B63-CD40-448D-89B1-DB7D82686F29}"/>
               </a:ext>
             </a:extLst>
           </p:cNvPr>
@@ -2781,7 +2775,7 @@
     </p:spTree>
     <p:extLst>
       <p:ext uri="{BB962C8B-B14F-4D97-AF65-F5344CB8AC3E}">
-        <p14:creationId xmlns:p14="http://schemas.microsoft.com/office/powerpoint/2010/main" xmlns="" val="2755002205"/>
+        <p14:creationId xmlns:p14="http://schemas.microsoft.com/office/powerpoint/2010/main" val="2755002205"/>
       </p:ext>
     </p:extLst>
   </p:cSld>
@@ -2818,7 +2812,7 @@
           <p:cNvPr id="2" name="Title Placeholder 1">
             <a:extLst>
               <a:ext uri="{FF2B5EF4-FFF2-40B4-BE49-F238E27FC236}">
-                <a16:creationId xmlns:a16="http://schemas.microsoft.com/office/drawing/2014/main" xmlns="" id="{7A08FB0D-0202-40A0-AE1F-46C8F247F4C5}"/>
+                <a16:creationId xmlns:a16="http://schemas.microsoft.com/office/drawing/2014/main" id="{7A08FB0D-0202-40A0-AE1F-46C8F247F4C5}"/>
               </a:ext>
             </a:extLst>
           </p:cNvPr>
@@ -2856,7 +2850,7 @@
           <p:cNvPr id="3" name="Text Placeholder 2">
             <a:extLst>
               <a:ext uri="{FF2B5EF4-FFF2-40B4-BE49-F238E27FC236}">
-                <a16:creationId xmlns:a16="http://schemas.microsoft.com/office/drawing/2014/main" xmlns="" id="{FD9B4C5F-26D1-4781-91A2-88CFD1C55127}"/>
+                <a16:creationId xmlns:a16="http://schemas.microsoft.com/office/drawing/2014/main" id="{FD9B4C5F-26D1-4781-91A2-88CFD1C55127}"/>
               </a:ext>
             </a:extLst>
           </p:cNvPr>
@@ -2923,7 +2917,7 @@
           <p:cNvPr id="4" name="Date Placeholder 3">
             <a:extLst>
               <a:ext uri="{FF2B5EF4-FFF2-40B4-BE49-F238E27FC236}">
-                <a16:creationId xmlns:a16="http://schemas.microsoft.com/office/drawing/2014/main" xmlns="" id="{A44C2049-C12B-467C-84A8-288AB4270B9B}"/>
+                <a16:creationId xmlns:a16="http://schemas.microsoft.com/office/drawing/2014/main" id="{A44C2049-C12B-467C-84A8-288AB4270B9B}"/>
               </a:ext>
             </a:extLst>
           </p:cNvPr>
@@ -2971,7 +2965,7 @@
           <p:cNvPr id="5" name="Footer Placeholder 4">
             <a:extLst>
               <a:ext uri="{FF2B5EF4-FFF2-40B4-BE49-F238E27FC236}">
-                <a16:creationId xmlns:a16="http://schemas.microsoft.com/office/drawing/2014/main" xmlns="" id="{3D6FD59A-F31A-40C3-A985-116883B59287}"/>
+                <a16:creationId xmlns:a16="http://schemas.microsoft.com/office/drawing/2014/main" id="{3D6FD59A-F31A-40C3-A985-116883B59287}"/>
               </a:ext>
             </a:extLst>
           </p:cNvPr>
@@ -3014,7 +3008,7 @@
           <p:cNvPr id="6" name="Slide Number Placeholder 5">
             <a:extLst>
               <a:ext uri="{FF2B5EF4-FFF2-40B4-BE49-F238E27FC236}">
-                <a16:creationId xmlns:a16="http://schemas.microsoft.com/office/drawing/2014/main" xmlns="" id="{DC49A92A-E67A-49DE-89BB-D1CCCEB205AD}"/>
+                <a16:creationId xmlns:a16="http://schemas.microsoft.com/office/drawing/2014/main" id="{DC49A92A-E67A-49DE-89BB-D1CCCEB205AD}"/>
               </a:ext>
             </a:extLst>
           </p:cNvPr>
@@ -3060,7 +3054,7 @@
     </p:spTree>
     <p:extLst>
       <p:ext uri="{BB962C8B-B14F-4D97-AF65-F5344CB8AC3E}">
-        <p14:creationId xmlns:p14="http://schemas.microsoft.com/office/powerpoint/2010/main" xmlns="" val="736588803"/>
+        <p14:creationId xmlns:p14="http://schemas.microsoft.com/office/powerpoint/2010/main" val="736588803"/>
       </p:ext>
     </p:extLst>
   </p:cSld>
@@ -3383,7 +3377,7 @@
           <p:cNvPr id="2" name="Title 1">
             <a:extLst>
               <a:ext uri="{FF2B5EF4-FFF2-40B4-BE49-F238E27FC236}">
-                <a16:creationId xmlns:a16="http://schemas.microsoft.com/office/drawing/2014/main" xmlns="" id="{18A98568-B624-4EA2-9A7C-54BC3B133D8D}"/>
+                <a16:creationId xmlns:a16="http://schemas.microsoft.com/office/drawing/2014/main" id="{18A98568-B624-4EA2-9A7C-54BC3B133D8D}"/>
               </a:ext>
             </a:extLst>
           </p:cNvPr>
@@ -3423,7 +3417,7 @@
           <p:cNvPr id="3" name="Subtitle 2">
             <a:extLst>
               <a:ext uri="{FF2B5EF4-FFF2-40B4-BE49-F238E27FC236}">
-                <a16:creationId xmlns:a16="http://schemas.microsoft.com/office/drawing/2014/main" xmlns="" id="{CDB1AD77-C7AD-447F-AD28-F5C1744A6EA3}"/>
+                <a16:creationId xmlns:a16="http://schemas.microsoft.com/office/drawing/2014/main" id="{CDB1AD77-C7AD-447F-AD28-F5C1744A6EA3}"/>
               </a:ext>
             </a:extLst>
           </p:cNvPr>
@@ -3446,69 +3440,48 @@
           <a:p>
             <a:pPr algn="r"/>
             <a:r>
-              <a:rPr lang="ru-RU" b="1" dirty="0" smtClean="0">
+              <a:rPr lang="ru-RU" b="1" dirty="0">
                 <a:latin typeface="+mj-lt"/>
                 <a:cs typeface="Times New Roman" panose="02020603050405020304" pitchFamily="18" charset="0"/>
               </a:rPr>
               <a:t>Магистрант</a:t>
             </a:r>
             <a:r>
-              <a:rPr lang="en-US" b="1" dirty="0" smtClean="0">
+              <a:rPr lang="en-US" b="1" dirty="0">
                 <a:latin typeface="+mj-lt"/>
                 <a:cs typeface="Times New Roman" panose="02020603050405020304" pitchFamily="18" charset="0"/>
               </a:rPr>
               <a:t>:</a:t>
             </a:r>
             <a:r>
-              <a:rPr lang="ru-RU" dirty="0" smtClean="0">
+              <a:rPr lang="ru-RU" dirty="0">
                 <a:latin typeface="+mj-lt"/>
                 <a:cs typeface="Times New Roman" panose="02020603050405020304" pitchFamily="18" charset="0"/>
               </a:rPr>
               <a:t> </a:t>
             </a:r>
             <a:r>
-              <a:rPr lang="ru-RU" dirty="0" err="1" smtClean="0">
+              <a:rPr lang="ru-RU" dirty="0" err="1">
                 <a:latin typeface="+mj-lt"/>
                 <a:cs typeface="Times New Roman" panose="02020603050405020304" pitchFamily="18" charset="0"/>
               </a:rPr>
               <a:t>Алькевич</a:t>
             </a:r>
             <a:r>
-              <a:rPr lang="en-US" dirty="0" smtClean="0">
+              <a:rPr lang="en-US" dirty="0">
                 <a:latin typeface="+mj-lt"/>
                 <a:cs typeface="Times New Roman" panose="02020603050405020304" pitchFamily="18" charset="0"/>
               </a:rPr>
               <a:t> </a:t>
             </a:r>
             <a:r>
-              <a:rPr lang="ru-RU" dirty="0" smtClean="0">
+              <a:rPr lang="ru-RU" dirty="0">
                 <a:latin typeface="+mj-lt"/>
                 <a:cs typeface="Times New Roman" panose="02020603050405020304" pitchFamily="18" charset="0"/>
               </a:rPr>
-              <a:t>А</a:t>
-            </a:r>
-            <a:r>
-              <a:rPr lang="ru-RU" dirty="0" smtClean="0">
-                <a:latin typeface="+mj-lt"/>
-                <a:cs typeface="Times New Roman" panose="02020603050405020304" pitchFamily="18" charset="0"/>
-              </a:rPr>
-              <a:t>лександр</a:t>
-            </a:r>
-            <a:r>
-              <a:rPr lang="ru-RU" dirty="0" smtClean="0">
-                <a:latin typeface="+mj-lt"/>
-                <a:cs typeface="Times New Roman" panose="02020603050405020304" pitchFamily="18" charset="0"/>
-              </a:rPr>
-              <a:t> С</a:t>
-            </a:r>
-            <a:r>
-              <a:rPr lang="ru-RU" dirty="0" smtClean="0">
-                <a:latin typeface="+mj-lt"/>
-                <a:cs typeface="Times New Roman" panose="02020603050405020304" pitchFamily="18" charset="0"/>
-              </a:rPr>
-              <a:t>вятославович</a:t>
-            </a:r>
-            <a:endParaRPr lang="en-US" b="1" dirty="0" smtClean="0">
+              <a:t>Александр Святославович</a:t>
+            </a:r>
+            <a:endParaRPr lang="en-US" b="1" dirty="0">
               <a:latin typeface="+mj-lt"/>
               <a:cs typeface="Times New Roman" panose="02020603050405020304" pitchFamily="18" charset="0"/>
             </a:endParaRPr>
@@ -3516,35 +3489,35 @@
           <a:p>
             <a:pPr algn="r"/>
             <a:r>
-              <a:rPr lang="ru-RU" b="1" dirty="0" smtClean="0">
+              <a:rPr lang="ru-RU" b="1" dirty="0">
                 <a:latin typeface="+mj-lt"/>
                 <a:cs typeface="Times New Roman" panose="02020603050405020304" pitchFamily="18" charset="0"/>
               </a:rPr>
               <a:t>Научный </a:t>
             </a:r>
             <a:r>
-              <a:rPr lang="ru-RU" b="1" dirty="0" err="1" smtClean="0">
+              <a:rPr lang="ru-RU" b="1" dirty="0" err="1">
                 <a:latin typeface="+mj-lt"/>
                 <a:cs typeface="Times New Roman" panose="02020603050405020304" pitchFamily="18" charset="0"/>
               </a:rPr>
               <a:t>руковоитель</a:t>
             </a:r>
             <a:r>
-              <a:rPr lang="en-US" b="1" dirty="0" smtClean="0">
+              <a:rPr lang="en-US" b="1" dirty="0">
                 <a:latin typeface="+mj-lt"/>
                 <a:cs typeface="Times New Roman" panose="02020603050405020304" pitchFamily="18" charset="0"/>
               </a:rPr>
               <a:t>:</a:t>
             </a:r>
             <a:r>
-              <a:rPr lang="en-US" dirty="0" smtClean="0">
+              <a:rPr lang="en-US" dirty="0">
                 <a:latin typeface="+mj-lt"/>
                 <a:cs typeface="Times New Roman" panose="02020603050405020304" pitchFamily="18" charset="0"/>
               </a:rPr>
               <a:t> </a:t>
             </a:r>
             <a:r>
-              <a:rPr lang="ru-RU" dirty="0" smtClean="0">
+              <a:rPr lang="ru-RU" dirty="0">
                 <a:latin typeface="+mj-lt"/>
                 <a:cs typeface="Times New Roman" panose="02020603050405020304" pitchFamily="18" charset="0"/>
               </a:rPr>
@@ -3562,7 +3535,7 @@
           <p:cNvPr id="5" name="Subtitle 2">
             <a:extLst>
               <a:ext uri="{FF2B5EF4-FFF2-40B4-BE49-F238E27FC236}">
-                <a16:creationId xmlns:a16="http://schemas.microsoft.com/office/drawing/2014/main" xmlns="" id="{CDB1AD77-C7AD-447F-AD28-F5C1744A6EA3}"/>
+                <a16:creationId xmlns:a16="http://schemas.microsoft.com/office/drawing/2014/main" id="{CDB1AD77-C7AD-447F-AD28-F5C1744A6EA3}"/>
               </a:ext>
             </a:extLst>
           </p:cNvPr>
@@ -3604,7 +3577,7 @@
               <a:defRPr/>
             </a:pPr>
             <a:r>
-              <a:rPr kumimoji="0" lang="ru-RU" sz="2400" i="0" u="none" strike="noStrike" kern="1200" cap="none" spc="0" normalizeH="0" baseline="0" noProof="0" dirty="0" smtClean="0">
+              <a:rPr kumimoji="0" lang="ru-RU" sz="2400" i="0" u="none" strike="noStrike" kern="1200" cap="none" spc="0" normalizeH="0" baseline="0" noProof="0" dirty="0">
                 <a:ln>
                   <a:noFill/>
                 </a:ln>
@@ -3640,7 +3613,7 @@
     </p:spTree>
     <p:extLst>
       <p:ext uri="{BB962C8B-B14F-4D97-AF65-F5344CB8AC3E}">
-        <p14:creationId xmlns:p14="http://schemas.microsoft.com/office/powerpoint/2010/main" xmlns="" val="2514872934"/>
+        <p14:creationId xmlns:p14="http://schemas.microsoft.com/office/powerpoint/2010/main" val="2514872934"/>
       </p:ext>
     </p:extLst>
   </p:cSld>
@@ -3683,7 +3656,7 @@
           <a:lstStyle/>
           <a:p>
             <a:r>
-              <a:rPr lang="ru-RU" dirty="0" smtClean="0"/>
+              <a:rPr lang="ru-RU" dirty="0"/>
               <a:t>РЕЗУЛЬТАТЫ НАУЧНО-ИССЛЕДОВАТЕЛЬСКОЙ РАБОТЫ</a:t>
             </a:r>
             <a:endParaRPr lang="be-BY" dirty="0"/>
@@ -3711,7 +3684,7 @@
               <a:buFont typeface="+mj-lt"/>
               <a:buAutoNum type="arabicPeriod"/>
             </a:pPr>
-            <a:endParaRPr lang="ru-RU" dirty="0" smtClean="0"/>
+            <a:endParaRPr lang="ru-RU" dirty="0"/>
           </a:p>
           <a:p>
             <a:pPr marL="514350" indent="-514350">
@@ -3719,16 +3692,8 @@
               <a:buAutoNum type="arabicPeriod"/>
             </a:pPr>
             <a:r>
-              <a:rPr lang="ru-RU" dirty="0" smtClean="0"/>
-              <a:t>Исследована сфера цифровой психотерапии. </a:t>
-            </a:r>
-            <a:r>
-              <a:rPr lang="ru-RU" dirty="0" smtClean="0"/>
-              <a:t>Выявлены </a:t>
-            </a:r>
-            <a:r>
-              <a:rPr lang="ru-RU" dirty="0" smtClean="0"/>
-              <a:t>используемые источники поведенческой информации человека</a:t>
+              <a:rPr lang="ru-RU" dirty="0"/>
+              <a:t>Исследована сфера цифровой психотерапии. Выявлены источники поведенческой информации человека.</a:t>
             </a:r>
           </a:p>
           <a:p>
@@ -3736,16 +3701,12 @@
               <a:buAutoNum type="arabicPeriod"/>
             </a:pPr>
             <a:r>
-              <a:rPr lang="be-BY" dirty="0" smtClean="0"/>
-              <a:t>Определены наиболее </a:t>
-            </a:r>
-            <a:r>
-              <a:rPr lang="be-BY" dirty="0" smtClean="0"/>
-              <a:t>эффективные системы и точные методы </a:t>
-            </a:r>
-            <a:r>
-              <a:rPr lang="ru-RU" dirty="0" smtClean="0"/>
-              <a:t>классификации</a:t>
+              <a:rPr lang="be-BY" dirty="0"/>
+              <a:t>Определены наиболее эффективные системы и точные методы </a:t>
+            </a:r>
+            <a:r>
+              <a:rPr lang="ru-RU" dirty="0"/>
+              <a:t>классификации.</a:t>
             </a:r>
           </a:p>
           <a:p>
@@ -3753,43 +3714,43 @@
               <a:buAutoNum type="arabicPeriod" startAt="5"/>
             </a:pPr>
             <a:r>
-              <a:rPr lang="ru-RU" dirty="0" smtClean="0"/>
+              <a:rPr lang="ru-RU" dirty="0"/>
               <a:t>Р</a:t>
             </a:r>
             <a:r>
-              <a:rPr lang="be-BY" dirty="0" smtClean="0"/>
+              <a:rPr lang="be-BY" dirty="0"/>
               <a:t>азработана</a:t>
             </a:r>
             <a:r>
-              <a:rPr lang="ru-RU" dirty="0" smtClean="0"/>
+              <a:rPr lang="ru-RU" dirty="0"/>
               <a:t> с</a:t>
             </a:r>
             <a:r>
-              <a:rPr lang="be-BY" dirty="0" smtClean="0"/>
+              <a:rPr lang="be-BY" dirty="0"/>
               <a:t>истема, которая предоставляет возможность</a:t>
             </a:r>
             <a:r>
-              <a:rPr lang="ru-RU" dirty="0" smtClean="0"/>
+              <a:rPr lang="ru-RU" dirty="0"/>
               <a:t> в режиме реального времени</a:t>
             </a:r>
             <a:r>
-              <a:rPr lang="be-BY" dirty="0" smtClean="0"/>
+              <a:rPr lang="be-BY" dirty="0"/>
               <a:t> отслеживать </a:t>
             </a:r>
             <a:r>
-              <a:rPr lang="ru-RU" dirty="0" smtClean="0"/>
+              <a:rPr lang="ru-RU" dirty="0"/>
               <a:t>поведение человека</a:t>
             </a:r>
             <a:r>
-              <a:rPr lang="be-BY" dirty="0" smtClean="0"/>
+              <a:rPr lang="be-BY" dirty="0"/>
               <a:t> через интернет, </a:t>
             </a:r>
             <a:r>
-              <a:rPr lang="ru-RU" dirty="0" smtClean="0"/>
+              <a:rPr lang="ru-RU" dirty="0"/>
               <a:t>делать предположения о его психологическом состоянии</a:t>
             </a:r>
             <a:r>
-              <a:rPr lang="be-BY" dirty="0" smtClean="0"/>
+              <a:rPr lang="be-BY" dirty="0"/>
               <a:t>.</a:t>
             </a:r>
           </a:p>
@@ -3798,18 +3759,14 @@
               <a:buAutoNum type="arabicPeriod" startAt="5"/>
             </a:pPr>
             <a:r>
-              <a:rPr lang="ru-RU" dirty="0" smtClean="0"/>
-              <a:t>Проведено тестирование </a:t>
-            </a:r>
-            <a:r>
-              <a:rPr lang="ru-RU" dirty="0" smtClean="0"/>
-              <a:t>классификатора.</a:t>
-            </a:r>
-            <a:r>
-              <a:rPr lang="be-BY" dirty="0" smtClean="0"/>
+              <a:rPr lang="ru-RU" dirty="0"/>
+              <a:t>Проведено тестирование классификатора.</a:t>
+            </a:r>
+            <a:r>
+              <a:rPr lang="be-BY" dirty="0"/>
               <a:t> </a:t>
             </a:r>
-            <a:endParaRPr lang="en-US" dirty="0" smtClean="0"/>
+            <a:endParaRPr lang="en-US" dirty="0"/>
           </a:p>
         </p:txBody>
       </p:sp>
@@ -3854,7 +3811,7 @@
           <a:lstStyle/>
           <a:p>
             <a:r>
-              <a:rPr lang="ru-RU" dirty="0" smtClean="0"/>
+              <a:rPr lang="ru-RU" dirty="0"/>
               <a:t>ВЫВОДЫ</a:t>
             </a:r>
             <a:endParaRPr lang="be-BY" dirty="0"/>
@@ -3879,39 +3836,18 @@
           <a:lstStyle/>
           <a:p>
             <a:r>
-              <a:rPr lang="ru-RU" dirty="0" smtClean="0"/>
-              <a:t>Разработанная система может предоставить врачу объективную информацию о поведении человека и сократить время на осмотр симптомов</a:t>
-            </a:r>
-          </a:p>
-          <a:p>
-            <a:r>
-              <a:rPr lang="ru-RU" dirty="0" smtClean="0"/>
-              <a:t>По итогам тестирования </a:t>
-            </a:r>
-            <a:r>
-              <a:rPr lang="ru-RU" dirty="0" smtClean="0"/>
-              <a:t>классификатора </a:t>
-            </a:r>
-            <a:r>
-              <a:rPr lang="ru-RU" dirty="0" smtClean="0"/>
-              <a:t>было показано, что </a:t>
-            </a:r>
-            <a:r>
-              <a:rPr lang="ru-RU" dirty="0" smtClean="0"/>
-              <a:t>он может </a:t>
-            </a:r>
-            <a:r>
-              <a:rPr lang="ru-RU" dirty="0" smtClean="0"/>
-              <a:t>с высокой точностью </a:t>
-            </a:r>
-            <a:r>
-              <a:rPr lang="ru-RU" dirty="0" smtClean="0"/>
-              <a:t>делать предположения о психологическом состоянии человека</a:t>
-            </a:r>
-            <a:endParaRPr lang="ru-RU" dirty="0" smtClean="0"/>
-          </a:p>
-          <a:p>
-            <a:endParaRPr lang="en-US" dirty="0" smtClean="0"/>
+              <a:rPr lang="ru-RU" dirty="0"/>
+              <a:t>Разработанная система может предоставить врачу объективную информацию о поведении человека и сократить время на осмотр симптомов.</a:t>
+            </a:r>
+          </a:p>
+          <a:p>
+            <a:r>
+              <a:rPr lang="ru-RU" dirty="0"/>
+              <a:t>По итогам тестирования классификатора было показано, что он может с высокой точностью делать предположения о психологическом состоянии человека.</a:t>
+            </a:r>
+          </a:p>
+          <a:p>
+            <a:endParaRPr lang="en-US" dirty="0"/>
           </a:p>
         </p:txBody>
       </p:sp>
@@ -3981,7 +3917,7 @@
               <a:defRPr/>
             </a:pPr>
             <a:r>
-              <a:rPr kumimoji="0" lang="ru-RU" sz="4400" b="0" i="0" u="none" strike="noStrike" kern="1200" cap="none" spc="0" normalizeH="0" baseline="0" noProof="0" smtClean="0">
+              <a:rPr kumimoji="0" lang="ru-RU" sz="4400" b="0" i="0" u="none" strike="noStrike" kern="1200" cap="none" spc="0" normalizeH="0" baseline="0" noProof="0">
                 <a:ln>
                   <a:noFill/>
                 </a:ln>
@@ -4015,1092 +3951,6 @@
         </p:txBody>
       </p:sp>
     </p:spTree>
-  </p:cSld>
-  <p:clrMapOvr>
-    <a:masterClrMapping/>
-  </p:clrMapOvr>
-</p:sld>
-</file>
-
-<file path=ppt/slides/slide13.xml><?xml version="1.0" encoding="utf-8"?>
-<p:sld xmlns:a="http://schemas.openxmlformats.org/drawingml/2006/main" xmlns:r="http://schemas.openxmlformats.org/officeDocument/2006/relationships" xmlns:p="http://schemas.openxmlformats.org/presentationml/2006/main">
-  <p:cSld>
-    <p:spTree>
-      <p:nvGrpSpPr>
-        <p:cNvPr id="1" name=""/>
-        <p:cNvGrpSpPr/>
-        <p:nvPr/>
-      </p:nvGrpSpPr>
-      <p:grpSpPr>
-        <a:xfrm>
-          <a:off x="0" y="0"/>
-          <a:ext cx="0" cy="0"/>
-          <a:chOff x="0" y="0"/>
-          <a:chExt cx="0" cy="0"/>
-        </a:xfrm>
-      </p:grpSpPr>
-      <p:sp>
-        <p:nvSpPr>
-          <p:cNvPr id="2" name="Title 1">
-            <a:extLst>
-              <a:ext uri="{FF2B5EF4-FFF2-40B4-BE49-F238E27FC236}">
-                <a16:creationId xmlns:a16="http://schemas.microsoft.com/office/drawing/2014/main" xmlns="" id="{C13E784F-290D-4B4E-A869-6AA5DE69A538}"/>
-              </a:ext>
-            </a:extLst>
-          </p:cNvPr>
-          <p:cNvSpPr>
-            <a:spLocks noGrp="1"/>
-          </p:cNvSpPr>
-          <p:nvPr>
-            <p:ph type="title"/>
-          </p:nvPr>
-        </p:nvSpPr>
-        <p:spPr>
-          <a:xfrm>
-            <a:off x="838200" y="0"/>
-            <a:ext cx="10515600" cy="1325563"/>
-          </a:xfrm>
-        </p:spPr>
-        <p:txBody>
-          <a:bodyPr>
-            <a:normAutofit/>
-          </a:bodyPr>
-          <a:lstStyle/>
-          <a:p>
-            <a:r>
-              <a:rPr lang="ru-RU" sz="3300" dirty="0">
-                <a:latin typeface="Times New Roman" panose="02020603050405020304" pitchFamily="18" charset="0"/>
-                <a:cs typeface="Times New Roman" panose="02020603050405020304" pitchFamily="18" charset="0"/>
-              </a:rPr>
-              <a:t>Глава 4 Создание программного средства</a:t>
-            </a:r>
-            <a:r>
-              <a:rPr lang="en-US" sz="3300" dirty="0">
-                <a:latin typeface="Times New Roman" panose="02020603050405020304" pitchFamily="18" charset="0"/>
-                <a:cs typeface="Times New Roman" panose="02020603050405020304" pitchFamily="18" charset="0"/>
-              </a:rPr>
-              <a:t/>
-            </a:r>
-            <a:br>
-              <a:rPr lang="en-US" sz="3300" dirty="0">
-                <a:latin typeface="Times New Roman" panose="02020603050405020304" pitchFamily="18" charset="0"/>
-                <a:cs typeface="Times New Roman" panose="02020603050405020304" pitchFamily="18" charset="0"/>
-              </a:rPr>
-            </a:br>
-            <a:r>
-              <a:rPr lang="ru-RU" sz="3300" dirty="0">
-                <a:latin typeface="Times New Roman" panose="02020603050405020304" pitchFamily="18" charset="0"/>
-                <a:cs typeface="Times New Roman" panose="02020603050405020304" pitchFamily="18" charset="0"/>
-              </a:rPr>
-              <a:t>4.1 Реализация частей системы</a:t>
-            </a:r>
-            <a:r>
-              <a:rPr lang="en-US" sz="3300" dirty="0">
-                <a:latin typeface="Times New Roman" panose="02020603050405020304" pitchFamily="18" charset="0"/>
-                <a:cs typeface="Times New Roman" panose="02020603050405020304" pitchFamily="18" charset="0"/>
-              </a:rPr>
-              <a:t> – </a:t>
-            </a:r>
-            <a:r>
-              <a:rPr lang="ru-RU" sz="3300" dirty="0">
-                <a:latin typeface="Times New Roman" panose="02020603050405020304" pitchFamily="18" charset="0"/>
-                <a:cs typeface="Times New Roman" panose="02020603050405020304" pitchFamily="18" charset="0"/>
-              </a:rPr>
-              <a:t>мобильное приложение</a:t>
-            </a:r>
-            <a:endParaRPr lang="en-US" sz="3300" dirty="0">
-              <a:latin typeface="Times New Roman" panose="02020603050405020304" pitchFamily="18" charset="0"/>
-              <a:cs typeface="Times New Roman" panose="02020603050405020304" pitchFamily="18" charset="0"/>
-            </a:endParaRPr>
-          </a:p>
-        </p:txBody>
-      </p:sp>
-      <p:sp>
-        <p:nvSpPr>
-          <p:cNvPr id="3" name="Content Placeholder 2">
-            <a:extLst>
-              <a:ext uri="{FF2B5EF4-FFF2-40B4-BE49-F238E27FC236}">
-                <a16:creationId xmlns:a16="http://schemas.microsoft.com/office/drawing/2014/main" xmlns="" id="{F688F72E-1EE0-4CE9-9602-7AE82FA1A39D}"/>
-              </a:ext>
-            </a:extLst>
-          </p:cNvPr>
-          <p:cNvSpPr>
-            <a:spLocks noGrp="1"/>
-          </p:cNvSpPr>
-          <p:nvPr>
-            <p:ph idx="1"/>
-          </p:nvPr>
-        </p:nvSpPr>
-        <p:spPr/>
-        <p:txBody>
-          <a:bodyPr>
-            <a:normAutofit/>
-          </a:bodyPr>
-          <a:lstStyle/>
-          <a:p>
-            <a:pPr marL="0" indent="0" algn="just">
-              <a:buNone/>
-            </a:pPr>
-            <a:r>
-              <a:rPr lang="en-US" dirty="0">
-                <a:latin typeface="Times New Roman" panose="02020603050405020304" pitchFamily="18" charset="0"/>
-                <a:cs typeface="Times New Roman" panose="02020603050405020304" pitchFamily="18" charset="0"/>
-              </a:rPr>
-              <a:t>	</a:t>
-            </a:r>
-            <a:r>
-              <a:rPr lang="be-BY" dirty="0">
-                <a:latin typeface="Times New Roman" panose="02020603050405020304" pitchFamily="18" charset="0"/>
-                <a:cs typeface="Times New Roman" panose="02020603050405020304" pitchFamily="18" charset="0"/>
-              </a:rPr>
-              <a:t>Основной задачей мобильного приложения является сбор поведенческой информации пациента, такой как история звонков, сообщений и перемещений. Данная часть системы не нуждается в наличие графического интерфейса и должна работать в фоне. Поэтому было принято решение создать Android службу (сервис).</a:t>
-            </a:r>
-            <a:endParaRPr lang="en-US" dirty="0">
-              <a:latin typeface="Times New Roman" panose="02020603050405020304" pitchFamily="18" charset="0"/>
-              <a:cs typeface="Times New Roman" panose="02020603050405020304" pitchFamily="18" charset="0"/>
-            </a:endParaRPr>
-          </a:p>
-          <a:p>
-            <a:pPr marL="0" indent="0" algn="just">
-              <a:buNone/>
-            </a:pPr>
-            <a:r>
-              <a:rPr lang="en-US" dirty="0">
-                <a:latin typeface="Times New Roman" panose="02020603050405020304" pitchFamily="18" charset="0"/>
-                <a:cs typeface="Times New Roman" panose="02020603050405020304" pitchFamily="18" charset="0"/>
-              </a:rPr>
-              <a:t>	</a:t>
-            </a:r>
-            <a:r>
-              <a:rPr lang="ru-RU" dirty="0">
-                <a:latin typeface="Times New Roman" panose="02020603050405020304" pitchFamily="18" charset="0"/>
-                <a:cs typeface="Times New Roman" panose="02020603050405020304" pitchFamily="18" charset="0"/>
-              </a:rPr>
-              <a:t>Для доступа к истории звонков и сообщений был использован поставщик контента Android.</a:t>
-            </a:r>
-            <a:endParaRPr lang="en-US" dirty="0">
-              <a:latin typeface="Times New Roman" panose="02020603050405020304" pitchFamily="18" charset="0"/>
-              <a:cs typeface="Times New Roman" panose="02020603050405020304" pitchFamily="18" charset="0"/>
-            </a:endParaRPr>
-          </a:p>
-          <a:p>
-            <a:pPr marL="0" indent="0" algn="just">
-              <a:buNone/>
-            </a:pPr>
-            <a:r>
-              <a:rPr lang="en-US" dirty="0">
-                <a:latin typeface="Times New Roman" panose="02020603050405020304" pitchFamily="18" charset="0"/>
-                <a:cs typeface="Times New Roman" panose="02020603050405020304" pitchFamily="18" charset="0"/>
-              </a:rPr>
-              <a:t>	</a:t>
-            </a:r>
-            <a:r>
-              <a:rPr lang="ru-RU" dirty="0">
-                <a:latin typeface="Times New Roman" panose="02020603050405020304" pitchFamily="18" charset="0"/>
-                <a:cs typeface="Times New Roman" panose="02020603050405020304" pitchFamily="18" charset="0"/>
-              </a:rPr>
-              <a:t>Смартфоны и планшеты на базе Android постоянно фиксируют местоположение пользователя и хранят эти данные</a:t>
-            </a:r>
-            <a:r>
-              <a:rPr lang="en-US" dirty="0">
-                <a:latin typeface="Times New Roman" panose="02020603050405020304" pitchFamily="18" charset="0"/>
-                <a:cs typeface="Times New Roman" panose="02020603050405020304" pitchFamily="18" charset="0"/>
-              </a:rPr>
-              <a:t>.</a:t>
-            </a:r>
-            <a:endParaRPr lang="en-US" dirty="0"/>
-          </a:p>
-        </p:txBody>
-      </p:sp>
-    </p:spTree>
-    <p:extLst>
-      <p:ext uri="{BB962C8B-B14F-4D97-AF65-F5344CB8AC3E}">
-        <p14:creationId xmlns:p14="http://schemas.microsoft.com/office/powerpoint/2010/main" xmlns="" val="836772511"/>
-      </p:ext>
-    </p:extLst>
-  </p:cSld>
-  <p:clrMapOvr>
-    <a:masterClrMapping/>
-  </p:clrMapOvr>
-</p:sld>
-</file>
-
-<file path=ppt/slides/slide14.xml><?xml version="1.0" encoding="utf-8"?>
-<p:sld xmlns:a="http://schemas.openxmlformats.org/drawingml/2006/main" xmlns:r="http://schemas.openxmlformats.org/officeDocument/2006/relationships" xmlns:p="http://schemas.openxmlformats.org/presentationml/2006/main">
-  <p:cSld>
-    <p:spTree>
-      <p:nvGrpSpPr>
-        <p:cNvPr id="1" name=""/>
-        <p:cNvGrpSpPr/>
-        <p:nvPr/>
-      </p:nvGrpSpPr>
-      <p:grpSpPr>
-        <a:xfrm>
-          <a:off x="0" y="0"/>
-          <a:ext cx="0" cy="0"/>
-          <a:chOff x="0" y="0"/>
-          <a:chExt cx="0" cy="0"/>
-        </a:xfrm>
-      </p:grpSpPr>
-      <p:sp>
-        <p:nvSpPr>
-          <p:cNvPr id="2" name="Title 1">
-            <a:extLst>
-              <a:ext uri="{FF2B5EF4-FFF2-40B4-BE49-F238E27FC236}">
-                <a16:creationId xmlns:a16="http://schemas.microsoft.com/office/drawing/2014/main" xmlns="" id="{B359B1F9-6EBC-4834-8372-A41522EDCC6E}"/>
-              </a:ext>
-            </a:extLst>
-          </p:cNvPr>
-          <p:cNvSpPr>
-            <a:spLocks noGrp="1"/>
-          </p:cNvSpPr>
-          <p:nvPr>
-            <p:ph type="title"/>
-          </p:nvPr>
-        </p:nvSpPr>
-        <p:spPr>
-          <a:xfrm>
-            <a:off x="838200" y="18255"/>
-            <a:ext cx="10515600" cy="1325563"/>
-          </a:xfrm>
-        </p:spPr>
-        <p:txBody>
-          <a:bodyPr>
-            <a:normAutofit/>
-          </a:bodyPr>
-          <a:lstStyle/>
-          <a:p>
-            <a:r>
-              <a:rPr lang="ru-RU" sz="3300" dirty="0">
-                <a:latin typeface="Times New Roman" panose="02020603050405020304" pitchFamily="18" charset="0"/>
-                <a:cs typeface="Times New Roman" panose="02020603050405020304" pitchFamily="18" charset="0"/>
-              </a:rPr>
-              <a:t>Глава 4 Создание программного средства</a:t>
-            </a:r>
-            <a:r>
-              <a:rPr lang="en-US" sz="3300" dirty="0">
-                <a:latin typeface="Times New Roman" panose="02020603050405020304" pitchFamily="18" charset="0"/>
-                <a:cs typeface="Times New Roman" panose="02020603050405020304" pitchFamily="18" charset="0"/>
-              </a:rPr>
-              <a:t/>
-            </a:r>
-            <a:br>
-              <a:rPr lang="en-US" sz="3300" dirty="0">
-                <a:latin typeface="Times New Roman" panose="02020603050405020304" pitchFamily="18" charset="0"/>
-                <a:cs typeface="Times New Roman" panose="02020603050405020304" pitchFamily="18" charset="0"/>
-              </a:rPr>
-            </a:br>
-            <a:r>
-              <a:rPr lang="ru-RU" sz="3300" dirty="0">
-                <a:latin typeface="Times New Roman" panose="02020603050405020304" pitchFamily="18" charset="0"/>
-                <a:cs typeface="Times New Roman" panose="02020603050405020304" pitchFamily="18" charset="0"/>
-              </a:rPr>
-              <a:t>4.1 Реализация частей системы</a:t>
-            </a:r>
-            <a:r>
-              <a:rPr lang="en-US" sz="3300" dirty="0">
-                <a:latin typeface="Times New Roman" panose="02020603050405020304" pitchFamily="18" charset="0"/>
-                <a:cs typeface="Times New Roman" panose="02020603050405020304" pitchFamily="18" charset="0"/>
-              </a:rPr>
-              <a:t> – </a:t>
-            </a:r>
-            <a:r>
-              <a:rPr lang="ru-RU" sz="3300" dirty="0">
-                <a:latin typeface="Times New Roman" panose="02020603050405020304" pitchFamily="18" charset="0"/>
-                <a:cs typeface="Times New Roman" panose="02020603050405020304" pitchFamily="18" charset="0"/>
-              </a:rPr>
-              <a:t>сервер</a:t>
-            </a:r>
-            <a:endParaRPr lang="en-US" sz="3300" dirty="0"/>
-          </a:p>
-        </p:txBody>
-      </p:sp>
-      <p:sp>
-        <p:nvSpPr>
-          <p:cNvPr id="3" name="Content Placeholder 2">
-            <a:extLst>
-              <a:ext uri="{FF2B5EF4-FFF2-40B4-BE49-F238E27FC236}">
-                <a16:creationId xmlns:a16="http://schemas.microsoft.com/office/drawing/2014/main" xmlns="" id="{00A857F2-FBEA-4DD2-AC28-BEC3EE81AD69}"/>
-              </a:ext>
-            </a:extLst>
-          </p:cNvPr>
-          <p:cNvSpPr>
-            <a:spLocks noGrp="1"/>
-          </p:cNvSpPr>
-          <p:nvPr>
-            <p:ph idx="1"/>
-          </p:nvPr>
-        </p:nvSpPr>
-        <p:spPr/>
-        <p:txBody>
-          <a:bodyPr/>
-          <a:lstStyle/>
-          <a:p>
-            <a:pPr marL="0" indent="0" algn="just">
-              <a:buNone/>
-            </a:pPr>
-            <a:r>
-              <a:rPr lang="en-US" dirty="0"/>
-              <a:t>	</a:t>
-            </a:r>
-            <a:r>
-              <a:rPr lang="ru-RU" dirty="0">
-                <a:latin typeface="Times New Roman" panose="02020603050405020304" pitchFamily="18" charset="0"/>
-                <a:cs typeface="Times New Roman" panose="02020603050405020304" pitchFamily="18" charset="0"/>
-              </a:rPr>
-              <a:t>Основной задачей сервера является получение и предоставление данных о пациенте. Б</a:t>
-            </a:r>
-            <a:r>
-              <a:rPr lang="be-BY" dirty="0">
-                <a:latin typeface="Times New Roman" panose="02020603050405020304" pitchFamily="18" charset="0"/>
-                <a:cs typeface="Times New Roman" panose="02020603050405020304" pitchFamily="18" charset="0"/>
-              </a:rPr>
-              <a:t>ыл разработан с использованием технологии </a:t>
-            </a:r>
-            <a:r>
-              <a:rPr lang="en-US" dirty="0">
-                <a:latin typeface="Times New Roman" panose="02020603050405020304" pitchFamily="18" charset="0"/>
-                <a:cs typeface="Times New Roman" panose="02020603050405020304" pitchFamily="18" charset="0"/>
-              </a:rPr>
-              <a:t>ASP</a:t>
-            </a:r>
-            <a:r>
-              <a:rPr lang="be-BY" dirty="0">
-                <a:latin typeface="Times New Roman" panose="02020603050405020304" pitchFamily="18" charset="0"/>
-                <a:cs typeface="Times New Roman" panose="02020603050405020304" pitchFamily="18" charset="0"/>
-              </a:rPr>
-              <a:t>.</a:t>
-            </a:r>
-            <a:r>
-              <a:rPr lang="en-US" dirty="0">
-                <a:latin typeface="Times New Roman" panose="02020603050405020304" pitchFamily="18" charset="0"/>
-                <a:cs typeface="Times New Roman" panose="02020603050405020304" pitchFamily="18" charset="0"/>
-              </a:rPr>
-              <a:t>NET Web API</a:t>
-            </a:r>
-            <a:r>
-              <a:rPr lang="be-BY" dirty="0">
-                <a:latin typeface="Times New Roman" panose="02020603050405020304" pitchFamily="18" charset="0"/>
-                <a:cs typeface="Times New Roman" panose="02020603050405020304" pitchFamily="18" charset="0"/>
-              </a:rPr>
-              <a:t> 2.0, доступ к ресурсам котор</a:t>
-            </a:r>
-            <a:r>
-              <a:rPr lang="ru-RU" dirty="0">
-                <a:latin typeface="Times New Roman" panose="02020603050405020304" pitchFamily="18" charset="0"/>
-                <a:cs typeface="Times New Roman" panose="02020603050405020304" pitchFamily="18" charset="0"/>
-              </a:rPr>
-              <a:t>ого </a:t>
-            </a:r>
-            <a:r>
-              <a:rPr lang="be-BY" dirty="0">
-                <a:latin typeface="Times New Roman" panose="02020603050405020304" pitchFamily="18" charset="0"/>
-                <a:cs typeface="Times New Roman" panose="02020603050405020304" pitchFamily="18" charset="0"/>
-              </a:rPr>
-              <a:t>предоставляется через </a:t>
-            </a:r>
-            <a:r>
-              <a:rPr lang="en-US" dirty="0">
-                <a:latin typeface="Times New Roman" panose="02020603050405020304" pitchFamily="18" charset="0"/>
-                <a:cs typeface="Times New Roman" panose="02020603050405020304" pitchFamily="18" charset="0"/>
-              </a:rPr>
-              <a:t>HTTP</a:t>
-            </a:r>
-            <a:r>
-              <a:rPr lang="be-BY" dirty="0">
-                <a:latin typeface="Times New Roman" panose="02020603050405020304" pitchFamily="18" charset="0"/>
-                <a:cs typeface="Times New Roman" panose="02020603050405020304" pitchFamily="18" charset="0"/>
-              </a:rPr>
-              <a:t> запросы. </a:t>
-            </a:r>
-            <a:r>
-              <a:rPr lang="ru-RU" dirty="0">
-                <a:latin typeface="Times New Roman" panose="02020603050405020304" pitchFamily="18" charset="0"/>
-                <a:cs typeface="Times New Roman" panose="02020603050405020304" pitchFamily="18" charset="0"/>
-              </a:rPr>
-              <a:t>Получает всю поведенческую информацию пациента от мобильного приложения и сохраняет её в базу данных.</a:t>
-            </a:r>
-            <a:endParaRPr lang="en-US" dirty="0">
-              <a:latin typeface="Times New Roman" panose="02020603050405020304" pitchFamily="18" charset="0"/>
-              <a:cs typeface="Times New Roman" panose="02020603050405020304" pitchFamily="18" charset="0"/>
-            </a:endParaRPr>
-          </a:p>
-        </p:txBody>
-      </p:sp>
-    </p:spTree>
-    <p:extLst>
-      <p:ext uri="{BB962C8B-B14F-4D97-AF65-F5344CB8AC3E}">
-        <p14:creationId xmlns:p14="http://schemas.microsoft.com/office/powerpoint/2010/main" xmlns="" val="162237773"/>
-      </p:ext>
-    </p:extLst>
-  </p:cSld>
-  <p:clrMapOvr>
-    <a:masterClrMapping/>
-  </p:clrMapOvr>
-</p:sld>
-</file>
-
-<file path=ppt/slides/slide15.xml><?xml version="1.0" encoding="utf-8"?>
-<p:sld xmlns:a="http://schemas.openxmlformats.org/drawingml/2006/main" xmlns:r="http://schemas.openxmlformats.org/officeDocument/2006/relationships" xmlns:p="http://schemas.openxmlformats.org/presentationml/2006/main">
-  <p:cSld>
-    <p:spTree>
-      <p:nvGrpSpPr>
-        <p:cNvPr id="1" name=""/>
-        <p:cNvGrpSpPr/>
-        <p:nvPr/>
-      </p:nvGrpSpPr>
-      <p:grpSpPr>
-        <a:xfrm>
-          <a:off x="0" y="0"/>
-          <a:ext cx="0" cy="0"/>
-          <a:chOff x="0" y="0"/>
-          <a:chExt cx="0" cy="0"/>
-        </a:xfrm>
-      </p:grpSpPr>
-      <p:sp>
-        <p:nvSpPr>
-          <p:cNvPr id="2" name="Title 1">
-            <a:extLst>
-              <a:ext uri="{FF2B5EF4-FFF2-40B4-BE49-F238E27FC236}">
-                <a16:creationId xmlns:a16="http://schemas.microsoft.com/office/drawing/2014/main" xmlns="" id="{2C0F4CC8-13B3-478B-BDA1-E9E22D3EE906}"/>
-              </a:ext>
-            </a:extLst>
-          </p:cNvPr>
-          <p:cNvSpPr>
-            <a:spLocks noGrp="1"/>
-          </p:cNvSpPr>
-          <p:nvPr>
-            <p:ph type="title"/>
-          </p:nvPr>
-        </p:nvSpPr>
-        <p:spPr>
-          <a:xfrm>
-            <a:off x="838200" y="18255"/>
-            <a:ext cx="10515600" cy="1325563"/>
-          </a:xfrm>
-        </p:spPr>
-        <p:txBody>
-          <a:bodyPr>
-            <a:normAutofit/>
-          </a:bodyPr>
-          <a:lstStyle/>
-          <a:p>
-            <a:r>
-              <a:rPr lang="ru-RU" sz="3300" dirty="0">
-                <a:latin typeface="Times New Roman" panose="02020603050405020304" pitchFamily="18" charset="0"/>
-                <a:cs typeface="Times New Roman" panose="02020603050405020304" pitchFamily="18" charset="0"/>
-              </a:rPr>
-              <a:t>Глава 4 Создание программного средства</a:t>
-            </a:r>
-            <a:r>
-              <a:rPr lang="en-US" sz="3300" dirty="0">
-                <a:latin typeface="Times New Roman" panose="02020603050405020304" pitchFamily="18" charset="0"/>
-                <a:cs typeface="Times New Roman" panose="02020603050405020304" pitchFamily="18" charset="0"/>
-              </a:rPr>
-              <a:t/>
-            </a:r>
-            <a:br>
-              <a:rPr lang="en-US" sz="3300" dirty="0">
-                <a:latin typeface="Times New Roman" panose="02020603050405020304" pitchFamily="18" charset="0"/>
-                <a:cs typeface="Times New Roman" panose="02020603050405020304" pitchFamily="18" charset="0"/>
-              </a:rPr>
-            </a:br>
-            <a:r>
-              <a:rPr lang="ru-RU" sz="3300" dirty="0">
-                <a:latin typeface="Times New Roman" panose="02020603050405020304" pitchFamily="18" charset="0"/>
-                <a:cs typeface="Times New Roman" panose="02020603050405020304" pitchFamily="18" charset="0"/>
-              </a:rPr>
-              <a:t>4.1 Реализация частей системы</a:t>
-            </a:r>
-            <a:r>
-              <a:rPr lang="en-US" sz="3300" dirty="0">
-                <a:latin typeface="Times New Roman" panose="02020603050405020304" pitchFamily="18" charset="0"/>
-                <a:cs typeface="Times New Roman" panose="02020603050405020304" pitchFamily="18" charset="0"/>
-              </a:rPr>
-              <a:t> – </a:t>
-            </a:r>
-            <a:r>
-              <a:rPr lang="ru-RU" sz="3300" dirty="0">
-                <a:latin typeface="Times New Roman" panose="02020603050405020304" pitchFamily="18" charset="0"/>
-                <a:cs typeface="Times New Roman" panose="02020603050405020304" pitchFamily="18" charset="0"/>
-              </a:rPr>
-              <a:t>вычислительный сервис</a:t>
-            </a:r>
-            <a:endParaRPr lang="en-US" sz="3300" dirty="0"/>
-          </a:p>
-        </p:txBody>
-      </p:sp>
-      <p:sp>
-        <p:nvSpPr>
-          <p:cNvPr id="3" name="Content Placeholder 2">
-            <a:extLst>
-              <a:ext uri="{FF2B5EF4-FFF2-40B4-BE49-F238E27FC236}">
-                <a16:creationId xmlns:a16="http://schemas.microsoft.com/office/drawing/2014/main" xmlns="" id="{CA675FB7-FCAB-4D1B-A4A8-3F585CEE5967}"/>
-              </a:ext>
-            </a:extLst>
-          </p:cNvPr>
-          <p:cNvSpPr>
-            <a:spLocks noGrp="1"/>
-          </p:cNvSpPr>
-          <p:nvPr>
-            <p:ph idx="1"/>
-          </p:nvPr>
-        </p:nvSpPr>
-        <p:spPr/>
-        <p:txBody>
-          <a:bodyPr/>
-          <a:lstStyle/>
-          <a:p>
-            <a:pPr marL="0" indent="0" algn="just">
-              <a:buNone/>
-            </a:pPr>
-            <a:r>
-              <a:rPr lang="ru-RU" dirty="0"/>
-              <a:t>	</a:t>
-            </a:r>
-            <a:r>
-              <a:rPr lang="ru-RU" dirty="0">
-                <a:latin typeface="Times New Roman" panose="02020603050405020304" pitchFamily="18" charset="0"/>
-                <a:cs typeface="Times New Roman" panose="02020603050405020304" pitchFamily="18" charset="0"/>
-              </a:rPr>
-              <a:t>Сервис автоматически запускается каждые двадцать четыре часа. При запуске производится проверка данных пациента на наличие новой информации, и выполняется пересчет психологического состояния.</a:t>
-            </a:r>
-            <a:endParaRPr lang="en-US" dirty="0">
-              <a:latin typeface="Times New Roman" panose="02020603050405020304" pitchFamily="18" charset="0"/>
-              <a:cs typeface="Times New Roman" panose="02020603050405020304" pitchFamily="18" charset="0"/>
-            </a:endParaRPr>
-          </a:p>
-        </p:txBody>
-      </p:sp>
-    </p:spTree>
-    <p:extLst>
-      <p:ext uri="{BB962C8B-B14F-4D97-AF65-F5344CB8AC3E}">
-        <p14:creationId xmlns:p14="http://schemas.microsoft.com/office/powerpoint/2010/main" xmlns="" val="2250061185"/>
-      </p:ext>
-    </p:extLst>
-  </p:cSld>
-  <p:clrMapOvr>
-    <a:masterClrMapping/>
-  </p:clrMapOvr>
-</p:sld>
-</file>
-
-<file path=ppt/slides/slide16.xml><?xml version="1.0" encoding="utf-8"?>
-<p:sld xmlns:a="http://schemas.openxmlformats.org/drawingml/2006/main" xmlns:r="http://schemas.openxmlformats.org/officeDocument/2006/relationships" xmlns:p="http://schemas.openxmlformats.org/presentationml/2006/main">
-  <p:cSld>
-    <p:spTree>
-      <p:nvGrpSpPr>
-        <p:cNvPr id="1" name=""/>
-        <p:cNvGrpSpPr/>
-        <p:nvPr/>
-      </p:nvGrpSpPr>
-      <p:grpSpPr>
-        <a:xfrm>
-          <a:off x="0" y="0"/>
-          <a:ext cx="0" cy="0"/>
-          <a:chOff x="0" y="0"/>
-          <a:chExt cx="0" cy="0"/>
-        </a:xfrm>
-      </p:grpSpPr>
-      <p:sp>
-        <p:nvSpPr>
-          <p:cNvPr id="2" name="Title 1">
-            <a:extLst>
-              <a:ext uri="{FF2B5EF4-FFF2-40B4-BE49-F238E27FC236}">
-                <a16:creationId xmlns:a16="http://schemas.microsoft.com/office/drawing/2014/main" xmlns="" id="{EC46A109-4E49-48D1-A6AE-8613B9559675}"/>
-              </a:ext>
-            </a:extLst>
-          </p:cNvPr>
-          <p:cNvSpPr>
-            <a:spLocks noGrp="1"/>
-          </p:cNvSpPr>
-          <p:nvPr>
-            <p:ph type="title"/>
-          </p:nvPr>
-        </p:nvSpPr>
-        <p:spPr>
-          <a:xfrm>
-            <a:off x="838200" y="0"/>
-            <a:ext cx="10515600" cy="1325563"/>
-          </a:xfrm>
-        </p:spPr>
-        <p:txBody>
-          <a:bodyPr>
-            <a:normAutofit/>
-          </a:bodyPr>
-          <a:lstStyle/>
-          <a:p>
-            <a:r>
-              <a:rPr lang="ru-RU" sz="3300" dirty="0">
-                <a:latin typeface="Times New Roman" panose="02020603050405020304" pitchFamily="18" charset="0"/>
-                <a:cs typeface="Times New Roman" panose="02020603050405020304" pitchFamily="18" charset="0"/>
-              </a:rPr>
-              <a:t>Глава 4 Создание программного средства</a:t>
-            </a:r>
-            <a:r>
-              <a:rPr lang="en-US" sz="3300" dirty="0">
-                <a:latin typeface="Times New Roman" panose="02020603050405020304" pitchFamily="18" charset="0"/>
-                <a:cs typeface="Times New Roman" panose="02020603050405020304" pitchFamily="18" charset="0"/>
-              </a:rPr>
-              <a:t/>
-            </a:r>
-            <a:br>
-              <a:rPr lang="en-US" sz="3300" dirty="0">
-                <a:latin typeface="Times New Roman" panose="02020603050405020304" pitchFamily="18" charset="0"/>
-                <a:cs typeface="Times New Roman" panose="02020603050405020304" pitchFamily="18" charset="0"/>
-              </a:rPr>
-            </a:br>
-            <a:r>
-              <a:rPr lang="ru-RU" sz="3300" dirty="0">
-                <a:latin typeface="Times New Roman" panose="02020603050405020304" pitchFamily="18" charset="0"/>
-                <a:cs typeface="Times New Roman" panose="02020603050405020304" pitchFamily="18" charset="0"/>
-              </a:rPr>
-              <a:t>4.1 Реализация частей системы</a:t>
-            </a:r>
-            <a:r>
-              <a:rPr lang="en-US" sz="3300" dirty="0">
-                <a:latin typeface="Times New Roman" panose="02020603050405020304" pitchFamily="18" charset="0"/>
-                <a:cs typeface="Times New Roman" panose="02020603050405020304" pitchFamily="18" charset="0"/>
-              </a:rPr>
-              <a:t> – </a:t>
-            </a:r>
-            <a:r>
-              <a:rPr lang="ru-RU" sz="3300" dirty="0">
-                <a:latin typeface="Times New Roman" panose="02020603050405020304" pitchFamily="18" charset="0"/>
-                <a:cs typeface="Times New Roman" panose="02020603050405020304" pitchFamily="18" charset="0"/>
-              </a:rPr>
-              <a:t>веб-приложение</a:t>
-            </a:r>
-            <a:endParaRPr lang="en-US" sz="3300" dirty="0"/>
-          </a:p>
-        </p:txBody>
-      </p:sp>
-      <p:sp>
-        <p:nvSpPr>
-          <p:cNvPr id="3" name="Content Placeholder 2">
-            <a:extLst>
-              <a:ext uri="{FF2B5EF4-FFF2-40B4-BE49-F238E27FC236}">
-                <a16:creationId xmlns:a16="http://schemas.microsoft.com/office/drawing/2014/main" xmlns="" id="{43FF460F-432A-45C6-92F4-2E853AF6926F}"/>
-              </a:ext>
-            </a:extLst>
-          </p:cNvPr>
-          <p:cNvSpPr>
-            <a:spLocks noGrp="1"/>
-          </p:cNvSpPr>
-          <p:nvPr>
-            <p:ph idx="1"/>
-          </p:nvPr>
-        </p:nvSpPr>
-        <p:spPr/>
-        <p:txBody>
-          <a:bodyPr/>
-          <a:lstStyle/>
-          <a:p>
-            <a:pPr marL="0" indent="0" algn="just">
-              <a:buNone/>
-            </a:pPr>
-            <a:r>
-              <a:rPr lang="ru-RU" dirty="0"/>
-              <a:t>	</a:t>
-            </a:r>
-            <a:r>
-              <a:rPr lang="ru-RU" dirty="0">
-                <a:latin typeface="Times New Roman" panose="02020603050405020304" pitchFamily="18" charset="0"/>
-                <a:cs typeface="Times New Roman" panose="02020603050405020304" pitchFamily="18" charset="0"/>
-              </a:rPr>
-              <a:t>Веб-приложение позволяет врачу получить доступ к поведенческой информации конкретного пациента, а также увидеть предсказанное системой его психологическое состояние. П</a:t>
-            </a:r>
-            <a:r>
-              <a:rPr lang="be-BY" dirty="0">
-                <a:latin typeface="Times New Roman" panose="02020603050405020304" pitchFamily="18" charset="0"/>
-                <a:cs typeface="Times New Roman" panose="02020603050405020304" pitchFamily="18" charset="0"/>
-              </a:rPr>
-              <a:t>риложение было написано с использованием технологий </a:t>
-            </a:r>
-            <a:r>
-              <a:rPr lang="en-US" dirty="0">
-                <a:latin typeface="Times New Roman" panose="02020603050405020304" pitchFamily="18" charset="0"/>
-                <a:cs typeface="Times New Roman" panose="02020603050405020304" pitchFamily="18" charset="0"/>
-              </a:rPr>
-              <a:t>ReactJS</a:t>
-            </a:r>
-            <a:r>
-              <a:rPr lang="be-BY" dirty="0">
-                <a:latin typeface="Times New Roman" panose="02020603050405020304" pitchFamily="18" charset="0"/>
-                <a:cs typeface="Times New Roman" panose="02020603050405020304" pitchFamily="18" charset="0"/>
-              </a:rPr>
-              <a:t>, </a:t>
-            </a:r>
-            <a:r>
-              <a:rPr lang="en-US" dirty="0">
-                <a:latin typeface="Times New Roman" panose="02020603050405020304" pitchFamily="18" charset="0"/>
-                <a:cs typeface="Times New Roman" panose="02020603050405020304" pitchFamily="18" charset="0"/>
-              </a:rPr>
-              <a:t>HTML</a:t>
-            </a:r>
-            <a:r>
-              <a:rPr lang="be-BY" dirty="0">
-                <a:latin typeface="Times New Roman" panose="02020603050405020304" pitchFamily="18" charset="0"/>
-                <a:cs typeface="Times New Roman" panose="02020603050405020304" pitchFamily="18" charset="0"/>
-              </a:rPr>
-              <a:t> 5.0 и </a:t>
-            </a:r>
-            <a:r>
-              <a:rPr lang="en-US" dirty="0">
-                <a:latin typeface="Times New Roman" panose="02020603050405020304" pitchFamily="18" charset="0"/>
-                <a:cs typeface="Times New Roman" panose="02020603050405020304" pitchFamily="18" charset="0"/>
-              </a:rPr>
-              <a:t>CSS</a:t>
-            </a:r>
-            <a:r>
-              <a:rPr lang="be-BY" dirty="0">
-                <a:latin typeface="Times New Roman" panose="02020603050405020304" pitchFamily="18" charset="0"/>
-                <a:cs typeface="Times New Roman" panose="02020603050405020304" pitchFamily="18" charset="0"/>
-              </a:rPr>
-              <a:t> 3.0.</a:t>
-            </a:r>
-            <a:endParaRPr lang="en-US" dirty="0">
-              <a:latin typeface="Times New Roman" panose="02020603050405020304" pitchFamily="18" charset="0"/>
-              <a:cs typeface="Times New Roman" panose="02020603050405020304" pitchFamily="18" charset="0"/>
-            </a:endParaRPr>
-          </a:p>
-          <a:p>
-            <a:endParaRPr lang="en-US" dirty="0"/>
-          </a:p>
-        </p:txBody>
-      </p:sp>
-    </p:spTree>
-    <p:extLst>
-      <p:ext uri="{BB962C8B-B14F-4D97-AF65-F5344CB8AC3E}">
-        <p14:creationId xmlns:p14="http://schemas.microsoft.com/office/powerpoint/2010/main" xmlns="" val="961746148"/>
-      </p:ext>
-    </p:extLst>
-  </p:cSld>
-  <p:clrMapOvr>
-    <a:masterClrMapping/>
-  </p:clrMapOvr>
-</p:sld>
-</file>
-
-<file path=ppt/slides/slide17.xml><?xml version="1.0" encoding="utf-8"?>
-<p:sld xmlns:a="http://schemas.openxmlformats.org/drawingml/2006/main" xmlns:r="http://schemas.openxmlformats.org/officeDocument/2006/relationships" xmlns:p="http://schemas.openxmlformats.org/presentationml/2006/main">
-  <p:cSld>
-    <p:spTree>
-      <p:nvGrpSpPr>
-        <p:cNvPr id="1" name=""/>
-        <p:cNvGrpSpPr/>
-        <p:nvPr/>
-      </p:nvGrpSpPr>
-      <p:grpSpPr>
-        <a:xfrm>
-          <a:off x="0" y="0"/>
-          <a:ext cx="0" cy="0"/>
-          <a:chOff x="0" y="0"/>
-          <a:chExt cx="0" cy="0"/>
-        </a:xfrm>
-      </p:grpSpPr>
-      <p:sp>
-        <p:nvSpPr>
-          <p:cNvPr id="2" name="Title 1">
-            <a:extLst>
-              <a:ext uri="{FF2B5EF4-FFF2-40B4-BE49-F238E27FC236}">
-                <a16:creationId xmlns:a16="http://schemas.microsoft.com/office/drawing/2014/main" xmlns="" id="{E3412165-897C-43AD-A579-8305EABB350A}"/>
-              </a:ext>
-            </a:extLst>
-          </p:cNvPr>
-          <p:cNvSpPr>
-            <a:spLocks noGrp="1"/>
-          </p:cNvSpPr>
-          <p:nvPr>
-            <p:ph type="title"/>
-          </p:nvPr>
-        </p:nvSpPr>
-        <p:spPr/>
-        <p:txBody>
-          <a:bodyPr>
-            <a:normAutofit fontScale="90000"/>
-          </a:bodyPr>
-          <a:lstStyle/>
-          <a:p>
-            <a:r>
-              <a:rPr lang="ru-RU" dirty="0">
-                <a:latin typeface="Times New Roman" panose="02020603050405020304" pitchFamily="18" charset="0"/>
-                <a:cs typeface="Times New Roman" panose="02020603050405020304" pitchFamily="18" charset="0"/>
-              </a:rPr>
-              <a:t>Глава 4 Создание программного средства</a:t>
-            </a:r>
-            <a:r>
-              <a:rPr lang="en-US" dirty="0">
-                <a:latin typeface="Times New Roman" panose="02020603050405020304" pitchFamily="18" charset="0"/>
-                <a:cs typeface="Times New Roman" panose="02020603050405020304" pitchFamily="18" charset="0"/>
-              </a:rPr>
-              <a:t/>
-            </a:r>
-            <a:br>
-              <a:rPr lang="en-US" dirty="0">
-                <a:latin typeface="Times New Roman" panose="02020603050405020304" pitchFamily="18" charset="0"/>
-                <a:cs typeface="Times New Roman" panose="02020603050405020304" pitchFamily="18" charset="0"/>
-              </a:rPr>
-            </a:br>
-            <a:r>
-              <a:rPr lang="ru-RU" dirty="0">
-                <a:latin typeface="Times New Roman" panose="02020603050405020304" pitchFamily="18" charset="0"/>
-                <a:cs typeface="Times New Roman" panose="02020603050405020304" pitchFamily="18" charset="0"/>
-              </a:rPr>
-              <a:t>4.</a:t>
-            </a:r>
-            <a:r>
-              <a:rPr lang="en-US" dirty="0">
-                <a:latin typeface="Times New Roman" panose="02020603050405020304" pitchFamily="18" charset="0"/>
-                <a:cs typeface="Times New Roman" panose="02020603050405020304" pitchFamily="18" charset="0"/>
-              </a:rPr>
-              <a:t>2</a:t>
-            </a:r>
-            <a:r>
-              <a:rPr lang="ru-RU" dirty="0">
-                <a:latin typeface="Times New Roman" panose="02020603050405020304" pitchFamily="18" charset="0"/>
-                <a:cs typeface="Times New Roman" panose="02020603050405020304" pitchFamily="18" charset="0"/>
-              </a:rPr>
-              <a:t> Реализация классификатора</a:t>
-            </a:r>
-            <a:r>
-              <a:rPr lang="en-US" dirty="0">
-                <a:latin typeface="Times New Roman" panose="02020603050405020304" pitchFamily="18" charset="0"/>
-                <a:cs typeface="Times New Roman" panose="02020603050405020304" pitchFamily="18" charset="0"/>
-              </a:rPr>
-              <a:t> – </a:t>
-            </a:r>
-            <a:r>
-              <a:rPr lang="ru-RU" dirty="0">
-                <a:latin typeface="Times New Roman" panose="02020603050405020304" pitchFamily="18" charset="0"/>
-                <a:cs typeface="Times New Roman" panose="02020603050405020304" pitchFamily="18" charset="0"/>
-              </a:rPr>
-              <a:t>настройки</a:t>
-            </a:r>
-            <a:endParaRPr lang="en-US" dirty="0"/>
-          </a:p>
-        </p:txBody>
-      </p:sp>
-      <p:sp>
-        <p:nvSpPr>
-          <p:cNvPr id="3" name="Content Placeholder 2">
-            <a:extLst>
-              <a:ext uri="{FF2B5EF4-FFF2-40B4-BE49-F238E27FC236}">
-                <a16:creationId xmlns:a16="http://schemas.microsoft.com/office/drawing/2014/main" xmlns="" id="{B67B2131-9B58-43A0-8542-0C81ACBC7031}"/>
-              </a:ext>
-            </a:extLst>
-          </p:cNvPr>
-          <p:cNvSpPr>
-            <a:spLocks noGrp="1"/>
-          </p:cNvSpPr>
-          <p:nvPr>
-            <p:ph idx="1"/>
-          </p:nvPr>
-        </p:nvSpPr>
-        <p:spPr/>
-        <p:txBody>
-          <a:bodyPr>
-            <a:normAutofit/>
-          </a:bodyPr>
-          <a:lstStyle/>
-          <a:p>
-            <a:pPr marL="0" indent="0">
-              <a:buNone/>
-            </a:pPr>
-            <a:r>
-              <a:rPr lang="en-US" dirty="0">
-                <a:latin typeface="Times New Roman" panose="02020603050405020304" pitchFamily="18" charset="0"/>
-                <a:cs typeface="Times New Roman" panose="02020603050405020304" pitchFamily="18" charset="0"/>
-              </a:rPr>
-              <a:t>– </a:t>
-            </a:r>
-            <a:r>
-              <a:rPr lang="ru-RU" dirty="0">
-                <a:latin typeface="Times New Roman" panose="02020603050405020304" pitchFamily="18" charset="0"/>
-                <a:cs typeface="Times New Roman" panose="02020603050405020304" pitchFamily="18" charset="0"/>
-              </a:rPr>
-              <a:t>Количество эпох.</a:t>
-            </a:r>
-          </a:p>
-          <a:p>
-            <a:pPr marL="0" indent="0">
-              <a:buNone/>
-            </a:pPr>
-            <a:r>
-              <a:rPr lang="en-US" dirty="0">
-                <a:latin typeface="Times New Roman" panose="02020603050405020304" pitchFamily="18" charset="0"/>
-                <a:cs typeface="Times New Roman" panose="02020603050405020304" pitchFamily="18" charset="0"/>
-              </a:rPr>
-              <a:t>– </a:t>
-            </a:r>
-            <a:r>
-              <a:rPr lang="ru-RU" dirty="0">
-                <a:latin typeface="Times New Roman" panose="02020603050405020304" pitchFamily="18" charset="0"/>
-                <a:cs typeface="Times New Roman" panose="02020603050405020304" pitchFamily="18" charset="0"/>
-              </a:rPr>
-              <a:t>Коэффициент скорости обучения.</a:t>
-            </a:r>
-            <a:endParaRPr lang="en-US" dirty="0">
-              <a:latin typeface="Times New Roman" panose="02020603050405020304" pitchFamily="18" charset="0"/>
-              <a:cs typeface="Times New Roman" panose="02020603050405020304" pitchFamily="18" charset="0"/>
-            </a:endParaRPr>
-          </a:p>
-          <a:p>
-            <a:pPr marL="0" indent="0">
-              <a:buNone/>
-            </a:pPr>
-            <a:r>
-              <a:rPr lang="en-US" dirty="0">
-                <a:latin typeface="Times New Roman" panose="02020603050405020304" pitchFamily="18" charset="0"/>
-                <a:cs typeface="Times New Roman" panose="02020603050405020304" pitchFamily="18" charset="0"/>
-              </a:rPr>
-              <a:t>– </a:t>
-            </a:r>
-            <a:r>
-              <a:rPr lang="ru-RU" dirty="0">
-                <a:latin typeface="Times New Roman" panose="02020603050405020304" pitchFamily="18" charset="0"/>
-                <a:cs typeface="Times New Roman" panose="02020603050405020304" pitchFamily="18" charset="0"/>
-              </a:rPr>
-              <a:t>К</a:t>
-            </a:r>
-            <a:r>
-              <a:rPr lang="be-BY" dirty="0">
-                <a:latin typeface="Times New Roman" panose="02020603050405020304" pitchFamily="18" charset="0"/>
-                <a:cs typeface="Times New Roman" panose="02020603050405020304" pitchFamily="18" charset="0"/>
-              </a:rPr>
-              <a:t>оэффициент инерции</a:t>
-            </a:r>
-            <a:r>
-              <a:rPr lang="ru-RU" dirty="0">
-                <a:latin typeface="Times New Roman" panose="02020603050405020304" pitchFamily="18" charset="0"/>
-                <a:cs typeface="Times New Roman" panose="02020603050405020304" pitchFamily="18" charset="0"/>
-              </a:rPr>
-              <a:t>. О</a:t>
-            </a:r>
-            <a:r>
-              <a:rPr lang="be-BY" dirty="0">
-                <a:latin typeface="Times New Roman" panose="02020603050405020304" pitchFamily="18" charset="0"/>
-                <a:cs typeface="Times New Roman" panose="02020603050405020304" pitchFamily="18" charset="0"/>
-              </a:rPr>
-              <a:t>пределяет меру влияния предыдущих подстроек на текущую</a:t>
-            </a:r>
-            <a:r>
-              <a:rPr lang="ru-RU" dirty="0">
-                <a:latin typeface="Times New Roman" panose="02020603050405020304" pitchFamily="18" charset="0"/>
-                <a:cs typeface="Times New Roman" panose="02020603050405020304" pitchFamily="18" charset="0"/>
-              </a:rPr>
-              <a:t>.</a:t>
-            </a:r>
-            <a:endParaRPr lang="en-US" dirty="0">
-              <a:latin typeface="Times New Roman" panose="02020603050405020304" pitchFamily="18" charset="0"/>
-              <a:cs typeface="Times New Roman" panose="02020603050405020304" pitchFamily="18" charset="0"/>
-            </a:endParaRPr>
-          </a:p>
-          <a:p>
-            <a:pPr marL="0" indent="0">
-              <a:buNone/>
-            </a:pPr>
-            <a:r>
-              <a:rPr lang="en-US" dirty="0">
-                <a:latin typeface="Times New Roman" panose="02020603050405020304" pitchFamily="18" charset="0"/>
-                <a:cs typeface="Times New Roman" panose="02020603050405020304" pitchFamily="18" charset="0"/>
-              </a:rPr>
-              <a:t>– </a:t>
-            </a:r>
-            <a:r>
-              <a:rPr lang="ru-RU" dirty="0">
-                <a:latin typeface="Times New Roman" panose="02020603050405020304" pitchFamily="18" charset="0"/>
-                <a:cs typeface="Times New Roman" panose="02020603050405020304" pitchFamily="18" charset="0"/>
-              </a:rPr>
-              <a:t>Коэффициент стимуляции. Определяет меру влияния предыдущего значения весового коэффициента при расчете нового.</a:t>
-            </a:r>
-            <a:endParaRPr lang="en-US" dirty="0">
-              <a:latin typeface="Times New Roman" panose="02020603050405020304" pitchFamily="18" charset="0"/>
-              <a:cs typeface="Times New Roman" panose="02020603050405020304" pitchFamily="18" charset="0"/>
-            </a:endParaRPr>
-          </a:p>
-          <a:p>
-            <a:endParaRPr lang="en-US" dirty="0"/>
-          </a:p>
-        </p:txBody>
-      </p:sp>
-    </p:spTree>
-    <p:extLst>
-      <p:ext uri="{BB962C8B-B14F-4D97-AF65-F5344CB8AC3E}">
-        <p14:creationId xmlns:p14="http://schemas.microsoft.com/office/powerpoint/2010/main" xmlns="" val="3487105090"/>
-      </p:ext>
-    </p:extLst>
-  </p:cSld>
-  <p:clrMapOvr>
-    <a:masterClrMapping/>
-  </p:clrMapOvr>
-</p:sld>
-</file>
-
-<file path=ppt/slides/slide18.xml><?xml version="1.0" encoding="utf-8"?>
-<p:sld xmlns:a="http://schemas.openxmlformats.org/drawingml/2006/main" xmlns:r="http://schemas.openxmlformats.org/officeDocument/2006/relationships" xmlns:p="http://schemas.openxmlformats.org/presentationml/2006/main">
-  <p:cSld>
-    <p:spTree>
-      <p:nvGrpSpPr>
-        <p:cNvPr id="1" name=""/>
-        <p:cNvGrpSpPr/>
-        <p:nvPr/>
-      </p:nvGrpSpPr>
-      <p:grpSpPr>
-        <a:xfrm>
-          <a:off x="0" y="0"/>
-          <a:ext cx="0" cy="0"/>
-          <a:chOff x="0" y="0"/>
-          <a:chExt cx="0" cy="0"/>
-        </a:xfrm>
-      </p:grpSpPr>
-      <p:sp>
-        <p:nvSpPr>
-          <p:cNvPr id="2" name="Title 1">
-            <a:extLst>
-              <a:ext uri="{FF2B5EF4-FFF2-40B4-BE49-F238E27FC236}">
-                <a16:creationId xmlns:a16="http://schemas.microsoft.com/office/drawing/2014/main" xmlns="" id="{275CC5C1-8622-4A7B-8184-FD735871F4DE}"/>
-              </a:ext>
-            </a:extLst>
-          </p:cNvPr>
-          <p:cNvSpPr>
-            <a:spLocks noGrp="1"/>
-          </p:cNvSpPr>
-          <p:nvPr>
-            <p:ph type="title"/>
-          </p:nvPr>
-        </p:nvSpPr>
-        <p:spPr>
-          <a:xfrm>
-            <a:off x="838200" y="365125"/>
-            <a:ext cx="10515600" cy="6035675"/>
-          </a:xfrm>
-        </p:spPr>
-        <p:txBody>
-          <a:bodyPr/>
-          <a:lstStyle/>
-          <a:p>
-            <a:pPr algn="ctr"/>
-            <a:r>
-              <a:rPr lang="ru-RU" dirty="0">
-                <a:latin typeface="Times New Roman" panose="02020603050405020304" pitchFamily="18" charset="0"/>
-                <a:cs typeface="Times New Roman" panose="02020603050405020304" pitchFamily="18" charset="0"/>
-              </a:rPr>
-              <a:t>Спасибо за внимание</a:t>
-            </a:r>
-            <a:endParaRPr lang="en-US" dirty="0">
-              <a:latin typeface="Times New Roman" panose="02020603050405020304" pitchFamily="18" charset="0"/>
-              <a:cs typeface="Times New Roman" panose="02020603050405020304" pitchFamily="18" charset="0"/>
-            </a:endParaRPr>
-          </a:p>
-        </p:txBody>
-      </p:sp>
-    </p:spTree>
-    <p:extLst>
-      <p:ext uri="{BB962C8B-B14F-4D97-AF65-F5344CB8AC3E}">
-        <p14:creationId xmlns:p14="http://schemas.microsoft.com/office/powerpoint/2010/main" xmlns="" val="471387438"/>
-      </p:ext>
-    </p:extLst>
   </p:cSld>
   <p:clrMapOvr>
     <a:masterClrMapping/>
@@ -5130,7 +3980,7 @@
           <p:cNvPr id="3" name="Content Placeholder 2">
             <a:extLst>
               <a:ext uri="{FF2B5EF4-FFF2-40B4-BE49-F238E27FC236}">
-                <a16:creationId xmlns:a16="http://schemas.microsoft.com/office/drawing/2014/main" xmlns="" id="{D6DCF3B5-E509-4346-B823-788C5A0C636E}"/>
+                <a16:creationId xmlns:a16="http://schemas.microsoft.com/office/drawing/2014/main" id="{D6DCF3B5-E509-4346-B823-788C5A0C636E}"/>
               </a:ext>
             </a:extLst>
           </p:cNvPr>
@@ -5154,7 +4004,7 @@
           <a:lstStyle/>
           <a:p>
             <a:r>
-              <a:rPr lang="ru-RU" sz="3400" u="sng" dirty="0" smtClean="0">
+              <a:rPr lang="ru-RU" sz="3400" u="sng" dirty="0">
                 <a:latin typeface="+mj-lt"/>
                 <a:ea typeface="Tahoma" pitchFamily="34" charset="0"/>
                 <a:cs typeface="Times New Roman" pitchFamily="18" charset="0"/>
@@ -5162,39 +4012,15 @@
               <a:t>Цель</a:t>
             </a:r>
             <a:r>
-              <a:rPr lang="ru-RU" sz="3400" dirty="0" smtClean="0">
+              <a:rPr lang="ru-RU" sz="3400" dirty="0">
                 <a:latin typeface="+mj-lt"/>
                 <a:ea typeface="Tahoma" pitchFamily="34" charset="0"/>
                 <a:cs typeface="Times New Roman" pitchFamily="18" charset="0"/>
               </a:rPr>
-              <a:t> </a:t>
-            </a:r>
-            <a:r>
-              <a:rPr lang="ru-RU" sz="3400" dirty="0" smtClean="0">
-                <a:latin typeface="+mj-lt"/>
-                <a:ea typeface="Tahoma" pitchFamily="34" charset="0"/>
-                <a:cs typeface="Times New Roman" pitchFamily="18" charset="0"/>
-              </a:rPr>
-              <a:t>–</a:t>
-            </a:r>
-            <a:r>
-              <a:rPr lang="ru-RU" sz="3400" dirty="0" smtClean="0">
-                <a:latin typeface="+mj-lt"/>
-                <a:ea typeface="Tahoma" pitchFamily="34" charset="0"/>
-                <a:cs typeface="Times New Roman" pitchFamily="18" charset="0"/>
-              </a:rPr>
-              <a:t> </a:t>
-            </a:r>
-            <a:r>
-              <a:rPr lang="ru-RU" sz="3400" dirty="0" err="1" smtClean="0">
-                <a:latin typeface="+mj-lt"/>
-                <a:ea typeface="Tahoma" pitchFamily="34" charset="0"/>
-                <a:cs typeface="Times New Roman" pitchFamily="18" charset="0"/>
-              </a:rPr>
-              <a:t>п</a:t>
-            </a:r>
-            <a:r>
-              <a:rPr lang="be-BY" sz="3400" dirty="0" smtClean="0">
+              <a:t> – п</a:t>
+            </a:r>
+            <a:r>
+              <a:rPr lang="be-BY" sz="3400" dirty="0">
                 <a:latin typeface="+mj-lt"/>
                 <a:ea typeface="Tahoma" pitchFamily="34" charset="0"/>
                 <a:cs typeface="Times New Roman" pitchFamily="18" charset="0"/>
@@ -5202,14 +4028,14 @@
               <a:t>овышение эффективности исполнения </a:t>
             </a:r>
             <a:r>
-              <a:rPr lang="ru-RU" sz="3400" dirty="0" smtClean="0">
+              <a:rPr lang="ru-RU" sz="3400" dirty="0">
                 <a:latin typeface="+mj-lt"/>
                 <a:ea typeface="Tahoma" pitchFamily="34" charset="0"/>
                 <a:cs typeface="Times New Roman" pitchFamily="18" charset="0"/>
               </a:rPr>
               <a:t>работы психотерапевта;</a:t>
             </a:r>
-            <a:endParaRPr lang="be-BY" sz="3400" dirty="0" smtClean="0">
+            <a:endParaRPr lang="be-BY" sz="3400" dirty="0">
               <a:latin typeface="+mj-lt"/>
               <a:ea typeface="Tahoma" pitchFamily="34" charset="0"/>
               <a:cs typeface="Times New Roman" pitchFamily="18" charset="0"/>
@@ -5217,36 +4043,12 @@
           </a:p>
           <a:p>
             <a:r>
-              <a:rPr lang="be-BY" sz="3400" u="sng" dirty="0" smtClean="0">
+              <a:rPr lang="be-BY" sz="3400" u="sng" dirty="0">
                 <a:latin typeface="+mj-lt"/>
                 <a:ea typeface="Tahoma" pitchFamily="34" charset="0"/>
                 <a:cs typeface="Times New Roman" pitchFamily="18" charset="0"/>
               </a:rPr>
               <a:t>Объект исследования</a:t>
-            </a:r>
-            <a:r>
-              <a:rPr lang="be-BY" sz="3400" dirty="0" smtClean="0">
-                <a:latin typeface="+mj-lt"/>
-                <a:ea typeface="Tahoma" pitchFamily="34" charset="0"/>
-                <a:cs typeface="Times New Roman" pitchFamily="18" charset="0"/>
-              </a:rPr>
-              <a:t> </a:t>
-            </a:r>
-            <a:r>
-              <a:rPr lang="ru-RU" sz="3400" dirty="0" smtClean="0">
-                <a:latin typeface="+mj-lt"/>
-                <a:ea typeface="Tahoma" pitchFamily="34" charset="0"/>
-                <a:cs typeface="Times New Roman" pitchFamily="18" charset="0"/>
-              </a:rPr>
-              <a:t>– </a:t>
-            </a:r>
-            <a:r>
-              <a:rPr lang="be-BY" sz="3400" dirty="0" smtClean="0">
-                <a:latin typeface="+mj-lt"/>
-                <a:ea typeface="Tahoma" pitchFamily="34" charset="0"/>
-                <a:cs typeface="Times New Roman" pitchFamily="18" charset="0"/>
-              </a:rPr>
-              <a:t>подходы</a:t>
             </a:r>
             <a:r>
               <a:rPr lang="be-BY" sz="3400" dirty="0">
@@ -5257,20 +4059,12 @@
               <a:t> </a:t>
             </a:r>
             <a:r>
-              <a:rPr lang="be-BY" sz="3400" dirty="0" smtClean="0">
+              <a:rPr lang="ru-RU" sz="3400" dirty="0">
                 <a:latin typeface="+mj-lt"/>
                 <a:ea typeface="Tahoma" pitchFamily="34" charset="0"/>
                 <a:cs typeface="Times New Roman" pitchFamily="18" charset="0"/>
               </a:rPr>
-              <a:t>и</a:t>
-            </a:r>
-            <a:r>
-              <a:rPr lang="be-BY" sz="3400" dirty="0" smtClean="0">
-                <a:latin typeface="+mj-lt"/>
-                <a:ea typeface="Tahoma" pitchFamily="34" charset="0"/>
-                <a:cs typeface="Times New Roman" pitchFamily="18" charset="0"/>
-              </a:rPr>
-              <a:t> </a:t>
+              <a:t>– </a:t>
             </a:r>
             <a:r>
               <a:rPr lang="be-BY" sz="3400" dirty="0">
@@ -5278,7 +4072,7 @@
                 <a:ea typeface="Tahoma" pitchFamily="34" charset="0"/>
                 <a:cs typeface="Times New Roman" pitchFamily="18" charset="0"/>
               </a:rPr>
-              <a:t>методы распознавания </a:t>
+              <a:t>подходы и методы распознавания </a:t>
             </a:r>
             <a:r>
               <a:rPr lang="ru-RU" sz="3400" dirty="0">
@@ -5297,14 +4091,14 @@
               <a:t>. </a:t>
             </a:r>
             <a:r>
-              <a:rPr lang="ru-RU" sz="3400" dirty="0" smtClean="0">
+              <a:rPr lang="ru-RU" sz="3400" dirty="0">
                 <a:latin typeface="+mj-lt"/>
                 <a:ea typeface="Tahoma" pitchFamily="34" charset="0"/>
                 <a:cs typeface="Times New Roman" pitchFamily="18" charset="0"/>
               </a:rPr>
               <a:t> </a:t>
             </a:r>
-            <a:endParaRPr lang="be-BY" sz="3400" dirty="0" smtClean="0">
+            <a:endParaRPr lang="be-BY" sz="3400" dirty="0">
               <a:latin typeface="+mj-lt"/>
               <a:ea typeface="Tahoma" pitchFamily="34" charset="0"/>
               <a:cs typeface="Times New Roman" pitchFamily="18" charset="0"/>
@@ -5312,14 +4106,14 @@
           </a:p>
           <a:p>
             <a:r>
-              <a:rPr lang="be-BY" sz="3400" u="sng" dirty="0" smtClean="0">
+              <a:rPr lang="be-BY" sz="3400" u="sng" dirty="0">
                 <a:latin typeface="+mj-lt"/>
                 <a:cs typeface="Times New Roman" pitchFamily="18" charset="0"/>
               </a:rPr>
               <a:t>Предмет исследования</a:t>
             </a:r>
             <a:r>
-              <a:rPr lang="ru-RU" sz="3400" dirty="0" smtClean="0">
+              <a:rPr lang="ru-RU" sz="3400" dirty="0">
                 <a:latin typeface="+mj-lt"/>
                 <a:ea typeface="Tahoma" pitchFamily="34" charset="0"/>
                 <a:cs typeface="Times New Roman" pitchFamily="18" charset="0"/>
@@ -5327,79 +4121,33 @@
               <a:t> –</a:t>
             </a:r>
             <a:r>
-              <a:rPr lang="be-BY" sz="3400" dirty="0" smtClean="0">
+              <a:rPr lang="be-BY" sz="3400" dirty="0">
                 <a:latin typeface="+mj-lt"/>
                 <a:cs typeface="Times New Roman" pitchFamily="18" charset="0"/>
               </a:rPr>
-              <a:t> информационные </a:t>
-            </a:r>
-            <a:r>
-              <a:rPr lang="be-BY" sz="3400" dirty="0" smtClean="0">
+              <a:t> информационные модели искусственных нейронных сетей, а также реализация и описание алгоритма </a:t>
+            </a:r>
+            <a:r>
+              <a:rPr lang="ru-RU" sz="3400" dirty="0">
                 <a:latin typeface="+mj-lt"/>
                 <a:cs typeface="Times New Roman" pitchFamily="18" charset="0"/>
               </a:rPr>
-              <a:t>модели искусственных нейронных сетей, а также реализация и описание алгоритма </a:t>
-            </a:r>
-            <a:r>
-              <a:rPr lang="ru-RU" sz="3400" dirty="0" smtClean="0">
-                <a:latin typeface="+mj-lt"/>
-                <a:cs typeface="Times New Roman" pitchFamily="18" charset="0"/>
-              </a:rPr>
-              <a:t>классификации психологического состояния человека на основе поведенческой </a:t>
-            </a:r>
-            <a:r>
-              <a:rPr lang="ru-RU" sz="3400" dirty="0" smtClean="0">
-                <a:latin typeface="+mj-lt"/>
-                <a:cs typeface="Times New Roman" pitchFamily="18" charset="0"/>
-              </a:rPr>
-              <a:t>информации </a:t>
-            </a:r>
-            <a:r>
-              <a:rPr lang="ru-RU" sz="3400" dirty="0" smtClean="0">
-                <a:latin typeface="+mj-lt"/>
-                <a:cs typeface="Times New Roman" pitchFamily="18" charset="0"/>
-              </a:rPr>
-              <a:t>собранной с мобильного телефона пациента</a:t>
-            </a:r>
-            <a:r>
-              <a:rPr lang="be-BY" sz="3400" dirty="0" smtClean="0">
+              <a:t>классификации психологического состояния человека на основе поведенческой информации собранной с мобильного телефона пациента</a:t>
+            </a:r>
+            <a:r>
+              <a:rPr lang="be-BY" sz="3400" dirty="0">
                 <a:latin typeface="+mj-lt"/>
                 <a:cs typeface="Times New Roman" pitchFamily="18" charset="0"/>
               </a:rPr>
               <a:t>.</a:t>
             </a:r>
           </a:p>
-          <a:p>
-            <a:endParaRPr lang="be-BY" sz="3600" dirty="0" smtClean="0">
-              <a:latin typeface="+mj-lt"/>
-              <a:ea typeface="Tahoma" pitchFamily="34" charset="0"/>
-              <a:cs typeface="Times New Roman" pitchFamily="18" charset="0"/>
-            </a:endParaRPr>
-          </a:p>
-          <a:p>
-            <a:pPr>
-              <a:buNone/>
-            </a:pPr>
-            <a:r>
-              <a:rPr lang="ru-RU" sz="3600" dirty="0">
-                <a:latin typeface="+mj-lt"/>
-                <a:ea typeface="Tahoma" pitchFamily="34" charset="0"/>
-                <a:cs typeface="Times New Roman" pitchFamily="18" charset="0"/>
-              </a:rPr>
-              <a:t>		</a:t>
-            </a:r>
-            <a:endParaRPr lang="en-US" sz="3600" dirty="0">
-              <a:latin typeface="+mj-lt"/>
-              <a:ea typeface="Tahoma" pitchFamily="34" charset="0"/>
-              <a:cs typeface="Times New Roman" pitchFamily="18" charset="0"/>
-            </a:endParaRPr>
-          </a:p>
         </p:txBody>
       </p:sp>
     </p:spTree>
     <p:extLst>
       <p:ext uri="{BB962C8B-B14F-4D97-AF65-F5344CB8AC3E}">
-        <p14:creationId xmlns:p14="http://schemas.microsoft.com/office/powerpoint/2010/main" xmlns="" val="62113808"/>
+        <p14:creationId xmlns:p14="http://schemas.microsoft.com/office/powerpoint/2010/main" val="62113808"/>
       </p:ext>
     </p:extLst>
   </p:cSld>
@@ -5442,7 +4190,7 @@
           <a:lstStyle/>
           <a:p>
             <a:r>
-              <a:rPr lang="ru-RU" dirty="0" smtClean="0"/>
+              <a:rPr lang="ru-RU" dirty="0"/>
               <a:t>ЗАДАЧИ ИССЛЕДОВАНИЯ</a:t>
             </a:r>
             <a:endParaRPr lang="be-BY" dirty="0"/>
@@ -5470,39 +4218,21 @@
               <a:buNone/>
             </a:pPr>
             <a:r>
-              <a:rPr lang="ru-RU" dirty="0" smtClean="0">
-                <a:latin typeface="+mj-lt"/>
+              <a:rPr lang="ru-RU" dirty="0">
+                <a:latin typeface="Calibri (Body)"/>
                 <a:ea typeface="Tahoma" pitchFamily="34" charset="0"/>
                 <a:cs typeface="Times New Roman" pitchFamily="18" charset="0"/>
               </a:rPr>
               <a:t>1. </a:t>
             </a:r>
             <a:r>
-              <a:rPr lang="ru-RU" dirty="0" smtClean="0">
-                <a:latin typeface="+mj-lt"/>
+              <a:rPr lang="ru-RU" dirty="0">
+                <a:latin typeface="Calibri (Body)"/>
               </a:rPr>
-              <a:t>Выполнить аналитический обзор современных </a:t>
-            </a:r>
-            <a:r>
-              <a:rPr lang="ru-RU" dirty="0" smtClean="0">
-                <a:latin typeface="+mj-lt"/>
-              </a:rPr>
-              <a:t>методов </a:t>
-            </a:r>
-            <a:r>
-              <a:rPr lang="ru-RU" dirty="0" smtClean="0">
-                <a:latin typeface="+mj-lt"/>
-              </a:rPr>
-              <a:t>автоматического </a:t>
-            </a:r>
-            <a:r>
-              <a:rPr lang="ru-RU" dirty="0" smtClean="0">
-                <a:latin typeface="+mj-lt"/>
-              </a:rPr>
-              <a:t>определения психологического состояния человека.</a:t>
-            </a:r>
-            <a:endParaRPr lang="ru-RU" dirty="0" smtClean="0">
-              <a:latin typeface="+mj-lt"/>
+              <a:t>Выполнить аналитический обзор современных методов автоматического определения психологического состояния человека.</a:t>
+            </a:r>
+            <a:endParaRPr lang="ru-RU" dirty="0">
+              <a:latin typeface="Calibri (Body)"/>
               <a:ea typeface="Tahoma" pitchFamily="34" charset="0"/>
               <a:cs typeface="Times New Roman" pitchFamily="18" charset="0"/>
             </a:endParaRPr>
@@ -5512,128 +4242,104 @@
               <a:buNone/>
             </a:pPr>
             <a:r>
-              <a:rPr lang="ru-RU" dirty="0" smtClean="0">
-                <a:latin typeface="+mj-lt"/>
+              <a:rPr lang="ru-RU" dirty="0">
+                <a:latin typeface="Calibri (Body)"/>
                 <a:ea typeface="Tahoma" pitchFamily="34" charset="0"/>
                 <a:cs typeface="Times New Roman" pitchFamily="18" charset="0"/>
               </a:rPr>
               <a:t>2</a:t>
             </a:r>
             <a:r>
-              <a:rPr lang="en-US" dirty="0" smtClean="0">
-                <a:latin typeface="+mj-lt"/>
+              <a:rPr lang="en-US" dirty="0">
+                <a:latin typeface="Calibri (Body)"/>
                 <a:ea typeface="Tahoma" pitchFamily="34" charset="0"/>
                 <a:cs typeface="Times New Roman" pitchFamily="18" charset="0"/>
               </a:rPr>
               <a:t>. </a:t>
             </a:r>
             <a:r>
-              <a:rPr lang="ru-RU" dirty="0" smtClean="0">
-                <a:latin typeface="+mj-lt"/>
+              <a:rPr lang="ru-RU" dirty="0">
+                <a:latin typeface="Calibri (Body)"/>
                 <a:ea typeface="Tahoma" pitchFamily="34" charset="0"/>
                 <a:cs typeface="Times New Roman" pitchFamily="18" charset="0"/>
               </a:rPr>
-              <a:t>Определить источники поведенческой информации человека и наладить </a:t>
-            </a:r>
-            <a:r>
-              <a:rPr lang="ru-RU" dirty="0" smtClean="0">
-                <a:latin typeface="+mj-lt"/>
+              <a:t>Определить источники поведенческой информации человека и наладить процесс их непрерывного сбора. </a:t>
+            </a:r>
+            <a:endParaRPr lang="be-BY" dirty="0">
+              <a:latin typeface="Calibri (Body)"/>
+              <a:ea typeface="Tahoma" pitchFamily="34" charset="0"/>
+              <a:cs typeface="Times New Roman" pitchFamily="18" charset="0"/>
+            </a:endParaRPr>
+          </a:p>
+          <a:p>
+            <a:pPr>
+              <a:buNone/>
+            </a:pPr>
+            <a:r>
+              <a:rPr lang="ru-RU" dirty="0">
+                <a:latin typeface="Calibri (Body)"/>
                 <a:ea typeface="Tahoma" pitchFamily="34" charset="0"/>
                 <a:cs typeface="Times New Roman" pitchFamily="18" charset="0"/>
               </a:rPr>
-              <a:t>процесс </a:t>
-            </a:r>
-            <a:r>
-              <a:rPr lang="ru-RU" dirty="0" smtClean="0">
-                <a:latin typeface="+mj-lt"/>
-                <a:ea typeface="Tahoma" pitchFamily="34" charset="0"/>
-                <a:cs typeface="Times New Roman" pitchFamily="18" charset="0"/>
-              </a:rPr>
-              <a:t>их непрерывного сбора. </a:t>
-            </a:r>
-            <a:endParaRPr lang="be-BY" dirty="0" smtClean="0">
-              <a:latin typeface="+mj-lt"/>
-              <a:ea typeface="Tahoma" pitchFamily="34" charset="0"/>
-              <a:cs typeface="Times New Roman" pitchFamily="18" charset="0"/>
-            </a:endParaRPr>
-          </a:p>
-          <a:p>
-            <a:pPr>
-              <a:buNone/>
-            </a:pPr>
-            <a:r>
-              <a:rPr lang="ru-RU" dirty="0" smtClean="0">
-                <a:latin typeface="+mj-lt"/>
-                <a:ea typeface="Tahoma" pitchFamily="34" charset="0"/>
-                <a:cs typeface="Times New Roman" pitchFamily="18" charset="0"/>
-              </a:rPr>
-              <a:t>3</a:t>
-            </a:r>
-            <a:r>
-              <a:rPr lang="ru-RU" dirty="0" smtClean="0">
-                <a:latin typeface="+mj-lt"/>
-                <a:ea typeface="Tahoma" pitchFamily="34" charset="0"/>
-                <a:cs typeface="Times New Roman" pitchFamily="18" charset="0"/>
-              </a:rPr>
-              <a:t>. Классифицировать </a:t>
-            </a:r>
-            <a:r>
-              <a:rPr lang="be-BY" dirty="0" smtClean="0">
-                <a:latin typeface="+mj-lt"/>
+              <a:t>3. Классифицировать </a:t>
+            </a:r>
+            <a:r>
+              <a:rPr lang="be-BY" dirty="0">
+                <a:latin typeface="Calibri (Body)"/>
                 <a:ea typeface="Tahoma" pitchFamily="34" charset="0"/>
                 <a:cs typeface="Times New Roman" pitchFamily="18" charset="0"/>
               </a:rPr>
               <a:t>психологическо</a:t>
             </a:r>
             <a:r>
-              <a:rPr lang="ru-RU" dirty="0" smtClean="0">
-                <a:latin typeface="+mj-lt"/>
+              <a:rPr lang="ru-RU" dirty="0">
+                <a:latin typeface="Calibri (Body)"/>
                 <a:ea typeface="Tahoma" pitchFamily="34" charset="0"/>
                 <a:cs typeface="Times New Roman" pitchFamily="18" charset="0"/>
               </a:rPr>
               <a:t>е</a:t>
             </a:r>
             <a:r>
-              <a:rPr lang="be-BY" dirty="0" smtClean="0">
-                <a:latin typeface="+mj-lt"/>
+              <a:rPr lang="be-BY" dirty="0">
+                <a:latin typeface="Calibri (Body)"/>
                 <a:ea typeface="Tahoma" pitchFamily="34" charset="0"/>
                 <a:cs typeface="Times New Roman" pitchFamily="18" charset="0"/>
               </a:rPr>
               <a:t> состояни</a:t>
             </a:r>
             <a:r>
-              <a:rPr lang="ru-RU" dirty="0" smtClean="0">
-                <a:latin typeface="+mj-lt"/>
+              <a:rPr lang="ru-RU" dirty="0">
+                <a:latin typeface="Calibri (Body)"/>
                 <a:ea typeface="Tahoma" pitchFamily="34" charset="0"/>
                 <a:cs typeface="Times New Roman" pitchFamily="18" charset="0"/>
               </a:rPr>
               <a:t>е</a:t>
             </a:r>
             <a:r>
-              <a:rPr lang="be-BY" dirty="0" smtClean="0">
-                <a:latin typeface="+mj-lt"/>
+              <a:rPr lang="be-BY" dirty="0">
+                <a:latin typeface="Calibri (Body)"/>
                 <a:ea typeface="Tahoma" pitchFamily="34" charset="0"/>
                 <a:cs typeface="Times New Roman" pitchFamily="18" charset="0"/>
               </a:rPr>
               <a:t> пациента на основе собранной поведенческой информации</a:t>
             </a:r>
             <a:r>
-              <a:rPr lang="ru-RU" dirty="0" smtClean="0">
-                <a:latin typeface="+mj-lt"/>
+              <a:rPr lang="ru-RU" dirty="0">
+                <a:latin typeface="Calibri (Body)"/>
                 <a:ea typeface="Tahoma" pitchFamily="34" charset="0"/>
                 <a:cs typeface="Times New Roman" pitchFamily="18" charset="0"/>
               </a:rPr>
               <a:t>.</a:t>
             </a:r>
-            <a:endParaRPr lang="be-BY" dirty="0" smtClean="0">
-              <a:latin typeface="+mj-lt"/>
+            <a:endParaRPr lang="be-BY" dirty="0">
+              <a:latin typeface="Calibri (Body)"/>
               <a:ea typeface="Tahoma" pitchFamily="34" charset="0"/>
               <a:cs typeface="Times New Roman" pitchFamily="18" charset="0"/>
             </a:endParaRPr>
           </a:p>
           <a:p>
             <a:endParaRPr lang="be-BY" dirty="0">
-              <a:latin typeface="+mj-lt"/>
+              <a:latin typeface="Calibri (Body)"/>
             </a:endParaRPr>
           </a:p>
         </p:txBody>
@@ -5679,7 +4385,7 @@
           <a:lstStyle/>
           <a:p>
             <a:r>
-              <a:rPr lang="ru-RU" dirty="0" smtClean="0">
+              <a:rPr lang="ru-RU" dirty="0">
                 <a:cs typeface="Times New Roman" pitchFamily="18" charset="0"/>
               </a:rPr>
               <a:t>Актуальность</a:t>
@@ -5709,36 +4415,18 @@
               <a:buNone/>
             </a:pPr>
             <a:r>
-              <a:rPr lang="en-US" sz="4000" dirty="0" smtClean="0">
+              <a:rPr lang="en-US" sz="4000" dirty="0">
                 <a:cs typeface="Times New Roman" pitchFamily="18" charset="0"/>
               </a:rPr>
               <a:t>		</a:t>
             </a:r>
             <a:r>
-              <a:rPr lang="ru-RU" sz="4000" dirty="0" smtClean="0">
+              <a:rPr lang="ru-RU" sz="4000" dirty="0">
                 <a:cs typeface="Times New Roman" pitchFamily="18" charset="0"/>
               </a:rPr>
-              <a:t>Обусловлена тем, </a:t>
-            </a:r>
-            <a:r>
-              <a:rPr lang="ru-RU" sz="4000" dirty="0" smtClean="0">
-                <a:cs typeface="Times New Roman" pitchFamily="18" charset="0"/>
-              </a:rPr>
-              <a:t>что на сегодняшний день людей с психологическими проблемами </a:t>
-            </a:r>
-            <a:r>
-              <a:rPr lang="ru-RU" sz="4000" dirty="0" smtClean="0">
-                <a:cs typeface="Times New Roman" pitchFamily="18" charset="0"/>
-              </a:rPr>
-              <a:t>гораздо </a:t>
-            </a:r>
-            <a:r>
-              <a:rPr lang="ru-RU" sz="4000" dirty="0" smtClean="0">
-                <a:cs typeface="Times New Roman" pitchFamily="18" charset="0"/>
-              </a:rPr>
-              <a:t>больше, чем специалистов, способных с этим справиться. </a:t>
-            </a:r>
-            <a:endParaRPr lang="en-US" sz="4000" dirty="0" smtClean="0">
+              <a:t>Обусловлена тем, что на сегодняшний день людей с психологическими проблемами гораздо больше, чем специалистов, способных с этим справиться. </a:t>
+            </a:r>
+            <a:endParaRPr lang="en-US" sz="4000" dirty="0">
               <a:cs typeface="Times New Roman" pitchFamily="18" charset="0"/>
             </a:endParaRPr>
           </a:p>
@@ -5785,7 +4473,7 @@
           <a:lstStyle/>
           <a:p>
             <a:r>
-              <a:rPr lang="ru-RU" dirty="0" smtClean="0"/>
+              <a:rPr lang="ru-RU" dirty="0"/>
               <a:t>ОСОБЕННОСТИ</a:t>
             </a:r>
             <a:endParaRPr lang="be-BY" dirty="0"/>
@@ -5804,55 +4492,26 @@
         </p:nvSpPr>
         <p:spPr/>
         <p:txBody>
-          <a:bodyPr/>
-          <a:lstStyle/>
-          <a:p>
-            <a:r>
-              <a:rPr lang="ru-RU" dirty="0" smtClean="0"/>
-              <a:t>Конфигурационный модуль позволяет гибко настроить среду для тестирования</a:t>
-            </a:r>
-          </a:p>
-          <a:p>
-            <a:r>
-              <a:rPr lang="ru-RU" dirty="0" smtClean="0"/>
-              <a:t>Библиотеки для удобного взаимодействия программиста с окном браузера</a:t>
-            </a:r>
-          </a:p>
-          <a:p>
-            <a:r>
-              <a:rPr lang="en-US" b="1" dirty="0" smtClean="0"/>
-              <a:t>Check API </a:t>
-            </a:r>
-            <a:r>
-              <a:rPr lang="en-US" dirty="0" smtClean="0"/>
-              <a:t>– </a:t>
-            </a:r>
-            <a:r>
-              <a:rPr lang="ru-RU" dirty="0" smtClean="0"/>
-              <a:t>программный интерфейс, повышающий удобство совершения проверок</a:t>
-            </a:r>
-          </a:p>
-          <a:p>
-            <a:r>
-              <a:rPr lang="ru-RU" dirty="0" smtClean="0"/>
-              <a:t>Нацеленность на возможность написания </a:t>
-            </a:r>
-            <a:r>
-              <a:rPr lang="ru-RU" dirty="0" err="1" smtClean="0"/>
-              <a:t>удобночитаемого</a:t>
-            </a:r>
-            <a:r>
-              <a:rPr lang="ru-RU" dirty="0" smtClean="0"/>
-              <a:t> </a:t>
-            </a:r>
-            <a:r>
-              <a:rPr lang="ru-RU" dirty="0" smtClean="0"/>
-              <a:t>кода</a:t>
-            </a:r>
-            <a:endParaRPr lang="be-BY" dirty="0" smtClean="0"/>
-          </a:p>
-          <a:p>
-            <a:endParaRPr lang="ru-RU" dirty="0" smtClean="0"/>
+          <a:bodyPr>
+            <a:normAutofit/>
+          </a:bodyPr>
+          <a:lstStyle/>
+          <a:p>
+            <a:r>
+              <a:rPr lang="ru-RU" dirty="0"/>
+              <a:t>Не требует от человека специализированного оборудования, кроме мобильного телефона на базе Android.</a:t>
+            </a:r>
+            <a:endParaRPr lang="en-US" dirty="0"/>
+          </a:p>
+          <a:p>
+            <a:r>
+              <a:rPr lang="ru-RU" dirty="0"/>
+              <a:t>Не требует от пользователя дополнительных действий для предоставления информации. Приложение работает в фоне и собирает информацию незаметно для человека.</a:t>
+            </a:r>
+            <a:endParaRPr lang="be-BY" dirty="0"/>
+          </a:p>
+          <a:p>
+            <a:endParaRPr lang="ru-RU" dirty="0"/>
           </a:p>
         </p:txBody>
       </p:sp>
@@ -5897,7 +4556,7 @@
           <a:lstStyle/>
           <a:p>
             <a:r>
-              <a:rPr lang="ru-RU" dirty="0" smtClean="0">
+              <a:rPr lang="ru-RU" dirty="0">
                 <a:cs typeface="Times New Roman" pitchFamily="18" charset="0"/>
               </a:rPr>
               <a:t>Архитектура</a:t>
@@ -5911,7 +4570,7 @@
           <p:cNvPr id="4" name="Content Placeholder 3" descr="architecture">
             <a:extLst>
               <a:ext uri="{FF2B5EF4-FFF2-40B4-BE49-F238E27FC236}">
-                <a16:creationId xmlns:a16="http://schemas.microsoft.com/office/drawing/2014/main" xmlns="" id="{C7C92FC6-247D-4052-B167-A17F87001F97}"/>
+                <a16:creationId xmlns:a16="http://schemas.microsoft.com/office/drawing/2014/main" id="{C7C92FC6-247D-4052-B167-A17F87001F97}"/>
               </a:ext>
             </a:extLst>
           </p:cNvPr>
@@ -5926,7 +4585,7 @@
           <a:blip r:embed="rId2" cstate="print">
             <a:extLst>
               <a:ext uri="{28A0092B-C50C-407E-A947-70E740481C1C}">
-                <a14:useLocalDpi xmlns:a14="http://schemas.microsoft.com/office/drawing/2010/main" xmlns="" val="0"/>
+                <a14:useLocalDpi xmlns:a14="http://schemas.microsoft.com/office/drawing/2010/main" val="0"/>
               </a:ext>
             </a:extLst>
           </a:blip>
@@ -5990,18 +4649,11 @@
           <a:lstStyle/>
           <a:p>
             <a:r>
-              <a:rPr lang="ru-RU" dirty="0" smtClean="0">
+              <a:rPr lang="ru-RU" dirty="0">
                 <a:ea typeface="Tahoma" pitchFamily="34" charset="0"/>
                 <a:cs typeface="Times New Roman" pitchFamily="18" charset="0"/>
               </a:rPr>
-              <a:t>Источники </a:t>
-            </a:r>
-            <a:r>
-              <a:rPr lang="ru-RU" dirty="0" smtClean="0">
-                <a:ea typeface="Tahoma" pitchFamily="34" charset="0"/>
-                <a:cs typeface="Times New Roman" pitchFamily="18" charset="0"/>
-              </a:rPr>
-              <a:t>поведенческой информации</a:t>
+              <a:t>Источники поведенческой информации</a:t>
             </a:r>
             <a:endParaRPr lang="be-BY" dirty="0"/>
           </a:p>
@@ -6009,10 +4661,10 @@
       </p:sp>
       <p:pic>
         <p:nvPicPr>
-          <p:cNvPr id="4" name="Picture 3" descr="C:\Users\alcke\Downloads\Untitled Diagram (2).png">
-            <a:extLst>
-              <a:ext uri="{FF2B5EF4-FFF2-40B4-BE49-F238E27FC236}">
-                <a16:creationId xmlns:a16="http://schemas.microsoft.com/office/drawing/2014/main" xmlns="" id="{1287A200-7E12-4E3B-AA1E-BBAA0C2D9CF6}"/>
+          <p:cNvPr id="4" name="Content Placeholder 3" descr="C:\Users\alcke\Downloads\Untitled Diagram (2).png">
+            <a:extLst>
+              <a:ext uri="{FF2B5EF4-FFF2-40B4-BE49-F238E27FC236}">
+                <a16:creationId xmlns:a16="http://schemas.microsoft.com/office/drawing/2014/main" id="{1287A200-7E12-4E3B-AA1E-BBAA0C2D9CF6}"/>
               </a:ext>
             </a:extLst>
           </p:cNvPr>
@@ -6042,7 +4694,7 @@
           </a:ln>
           <a:extLst>
             <a:ext uri="{53640926-AAD7-44D8-BBD7-CCE9431645EC}">
-              <a14:shadowObscured xmlns:a14="http://schemas.microsoft.com/office/drawing/2010/main" xmlns=""/>
+              <a14:shadowObscured xmlns:a14="http://schemas.microsoft.com/office/drawing/2010/main"/>
             </a:ext>
           </a:extLst>
         </p:spPr>
@@ -6088,7 +4740,7 @@
           <a:lstStyle/>
           <a:p>
             <a:r>
-              <a:rPr lang="ru-RU" dirty="0" smtClean="0">
+              <a:rPr lang="ru-RU" dirty="0">
                 <a:ea typeface="Tahoma" pitchFamily="34" charset="0"/>
                 <a:cs typeface="Times New Roman" pitchFamily="18" charset="0"/>
               </a:rPr>
@@ -6103,7 +4755,7 @@
           <p:cNvPr id="4" name="Рисунок 37" descr="rec">
             <a:extLst>
               <a:ext uri="{FF2B5EF4-FFF2-40B4-BE49-F238E27FC236}">
-                <a16:creationId xmlns:a16="http://schemas.microsoft.com/office/drawing/2014/main" xmlns="" id="{12E96A14-2305-45ED-9F76-2E5B4DF630B6}"/>
+                <a16:creationId xmlns:a16="http://schemas.microsoft.com/office/drawing/2014/main" id="{12E96A14-2305-45ED-9F76-2E5B4DF630B6}"/>
               </a:ext>
             </a:extLst>
           </p:cNvPr>
@@ -6179,7 +4831,7 @@
           <a:lstStyle/>
           <a:p>
             <a:r>
-              <a:rPr lang="ru-RU" dirty="0" smtClean="0"/>
+              <a:rPr lang="ru-RU" dirty="0"/>
               <a:t>РЕЗУЛЬТАТЫ ТЕСТИРОВАНИЯ</a:t>
             </a:r>
             <a:endParaRPr lang="be-BY" dirty="0"/>
@@ -6191,7 +4843,7 @@
           <p:cNvPr id="9" name="Content Placeholder 2">
             <a:extLst>
               <a:ext uri="{FF2B5EF4-FFF2-40B4-BE49-F238E27FC236}">
-                <a16:creationId xmlns:a16="http://schemas.microsoft.com/office/drawing/2014/main" xmlns:mc="http://schemas.openxmlformats.org/markup-compatibility/2006" xmlns="" id="{CB651CB3-CFE6-4169-B406-75E73FAA9938}"/>
+                <a16:creationId xmlns:a16="http://schemas.microsoft.com/office/drawing/2014/main" id="{CB651CB3-CFE6-4169-B406-75E73FAA9938}"/>
               </a:ext>
             </a:extLst>
           </p:cNvPr>
@@ -6526,7 +5178,7 @@
   <a:extraClrSchemeLst/>
   <a:extLst>
     <a:ext uri="{05A4C25C-085E-4340-85A3-A5531E510DB2}">
-      <thm15:themeFamily xmlns:thm15="http://schemas.microsoft.com/office/thememl/2012/main" xmlns="" name="Office Theme" id="{62F939B6-93AF-4DB8-9C6B-D6C7DFDC589F}" vid="{4A3C46E8-61CC-4603-A589-7422A47A8E4A}"/>
+      <thm15:themeFamily xmlns:thm15="http://schemas.microsoft.com/office/thememl/2012/main" name="Office Theme" id="{62F939B6-93AF-4DB8-9C6B-D6C7DFDC589F}" vid="{4A3C46E8-61CC-4603-A589-7422A47A8E4A}"/>
     </a:ext>
   </a:extLst>
 </a:theme>

--- a/Алькевич А.С/Презентация.pptx
+++ b/Алькевич А.С/Презентация.pptx
@@ -13,7 +13,7 @@
     <p:sldId id="285" r:id="rId7"/>
     <p:sldId id="287" r:id="rId8"/>
     <p:sldId id="286" r:id="rId9"/>
-    <p:sldId id="292" r:id="rId10"/>
+    <p:sldId id="293" r:id="rId10"/>
     <p:sldId id="288" r:id="rId11"/>
     <p:sldId id="290" r:id="rId12"/>
     <p:sldId id="291" r:id="rId13"/>
@@ -4415,18 +4415,18 @@
               <a:buNone/>
             </a:pPr>
             <a:r>
-              <a:rPr lang="en-US" sz="4000" dirty="0">
+              <a:rPr lang="en-US" dirty="0">
                 <a:cs typeface="Times New Roman" pitchFamily="18" charset="0"/>
               </a:rPr>
               <a:t>		</a:t>
             </a:r>
             <a:r>
-              <a:rPr lang="ru-RU" sz="4000" dirty="0">
+              <a:rPr lang="ru-RU" sz="3200" dirty="0">
                 <a:cs typeface="Times New Roman" pitchFamily="18" charset="0"/>
               </a:rPr>
               <a:t>Обусловлена тем, что на сегодняшний день людей с психологическими проблемами гораздо больше, чем специалистов, способных с этим справиться. </a:t>
             </a:r>
-            <a:endParaRPr lang="en-US" sz="4000" dirty="0">
+            <a:endParaRPr lang="en-US" sz="3200" dirty="0">
               <a:cs typeface="Times New Roman" pitchFamily="18" charset="0"/>
             </a:endParaRPr>
           </a:p>
@@ -4817,7 +4817,13 @@
       </p:grpSpPr>
       <p:sp>
         <p:nvSpPr>
-          <p:cNvPr id="2" name="Заголовок 1"/>
+          <p:cNvPr id="2" name="Title 1">
+            <a:extLst>
+              <a:ext uri="{FF2B5EF4-FFF2-40B4-BE49-F238E27FC236}">
+                <a16:creationId xmlns:a16="http://schemas.microsoft.com/office/drawing/2014/main" id="{0BD83CAC-99F8-489C-A0C8-7AEFFCF4580C}"/>
+              </a:ext>
+            </a:extLst>
+          </p:cNvPr>
           <p:cNvSpPr>
             <a:spLocks noGrp="1"/>
           </p:cNvSpPr>
@@ -4834,54 +4840,288 @@
               <a:rPr lang="ru-RU" dirty="0"/>
               <a:t>РЕЗУЛЬТАТЫ ТЕСТИРОВАНИЯ</a:t>
             </a:r>
-            <a:endParaRPr lang="be-BY" dirty="0"/>
-          </a:p>
-        </p:txBody>
-      </p:sp>
-      <p:sp>
-        <p:nvSpPr>
-          <p:cNvPr id="9" name="Content Placeholder 2">
-            <a:extLst>
-              <a:ext uri="{FF2B5EF4-FFF2-40B4-BE49-F238E27FC236}">
-                <a16:creationId xmlns:a16="http://schemas.microsoft.com/office/drawing/2014/main" id="{CB651CB3-CFE6-4169-B406-75E73FAA9938}"/>
-              </a:ext>
-            </a:extLst>
-          </p:cNvPr>
-          <p:cNvSpPr>
-            <a:spLocks noGrp="1" noRot="1" noChangeAspect="1" noMove="1" noResize="1" noEditPoints="1" noAdjustHandles="1" noChangeArrowheads="1" noChangeShapeType="1" noTextEdit="1"/>
-          </p:cNvSpPr>
-          <p:nvPr>
-            <p:ph idx="1"/>
-          </p:nvPr>
-        </p:nvSpPr>
-        <p:spPr>
-          <a:xfrm>
-            <a:off x="838200" y="1825625"/>
-            <a:ext cx="10515600" cy="3878889"/>
-          </a:xfrm>
-          <a:blipFill>
-            <a:blip r:embed="rId2" cstate="print"/>
-            <a:stretch>
-              <a:fillRect l="-1217" t="-2669"/>
-            </a:stretch>
-          </a:blipFill>
-        </p:spPr>
-        <p:txBody>
-          <a:bodyPr/>
-          <a:lstStyle/>
-          <a:p>
-            <a:r>
-              <a:rPr lang="en-US" dirty="0">
-                <a:noFill/>
-                <a:latin typeface="Times New Roman" pitchFamily="18" charset="0"/>
-                <a:cs typeface="Times New Roman" pitchFamily="18" charset="0"/>
-              </a:rPr>
-              <a:t> </a:t>
-            </a:r>
-          </a:p>
-        </p:txBody>
-      </p:sp>
+            <a:endParaRPr lang="en-US" dirty="0"/>
+          </a:p>
+        </p:txBody>
+      </p:sp>
+      <mc:AlternateContent xmlns:mc="http://schemas.openxmlformats.org/markup-compatibility/2006" xmlns:a14="http://schemas.microsoft.com/office/drawing/2010/main">
+        <mc:Choice Requires="a14">
+          <p:sp>
+            <p:nvSpPr>
+              <p:cNvPr id="3" name="Content Placeholder 2">
+                <a:extLst>
+                  <a:ext uri="{FF2B5EF4-FFF2-40B4-BE49-F238E27FC236}">
+                    <a16:creationId xmlns:a16="http://schemas.microsoft.com/office/drawing/2014/main" id="{07D5E43C-8DE1-4F2B-8AED-DFC66F71B23F}"/>
+                  </a:ext>
+                </a:extLst>
+              </p:cNvPr>
+              <p:cNvSpPr>
+                <a:spLocks noGrp="1"/>
+              </p:cNvSpPr>
+              <p:nvPr>
+                <p:ph idx="1"/>
+              </p:nvPr>
+            </p:nvSpPr>
+            <p:spPr/>
+            <p:txBody>
+              <a:bodyPr/>
+              <a:lstStyle/>
+              <a:p>
+                <a:pPr marL="0" indent="0">
+                  <a:buNone/>
+                </a:pPr>
+                <a:r>
+                  <a:rPr lang="ru-RU" dirty="0"/>
+                  <a:t>Численная оценка качества алгоритма</a:t>
+                </a:r>
+                <a:r>
+                  <a:rPr lang="en-US" dirty="0"/>
+                  <a:t>:</a:t>
+                </a:r>
+              </a:p>
+              <a:p>
+                <a:pPr marL="0" indent="0">
+                  <a:buNone/>
+                </a:pPr>
+                <a:endParaRPr lang="ru-RU" dirty="0"/>
+              </a:p>
+              <a:p>
+                <a:pPr marL="0" indent="0">
+                  <a:buNone/>
+                </a:pPr>
+                <a14:m>
+                  <m:oMathPara xmlns:m="http://schemas.openxmlformats.org/officeDocument/2006/math">
+                    <m:oMathParaPr>
+                      <m:jc m:val="centerGroup"/>
+                    </m:oMathParaPr>
+                    <m:oMath xmlns:m="http://schemas.openxmlformats.org/officeDocument/2006/math">
+                      <m:r>
+                        <a:rPr lang="en-US" b="0" i="1" smtClean="0">
+                          <a:latin typeface="Cambria Math" panose="02040503050406030204" pitchFamily="18" charset="0"/>
+                        </a:rPr>
+                        <m:t>𝐴𝑐𝑐𝑢𝑟𝑎𝑐𝑦</m:t>
+                      </m:r>
+                      <m:r>
+                        <a:rPr lang="en-US" i="1" smtClean="0">
+                          <a:latin typeface="Cambria Math" panose="02040503050406030204" pitchFamily="18" charset="0"/>
+                        </a:rPr>
+                        <m:t>=</m:t>
+                      </m:r>
+                      <m:f>
+                        <m:fPr>
+                          <m:ctrlPr>
+                            <a:rPr lang="en-US" i="1" smtClean="0">
+                              <a:latin typeface="Cambria Math" panose="02040503050406030204" pitchFamily="18" charset="0"/>
+                            </a:rPr>
+                          </m:ctrlPr>
+                        </m:fPr>
+                        <m:num>
+                          <m:r>
+                            <a:rPr lang="en-US" b="0" i="1" smtClean="0">
+                              <a:latin typeface="Cambria Math" panose="02040503050406030204" pitchFamily="18" charset="0"/>
+                            </a:rPr>
+                            <m:t>𝑃</m:t>
+                          </m:r>
+                        </m:num>
+                        <m:den>
+                          <m:r>
+                            <a:rPr lang="en-US" b="0" i="1" smtClean="0">
+                              <a:latin typeface="Cambria Math" panose="02040503050406030204" pitchFamily="18" charset="0"/>
+                            </a:rPr>
+                            <m:t>𝑁</m:t>
+                          </m:r>
+                        </m:den>
+                      </m:f>
+                      <m:r>
+                        <a:rPr lang="en-US" b="0" i="1" smtClean="0">
+                          <a:latin typeface="Cambria Math" panose="02040503050406030204" pitchFamily="18" charset="0"/>
+                        </a:rPr>
+                        <m:t>=</m:t>
+                      </m:r>
+                      <m:f>
+                        <m:fPr>
+                          <m:ctrlPr>
+                            <a:rPr lang="en-US" i="1">
+                              <a:latin typeface="Cambria Math" panose="02040503050406030204" pitchFamily="18" charset="0"/>
+                            </a:rPr>
+                          </m:ctrlPr>
+                        </m:fPr>
+                        <m:num>
+                          <m:r>
+                            <a:rPr lang="en-US" b="0" i="1" smtClean="0">
+                              <a:latin typeface="Cambria Math" panose="02040503050406030204" pitchFamily="18" charset="0"/>
+                            </a:rPr>
+                            <m:t>124</m:t>
+                          </m:r>
+                        </m:num>
+                        <m:den>
+                          <m:r>
+                            <a:rPr lang="en-US" b="0" i="1" smtClean="0">
+                              <a:latin typeface="Cambria Math" panose="02040503050406030204" pitchFamily="18" charset="0"/>
+                            </a:rPr>
+                            <m:t>151</m:t>
+                          </m:r>
+                        </m:den>
+                      </m:f>
+                      <m:r>
+                        <a:rPr lang="en-US" b="0" i="1" smtClean="0">
+                          <a:latin typeface="Cambria Math" panose="02040503050406030204" pitchFamily="18" charset="0"/>
+                        </a:rPr>
+                        <m:t>=82%</m:t>
+                      </m:r>
+                    </m:oMath>
+                  </m:oMathPara>
+                </a14:m>
+                <a:endParaRPr lang="en-US" dirty="0"/>
+              </a:p>
+              <a:p>
+                <a:pPr marL="0" indent="0">
+                  <a:buNone/>
+                </a:pPr>
+                <a:endParaRPr lang="en-US" dirty="0"/>
+              </a:p>
+              <a:p>
+                <a:pPr marL="0" indent="0">
+                  <a:buNone/>
+                </a:pPr>
+                <a:r>
+                  <a:rPr lang="ru-RU" dirty="0"/>
+                  <a:t>где </a:t>
+                </a:r>
+                <a:r>
+                  <a:rPr lang="en-US" dirty="0"/>
+                  <a:t>P </a:t>
+                </a:r>
+                <a:r>
+                  <a:rPr lang="ru-RU" dirty="0">
+                    <a:ea typeface="Tahoma" pitchFamily="34" charset="0"/>
+                    <a:cs typeface="Times New Roman" pitchFamily="18" charset="0"/>
+                  </a:rPr>
+                  <a:t>–</a:t>
+                </a:r>
+                <a:r>
+                  <a:rPr lang="en-US" dirty="0">
+                    <a:ea typeface="Tahoma" pitchFamily="34" charset="0"/>
+                    <a:cs typeface="Times New Roman" pitchFamily="18" charset="0"/>
+                  </a:rPr>
+                  <a:t> </a:t>
+                </a:r>
+                <a:r>
+                  <a:rPr lang="ru-RU" dirty="0">
+                    <a:ea typeface="Tahoma" pitchFamily="34" charset="0"/>
+                    <a:cs typeface="Times New Roman" pitchFamily="18" charset="0"/>
+                  </a:rPr>
+                  <a:t>количество пациентов по которым классификтор паринял правильное решение</a:t>
+                </a:r>
+                <a:r>
+                  <a:rPr lang="en-US" dirty="0">
+                    <a:ea typeface="Tahoma" pitchFamily="34" charset="0"/>
+                    <a:cs typeface="Times New Roman" pitchFamily="18" charset="0"/>
+                  </a:rPr>
+                  <a:t>;</a:t>
+                </a:r>
+                <a:endParaRPr lang="ru-RU" dirty="0">
+                  <a:ea typeface="Tahoma" pitchFamily="34" charset="0"/>
+                  <a:cs typeface="Times New Roman" pitchFamily="18" charset="0"/>
+                </a:endParaRPr>
+              </a:p>
+              <a:p>
+                <a:pPr marL="0" indent="0">
+                  <a:buNone/>
+                </a:pPr>
+                <a:r>
+                  <a:rPr lang="ru-RU" dirty="0">
+                    <a:ea typeface="Tahoma" pitchFamily="34" charset="0"/>
+                    <a:cs typeface="Times New Roman" pitchFamily="18" charset="0"/>
+                  </a:rPr>
+                  <a:t>       </a:t>
+                </a:r>
+                <a:r>
+                  <a:rPr lang="en-US" dirty="0">
+                    <a:ea typeface="Tahoma" pitchFamily="34" charset="0"/>
+                    <a:cs typeface="Times New Roman" pitchFamily="18" charset="0"/>
+                  </a:rPr>
+                  <a:t>N</a:t>
+                </a:r>
+                <a:r>
+                  <a:rPr lang="ru-RU" dirty="0">
+                    <a:ea typeface="Tahoma" pitchFamily="34" charset="0"/>
+                    <a:cs typeface="Times New Roman" pitchFamily="18" charset="0"/>
+                  </a:rPr>
+                  <a:t> –</a:t>
+                </a:r>
+                <a:r>
+                  <a:rPr lang="en-US" dirty="0">
+                    <a:ea typeface="Tahoma" pitchFamily="34" charset="0"/>
+                    <a:cs typeface="Times New Roman" pitchFamily="18" charset="0"/>
+                  </a:rPr>
+                  <a:t> </a:t>
+                </a:r>
+                <a:r>
+                  <a:rPr lang="ru-RU" dirty="0">
+                    <a:ea typeface="Tahoma" pitchFamily="34" charset="0"/>
+                    <a:cs typeface="Times New Roman" pitchFamily="18" charset="0"/>
+                  </a:rPr>
+                  <a:t>размер выборки</a:t>
+                </a:r>
+                <a:r>
+                  <a:rPr lang="en-US" dirty="0">
+                    <a:ea typeface="Tahoma" pitchFamily="34" charset="0"/>
+                    <a:cs typeface="Times New Roman" pitchFamily="18" charset="0"/>
+                  </a:rPr>
+                  <a:t>.</a:t>
+                </a:r>
+                <a:endParaRPr lang="en-US" dirty="0"/>
+              </a:p>
+            </p:txBody>
+          </p:sp>
+        </mc:Choice>
+        <mc:Fallback xmlns="">
+          <p:sp>
+            <p:nvSpPr>
+              <p:cNvPr id="3" name="Content Placeholder 2">
+                <a:extLst>
+                  <a:ext uri="{FF2B5EF4-FFF2-40B4-BE49-F238E27FC236}">
+                    <a16:creationId xmlns:a16="http://schemas.microsoft.com/office/drawing/2014/main" id="{07D5E43C-8DE1-4F2B-8AED-DFC66F71B23F}"/>
+                  </a:ext>
+                </a:extLst>
+              </p:cNvPr>
+              <p:cNvSpPr>
+                <a:spLocks noGrp="1" noRot="1" noChangeAspect="1" noMove="1" noResize="1" noEditPoints="1" noAdjustHandles="1" noChangeArrowheads="1" noChangeShapeType="1" noTextEdit="1"/>
+              </p:cNvSpPr>
+              <p:nvPr>
+                <p:ph idx="1"/>
+              </p:nvPr>
+            </p:nvSpPr>
+            <p:spPr>
+              <a:blipFill>
+                <a:blip r:embed="rId2"/>
+                <a:stretch>
+                  <a:fillRect l="-1217" t="-2241"/>
+                </a:stretch>
+              </a:blipFill>
+            </p:spPr>
+            <p:txBody>
+              <a:bodyPr/>
+              <a:lstStyle/>
+              <a:p>
+                <a:r>
+                  <a:rPr lang="en-US">
+                    <a:noFill/>
+                  </a:rPr>
+                  <a:t> </a:t>
+                </a:r>
+              </a:p>
+            </p:txBody>
+          </p:sp>
+        </mc:Fallback>
+      </mc:AlternateContent>
     </p:spTree>
+    <p:extLst>
+      <p:ext uri="{BB962C8B-B14F-4D97-AF65-F5344CB8AC3E}">
+        <p14:creationId xmlns:p14="http://schemas.microsoft.com/office/powerpoint/2010/main" val="4107652611"/>
+      </p:ext>
+    </p:extLst>
   </p:cSld>
   <p:clrMapOvr>
     <a:masterClrMapping/>

--- a/Алькевич А.С/Презентация.pptx
+++ b/Алькевич А.С/Презентация.pptx
@@ -3676,7 +3676,7 @@
         <p:spPr/>
         <p:txBody>
           <a:bodyPr>
-            <a:normAutofit lnSpcReduction="10000"/>
+            <a:normAutofit/>
           </a:bodyPr>
           <a:lstStyle/>
           <a:p>
@@ -3693,7 +3693,7 @@
             </a:pPr>
             <a:r>
               <a:rPr lang="ru-RU" dirty="0"/>
-              <a:t>Исследована сфера цифровой психотерапии. Выявлены источники поведенческой информации человека.</a:t>
+              <a:t>Выявлены источники поведенческой информации человека.</a:t>
             </a:r>
           </a:p>
           <a:p>
@@ -3702,16 +3702,16 @@
             </a:pPr>
             <a:r>
               <a:rPr lang="be-BY" dirty="0"/>
-              <a:t>Определены наиболее эффективные системы и точные методы </a:t>
+              <a:t>Выбрана наиболее оптимальная </a:t>
             </a:r>
             <a:r>
               <a:rPr lang="ru-RU" dirty="0"/>
-              <a:t>классификации.</a:t>
+              <a:t>модель нейронной сети.</a:t>
             </a:r>
           </a:p>
           <a:p>
             <a:pPr marL="514350" indent="-514350">
-              <a:buAutoNum type="arabicPeriod" startAt="5"/>
+              <a:buAutoNum type="arabicPeriod"/>
             </a:pPr>
             <a:r>
               <a:rPr lang="ru-RU" dirty="0"/>
@@ -3727,11 +3727,11 @@
             </a:r>
             <a:r>
               <a:rPr lang="be-BY" dirty="0"/>
-              <a:t>истема, которая предоставляет возможность</a:t>
+              <a:t>истема, которая </a:t>
             </a:r>
             <a:r>
               <a:rPr lang="ru-RU" dirty="0"/>
-              <a:t> в режиме реального времени</a:t>
+              <a:t>позволяет в режиме реального времени</a:t>
             </a:r>
             <a:r>
               <a:rPr lang="be-BY" dirty="0"/>
@@ -3743,11 +3743,11 @@
             </a:r>
             <a:r>
               <a:rPr lang="be-BY" dirty="0"/>
-              <a:t> через интернет, </a:t>
+              <a:t> через интернет и </a:t>
             </a:r>
             <a:r>
               <a:rPr lang="ru-RU" dirty="0"/>
-              <a:t>делать предположения о его психологическом состоянии</a:t>
+              <a:t>делает предположения о его психическом состоянии</a:t>
             </a:r>
             <a:r>
               <a:rPr lang="be-BY" dirty="0"/>
@@ -3756,7 +3756,8 @@
           </a:p>
           <a:p>
             <a:pPr marL="514350" indent="-514350">
-              <a:buAutoNum type="arabicPeriod" startAt="5"/>
+              <a:buFont typeface="Arial" panose="020B0604020202020204" pitchFamily="34" charset="0"/>
+              <a:buAutoNum type="arabicPeriod"/>
             </a:pPr>
             <a:r>
               <a:rPr lang="ru-RU" dirty="0"/>
@@ -3837,13 +3838,13 @@
           <a:p>
             <a:r>
               <a:rPr lang="ru-RU" dirty="0"/>
-              <a:t>Разработанная система может предоставить врачу объективную информацию о поведении человека и сократить время на осмотр симптомов.</a:t>
+              <a:t>Разработанная система предоставляет врачу объективную информацию о поведении человека.</a:t>
             </a:r>
           </a:p>
           <a:p>
             <a:r>
               <a:rPr lang="ru-RU" dirty="0"/>
-              <a:t>По итогам тестирования классификатора было показано, что он может с высокой точностью делать предположения о психологическом состоянии человека.</a:t>
+              <a:t>Результаты тестирования показывают, что система с высокой точностью диагностирует психическое состояние человека.</a:t>
             </a:r>
           </a:p>
           <a:p>
@@ -4033,7 +4034,7 @@
                 <a:ea typeface="Tahoma" pitchFamily="34" charset="0"/>
                 <a:cs typeface="Times New Roman" pitchFamily="18" charset="0"/>
               </a:rPr>
-              <a:t>работы психотерапевта;</a:t>
+              <a:t>работы психотерапевта за счет предоставления объективной информации о поведении человека;</a:t>
             </a:r>
             <a:endParaRPr lang="be-BY" sz="3400" dirty="0">
               <a:latin typeface="+mj-lt"/>
@@ -4072,7 +4073,7 @@
                 <a:ea typeface="Tahoma" pitchFamily="34" charset="0"/>
                 <a:cs typeface="Times New Roman" pitchFamily="18" charset="0"/>
               </a:rPr>
-              <a:t>подходы и методы распознавания </a:t>
+              <a:t>методы диагностирования </a:t>
             </a:r>
             <a:r>
               <a:rPr lang="ru-RU" sz="3400" dirty="0">
@@ -4080,7 +4081,7 @@
                 <a:ea typeface="Tahoma" pitchFamily="34" charset="0"/>
                 <a:cs typeface="Times New Roman" pitchFamily="18" charset="0"/>
               </a:rPr>
-              <a:t>психологического состояния человека</a:t>
+              <a:t>психического состояния человека</a:t>
             </a:r>
             <a:r>
               <a:rPr lang="be-BY" sz="3400" dirty="0">
@@ -4132,7 +4133,7 @@
                 <a:latin typeface="+mj-lt"/>
                 <a:cs typeface="Times New Roman" pitchFamily="18" charset="0"/>
               </a:rPr>
-              <a:t>классификации психологического состояния человека на основе поведенческой информации собранной с мобильного телефона пациента</a:t>
+              <a:t>классификации психических состояний человека на основе поведенческой информации собранной с мобильного телефона пациента</a:t>
             </a:r>
             <a:r>
               <a:rPr lang="be-BY" sz="3400" dirty="0">
@@ -4229,7 +4230,7 @@
               <a:rPr lang="ru-RU" dirty="0">
                 <a:latin typeface="Calibri (Body)"/>
               </a:rPr>
-              <a:t>Выполнить аналитический обзор современных методов автоматического определения психологического состояния человека.</a:t>
+              <a:t>Выполнить аналитический обзор современных методов диагностирования психического состояния человека.</a:t>
             </a:r>
             <a:endParaRPr lang="ru-RU" dirty="0">
               <a:latin typeface="Calibri (Body)"/>
@@ -4263,7 +4264,7 @@
                 <a:ea typeface="Tahoma" pitchFamily="34" charset="0"/>
                 <a:cs typeface="Times New Roman" pitchFamily="18" charset="0"/>
               </a:rPr>
-              <a:t>Определить источники поведенческой информации человека и наладить процесс их непрерывного сбора. </a:t>
+              <a:t>Определить источники поведенческой информации человека. </a:t>
             </a:r>
             <a:endParaRPr lang="be-BY" dirty="0">
               <a:latin typeface="Calibri (Body)"/>
@@ -4272,63 +4273,76 @@
             </a:endParaRPr>
           </a:p>
           <a:p>
-            <a:pPr>
+            <a:pPr marL="0" indent="0">
               <a:buNone/>
             </a:pPr>
             <a:r>
-              <a:rPr lang="ru-RU" dirty="0">
+              <a:rPr lang="be-BY" dirty="0">
                 <a:latin typeface="Calibri (Body)"/>
-                <a:ea typeface="Tahoma" pitchFamily="34" charset="0"/>
-                <a:cs typeface="Times New Roman" pitchFamily="18" charset="0"/>
               </a:rPr>
-              <a:t>3. Классифицировать </a:t>
-            </a:r>
+              <a:t>3. </a:t>
+            </a:r>
+            <a:r>
+              <a:rPr lang="ru-RU" dirty="0"/>
+              <a:t>Р</a:t>
+            </a:r>
+            <a:r>
+              <a:rPr lang="be-BY" dirty="0"/>
+              <a:t>азработать</a:t>
+            </a:r>
+            <a:r>
+              <a:rPr lang="ru-RU" dirty="0"/>
+              <a:t> с</a:t>
+            </a:r>
+            <a:r>
+              <a:rPr lang="be-BY" dirty="0"/>
+              <a:t>истему, которая </a:t>
+            </a:r>
+            <a:r>
+              <a:rPr lang="ru-RU" dirty="0"/>
+              <a:t>позволит в режиме реального времени</a:t>
+            </a:r>
+            <a:r>
+              <a:rPr lang="be-BY" dirty="0"/>
+              <a:t> отслеживать </a:t>
+            </a:r>
+            <a:r>
+              <a:rPr lang="ru-RU" dirty="0"/>
+              <a:t>поведение человека</a:t>
+            </a:r>
+            <a:r>
+              <a:rPr lang="be-BY" dirty="0"/>
+              <a:t>.</a:t>
+            </a:r>
+          </a:p>
+          <a:p>
+            <a:pPr marL="0" indent="0">
+              <a:buNone/>
+            </a:pPr>
             <a:r>
               <a:rPr lang="be-BY" dirty="0">
                 <a:latin typeface="Calibri (Body)"/>
                 <a:ea typeface="Tahoma" pitchFamily="34" charset="0"/>
                 <a:cs typeface="Times New Roman" pitchFamily="18" charset="0"/>
               </a:rPr>
-              <a:t>психологическо</a:t>
+              <a:t>4. </a:t>
+            </a:r>
+            <a:r>
+              <a:rPr lang="be-BY" dirty="0"/>
+              <a:t>Выбрать оптимальную </a:t>
+            </a:r>
+            <a:r>
+              <a:rPr lang="ru-RU" dirty="0"/>
+              <a:t>модель нейронной сети для </a:t>
             </a:r>
             <a:r>
               <a:rPr lang="ru-RU" dirty="0">
                 <a:latin typeface="Calibri (Body)"/>
-                <a:ea typeface="Tahoma" pitchFamily="34" charset="0"/>
-                <a:cs typeface="Times New Roman" pitchFamily="18" charset="0"/>
               </a:rPr>
-              <a:t>е</a:t>
-            </a:r>
-            <a:r>
-              <a:rPr lang="be-BY" dirty="0">
-                <a:latin typeface="Calibri (Body)"/>
-                <a:ea typeface="Tahoma" pitchFamily="34" charset="0"/>
-                <a:cs typeface="Times New Roman" pitchFamily="18" charset="0"/>
-              </a:rPr>
-              <a:t> состояни</a:t>
-            </a:r>
-            <a:r>
-              <a:rPr lang="ru-RU" dirty="0">
-                <a:latin typeface="Calibri (Body)"/>
-                <a:ea typeface="Tahoma" pitchFamily="34" charset="0"/>
-                <a:cs typeface="Times New Roman" pitchFamily="18" charset="0"/>
-              </a:rPr>
-              <a:t>е</a:t>
-            </a:r>
-            <a:r>
-              <a:rPr lang="be-BY" dirty="0">
-                <a:latin typeface="Calibri (Body)"/>
-                <a:ea typeface="Tahoma" pitchFamily="34" charset="0"/>
-                <a:cs typeface="Times New Roman" pitchFamily="18" charset="0"/>
-              </a:rPr>
-              <a:t> пациента на основе собранной поведенческой информации</a:t>
-            </a:r>
-            <a:r>
-              <a:rPr lang="ru-RU" dirty="0">
-                <a:latin typeface="Calibri (Body)"/>
-                <a:ea typeface="Tahoma" pitchFamily="34" charset="0"/>
-                <a:cs typeface="Times New Roman" pitchFamily="18" charset="0"/>
-              </a:rPr>
+              <a:t>классификации психических состояний человека</a:t>
+            </a:r>
+            <a:r>
+              <a:rPr lang="ru-RU" dirty="0"/>
               <a:t>.</a:t>
             </a:r>
             <a:endParaRPr lang="be-BY" dirty="0">
@@ -4338,6 +4352,15 @@
             </a:endParaRPr>
           </a:p>
           <a:p>
+            <a:pPr marL="0" indent="0">
+              <a:buNone/>
+            </a:pPr>
+            <a:endParaRPr lang="be-BY" dirty="0"/>
+          </a:p>
+          <a:p>
+            <a:pPr marL="0" indent="0">
+              <a:buNone/>
+            </a:pPr>
             <a:endParaRPr lang="be-BY" dirty="0">
               <a:latin typeface="Calibri (Body)"/>
             </a:endParaRPr>
@@ -4388,7 +4411,7 @@
               <a:rPr lang="ru-RU" dirty="0">
                 <a:cs typeface="Times New Roman" pitchFamily="18" charset="0"/>
               </a:rPr>
-              <a:t>Актуальность</a:t>
+              <a:t>АКТУАЛЬНОСТЬ</a:t>
             </a:r>
             <a:endParaRPr lang="be-BY" dirty="0"/>
           </a:p>
@@ -4559,7 +4582,7 @@
               <a:rPr lang="ru-RU" dirty="0">
                 <a:cs typeface="Times New Roman" pitchFamily="18" charset="0"/>
               </a:rPr>
-              <a:t>Архитектура</a:t>
+              <a:t>РАЗРАБОТКА АРХИТЕКТУРЫ</a:t>
             </a:r>
             <a:endParaRPr lang="be-BY" dirty="0"/>
           </a:p>
@@ -4596,8 +4619,8 @@
         </p:blipFill>
         <p:spPr bwMode="auto">
           <a:xfrm>
-            <a:off x="1866764" y="940525"/>
-            <a:ext cx="7423517" cy="5528151"/>
+            <a:off x="2661592" y="1377799"/>
+            <a:ext cx="6868816" cy="5115076"/>
           </a:xfrm>
           <a:prstGeom prst="rect">
             <a:avLst/>
@@ -4653,7 +4676,7 @@
                 <a:ea typeface="Tahoma" pitchFamily="34" charset="0"/>
                 <a:cs typeface="Times New Roman" pitchFamily="18" charset="0"/>
               </a:rPr>
-              <a:t>Источники поведенческой информации</a:t>
+              <a:t>ОПРЕДЕЛЕНИЕ ИСТОЧНИОВ ПОВЕДЕНЧЕСКОЙ ИНФОРМАЦИИ</a:t>
             </a:r>
             <a:endParaRPr lang="be-BY" dirty="0"/>
           </a:p>
@@ -4744,7 +4767,7 @@
                 <a:ea typeface="Tahoma" pitchFamily="34" charset="0"/>
                 <a:cs typeface="Times New Roman" pitchFamily="18" charset="0"/>
               </a:rPr>
-              <a:t>Модель нейронной сети</a:t>
+              <a:t>ВЫБОР МОДЕЛЬ НЕЙРОННОЙ СЕТИ</a:t>
             </a:r>
             <a:endParaRPr lang="be-BY" dirty="0"/>
           </a:p>

--- a/Алькевич А.С/Презентация.pptx
+++ b/Алькевич А.С/Презентация.pptx
@@ -117,7 +117,7 @@
   </p:defaultTextStyle>
   <p:extLst>
     <p:ext uri="{EFAFB233-063F-42B5-8137-9DF3F51BA10A}">
-      <p15:sldGuideLst xmlns:p15="http://schemas.microsoft.com/office/powerpoint/2012/main">
+      <p15:sldGuideLst xmlns:p15="http://schemas.microsoft.com/office/powerpoint/2012/main" xmlns="">
         <p15:guide id="1" orient="horz" pos="2160">
           <p15:clr>
             <a:srgbClr val="A4A3A4"/>
@@ -156,7 +156,7 @@
           <p:cNvPr id="2" name="Title 1">
             <a:extLst>
               <a:ext uri="{FF2B5EF4-FFF2-40B4-BE49-F238E27FC236}">
-                <a16:creationId xmlns:a16="http://schemas.microsoft.com/office/drawing/2014/main" id="{075A325B-EC82-4904-A9A2-236D01B3D7AC}"/>
+                <a16:creationId xmlns:a16="http://schemas.microsoft.com/office/drawing/2014/main" xmlns="" id="{075A325B-EC82-4904-A9A2-236D01B3D7AC}"/>
               </a:ext>
             </a:extLst>
           </p:cNvPr>
@@ -193,7 +193,7 @@
           <p:cNvPr id="3" name="Subtitle 2">
             <a:extLst>
               <a:ext uri="{FF2B5EF4-FFF2-40B4-BE49-F238E27FC236}">
-                <a16:creationId xmlns:a16="http://schemas.microsoft.com/office/drawing/2014/main" id="{A59E1933-8127-4E9F-B8CD-A242D0E1A9CB}"/>
+                <a16:creationId xmlns:a16="http://schemas.microsoft.com/office/drawing/2014/main" xmlns="" id="{A59E1933-8127-4E9F-B8CD-A242D0E1A9CB}"/>
               </a:ext>
             </a:extLst>
           </p:cNvPr>
@@ -263,7 +263,7 @@
           <p:cNvPr id="4" name="Date Placeholder 3">
             <a:extLst>
               <a:ext uri="{FF2B5EF4-FFF2-40B4-BE49-F238E27FC236}">
-                <a16:creationId xmlns:a16="http://schemas.microsoft.com/office/drawing/2014/main" id="{3500B7BE-606D-4F3C-B108-44C68BB6C70F}"/>
+                <a16:creationId xmlns:a16="http://schemas.microsoft.com/office/drawing/2014/main" xmlns="" id="{3500B7BE-606D-4F3C-B108-44C68BB6C70F}"/>
               </a:ext>
             </a:extLst>
           </p:cNvPr>
@@ -293,7 +293,7 @@
           <p:cNvPr id="5" name="Footer Placeholder 4">
             <a:extLst>
               <a:ext uri="{FF2B5EF4-FFF2-40B4-BE49-F238E27FC236}">
-                <a16:creationId xmlns:a16="http://schemas.microsoft.com/office/drawing/2014/main" id="{C5D4B445-95D6-4B06-8E21-61D5BFF5B2F6}"/>
+                <a16:creationId xmlns:a16="http://schemas.microsoft.com/office/drawing/2014/main" xmlns="" id="{C5D4B445-95D6-4B06-8E21-61D5BFF5B2F6}"/>
               </a:ext>
             </a:extLst>
           </p:cNvPr>
@@ -318,7 +318,7 @@
           <p:cNvPr id="6" name="Slide Number Placeholder 5">
             <a:extLst>
               <a:ext uri="{FF2B5EF4-FFF2-40B4-BE49-F238E27FC236}">
-                <a16:creationId xmlns:a16="http://schemas.microsoft.com/office/drawing/2014/main" id="{50F38575-7DF0-4297-9FD3-A6723369B92D}"/>
+                <a16:creationId xmlns:a16="http://schemas.microsoft.com/office/drawing/2014/main" xmlns="" id="{50F38575-7DF0-4297-9FD3-A6723369B92D}"/>
               </a:ext>
             </a:extLst>
           </p:cNvPr>
@@ -346,7 +346,7 @@
     </p:spTree>
     <p:extLst>
       <p:ext uri="{BB962C8B-B14F-4D97-AF65-F5344CB8AC3E}">
-        <p14:creationId xmlns:p14="http://schemas.microsoft.com/office/powerpoint/2010/main" val="3779878831"/>
+        <p14:creationId xmlns:p14="http://schemas.microsoft.com/office/powerpoint/2010/main" xmlns="" val="3779878831"/>
       </p:ext>
     </p:extLst>
   </p:cSld>
@@ -378,7 +378,7 @@
           <p:cNvPr id="2" name="Title 1">
             <a:extLst>
               <a:ext uri="{FF2B5EF4-FFF2-40B4-BE49-F238E27FC236}">
-                <a16:creationId xmlns:a16="http://schemas.microsoft.com/office/drawing/2014/main" id="{DBB4BB53-F640-4B09-A8D2-2C26B5F06F21}"/>
+                <a16:creationId xmlns:a16="http://schemas.microsoft.com/office/drawing/2014/main" xmlns="" id="{DBB4BB53-F640-4B09-A8D2-2C26B5F06F21}"/>
               </a:ext>
             </a:extLst>
           </p:cNvPr>
@@ -406,7 +406,7 @@
           <p:cNvPr id="3" name="Vertical Text Placeholder 2">
             <a:extLst>
               <a:ext uri="{FF2B5EF4-FFF2-40B4-BE49-F238E27FC236}">
-                <a16:creationId xmlns:a16="http://schemas.microsoft.com/office/drawing/2014/main" id="{497674D4-4594-4E03-9FBF-49B9AE47E974}"/>
+                <a16:creationId xmlns:a16="http://schemas.microsoft.com/office/drawing/2014/main" xmlns="" id="{497674D4-4594-4E03-9FBF-49B9AE47E974}"/>
               </a:ext>
             </a:extLst>
           </p:cNvPr>
@@ -463,7 +463,7 @@
           <p:cNvPr id="4" name="Date Placeholder 3">
             <a:extLst>
               <a:ext uri="{FF2B5EF4-FFF2-40B4-BE49-F238E27FC236}">
-                <a16:creationId xmlns:a16="http://schemas.microsoft.com/office/drawing/2014/main" id="{A95BDF95-B9D3-4364-A25B-093D6E972F4C}"/>
+                <a16:creationId xmlns:a16="http://schemas.microsoft.com/office/drawing/2014/main" xmlns="" id="{A95BDF95-B9D3-4364-A25B-093D6E972F4C}"/>
               </a:ext>
             </a:extLst>
           </p:cNvPr>
@@ -493,7 +493,7 @@
           <p:cNvPr id="5" name="Footer Placeholder 4">
             <a:extLst>
               <a:ext uri="{FF2B5EF4-FFF2-40B4-BE49-F238E27FC236}">
-                <a16:creationId xmlns:a16="http://schemas.microsoft.com/office/drawing/2014/main" id="{FA50CD65-423B-44F6-B467-E532CC2EC677}"/>
+                <a16:creationId xmlns:a16="http://schemas.microsoft.com/office/drawing/2014/main" xmlns="" id="{FA50CD65-423B-44F6-B467-E532CC2EC677}"/>
               </a:ext>
             </a:extLst>
           </p:cNvPr>
@@ -518,7 +518,7 @@
           <p:cNvPr id="6" name="Slide Number Placeholder 5">
             <a:extLst>
               <a:ext uri="{FF2B5EF4-FFF2-40B4-BE49-F238E27FC236}">
-                <a16:creationId xmlns:a16="http://schemas.microsoft.com/office/drawing/2014/main" id="{B8382766-6D75-4861-B8AE-BF79A4C54DB0}"/>
+                <a16:creationId xmlns:a16="http://schemas.microsoft.com/office/drawing/2014/main" xmlns="" id="{B8382766-6D75-4861-B8AE-BF79A4C54DB0}"/>
               </a:ext>
             </a:extLst>
           </p:cNvPr>
@@ -546,7 +546,7 @@
     </p:spTree>
     <p:extLst>
       <p:ext uri="{BB962C8B-B14F-4D97-AF65-F5344CB8AC3E}">
-        <p14:creationId xmlns:p14="http://schemas.microsoft.com/office/powerpoint/2010/main" val="823327709"/>
+        <p14:creationId xmlns:p14="http://schemas.microsoft.com/office/powerpoint/2010/main" xmlns="" val="823327709"/>
       </p:ext>
     </p:extLst>
   </p:cSld>
@@ -578,7 +578,7 @@
           <p:cNvPr id="2" name="Vertical Title 1">
             <a:extLst>
               <a:ext uri="{FF2B5EF4-FFF2-40B4-BE49-F238E27FC236}">
-                <a16:creationId xmlns:a16="http://schemas.microsoft.com/office/drawing/2014/main" id="{9B9A79F7-4200-4CF1-BE75-80032BC9DDCE}"/>
+                <a16:creationId xmlns:a16="http://schemas.microsoft.com/office/drawing/2014/main" xmlns="" id="{9B9A79F7-4200-4CF1-BE75-80032BC9DDCE}"/>
               </a:ext>
             </a:extLst>
           </p:cNvPr>
@@ -611,7 +611,7 @@
           <p:cNvPr id="3" name="Vertical Text Placeholder 2">
             <a:extLst>
               <a:ext uri="{FF2B5EF4-FFF2-40B4-BE49-F238E27FC236}">
-                <a16:creationId xmlns:a16="http://schemas.microsoft.com/office/drawing/2014/main" id="{B15DEFFF-9D7C-45D1-A0A5-43719CECA94F}"/>
+                <a16:creationId xmlns:a16="http://schemas.microsoft.com/office/drawing/2014/main" xmlns="" id="{B15DEFFF-9D7C-45D1-A0A5-43719CECA94F}"/>
               </a:ext>
             </a:extLst>
           </p:cNvPr>
@@ -673,7 +673,7 @@
           <p:cNvPr id="4" name="Date Placeholder 3">
             <a:extLst>
               <a:ext uri="{FF2B5EF4-FFF2-40B4-BE49-F238E27FC236}">
-                <a16:creationId xmlns:a16="http://schemas.microsoft.com/office/drawing/2014/main" id="{2C670662-7C96-4DA1-A035-60BAA00D12FA}"/>
+                <a16:creationId xmlns:a16="http://schemas.microsoft.com/office/drawing/2014/main" xmlns="" id="{2C670662-7C96-4DA1-A035-60BAA00D12FA}"/>
               </a:ext>
             </a:extLst>
           </p:cNvPr>
@@ -703,7 +703,7 @@
           <p:cNvPr id="5" name="Footer Placeholder 4">
             <a:extLst>
               <a:ext uri="{FF2B5EF4-FFF2-40B4-BE49-F238E27FC236}">
-                <a16:creationId xmlns:a16="http://schemas.microsoft.com/office/drawing/2014/main" id="{99E0F936-D249-4792-8247-6CDB1E3B811E}"/>
+                <a16:creationId xmlns:a16="http://schemas.microsoft.com/office/drawing/2014/main" xmlns="" id="{99E0F936-D249-4792-8247-6CDB1E3B811E}"/>
               </a:ext>
             </a:extLst>
           </p:cNvPr>
@@ -728,7 +728,7 @@
           <p:cNvPr id="6" name="Slide Number Placeholder 5">
             <a:extLst>
               <a:ext uri="{FF2B5EF4-FFF2-40B4-BE49-F238E27FC236}">
-                <a16:creationId xmlns:a16="http://schemas.microsoft.com/office/drawing/2014/main" id="{443CC790-7FB8-491E-89D4-24CB3AEC6490}"/>
+                <a16:creationId xmlns:a16="http://schemas.microsoft.com/office/drawing/2014/main" xmlns="" id="{443CC790-7FB8-491E-89D4-24CB3AEC6490}"/>
               </a:ext>
             </a:extLst>
           </p:cNvPr>
@@ -756,7 +756,7 @@
     </p:spTree>
     <p:extLst>
       <p:ext uri="{BB962C8B-B14F-4D97-AF65-F5344CB8AC3E}">
-        <p14:creationId xmlns:p14="http://schemas.microsoft.com/office/powerpoint/2010/main" val="3030679375"/>
+        <p14:creationId xmlns:p14="http://schemas.microsoft.com/office/powerpoint/2010/main" xmlns="" val="3030679375"/>
       </p:ext>
     </p:extLst>
   </p:cSld>
@@ -788,7 +788,7 @@
           <p:cNvPr id="2" name="Title 1">
             <a:extLst>
               <a:ext uri="{FF2B5EF4-FFF2-40B4-BE49-F238E27FC236}">
-                <a16:creationId xmlns:a16="http://schemas.microsoft.com/office/drawing/2014/main" id="{60833AB4-6484-462E-A3CC-829E6ECAEFBA}"/>
+                <a16:creationId xmlns:a16="http://schemas.microsoft.com/office/drawing/2014/main" xmlns="" id="{60833AB4-6484-462E-A3CC-829E6ECAEFBA}"/>
               </a:ext>
             </a:extLst>
           </p:cNvPr>
@@ -816,7 +816,7 @@
           <p:cNvPr id="3" name="Content Placeholder 2">
             <a:extLst>
               <a:ext uri="{FF2B5EF4-FFF2-40B4-BE49-F238E27FC236}">
-                <a16:creationId xmlns:a16="http://schemas.microsoft.com/office/drawing/2014/main" id="{A2C5186C-7C10-498B-8A1D-A1A431132C11}"/>
+                <a16:creationId xmlns:a16="http://schemas.microsoft.com/office/drawing/2014/main" xmlns="" id="{A2C5186C-7C10-498B-8A1D-A1A431132C11}"/>
               </a:ext>
             </a:extLst>
           </p:cNvPr>
@@ -873,7 +873,7 @@
           <p:cNvPr id="4" name="Date Placeholder 3">
             <a:extLst>
               <a:ext uri="{FF2B5EF4-FFF2-40B4-BE49-F238E27FC236}">
-                <a16:creationId xmlns:a16="http://schemas.microsoft.com/office/drawing/2014/main" id="{E7021A96-81DC-4AD0-ACA8-04C99423CF80}"/>
+                <a16:creationId xmlns:a16="http://schemas.microsoft.com/office/drawing/2014/main" xmlns="" id="{E7021A96-81DC-4AD0-ACA8-04C99423CF80}"/>
               </a:ext>
             </a:extLst>
           </p:cNvPr>
@@ -903,7 +903,7 @@
           <p:cNvPr id="5" name="Footer Placeholder 4">
             <a:extLst>
               <a:ext uri="{FF2B5EF4-FFF2-40B4-BE49-F238E27FC236}">
-                <a16:creationId xmlns:a16="http://schemas.microsoft.com/office/drawing/2014/main" id="{37D91247-1896-4CBF-ADAA-2B57647FB807}"/>
+                <a16:creationId xmlns:a16="http://schemas.microsoft.com/office/drawing/2014/main" xmlns="" id="{37D91247-1896-4CBF-ADAA-2B57647FB807}"/>
               </a:ext>
             </a:extLst>
           </p:cNvPr>
@@ -928,7 +928,7 @@
           <p:cNvPr id="6" name="Slide Number Placeholder 5">
             <a:extLst>
               <a:ext uri="{FF2B5EF4-FFF2-40B4-BE49-F238E27FC236}">
-                <a16:creationId xmlns:a16="http://schemas.microsoft.com/office/drawing/2014/main" id="{1E8AF0A9-88E5-483D-ABFD-DC372ADABF77}"/>
+                <a16:creationId xmlns:a16="http://schemas.microsoft.com/office/drawing/2014/main" xmlns="" id="{1E8AF0A9-88E5-483D-ABFD-DC372ADABF77}"/>
               </a:ext>
             </a:extLst>
           </p:cNvPr>
@@ -956,7 +956,7 @@
     </p:spTree>
     <p:extLst>
       <p:ext uri="{BB962C8B-B14F-4D97-AF65-F5344CB8AC3E}">
-        <p14:creationId xmlns:p14="http://schemas.microsoft.com/office/powerpoint/2010/main" val="2484586931"/>
+        <p14:creationId xmlns:p14="http://schemas.microsoft.com/office/powerpoint/2010/main" xmlns="" val="2484586931"/>
       </p:ext>
     </p:extLst>
   </p:cSld>
@@ -988,7 +988,7 @@
           <p:cNvPr id="2" name="Title 1">
             <a:extLst>
               <a:ext uri="{FF2B5EF4-FFF2-40B4-BE49-F238E27FC236}">
-                <a16:creationId xmlns:a16="http://schemas.microsoft.com/office/drawing/2014/main" id="{EB638D51-006E-494E-835E-FD3DD865574E}"/>
+                <a16:creationId xmlns:a16="http://schemas.microsoft.com/office/drawing/2014/main" xmlns="" id="{EB638D51-006E-494E-835E-FD3DD865574E}"/>
               </a:ext>
             </a:extLst>
           </p:cNvPr>
@@ -1025,7 +1025,7 @@
           <p:cNvPr id="3" name="Text Placeholder 2">
             <a:extLst>
               <a:ext uri="{FF2B5EF4-FFF2-40B4-BE49-F238E27FC236}">
-                <a16:creationId xmlns:a16="http://schemas.microsoft.com/office/drawing/2014/main" id="{B0F1496E-B8AB-4111-A535-DACBE65294F0}"/>
+                <a16:creationId xmlns:a16="http://schemas.microsoft.com/office/drawing/2014/main" xmlns="" id="{B0F1496E-B8AB-4111-A535-DACBE65294F0}"/>
               </a:ext>
             </a:extLst>
           </p:cNvPr>
@@ -1150,7 +1150,7 @@
           <p:cNvPr id="4" name="Date Placeholder 3">
             <a:extLst>
               <a:ext uri="{FF2B5EF4-FFF2-40B4-BE49-F238E27FC236}">
-                <a16:creationId xmlns:a16="http://schemas.microsoft.com/office/drawing/2014/main" id="{27A93AFA-34ED-4B54-A135-051A4FD82B57}"/>
+                <a16:creationId xmlns:a16="http://schemas.microsoft.com/office/drawing/2014/main" xmlns="" id="{27A93AFA-34ED-4B54-A135-051A4FD82B57}"/>
               </a:ext>
             </a:extLst>
           </p:cNvPr>
@@ -1180,7 +1180,7 @@
           <p:cNvPr id="5" name="Footer Placeholder 4">
             <a:extLst>
               <a:ext uri="{FF2B5EF4-FFF2-40B4-BE49-F238E27FC236}">
-                <a16:creationId xmlns:a16="http://schemas.microsoft.com/office/drawing/2014/main" id="{D457C026-FFAE-4809-B341-7B4577DDBF3D}"/>
+                <a16:creationId xmlns:a16="http://schemas.microsoft.com/office/drawing/2014/main" xmlns="" id="{D457C026-FFAE-4809-B341-7B4577DDBF3D}"/>
               </a:ext>
             </a:extLst>
           </p:cNvPr>
@@ -1205,7 +1205,7 @@
           <p:cNvPr id="6" name="Slide Number Placeholder 5">
             <a:extLst>
               <a:ext uri="{FF2B5EF4-FFF2-40B4-BE49-F238E27FC236}">
-                <a16:creationId xmlns:a16="http://schemas.microsoft.com/office/drawing/2014/main" id="{1C938048-903B-4343-B294-8EC5929B216B}"/>
+                <a16:creationId xmlns:a16="http://schemas.microsoft.com/office/drawing/2014/main" xmlns="" id="{1C938048-903B-4343-B294-8EC5929B216B}"/>
               </a:ext>
             </a:extLst>
           </p:cNvPr>
@@ -1233,7 +1233,7 @@
     </p:spTree>
     <p:extLst>
       <p:ext uri="{BB962C8B-B14F-4D97-AF65-F5344CB8AC3E}">
-        <p14:creationId xmlns:p14="http://schemas.microsoft.com/office/powerpoint/2010/main" val="670945512"/>
+        <p14:creationId xmlns:p14="http://schemas.microsoft.com/office/powerpoint/2010/main" xmlns="" val="670945512"/>
       </p:ext>
     </p:extLst>
   </p:cSld>
@@ -1265,7 +1265,7 @@
           <p:cNvPr id="2" name="Title 1">
             <a:extLst>
               <a:ext uri="{FF2B5EF4-FFF2-40B4-BE49-F238E27FC236}">
-                <a16:creationId xmlns:a16="http://schemas.microsoft.com/office/drawing/2014/main" id="{4683A521-79F1-48FD-B0B5-E27E36D784E9}"/>
+                <a16:creationId xmlns:a16="http://schemas.microsoft.com/office/drawing/2014/main" xmlns="" id="{4683A521-79F1-48FD-B0B5-E27E36D784E9}"/>
               </a:ext>
             </a:extLst>
           </p:cNvPr>
@@ -1293,7 +1293,7 @@
           <p:cNvPr id="3" name="Content Placeholder 2">
             <a:extLst>
               <a:ext uri="{FF2B5EF4-FFF2-40B4-BE49-F238E27FC236}">
-                <a16:creationId xmlns:a16="http://schemas.microsoft.com/office/drawing/2014/main" id="{FD42CBE2-652B-4628-8452-771F898459FA}"/>
+                <a16:creationId xmlns:a16="http://schemas.microsoft.com/office/drawing/2014/main" xmlns="" id="{FD42CBE2-652B-4628-8452-771F898459FA}"/>
               </a:ext>
             </a:extLst>
           </p:cNvPr>
@@ -1355,7 +1355,7 @@
           <p:cNvPr id="4" name="Content Placeholder 3">
             <a:extLst>
               <a:ext uri="{FF2B5EF4-FFF2-40B4-BE49-F238E27FC236}">
-                <a16:creationId xmlns:a16="http://schemas.microsoft.com/office/drawing/2014/main" id="{A94F0ED7-7186-4A06-821F-3EFC50389665}"/>
+                <a16:creationId xmlns:a16="http://schemas.microsoft.com/office/drawing/2014/main" xmlns="" id="{A94F0ED7-7186-4A06-821F-3EFC50389665}"/>
               </a:ext>
             </a:extLst>
           </p:cNvPr>
@@ -1417,7 +1417,7 @@
           <p:cNvPr id="5" name="Date Placeholder 4">
             <a:extLst>
               <a:ext uri="{FF2B5EF4-FFF2-40B4-BE49-F238E27FC236}">
-                <a16:creationId xmlns:a16="http://schemas.microsoft.com/office/drawing/2014/main" id="{4291441B-ADF2-4493-8215-0F97A2AB9DF0}"/>
+                <a16:creationId xmlns:a16="http://schemas.microsoft.com/office/drawing/2014/main" xmlns="" id="{4291441B-ADF2-4493-8215-0F97A2AB9DF0}"/>
               </a:ext>
             </a:extLst>
           </p:cNvPr>
@@ -1447,7 +1447,7 @@
           <p:cNvPr id="6" name="Footer Placeholder 5">
             <a:extLst>
               <a:ext uri="{FF2B5EF4-FFF2-40B4-BE49-F238E27FC236}">
-                <a16:creationId xmlns:a16="http://schemas.microsoft.com/office/drawing/2014/main" id="{325CDFF8-E8D1-44C8-AEAA-6AA417A1C9E1}"/>
+                <a16:creationId xmlns:a16="http://schemas.microsoft.com/office/drawing/2014/main" xmlns="" id="{325CDFF8-E8D1-44C8-AEAA-6AA417A1C9E1}"/>
               </a:ext>
             </a:extLst>
           </p:cNvPr>
@@ -1472,7 +1472,7 @@
           <p:cNvPr id="7" name="Slide Number Placeholder 6">
             <a:extLst>
               <a:ext uri="{FF2B5EF4-FFF2-40B4-BE49-F238E27FC236}">
-                <a16:creationId xmlns:a16="http://schemas.microsoft.com/office/drawing/2014/main" id="{8A435470-1D0A-4054-957B-B4A6BCB97787}"/>
+                <a16:creationId xmlns:a16="http://schemas.microsoft.com/office/drawing/2014/main" xmlns="" id="{8A435470-1D0A-4054-957B-B4A6BCB97787}"/>
               </a:ext>
             </a:extLst>
           </p:cNvPr>
@@ -1500,7 +1500,7 @@
     </p:spTree>
     <p:extLst>
       <p:ext uri="{BB962C8B-B14F-4D97-AF65-F5344CB8AC3E}">
-        <p14:creationId xmlns:p14="http://schemas.microsoft.com/office/powerpoint/2010/main" val="2480360642"/>
+        <p14:creationId xmlns:p14="http://schemas.microsoft.com/office/powerpoint/2010/main" xmlns="" val="2480360642"/>
       </p:ext>
     </p:extLst>
   </p:cSld>
@@ -1532,7 +1532,7 @@
           <p:cNvPr id="2" name="Title 1">
             <a:extLst>
               <a:ext uri="{FF2B5EF4-FFF2-40B4-BE49-F238E27FC236}">
-                <a16:creationId xmlns:a16="http://schemas.microsoft.com/office/drawing/2014/main" id="{54E7C32B-2BA9-446A-9235-15F5DD839BFD}"/>
+                <a16:creationId xmlns:a16="http://schemas.microsoft.com/office/drawing/2014/main" xmlns="" id="{54E7C32B-2BA9-446A-9235-15F5DD839BFD}"/>
               </a:ext>
             </a:extLst>
           </p:cNvPr>
@@ -1565,7 +1565,7 @@
           <p:cNvPr id="3" name="Text Placeholder 2">
             <a:extLst>
               <a:ext uri="{FF2B5EF4-FFF2-40B4-BE49-F238E27FC236}">
-                <a16:creationId xmlns:a16="http://schemas.microsoft.com/office/drawing/2014/main" id="{DB3A3E22-4FA5-4454-939F-23B9F9DECC3F}"/>
+                <a16:creationId xmlns:a16="http://schemas.microsoft.com/office/drawing/2014/main" xmlns="" id="{DB3A3E22-4FA5-4454-939F-23B9F9DECC3F}"/>
               </a:ext>
             </a:extLst>
           </p:cNvPr>
@@ -1636,7 +1636,7 @@
           <p:cNvPr id="4" name="Content Placeholder 3">
             <a:extLst>
               <a:ext uri="{FF2B5EF4-FFF2-40B4-BE49-F238E27FC236}">
-                <a16:creationId xmlns:a16="http://schemas.microsoft.com/office/drawing/2014/main" id="{72DF83FC-FEFA-4AFD-A144-30F27A459D20}"/>
+                <a16:creationId xmlns:a16="http://schemas.microsoft.com/office/drawing/2014/main" xmlns="" id="{72DF83FC-FEFA-4AFD-A144-30F27A459D20}"/>
               </a:ext>
             </a:extLst>
           </p:cNvPr>
@@ -1698,7 +1698,7 @@
           <p:cNvPr id="5" name="Text Placeholder 4">
             <a:extLst>
               <a:ext uri="{FF2B5EF4-FFF2-40B4-BE49-F238E27FC236}">
-                <a16:creationId xmlns:a16="http://schemas.microsoft.com/office/drawing/2014/main" id="{0C199EDB-45B1-4A75-BA50-2AEC47282E43}"/>
+                <a16:creationId xmlns:a16="http://schemas.microsoft.com/office/drawing/2014/main" xmlns="" id="{0C199EDB-45B1-4A75-BA50-2AEC47282E43}"/>
               </a:ext>
             </a:extLst>
           </p:cNvPr>
@@ -1769,7 +1769,7 @@
           <p:cNvPr id="6" name="Content Placeholder 5">
             <a:extLst>
               <a:ext uri="{FF2B5EF4-FFF2-40B4-BE49-F238E27FC236}">
-                <a16:creationId xmlns:a16="http://schemas.microsoft.com/office/drawing/2014/main" id="{1EF008B0-860C-4487-B63E-7D8277D34C8C}"/>
+                <a16:creationId xmlns:a16="http://schemas.microsoft.com/office/drawing/2014/main" xmlns="" id="{1EF008B0-860C-4487-B63E-7D8277D34C8C}"/>
               </a:ext>
             </a:extLst>
           </p:cNvPr>
@@ -1831,7 +1831,7 @@
           <p:cNvPr id="7" name="Date Placeholder 6">
             <a:extLst>
               <a:ext uri="{FF2B5EF4-FFF2-40B4-BE49-F238E27FC236}">
-                <a16:creationId xmlns:a16="http://schemas.microsoft.com/office/drawing/2014/main" id="{306A1AD2-F252-4D88-A84E-ADD2AB6668C1}"/>
+                <a16:creationId xmlns:a16="http://schemas.microsoft.com/office/drawing/2014/main" xmlns="" id="{306A1AD2-F252-4D88-A84E-ADD2AB6668C1}"/>
               </a:ext>
             </a:extLst>
           </p:cNvPr>
@@ -1861,7 +1861,7 @@
           <p:cNvPr id="8" name="Footer Placeholder 7">
             <a:extLst>
               <a:ext uri="{FF2B5EF4-FFF2-40B4-BE49-F238E27FC236}">
-                <a16:creationId xmlns:a16="http://schemas.microsoft.com/office/drawing/2014/main" id="{47CC986C-75B9-49C5-8B44-22B2507F8A8D}"/>
+                <a16:creationId xmlns:a16="http://schemas.microsoft.com/office/drawing/2014/main" xmlns="" id="{47CC986C-75B9-49C5-8B44-22B2507F8A8D}"/>
               </a:ext>
             </a:extLst>
           </p:cNvPr>
@@ -1886,7 +1886,7 @@
           <p:cNvPr id="9" name="Slide Number Placeholder 8">
             <a:extLst>
               <a:ext uri="{FF2B5EF4-FFF2-40B4-BE49-F238E27FC236}">
-                <a16:creationId xmlns:a16="http://schemas.microsoft.com/office/drawing/2014/main" id="{71948F72-1448-4800-87A6-E1243C850444}"/>
+                <a16:creationId xmlns:a16="http://schemas.microsoft.com/office/drawing/2014/main" xmlns="" id="{71948F72-1448-4800-87A6-E1243C850444}"/>
               </a:ext>
             </a:extLst>
           </p:cNvPr>
@@ -1914,7 +1914,7 @@
     </p:spTree>
     <p:extLst>
       <p:ext uri="{BB962C8B-B14F-4D97-AF65-F5344CB8AC3E}">
-        <p14:creationId xmlns:p14="http://schemas.microsoft.com/office/powerpoint/2010/main" val="3778224530"/>
+        <p14:creationId xmlns:p14="http://schemas.microsoft.com/office/powerpoint/2010/main" xmlns="" val="3778224530"/>
       </p:ext>
     </p:extLst>
   </p:cSld>
@@ -1946,7 +1946,7 @@
           <p:cNvPr id="2" name="Title 1">
             <a:extLst>
               <a:ext uri="{FF2B5EF4-FFF2-40B4-BE49-F238E27FC236}">
-                <a16:creationId xmlns:a16="http://schemas.microsoft.com/office/drawing/2014/main" id="{643AECB8-1964-4C98-8B43-63EA2B04792F}"/>
+                <a16:creationId xmlns:a16="http://schemas.microsoft.com/office/drawing/2014/main" xmlns="" id="{643AECB8-1964-4C98-8B43-63EA2B04792F}"/>
               </a:ext>
             </a:extLst>
           </p:cNvPr>
@@ -1974,7 +1974,7 @@
           <p:cNvPr id="3" name="Date Placeholder 2">
             <a:extLst>
               <a:ext uri="{FF2B5EF4-FFF2-40B4-BE49-F238E27FC236}">
-                <a16:creationId xmlns:a16="http://schemas.microsoft.com/office/drawing/2014/main" id="{59BABC50-6E87-4654-BC56-FEFBCA978BBB}"/>
+                <a16:creationId xmlns:a16="http://schemas.microsoft.com/office/drawing/2014/main" xmlns="" id="{59BABC50-6E87-4654-BC56-FEFBCA978BBB}"/>
               </a:ext>
             </a:extLst>
           </p:cNvPr>
@@ -2004,7 +2004,7 @@
           <p:cNvPr id="4" name="Footer Placeholder 3">
             <a:extLst>
               <a:ext uri="{FF2B5EF4-FFF2-40B4-BE49-F238E27FC236}">
-                <a16:creationId xmlns:a16="http://schemas.microsoft.com/office/drawing/2014/main" id="{F734CE65-F32E-41B2-8551-A7603941745E}"/>
+                <a16:creationId xmlns:a16="http://schemas.microsoft.com/office/drawing/2014/main" xmlns="" id="{F734CE65-F32E-41B2-8551-A7603941745E}"/>
               </a:ext>
             </a:extLst>
           </p:cNvPr>
@@ -2029,7 +2029,7 @@
           <p:cNvPr id="5" name="Slide Number Placeholder 4">
             <a:extLst>
               <a:ext uri="{FF2B5EF4-FFF2-40B4-BE49-F238E27FC236}">
-                <a16:creationId xmlns:a16="http://schemas.microsoft.com/office/drawing/2014/main" id="{0EE25001-D094-47C8-A699-A6E7E48BB27B}"/>
+                <a16:creationId xmlns:a16="http://schemas.microsoft.com/office/drawing/2014/main" xmlns="" id="{0EE25001-D094-47C8-A699-A6E7E48BB27B}"/>
               </a:ext>
             </a:extLst>
           </p:cNvPr>
@@ -2057,7 +2057,7 @@
     </p:spTree>
     <p:extLst>
       <p:ext uri="{BB962C8B-B14F-4D97-AF65-F5344CB8AC3E}">
-        <p14:creationId xmlns:p14="http://schemas.microsoft.com/office/powerpoint/2010/main" val="2521850990"/>
+        <p14:creationId xmlns:p14="http://schemas.microsoft.com/office/powerpoint/2010/main" xmlns="" val="2521850990"/>
       </p:ext>
     </p:extLst>
   </p:cSld>
@@ -2089,7 +2089,7 @@
           <p:cNvPr id="2" name="Date Placeholder 1">
             <a:extLst>
               <a:ext uri="{FF2B5EF4-FFF2-40B4-BE49-F238E27FC236}">
-                <a16:creationId xmlns:a16="http://schemas.microsoft.com/office/drawing/2014/main" id="{213A2FEA-CF63-4270-A7AE-C5CFDCDBEA01}"/>
+                <a16:creationId xmlns:a16="http://schemas.microsoft.com/office/drawing/2014/main" xmlns="" id="{213A2FEA-CF63-4270-A7AE-C5CFDCDBEA01}"/>
               </a:ext>
             </a:extLst>
           </p:cNvPr>
@@ -2119,7 +2119,7 @@
           <p:cNvPr id="3" name="Footer Placeholder 2">
             <a:extLst>
               <a:ext uri="{FF2B5EF4-FFF2-40B4-BE49-F238E27FC236}">
-                <a16:creationId xmlns:a16="http://schemas.microsoft.com/office/drawing/2014/main" id="{B68311BD-ACBC-4E90-B916-301F516F1172}"/>
+                <a16:creationId xmlns:a16="http://schemas.microsoft.com/office/drawing/2014/main" xmlns="" id="{B68311BD-ACBC-4E90-B916-301F516F1172}"/>
               </a:ext>
             </a:extLst>
           </p:cNvPr>
@@ -2144,7 +2144,7 @@
           <p:cNvPr id="4" name="Slide Number Placeholder 3">
             <a:extLst>
               <a:ext uri="{FF2B5EF4-FFF2-40B4-BE49-F238E27FC236}">
-                <a16:creationId xmlns:a16="http://schemas.microsoft.com/office/drawing/2014/main" id="{FA8A4393-1FB2-4F48-AA82-093BD14042BD}"/>
+                <a16:creationId xmlns:a16="http://schemas.microsoft.com/office/drawing/2014/main" xmlns="" id="{FA8A4393-1FB2-4F48-AA82-093BD14042BD}"/>
               </a:ext>
             </a:extLst>
           </p:cNvPr>
@@ -2172,7 +2172,7 @@
     </p:spTree>
     <p:extLst>
       <p:ext uri="{BB962C8B-B14F-4D97-AF65-F5344CB8AC3E}">
-        <p14:creationId xmlns:p14="http://schemas.microsoft.com/office/powerpoint/2010/main" val="4018624457"/>
+        <p14:creationId xmlns:p14="http://schemas.microsoft.com/office/powerpoint/2010/main" xmlns="" val="4018624457"/>
       </p:ext>
     </p:extLst>
   </p:cSld>
@@ -2204,7 +2204,7 @@
           <p:cNvPr id="2" name="Title 1">
             <a:extLst>
               <a:ext uri="{FF2B5EF4-FFF2-40B4-BE49-F238E27FC236}">
-                <a16:creationId xmlns:a16="http://schemas.microsoft.com/office/drawing/2014/main" id="{4539306A-0604-4946-AA7E-BAB7C9CACCA6}"/>
+                <a16:creationId xmlns:a16="http://schemas.microsoft.com/office/drawing/2014/main" xmlns="" id="{4539306A-0604-4946-AA7E-BAB7C9CACCA6}"/>
               </a:ext>
             </a:extLst>
           </p:cNvPr>
@@ -2241,7 +2241,7 @@
           <p:cNvPr id="3" name="Content Placeholder 2">
             <a:extLst>
               <a:ext uri="{FF2B5EF4-FFF2-40B4-BE49-F238E27FC236}">
-                <a16:creationId xmlns:a16="http://schemas.microsoft.com/office/drawing/2014/main" id="{2DCEE889-1F85-406E-9DB7-BEA5F9A62DBC}"/>
+                <a16:creationId xmlns:a16="http://schemas.microsoft.com/office/drawing/2014/main" xmlns="" id="{2DCEE889-1F85-406E-9DB7-BEA5F9A62DBC}"/>
               </a:ext>
             </a:extLst>
           </p:cNvPr>
@@ -2331,7 +2331,7 @@
           <p:cNvPr id="4" name="Text Placeholder 3">
             <a:extLst>
               <a:ext uri="{FF2B5EF4-FFF2-40B4-BE49-F238E27FC236}">
-                <a16:creationId xmlns:a16="http://schemas.microsoft.com/office/drawing/2014/main" id="{5AECFEAE-2ED0-4A9F-BC6D-198AB5478569}"/>
+                <a16:creationId xmlns:a16="http://schemas.microsoft.com/office/drawing/2014/main" xmlns="" id="{5AECFEAE-2ED0-4A9F-BC6D-198AB5478569}"/>
               </a:ext>
             </a:extLst>
           </p:cNvPr>
@@ -2402,7 +2402,7 @@
           <p:cNvPr id="5" name="Date Placeholder 4">
             <a:extLst>
               <a:ext uri="{FF2B5EF4-FFF2-40B4-BE49-F238E27FC236}">
-                <a16:creationId xmlns:a16="http://schemas.microsoft.com/office/drawing/2014/main" id="{8995614C-7EC6-4407-A60B-E27A7D50C056}"/>
+                <a16:creationId xmlns:a16="http://schemas.microsoft.com/office/drawing/2014/main" xmlns="" id="{8995614C-7EC6-4407-A60B-E27A7D50C056}"/>
               </a:ext>
             </a:extLst>
           </p:cNvPr>
@@ -2432,7 +2432,7 @@
           <p:cNvPr id="6" name="Footer Placeholder 5">
             <a:extLst>
               <a:ext uri="{FF2B5EF4-FFF2-40B4-BE49-F238E27FC236}">
-                <a16:creationId xmlns:a16="http://schemas.microsoft.com/office/drawing/2014/main" id="{B17917EA-F1CF-46CF-AE69-8A9E4ED02CDF}"/>
+                <a16:creationId xmlns:a16="http://schemas.microsoft.com/office/drawing/2014/main" xmlns="" id="{B17917EA-F1CF-46CF-AE69-8A9E4ED02CDF}"/>
               </a:ext>
             </a:extLst>
           </p:cNvPr>
@@ -2457,7 +2457,7 @@
           <p:cNvPr id="7" name="Slide Number Placeholder 6">
             <a:extLst>
               <a:ext uri="{FF2B5EF4-FFF2-40B4-BE49-F238E27FC236}">
-                <a16:creationId xmlns:a16="http://schemas.microsoft.com/office/drawing/2014/main" id="{A20BB478-8ED6-48E1-8357-29D9CAA06492}"/>
+                <a16:creationId xmlns:a16="http://schemas.microsoft.com/office/drawing/2014/main" xmlns="" id="{A20BB478-8ED6-48E1-8357-29D9CAA06492}"/>
               </a:ext>
             </a:extLst>
           </p:cNvPr>
@@ -2485,7 +2485,7 @@
     </p:spTree>
     <p:extLst>
       <p:ext uri="{BB962C8B-B14F-4D97-AF65-F5344CB8AC3E}">
-        <p14:creationId xmlns:p14="http://schemas.microsoft.com/office/powerpoint/2010/main" val="2250623688"/>
+        <p14:creationId xmlns:p14="http://schemas.microsoft.com/office/powerpoint/2010/main" xmlns="" val="2250623688"/>
       </p:ext>
     </p:extLst>
   </p:cSld>
@@ -2517,7 +2517,7 @@
           <p:cNvPr id="2" name="Title 1">
             <a:extLst>
               <a:ext uri="{FF2B5EF4-FFF2-40B4-BE49-F238E27FC236}">
-                <a16:creationId xmlns:a16="http://schemas.microsoft.com/office/drawing/2014/main" id="{865AC83E-1579-4DD1-A27B-C3412ECDBEF4}"/>
+                <a16:creationId xmlns:a16="http://schemas.microsoft.com/office/drawing/2014/main" xmlns="" id="{865AC83E-1579-4DD1-A27B-C3412ECDBEF4}"/>
               </a:ext>
             </a:extLst>
           </p:cNvPr>
@@ -2554,7 +2554,7 @@
           <p:cNvPr id="3" name="Picture Placeholder 2">
             <a:extLst>
               <a:ext uri="{FF2B5EF4-FFF2-40B4-BE49-F238E27FC236}">
-                <a16:creationId xmlns:a16="http://schemas.microsoft.com/office/drawing/2014/main" id="{397B468B-3FDD-4729-AE53-3615571E39F6}"/>
+                <a16:creationId xmlns:a16="http://schemas.microsoft.com/office/drawing/2014/main" xmlns="" id="{397B468B-3FDD-4729-AE53-3615571E39F6}"/>
               </a:ext>
             </a:extLst>
           </p:cNvPr>
@@ -2621,7 +2621,7 @@
           <p:cNvPr id="4" name="Text Placeholder 3">
             <a:extLst>
               <a:ext uri="{FF2B5EF4-FFF2-40B4-BE49-F238E27FC236}">
-                <a16:creationId xmlns:a16="http://schemas.microsoft.com/office/drawing/2014/main" id="{FFE050AD-FC47-4CA6-8427-B169C1EF8D92}"/>
+                <a16:creationId xmlns:a16="http://schemas.microsoft.com/office/drawing/2014/main" xmlns="" id="{FFE050AD-FC47-4CA6-8427-B169C1EF8D92}"/>
               </a:ext>
             </a:extLst>
           </p:cNvPr>
@@ -2692,7 +2692,7 @@
           <p:cNvPr id="5" name="Date Placeholder 4">
             <a:extLst>
               <a:ext uri="{FF2B5EF4-FFF2-40B4-BE49-F238E27FC236}">
-                <a16:creationId xmlns:a16="http://schemas.microsoft.com/office/drawing/2014/main" id="{A0061284-CCF0-4A77-849F-3248412D99E8}"/>
+                <a16:creationId xmlns:a16="http://schemas.microsoft.com/office/drawing/2014/main" xmlns="" id="{A0061284-CCF0-4A77-849F-3248412D99E8}"/>
               </a:ext>
             </a:extLst>
           </p:cNvPr>
@@ -2722,7 +2722,7 @@
           <p:cNvPr id="6" name="Footer Placeholder 5">
             <a:extLst>
               <a:ext uri="{FF2B5EF4-FFF2-40B4-BE49-F238E27FC236}">
-                <a16:creationId xmlns:a16="http://schemas.microsoft.com/office/drawing/2014/main" id="{BEA8BD19-8720-4385-921F-30F82A658DD4}"/>
+                <a16:creationId xmlns:a16="http://schemas.microsoft.com/office/drawing/2014/main" xmlns="" id="{BEA8BD19-8720-4385-921F-30F82A658DD4}"/>
               </a:ext>
             </a:extLst>
           </p:cNvPr>
@@ -2747,7 +2747,7 @@
           <p:cNvPr id="7" name="Slide Number Placeholder 6">
             <a:extLst>
               <a:ext uri="{FF2B5EF4-FFF2-40B4-BE49-F238E27FC236}">
-                <a16:creationId xmlns:a16="http://schemas.microsoft.com/office/drawing/2014/main" id="{20208B63-CD40-448D-89B1-DB7D82686F29}"/>
+                <a16:creationId xmlns:a16="http://schemas.microsoft.com/office/drawing/2014/main" xmlns="" id="{20208B63-CD40-448D-89B1-DB7D82686F29}"/>
               </a:ext>
             </a:extLst>
           </p:cNvPr>
@@ -2775,7 +2775,7 @@
     </p:spTree>
     <p:extLst>
       <p:ext uri="{BB962C8B-B14F-4D97-AF65-F5344CB8AC3E}">
-        <p14:creationId xmlns:p14="http://schemas.microsoft.com/office/powerpoint/2010/main" val="2755002205"/>
+        <p14:creationId xmlns:p14="http://schemas.microsoft.com/office/powerpoint/2010/main" xmlns="" val="2755002205"/>
       </p:ext>
     </p:extLst>
   </p:cSld>
@@ -2812,7 +2812,7 @@
           <p:cNvPr id="2" name="Title Placeholder 1">
             <a:extLst>
               <a:ext uri="{FF2B5EF4-FFF2-40B4-BE49-F238E27FC236}">
-                <a16:creationId xmlns:a16="http://schemas.microsoft.com/office/drawing/2014/main" id="{7A08FB0D-0202-40A0-AE1F-46C8F247F4C5}"/>
+                <a16:creationId xmlns:a16="http://schemas.microsoft.com/office/drawing/2014/main" xmlns="" id="{7A08FB0D-0202-40A0-AE1F-46C8F247F4C5}"/>
               </a:ext>
             </a:extLst>
           </p:cNvPr>
@@ -2850,7 +2850,7 @@
           <p:cNvPr id="3" name="Text Placeholder 2">
             <a:extLst>
               <a:ext uri="{FF2B5EF4-FFF2-40B4-BE49-F238E27FC236}">
-                <a16:creationId xmlns:a16="http://schemas.microsoft.com/office/drawing/2014/main" id="{FD9B4C5F-26D1-4781-91A2-88CFD1C55127}"/>
+                <a16:creationId xmlns:a16="http://schemas.microsoft.com/office/drawing/2014/main" xmlns="" id="{FD9B4C5F-26D1-4781-91A2-88CFD1C55127}"/>
               </a:ext>
             </a:extLst>
           </p:cNvPr>
@@ -2917,7 +2917,7 @@
           <p:cNvPr id="4" name="Date Placeholder 3">
             <a:extLst>
               <a:ext uri="{FF2B5EF4-FFF2-40B4-BE49-F238E27FC236}">
-                <a16:creationId xmlns:a16="http://schemas.microsoft.com/office/drawing/2014/main" id="{A44C2049-C12B-467C-84A8-288AB4270B9B}"/>
+                <a16:creationId xmlns:a16="http://schemas.microsoft.com/office/drawing/2014/main" xmlns="" id="{A44C2049-C12B-467C-84A8-288AB4270B9B}"/>
               </a:ext>
             </a:extLst>
           </p:cNvPr>
@@ -2965,7 +2965,7 @@
           <p:cNvPr id="5" name="Footer Placeholder 4">
             <a:extLst>
               <a:ext uri="{FF2B5EF4-FFF2-40B4-BE49-F238E27FC236}">
-                <a16:creationId xmlns:a16="http://schemas.microsoft.com/office/drawing/2014/main" id="{3D6FD59A-F31A-40C3-A985-116883B59287}"/>
+                <a16:creationId xmlns:a16="http://schemas.microsoft.com/office/drawing/2014/main" xmlns="" id="{3D6FD59A-F31A-40C3-A985-116883B59287}"/>
               </a:ext>
             </a:extLst>
           </p:cNvPr>
@@ -3008,7 +3008,7 @@
           <p:cNvPr id="6" name="Slide Number Placeholder 5">
             <a:extLst>
               <a:ext uri="{FF2B5EF4-FFF2-40B4-BE49-F238E27FC236}">
-                <a16:creationId xmlns:a16="http://schemas.microsoft.com/office/drawing/2014/main" id="{DC49A92A-E67A-49DE-89BB-D1CCCEB205AD}"/>
+                <a16:creationId xmlns:a16="http://schemas.microsoft.com/office/drawing/2014/main" xmlns="" id="{DC49A92A-E67A-49DE-89BB-D1CCCEB205AD}"/>
               </a:ext>
             </a:extLst>
           </p:cNvPr>
@@ -3054,7 +3054,7 @@
     </p:spTree>
     <p:extLst>
       <p:ext uri="{BB962C8B-B14F-4D97-AF65-F5344CB8AC3E}">
-        <p14:creationId xmlns:p14="http://schemas.microsoft.com/office/powerpoint/2010/main" val="736588803"/>
+        <p14:creationId xmlns:p14="http://schemas.microsoft.com/office/powerpoint/2010/main" xmlns="" val="736588803"/>
       </p:ext>
     </p:extLst>
   </p:cSld>
@@ -3377,7 +3377,7 @@
           <p:cNvPr id="2" name="Title 1">
             <a:extLst>
               <a:ext uri="{FF2B5EF4-FFF2-40B4-BE49-F238E27FC236}">
-                <a16:creationId xmlns:a16="http://schemas.microsoft.com/office/drawing/2014/main" id="{18A98568-B624-4EA2-9A7C-54BC3B133D8D}"/>
+                <a16:creationId xmlns:a16="http://schemas.microsoft.com/office/drawing/2014/main" xmlns="" id="{18A98568-B624-4EA2-9A7C-54BC3B133D8D}"/>
               </a:ext>
             </a:extLst>
           </p:cNvPr>
@@ -3417,7 +3417,7 @@
           <p:cNvPr id="3" name="Subtitle 2">
             <a:extLst>
               <a:ext uri="{FF2B5EF4-FFF2-40B4-BE49-F238E27FC236}">
-                <a16:creationId xmlns:a16="http://schemas.microsoft.com/office/drawing/2014/main" id="{CDB1AD77-C7AD-447F-AD28-F5C1744A6EA3}"/>
+                <a16:creationId xmlns:a16="http://schemas.microsoft.com/office/drawing/2014/main" xmlns="" id="{CDB1AD77-C7AD-447F-AD28-F5C1744A6EA3}"/>
               </a:ext>
             </a:extLst>
           </p:cNvPr>
@@ -3535,7 +3535,7 @@
           <p:cNvPr id="5" name="Subtitle 2">
             <a:extLst>
               <a:ext uri="{FF2B5EF4-FFF2-40B4-BE49-F238E27FC236}">
-                <a16:creationId xmlns:a16="http://schemas.microsoft.com/office/drawing/2014/main" id="{CDB1AD77-C7AD-447F-AD28-F5C1744A6EA3}"/>
+                <a16:creationId xmlns:a16="http://schemas.microsoft.com/office/drawing/2014/main" xmlns="" id="{CDB1AD77-C7AD-447F-AD28-F5C1744A6EA3}"/>
               </a:ext>
             </a:extLst>
           </p:cNvPr>
@@ -3613,7 +3613,7 @@
     </p:spTree>
     <p:extLst>
       <p:ext uri="{BB962C8B-B14F-4D97-AF65-F5344CB8AC3E}">
-        <p14:creationId xmlns:p14="http://schemas.microsoft.com/office/powerpoint/2010/main" val="2514872934"/>
+        <p14:creationId xmlns:p14="http://schemas.microsoft.com/office/powerpoint/2010/main" xmlns="" val="2514872934"/>
       </p:ext>
     </p:extLst>
   </p:cSld>
@@ -3981,7 +3981,7 @@
           <p:cNvPr id="3" name="Content Placeholder 2">
             <a:extLst>
               <a:ext uri="{FF2B5EF4-FFF2-40B4-BE49-F238E27FC236}">
-                <a16:creationId xmlns:a16="http://schemas.microsoft.com/office/drawing/2014/main" id="{D6DCF3B5-E509-4346-B823-788C5A0C636E}"/>
+                <a16:creationId xmlns:a16="http://schemas.microsoft.com/office/drawing/2014/main" xmlns="" id="{D6DCF3B5-E509-4346-B823-788C5A0C636E}"/>
               </a:ext>
             </a:extLst>
           </p:cNvPr>
@@ -3994,8 +3994,8 @@
         </p:nvSpPr>
         <p:spPr>
           <a:xfrm>
-            <a:off x="838200" y="875211"/>
-            <a:ext cx="10515600" cy="5301752"/>
+            <a:off x="825137" y="509451"/>
+            <a:ext cx="10515600" cy="5969726"/>
           </a:xfrm>
         </p:spPr>
         <p:txBody>
@@ -4026,7 +4026,23 @@
                 <a:ea typeface="Tahoma" pitchFamily="34" charset="0"/>
                 <a:cs typeface="Times New Roman" pitchFamily="18" charset="0"/>
               </a:rPr>
-              <a:t>овышение эффективности исполнения </a:t>
+              <a:t>овышение </a:t>
+            </a:r>
+            <a:r>
+              <a:rPr lang="ru-RU" sz="3400" dirty="0" smtClean="0">
+                <a:latin typeface="+mj-lt"/>
+                <a:ea typeface="Tahoma" pitchFamily="34" charset="0"/>
+                <a:cs typeface="Times New Roman" pitchFamily="18" charset="0"/>
+              </a:rPr>
+              <a:t>точности диагностирования психического состояния человека </a:t>
+            </a:r>
+            <a:r>
+              <a:rPr lang="ru-RU" sz="3400" dirty="0" smtClean="0">
+                <a:latin typeface="+mj-lt"/>
+                <a:ea typeface="Tahoma" pitchFamily="34" charset="0"/>
+                <a:cs typeface="Times New Roman" pitchFamily="18" charset="0"/>
+              </a:rPr>
+              <a:t>за </a:t>
             </a:r>
             <a:r>
               <a:rPr lang="ru-RU" sz="3400" dirty="0">
@@ -4034,7 +4050,15 @@
                 <a:ea typeface="Tahoma" pitchFamily="34" charset="0"/>
                 <a:cs typeface="Times New Roman" pitchFamily="18" charset="0"/>
               </a:rPr>
-              <a:t>работы психотерапевта за счет предоставления объективной информации о поведении человека;</a:t>
+              <a:t>счет предоставления объективной информации о </a:t>
+            </a:r>
+            <a:r>
+              <a:rPr lang="ru-RU" sz="3400" dirty="0" smtClean="0">
+                <a:latin typeface="+mj-lt"/>
+                <a:ea typeface="Tahoma" pitchFamily="34" charset="0"/>
+                <a:cs typeface="Times New Roman" pitchFamily="18" charset="0"/>
+              </a:rPr>
+              <a:t>его поведении.</a:t>
             </a:r>
             <a:endParaRPr lang="be-BY" sz="3400" dirty="0">
               <a:latin typeface="+mj-lt"/>
@@ -4068,12 +4092,12 @@
               <a:t>– </a:t>
             </a:r>
             <a:r>
-              <a:rPr lang="be-BY" sz="3400" dirty="0">
+              <a:rPr lang="be-BY" sz="3400" dirty="0" smtClean="0">
                 <a:latin typeface="+mj-lt"/>
                 <a:ea typeface="Tahoma" pitchFamily="34" charset="0"/>
                 <a:cs typeface="Times New Roman" pitchFamily="18" charset="0"/>
               </a:rPr>
-              <a:t>методы диагностирования </a:t>
+              <a:t>способы диагностирования </a:t>
             </a:r>
             <a:r>
               <a:rPr lang="ru-RU" sz="3400" dirty="0">
@@ -4148,7 +4172,7 @@
     </p:spTree>
     <p:extLst>
       <p:ext uri="{BB962C8B-B14F-4D97-AF65-F5344CB8AC3E}">
-        <p14:creationId xmlns:p14="http://schemas.microsoft.com/office/powerpoint/2010/main" val="62113808"/>
+        <p14:creationId xmlns:p14="http://schemas.microsoft.com/office/powerpoint/2010/main" xmlns="" val="62113808"/>
       </p:ext>
     </p:extLst>
   </p:cSld>
@@ -4220,20 +4244,24 @@
             </a:pPr>
             <a:r>
               <a:rPr lang="ru-RU" dirty="0">
-                <a:latin typeface="Calibri (Body)"/>
                 <a:ea typeface="Tahoma" pitchFamily="34" charset="0"/>
                 <a:cs typeface="Times New Roman" pitchFamily="18" charset="0"/>
               </a:rPr>
               <a:t>1. </a:t>
             </a:r>
             <a:r>
-              <a:rPr lang="ru-RU" dirty="0">
-                <a:latin typeface="Calibri (Body)"/>
-              </a:rPr>
-              <a:t>Выполнить аналитический обзор современных методов диагностирования психического состояния человека.</a:t>
+              <a:rPr lang="ru-RU" dirty="0"/>
+              <a:t>Выполнить аналитический обзор современных </a:t>
+            </a:r>
+            <a:r>
+              <a:rPr lang="ru-RU" dirty="0" smtClean="0"/>
+              <a:t>способов диагностирования </a:t>
+            </a:r>
+            <a:r>
+              <a:rPr lang="ru-RU" dirty="0"/>
+              <a:t>психического состояния человека.</a:t>
             </a:r>
             <a:endParaRPr lang="ru-RU" dirty="0">
-              <a:latin typeface="Calibri (Body)"/>
               <a:ea typeface="Tahoma" pitchFamily="34" charset="0"/>
               <a:cs typeface="Times New Roman" pitchFamily="18" charset="0"/>
             </a:endParaRPr>
@@ -4244,7 +4272,6 @@
             </a:pPr>
             <a:r>
               <a:rPr lang="ru-RU" dirty="0">
-                <a:latin typeface="Calibri (Body)"/>
                 <a:ea typeface="Tahoma" pitchFamily="34" charset="0"/>
                 <a:cs typeface="Times New Roman" pitchFamily="18" charset="0"/>
               </a:rPr>
@@ -4252,7 +4279,6 @@
             </a:r>
             <a:r>
               <a:rPr lang="en-US" dirty="0">
-                <a:latin typeface="Calibri (Body)"/>
                 <a:ea typeface="Tahoma" pitchFamily="34" charset="0"/>
                 <a:cs typeface="Times New Roman" pitchFamily="18" charset="0"/>
               </a:rPr>
@@ -4260,14 +4286,12 @@
             </a:r>
             <a:r>
               <a:rPr lang="ru-RU" dirty="0">
-                <a:latin typeface="Calibri (Body)"/>
                 <a:ea typeface="Tahoma" pitchFamily="34" charset="0"/>
                 <a:cs typeface="Times New Roman" pitchFamily="18" charset="0"/>
               </a:rPr>
               <a:t>Определить источники поведенческой информации человека. </a:t>
             </a:r>
             <a:endParaRPr lang="be-BY" dirty="0">
-              <a:latin typeface="Calibri (Body)"/>
               <a:ea typeface="Tahoma" pitchFamily="34" charset="0"/>
               <a:cs typeface="Times New Roman" pitchFamily="18" charset="0"/>
             </a:endParaRPr>
@@ -4277,9 +4301,7 @@
               <a:buNone/>
             </a:pPr>
             <a:r>
-              <a:rPr lang="be-BY" dirty="0">
-                <a:latin typeface="Calibri (Body)"/>
-              </a:rPr>
+              <a:rPr lang="be-BY" dirty="0"/>
               <a:t>3. </a:t>
             </a:r>
             <a:r>
@@ -4321,7 +4343,6 @@
             </a:pPr>
             <a:r>
               <a:rPr lang="be-BY" dirty="0">
-                <a:latin typeface="Calibri (Body)"/>
                 <a:ea typeface="Tahoma" pitchFamily="34" charset="0"/>
                 <a:cs typeface="Times New Roman" pitchFamily="18" charset="0"/>
               </a:rPr>
@@ -4333,20 +4354,9 @@
             </a:r>
             <a:r>
               <a:rPr lang="ru-RU" dirty="0"/>
-              <a:t>модель нейронной сети для </a:t>
-            </a:r>
-            <a:r>
-              <a:rPr lang="ru-RU" dirty="0">
-                <a:latin typeface="Calibri (Body)"/>
-              </a:rPr>
-              <a:t>классификации психических состояний человека</a:t>
-            </a:r>
-            <a:r>
-              <a:rPr lang="ru-RU" dirty="0"/>
-              <a:t>.</a:t>
+              <a:t>модель нейронной сети для классификации психических состояний человека.</a:t>
             </a:r>
             <a:endParaRPr lang="be-BY" dirty="0">
-              <a:latin typeface="Calibri (Body)"/>
               <a:ea typeface="Tahoma" pitchFamily="34" charset="0"/>
               <a:cs typeface="Times New Roman" pitchFamily="18" charset="0"/>
             </a:endParaRPr>
@@ -4361,9 +4371,7 @@
             <a:pPr marL="0" indent="0">
               <a:buNone/>
             </a:pPr>
-            <a:endParaRPr lang="be-BY" dirty="0">
-              <a:latin typeface="Calibri (Body)"/>
-            </a:endParaRPr>
+            <a:endParaRPr lang="be-BY" dirty="0"/>
           </a:p>
         </p:txBody>
       </p:sp>
@@ -4444,10 +4452,10 @@
               <a:t>		</a:t>
             </a:r>
             <a:r>
-              <a:rPr lang="ru-RU" sz="3200" dirty="0">
+              <a:rPr lang="ru-RU" sz="3200" dirty="0" smtClean="0">
                 <a:cs typeface="Times New Roman" pitchFamily="18" charset="0"/>
               </a:rPr>
-              <a:t>Обусловлена тем, что на сегодняшний день людей с психологическими проблемами гораздо больше, чем специалистов, способных с этим справиться. </a:t>
+              <a:t>Современные люди, живущие в условиях информационного перенасыщения и постоянного напряжения, не замечают того, что впали в депрессию. Поэтому особенно ценными являются способы определения психических отклонений на их начальных этапах. </a:t>
             </a:r>
             <a:endParaRPr lang="en-US" sz="3200" dirty="0">
               <a:cs typeface="Times New Roman" pitchFamily="18" charset="0"/>
@@ -4573,7 +4581,12 @@
             <p:ph type="title"/>
           </p:nvPr>
         </p:nvSpPr>
-        <p:spPr/>
+        <p:spPr>
+          <a:xfrm>
+            <a:off x="851263" y="0"/>
+            <a:ext cx="10515600" cy="1325563"/>
+          </a:xfrm>
+        </p:spPr>
         <p:txBody>
           <a:bodyPr/>
           <a:lstStyle/>
@@ -4593,7 +4606,7 @@
           <p:cNvPr id="4" name="Content Placeholder 3" descr="architecture">
             <a:extLst>
               <a:ext uri="{FF2B5EF4-FFF2-40B4-BE49-F238E27FC236}">
-                <a16:creationId xmlns:a16="http://schemas.microsoft.com/office/drawing/2014/main" id="{C7C92FC6-247D-4052-B167-A17F87001F97}"/>
+                <a16:creationId xmlns:a16="http://schemas.microsoft.com/office/drawing/2014/main" xmlns="" id="{C7C92FC6-247D-4052-B167-A17F87001F97}"/>
               </a:ext>
             </a:extLst>
           </p:cNvPr>
@@ -4608,7 +4621,7 @@
           <a:blip r:embed="rId2" cstate="print">
             <a:extLst>
               <a:ext uri="{28A0092B-C50C-407E-A947-70E740481C1C}">
-                <a14:useLocalDpi xmlns:a14="http://schemas.microsoft.com/office/drawing/2010/main" val="0"/>
+                <a14:useLocalDpi xmlns:a14="http://schemas.microsoft.com/office/drawing/2010/main" xmlns="" val="0"/>
               </a:ext>
             </a:extLst>
           </a:blip>
@@ -4619,8 +4632,8 @@
         </p:blipFill>
         <p:spPr bwMode="auto">
           <a:xfrm>
-            <a:off x="2661592" y="1377799"/>
-            <a:ext cx="6868816" cy="5115076"/>
+            <a:off x="2348083" y="1175657"/>
+            <a:ext cx="7350762" cy="5473972"/>
           </a:xfrm>
           <a:prstGeom prst="rect">
             <a:avLst/>
@@ -4676,7 +4689,21 @@
                 <a:ea typeface="Tahoma" pitchFamily="34" charset="0"/>
                 <a:cs typeface="Times New Roman" pitchFamily="18" charset="0"/>
               </a:rPr>
-              <a:t>ОПРЕДЕЛЕНИЕ ИСТОЧНИОВ ПОВЕДЕНЧЕСКОЙ ИНФОРМАЦИИ</a:t>
+              <a:t>ОПРЕДЕЛЕНИЕ </a:t>
+            </a:r>
+            <a:r>
+              <a:rPr lang="ru-RU" dirty="0" smtClean="0">
+                <a:ea typeface="Tahoma" pitchFamily="34" charset="0"/>
+                <a:cs typeface="Times New Roman" pitchFamily="18" charset="0"/>
+              </a:rPr>
+              <a:t>ИСТОЧНИКОВ </a:t>
+            </a:r>
+            <a:r>
+              <a:rPr lang="ru-RU" dirty="0">
+                <a:ea typeface="Tahoma" pitchFamily="34" charset="0"/>
+                <a:cs typeface="Times New Roman" pitchFamily="18" charset="0"/>
+              </a:rPr>
+              <a:t>ПОВЕДЕНЧЕСКОЙ ИНФОРМАЦИИ</a:t>
             </a:r>
             <a:endParaRPr lang="be-BY" dirty="0"/>
           </a:p>
@@ -4687,7 +4714,7 @@
           <p:cNvPr id="4" name="Content Placeholder 3" descr="C:\Users\alcke\Downloads\Untitled Diagram (2).png">
             <a:extLst>
               <a:ext uri="{FF2B5EF4-FFF2-40B4-BE49-F238E27FC236}">
-                <a16:creationId xmlns:a16="http://schemas.microsoft.com/office/drawing/2014/main" id="{1287A200-7E12-4E3B-AA1E-BBAA0C2D9CF6}"/>
+                <a16:creationId xmlns:a16="http://schemas.microsoft.com/office/drawing/2014/main" xmlns="" id="{1287A200-7E12-4E3B-AA1E-BBAA0C2D9CF6}"/>
               </a:ext>
             </a:extLst>
           </p:cNvPr>
@@ -4717,7 +4744,7 @@
           </a:ln>
           <a:extLst>
             <a:ext uri="{53640926-AAD7-44D8-BBD7-CCE9431645EC}">
-              <a14:shadowObscured xmlns:a14="http://schemas.microsoft.com/office/drawing/2010/main"/>
+              <a14:shadowObscured xmlns:a14="http://schemas.microsoft.com/office/drawing/2010/main" xmlns=""/>
             </a:ext>
           </a:extLst>
         </p:spPr>
@@ -4757,7 +4784,12 @@
             <p:ph type="title"/>
           </p:nvPr>
         </p:nvSpPr>
-        <p:spPr/>
+        <p:spPr>
+          <a:xfrm>
+            <a:off x="825137" y="0"/>
+            <a:ext cx="10515600" cy="1325563"/>
+          </a:xfrm>
+        </p:spPr>
         <p:txBody>
           <a:bodyPr/>
           <a:lstStyle/>
@@ -4767,7 +4799,21 @@
                 <a:ea typeface="Tahoma" pitchFamily="34" charset="0"/>
                 <a:cs typeface="Times New Roman" pitchFamily="18" charset="0"/>
               </a:rPr>
-              <a:t>ВЫБОР МОДЕЛЬ НЕЙРОННОЙ СЕТИ</a:t>
+              <a:t>ВЫБОР </a:t>
+            </a:r>
+            <a:r>
+              <a:rPr lang="ru-RU" dirty="0" smtClean="0">
+                <a:ea typeface="Tahoma" pitchFamily="34" charset="0"/>
+                <a:cs typeface="Times New Roman" pitchFamily="18" charset="0"/>
+              </a:rPr>
+              <a:t>МОДЕЛИ </a:t>
+            </a:r>
+            <a:r>
+              <a:rPr lang="ru-RU" dirty="0">
+                <a:ea typeface="Tahoma" pitchFamily="34" charset="0"/>
+                <a:cs typeface="Times New Roman" pitchFamily="18" charset="0"/>
+              </a:rPr>
+              <a:t>НЕЙРОННОЙ СЕТИ</a:t>
             </a:r>
             <a:endParaRPr lang="be-BY" dirty="0"/>
           </a:p>
@@ -4778,7 +4824,7 @@
           <p:cNvPr id="4" name="Рисунок 37" descr="rec">
             <a:extLst>
               <a:ext uri="{FF2B5EF4-FFF2-40B4-BE49-F238E27FC236}">
-                <a16:creationId xmlns:a16="http://schemas.microsoft.com/office/drawing/2014/main" id="{12E96A14-2305-45ED-9F76-2E5B4DF630B6}"/>
+                <a16:creationId xmlns:a16="http://schemas.microsoft.com/office/drawing/2014/main" xmlns="" id="{12E96A14-2305-45ED-9F76-2E5B4DF630B6}"/>
               </a:ext>
             </a:extLst>
           </p:cNvPr>
@@ -4798,8 +4844,8 @@
         </p:blipFill>
         <p:spPr bwMode="auto">
           <a:xfrm>
-            <a:off x="3464047" y="1542091"/>
-            <a:ext cx="4726365" cy="5002399"/>
+            <a:off x="3464047" y="1293223"/>
+            <a:ext cx="4961500" cy="5251267"/>
           </a:xfrm>
           <a:prstGeom prst="rect">
             <a:avLst/>
@@ -4843,7 +4889,7 @@
           <p:cNvPr id="2" name="Title 1">
             <a:extLst>
               <a:ext uri="{FF2B5EF4-FFF2-40B4-BE49-F238E27FC236}">
-                <a16:creationId xmlns:a16="http://schemas.microsoft.com/office/drawing/2014/main" id="{0BD83CAC-99F8-489C-A0C8-7AEFFCF4580C}"/>
+                <a16:creationId xmlns:a16="http://schemas.microsoft.com/office/drawing/2014/main" xmlns="" id="{0BD83CAC-99F8-489C-A0C8-7AEFFCF4580C}"/>
               </a:ext>
             </a:extLst>
           </p:cNvPr>
@@ -4867,8 +4913,8 @@
           </a:p>
         </p:txBody>
       </p:sp>
-      <mc:AlternateContent xmlns:mc="http://schemas.openxmlformats.org/markup-compatibility/2006" xmlns:a14="http://schemas.microsoft.com/office/drawing/2010/main">
-        <mc:Choice Requires="a14">
+      <mc:AlternateContent xmlns:mc="http://schemas.openxmlformats.org/markup-compatibility/2006">
+        <mc:Choice xmlns:a14="http://schemas.microsoft.com/office/drawing/2010/main" xmlns="" Requires="a14">
           <p:sp>
             <p:nvSpPr>
               <p:cNvPr id="3" name="Content Placeholder 2">
@@ -5099,13 +5145,13 @@
             </p:txBody>
           </p:sp>
         </mc:Choice>
-        <mc:Fallback xmlns="">
+        <mc:Fallback>
           <p:sp>
             <p:nvSpPr>
               <p:cNvPr id="3" name="Content Placeholder 2">
                 <a:extLst>
                   <a:ext uri="{FF2B5EF4-FFF2-40B4-BE49-F238E27FC236}">
-                    <a16:creationId xmlns:a16="http://schemas.microsoft.com/office/drawing/2014/main" id="{07D5E43C-8DE1-4F2B-8AED-DFC66F71B23F}"/>
+                    <a16:creationId xmlns:a16="http://schemas.microsoft.com/office/drawing/2014/main" xmlns="" xmlns:a14="http://schemas.microsoft.com/office/drawing/2010/main" id="{07D5E43C-8DE1-4F2B-8AED-DFC66F71B23F}"/>
                   </a:ext>
                 </a:extLst>
               </p:cNvPr>
@@ -5118,7 +5164,7 @@
             </p:nvSpPr>
             <p:spPr>
               <a:blipFill>
-                <a:blip r:embed="rId2"/>
+                <a:blip r:embed="rId2" cstate="print"/>
                 <a:stretch>
                   <a:fillRect l="-1217" t="-2241"/>
                 </a:stretch>
@@ -5142,7 +5188,7 @@
     </p:spTree>
     <p:extLst>
       <p:ext uri="{BB962C8B-B14F-4D97-AF65-F5344CB8AC3E}">
-        <p14:creationId xmlns:p14="http://schemas.microsoft.com/office/powerpoint/2010/main" val="4107652611"/>
+        <p14:creationId xmlns:p14="http://schemas.microsoft.com/office/powerpoint/2010/main" xmlns="" val="4107652611"/>
       </p:ext>
     </p:extLst>
   </p:cSld>
@@ -5441,7 +5487,7 @@
   <a:extraClrSchemeLst/>
   <a:extLst>
     <a:ext uri="{05A4C25C-085E-4340-85A3-A5531E510DB2}">
-      <thm15:themeFamily xmlns:thm15="http://schemas.microsoft.com/office/thememl/2012/main" name="Office Theme" id="{62F939B6-93AF-4DB8-9C6B-D6C7DFDC589F}" vid="{4A3C46E8-61CC-4603-A589-7422A47A8E4A}"/>
+      <thm15:themeFamily xmlns:thm15="http://schemas.microsoft.com/office/thememl/2012/main" xmlns="" name="Office Theme" id="{62F939B6-93AF-4DB8-9C6B-D6C7DFDC589F}" vid="{4A3C46E8-61CC-4603-A589-7422A47A8E4A}"/>
     </a:ext>
   </a:extLst>
 </a:theme>

--- a/Алькевич А.С/Презентация.pptx
+++ b/Алькевич А.С/Презентация.pptx
@@ -9,10 +9,10 @@
     <p:sldId id="260" r:id="rId3"/>
     <p:sldId id="284" r:id="rId4"/>
     <p:sldId id="283" r:id="rId5"/>
-    <p:sldId id="289" r:id="rId6"/>
+    <p:sldId id="287" r:id="rId6"/>
     <p:sldId id="285" r:id="rId7"/>
-    <p:sldId id="287" r:id="rId8"/>
-    <p:sldId id="286" r:id="rId9"/>
+    <p:sldId id="286" r:id="rId8"/>
+    <p:sldId id="289" r:id="rId9"/>
     <p:sldId id="293" r:id="rId10"/>
     <p:sldId id="288" r:id="rId11"/>
     <p:sldId id="290" r:id="rId12"/>
@@ -117,7 +117,7 @@
   </p:defaultTextStyle>
   <p:extLst>
     <p:ext uri="{EFAFB233-063F-42B5-8137-9DF3F51BA10A}">
-      <p15:sldGuideLst xmlns:p15="http://schemas.microsoft.com/office/powerpoint/2012/main" xmlns="">
+      <p15:sldGuideLst xmlns:p15="http://schemas.microsoft.com/office/powerpoint/2012/main">
         <p15:guide id="1" orient="horz" pos="2160">
           <p15:clr>
             <a:srgbClr val="A4A3A4"/>
@@ -156,7 +156,7 @@
           <p:cNvPr id="2" name="Title 1">
             <a:extLst>
               <a:ext uri="{FF2B5EF4-FFF2-40B4-BE49-F238E27FC236}">
-                <a16:creationId xmlns:a16="http://schemas.microsoft.com/office/drawing/2014/main" xmlns="" id="{075A325B-EC82-4904-A9A2-236D01B3D7AC}"/>
+                <a16:creationId xmlns:a16="http://schemas.microsoft.com/office/drawing/2014/main" id="{075A325B-EC82-4904-A9A2-236D01B3D7AC}"/>
               </a:ext>
             </a:extLst>
           </p:cNvPr>
@@ -193,7 +193,7 @@
           <p:cNvPr id="3" name="Subtitle 2">
             <a:extLst>
               <a:ext uri="{FF2B5EF4-FFF2-40B4-BE49-F238E27FC236}">
-                <a16:creationId xmlns:a16="http://schemas.microsoft.com/office/drawing/2014/main" xmlns="" id="{A59E1933-8127-4E9F-B8CD-A242D0E1A9CB}"/>
+                <a16:creationId xmlns:a16="http://schemas.microsoft.com/office/drawing/2014/main" id="{A59E1933-8127-4E9F-B8CD-A242D0E1A9CB}"/>
               </a:ext>
             </a:extLst>
           </p:cNvPr>
@@ -263,7 +263,7 @@
           <p:cNvPr id="4" name="Date Placeholder 3">
             <a:extLst>
               <a:ext uri="{FF2B5EF4-FFF2-40B4-BE49-F238E27FC236}">
-                <a16:creationId xmlns:a16="http://schemas.microsoft.com/office/drawing/2014/main" xmlns="" id="{3500B7BE-606D-4F3C-B108-44C68BB6C70F}"/>
+                <a16:creationId xmlns:a16="http://schemas.microsoft.com/office/drawing/2014/main" id="{3500B7BE-606D-4F3C-B108-44C68BB6C70F}"/>
               </a:ext>
             </a:extLst>
           </p:cNvPr>
@@ -282,7 +282,7 @@
             <a:fld id="{FA2E1F03-39B6-4BE1-A82C-E30542474753}" type="datetimeFigureOut">
               <a:rPr lang="en-US" smtClean="0"/>
               <a:pPr/>
-              <a:t>6/17/2019</a:t>
+              <a:t>6/18/2019</a:t>
             </a:fld>
             <a:endParaRPr lang="en-US"/>
           </a:p>
@@ -293,7 +293,7 @@
           <p:cNvPr id="5" name="Footer Placeholder 4">
             <a:extLst>
               <a:ext uri="{FF2B5EF4-FFF2-40B4-BE49-F238E27FC236}">
-                <a16:creationId xmlns:a16="http://schemas.microsoft.com/office/drawing/2014/main" xmlns="" id="{C5D4B445-95D6-4B06-8E21-61D5BFF5B2F6}"/>
+                <a16:creationId xmlns:a16="http://schemas.microsoft.com/office/drawing/2014/main" id="{C5D4B445-95D6-4B06-8E21-61D5BFF5B2F6}"/>
               </a:ext>
             </a:extLst>
           </p:cNvPr>
@@ -318,7 +318,7 @@
           <p:cNvPr id="6" name="Slide Number Placeholder 5">
             <a:extLst>
               <a:ext uri="{FF2B5EF4-FFF2-40B4-BE49-F238E27FC236}">
-                <a16:creationId xmlns:a16="http://schemas.microsoft.com/office/drawing/2014/main" xmlns="" id="{50F38575-7DF0-4297-9FD3-A6723369B92D}"/>
+                <a16:creationId xmlns:a16="http://schemas.microsoft.com/office/drawing/2014/main" id="{50F38575-7DF0-4297-9FD3-A6723369B92D}"/>
               </a:ext>
             </a:extLst>
           </p:cNvPr>
@@ -346,7 +346,7 @@
     </p:spTree>
     <p:extLst>
       <p:ext uri="{BB962C8B-B14F-4D97-AF65-F5344CB8AC3E}">
-        <p14:creationId xmlns:p14="http://schemas.microsoft.com/office/powerpoint/2010/main" xmlns="" val="3779878831"/>
+        <p14:creationId xmlns:p14="http://schemas.microsoft.com/office/powerpoint/2010/main" val="3779878831"/>
       </p:ext>
     </p:extLst>
   </p:cSld>
@@ -378,7 +378,7 @@
           <p:cNvPr id="2" name="Title 1">
             <a:extLst>
               <a:ext uri="{FF2B5EF4-FFF2-40B4-BE49-F238E27FC236}">
-                <a16:creationId xmlns:a16="http://schemas.microsoft.com/office/drawing/2014/main" xmlns="" id="{DBB4BB53-F640-4B09-A8D2-2C26B5F06F21}"/>
+                <a16:creationId xmlns:a16="http://schemas.microsoft.com/office/drawing/2014/main" id="{DBB4BB53-F640-4B09-A8D2-2C26B5F06F21}"/>
               </a:ext>
             </a:extLst>
           </p:cNvPr>
@@ -406,7 +406,7 @@
           <p:cNvPr id="3" name="Vertical Text Placeholder 2">
             <a:extLst>
               <a:ext uri="{FF2B5EF4-FFF2-40B4-BE49-F238E27FC236}">
-                <a16:creationId xmlns:a16="http://schemas.microsoft.com/office/drawing/2014/main" xmlns="" id="{497674D4-4594-4E03-9FBF-49B9AE47E974}"/>
+                <a16:creationId xmlns:a16="http://schemas.microsoft.com/office/drawing/2014/main" id="{497674D4-4594-4E03-9FBF-49B9AE47E974}"/>
               </a:ext>
             </a:extLst>
           </p:cNvPr>
@@ -463,7 +463,7 @@
           <p:cNvPr id="4" name="Date Placeholder 3">
             <a:extLst>
               <a:ext uri="{FF2B5EF4-FFF2-40B4-BE49-F238E27FC236}">
-                <a16:creationId xmlns:a16="http://schemas.microsoft.com/office/drawing/2014/main" xmlns="" id="{A95BDF95-B9D3-4364-A25B-093D6E972F4C}"/>
+                <a16:creationId xmlns:a16="http://schemas.microsoft.com/office/drawing/2014/main" id="{A95BDF95-B9D3-4364-A25B-093D6E972F4C}"/>
               </a:ext>
             </a:extLst>
           </p:cNvPr>
@@ -482,7 +482,7 @@
             <a:fld id="{FA2E1F03-39B6-4BE1-A82C-E30542474753}" type="datetimeFigureOut">
               <a:rPr lang="en-US" smtClean="0"/>
               <a:pPr/>
-              <a:t>6/17/2019</a:t>
+              <a:t>6/18/2019</a:t>
             </a:fld>
             <a:endParaRPr lang="en-US"/>
           </a:p>
@@ -493,7 +493,7 @@
           <p:cNvPr id="5" name="Footer Placeholder 4">
             <a:extLst>
               <a:ext uri="{FF2B5EF4-FFF2-40B4-BE49-F238E27FC236}">
-                <a16:creationId xmlns:a16="http://schemas.microsoft.com/office/drawing/2014/main" xmlns="" id="{FA50CD65-423B-44F6-B467-E532CC2EC677}"/>
+                <a16:creationId xmlns:a16="http://schemas.microsoft.com/office/drawing/2014/main" id="{FA50CD65-423B-44F6-B467-E532CC2EC677}"/>
               </a:ext>
             </a:extLst>
           </p:cNvPr>
@@ -518,7 +518,7 @@
           <p:cNvPr id="6" name="Slide Number Placeholder 5">
             <a:extLst>
               <a:ext uri="{FF2B5EF4-FFF2-40B4-BE49-F238E27FC236}">
-                <a16:creationId xmlns:a16="http://schemas.microsoft.com/office/drawing/2014/main" xmlns="" id="{B8382766-6D75-4861-B8AE-BF79A4C54DB0}"/>
+                <a16:creationId xmlns:a16="http://schemas.microsoft.com/office/drawing/2014/main" id="{B8382766-6D75-4861-B8AE-BF79A4C54DB0}"/>
               </a:ext>
             </a:extLst>
           </p:cNvPr>
@@ -546,7 +546,7 @@
     </p:spTree>
     <p:extLst>
       <p:ext uri="{BB962C8B-B14F-4D97-AF65-F5344CB8AC3E}">
-        <p14:creationId xmlns:p14="http://schemas.microsoft.com/office/powerpoint/2010/main" xmlns="" val="823327709"/>
+        <p14:creationId xmlns:p14="http://schemas.microsoft.com/office/powerpoint/2010/main" val="823327709"/>
       </p:ext>
     </p:extLst>
   </p:cSld>
@@ -578,7 +578,7 @@
           <p:cNvPr id="2" name="Vertical Title 1">
             <a:extLst>
               <a:ext uri="{FF2B5EF4-FFF2-40B4-BE49-F238E27FC236}">
-                <a16:creationId xmlns:a16="http://schemas.microsoft.com/office/drawing/2014/main" xmlns="" id="{9B9A79F7-4200-4CF1-BE75-80032BC9DDCE}"/>
+                <a16:creationId xmlns:a16="http://schemas.microsoft.com/office/drawing/2014/main" id="{9B9A79F7-4200-4CF1-BE75-80032BC9DDCE}"/>
               </a:ext>
             </a:extLst>
           </p:cNvPr>
@@ -611,7 +611,7 @@
           <p:cNvPr id="3" name="Vertical Text Placeholder 2">
             <a:extLst>
               <a:ext uri="{FF2B5EF4-FFF2-40B4-BE49-F238E27FC236}">
-                <a16:creationId xmlns:a16="http://schemas.microsoft.com/office/drawing/2014/main" xmlns="" id="{B15DEFFF-9D7C-45D1-A0A5-43719CECA94F}"/>
+                <a16:creationId xmlns:a16="http://schemas.microsoft.com/office/drawing/2014/main" id="{B15DEFFF-9D7C-45D1-A0A5-43719CECA94F}"/>
               </a:ext>
             </a:extLst>
           </p:cNvPr>
@@ -673,7 +673,7 @@
           <p:cNvPr id="4" name="Date Placeholder 3">
             <a:extLst>
               <a:ext uri="{FF2B5EF4-FFF2-40B4-BE49-F238E27FC236}">
-                <a16:creationId xmlns:a16="http://schemas.microsoft.com/office/drawing/2014/main" xmlns="" id="{2C670662-7C96-4DA1-A035-60BAA00D12FA}"/>
+                <a16:creationId xmlns:a16="http://schemas.microsoft.com/office/drawing/2014/main" id="{2C670662-7C96-4DA1-A035-60BAA00D12FA}"/>
               </a:ext>
             </a:extLst>
           </p:cNvPr>
@@ -692,7 +692,7 @@
             <a:fld id="{FA2E1F03-39B6-4BE1-A82C-E30542474753}" type="datetimeFigureOut">
               <a:rPr lang="en-US" smtClean="0"/>
               <a:pPr/>
-              <a:t>6/17/2019</a:t>
+              <a:t>6/18/2019</a:t>
             </a:fld>
             <a:endParaRPr lang="en-US"/>
           </a:p>
@@ -703,7 +703,7 @@
           <p:cNvPr id="5" name="Footer Placeholder 4">
             <a:extLst>
               <a:ext uri="{FF2B5EF4-FFF2-40B4-BE49-F238E27FC236}">
-                <a16:creationId xmlns:a16="http://schemas.microsoft.com/office/drawing/2014/main" xmlns="" id="{99E0F936-D249-4792-8247-6CDB1E3B811E}"/>
+                <a16:creationId xmlns:a16="http://schemas.microsoft.com/office/drawing/2014/main" id="{99E0F936-D249-4792-8247-6CDB1E3B811E}"/>
               </a:ext>
             </a:extLst>
           </p:cNvPr>
@@ -728,7 +728,7 @@
           <p:cNvPr id="6" name="Slide Number Placeholder 5">
             <a:extLst>
               <a:ext uri="{FF2B5EF4-FFF2-40B4-BE49-F238E27FC236}">
-                <a16:creationId xmlns:a16="http://schemas.microsoft.com/office/drawing/2014/main" xmlns="" id="{443CC790-7FB8-491E-89D4-24CB3AEC6490}"/>
+                <a16:creationId xmlns:a16="http://schemas.microsoft.com/office/drawing/2014/main" id="{443CC790-7FB8-491E-89D4-24CB3AEC6490}"/>
               </a:ext>
             </a:extLst>
           </p:cNvPr>
@@ -756,7 +756,7 @@
     </p:spTree>
     <p:extLst>
       <p:ext uri="{BB962C8B-B14F-4D97-AF65-F5344CB8AC3E}">
-        <p14:creationId xmlns:p14="http://schemas.microsoft.com/office/powerpoint/2010/main" xmlns="" val="3030679375"/>
+        <p14:creationId xmlns:p14="http://schemas.microsoft.com/office/powerpoint/2010/main" val="3030679375"/>
       </p:ext>
     </p:extLst>
   </p:cSld>
@@ -788,7 +788,7 @@
           <p:cNvPr id="2" name="Title 1">
             <a:extLst>
               <a:ext uri="{FF2B5EF4-FFF2-40B4-BE49-F238E27FC236}">
-                <a16:creationId xmlns:a16="http://schemas.microsoft.com/office/drawing/2014/main" xmlns="" id="{60833AB4-6484-462E-A3CC-829E6ECAEFBA}"/>
+                <a16:creationId xmlns:a16="http://schemas.microsoft.com/office/drawing/2014/main" id="{60833AB4-6484-462E-A3CC-829E6ECAEFBA}"/>
               </a:ext>
             </a:extLst>
           </p:cNvPr>
@@ -816,7 +816,7 @@
           <p:cNvPr id="3" name="Content Placeholder 2">
             <a:extLst>
               <a:ext uri="{FF2B5EF4-FFF2-40B4-BE49-F238E27FC236}">
-                <a16:creationId xmlns:a16="http://schemas.microsoft.com/office/drawing/2014/main" xmlns="" id="{A2C5186C-7C10-498B-8A1D-A1A431132C11}"/>
+                <a16:creationId xmlns:a16="http://schemas.microsoft.com/office/drawing/2014/main" id="{A2C5186C-7C10-498B-8A1D-A1A431132C11}"/>
               </a:ext>
             </a:extLst>
           </p:cNvPr>
@@ -873,7 +873,7 @@
           <p:cNvPr id="4" name="Date Placeholder 3">
             <a:extLst>
               <a:ext uri="{FF2B5EF4-FFF2-40B4-BE49-F238E27FC236}">
-                <a16:creationId xmlns:a16="http://schemas.microsoft.com/office/drawing/2014/main" xmlns="" id="{E7021A96-81DC-4AD0-ACA8-04C99423CF80}"/>
+                <a16:creationId xmlns:a16="http://schemas.microsoft.com/office/drawing/2014/main" id="{E7021A96-81DC-4AD0-ACA8-04C99423CF80}"/>
               </a:ext>
             </a:extLst>
           </p:cNvPr>
@@ -892,7 +892,7 @@
             <a:fld id="{FA2E1F03-39B6-4BE1-A82C-E30542474753}" type="datetimeFigureOut">
               <a:rPr lang="en-US" smtClean="0"/>
               <a:pPr/>
-              <a:t>6/17/2019</a:t>
+              <a:t>6/18/2019</a:t>
             </a:fld>
             <a:endParaRPr lang="en-US"/>
           </a:p>
@@ -903,7 +903,7 @@
           <p:cNvPr id="5" name="Footer Placeholder 4">
             <a:extLst>
               <a:ext uri="{FF2B5EF4-FFF2-40B4-BE49-F238E27FC236}">
-                <a16:creationId xmlns:a16="http://schemas.microsoft.com/office/drawing/2014/main" xmlns="" id="{37D91247-1896-4CBF-ADAA-2B57647FB807}"/>
+                <a16:creationId xmlns:a16="http://schemas.microsoft.com/office/drawing/2014/main" id="{37D91247-1896-4CBF-ADAA-2B57647FB807}"/>
               </a:ext>
             </a:extLst>
           </p:cNvPr>
@@ -928,7 +928,7 @@
           <p:cNvPr id="6" name="Slide Number Placeholder 5">
             <a:extLst>
               <a:ext uri="{FF2B5EF4-FFF2-40B4-BE49-F238E27FC236}">
-                <a16:creationId xmlns:a16="http://schemas.microsoft.com/office/drawing/2014/main" xmlns="" id="{1E8AF0A9-88E5-483D-ABFD-DC372ADABF77}"/>
+                <a16:creationId xmlns:a16="http://schemas.microsoft.com/office/drawing/2014/main" id="{1E8AF0A9-88E5-483D-ABFD-DC372ADABF77}"/>
               </a:ext>
             </a:extLst>
           </p:cNvPr>
@@ -956,7 +956,7 @@
     </p:spTree>
     <p:extLst>
       <p:ext uri="{BB962C8B-B14F-4D97-AF65-F5344CB8AC3E}">
-        <p14:creationId xmlns:p14="http://schemas.microsoft.com/office/powerpoint/2010/main" xmlns="" val="2484586931"/>
+        <p14:creationId xmlns:p14="http://schemas.microsoft.com/office/powerpoint/2010/main" val="2484586931"/>
       </p:ext>
     </p:extLst>
   </p:cSld>
@@ -988,7 +988,7 @@
           <p:cNvPr id="2" name="Title 1">
             <a:extLst>
               <a:ext uri="{FF2B5EF4-FFF2-40B4-BE49-F238E27FC236}">
-                <a16:creationId xmlns:a16="http://schemas.microsoft.com/office/drawing/2014/main" xmlns="" id="{EB638D51-006E-494E-835E-FD3DD865574E}"/>
+                <a16:creationId xmlns:a16="http://schemas.microsoft.com/office/drawing/2014/main" id="{EB638D51-006E-494E-835E-FD3DD865574E}"/>
               </a:ext>
             </a:extLst>
           </p:cNvPr>
@@ -1025,7 +1025,7 @@
           <p:cNvPr id="3" name="Text Placeholder 2">
             <a:extLst>
               <a:ext uri="{FF2B5EF4-FFF2-40B4-BE49-F238E27FC236}">
-                <a16:creationId xmlns:a16="http://schemas.microsoft.com/office/drawing/2014/main" xmlns="" id="{B0F1496E-B8AB-4111-A535-DACBE65294F0}"/>
+                <a16:creationId xmlns:a16="http://schemas.microsoft.com/office/drawing/2014/main" id="{B0F1496E-B8AB-4111-A535-DACBE65294F0}"/>
               </a:ext>
             </a:extLst>
           </p:cNvPr>
@@ -1150,7 +1150,7 @@
           <p:cNvPr id="4" name="Date Placeholder 3">
             <a:extLst>
               <a:ext uri="{FF2B5EF4-FFF2-40B4-BE49-F238E27FC236}">
-                <a16:creationId xmlns:a16="http://schemas.microsoft.com/office/drawing/2014/main" xmlns="" id="{27A93AFA-34ED-4B54-A135-051A4FD82B57}"/>
+                <a16:creationId xmlns:a16="http://schemas.microsoft.com/office/drawing/2014/main" id="{27A93AFA-34ED-4B54-A135-051A4FD82B57}"/>
               </a:ext>
             </a:extLst>
           </p:cNvPr>
@@ -1169,7 +1169,7 @@
             <a:fld id="{FA2E1F03-39B6-4BE1-A82C-E30542474753}" type="datetimeFigureOut">
               <a:rPr lang="en-US" smtClean="0"/>
               <a:pPr/>
-              <a:t>6/17/2019</a:t>
+              <a:t>6/18/2019</a:t>
             </a:fld>
             <a:endParaRPr lang="en-US"/>
           </a:p>
@@ -1180,7 +1180,7 @@
           <p:cNvPr id="5" name="Footer Placeholder 4">
             <a:extLst>
               <a:ext uri="{FF2B5EF4-FFF2-40B4-BE49-F238E27FC236}">
-                <a16:creationId xmlns:a16="http://schemas.microsoft.com/office/drawing/2014/main" xmlns="" id="{D457C026-FFAE-4809-B341-7B4577DDBF3D}"/>
+                <a16:creationId xmlns:a16="http://schemas.microsoft.com/office/drawing/2014/main" id="{D457C026-FFAE-4809-B341-7B4577DDBF3D}"/>
               </a:ext>
             </a:extLst>
           </p:cNvPr>
@@ -1205,7 +1205,7 @@
           <p:cNvPr id="6" name="Slide Number Placeholder 5">
             <a:extLst>
               <a:ext uri="{FF2B5EF4-FFF2-40B4-BE49-F238E27FC236}">
-                <a16:creationId xmlns:a16="http://schemas.microsoft.com/office/drawing/2014/main" xmlns="" id="{1C938048-903B-4343-B294-8EC5929B216B}"/>
+                <a16:creationId xmlns:a16="http://schemas.microsoft.com/office/drawing/2014/main" id="{1C938048-903B-4343-B294-8EC5929B216B}"/>
               </a:ext>
             </a:extLst>
           </p:cNvPr>
@@ -1233,7 +1233,7 @@
     </p:spTree>
     <p:extLst>
       <p:ext uri="{BB962C8B-B14F-4D97-AF65-F5344CB8AC3E}">
-        <p14:creationId xmlns:p14="http://schemas.microsoft.com/office/powerpoint/2010/main" xmlns="" val="670945512"/>
+        <p14:creationId xmlns:p14="http://schemas.microsoft.com/office/powerpoint/2010/main" val="670945512"/>
       </p:ext>
     </p:extLst>
   </p:cSld>
@@ -1265,7 +1265,7 @@
           <p:cNvPr id="2" name="Title 1">
             <a:extLst>
               <a:ext uri="{FF2B5EF4-FFF2-40B4-BE49-F238E27FC236}">
-                <a16:creationId xmlns:a16="http://schemas.microsoft.com/office/drawing/2014/main" xmlns="" id="{4683A521-79F1-48FD-B0B5-E27E36D784E9}"/>
+                <a16:creationId xmlns:a16="http://schemas.microsoft.com/office/drawing/2014/main" id="{4683A521-79F1-48FD-B0B5-E27E36D784E9}"/>
               </a:ext>
             </a:extLst>
           </p:cNvPr>
@@ -1293,7 +1293,7 @@
           <p:cNvPr id="3" name="Content Placeholder 2">
             <a:extLst>
               <a:ext uri="{FF2B5EF4-FFF2-40B4-BE49-F238E27FC236}">
-                <a16:creationId xmlns:a16="http://schemas.microsoft.com/office/drawing/2014/main" xmlns="" id="{FD42CBE2-652B-4628-8452-771F898459FA}"/>
+                <a16:creationId xmlns:a16="http://schemas.microsoft.com/office/drawing/2014/main" id="{FD42CBE2-652B-4628-8452-771F898459FA}"/>
               </a:ext>
             </a:extLst>
           </p:cNvPr>
@@ -1355,7 +1355,7 @@
           <p:cNvPr id="4" name="Content Placeholder 3">
             <a:extLst>
               <a:ext uri="{FF2B5EF4-FFF2-40B4-BE49-F238E27FC236}">
-                <a16:creationId xmlns:a16="http://schemas.microsoft.com/office/drawing/2014/main" xmlns="" id="{A94F0ED7-7186-4A06-821F-3EFC50389665}"/>
+                <a16:creationId xmlns:a16="http://schemas.microsoft.com/office/drawing/2014/main" id="{A94F0ED7-7186-4A06-821F-3EFC50389665}"/>
               </a:ext>
             </a:extLst>
           </p:cNvPr>
@@ -1417,7 +1417,7 @@
           <p:cNvPr id="5" name="Date Placeholder 4">
             <a:extLst>
               <a:ext uri="{FF2B5EF4-FFF2-40B4-BE49-F238E27FC236}">
-                <a16:creationId xmlns:a16="http://schemas.microsoft.com/office/drawing/2014/main" xmlns="" id="{4291441B-ADF2-4493-8215-0F97A2AB9DF0}"/>
+                <a16:creationId xmlns:a16="http://schemas.microsoft.com/office/drawing/2014/main" id="{4291441B-ADF2-4493-8215-0F97A2AB9DF0}"/>
               </a:ext>
             </a:extLst>
           </p:cNvPr>
@@ -1436,7 +1436,7 @@
             <a:fld id="{FA2E1F03-39B6-4BE1-A82C-E30542474753}" type="datetimeFigureOut">
               <a:rPr lang="en-US" smtClean="0"/>
               <a:pPr/>
-              <a:t>6/17/2019</a:t>
+              <a:t>6/18/2019</a:t>
             </a:fld>
             <a:endParaRPr lang="en-US"/>
           </a:p>
@@ -1447,7 +1447,7 @@
           <p:cNvPr id="6" name="Footer Placeholder 5">
             <a:extLst>
               <a:ext uri="{FF2B5EF4-FFF2-40B4-BE49-F238E27FC236}">
-                <a16:creationId xmlns:a16="http://schemas.microsoft.com/office/drawing/2014/main" xmlns="" id="{325CDFF8-E8D1-44C8-AEAA-6AA417A1C9E1}"/>
+                <a16:creationId xmlns:a16="http://schemas.microsoft.com/office/drawing/2014/main" id="{325CDFF8-E8D1-44C8-AEAA-6AA417A1C9E1}"/>
               </a:ext>
             </a:extLst>
           </p:cNvPr>
@@ -1472,7 +1472,7 @@
           <p:cNvPr id="7" name="Slide Number Placeholder 6">
             <a:extLst>
               <a:ext uri="{FF2B5EF4-FFF2-40B4-BE49-F238E27FC236}">
-                <a16:creationId xmlns:a16="http://schemas.microsoft.com/office/drawing/2014/main" xmlns="" id="{8A435470-1D0A-4054-957B-B4A6BCB97787}"/>
+                <a16:creationId xmlns:a16="http://schemas.microsoft.com/office/drawing/2014/main" id="{8A435470-1D0A-4054-957B-B4A6BCB97787}"/>
               </a:ext>
             </a:extLst>
           </p:cNvPr>
@@ -1500,7 +1500,7 @@
     </p:spTree>
     <p:extLst>
       <p:ext uri="{BB962C8B-B14F-4D97-AF65-F5344CB8AC3E}">
-        <p14:creationId xmlns:p14="http://schemas.microsoft.com/office/powerpoint/2010/main" xmlns="" val="2480360642"/>
+        <p14:creationId xmlns:p14="http://schemas.microsoft.com/office/powerpoint/2010/main" val="2480360642"/>
       </p:ext>
     </p:extLst>
   </p:cSld>
@@ -1532,7 +1532,7 @@
           <p:cNvPr id="2" name="Title 1">
             <a:extLst>
               <a:ext uri="{FF2B5EF4-FFF2-40B4-BE49-F238E27FC236}">
-                <a16:creationId xmlns:a16="http://schemas.microsoft.com/office/drawing/2014/main" xmlns="" id="{54E7C32B-2BA9-446A-9235-15F5DD839BFD}"/>
+                <a16:creationId xmlns:a16="http://schemas.microsoft.com/office/drawing/2014/main" id="{54E7C32B-2BA9-446A-9235-15F5DD839BFD}"/>
               </a:ext>
             </a:extLst>
           </p:cNvPr>
@@ -1565,7 +1565,7 @@
           <p:cNvPr id="3" name="Text Placeholder 2">
             <a:extLst>
               <a:ext uri="{FF2B5EF4-FFF2-40B4-BE49-F238E27FC236}">
-                <a16:creationId xmlns:a16="http://schemas.microsoft.com/office/drawing/2014/main" xmlns="" id="{DB3A3E22-4FA5-4454-939F-23B9F9DECC3F}"/>
+                <a16:creationId xmlns:a16="http://schemas.microsoft.com/office/drawing/2014/main" id="{DB3A3E22-4FA5-4454-939F-23B9F9DECC3F}"/>
               </a:ext>
             </a:extLst>
           </p:cNvPr>
@@ -1636,7 +1636,7 @@
           <p:cNvPr id="4" name="Content Placeholder 3">
             <a:extLst>
               <a:ext uri="{FF2B5EF4-FFF2-40B4-BE49-F238E27FC236}">
-                <a16:creationId xmlns:a16="http://schemas.microsoft.com/office/drawing/2014/main" xmlns="" id="{72DF83FC-FEFA-4AFD-A144-30F27A459D20}"/>
+                <a16:creationId xmlns:a16="http://schemas.microsoft.com/office/drawing/2014/main" id="{72DF83FC-FEFA-4AFD-A144-30F27A459D20}"/>
               </a:ext>
             </a:extLst>
           </p:cNvPr>
@@ -1698,7 +1698,7 @@
           <p:cNvPr id="5" name="Text Placeholder 4">
             <a:extLst>
               <a:ext uri="{FF2B5EF4-FFF2-40B4-BE49-F238E27FC236}">
-                <a16:creationId xmlns:a16="http://schemas.microsoft.com/office/drawing/2014/main" xmlns="" id="{0C199EDB-45B1-4A75-BA50-2AEC47282E43}"/>
+                <a16:creationId xmlns:a16="http://schemas.microsoft.com/office/drawing/2014/main" id="{0C199EDB-45B1-4A75-BA50-2AEC47282E43}"/>
               </a:ext>
             </a:extLst>
           </p:cNvPr>
@@ -1769,7 +1769,7 @@
           <p:cNvPr id="6" name="Content Placeholder 5">
             <a:extLst>
               <a:ext uri="{FF2B5EF4-FFF2-40B4-BE49-F238E27FC236}">
-                <a16:creationId xmlns:a16="http://schemas.microsoft.com/office/drawing/2014/main" xmlns="" id="{1EF008B0-860C-4487-B63E-7D8277D34C8C}"/>
+                <a16:creationId xmlns:a16="http://schemas.microsoft.com/office/drawing/2014/main" id="{1EF008B0-860C-4487-B63E-7D8277D34C8C}"/>
               </a:ext>
             </a:extLst>
           </p:cNvPr>
@@ -1831,7 +1831,7 @@
           <p:cNvPr id="7" name="Date Placeholder 6">
             <a:extLst>
               <a:ext uri="{FF2B5EF4-FFF2-40B4-BE49-F238E27FC236}">
-                <a16:creationId xmlns:a16="http://schemas.microsoft.com/office/drawing/2014/main" xmlns="" id="{306A1AD2-F252-4D88-A84E-ADD2AB6668C1}"/>
+                <a16:creationId xmlns:a16="http://schemas.microsoft.com/office/drawing/2014/main" id="{306A1AD2-F252-4D88-A84E-ADD2AB6668C1}"/>
               </a:ext>
             </a:extLst>
           </p:cNvPr>
@@ -1850,7 +1850,7 @@
             <a:fld id="{FA2E1F03-39B6-4BE1-A82C-E30542474753}" type="datetimeFigureOut">
               <a:rPr lang="en-US" smtClean="0"/>
               <a:pPr/>
-              <a:t>6/17/2019</a:t>
+              <a:t>6/18/2019</a:t>
             </a:fld>
             <a:endParaRPr lang="en-US"/>
           </a:p>
@@ -1861,7 +1861,7 @@
           <p:cNvPr id="8" name="Footer Placeholder 7">
             <a:extLst>
               <a:ext uri="{FF2B5EF4-FFF2-40B4-BE49-F238E27FC236}">
-                <a16:creationId xmlns:a16="http://schemas.microsoft.com/office/drawing/2014/main" xmlns="" id="{47CC986C-75B9-49C5-8B44-22B2507F8A8D}"/>
+                <a16:creationId xmlns:a16="http://schemas.microsoft.com/office/drawing/2014/main" id="{47CC986C-75B9-49C5-8B44-22B2507F8A8D}"/>
               </a:ext>
             </a:extLst>
           </p:cNvPr>
@@ -1886,7 +1886,7 @@
           <p:cNvPr id="9" name="Slide Number Placeholder 8">
             <a:extLst>
               <a:ext uri="{FF2B5EF4-FFF2-40B4-BE49-F238E27FC236}">
-                <a16:creationId xmlns:a16="http://schemas.microsoft.com/office/drawing/2014/main" xmlns="" id="{71948F72-1448-4800-87A6-E1243C850444}"/>
+                <a16:creationId xmlns:a16="http://schemas.microsoft.com/office/drawing/2014/main" id="{71948F72-1448-4800-87A6-E1243C850444}"/>
               </a:ext>
             </a:extLst>
           </p:cNvPr>
@@ -1914,7 +1914,7 @@
     </p:spTree>
     <p:extLst>
       <p:ext uri="{BB962C8B-B14F-4D97-AF65-F5344CB8AC3E}">
-        <p14:creationId xmlns:p14="http://schemas.microsoft.com/office/powerpoint/2010/main" xmlns="" val="3778224530"/>
+        <p14:creationId xmlns:p14="http://schemas.microsoft.com/office/powerpoint/2010/main" val="3778224530"/>
       </p:ext>
     </p:extLst>
   </p:cSld>
@@ -1946,7 +1946,7 @@
           <p:cNvPr id="2" name="Title 1">
             <a:extLst>
               <a:ext uri="{FF2B5EF4-FFF2-40B4-BE49-F238E27FC236}">
-                <a16:creationId xmlns:a16="http://schemas.microsoft.com/office/drawing/2014/main" xmlns="" id="{643AECB8-1964-4C98-8B43-63EA2B04792F}"/>
+                <a16:creationId xmlns:a16="http://schemas.microsoft.com/office/drawing/2014/main" id="{643AECB8-1964-4C98-8B43-63EA2B04792F}"/>
               </a:ext>
             </a:extLst>
           </p:cNvPr>
@@ -1974,7 +1974,7 @@
           <p:cNvPr id="3" name="Date Placeholder 2">
             <a:extLst>
               <a:ext uri="{FF2B5EF4-FFF2-40B4-BE49-F238E27FC236}">
-                <a16:creationId xmlns:a16="http://schemas.microsoft.com/office/drawing/2014/main" xmlns="" id="{59BABC50-6E87-4654-BC56-FEFBCA978BBB}"/>
+                <a16:creationId xmlns:a16="http://schemas.microsoft.com/office/drawing/2014/main" id="{59BABC50-6E87-4654-BC56-FEFBCA978BBB}"/>
               </a:ext>
             </a:extLst>
           </p:cNvPr>
@@ -1993,7 +1993,7 @@
             <a:fld id="{FA2E1F03-39B6-4BE1-A82C-E30542474753}" type="datetimeFigureOut">
               <a:rPr lang="en-US" smtClean="0"/>
               <a:pPr/>
-              <a:t>6/17/2019</a:t>
+              <a:t>6/18/2019</a:t>
             </a:fld>
             <a:endParaRPr lang="en-US"/>
           </a:p>
@@ -2004,7 +2004,7 @@
           <p:cNvPr id="4" name="Footer Placeholder 3">
             <a:extLst>
               <a:ext uri="{FF2B5EF4-FFF2-40B4-BE49-F238E27FC236}">
-                <a16:creationId xmlns:a16="http://schemas.microsoft.com/office/drawing/2014/main" xmlns="" id="{F734CE65-F32E-41B2-8551-A7603941745E}"/>
+                <a16:creationId xmlns:a16="http://schemas.microsoft.com/office/drawing/2014/main" id="{F734CE65-F32E-41B2-8551-A7603941745E}"/>
               </a:ext>
             </a:extLst>
           </p:cNvPr>
@@ -2029,7 +2029,7 @@
           <p:cNvPr id="5" name="Slide Number Placeholder 4">
             <a:extLst>
               <a:ext uri="{FF2B5EF4-FFF2-40B4-BE49-F238E27FC236}">
-                <a16:creationId xmlns:a16="http://schemas.microsoft.com/office/drawing/2014/main" xmlns="" id="{0EE25001-D094-47C8-A699-A6E7E48BB27B}"/>
+                <a16:creationId xmlns:a16="http://schemas.microsoft.com/office/drawing/2014/main" id="{0EE25001-D094-47C8-A699-A6E7E48BB27B}"/>
               </a:ext>
             </a:extLst>
           </p:cNvPr>
@@ -2057,7 +2057,7 @@
     </p:spTree>
     <p:extLst>
       <p:ext uri="{BB962C8B-B14F-4D97-AF65-F5344CB8AC3E}">
-        <p14:creationId xmlns:p14="http://schemas.microsoft.com/office/powerpoint/2010/main" xmlns="" val="2521850990"/>
+        <p14:creationId xmlns:p14="http://schemas.microsoft.com/office/powerpoint/2010/main" val="2521850990"/>
       </p:ext>
     </p:extLst>
   </p:cSld>
@@ -2089,7 +2089,7 @@
           <p:cNvPr id="2" name="Date Placeholder 1">
             <a:extLst>
               <a:ext uri="{FF2B5EF4-FFF2-40B4-BE49-F238E27FC236}">
-                <a16:creationId xmlns:a16="http://schemas.microsoft.com/office/drawing/2014/main" xmlns="" id="{213A2FEA-CF63-4270-A7AE-C5CFDCDBEA01}"/>
+                <a16:creationId xmlns:a16="http://schemas.microsoft.com/office/drawing/2014/main" id="{213A2FEA-CF63-4270-A7AE-C5CFDCDBEA01}"/>
               </a:ext>
             </a:extLst>
           </p:cNvPr>
@@ -2108,7 +2108,7 @@
             <a:fld id="{FA2E1F03-39B6-4BE1-A82C-E30542474753}" type="datetimeFigureOut">
               <a:rPr lang="en-US" smtClean="0"/>
               <a:pPr/>
-              <a:t>6/17/2019</a:t>
+              <a:t>6/18/2019</a:t>
             </a:fld>
             <a:endParaRPr lang="en-US"/>
           </a:p>
@@ -2119,7 +2119,7 @@
           <p:cNvPr id="3" name="Footer Placeholder 2">
             <a:extLst>
               <a:ext uri="{FF2B5EF4-FFF2-40B4-BE49-F238E27FC236}">
-                <a16:creationId xmlns:a16="http://schemas.microsoft.com/office/drawing/2014/main" xmlns="" id="{B68311BD-ACBC-4E90-B916-301F516F1172}"/>
+                <a16:creationId xmlns:a16="http://schemas.microsoft.com/office/drawing/2014/main" id="{B68311BD-ACBC-4E90-B916-301F516F1172}"/>
               </a:ext>
             </a:extLst>
           </p:cNvPr>
@@ -2144,7 +2144,7 @@
           <p:cNvPr id="4" name="Slide Number Placeholder 3">
             <a:extLst>
               <a:ext uri="{FF2B5EF4-FFF2-40B4-BE49-F238E27FC236}">
-                <a16:creationId xmlns:a16="http://schemas.microsoft.com/office/drawing/2014/main" xmlns="" id="{FA8A4393-1FB2-4F48-AA82-093BD14042BD}"/>
+                <a16:creationId xmlns:a16="http://schemas.microsoft.com/office/drawing/2014/main" id="{FA8A4393-1FB2-4F48-AA82-093BD14042BD}"/>
               </a:ext>
             </a:extLst>
           </p:cNvPr>
@@ -2172,7 +2172,7 @@
     </p:spTree>
     <p:extLst>
       <p:ext uri="{BB962C8B-B14F-4D97-AF65-F5344CB8AC3E}">
-        <p14:creationId xmlns:p14="http://schemas.microsoft.com/office/powerpoint/2010/main" xmlns="" val="4018624457"/>
+        <p14:creationId xmlns:p14="http://schemas.microsoft.com/office/powerpoint/2010/main" val="4018624457"/>
       </p:ext>
     </p:extLst>
   </p:cSld>
@@ -2204,7 +2204,7 @@
           <p:cNvPr id="2" name="Title 1">
             <a:extLst>
               <a:ext uri="{FF2B5EF4-FFF2-40B4-BE49-F238E27FC236}">
-                <a16:creationId xmlns:a16="http://schemas.microsoft.com/office/drawing/2014/main" xmlns="" id="{4539306A-0604-4946-AA7E-BAB7C9CACCA6}"/>
+                <a16:creationId xmlns:a16="http://schemas.microsoft.com/office/drawing/2014/main" id="{4539306A-0604-4946-AA7E-BAB7C9CACCA6}"/>
               </a:ext>
             </a:extLst>
           </p:cNvPr>
@@ -2241,7 +2241,7 @@
           <p:cNvPr id="3" name="Content Placeholder 2">
             <a:extLst>
               <a:ext uri="{FF2B5EF4-FFF2-40B4-BE49-F238E27FC236}">
-                <a16:creationId xmlns:a16="http://schemas.microsoft.com/office/drawing/2014/main" xmlns="" id="{2DCEE889-1F85-406E-9DB7-BEA5F9A62DBC}"/>
+                <a16:creationId xmlns:a16="http://schemas.microsoft.com/office/drawing/2014/main" id="{2DCEE889-1F85-406E-9DB7-BEA5F9A62DBC}"/>
               </a:ext>
             </a:extLst>
           </p:cNvPr>
@@ -2331,7 +2331,7 @@
           <p:cNvPr id="4" name="Text Placeholder 3">
             <a:extLst>
               <a:ext uri="{FF2B5EF4-FFF2-40B4-BE49-F238E27FC236}">
-                <a16:creationId xmlns:a16="http://schemas.microsoft.com/office/drawing/2014/main" xmlns="" id="{5AECFEAE-2ED0-4A9F-BC6D-198AB5478569}"/>
+                <a16:creationId xmlns:a16="http://schemas.microsoft.com/office/drawing/2014/main" id="{5AECFEAE-2ED0-4A9F-BC6D-198AB5478569}"/>
               </a:ext>
             </a:extLst>
           </p:cNvPr>
@@ -2402,7 +2402,7 @@
           <p:cNvPr id="5" name="Date Placeholder 4">
             <a:extLst>
               <a:ext uri="{FF2B5EF4-FFF2-40B4-BE49-F238E27FC236}">
-                <a16:creationId xmlns:a16="http://schemas.microsoft.com/office/drawing/2014/main" xmlns="" id="{8995614C-7EC6-4407-A60B-E27A7D50C056}"/>
+                <a16:creationId xmlns:a16="http://schemas.microsoft.com/office/drawing/2014/main" id="{8995614C-7EC6-4407-A60B-E27A7D50C056}"/>
               </a:ext>
             </a:extLst>
           </p:cNvPr>
@@ -2421,7 +2421,7 @@
             <a:fld id="{FA2E1F03-39B6-4BE1-A82C-E30542474753}" type="datetimeFigureOut">
               <a:rPr lang="en-US" smtClean="0"/>
               <a:pPr/>
-              <a:t>6/17/2019</a:t>
+              <a:t>6/18/2019</a:t>
             </a:fld>
             <a:endParaRPr lang="en-US"/>
           </a:p>
@@ -2432,7 +2432,7 @@
           <p:cNvPr id="6" name="Footer Placeholder 5">
             <a:extLst>
               <a:ext uri="{FF2B5EF4-FFF2-40B4-BE49-F238E27FC236}">
-                <a16:creationId xmlns:a16="http://schemas.microsoft.com/office/drawing/2014/main" xmlns="" id="{B17917EA-F1CF-46CF-AE69-8A9E4ED02CDF}"/>
+                <a16:creationId xmlns:a16="http://schemas.microsoft.com/office/drawing/2014/main" id="{B17917EA-F1CF-46CF-AE69-8A9E4ED02CDF}"/>
               </a:ext>
             </a:extLst>
           </p:cNvPr>
@@ -2457,7 +2457,7 @@
           <p:cNvPr id="7" name="Slide Number Placeholder 6">
             <a:extLst>
               <a:ext uri="{FF2B5EF4-FFF2-40B4-BE49-F238E27FC236}">
-                <a16:creationId xmlns:a16="http://schemas.microsoft.com/office/drawing/2014/main" xmlns="" id="{A20BB478-8ED6-48E1-8357-29D9CAA06492}"/>
+                <a16:creationId xmlns:a16="http://schemas.microsoft.com/office/drawing/2014/main" id="{A20BB478-8ED6-48E1-8357-29D9CAA06492}"/>
               </a:ext>
             </a:extLst>
           </p:cNvPr>
@@ -2485,7 +2485,7 @@
     </p:spTree>
     <p:extLst>
       <p:ext uri="{BB962C8B-B14F-4D97-AF65-F5344CB8AC3E}">
-        <p14:creationId xmlns:p14="http://schemas.microsoft.com/office/powerpoint/2010/main" xmlns="" val="2250623688"/>
+        <p14:creationId xmlns:p14="http://schemas.microsoft.com/office/powerpoint/2010/main" val="2250623688"/>
       </p:ext>
     </p:extLst>
   </p:cSld>
@@ -2517,7 +2517,7 @@
           <p:cNvPr id="2" name="Title 1">
             <a:extLst>
               <a:ext uri="{FF2B5EF4-FFF2-40B4-BE49-F238E27FC236}">
-                <a16:creationId xmlns:a16="http://schemas.microsoft.com/office/drawing/2014/main" xmlns="" id="{865AC83E-1579-4DD1-A27B-C3412ECDBEF4}"/>
+                <a16:creationId xmlns:a16="http://schemas.microsoft.com/office/drawing/2014/main" id="{865AC83E-1579-4DD1-A27B-C3412ECDBEF4}"/>
               </a:ext>
             </a:extLst>
           </p:cNvPr>
@@ -2554,7 +2554,7 @@
           <p:cNvPr id="3" name="Picture Placeholder 2">
             <a:extLst>
               <a:ext uri="{FF2B5EF4-FFF2-40B4-BE49-F238E27FC236}">
-                <a16:creationId xmlns:a16="http://schemas.microsoft.com/office/drawing/2014/main" xmlns="" id="{397B468B-3FDD-4729-AE53-3615571E39F6}"/>
+                <a16:creationId xmlns:a16="http://schemas.microsoft.com/office/drawing/2014/main" id="{397B468B-3FDD-4729-AE53-3615571E39F6}"/>
               </a:ext>
             </a:extLst>
           </p:cNvPr>
@@ -2621,7 +2621,7 @@
           <p:cNvPr id="4" name="Text Placeholder 3">
             <a:extLst>
               <a:ext uri="{FF2B5EF4-FFF2-40B4-BE49-F238E27FC236}">
-                <a16:creationId xmlns:a16="http://schemas.microsoft.com/office/drawing/2014/main" xmlns="" id="{FFE050AD-FC47-4CA6-8427-B169C1EF8D92}"/>
+                <a16:creationId xmlns:a16="http://schemas.microsoft.com/office/drawing/2014/main" id="{FFE050AD-FC47-4CA6-8427-B169C1EF8D92}"/>
               </a:ext>
             </a:extLst>
           </p:cNvPr>
@@ -2692,7 +2692,7 @@
           <p:cNvPr id="5" name="Date Placeholder 4">
             <a:extLst>
               <a:ext uri="{FF2B5EF4-FFF2-40B4-BE49-F238E27FC236}">
-                <a16:creationId xmlns:a16="http://schemas.microsoft.com/office/drawing/2014/main" xmlns="" id="{A0061284-CCF0-4A77-849F-3248412D99E8}"/>
+                <a16:creationId xmlns:a16="http://schemas.microsoft.com/office/drawing/2014/main" id="{A0061284-CCF0-4A77-849F-3248412D99E8}"/>
               </a:ext>
             </a:extLst>
           </p:cNvPr>
@@ -2711,7 +2711,7 @@
             <a:fld id="{FA2E1F03-39B6-4BE1-A82C-E30542474753}" type="datetimeFigureOut">
               <a:rPr lang="en-US" smtClean="0"/>
               <a:pPr/>
-              <a:t>6/17/2019</a:t>
+              <a:t>6/18/2019</a:t>
             </a:fld>
             <a:endParaRPr lang="en-US"/>
           </a:p>
@@ -2722,7 +2722,7 @@
           <p:cNvPr id="6" name="Footer Placeholder 5">
             <a:extLst>
               <a:ext uri="{FF2B5EF4-FFF2-40B4-BE49-F238E27FC236}">
-                <a16:creationId xmlns:a16="http://schemas.microsoft.com/office/drawing/2014/main" xmlns="" id="{BEA8BD19-8720-4385-921F-30F82A658DD4}"/>
+                <a16:creationId xmlns:a16="http://schemas.microsoft.com/office/drawing/2014/main" id="{BEA8BD19-8720-4385-921F-30F82A658DD4}"/>
               </a:ext>
             </a:extLst>
           </p:cNvPr>
@@ -2747,7 +2747,7 @@
           <p:cNvPr id="7" name="Slide Number Placeholder 6">
             <a:extLst>
               <a:ext uri="{FF2B5EF4-FFF2-40B4-BE49-F238E27FC236}">
-                <a16:creationId xmlns:a16="http://schemas.microsoft.com/office/drawing/2014/main" xmlns="" id="{20208B63-CD40-448D-89B1-DB7D82686F29}"/>
+                <a16:creationId xmlns:a16="http://schemas.microsoft.com/office/drawing/2014/main" id="{20208B63-CD40-448D-89B1-DB7D82686F29}"/>
               </a:ext>
             </a:extLst>
           </p:cNvPr>
@@ -2775,7 +2775,7 @@
     </p:spTree>
     <p:extLst>
       <p:ext uri="{BB962C8B-B14F-4D97-AF65-F5344CB8AC3E}">
-        <p14:creationId xmlns:p14="http://schemas.microsoft.com/office/powerpoint/2010/main" xmlns="" val="2755002205"/>
+        <p14:creationId xmlns:p14="http://schemas.microsoft.com/office/powerpoint/2010/main" val="2755002205"/>
       </p:ext>
     </p:extLst>
   </p:cSld>
@@ -2812,7 +2812,7 @@
           <p:cNvPr id="2" name="Title Placeholder 1">
             <a:extLst>
               <a:ext uri="{FF2B5EF4-FFF2-40B4-BE49-F238E27FC236}">
-                <a16:creationId xmlns:a16="http://schemas.microsoft.com/office/drawing/2014/main" xmlns="" id="{7A08FB0D-0202-40A0-AE1F-46C8F247F4C5}"/>
+                <a16:creationId xmlns:a16="http://schemas.microsoft.com/office/drawing/2014/main" id="{7A08FB0D-0202-40A0-AE1F-46C8F247F4C5}"/>
               </a:ext>
             </a:extLst>
           </p:cNvPr>
@@ -2850,7 +2850,7 @@
           <p:cNvPr id="3" name="Text Placeholder 2">
             <a:extLst>
               <a:ext uri="{FF2B5EF4-FFF2-40B4-BE49-F238E27FC236}">
-                <a16:creationId xmlns:a16="http://schemas.microsoft.com/office/drawing/2014/main" xmlns="" id="{FD9B4C5F-26D1-4781-91A2-88CFD1C55127}"/>
+                <a16:creationId xmlns:a16="http://schemas.microsoft.com/office/drawing/2014/main" id="{FD9B4C5F-26D1-4781-91A2-88CFD1C55127}"/>
               </a:ext>
             </a:extLst>
           </p:cNvPr>
@@ -2917,7 +2917,7 @@
           <p:cNvPr id="4" name="Date Placeholder 3">
             <a:extLst>
               <a:ext uri="{FF2B5EF4-FFF2-40B4-BE49-F238E27FC236}">
-                <a16:creationId xmlns:a16="http://schemas.microsoft.com/office/drawing/2014/main" xmlns="" id="{A44C2049-C12B-467C-84A8-288AB4270B9B}"/>
+                <a16:creationId xmlns:a16="http://schemas.microsoft.com/office/drawing/2014/main" id="{A44C2049-C12B-467C-84A8-288AB4270B9B}"/>
               </a:ext>
             </a:extLst>
           </p:cNvPr>
@@ -2954,7 +2954,7 @@
             <a:fld id="{FA2E1F03-39B6-4BE1-A82C-E30542474753}" type="datetimeFigureOut">
               <a:rPr lang="en-US" smtClean="0"/>
               <a:pPr/>
-              <a:t>6/17/2019</a:t>
+              <a:t>6/18/2019</a:t>
             </a:fld>
             <a:endParaRPr lang="en-US"/>
           </a:p>
@@ -2965,7 +2965,7 @@
           <p:cNvPr id="5" name="Footer Placeholder 4">
             <a:extLst>
               <a:ext uri="{FF2B5EF4-FFF2-40B4-BE49-F238E27FC236}">
-                <a16:creationId xmlns:a16="http://schemas.microsoft.com/office/drawing/2014/main" xmlns="" id="{3D6FD59A-F31A-40C3-A985-116883B59287}"/>
+                <a16:creationId xmlns:a16="http://schemas.microsoft.com/office/drawing/2014/main" id="{3D6FD59A-F31A-40C3-A985-116883B59287}"/>
               </a:ext>
             </a:extLst>
           </p:cNvPr>
@@ -3008,7 +3008,7 @@
           <p:cNvPr id="6" name="Slide Number Placeholder 5">
             <a:extLst>
               <a:ext uri="{FF2B5EF4-FFF2-40B4-BE49-F238E27FC236}">
-                <a16:creationId xmlns:a16="http://schemas.microsoft.com/office/drawing/2014/main" xmlns="" id="{DC49A92A-E67A-49DE-89BB-D1CCCEB205AD}"/>
+                <a16:creationId xmlns:a16="http://schemas.microsoft.com/office/drawing/2014/main" id="{DC49A92A-E67A-49DE-89BB-D1CCCEB205AD}"/>
               </a:ext>
             </a:extLst>
           </p:cNvPr>
@@ -3054,7 +3054,7 @@
     </p:spTree>
     <p:extLst>
       <p:ext uri="{BB962C8B-B14F-4D97-AF65-F5344CB8AC3E}">
-        <p14:creationId xmlns:p14="http://schemas.microsoft.com/office/powerpoint/2010/main" xmlns="" val="736588803"/>
+        <p14:creationId xmlns:p14="http://schemas.microsoft.com/office/powerpoint/2010/main" val="736588803"/>
       </p:ext>
     </p:extLst>
   </p:cSld>
@@ -3377,7 +3377,7 @@
           <p:cNvPr id="2" name="Title 1">
             <a:extLst>
               <a:ext uri="{FF2B5EF4-FFF2-40B4-BE49-F238E27FC236}">
-                <a16:creationId xmlns:a16="http://schemas.microsoft.com/office/drawing/2014/main" xmlns="" id="{18A98568-B624-4EA2-9A7C-54BC3B133D8D}"/>
+                <a16:creationId xmlns:a16="http://schemas.microsoft.com/office/drawing/2014/main" id="{18A98568-B624-4EA2-9A7C-54BC3B133D8D}"/>
               </a:ext>
             </a:extLst>
           </p:cNvPr>
@@ -3417,7 +3417,7 @@
           <p:cNvPr id="3" name="Subtitle 2">
             <a:extLst>
               <a:ext uri="{FF2B5EF4-FFF2-40B4-BE49-F238E27FC236}">
-                <a16:creationId xmlns:a16="http://schemas.microsoft.com/office/drawing/2014/main" xmlns="" id="{CDB1AD77-C7AD-447F-AD28-F5C1744A6EA3}"/>
+                <a16:creationId xmlns:a16="http://schemas.microsoft.com/office/drawing/2014/main" id="{CDB1AD77-C7AD-447F-AD28-F5C1744A6EA3}"/>
               </a:ext>
             </a:extLst>
           </p:cNvPr>
@@ -3535,7 +3535,7 @@
           <p:cNvPr id="5" name="Subtitle 2">
             <a:extLst>
               <a:ext uri="{FF2B5EF4-FFF2-40B4-BE49-F238E27FC236}">
-                <a16:creationId xmlns:a16="http://schemas.microsoft.com/office/drawing/2014/main" xmlns="" id="{CDB1AD77-C7AD-447F-AD28-F5C1744A6EA3}"/>
+                <a16:creationId xmlns:a16="http://schemas.microsoft.com/office/drawing/2014/main" id="{CDB1AD77-C7AD-447F-AD28-F5C1744A6EA3}"/>
               </a:ext>
             </a:extLst>
           </p:cNvPr>
@@ -3613,7 +3613,7 @@
     </p:spTree>
     <p:extLst>
       <p:ext uri="{BB962C8B-B14F-4D97-AF65-F5344CB8AC3E}">
-        <p14:creationId xmlns:p14="http://schemas.microsoft.com/office/powerpoint/2010/main" xmlns="" val="2514872934"/>
+        <p14:creationId xmlns:p14="http://schemas.microsoft.com/office/powerpoint/2010/main" val="2514872934"/>
       </p:ext>
     </p:extLst>
   </p:cSld>
@@ -3981,7 +3981,7 @@
           <p:cNvPr id="3" name="Content Placeholder 2">
             <a:extLst>
               <a:ext uri="{FF2B5EF4-FFF2-40B4-BE49-F238E27FC236}">
-                <a16:creationId xmlns:a16="http://schemas.microsoft.com/office/drawing/2014/main" xmlns="" id="{D6DCF3B5-E509-4346-B823-788C5A0C636E}"/>
+                <a16:creationId xmlns:a16="http://schemas.microsoft.com/office/drawing/2014/main" id="{D6DCF3B5-E509-4346-B823-788C5A0C636E}"/>
               </a:ext>
             </a:extLst>
           </p:cNvPr>
@@ -4029,36 +4029,12 @@
               <a:t>овышение </a:t>
             </a:r>
             <a:r>
-              <a:rPr lang="ru-RU" sz="3400" dirty="0" smtClean="0">
-                <a:latin typeface="+mj-lt"/>
-                <a:ea typeface="Tahoma" pitchFamily="34" charset="0"/>
-                <a:cs typeface="Times New Roman" pitchFamily="18" charset="0"/>
-              </a:rPr>
-              <a:t>точности диагностирования психического состояния человека </a:t>
-            </a:r>
-            <a:r>
-              <a:rPr lang="ru-RU" sz="3400" dirty="0" smtClean="0">
-                <a:latin typeface="+mj-lt"/>
-                <a:ea typeface="Tahoma" pitchFamily="34" charset="0"/>
-                <a:cs typeface="Times New Roman" pitchFamily="18" charset="0"/>
-              </a:rPr>
-              <a:t>за </a:t>
-            </a:r>
-            <a:r>
               <a:rPr lang="ru-RU" sz="3400" dirty="0">
                 <a:latin typeface="+mj-lt"/>
                 <a:ea typeface="Tahoma" pitchFamily="34" charset="0"/>
                 <a:cs typeface="Times New Roman" pitchFamily="18" charset="0"/>
               </a:rPr>
-              <a:t>счет предоставления объективной информации о </a:t>
-            </a:r>
-            <a:r>
-              <a:rPr lang="ru-RU" sz="3400" dirty="0" smtClean="0">
-                <a:latin typeface="+mj-lt"/>
-                <a:ea typeface="Tahoma" pitchFamily="34" charset="0"/>
-                <a:cs typeface="Times New Roman" pitchFamily="18" charset="0"/>
-              </a:rPr>
-              <a:t>его поведении.</a:t>
+              <a:t>точности диагностирования психического состояния человека за счет предоставления объективной информации о его поведении.</a:t>
             </a:r>
             <a:endParaRPr lang="be-BY" sz="3400" dirty="0">
               <a:latin typeface="+mj-lt"/>
@@ -4092,7 +4068,7 @@
               <a:t>– </a:t>
             </a:r>
             <a:r>
-              <a:rPr lang="be-BY" sz="3400" dirty="0" smtClean="0">
+              <a:rPr lang="be-BY" sz="3400" dirty="0">
                 <a:latin typeface="+mj-lt"/>
                 <a:ea typeface="Tahoma" pitchFamily="34" charset="0"/>
                 <a:cs typeface="Times New Roman" pitchFamily="18" charset="0"/>
@@ -4157,22 +4133,19 @@
                 <a:latin typeface="+mj-lt"/>
                 <a:cs typeface="Times New Roman" pitchFamily="18" charset="0"/>
               </a:rPr>
-              <a:t>классификации психических состояний человека на основе поведенческой информации собранной с мобильного телефона пациента</a:t>
-            </a:r>
-            <a:r>
-              <a:rPr lang="be-BY" sz="3400" dirty="0">
-                <a:latin typeface="+mj-lt"/>
-                <a:cs typeface="Times New Roman" pitchFamily="18" charset="0"/>
-              </a:rPr>
-              <a:t>.</a:t>
-            </a:r>
+              <a:t>классификации психических состояний человека на основе поведенческой информации.</a:t>
+            </a:r>
+            <a:endParaRPr lang="be-BY" sz="3400" dirty="0">
+              <a:latin typeface="+mj-lt"/>
+              <a:cs typeface="Times New Roman" pitchFamily="18" charset="0"/>
+            </a:endParaRPr>
           </a:p>
         </p:txBody>
       </p:sp>
     </p:spTree>
     <p:extLst>
       <p:ext uri="{BB962C8B-B14F-4D97-AF65-F5344CB8AC3E}">
-        <p14:creationId xmlns:p14="http://schemas.microsoft.com/office/powerpoint/2010/main" xmlns="" val="62113808"/>
+        <p14:creationId xmlns:p14="http://schemas.microsoft.com/office/powerpoint/2010/main" val="62113808"/>
       </p:ext>
     </p:extLst>
   </p:cSld>
@@ -4251,15 +4224,7 @@
             </a:r>
             <a:r>
               <a:rPr lang="ru-RU" dirty="0"/>
-              <a:t>Выполнить аналитический обзор современных </a:t>
-            </a:r>
-            <a:r>
-              <a:rPr lang="ru-RU" dirty="0" smtClean="0"/>
-              <a:t>способов диагностирования </a:t>
-            </a:r>
-            <a:r>
-              <a:rPr lang="ru-RU" dirty="0"/>
-              <a:t>психического состояния человека.</a:t>
+              <a:t>Выполнить аналитический обзор современных способов диагностирования психического состояния человека.</a:t>
             </a:r>
             <a:endParaRPr lang="ru-RU" dirty="0">
               <a:ea typeface="Tahoma" pitchFamily="34" charset="0"/>
@@ -4452,14 +4417,11 @@
               <a:t>		</a:t>
             </a:r>
             <a:r>
-              <a:rPr lang="ru-RU" sz="3200" dirty="0" smtClean="0">
+              <a:rPr lang="ru-RU" sz="3200" dirty="0">
                 <a:cs typeface="Times New Roman" pitchFamily="18" charset="0"/>
               </a:rPr>
-              <a:t>Современные люди, живущие в условиях информационного перенасыщения и постоянного напряжения, не замечают того, что впали в депрессию. Поэтому особенно ценными являются способы определения психических отклонений на их начальных этапах. </a:t>
-            </a:r>
-            <a:endParaRPr lang="en-US" sz="3200" dirty="0">
-              <a:cs typeface="Times New Roman" pitchFamily="18" charset="0"/>
-            </a:endParaRPr>
+              <a:t>Обусловлена информационным перенасыщением и постоянным эмоциональным напряжением. Поэтому особенно ценными являются способы определения психического отклонения на начальном этапе.</a:t>
+            </a:r>
           </a:p>
         </p:txBody>
       </p:sp>
@@ -4504,48 +4466,56 @@
           <a:lstStyle/>
           <a:p>
             <a:r>
-              <a:rPr lang="ru-RU" dirty="0"/>
-              <a:t>ОСОБЕННОСТИ</a:t>
+              <a:rPr lang="ru-RU" dirty="0">
+                <a:ea typeface="Tahoma" pitchFamily="34" charset="0"/>
+                <a:cs typeface="Times New Roman" pitchFamily="18" charset="0"/>
+              </a:rPr>
+              <a:t>ОПРЕДЕЛЕНИЕ ИСТОЧНИКОВ ПОВЕДЕНЧЕСКОЙ ИНФОРМАЦИИ</a:t>
             </a:r>
             <a:endParaRPr lang="be-BY" dirty="0"/>
           </a:p>
         </p:txBody>
       </p:sp>
-      <p:sp>
-        <p:nvSpPr>
-          <p:cNvPr id="3" name="Содержимое 2"/>
-          <p:cNvSpPr>
-            <a:spLocks noGrp="1"/>
-          </p:cNvSpPr>
+      <p:pic>
+        <p:nvPicPr>
+          <p:cNvPr id="4" name="Content Placeholder 3" descr="C:\Users\alcke\Downloads\Untitled Diagram (2).png">
+            <a:extLst>
+              <a:ext uri="{FF2B5EF4-FFF2-40B4-BE49-F238E27FC236}">
+                <a16:creationId xmlns:a16="http://schemas.microsoft.com/office/drawing/2014/main" id="{1287A200-7E12-4E3B-AA1E-BBAA0C2D9CF6}"/>
+              </a:ext>
+            </a:extLst>
+          </p:cNvPr>
+          <p:cNvPicPr>
+            <a:picLocks noGrp="1"/>
+          </p:cNvPicPr>
           <p:nvPr>
             <p:ph idx="1"/>
           </p:nvPr>
-        </p:nvSpPr>
-        <p:spPr/>
-        <p:txBody>
-          <a:bodyPr>
-            <a:normAutofit/>
-          </a:bodyPr>
-          <a:lstStyle/>
-          <a:p>
-            <a:r>
-              <a:rPr lang="ru-RU" dirty="0"/>
-              <a:t>Не требует от человека специализированного оборудования, кроме мобильного телефона на базе Android.</a:t>
-            </a:r>
-            <a:endParaRPr lang="en-US" dirty="0"/>
-          </a:p>
-          <a:p>
-            <a:r>
-              <a:rPr lang="ru-RU" dirty="0"/>
-              <a:t>Не требует от пользователя дополнительных действий для предоставления информации. Приложение работает в фоне и собирает информацию незаметно для человека.</a:t>
-            </a:r>
-            <a:endParaRPr lang="be-BY" dirty="0"/>
-          </a:p>
-          <a:p>
-            <a:endParaRPr lang="ru-RU" dirty="0"/>
-          </a:p>
-        </p:txBody>
-      </p:sp>
+        </p:nvPicPr>
+        <p:blipFill rotWithShape="1">
+          <a:blip r:embed="rId2" cstate="print"/>
+          <a:srcRect l="469" t="2551"/>
+          <a:stretch/>
+        </p:blipFill>
+        <p:spPr bwMode="auto">
+          <a:xfrm>
+            <a:off x="2468122" y="1825625"/>
+            <a:ext cx="7255756" cy="4351338"/>
+          </a:xfrm>
+          <a:prstGeom prst="rect">
+            <a:avLst/>
+          </a:prstGeom>
+          <a:noFill/>
+          <a:ln>
+            <a:noFill/>
+          </a:ln>
+          <a:extLst>
+            <a:ext uri="{53640926-AAD7-44D8-BBD7-CCE9431645EC}">
+              <a14:shadowObscured xmlns:a14="http://schemas.microsoft.com/office/drawing/2010/main"/>
+            </a:ext>
+          </a:extLst>
+        </p:spPr>
+      </p:pic>
     </p:spTree>
   </p:cSld>
   <p:clrMapOvr>
@@ -4606,7 +4576,7 @@
           <p:cNvPr id="4" name="Content Placeholder 3" descr="architecture">
             <a:extLst>
               <a:ext uri="{FF2B5EF4-FFF2-40B4-BE49-F238E27FC236}">
-                <a16:creationId xmlns:a16="http://schemas.microsoft.com/office/drawing/2014/main" xmlns="" id="{C7C92FC6-247D-4052-B167-A17F87001F97}"/>
+                <a16:creationId xmlns:a16="http://schemas.microsoft.com/office/drawing/2014/main" id="{C7C92FC6-247D-4052-B167-A17F87001F97}"/>
               </a:ext>
             </a:extLst>
           </p:cNvPr>
@@ -4621,7 +4591,7 @@
           <a:blip r:embed="rId2" cstate="print">
             <a:extLst>
               <a:ext uri="{28A0092B-C50C-407E-A947-70E740481C1C}">
-                <a14:useLocalDpi xmlns:a14="http://schemas.microsoft.com/office/drawing/2010/main" xmlns="" val="0"/>
+                <a14:useLocalDpi xmlns:a14="http://schemas.microsoft.com/office/drawing/2010/main" val="0"/>
               </a:ext>
             </a:extLst>
           </a:blip>
@@ -4679,111 +4649,6 @@
             <p:ph type="title"/>
           </p:nvPr>
         </p:nvSpPr>
-        <p:spPr/>
-        <p:txBody>
-          <a:bodyPr/>
-          <a:lstStyle/>
-          <a:p>
-            <a:r>
-              <a:rPr lang="ru-RU" dirty="0">
-                <a:ea typeface="Tahoma" pitchFamily="34" charset="0"/>
-                <a:cs typeface="Times New Roman" pitchFamily="18" charset="0"/>
-              </a:rPr>
-              <a:t>ОПРЕДЕЛЕНИЕ </a:t>
-            </a:r>
-            <a:r>
-              <a:rPr lang="ru-RU" dirty="0" smtClean="0">
-                <a:ea typeface="Tahoma" pitchFamily="34" charset="0"/>
-                <a:cs typeface="Times New Roman" pitchFamily="18" charset="0"/>
-              </a:rPr>
-              <a:t>ИСТОЧНИКОВ </a:t>
-            </a:r>
-            <a:r>
-              <a:rPr lang="ru-RU" dirty="0">
-                <a:ea typeface="Tahoma" pitchFamily="34" charset="0"/>
-                <a:cs typeface="Times New Roman" pitchFamily="18" charset="0"/>
-              </a:rPr>
-              <a:t>ПОВЕДЕНЧЕСКОЙ ИНФОРМАЦИИ</a:t>
-            </a:r>
-            <a:endParaRPr lang="be-BY" dirty="0"/>
-          </a:p>
-        </p:txBody>
-      </p:sp>
-      <p:pic>
-        <p:nvPicPr>
-          <p:cNvPr id="4" name="Content Placeholder 3" descr="C:\Users\alcke\Downloads\Untitled Diagram (2).png">
-            <a:extLst>
-              <a:ext uri="{FF2B5EF4-FFF2-40B4-BE49-F238E27FC236}">
-                <a16:creationId xmlns:a16="http://schemas.microsoft.com/office/drawing/2014/main" xmlns="" id="{1287A200-7E12-4E3B-AA1E-BBAA0C2D9CF6}"/>
-              </a:ext>
-            </a:extLst>
-          </p:cNvPr>
-          <p:cNvPicPr>
-            <a:picLocks noGrp="1"/>
-          </p:cNvPicPr>
-          <p:nvPr>
-            <p:ph idx="1"/>
-          </p:nvPr>
-        </p:nvPicPr>
-        <p:blipFill rotWithShape="1">
-          <a:blip r:embed="rId2" cstate="print"/>
-          <a:srcRect l="469" t="2551"/>
-          <a:stretch/>
-        </p:blipFill>
-        <p:spPr bwMode="auto">
-          <a:xfrm>
-            <a:off x="2468122" y="1825625"/>
-            <a:ext cx="7255756" cy="4351338"/>
-          </a:xfrm>
-          <a:prstGeom prst="rect">
-            <a:avLst/>
-          </a:prstGeom>
-          <a:noFill/>
-          <a:ln>
-            <a:noFill/>
-          </a:ln>
-          <a:extLst>
-            <a:ext uri="{53640926-AAD7-44D8-BBD7-CCE9431645EC}">
-              <a14:shadowObscured xmlns:a14="http://schemas.microsoft.com/office/drawing/2010/main" xmlns=""/>
-            </a:ext>
-          </a:extLst>
-        </p:spPr>
-      </p:pic>
-    </p:spTree>
-  </p:cSld>
-  <p:clrMapOvr>
-    <a:masterClrMapping/>
-  </p:clrMapOvr>
-</p:sld>
-</file>
-
-<file path=ppt/slides/slide8.xml><?xml version="1.0" encoding="utf-8"?>
-<p:sld xmlns:a="http://schemas.openxmlformats.org/drawingml/2006/main" xmlns:r="http://schemas.openxmlformats.org/officeDocument/2006/relationships" xmlns:p="http://schemas.openxmlformats.org/presentationml/2006/main">
-  <p:cSld>
-    <p:spTree>
-      <p:nvGrpSpPr>
-        <p:cNvPr id="1" name=""/>
-        <p:cNvGrpSpPr/>
-        <p:nvPr/>
-      </p:nvGrpSpPr>
-      <p:grpSpPr>
-        <a:xfrm>
-          <a:off x="0" y="0"/>
-          <a:ext cx="0" cy="0"/>
-          <a:chOff x="0" y="0"/>
-          <a:chExt cx="0" cy="0"/>
-        </a:xfrm>
-      </p:grpSpPr>
-      <p:sp>
-        <p:nvSpPr>
-          <p:cNvPr id="2" name="Заголовок 1"/>
-          <p:cNvSpPr>
-            <a:spLocks noGrp="1"/>
-          </p:cNvSpPr>
-          <p:nvPr>
-            <p:ph type="title"/>
-          </p:nvPr>
-        </p:nvSpPr>
         <p:spPr>
           <a:xfrm>
             <a:off x="825137" y="0"/>
@@ -4799,21 +4664,7 @@
                 <a:ea typeface="Tahoma" pitchFamily="34" charset="0"/>
                 <a:cs typeface="Times New Roman" pitchFamily="18" charset="0"/>
               </a:rPr>
-              <a:t>ВЫБОР </a:t>
-            </a:r>
-            <a:r>
-              <a:rPr lang="ru-RU" dirty="0" smtClean="0">
-                <a:ea typeface="Tahoma" pitchFamily="34" charset="0"/>
-                <a:cs typeface="Times New Roman" pitchFamily="18" charset="0"/>
-              </a:rPr>
-              <a:t>МОДЕЛИ </a:t>
-            </a:r>
-            <a:r>
-              <a:rPr lang="ru-RU" dirty="0">
-                <a:ea typeface="Tahoma" pitchFamily="34" charset="0"/>
-                <a:cs typeface="Times New Roman" pitchFamily="18" charset="0"/>
-              </a:rPr>
-              <a:t>НЕЙРОННОЙ СЕТИ</a:t>
+              <a:t>ВЫБОР МОДЕЛИ НЕЙРОННОЙ СЕТИ</a:t>
             </a:r>
             <a:endParaRPr lang="be-BY" dirty="0"/>
           </a:p>
@@ -4824,7 +4675,7 @@
           <p:cNvPr id="4" name="Рисунок 37" descr="rec">
             <a:extLst>
               <a:ext uri="{FF2B5EF4-FFF2-40B4-BE49-F238E27FC236}">
-                <a16:creationId xmlns:a16="http://schemas.microsoft.com/office/drawing/2014/main" xmlns="" id="{12E96A14-2305-45ED-9F76-2E5B4DF630B6}"/>
+                <a16:creationId xmlns:a16="http://schemas.microsoft.com/office/drawing/2014/main" id="{12E96A14-2305-45ED-9F76-2E5B4DF630B6}"/>
               </a:ext>
             </a:extLst>
           </p:cNvPr>
@@ -4867,6 +4718,89 @@
 </p:sld>
 </file>
 
+<file path=ppt/slides/slide8.xml><?xml version="1.0" encoding="utf-8"?>
+<p:sld xmlns:a="http://schemas.openxmlformats.org/drawingml/2006/main" xmlns:r="http://schemas.openxmlformats.org/officeDocument/2006/relationships" xmlns:p="http://schemas.openxmlformats.org/presentationml/2006/main">
+  <p:cSld>
+    <p:spTree>
+      <p:nvGrpSpPr>
+        <p:cNvPr id="1" name=""/>
+        <p:cNvGrpSpPr/>
+        <p:nvPr/>
+      </p:nvGrpSpPr>
+      <p:grpSpPr>
+        <a:xfrm>
+          <a:off x="0" y="0"/>
+          <a:ext cx="0" cy="0"/>
+          <a:chOff x="0" y="0"/>
+          <a:chExt cx="0" cy="0"/>
+        </a:xfrm>
+      </p:grpSpPr>
+      <p:sp>
+        <p:nvSpPr>
+          <p:cNvPr id="2" name="Заголовок 1"/>
+          <p:cNvSpPr>
+            <a:spLocks noGrp="1"/>
+          </p:cNvSpPr>
+          <p:nvPr>
+            <p:ph type="title"/>
+          </p:nvPr>
+        </p:nvSpPr>
+        <p:spPr/>
+        <p:txBody>
+          <a:bodyPr/>
+          <a:lstStyle/>
+          <a:p>
+            <a:r>
+              <a:rPr lang="ru-RU" dirty="0"/>
+              <a:t>ОСОБЕННОСТИ</a:t>
+            </a:r>
+            <a:endParaRPr lang="be-BY" dirty="0"/>
+          </a:p>
+        </p:txBody>
+      </p:sp>
+      <p:sp>
+        <p:nvSpPr>
+          <p:cNvPr id="3" name="Содержимое 2"/>
+          <p:cNvSpPr>
+            <a:spLocks noGrp="1"/>
+          </p:cNvSpPr>
+          <p:nvPr>
+            <p:ph idx="1"/>
+          </p:nvPr>
+        </p:nvSpPr>
+        <p:spPr/>
+        <p:txBody>
+          <a:bodyPr>
+            <a:normAutofit/>
+          </a:bodyPr>
+          <a:lstStyle/>
+          <a:p>
+            <a:r>
+              <a:rPr lang="ru-RU" dirty="0"/>
+              <a:t>Не требует от человека специализированного оборудования, кроме мобильного телефона на базе Android.</a:t>
+            </a:r>
+            <a:endParaRPr lang="en-US" dirty="0"/>
+          </a:p>
+          <a:p>
+            <a:r>
+              <a:rPr lang="ru-RU" dirty="0"/>
+              <a:t>Не требует от пользователя дополнительных действий для предоставления информации. Приложение работает в фоне и собирает информацию незаметно для человека.</a:t>
+            </a:r>
+            <a:endParaRPr lang="be-BY" dirty="0"/>
+          </a:p>
+          <a:p>
+            <a:endParaRPr lang="ru-RU" dirty="0"/>
+          </a:p>
+        </p:txBody>
+      </p:sp>
+    </p:spTree>
+  </p:cSld>
+  <p:clrMapOvr>
+    <a:masterClrMapping/>
+  </p:clrMapOvr>
+</p:sld>
+</file>
+
 <file path=ppt/slides/slide9.xml><?xml version="1.0" encoding="utf-8"?>
 <p:sld xmlns:a="http://schemas.openxmlformats.org/drawingml/2006/main" xmlns:r="http://schemas.openxmlformats.org/officeDocument/2006/relationships" xmlns:p="http://schemas.openxmlformats.org/presentationml/2006/main">
   <p:cSld>
@@ -4889,7 +4823,7 @@
           <p:cNvPr id="2" name="Title 1">
             <a:extLst>
               <a:ext uri="{FF2B5EF4-FFF2-40B4-BE49-F238E27FC236}">
-                <a16:creationId xmlns:a16="http://schemas.microsoft.com/office/drawing/2014/main" xmlns="" id="{0BD83CAC-99F8-489C-A0C8-7AEFFCF4580C}"/>
+                <a16:creationId xmlns:a16="http://schemas.microsoft.com/office/drawing/2014/main" id="{0BD83CAC-99F8-489C-A0C8-7AEFFCF4580C}"/>
               </a:ext>
             </a:extLst>
           </p:cNvPr>
@@ -4913,8 +4847,8 @@
           </a:p>
         </p:txBody>
       </p:sp>
-      <mc:AlternateContent xmlns:mc="http://schemas.openxmlformats.org/markup-compatibility/2006">
-        <mc:Choice xmlns:a14="http://schemas.microsoft.com/office/drawing/2010/main" xmlns="" Requires="a14">
+      <mc:AlternateContent xmlns:mc="http://schemas.openxmlformats.org/markup-compatibility/2006" xmlns:a14="http://schemas.microsoft.com/office/drawing/2010/main">
+        <mc:Choice Requires="a14">
           <p:sp>
             <p:nvSpPr>
               <p:cNvPr id="3" name="Content Placeholder 2">
@@ -5145,7 +5079,7 @@
             </p:txBody>
           </p:sp>
         </mc:Choice>
-        <mc:Fallback>
+        <mc:Fallback xmlns="">
           <p:sp>
             <p:nvSpPr>
               <p:cNvPr id="3" name="Content Placeholder 2">
@@ -5188,7 +5122,7 @@
     </p:spTree>
     <p:extLst>
       <p:ext uri="{BB962C8B-B14F-4D97-AF65-F5344CB8AC3E}">
-        <p14:creationId xmlns:p14="http://schemas.microsoft.com/office/powerpoint/2010/main" xmlns="" val="4107652611"/>
+        <p14:creationId xmlns:p14="http://schemas.microsoft.com/office/powerpoint/2010/main" val="4107652611"/>
       </p:ext>
     </p:extLst>
   </p:cSld>
@@ -5487,7 +5421,7 @@
   <a:extraClrSchemeLst/>
   <a:extLst>
     <a:ext uri="{05A4C25C-085E-4340-85A3-A5531E510DB2}">
-      <thm15:themeFamily xmlns:thm15="http://schemas.microsoft.com/office/thememl/2012/main" xmlns="" name="Office Theme" id="{62F939B6-93AF-4DB8-9C6B-D6C7DFDC589F}" vid="{4A3C46E8-61CC-4603-A589-7422A47A8E4A}"/>
+      <thm15:themeFamily xmlns:thm15="http://schemas.microsoft.com/office/thememl/2012/main" name="Office Theme" id="{62F939B6-93AF-4DB8-9C6B-D6C7DFDC589F}" vid="{4A3C46E8-61CC-4603-A589-7422A47A8E4A}"/>
     </a:ext>
   </a:extLst>
 </a:theme>

--- a/Алькевич А.С/Презентация.pptx
+++ b/Алькевич А.С/Презентация.pptx
@@ -282,7 +282,7 @@
             <a:fld id="{FA2E1F03-39B6-4BE1-A82C-E30542474753}" type="datetimeFigureOut">
               <a:rPr lang="en-US" smtClean="0"/>
               <a:pPr/>
-              <a:t>6/18/2019</a:t>
+              <a:t>6/25/2019</a:t>
             </a:fld>
             <a:endParaRPr lang="en-US"/>
           </a:p>
@@ -482,7 +482,7 @@
             <a:fld id="{FA2E1F03-39B6-4BE1-A82C-E30542474753}" type="datetimeFigureOut">
               <a:rPr lang="en-US" smtClean="0"/>
               <a:pPr/>
-              <a:t>6/18/2019</a:t>
+              <a:t>6/25/2019</a:t>
             </a:fld>
             <a:endParaRPr lang="en-US"/>
           </a:p>
@@ -692,7 +692,7 @@
             <a:fld id="{FA2E1F03-39B6-4BE1-A82C-E30542474753}" type="datetimeFigureOut">
               <a:rPr lang="en-US" smtClean="0"/>
               <a:pPr/>
-              <a:t>6/18/2019</a:t>
+              <a:t>6/25/2019</a:t>
             </a:fld>
             <a:endParaRPr lang="en-US"/>
           </a:p>
@@ -892,7 +892,7 @@
             <a:fld id="{FA2E1F03-39B6-4BE1-A82C-E30542474753}" type="datetimeFigureOut">
               <a:rPr lang="en-US" smtClean="0"/>
               <a:pPr/>
-              <a:t>6/18/2019</a:t>
+              <a:t>6/25/2019</a:t>
             </a:fld>
             <a:endParaRPr lang="en-US"/>
           </a:p>
@@ -1169,7 +1169,7 @@
             <a:fld id="{FA2E1F03-39B6-4BE1-A82C-E30542474753}" type="datetimeFigureOut">
               <a:rPr lang="en-US" smtClean="0"/>
               <a:pPr/>
-              <a:t>6/18/2019</a:t>
+              <a:t>6/25/2019</a:t>
             </a:fld>
             <a:endParaRPr lang="en-US"/>
           </a:p>
@@ -1436,7 +1436,7 @@
             <a:fld id="{FA2E1F03-39B6-4BE1-A82C-E30542474753}" type="datetimeFigureOut">
               <a:rPr lang="en-US" smtClean="0"/>
               <a:pPr/>
-              <a:t>6/18/2019</a:t>
+              <a:t>6/25/2019</a:t>
             </a:fld>
             <a:endParaRPr lang="en-US"/>
           </a:p>
@@ -1850,7 +1850,7 @@
             <a:fld id="{FA2E1F03-39B6-4BE1-A82C-E30542474753}" type="datetimeFigureOut">
               <a:rPr lang="en-US" smtClean="0"/>
               <a:pPr/>
-              <a:t>6/18/2019</a:t>
+              <a:t>6/25/2019</a:t>
             </a:fld>
             <a:endParaRPr lang="en-US"/>
           </a:p>
@@ -1993,7 +1993,7 @@
             <a:fld id="{FA2E1F03-39B6-4BE1-A82C-E30542474753}" type="datetimeFigureOut">
               <a:rPr lang="en-US" smtClean="0"/>
               <a:pPr/>
-              <a:t>6/18/2019</a:t>
+              <a:t>6/25/2019</a:t>
             </a:fld>
             <a:endParaRPr lang="en-US"/>
           </a:p>
@@ -2108,7 +2108,7 @@
             <a:fld id="{FA2E1F03-39B6-4BE1-A82C-E30542474753}" type="datetimeFigureOut">
               <a:rPr lang="en-US" smtClean="0"/>
               <a:pPr/>
-              <a:t>6/18/2019</a:t>
+              <a:t>6/25/2019</a:t>
             </a:fld>
             <a:endParaRPr lang="en-US"/>
           </a:p>
@@ -2421,7 +2421,7 @@
             <a:fld id="{FA2E1F03-39B6-4BE1-A82C-E30542474753}" type="datetimeFigureOut">
               <a:rPr lang="en-US" smtClean="0"/>
               <a:pPr/>
-              <a:t>6/18/2019</a:t>
+              <a:t>6/25/2019</a:t>
             </a:fld>
             <a:endParaRPr lang="en-US"/>
           </a:p>
@@ -2711,7 +2711,7 @@
             <a:fld id="{FA2E1F03-39B6-4BE1-A82C-E30542474753}" type="datetimeFigureOut">
               <a:rPr lang="en-US" smtClean="0"/>
               <a:pPr/>
-              <a:t>6/18/2019</a:t>
+              <a:t>6/25/2019</a:t>
             </a:fld>
             <a:endParaRPr lang="en-US"/>
           </a:p>
@@ -2954,7 +2954,7 @@
             <a:fld id="{FA2E1F03-39B6-4BE1-A82C-E30542474753}" type="datetimeFigureOut">
               <a:rPr lang="en-US" smtClean="0"/>
               <a:pPr/>
-              <a:t>6/18/2019</a:t>
+              <a:t>6/25/2019</a:t>
             </a:fld>
             <a:endParaRPr lang="en-US"/>
           </a:p>
@@ -4478,42 +4478,34 @@
       </p:sp>
       <p:pic>
         <p:nvPicPr>
-          <p:cNvPr id="4" name="Content Placeholder 3" descr="C:\Users\alcke\Downloads\Untitled Diagram (2).png">
-            <a:extLst>
-              <a:ext uri="{FF2B5EF4-FFF2-40B4-BE49-F238E27FC236}">
-                <a16:creationId xmlns:a16="http://schemas.microsoft.com/office/drawing/2014/main" id="{1287A200-7E12-4E3B-AA1E-BBAA0C2D9CF6}"/>
+          <p:cNvPr id="10" name="Content Placeholder 9">
+            <a:extLst>
+              <a:ext uri="{FF2B5EF4-FFF2-40B4-BE49-F238E27FC236}">
+                <a16:creationId xmlns:a16="http://schemas.microsoft.com/office/drawing/2014/main" id="{7DE89AE9-C2E6-49F6-9C8F-6308BFD7AD21}"/>
               </a:ext>
             </a:extLst>
           </p:cNvPr>
           <p:cNvPicPr>
-            <a:picLocks noGrp="1"/>
+            <a:picLocks noGrp="1" noChangeAspect="1"/>
           </p:cNvPicPr>
           <p:nvPr>
             <p:ph idx="1"/>
           </p:nvPr>
         </p:nvPicPr>
-        <p:blipFill rotWithShape="1">
-          <a:blip r:embed="rId2" cstate="print"/>
-          <a:srcRect l="469" t="2551"/>
-          <a:stretch/>
+        <p:blipFill>
+          <a:blip r:embed="rId2"/>
+          <a:stretch>
+            <a:fillRect/>
+          </a:stretch>
         </p:blipFill>
-        <p:spPr bwMode="auto">
+        <p:spPr>
           <a:xfrm>
-            <a:off x="2468122" y="1825625"/>
-            <a:ext cx="7255756" cy="4351338"/>
+            <a:off x="1994140" y="1825625"/>
+            <a:ext cx="7683638" cy="4667250"/>
           </a:xfrm>
           <a:prstGeom prst="rect">
             <a:avLst/>
           </a:prstGeom>
-          <a:noFill/>
-          <a:ln>
-            <a:noFill/>
-          </a:ln>
-          <a:extLst>
-            <a:ext uri="{53640926-AAD7-44D8-BBD7-CCE9431645EC}">
-              <a14:shadowObscured xmlns:a14="http://schemas.microsoft.com/office/drawing/2010/main"/>
-            </a:ext>
-          </a:extLst>
         </p:spPr>
       </p:pic>
     </p:spTree>
@@ -4695,7 +4687,7 @@
         </p:blipFill>
         <p:spPr bwMode="auto">
           <a:xfrm>
-            <a:off x="3464047" y="1293223"/>
+            <a:off x="5066345" y="1224896"/>
             <a:ext cx="4961500" cy="5251267"/>
           </a:xfrm>
           <a:prstGeom prst="rect">
@@ -4710,6 +4702,180 @@
           </a:ln>
         </p:spPr>
       </p:pic>
+      <p:sp>
+        <p:nvSpPr>
+          <p:cNvPr id="3" name="Rectangle 2">
+            <a:extLst>
+              <a:ext uri="{FF2B5EF4-FFF2-40B4-BE49-F238E27FC236}">
+                <a16:creationId xmlns:a16="http://schemas.microsoft.com/office/drawing/2014/main" id="{92200FFD-7D87-4F08-BBF7-5CCD4B1D0FDD}"/>
+              </a:ext>
+            </a:extLst>
+          </p:cNvPr>
+          <p:cNvSpPr/>
+          <p:nvPr/>
+        </p:nvSpPr>
+        <p:spPr>
+          <a:xfrm>
+            <a:off x="851263" y="1325563"/>
+            <a:ext cx="6096000" cy="2246769"/>
+          </a:xfrm>
+          <a:prstGeom prst="rect">
+            <a:avLst/>
+          </a:prstGeom>
+        </p:spPr>
+        <p:txBody>
+          <a:bodyPr>
+            <a:spAutoFit/>
+          </a:bodyPr>
+          <a:lstStyle/>
+          <a:p>
+            <a:pPr marL="285750" indent="-285750">
+              <a:buFont typeface="Arial" panose="020B0604020202020204" pitchFamily="34" charset="0"/>
+              <a:buChar char="•"/>
+            </a:pPr>
+            <a:r>
+              <a:rPr lang="ru-RU" sz="2000" dirty="0">
+                <a:solidFill>
+                  <a:srgbClr val="000000"/>
+                </a:solidFill>
+              </a:rPr>
+              <a:t>Частота звонков</a:t>
+            </a:r>
+          </a:p>
+          <a:p>
+            <a:pPr marL="285750" indent="-285750">
+              <a:buFont typeface="Arial" panose="020B0604020202020204" pitchFamily="34" charset="0"/>
+              <a:buChar char="•"/>
+            </a:pPr>
+            <a:r>
+              <a:rPr lang="ru-RU" sz="2000" dirty="0">
+                <a:solidFill>
+                  <a:srgbClr val="000000"/>
+                </a:solidFill>
+              </a:rPr>
+              <a:t>Средняя продолжительность звонков</a:t>
+            </a:r>
+          </a:p>
+          <a:p>
+            <a:pPr marL="285750" indent="-285750">
+              <a:buFont typeface="Arial" panose="020B0604020202020204" pitchFamily="34" charset="0"/>
+              <a:buChar char="•"/>
+            </a:pPr>
+            <a:r>
+              <a:rPr lang="ru-RU" sz="2000" dirty="0">
+                <a:solidFill>
+                  <a:srgbClr val="000000"/>
+                </a:solidFill>
+              </a:rPr>
+              <a:t>Частота сообщений</a:t>
+            </a:r>
+          </a:p>
+          <a:p>
+            <a:pPr marL="285750" indent="-285750">
+              <a:buFont typeface="Arial" panose="020B0604020202020204" pitchFamily="34" charset="0"/>
+              <a:buChar char="•"/>
+            </a:pPr>
+            <a:r>
+              <a:rPr lang="ru-RU" sz="2000" dirty="0">
+                <a:solidFill>
+                  <a:srgbClr val="000000"/>
+                </a:solidFill>
+              </a:rPr>
+              <a:t>Средний размер сообщений</a:t>
+            </a:r>
+          </a:p>
+          <a:p>
+            <a:pPr marL="285750" indent="-285750">
+              <a:buFont typeface="Arial" panose="020B0604020202020204" pitchFamily="34" charset="0"/>
+              <a:buChar char="•"/>
+            </a:pPr>
+            <a:r>
+              <a:rPr lang="ru-RU" sz="2000" dirty="0">
+                <a:solidFill>
+                  <a:srgbClr val="000000"/>
+                </a:solidFill>
+              </a:rPr>
+              <a:t>Время проведенное на работе</a:t>
+            </a:r>
+          </a:p>
+          <a:p>
+            <a:pPr marL="285750" indent="-285750">
+              <a:buFont typeface="Arial" panose="020B0604020202020204" pitchFamily="34" charset="0"/>
+              <a:buChar char="•"/>
+            </a:pPr>
+            <a:r>
+              <a:rPr lang="ru-RU" sz="2000" dirty="0">
+                <a:solidFill>
+                  <a:srgbClr val="000000"/>
+                </a:solidFill>
+              </a:rPr>
+              <a:t>Время проведенное дома</a:t>
+            </a:r>
+          </a:p>
+          <a:p>
+            <a:pPr marL="285750" indent="-285750">
+              <a:buFont typeface="Arial" panose="020B0604020202020204" pitchFamily="34" charset="0"/>
+              <a:buChar char="•"/>
+            </a:pPr>
+            <a:r>
+              <a:rPr lang="ru-RU" sz="2000" dirty="0">
+                <a:solidFill>
+                  <a:srgbClr val="000000"/>
+                </a:solidFill>
+              </a:rPr>
+              <a:t>Время вне дома и работы</a:t>
+            </a:r>
+            <a:endParaRPr lang="en" sz="2000" dirty="0">
+              <a:solidFill>
+                <a:srgbClr val="000000"/>
+              </a:solidFill>
+            </a:endParaRPr>
+          </a:p>
+        </p:txBody>
+      </p:sp>
+      <p:cxnSp>
+        <p:nvCxnSpPr>
+          <p:cNvPr id="6" name="Connector: Elbow 5">
+            <a:extLst>
+              <a:ext uri="{FF2B5EF4-FFF2-40B4-BE49-F238E27FC236}">
+                <a16:creationId xmlns:a16="http://schemas.microsoft.com/office/drawing/2014/main" id="{9E3AC273-A938-4C73-9F5B-A9CFF50C3FE1}"/>
+              </a:ext>
+            </a:extLst>
+          </p:cNvPr>
+          <p:cNvCxnSpPr>
+            <a:cxnSpLocks/>
+          </p:cNvCxnSpPr>
+          <p:nvPr/>
+        </p:nvCxnSpPr>
+        <p:spPr>
+          <a:xfrm>
+            <a:off x="2357306" y="3572332"/>
+            <a:ext cx="2617366" cy="1989569"/>
+          </a:xfrm>
+          <a:prstGeom prst="bentConnector3">
+            <a:avLst>
+              <a:gd name="adj1" fmla="val 0"/>
+            </a:avLst>
+          </a:prstGeom>
+          <a:ln w="28575">
+            <a:tailEnd type="triangle"/>
+          </a:ln>
+        </p:spPr>
+        <p:style>
+          <a:lnRef idx="1">
+            <a:schemeClr val="dk1"/>
+          </a:lnRef>
+          <a:fillRef idx="0">
+            <a:schemeClr val="dk1"/>
+          </a:fillRef>
+          <a:effectRef idx="0">
+            <a:schemeClr val="dk1"/>
+          </a:effectRef>
+          <a:fontRef idx="minor">
+            <a:schemeClr val="tx1"/>
+          </a:fontRef>
+        </p:style>
+      </p:cxnSp>
     </p:spTree>
   </p:cSld>
   <p:clrMapOvr>
